--- a/doc/NLP.pptx
+++ b/doc/NLP.pptx
@@ -4,12 +4,24 @@
   <p:sldMasterIdLst>
     <p:sldMasterId id="2147483648" r:id="rId1"/>
   </p:sldMasterIdLst>
+  <p:notesMasterIdLst>
+    <p:notesMasterId r:id="rId16"/>
+  </p:notesMasterIdLst>
   <p:sldIdLst>
     <p:sldId id="256" r:id="rId2"/>
     <p:sldId id="257" r:id="rId3"/>
     <p:sldId id="259" r:id="rId4"/>
     <p:sldId id="260" r:id="rId5"/>
     <p:sldId id="261" r:id="rId6"/>
+    <p:sldId id="262" r:id="rId7"/>
+    <p:sldId id="264" r:id="rId8"/>
+    <p:sldId id="266" r:id="rId9"/>
+    <p:sldId id="267" r:id="rId10"/>
+    <p:sldId id="263" r:id="rId11"/>
+    <p:sldId id="265" r:id="rId12"/>
+    <p:sldId id="268" r:id="rId13"/>
+    <p:sldId id="269" r:id="rId14"/>
+    <p:sldId id="270" r:id="rId15"/>
   </p:sldIdLst>
   <p:sldSz cx="12192000" cy="6858000"/>
   <p:notesSz cx="6858000" cy="9144000"/>
@@ -116,6 +128,446 @@
 </p:presentation>
 </file>
 
+<file path=ppt/notesMasters/notesMaster1.xml><?xml version="1.0" encoding="utf-8"?>
+<p:notesMaster xmlns:a="http://schemas.openxmlformats.org/drawingml/2006/main" xmlns:r="http://schemas.openxmlformats.org/officeDocument/2006/relationships" xmlns:p="http://schemas.openxmlformats.org/presentationml/2006/main">
+  <p:cSld>
+    <p:bg>
+      <p:bgRef idx="1001">
+        <a:schemeClr val="bg1"/>
+      </p:bgRef>
+    </p:bg>
+    <p:spTree>
+      <p:nvGrpSpPr>
+        <p:cNvPr id="1" name=""/>
+        <p:cNvGrpSpPr/>
+        <p:nvPr/>
+      </p:nvGrpSpPr>
+      <p:grpSpPr>
+        <a:xfrm>
+          <a:off x="0" y="0"/>
+          <a:ext cx="0" cy="0"/>
+          <a:chOff x="0" y="0"/>
+          <a:chExt cx="0" cy="0"/>
+        </a:xfrm>
+      </p:grpSpPr>
+      <p:sp>
+        <p:nvSpPr>
+          <p:cNvPr id="2" name="ヘッダー プレースホルダー 1"/>
+          <p:cNvSpPr>
+            <a:spLocks noGrp="1"/>
+          </p:cNvSpPr>
+          <p:nvPr>
+            <p:ph type="hdr" sz="quarter"/>
+          </p:nvPr>
+        </p:nvSpPr>
+        <p:spPr>
+          <a:xfrm>
+            <a:off x="0" y="0"/>
+            <a:ext cx="2971800" cy="458788"/>
+          </a:xfrm>
+          <a:prstGeom prst="rect">
+            <a:avLst/>
+          </a:prstGeom>
+        </p:spPr>
+        <p:txBody>
+          <a:bodyPr vert="horz" lIns="91440" tIns="45720" rIns="91440" bIns="45720" rtlCol="0"/>
+          <a:lstStyle>
+            <a:lvl1pPr algn="l">
+              <a:defRPr sz="1200"/>
+            </a:lvl1pPr>
+          </a:lstStyle>
+          <a:p>
+            <a:endParaRPr kumimoji="1" lang="ja-JP" altLang="en-US"/>
+          </a:p>
+        </p:txBody>
+      </p:sp>
+      <p:sp>
+        <p:nvSpPr>
+          <p:cNvPr id="3" name="日付プレースホルダー 2"/>
+          <p:cNvSpPr>
+            <a:spLocks noGrp="1"/>
+          </p:cNvSpPr>
+          <p:nvPr>
+            <p:ph type="dt" idx="1"/>
+          </p:nvPr>
+        </p:nvSpPr>
+        <p:spPr>
+          <a:xfrm>
+            <a:off x="3884613" y="0"/>
+            <a:ext cx="2971800" cy="458788"/>
+          </a:xfrm>
+          <a:prstGeom prst="rect">
+            <a:avLst/>
+          </a:prstGeom>
+        </p:spPr>
+        <p:txBody>
+          <a:bodyPr vert="horz" lIns="91440" tIns="45720" rIns="91440" bIns="45720" rtlCol="0"/>
+          <a:lstStyle>
+            <a:lvl1pPr algn="r">
+              <a:defRPr sz="1200"/>
+            </a:lvl1pPr>
+          </a:lstStyle>
+          <a:p>
+            <a:fld id="{27A630FB-FFB0-5640-BA93-E7E75B0B2778}" type="datetimeFigureOut">
+              <a:rPr kumimoji="1" lang="ja-JP" altLang="en-US" smtClean="0"/>
+              <a:t>2018/5/17</a:t>
+            </a:fld>
+            <a:endParaRPr kumimoji="1" lang="ja-JP" altLang="en-US"/>
+          </a:p>
+        </p:txBody>
+      </p:sp>
+      <p:sp>
+        <p:nvSpPr>
+          <p:cNvPr id="4" name="スライド イメージ プレースホルダー 3"/>
+          <p:cNvSpPr>
+            <a:spLocks noGrp="1" noRot="1" noChangeAspect="1"/>
+          </p:cNvSpPr>
+          <p:nvPr>
+            <p:ph type="sldImg" idx="2"/>
+          </p:nvPr>
+        </p:nvSpPr>
+        <p:spPr>
+          <a:xfrm>
+            <a:off x="685800" y="1143000"/>
+            <a:ext cx="5486400" cy="3086100"/>
+          </a:xfrm>
+          <a:prstGeom prst="rect">
+            <a:avLst/>
+          </a:prstGeom>
+          <a:noFill/>
+          <a:ln w="12700">
+            <a:solidFill>
+              <a:prstClr val="black"/>
+            </a:solidFill>
+          </a:ln>
+        </p:spPr>
+        <p:txBody>
+          <a:bodyPr vert="horz" lIns="91440" tIns="45720" rIns="91440" bIns="45720" rtlCol="0" anchor="ctr"/>
+          <a:lstStyle/>
+          <a:p>
+            <a:endParaRPr lang="ja-JP" altLang="en-US"/>
+          </a:p>
+        </p:txBody>
+      </p:sp>
+      <p:sp>
+        <p:nvSpPr>
+          <p:cNvPr id="5" name="ノート プレースホルダー 4"/>
+          <p:cNvSpPr>
+            <a:spLocks noGrp="1"/>
+          </p:cNvSpPr>
+          <p:nvPr>
+            <p:ph type="body" sz="quarter" idx="3"/>
+          </p:nvPr>
+        </p:nvSpPr>
+        <p:spPr>
+          <a:xfrm>
+            <a:off x="685800" y="4400550"/>
+            <a:ext cx="5486400" cy="3600450"/>
+          </a:xfrm>
+          <a:prstGeom prst="rect">
+            <a:avLst/>
+          </a:prstGeom>
+        </p:spPr>
+        <p:txBody>
+          <a:bodyPr vert="horz" lIns="91440" tIns="45720" rIns="91440" bIns="45720" rtlCol="0"/>
+          <a:lstStyle/>
+          <a:p>
+            <a:r>
+              <a:rPr kumimoji="1" lang="ja-JP" altLang="en-US"/>
+              <a:t>マスター テキストの書式設定
+第 </a:t>
+            </a:r>
+            <a:r>
+              <a:rPr kumimoji="1" lang="en-US" altLang="ja-JP"/>
+              <a:t>2 </a:t>
+            </a:r>
+            <a:r>
+              <a:rPr kumimoji="1" lang="ja-JP" altLang="en-US"/>
+              <a:t>レベル
+第 </a:t>
+            </a:r>
+            <a:r>
+              <a:rPr kumimoji="1" lang="en-US" altLang="ja-JP"/>
+              <a:t>3 </a:t>
+            </a:r>
+            <a:r>
+              <a:rPr kumimoji="1" lang="ja-JP" altLang="en-US"/>
+              <a:t>レベル
+第 </a:t>
+            </a:r>
+            <a:r>
+              <a:rPr kumimoji="1" lang="en-US" altLang="ja-JP"/>
+              <a:t>4 </a:t>
+            </a:r>
+            <a:r>
+              <a:rPr kumimoji="1" lang="ja-JP" altLang="en-US"/>
+              <a:t>レベル
+第 </a:t>
+            </a:r>
+            <a:r>
+              <a:rPr kumimoji="1" lang="en-US" altLang="ja-JP"/>
+              <a:t>5 </a:t>
+            </a:r>
+            <a:r>
+              <a:rPr kumimoji="1" lang="ja-JP" altLang="en-US"/>
+              <a:t>レベル</a:t>
+            </a:r>
+          </a:p>
+        </p:txBody>
+      </p:sp>
+      <p:sp>
+        <p:nvSpPr>
+          <p:cNvPr id="6" name="フッター プレースホルダー 5"/>
+          <p:cNvSpPr>
+            <a:spLocks noGrp="1"/>
+          </p:cNvSpPr>
+          <p:nvPr>
+            <p:ph type="ftr" sz="quarter" idx="4"/>
+          </p:nvPr>
+        </p:nvSpPr>
+        <p:spPr>
+          <a:xfrm>
+            <a:off x="0" y="8685213"/>
+            <a:ext cx="2971800" cy="458787"/>
+          </a:xfrm>
+          <a:prstGeom prst="rect">
+            <a:avLst/>
+          </a:prstGeom>
+        </p:spPr>
+        <p:txBody>
+          <a:bodyPr vert="horz" lIns="91440" tIns="45720" rIns="91440" bIns="45720" rtlCol="0" anchor="b"/>
+          <a:lstStyle>
+            <a:lvl1pPr algn="l">
+              <a:defRPr sz="1200"/>
+            </a:lvl1pPr>
+          </a:lstStyle>
+          <a:p>
+            <a:endParaRPr kumimoji="1" lang="ja-JP" altLang="en-US"/>
+          </a:p>
+        </p:txBody>
+      </p:sp>
+      <p:sp>
+        <p:nvSpPr>
+          <p:cNvPr id="7" name="スライド番号プレースホルダー 6"/>
+          <p:cNvSpPr>
+            <a:spLocks noGrp="1"/>
+          </p:cNvSpPr>
+          <p:nvPr>
+            <p:ph type="sldNum" sz="quarter" idx="5"/>
+          </p:nvPr>
+        </p:nvSpPr>
+        <p:spPr>
+          <a:xfrm>
+            <a:off x="3884613" y="8685213"/>
+            <a:ext cx="2971800" cy="458787"/>
+          </a:xfrm>
+          <a:prstGeom prst="rect">
+            <a:avLst/>
+          </a:prstGeom>
+        </p:spPr>
+        <p:txBody>
+          <a:bodyPr vert="horz" lIns="91440" tIns="45720" rIns="91440" bIns="45720" rtlCol="0" anchor="b"/>
+          <a:lstStyle>
+            <a:lvl1pPr algn="r">
+              <a:defRPr sz="1200"/>
+            </a:lvl1pPr>
+          </a:lstStyle>
+          <a:p>
+            <a:fld id="{32C96976-9D0A-4E4A-B669-D40B415ED210}" type="slidenum">
+              <a:rPr kumimoji="1" lang="ja-JP" altLang="en-US" smtClean="0"/>
+              <a:t>‹#›</a:t>
+            </a:fld>
+            <a:endParaRPr kumimoji="1" lang="ja-JP" altLang="en-US"/>
+          </a:p>
+        </p:txBody>
+      </p:sp>
+    </p:spTree>
+    <p:extLst>
+      <p:ext uri="{BB962C8B-B14F-4D97-AF65-F5344CB8AC3E}">
+        <p14:creationId xmlns:p14="http://schemas.microsoft.com/office/powerpoint/2010/main" val="999321875"/>
+      </p:ext>
+    </p:extLst>
+  </p:cSld>
+  <p:clrMap bg1="lt1" tx1="dk1" bg2="lt2" tx2="dk2" accent1="accent1" accent2="accent2" accent3="accent3" accent4="accent4" accent5="accent5" accent6="accent6" hlink="hlink" folHlink="folHlink"/>
+  <p:notesStyle>
+    <a:lvl1pPr marL="0" algn="l" defTabSz="914400" rtl="0" eaLnBrk="1" latinLnBrk="0" hangingPunct="1">
+      <a:defRPr kumimoji="1" sz="1200" kern="1200">
+        <a:solidFill>
+          <a:schemeClr val="tx1"/>
+        </a:solidFill>
+        <a:latin typeface="+mn-lt"/>
+        <a:ea typeface="+mn-ea"/>
+        <a:cs typeface="+mn-cs"/>
+      </a:defRPr>
+    </a:lvl1pPr>
+    <a:lvl2pPr marL="457200" algn="l" defTabSz="914400" rtl="0" eaLnBrk="1" latinLnBrk="0" hangingPunct="1">
+      <a:defRPr kumimoji="1" sz="1200" kern="1200">
+        <a:solidFill>
+          <a:schemeClr val="tx1"/>
+        </a:solidFill>
+        <a:latin typeface="+mn-lt"/>
+        <a:ea typeface="+mn-ea"/>
+        <a:cs typeface="+mn-cs"/>
+      </a:defRPr>
+    </a:lvl2pPr>
+    <a:lvl3pPr marL="914400" algn="l" defTabSz="914400" rtl="0" eaLnBrk="1" latinLnBrk="0" hangingPunct="1">
+      <a:defRPr kumimoji="1" sz="1200" kern="1200">
+        <a:solidFill>
+          <a:schemeClr val="tx1"/>
+        </a:solidFill>
+        <a:latin typeface="+mn-lt"/>
+        <a:ea typeface="+mn-ea"/>
+        <a:cs typeface="+mn-cs"/>
+      </a:defRPr>
+    </a:lvl3pPr>
+    <a:lvl4pPr marL="1371600" algn="l" defTabSz="914400" rtl="0" eaLnBrk="1" latinLnBrk="0" hangingPunct="1">
+      <a:defRPr kumimoji="1" sz="1200" kern="1200">
+        <a:solidFill>
+          <a:schemeClr val="tx1"/>
+        </a:solidFill>
+        <a:latin typeface="+mn-lt"/>
+        <a:ea typeface="+mn-ea"/>
+        <a:cs typeface="+mn-cs"/>
+      </a:defRPr>
+    </a:lvl4pPr>
+    <a:lvl5pPr marL="1828800" algn="l" defTabSz="914400" rtl="0" eaLnBrk="1" latinLnBrk="0" hangingPunct="1">
+      <a:defRPr kumimoji="1" sz="1200" kern="1200">
+        <a:solidFill>
+          <a:schemeClr val="tx1"/>
+        </a:solidFill>
+        <a:latin typeface="+mn-lt"/>
+        <a:ea typeface="+mn-ea"/>
+        <a:cs typeface="+mn-cs"/>
+      </a:defRPr>
+    </a:lvl5pPr>
+    <a:lvl6pPr marL="2286000" algn="l" defTabSz="914400" rtl="0" eaLnBrk="1" latinLnBrk="0" hangingPunct="1">
+      <a:defRPr kumimoji="1" sz="1200" kern="1200">
+        <a:solidFill>
+          <a:schemeClr val="tx1"/>
+        </a:solidFill>
+        <a:latin typeface="+mn-lt"/>
+        <a:ea typeface="+mn-ea"/>
+        <a:cs typeface="+mn-cs"/>
+      </a:defRPr>
+    </a:lvl6pPr>
+    <a:lvl7pPr marL="2743200" algn="l" defTabSz="914400" rtl="0" eaLnBrk="1" latinLnBrk="0" hangingPunct="1">
+      <a:defRPr kumimoji="1" sz="1200" kern="1200">
+        <a:solidFill>
+          <a:schemeClr val="tx1"/>
+        </a:solidFill>
+        <a:latin typeface="+mn-lt"/>
+        <a:ea typeface="+mn-ea"/>
+        <a:cs typeface="+mn-cs"/>
+      </a:defRPr>
+    </a:lvl7pPr>
+    <a:lvl8pPr marL="3200400" algn="l" defTabSz="914400" rtl="0" eaLnBrk="1" latinLnBrk="0" hangingPunct="1">
+      <a:defRPr kumimoji="1" sz="1200" kern="1200">
+        <a:solidFill>
+          <a:schemeClr val="tx1"/>
+        </a:solidFill>
+        <a:latin typeface="+mn-lt"/>
+        <a:ea typeface="+mn-ea"/>
+        <a:cs typeface="+mn-cs"/>
+      </a:defRPr>
+    </a:lvl8pPr>
+    <a:lvl9pPr marL="3657600" algn="l" defTabSz="914400" rtl="0" eaLnBrk="1" latinLnBrk="0" hangingPunct="1">
+      <a:defRPr kumimoji="1" sz="1200" kern="1200">
+        <a:solidFill>
+          <a:schemeClr val="tx1"/>
+        </a:solidFill>
+        <a:latin typeface="+mn-lt"/>
+        <a:ea typeface="+mn-ea"/>
+        <a:cs typeface="+mn-cs"/>
+      </a:defRPr>
+    </a:lvl9pPr>
+  </p:notesStyle>
+</p:notesMaster>
+</file>
+
+<file path=ppt/notesSlides/notesSlide1.xml><?xml version="1.0" encoding="utf-8"?>
+<p:notes xmlns:a="http://schemas.openxmlformats.org/drawingml/2006/main" xmlns:r="http://schemas.openxmlformats.org/officeDocument/2006/relationships" xmlns:p="http://schemas.openxmlformats.org/presentationml/2006/main">
+  <p:cSld>
+    <p:spTree>
+      <p:nvGrpSpPr>
+        <p:cNvPr id="1" name=""/>
+        <p:cNvGrpSpPr/>
+        <p:nvPr/>
+      </p:nvGrpSpPr>
+      <p:grpSpPr>
+        <a:xfrm>
+          <a:off x="0" y="0"/>
+          <a:ext cx="0" cy="0"/>
+          <a:chOff x="0" y="0"/>
+          <a:chExt cx="0" cy="0"/>
+        </a:xfrm>
+      </p:grpSpPr>
+      <p:sp>
+        <p:nvSpPr>
+          <p:cNvPr id="2" name="スライド イメージ プレースホルダー 1"/>
+          <p:cNvSpPr>
+            <a:spLocks noGrp="1" noRot="1" noChangeAspect="1"/>
+          </p:cNvSpPr>
+          <p:nvPr>
+            <p:ph type="sldImg"/>
+          </p:nvPr>
+        </p:nvSpPr>
+        <p:spPr/>
+      </p:sp>
+      <p:sp>
+        <p:nvSpPr>
+          <p:cNvPr id="3" name="ノート プレースホルダー 2"/>
+          <p:cNvSpPr>
+            <a:spLocks noGrp="1"/>
+          </p:cNvSpPr>
+          <p:nvPr>
+            <p:ph type="body" idx="1"/>
+          </p:nvPr>
+        </p:nvSpPr>
+        <p:spPr/>
+        <p:txBody>
+          <a:bodyPr/>
+          <a:lstStyle/>
+          <a:p>
+            <a:endParaRPr kumimoji="1" lang="ja-JP" altLang="en-US"/>
+          </a:p>
+        </p:txBody>
+      </p:sp>
+      <p:sp>
+        <p:nvSpPr>
+          <p:cNvPr id="4" name="スライド番号プレースホルダー 3"/>
+          <p:cNvSpPr>
+            <a:spLocks noGrp="1"/>
+          </p:cNvSpPr>
+          <p:nvPr>
+            <p:ph type="sldNum" sz="quarter" idx="10"/>
+          </p:nvPr>
+        </p:nvSpPr>
+        <p:spPr/>
+        <p:txBody>
+          <a:bodyPr/>
+          <a:lstStyle/>
+          <a:p>
+            <a:fld id="{32C96976-9D0A-4E4A-B669-D40B415ED210}" type="slidenum">
+              <a:rPr kumimoji="1" lang="ja-JP" altLang="en-US" smtClean="0"/>
+              <a:t>8</a:t>
+            </a:fld>
+            <a:endParaRPr kumimoji="1" lang="ja-JP" altLang="en-US"/>
+          </a:p>
+        </p:txBody>
+      </p:sp>
+    </p:spTree>
+    <p:extLst>
+      <p:ext uri="{BB962C8B-B14F-4D97-AF65-F5344CB8AC3E}">
+        <p14:creationId xmlns:p14="http://schemas.microsoft.com/office/powerpoint/2010/main" val="489385654"/>
+      </p:ext>
+    </p:extLst>
+  </p:cSld>
+  <p:clrMapOvr>
+    <a:masterClrMapping/>
+  </p:clrMapOvr>
+</p:notes>
+</file>
+
 <file path=ppt/slideLayouts/slideLayout1.xml><?xml version="1.0" encoding="utf-8"?>
 <p:sldLayout xmlns:a="http://schemas.openxmlformats.org/drawingml/2006/main" xmlns:r="http://schemas.openxmlformats.org/officeDocument/2006/relationships" xmlns:p="http://schemas.openxmlformats.org/presentationml/2006/main" type="title" preserve="1">
   <p:cSld name="タイトル スライド">
@@ -138,7 +590,7 @@
           <p:cNvPr id="2" name="タイトル 1">
             <a:extLst>
               <a:ext uri="{FF2B5EF4-FFF2-40B4-BE49-F238E27FC236}">
-                <a16:creationId xmlns:a16="http://schemas.microsoft.com/office/drawing/2014/main" xmlns="" id="{F87AF827-BFED-D740-BAE5-E1D5A56ED999}"/>
+                <a16:creationId xmlns:a16="http://schemas.microsoft.com/office/drawing/2014/main" id="{F87AF827-BFED-D740-BAE5-E1D5A56ED999}"/>
               </a:ext>
             </a:extLst>
           </p:cNvPr>
@@ -175,7 +627,7 @@
           <p:cNvPr id="3" name="字幕 2">
             <a:extLst>
               <a:ext uri="{FF2B5EF4-FFF2-40B4-BE49-F238E27FC236}">
-                <a16:creationId xmlns:a16="http://schemas.microsoft.com/office/drawing/2014/main" xmlns="" id="{B288FB22-F237-5B4E-A1A2-EBE852D28750}"/>
+                <a16:creationId xmlns:a16="http://schemas.microsoft.com/office/drawing/2014/main" id="{B288FB22-F237-5B4E-A1A2-EBE852D28750}"/>
               </a:ext>
             </a:extLst>
           </p:cNvPr>
@@ -245,7 +697,7 @@
           <p:cNvPr id="4" name="日付プレースホルダー 3">
             <a:extLst>
               <a:ext uri="{FF2B5EF4-FFF2-40B4-BE49-F238E27FC236}">
-                <a16:creationId xmlns:a16="http://schemas.microsoft.com/office/drawing/2014/main" xmlns="" id="{E54333A1-456D-BF46-895E-388CB4874BD6}"/>
+                <a16:creationId xmlns:a16="http://schemas.microsoft.com/office/drawing/2014/main" id="{E54333A1-456D-BF46-895E-388CB4874BD6}"/>
               </a:ext>
             </a:extLst>
           </p:cNvPr>
@@ -263,7 +715,7 @@
           <a:p>
             <a:fld id="{4EBD962E-249E-C34D-98AB-0C1F37A12A21}" type="datetimeFigureOut">
               <a:rPr kumimoji="1" lang="ja-JP" altLang="en-US" smtClean="0"/>
-              <a:t>2018/5/16</a:t>
+              <a:t>2018/5/17</a:t>
             </a:fld>
             <a:endParaRPr kumimoji="1" lang="ja-JP" altLang="en-US"/>
           </a:p>
@@ -274,7 +726,7 @@
           <p:cNvPr id="5" name="フッター プレースホルダー 4">
             <a:extLst>
               <a:ext uri="{FF2B5EF4-FFF2-40B4-BE49-F238E27FC236}">
-                <a16:creationId xmlns:a16="http://schemas.microsoft.com/office/drawing/2014/main" xmlns="" id="{6D9606B9-2F75-CB43-A871-1303462025BE}"/>
+                <a16:creationId xmlns:a16="http://schemas.microsoft.com/office/drawing/2014/main" id="{6D9606B9-2F75-CB43-A871-1303462025BE}"/>
               </a:ext>
             </a:extLst>
           </p:cNvPr>
@@ -299,7 +751,7 @@
           <p:cNvPr id="6" name="スライド番号プレースホルダー 5">
             <a:extLst>
               <a:ext uri="{FF2B5EF4-FFF2-40B4-BE49-F238E27FC236}">
-                <a16:creationId xmlns:a16="http://schemas.microsoft.com/office/drawing/2014/main" xmlns="" id="{79BC418D-531A-244B-85DB-34840D494778}"/>
+                <a16:creationId xmlns:a16="http://schemas.microsoft.com/office/drawing/2014/main" id="{79BC418D-531A-244B-85DB-34840D494778}"/>
               </a:ext>
             </a:extLst>
           </p:cNvPr>
@@ -358,7 +810,7 @@
           <p:cNvPr id="2" name="タイトル 1">
             <a:extLst>
               <a:ext uri="{FF2B5EF4-FFF2-40B4-BE49-F238E27FC236}">
-                <a16:creationId xmlns:a16="http://schemas.microsoft.com/office/drawing/2014/main" xmlns="" id="{DA7F3422-ADBF-0748-A8D6-48C8E0147049}"/>
+                <a16:creationId xmlns:a16="http://schemas.microsoft.com/office/drawing/2014/main" id="{DA7F3422-ADBF-0748-A8D6-48C8E0147049}"/>
               </a:ext>
             </a:extLst>
           </p:cNvPr>
@@ -386,7 +838,7 @@
           <p:cNvPr id="3" name="縦書きテキスト プレースホルダー 2">
             <a:extLst>
               <a:ext uri="{FF2B5EF4-FFF2-40B4-BE49-F238E27FC236}">
-                <a16:creationId xmlns:a16="http://schemas.microsoft.com/office/drawing/2014/main" xmlns="" id="{2C8D798A-CD55-8942-9F08-73255C95BF47}"/>
+                <a16:creationId xmlns:a16="http://schemas.microsoft.com/office/drawing/2014/main" id="{2C8D798A-CD55-8942-9F08-73255C95BF47}"/>
               </a:ext>
             </a:extLst>
           </p:cNvPr>
@@ -450,7 +902,7 @@
           <p:cNvPr id="4" name="日付プレースホルダー 3">
             <a:extLst>
               <a:ext uri="{FF2B5EF4-FFF2-40B4-BE49-F238E27FC236}">
-                <a16:creationId xmlns:a16="http://schemas.microsoft.com/office/drawing/2014/main" xmlns="" id="{F75EAD5A-C1D1-EF49-BF4E-32ACFAB965DC}"/>
+                <a16:creationId xmlns:a16="http://schemas.microsoft.com/office/drawing/2014/main" id="{F75EAD5A-C1D1-EF49-BF4E-32ACFAB965DC}"/>
               </a:ext>
             </a:extLst>
           </p:cNvPr>
@@ -468,7 +920,7 @@
           <a:p>
             <a:fld id="{4EBD962E-249E-C34D-98AB-0C1F37A12A21}" type="datetimeFigureOut">
               <a:rPr kumimoji="1" lang="ja-JP" altLang="en-US" smtClean="0"/>
-              <a:t>2018/5/16</a:t>
+              <a:t>2018/5/17</a:t>
             </a:fld>
             <a:endParaRPr kumimoji="1" lang="ja-JP" altLang="en-US"/>
           </a:p>
@@ -479,7 +931,7 @@
           <p:cNvPr id="5" name="フッター プレースホルダー 4">
             <a:extLst>
               <a:ext uri="{FF2B5EF4-FFF2-40B4-BE49-F238E27FC236}">
-                <a16:creationId xmlns:a16="http://schemas.microsoft.com/office/drawing/2014/main" xmlns="" id="{6D5ACBCC-EF3A-AC40-8C45-18C2E279C4A6}"/>
+                <a16:creationId xmlns:a16="http://schemas.microsoft.com/office/drawing/2014/main" id="{6D5ACBCC-EF3A-AC40-8C45-18C2E279C4A6}"/>
               </a:ext>
             </a:extLst>
           </p:cNvPr>
@@ -504,7 +956,7 @@
           <p:cNvPr id="6" name="スライド番号プレースホルダー 5">
             <a:extLst>
               <a:ext uri="{FF2B5EF4-FFF2-40B4-BE49-F238E27FC236}">
-                <a16:creationId xmlns:a16="http://schemas.microsoft.com/office/drawing/2014/main" xmlns="" id="{1E0BFCF7-46DF-EA4F-9E25-C9BA2EA0215E}"/>
+                <a16:creationId xmlns:a16="http://schemas.microsoft.com/office/drawing/2014/main" id="{1E0BFCF7-46DF-EA4F-9E25-C9BA2EA0215E}"/>
               </a:ext>
             </a:extLst>
           </p:cNvPr>
@@ -563,7 +1015,7 @@
           <p:cNvPr id="2" name="縦書きタイトル 1">
             <a:extLst>
               <a:ext uri="{FF2B5EF4-FFF2-40B4-BE49-F238E27FC236}">
-                <a16:creationId xmlns:a16="http://schemas.microsoft.com/office/drawing/2014/main" xmlns="" id="{7D01EF52-18F7-7542-B0F8-AB8092C872A9}"/>
+                <a16:creationId xmlns:a16="http://schemas.microsoft.com/office/drawing/2014/main" id="{7D01EF52-18F7-7542-B0F8-AB8092C872A9}"/>
               </a:ext>
             </a:extLst>
           </p:cNvPr>
@@ -596,7 +1048,7 @@
           <p:cNvPr id="3" name="縦書きテキスト プレースホルダー 2">
             <a:extLst>
               <a:ext uri="{FF2B5EF4-FFF2-40B4-BE49-F238E27FC236}">
-                <a16:creationId xmlns:a16="http://schemas.microsoft.com/office/drawing/2014/main" xmlns="" id="{6FF89176-7A7A-5D4A-BF59-713BF1158631}"/>
+                <a16:creationId xmlns:a16="http://schemas.microsoft.com/office/drawing/2014/main" id="{6FF89176-7A7A-5D4A-BF59-713BF1158631}"/>
               </a:ext>
             </a:extLst>
           </p:cNvPr>
@@ -665,7 +1117,7 @@
           <p:cNvPr id="4" name="日付プレースホルダー 3">
             <a:extLst>
               <a:ext uri="{FF2B5EF4-FFF2-40B4-BE49-F238E27FC236}">
-                <a16:creationId xmlns:a16="http://schemas.microsoft.com/office/drawing/2014/main" xmlns="" id="{F988E0F3-D381-974B-A0FF-9139CCACB2E2}"/>
+                <a16:creationId xmlns:a16="http://schemas.microsoft.com/office/drawing/2014/main" id="{F988E0F3-D381-974B-A0FF-9139CCACB2E2}"/>
               </a:ext>
             </a:extLst>
           </p:cNvPr>
@@ -683,7 +1135,7 @@
           <a:p>
             <a:fld id="{4EBD962E-249E-C34D-98AB-0C1F37A12A21}" type="datetimeFigureOut">
               <a:rPr kumimoji="1" lang="ja-JP" altLang="en-US" smtClean="0"/>
-              <a:t>2018/5/16</a:t>
+              <a:t>2018/5/17</a:t>
             </a:fld>
             <a:endParaRPr kumimoji="1" lang="ja-JP" altLang="en-US"/>
           </a:p>
@@ -694,7 +1146,7 @@
           <p:cNvPr id="5" name="フッター プレースホルダー 4">
             <a:extLst>
               <a:ext uri="{FF2B5EF4-FFF2-40B4-BE49-F238E27FC236}">
-                <a16:creationId xmlns:a16="http://schemas.microsoft.com/office/drawing/2014/main" xmlns="" id="{EB81CE6A-A6B4-0F4F-A825-A798C78A8C3A}"/>
+                <a16:creationId xmlns:a16="http://schemas.microsoft.com/office/drawing/2014/main" id="{EB81CE6A-A6B4-0F4F-A825-A798C78A8C3A}"/>
               </a:ext>
             </a:extLst>
           </p:cNvPr>
@@ -719,7 +1171,7 @@
           <p:cNvPr id="6" name="スライド番号プレースホルダー 5">
             <a:extLst>
               <a:ext uri="{FF2B5EF4-FFF2-40B4-BE49-F238E27FC236}">
-                <a16:creationId xmlns:a16="http://schemas.microsoft.com/office/drawing/2014/main" xmlns="" id="{E5A88500-FA6A-B44A-9170-C666BDA37A91}"/>
+                <a16:creationId xmlns:a16="http://schemas.microsoft.com/office/drawing/2014/main" id="{E5A88500-FA6A-B44A-9170-C666BDA37A91}"/>
               </a:ext>
             </a:extLst>
           </p:cNvPr>
@@ -778,7 +1230,7 @@
           <p:cNvPr id="2" name="タイトル 1">
             <a:extLst>
               <a:ext uri="{FF2B5EF4-FFF2-40B4-BE49-F238E27FC236}">
-                <a16:creationId xmlns:a16="http://schemas.microsoft.com/office/drawing/2014/main" xmlns="" id="{741AB364-C1F0-7741-BB2C-7CCE30B842C7}"/>
+                <a16:creationId xmlns:a16="http://schemas.microsoft.com/office/drawing/2014/main" id="{741AB364-C1F0-7741-BB2C-7CCE30B842C7}"/>
               </a:ext>
             </a:extLst>
           </p:cNvPr>
@@ -806,7 +1258,7 @@
           <p:cNvPr id="3" name="コンテンツ プレースホルダー 2">
             <a:extLst>
               <a:ext uri="{FF2B5EF4-FFF2-40B4-BE49-F238E27FC236}">
-                <a16:creationId xmlns:a16="http://schemas.microsoft.com/office/drawing/2014/main" xmlns="" id="{C89D01E6-693A-E943-A765-07A8B550EFDD}"/>
+                <a16:creationId xmlns:a16="http://schemas.microsoft.com/office/drawing/2014/main" id="{C89D01E6-693A-E943-A765-07A8B550EFDD}"/>
               </a:ext>
             </a:extLst>
           </p:cNvPr>
@@ -870,7 +1322,7 @@
           <p:cNvPr id="4" name="日付プレースホルダー 3">
             <a:extLst>
               <a:ext uri="{FF2B5EF4-FFF2-40B4-BE49-F238E27FC236}">
-                <a16:creationId xmlns:a16="http://schemas.microsoft.com/office/drawing/2014/main" xmlns="" id="{465C80F9-28DD-394A-B6D8-10B77A6A8C95}"/>
+                <a16:creationId xmlns:a16="http://schemas.microsoft.com/office/drawing/2014/main" id="{465C80F9-28DD-394A-B6D8-10B77A6A8C95}"/>
               </a:ext>
             </a:extLst>
           </p:cNvPr>
@@ -888,7 +1340,7 @@
           <a:p>
             <a:fld id="{4EBD962E-249E-C34D-98AB-0C1F37A12A21}" type="datetimeFigureOut">
               <a:rPr kumimoji="1" lang="ja-JP" altLang="en-US" smtClean="0"/>
-              <a:t>2018/5/16</a:t>
+              <a:t>2018/5/17</a:t>
             </a:fld>
             <a:endParaRPr kumimoji="1" lang="ja-JP" altLang="en-US"/>
           </a:p>
@@ -899,7 +1351,7 @@
           <p:cNvPr id="5" name="フッター プレースホルダー 4">
             <a:extLst>
               <a:ext uri="{FF2B5EF4-FFF2-40B4-BE49-F238E27FC236}">
-                <a16:creationId xmlns:a16="http://schemas.microsoft.com/office/drawing/2014/main" xmlns="" id="{4BD3A919-90DD-FE44-9DA2-5D16B5725D64}"/>
+                <a16:creationId xmlns:a16="http://schemas.microsoft.com/office/drawing/2014/main" id="{4BD3A919-90DD-FE44-9DA2-5D16B5725D64}"/>
               </a:ext>
             </a:extLst>
           </p:cNvPr>
@@ -924,7 +1376,7 @@
           <p:cNvPr id="6" name="スライド番号プレースホルダー 5">
             <a:extLst>
               <a:ext uri="{FF2B5EF4-FFF2-40B4-BE49-F238E27FC236}">
-                <a16:creationId xmlns:a16="http://schemas.microsoft.com/office/drawing/2014/main" xmlns="" id="{B1459A18-17D7-5142-ADC8-08BCD3604AE7}"/>
+                <a16:creationId xmlns:a16="http://schemas.microsoft.com/office/drawing/2014/main" id="{B1459A18-17D7-5142-ADC8-08BCD3604AE7}"/>
               </a:ext>
             </a:extLst>
           </p:cNvPr>
@@ -983,7 +1435,7 @@
           <p:cNvPr id="2" name="タイトル 1">
             <a:extLst>
               <a:ext uri="{FF2B5EF4-FFF2-40B4-BE49-F238E27FC236}">
-                <a16:creationId xmlns:a16="http://schemas.microsoft.com/office/drawing/2014/main" xmlns="" id="{8E7B9A95-16DE-B74B-9D30-5177F5D07D07}"/>
+                <a16:creationId xmlns:a16="http://schemas.microsoft.com/office/drawing/2014/main" id="{8E7B9A95-16DE-B74B-9D30-5177F5D07D07}"/>
               </a:ext>
             </a:extLst>
           </p:cNvPr>
@@ -1020,7 +1472,7 @@
           <p:cNvPr id="3" name="テキスト プレースホルダー 2">
             <a:extLst>
               <a:ext uri="{FF2B5EF4-FFF2-40B4-BE49-F238E27FC236}">
-                <a16:creationId xmlns:a16="http://schemas.microsoft.com/office/drawing/2014/main" xmlns="" id="{36742AE9-2FE5-4842-9DF1-6D9ACD5631B0}"/>
+                <a16:creationId xmlns:a16="http://schemas.microsoft.com/office/drawing/2014/main" id="{36742AE9-2FE5-4842-9DF1-6D9ACD5631B0}"/>
               </a:ext>
             </a:extLst>
           </p:cNvPr>
@@ -1180,7 +1632,7 @@
           <p:cNvPr id="4" name="日付プレースホルダー 3">
             <a:extLst>
               <a:ext uri="{FF2B5EF4-FFF2-40B4-BE49-F238E27FC236}">
-                <a16:creationId xmlns:a16="http://schemas.microsoft.com/office/drawing/2014/main" xmlns="" id="{09F3525D-C8FC-2F48-A9AE-CC573F426C35}"/>
+                <a16:creationId xmlns:a16="http://schemas.microsoft.com/office/drawing/2014/main" id="{09F3525D-C8FC-2F48-A9AE-CC573F426C35}"/>
               </a:ext>
             </a:extLst>
           </p:cNvPr>
@@ -1198,7 +1650,7 @@
           <a:p>
             <a:fld id="{4EBD962E-249E-C34D-98AB-0C1F37A12A21}" type="datetimeFigureOut">
               <a:rPr kumimoji="1" lang="ja-JP" altLang="en-US" smtClean="0"/>
-              <a:t>2018/5/16</a:t>
+              <a:t>2018/5/17</a:t>
             </a:fld>
             <a:endParaRPr kumimoji="1" lang="ja-JP" altLang="en-US"/>
           </a:p>
@@ -1209,7 +1661,7 @@
           <p:cNvPr id="5" name="フッター プレースホルダー 4">
             <a:extLst>
               <a:ext uri="{FF2B5EF4-FFF2-40B4-BE49-F238E27FC236}">
-                <a16:creationId xmlns:a16="http://schemas.microsoft.com/office/drawing/2014/main" xmlns="" id="{58343291-D765-644B-B3C1-326D0CE327C9}"/>
+                <a16:creationId xmlns:a16="http://schemas.microsoft.com/office/drawing/2014/main" id="{58343291-D765-644B-B3C1-326D0CE327C9}"/>
               </a:ext>
             </a:extLst>
           </p:cNvPr>
@@ -1234,7 +1686,7 @@
           <p:cNvPr id="6" name="スライド番号プレースホルダー 5">
             <a:extLst>
               <a:ext uri="{FF2B5EF4-FFF2-40B4-BE49-F238E27FC236}">
-                <a16:creationId xmlns:a16="http://schemas.microsoft.com/office/drawing/2014/main" xmlns="" id="{B2765E54-C286-7D4F-9976-4C89B6E0D393}"/>
+                <a16:creationId xmlns:a16="http://schemas.microsoft.com/office/drawing/2014/main" id="{B2765E54-C286-7D4F-9976-4C89B6E0D393}"/>
               </a:ext>
             </a:extLst>
           </p:cNvPr>
@@ -1293,7 +1745,7 @@
           <p:cNvPr id="2" name="タイトル 1">
             <a:extLst>
               <a:ext uri="{FF2B5EF4-FFF2-40B4-BE49-F238E27FC236}">
-                <a16:creationId xmlns:a16="http://schemas.microsoft.com/office/drawing/2014/main" xmlns="" id="{6A928EF4-FC52-2648-BBE5-9FF7FF3A4B00}"/>
+                <a16:creationId xmlns:a16="http://schemas.microsoft.com/office/drawing/2014/main" id="{6A928EF4-FC52-2648-BBE5-9FF7FF3A4B00}"/>
               </a:ext>
             </a:extLst>
           </p:cNvPr>
@@ -1321,7 +1773,7 @@
           <p:cNvPr id="3" name="コンテンツ プレースホルダー 2">
             <a:extLst>
               <a:ext uri="{FF2B5EF4-FFF2-40B4-BE49-F238E27FC236}">
-                <a16:creationId xmlns:a16="http://schemas.microsoft.com/office/drawing/2014/main" xmlns="" id="{4DEDEC8C-69A8-CE42-B0EF-1F071E85F53A}"/>
+                <a16:creationId xmlns:a16="http://schemas.microsoft.com/office/drawing/2014/main" id="{4DEDEC8C-69A8-CE42-B0EF-1F071E85F53A}"/>
               </a:ext>
             </a:extLst>
           </p:cNvPr>
@@ -1390,7 +1842,7 @@
           <p:cNvPr id="4" name="コンテンツ プレースホルダー 3">
             <a:extLst>
               <a:ext uri="{FF2B5EF4-FFF2-40B4-BE49-F238E27FC236}">
-                <a16:creationId xmlns:a16="http://schemas.microsoft.com/office/drawing/2014/main" xmlns="" id="{10751568-F0B9-3546-9D24-45E22CB1AAD5}"/>
+                <a16:creationId xmlns:a16="http://schemas.microsoft.com/office/drawing/2014/main" id="{10751568-F0B9-3546-9D24-45E22CB1AAD5}"/>
               </a:ext>
             </a:extLst>
           </p:cNvPr>
@@ -1459,7 +1911,7 @@
           <p:cNvPr id="5" name="日付プレースホルダー 4">
             <a:extLst>
               <a:ext uri="{FF2B5EF4-FFF2-40B4-BE49-F238E27FC236}">
-                <a16:creationId xmlns:a16="http://schemas.microsoft.com/office/drawing/2014/main" xmlns="" id="{10E6AF51-4E11-F241-A23F-FDC311602041}"/>
+                <a16:creationId xmlns:a16="http://schemas.microsoft.com/office/drawing/2014/main" id="{10E6AF51-4E11-F241-A23F-FDC311602041}"/>
               </a:ext>
             </a:extLst>
           </p:cNvPr>
@@ -1477,7 +1929,7 @@
           <a:p>
             <a:fld id="{4EBD962E-249E-C34D-98AB-0C1F37A12A21}" type="datetimeFigureOut">
               <a:rPr kumimoji="1" lang="ja-JP" altLang="en-US" smtClean="0"/>
-              <a:t>2018/5/16</a:t>
+              <a:t>2018/5/17</a:t>
             </a:fld>
             <a:endParaRPr kumimoji="1" lang="ja-JP" altLang="en-US"/>
           </a:p>
@@ -1488,7 +1940,7 @@
           <p:cNvPr id="6" name="フッター プレースホルダー 5">
             <a:extLst>
               <a:ext uri="{FF2B5EF4-FFF2-40B4-BE49-F238E27FC236}">
-                <a16:creationId xmlns:a16="http://schemas.microsoft.com/office/drawing/2014/main" xmlns="" id="{BDFDC106-823E-3D4B-B77F-72A4FB4547AC}"/>
+                <a16:creationId xmlns:a16="http://schemas.microsoft.com/office/drawing/2014/main" id="{BDFDC106-823E-3D4B-B77F-72A4FB4547AC}"/>
               </a:ext>
             </a:extLst>
           </p:cNvPr>
@@ -1513,7 +1965,7 @@
           <p:cNvPr id="7" name="スライド番号プレースホルダー 6">
             <a:extLst>
               <a:ext uri="{FF2B5EF4-FFF2-40B4-BE49-F238E27FC236}">
-                <a16:creationId xmlns:a16="http://schemas.microsoft.com/office/drawing/2014/main" xmlns="" id="{7EDE564A-CE0B-BC43-8F5F-13E8E91F7FA3}"/>
+                <a16:creationId xmlns:a16="http://schemas.microsoft.com/office/drawing/2014/main" id="{7EDE564A-CE0B-BC43-8F5F-13E8E91F7FA3}"/>
               </a:ext>
             </a:extLst>
           </p:cNvPr>
@@ -1572,7 +2024,7 @@
           <p:cNvPr id="2" name="タイトル 1">
             <a:extLst>
               <a:ext uri="{FF2B5EF4-FFF2-40B4-BE49-F238E27FC236}">
-                <a16:creationId xmlns:a16="http://schemas.microsoft.com/office/drawing/2014/main" xmlns="" id="{239D88F5-EA15-F64E-B014-D7A3BC7A036B}"/>
+                <a16:creationId xmlns:a16="http://schemas.microsoft.com/office/drawing/2014/main" id="{239D88F5-EA15-F64E-B014-D7A3BC7A036B}"/>
               </a:ext>
             </a:extLst>
           </p:cNvPr>
@@ -1605,7 +2057,7 @@
           <p:cNvPr id="3" name="テキスト プレースホルダー 2">
             <a:extLst>
               <a:ext uri="{FF2B5EF4-FFF2-40B4-BE49-F238E27FC236}">
-                <a16:creationId xmlns:a16="http://schemas.microsoft.com/office/drawing/2014/main" xmlns="" id="{B9AD13A1-91A7-AD4A-8CA9-15216E94D4C8}"/>
+                <a16:creationId xmlns:a16="http://schemas.microsoft.com/office/drawing/2014/main" id="{B9AD13A1-91A7-AD4A-8CA9-15216E94D4C8}"/>
               </a:ext>
             </a:extLst>
           </p:cNvPr>
@@ -1711,7 +2163,7 @@
           <p:cNvPr id="4" name="コンテンツ プレースホルダー 3">
             <a:extLst>
               <a:ext uri="{FF2B5EF4-FFF2-40B4-BE49-F238E27FC236}">
-                <a16:creationId xmlns:a16="http://schemas.microsoft.com/office/drawing/2014/main" xmlns="" id="{80E658F8-459B-2744-B188-E191CEA21D07}"/>
+                <a16:creationId xmlns:a16="http://schemas.microsoft.com/office/drawing/2014/main" id="{80E658F8-459B-2744-B188-E191CEA21D07}"/>
               </a:ext>
             </a:extLst>
           </p:cNvPr>
@@ -1780,7 +2232,7 @@
           <p:cNvPr id="5" name="テキスト プレースホルダー 4">
             <a:extLst>
               <a:ext uri="{FF2B5EF4-FFF2-40B4-BE49-F238E27FC236}">
-                <a16:creationId xmlns:a16="http://schemas.microsoft.com/office/drawing/2014/main" xmlns="" id="{33C6C181-E32D-1846-924C-F59449DAC496}"/>
+                <a16:creationId xmlns:a16="http://schemas.microsoft.com/office/drawing/2014/main" id="{33C6C181-E32D-1846-924C-F59449DAC496}"/>
               </a:ext>
             </a:extLst>
           </p:cNvPr>
@@ -1886,7 +2338,7 @@
           <p:cNvPr id="6" name="コンテンツ プレースホルダー 5">
             <a:extLst>
               <a:ext uri="{FF2B5EF4-FFF2-40B4-BE49-F238E27FC236}">
-                <a16:creationId xmlns:a16="http://schemas.microsoft.com/office/drawing/2014/main" xmlns="" id="{6BEF2CED-2E3A-2D41-9771-491D1B86450F}"/>
+                <a16:creationId xmlns:a16="http://schemas.microsoft.com/office/drawing/2014/main" id="{6BEF2CED-2E3A-2D41-9771-491D1B86450F}"/>
               </a:ext>
             </a:extLst>
           </p:cNvPr>
@@ -1955,7 +2407,7 @@
           <p:cNvPr id="7" name="日付プレースホルダー 6">
             <a:extLst>
               <a:ext uri="{FF2B5EF4-FFF2-40B4-BE49-F238E27FC236}">
-                <a16:creationId xmlns:a16="http://schemas.microsoft.com/office/drawing/2014/main" xmlns="" id="{285D24FD-DEEA-0E4B-89E7-4EEEC015F919}"/>
+                <a16:creationId xmlns:a16="http://schemas.microsoft.com/office/drawing/2014/main" id="{285D24FD-DEEA-0E4B-89E7-4EEEC015F919}"/>
               </a:ext>
             </a:extLst>
           </p:cNvPr>
@@ -1973,7 +2425,7 @@
           <a:p>
             <a:fld id="{4EBD962E-249E-C34D-98AB-0C1F37A12A21}" type="datetimeFigureOut">
               <a:rPr kumimoji="1" lang="ja-JP" altLang="en-US" smtClean="0"/>
-              <a:t>2018/5/16</a:t>
+              <a:t>2018/5/17</a:t>
             </a:fld>
             <a:endParaRPr kumimoji="1" lang="ja-JP" altLang="en-US"/>
           </a:p>
@@ -1984,7 +2436,7 @@
           <p:cNvPr id="8" name="フッター プレースホルダー 7">
             <a:extLst>
               <a:ext uri="{FF2B5EF4-FFF2-40B4-BE49-F238E27FC236}">
-                <a16:creationId xmlns:a16="http://schemas.microsoft.com/office/drawing/2014/main" xmlns="" id="{F1456A8A-8893-914B-9B62-325BB2E8C69A}"/>
+                <a16:creationId xmlns:a16="http://schemas.microsoft.com/office/drawing/2014/main" id="{F1456A8A-8893-914B-9B62-325BB2E8C69A}"/>
               </a:ext>
             </a:extLst>
           </p:cNvPr>
@@ -2009,7 +2461,7 @@
           <p:cNvPr id="9" name="スライド番号プレースホルダー 8">
             <a:extLst>
               <a:ext uri="{FF2B5EF4-FFF2-40B4-BE49-F238E27FC236}">
-                <a16:creationId xmlns:a16="http://schemas.microsoft.com/office/drawing/2014/main" xmlns="" id="{2D9695DB-9743-7C47-BB48-D43F39A8CB97}"/>
+                <a16:creationId xmlns:a16="http://schemas.microsoft.com/office/drawing/2014/main" id="{2D9695DB-9743-7C47-BB48-D43F39A8CB97}"/>
               </a:ext>
             </a:extLst>
           </p:cNvPr>
@@ -2068,7 +2520,7 @@
           <p:cNvPr id="2" name="タイトル 1">
             <a:extLst>
               <a:ext uri="{FF2B5EF4-FFF2-40B4-BE49-F238E27FC236}">
-                <a16:creationId xmlns:a16="http://schemas.microsoft.com/office/drawing/2014/main" xmlns="" id="{A046804A-AC1A-1D48-8E05-8CD5269CD20C}"/>
+                <a16:creationId xmlns:a16="http://schemas.microsoft.com/office/drawing/2014/main" id="{A046804A-AC1A-1D48-8E05-8CD5269CD20C}"/>
               </a:ext>
             </a:extLst>
           </p:cNvPr>
@@ -2096,7 +2548,7 @@
           <p:cNvPr id="3" name="日付プレースホルダー 2">
             <a:extLst>
               <a:ext uri="{FF2B5EF4-FFF2-40B4-BE49-F238E27FC236}">
-                <a16:creationId xmlns:a16="http://schemas.microsoft.com/office/drawing/2014/main" xmlns="" id="{6E12A90A-F4AF-6C40-B539-0283F1D3CD42}"/>
+                <a16:creationId xmlns:a16="http://schemas.microsoft.com/office/drawing/2014/main" id="{6E12A90A-F4AF-6C40-B539-0283F1D3CD42}"/>
               </a:ext>
             </a:extLst>
           </p:cNvPr>
@@ -2114,7 +2566,7 @@
           <a:p>
             <a:fld id="{4EBD962E-249E-C34D-98AB-0C1F37A12A21}" type="datetimeFigureOut">
               <a:rPr kumimoji="1" lang="ja-JP" altLang="en-US" smtClean="0"/>
-              <a:t>2018/5/16</a:t>
+              <a:t>2018/5/17</a:t>
             </a:fld>
             <a:endParaRPr kumimoji="1" lang="ja-JP" altLang="en-US"/>
           </a:p>
@@ -2125,7 +2577,7 @@
           <p:cNvPr id="4" name="フッター プレースホルダー 3">
             <a:extLst>
               <a:ext uri="{FF2B5EF4-FFF2-40B4-BE49-F238E27FC236}">
-                <a16:creationId xmlns:a16="http://schemas.microsoft.com/office/drawing/2014/main" xmlns="" id="{7BB526F2-905D-C641-B481-E5E83B24A0B2}"/>
+                <a16:creationId xmlns:a16="http://schemas.microsoft.com/office/drawing/2014/main" id="{7BB526F2-905D-C641-B481-E5E83B24A0B2}"/>
               </a:ext>
             </a:extLst>
           </p:cNvPr>
@@ -2150,7 +2602,7 @@
           <p:cNvPr id="5" name="スライド番号プレースホルダー 4">
             <a:extLst>
               <a:ext uri="{FF2B5EF4-FFF2-40B4-BE49-F238E27FC236}">
-                <a16:creationId xmlns:a16="http://schemas.microsoft.com/office/drawing/2014/main" xmlns="" id="{47C5A68F-2CEA-EF40-847E-E460A7F9BDE0}"/>
+                <a16:creationId xmlns:a16="http://schemas.microsoft.com/office/drawing/2014/main" id="{47C5A68F-2CEA-EF40-847E-E460A7F9BDE0}"/>
               </a:ext>
             </a:extLst>
           </p:cNvPr>
@@ -2209,7 +2661,7 @@
           <p:cNvPr id="2" name="日付プレースホルダー 1">
             <a:extLst>
               <a:ext uri="{FF2B5EF4-FFF2-40B4-BE49-F238E27FC236}">
-                <a16:creationId xmlns:a16="http://schemas.microsoft.com/office/drawing/2014/main" xmlns="" id="{0F9D81BE-9ED8-2041-90BE-710EF38D6C39}"/>
+                <a16:creationId xmlns:a16="http://schemas.microsoft.com/office/drawing/2014/main" id="{0F9D81BE-9ED8-2041-90BE-710EF38D6C39}"/>
               </a:ext>
             </a:extLst>
           </p:cNvPr>
@@ -2227,7 +2679,7 @@
           <a:p>
             <a:fld id="{4EBD962E-249E-C34D-98AB-0C1F37A12A21}" type="datetimeFigureOut">
               <a:rPr kumimoji="1" lang="ja-JP" altLang="en-US" smtClean="0"/>
-              <a:t>2018/5/16</a:t>
+              <a:t>2018/5/17</a:t>
             </a:fld>
             <a:endParaRPr kumimoji="1" lang="ja-JP" altLang="en-US"/>
           </a:p>
@@ -2238,7 +2690,7 @@
           <p:cNvPr id="3" name="フッター プレースホルダー 2">
             <a:extLst>
               <a:ext uri="{FF2B5EF4-FFF2-40B4-BE49-F238E27FC236}">
-                <a16:creationId xmlns:a16="http://schemas.microsoft.com/office/drawing/2014/main" xmlns="" id="{1E7C3D35-0812-C340-8F29-2EF766480587}"/>
+                <a16:creationId xmlns:a16="http://schemas.microsoft.com/office/drawing/2014/main" id="{1E7C3D35-0812-C340-8F29-2EF766480587}"/>
               </a:ext>
             </a:extLst>
           </p:cNvPr>
@@ -2263,7 +2715,7 @@
           <p:cNvPr id="4" name="スライド番号プレースホルダー 3">
             <a:extLst>
               <a:ext uri="{FF2B5EF4-FFF2-40B4-BE49-F238E27FC236}">
-                <a16:creationId xmlns:a16="http://schemas.microsoft.com/office/drawing/2014/main" xmlns="" id="{E773E517-1FE7-7343-80B7-3F24D505E62C}"/>
+                <a16:creationId xmlns:a16="http://schemas.microsoft.com/office/drawing/2014/main" id="{E773E517-1FE7-7343-80B7-3F24D505E62C}"/>
               </a:ext>
             </a:extLst>
           </p:cNvPr>
@@ -2322,7 +2774,7 @@
           <p:cNvPr id="2" name="タイトル 1">
             <a:extLst>
               <a:ext uri="{FF2B5EF4-FFF2-40B4-BE49-F238E27FC236}">
-                <a16:creationId xmlns:a16="http://schemas.microsoft.com/office/drawing/2014/main" xmlns="" id="{239B9AA2-5B55-624E-A64B-3AB371F6402D}"/>
+                <a16:creationId xmlns:a16="http://schemas.microsoft.com/office/drawing/2014/main" id="{239B9AA2-5B55-624E-A64B-3AB371F6402D}"/>
               </a:ext>
             </a:extLst>
           </p:cNvPr>
@@ -2359,7 +2811,7 @@
           <p:cNvPr id="3" name="コンテンツ プレースホルダー 2">
             <a:extLst>
               <a:ext uri="{FF2B5EF4-FFF2-40B4-BE49-F238E27FC236}">
-                <a16:creationId xmlns:a16="http://schemas.microsoft.com/office/drawing/2014/main" xmlns="" id="{19594181-8F79-B943-B963-E6BDBB9BA83A}"/>
+                <a16:creationId xmlns:a16="http://schemas.microsoft.com/office/drawing/2014/main" id="{19594181-8F79-B943-B963-E6BDBB9BA83A}"/>
               </a:ext>
             </a:extLst>
           </p:cNvPr>
@@ -2456,7 +2908,7 @@
           <p:cNvPr id="4" name="テキスト プレースホルダー 3">
             <a:extLst>
               <a:ext uri="{FF2B5EF4-FFF2-40B4-BE49-F238E27FC236}">
-                <a16:creationId xmlns:a16="http://schemas.microsoft.com/office/drawing/2014/main" xmlns="" id="{98D852FE-0B9E-A141-9058-4E98758D559A}"/>
+                <a16:creationId xmlns:a16="http://schemas.microsoft.com/office/drawing/2014/main" id="{98D852FE-0B9E-A141-9058-4E98758D559A}"/>
               </a:ext>
             </a:extLst>
           </p:cNvPr>
@@ -2562,7 +3014,7 @@
           <p:cNvPr id="5" name="日付プレースホルダー 4">
             <a:extLst>
               <a:ext uri="{FF2B5EF4-FFF2-40B4-BE49-F238E27FC236}">
-                <a16:creationId xmlns:a16="http://schemas.microsoft.com/office/drawing/2014/main" xmlns="" id="{5431C9CE-2EFE-6E4C-A1D2-A5BEF9EA03EF}"/>
+                <a16:creationId xmlns:a16="http://schemas.microsoft.com/office/drawing/2014/main" id="{5431C9CE-2EFE-6E4C-A1D2-A5BEF9EA03EF}"/>
               </a:ext>
             </a:extLst>
           </p:cNvPr>
@@ -2580,7 +3032,7 @@
           <a:p>
             <a:fld id="{4EBD962E-249E-C34D-98AB-0C1F37A12A21}" type="datetimeFigureOut">
               <a:rPr kumimoji="1" lang="ja-JP" altLang="en-US" smtClean="0"/>
-              <a:t>2018/5/16</a:t>
+              <a:t>2018/5/17</a:t>
             </a:fld>
             <a:endParaRPr kumimoji="1" lang="ja-JP" altLang="en-US"/>
           </a:p>
@@ -2591,7 +3043,7 @@
           <p:cNvPr id="6" name="フッター プレースホルダー 5">
             <a:extLst>
               <a:ext uri="{FF2B5EF4-FFF2-40B4-BE49-F238E27FC236}">
-                <a16:creationId xmlns:a16="http://schemas.microsoft.com/office/drawing/2014/main" xmlns="" id="{4A862278-8561-1E44-AC45-39B589C930CA}"/>
+                <a16:creationId xmlns:a16="http://schemas.microsoft.com/office/drawing/2014/main" id="{4A862278-8561-1E44-AC45-39B589C930CA}"/>
               </a:ext>
             </a:extLst>
           </p:cNvPr>
@@ -2616,7 +3068,7 @@
           <p:cNvPr id="7" name="スライド番号プレースホルダー 6">
             <a:extLst>
               <a:ext uri="{FF2B5EF4-FFF2-40B4-BE49-F238E27FC236}">
-                <a16:creationId xmlns:a16="http://schemas.microsoft.com/office/drawing/2014/main" xmlns="" id="{186E8695-1BCA-4749-8BCD-A6801763E57C}"/>
+                <a16:creationId xmlns:a16="http://schemas.microsoft.com/office/drawing/2014/main" id="{186E8695-1BCA-4749-8BCD-A6801763E57C}"/>
               </a:ext>
             </a:extLst>
           </p:cNvPr>
@@ -2675,7 +3127,7 @@
           <p:cNvPr id="2" name="タイトル 1">
             <a:extLst>
               <a:ext uri="{FF2B5EF4-FFF2-40B4-BE49-F238E27FC236}">
-                <a16:creationId xmlns:a16="http://schemas.microsoft.com/office/drawing/2014/main" xmlns="" id="{A67380A9-DBD3-BE47-ADF9-BC5D66DFC1FF}"/>
+                <a16:creationId xmlns:a16="http://schemas.microsoft.com/office/drawing/2014/main" id="{A67380A9-DBD3-BE47-ADF9-BC5D66DFC1FF}"/>
               </a:ext>
             </a:extLst>
           </p:cNvPr>
@@ -2712,7 +3164,7 @@
           <p:cNvPr id="3" name="図プレースホルダー 2">
             <a:extLst>
               <a:ext uri="{FF2B5EF4-FFF2-40B4-BE49-F238E27FC236}">
-                <a16:creationId xmlns:a16="http://schemas.microsoft.com/office/drawing/2014/main" xmlns="" id="{ED976194-71FF-AD45-986E-B07E9E9D60D6}"/>
+                <a16:creationId xmlns:a16="http://schemas.microsoft.com/office/drawing/2014/main" id="{ED976194-71FF-AD45-986E-B07E9E9D60D6}"/>
               </a:ext>
             </a:extLst>
           </p:cNvPr>
@@ -2779,7 +3231,7 @@
           <p:cNvPr id="4" name="テキスト プレースホルダー 3">
             <a:extLst>
               <a:ext uri="{FF2B5EF4-FFF2-40B4-BE49-F238E27FC236}">
-                <a16:creationId xmlns:a16="http://schemas.microsoft.com/office/drawing/2014/main" xmlns="" id="{31593E24-681F-6746-B978-DB8ED97D4B93}"/>
+                <a16:creationId xmlns:a16="http://schemas.microsoft.com/office/drawing/2014/main" id="{31593E24-681F-6746-B978-DB8ED97D4B93}"/>
               </a:ext>
             </a:extLst>
           </p:cNvPr>
@@ -2885,7 +3337,7 @@
           <p:cNvPr id="5" name="日付プレースホルダー 4">
             <a:extLst>
               <a:ext uri="{FF2B5EF4-FFF2-40B4-BE49-F238E27FC236}">
-                <a16:creationId xmlns:a16="http://schemas.microsoft.com/office/drawing/2014/main" xmlns="" id="{4EC3BA5B-4F22-6048-90ED-95222C139A26}"/>
+                <a16:creationId xmlns:a16="http://schemas.microsoft.com/office/drawing/2014/main" id="{4EC3BA5B-4F22-6048-90ED-95222C139A26}"/>
               </a:ext>
             </a:extLst>
           </p:cNvPr>
@@ -2903,7 +3355,7 @@
           <a:p>
             <a:fld id="{4EBD962E-249E-C34D-98AB-0C1F37A12A21}" type="datetimeFigureOut">
               <a:rPr kumimoji="1" lang="ja-JP" altLang="en-US" smtClean="0"/>
-              <a:t>2018/5/16</a:t>
+              <a:t>2018/5/17</a:t>
             </a:fld>
             <a:endParaRPr kumimoji="1" lang="ja-JP" altLang="en-US"/>
           </a:p>
@@ -2914,7 +3366,7 @@
           <p:cNvPr id="6" name="フッター プレースホルダー 5">
             <a:extLst>
               <a:ext uri="{FF2B5EF4-FFF2-40B4-BE49-F238E27FC236}">
-                <a16:creationId xmlns:a16="http://schemas.microsoft.com/office/drawing/2014/main" xmlns="" id="{0A09E1BA-BDEB-5748-B7D3-E36336481C97}"/>
+                <a16:creationId xmlns:a16="http://schemas.microsoft.com/office/drawing/2014/main" id="{0A09E1BA-BDEB-5748-B7D3-E36336481C97}"/>
               </a:ext>
             </a:extLst>
           </p:cNvPr>
@@ -2939,7 +3391,7 @@
           <p:cNvPr id="7" name="スライド番号プレースホルダー 6">
             <a:extLst>
               <a:ext uri="{FF2B5EF4-FFF2-40B4-BE49-F238E27FC236}">
-                <a16:creationId xmlns:a16="http://schemas.microsoft.com/office/drawing/2014/main" xmlns="" id="{0A551899-6749-3744-A8BC-0ED1E534E420}"/>
+                <a16:creationId xmlns:a16="http://schemas.microsoft.com/office/drawing/2014/main" id="{0A551899-6749-3744-A8BC-0ED1E534E420}"/>
               </a:ext>
             </a:extLst>
           </p:cNvPr>
@@ -3003,7 +3455,7 @@
           <p:cNvPr id="2" name="タイトル プレースホルダー 1">
             <a:extLst>
               <a:ext uri="{FF2B5EF4-FFF2-40B4-BE49-F238E27FC236}">
-                <a16:creationId xmlns:a16="http://schemas.microsoft.com/office/drawing/2014/main" xmlns="" id="{2D7CFEC9-C466-BB47-BCA7-46147CF8CB13}"/>
+                <a16:creationId xmlns:a16="http://schemas.microsoft.com/office/drawing/2014/main" id="{2D7CFEC9-C466-BB47-BCA7-46147CF8CB13}"/>
               </a:ext>
             </a:extLst>
           </p:cNvPr>
@@ -3041,7 +3493,7 @@
           <p:cNvPr id="3" name="テキスト プレースホルダー 2">
             <a:extLst>
               <a:ext uri="{FF2B5EF4-FFF2-40B4-BE49-F238E27FC236}">
-                <a16:creationId xmlns:a16="http://schemas.microsoft.com/office/drawing/2014/main" xmlns="" id="{17609D84-867D-5E44-B7FB-61C7ECE044B4}"/>
+                <a16:creationId xmlns:a16="http://schemas.microsoft.com/office/drawing/2014/main" id="{17609D84-867D-5E44-B7FB-61C7ECE044B4}"/>
               </a:ext>
             </a:extLst>
           </p:cNvPr>
@@ -3115,7 +3567,7 @@
           <p:cNvPr id="4" name="日付プレースホルダー 3">
             <a:extLst>
               <a:ext uri="{FF2B5EF4-FFF2-40B4-BE49-F238E27FC236}">
-                <a16:creationId xmlns:a16="http://schemas.microsoft.com/office/drawing/2014/main" xmlns="" id="{2158BCE6-3E33-8A4B-8EC5-AB3DB878BC39}"/>
+                <a16:creationId xmlns:a16="http://schemas.microsoft.com/office/drawing/2014/main" id="{2158BCE6-3E33-8A4B-8EC5-AB3DB878BC39}"/>
               </a:ext>
             </a:extLst>
           </p:cNvPr>
@@ -3151,7 +3603,7 @@
           <a:p>
             <a:fld id="{4EBD962E-249E-C34D-98AB-0C1F37A12A21}" type="datetimeFigureOut">
               <a:rPr kumimoji="1" lang="ja-JP" altLang="en-US" smtClean="0"/>
-              <a:t>2018/5/16</a:t>
+              <a:t>2018/5/17</a:t>
             </a:fld>
             <a:endParaRPr kumimoji="1" lang="ja-JP" altLang="en-US"/>
           </a:p>
@@ -3162,7 +3614,7 @@
           <p:cNvPr id="5" name="フッター プレースホルダー 4">
             <a:extLst>
               <a:ext uri="{FF2B5EF4-FFF2-40B4-BE49-F238E27FC236}">
-                <a16:creationId xmlns:a16="http://schemas.microsoft.com/office/drawing/2014/main" xmlns="" id="{1922331C-E3F6-4A4E-AD6D-D1AC13DA6F9B}"/>
+                <a16:creationId xmlns:a16="http://schemas.microsoft.com/office/drawing/2014/main" id="{1922331C-E3F6-4A4E-AD6D-D1AC13DA6F9B}"/>
               </a:ext>
             </a:extLst>
           </p:cNvPr>
@@ -3205,7 +3657,7 @@
           <p:cNvPr id="6" name="スライド番号プレースホルダー 5">
             <a:extLst>
               <a:ext uri="{FF2B5EF4-FFF2-40B4-BE49-F238E27FC236}">
-                <a16:creationId xmlns:a16="http://schemas.microsoft.com/office/drawing/2014/main" xmlns="" id="{D5F8217F-12A3-D244-9CD7-E46063C24512}"/>
+                <a16:creationId xmlns:a16="http://schemas.microsoft.com/office/drawing/2014/main" id="{D5F8217F-12A3-D244-9CD7-E46063C24512}"/>
               </a:ext>
             </a:extLst>
           </p:cNvPr>
@@ -3573,7 +4025,7 @@
           <p:cNvPr id="2" name="タイトル 1">
             <a:extLst>
               <a:ext uri="{FF2B5EF4-FFF2-40B4-BE49-F238E27FC236}">
-                <a16:creationId xmlns:a16="http://schemas.microsoft.com/office/drawing/2014/main" xmlns="" id="{6E773E86-1931-5C4B-9602-C08F0D9C2D7A}"/>
+                <a16:creationId xmlns:a16="http://schemas.microsoft.com/office/drawing/2014/main" id="{6E773E86-1931-5C4B-9602-C08F0D9C2D7A}"/>
               </a:ext>
             </a:extLst>
           </p:cNvPr>
@@ -3596,14 +4048,10 @@
           <a:p>
             <a:r>
               <a:rPr kumimoji="1" lang="ja-JP" altLang="en-US" dirty="0"/>
-              <a:t>自然言語</a:t>
-            </a:r>
-            <a:r>
-              <a:rPr kumimoji="1" lang="ja-JP" altLang="en-US" dirty="0" smtClean="0"/>
-              <a:t>処理</a:t>
-            </a:r>
-            <a:r>
-              <a:rPr kumimoji="1" lang="en-US" altLang="ja-JP" dirty="0" smtClean="0"/>
+              <a:t>自然言語処理</a:t>
+            </a:r>
+            <a:r>
+              <a:rPr kumimoji="1" lang="en-US" altLang="ja-JP" dirty="0"/>
               <a:t>(NLP)</a:t>
             </a:r>
             <a:endParaRPr kumimoji="1" lang="ja-JP" altLang="en-US" dirty="0"/>
@@ -3614,6 +4062,2751 @@
     <p:extLst>
       <p:ext uri="{BB962C8B-B14F-4D97-AF65-F5344CB8AC3E}">
         <p14:creationId xmlns:p14="http://schemas.microsoft.com/office/powerpoint/2010/main" val="1060497294"/>
+      </p:ext>
+    </p:extLst>
+  </p:cSld>
+  <p:clrMapOvr>
+    <a:masterClrMapping/>
+  </p:clrMapOvr>
+</p:sld>
+</file>
+
+<file path=ppt/slides/slide10.xml><?xml version="1.0" encoding="utf-8"?>
+<p:sld xmlns:a="http://schemas.openxmlformats.org/drawingml/2006/main" xmlns:r="http://schemas.openxmlformats.org/officeDocument/2006/relationships" xmlns:p="http://schemas.openxmlformats.org/presentationml/2006/main">
+  <p:cSld>
+    <p:spTree>
+      <p:nvGrpSpPr>
+        <p:cNvPr id="1" name=""/>
+        <p:cNvGrpSpPr/>
+        <p:nvPr/>
+      </p:nvGrpSpPr>
+      <p:grpSpPr>
+        <a:xfrm>
+          <a:off x="0" y="0"/>
+          <a:ext cx="0" cy="0"/>
+          <a:chOff x="0" y="0"/>
+          <a:chExt cx="0" cy="0"/>
+        </a:xfrm>
+      </p:grpSpPr>
+      <p:sp>
+        <p:nvSpPr>
+          <p:cNvPr id="4" name="テキスト ボックス 3">
+            <a:extLst>
+              <a:ext uri="{FF2B5EF4-FFF2-40B4-BE49-F238E27FC236}">
+                <a16:creationId xmlns:a16="http://schemas.microsoft.com/office/drawing/2014/main" id="{780EB33D-AB7A-644C-BF62-6411655FBFD6}"/>
+              </a:ext>
+            </a:extLst>
+          </p:cNvPr>
+          <p:cNvSpPr txBox="1"/>
+          <p:nvPr/>
+        </p:nvSpPr>
+        <p:spPr>
+          <a:xfrm>
+            <a:off x="996593" y="811658"/>
+            <a:ext cx="4530407" cy="523220"/>
+          </a:xfrm>
+          <a:prstGeom prst="rect">
+            <a:avLst/>
+          </a:prstGeom>
+          <a:noFill/>
+        </p:spPr>
+        <p:txBody>
+          <a:bodyPr wrap="none" rtlCol="0">
+            <a:spAutoFit/>
+          </a:bodyPr>
+          <a:lstStyle/>
+          <a:p>
+            <a:r>
+              <a:rPr lang="en-US" altLang="ja-JP" sz="2800" dirty="0"/>
+              <a:t>4. </a:t>
+            </a:r>
+            <a:r>
+              <a:rPr lang="ja-JP" altLang="en-US" sz="2800"/>
+              <a:t>文章・単語のベクトル化</a:t>
+            </a:r>
+            <a:endParaRPr lang="ja-JP" altLang="en-US" sz="2800" dirty="0"/>
+          </a:p>
+        </p:txBody>
+      </p:sp>
+      <p:sp>
+        <p:nvSpPr>
+          <p:cNvPr id="11" name="テキスト ボックス 10">
+            <a:extLst>
+              <a:ext uri="{FF2B5EF4-FFF2-40B4-BE49-F238E27FC236}">
+                <a16:creationId xmlns:a16="http://schemas.microsoft.com/office/drawing/2014/main" id="{6F8E7B9A-3AC5-DF47-B7CB-77F6B04E8F77}"/>
+              </a:ext>
+            </a:extLst>
+          </p:cNvPr>
+          <p:cNvSpPr txBox="1"/>
+          <p:nvPr/>
+        </p:nvSpPr>
+        <p:spPr>
+          <a:xfrm>
+            <a:off x="1325366" y="1997330"/>
+            <a:ext cx="9110186" cy="461665"/>
+          </a:xfrm>
+          <a:prstGeom prst="rect">
+            <a:avLst/>
+          </a:prstGeom>
+          <a:noFill/>
+        </p:spPr>
+        <p:txBody>
+          <a:bodyPr wrap="none" rtlCol="0">
+            <a:spAutoFit/>
+          </a:bodyPr>
+          <a:lstStyle/>
+          <a:p>
+            <a:r>
+              <a:rPr lang="ja-JP" altLang="en-US" sz="2400" dirty="0"/>
+              <a:t>文章に機械学習を行うため</a:t>
+            </a:r>
+            <a:r>
+              <a:rPr lang="ja-JP" altLang="en-US" sz="2400"/>
+              <a:t>には数値データに変換する必要がある</a:t>
+            </a:r>
+            <a:endParaRPr lang="en-US" altLang="ja-JP" sz="2400" dirty="0"/>
+          </a:p>
+        </p:txBody>
+      </p:sp>
+      <p:sp>
+        <p:nvSpPr>
+          <p:cNvPr id="15" name="右矢印 14">
+            <a:extLst>
+              <a:ext uri="{FF2B5EF4-FFF2-40B4-BE49-F238E27FC236}">
+                <a16:creationId xmlns:a16="http://schemas.microsoft.com/office/drawing/2014/main" id="{CE263857-60CA-1D4A-8F8B-17B5AC4A8071}"/>
+              </a:ext>
+            </a:extLst>
+          </p:cNvPr>
+          <p:cNvSpPr/>
+          <p:nvPr/>
+        </p:nvSpPr>
+        <p:spPr>
+          <a:xfrm>
+            <a:off x="1325366" y="2695439"/>
+            <a:ext cx="802318" cy="446556"/>
+          </a:xfrm>
+          <a:prstGeom prst="rightArrow">
+            <a:avLst/>
+          </a:prstGeom>
+          <a:solidFill>
+            <a:schemeClr val="accent1">
+              <a:alpha val="50000"/>
+            </a:schemeClr>
+          </a:solidFill>
+          <a:ln>
+            <a:solidFill>
+              <a:schemeClr val="accent1">
+                <a:shade val="50000"/>
+                <a:alpha val="43000"/>
+              </a:schemeClr>
+            </a:solidFill>
+          </a:ln>
+        </p:spPr>
+        <p:style>
+          <a:lnRef idx="2">
+            <a:schemeClr val="accent1">
+              <a:shade val="50000"/>
+            </a:schemeClr>
+          </a:lnRef>
+          <a:fillRef idx="1">
+            <a:schemeClr val="accent1"/>
+          </a:fillRef>
+          <a:effectRef idx="0">
+            <a:schemeClr val="accent1"/>
+          </a:effectRef>
+          <a:fontRef idx="minor">
+            <a:schemeClr val="lt1"/>
+          </a:fontRef>
+        </p:style>
+        <p:txBody>
+          <a:bodyPr rtlCol="0" anchor="ctr"/>
+          <a:lstStyle/>
+          <a:p>
+            <a:pPr algn="ctr"/>
+            <a:endParaRPr kumimoji="1" lang="ja-JP" altLang="en-US"/>
+          </a:p>
+        </p:txBody>
+      </p:sp>
+      <p:sp>
+        <p:nvSpPr>
+          <p:cNvPr id="14" name="テキスト ボックス 13">
+            <a:extLst>
+              <a:ext uri="{FF2B5EF4-FFF2-40B4-BE49-F238E27FC236}">
+                <a16:creationId xmlns:a16="http://schemas.microsoft.com/office/drawing/2014/main" id="{8CBD8721-EC2C-AF4C-ADB3-A9B81F26DEDB}"/>
+              </a:ext>
+            </a:extLst>
+          </p:cNvPr>
+          <p:cNvSpPr txBox="1"/>
+          <p:nvPr/>
+        </p:nvSpPr>
+        <p:spPr>
+          <a:xfrm>
+            <a:off x="2486346" y="2695439"/>
+            <a:ext cx="1723549" cy="461665"/>
+          </a:xfrm>
+          <a:prstGeom prst="rect">
+            <a:avLst/>
+          </a:prstGeom>
+          <a:noFill/>
+        </p:spPr>
+        <p:txBody>
+          <a:bodyPr wrap="none" rtlCol="0">
+            <a:spAutoFit/>
+          </a:bodyPr>
+          <a:lstStyle/>
+          <a:p>
+            <a:r>
+              <a:rPr kumimoji="1" lang="ja-JP" altLang="en-US" sz="2400"/>
+              <a:t>ベクトル化</a:t>
+            </a:r>
+          </a:p>
+        </p:txBody>
+      </p:sp>
+      <p:sp>
+        <p:nvSpPr>
+          <p:cNvPr id="17" name="テキスト ボックス 16">
+            <a:extLst>
+              <a:ext uri="{FF2B5EF4-FFF2-40B4-BE49-F238E27FC236}">
+                <a16:creationId xmlns:a16="http://schemas.microsoft.com/office/drawing/2014/main" id="{CA22F8F2-DB8C-064F-B3EC-30C6D3681769}"/>
+              </a:ext>
+            </a:extLst>
+          </p:cNvPr>
+          <p:cNvSpPr txBox="1"/>
+          <p:nvPr/>
+        </p:nvSpPr>
+        <p:spPr>
+          <a:xfrm>
+            <a:off x="1325366" y="3650676"/>
+            <a:ext cx="2646878" cy="461665"/>
+          </a:xfrm>
+          <a:prstGeom prst="rect">
+            <a:avLst/>
+          </a:prstGeom>
+          <a:noFill/>
+        </p:spPr>
+        <p:txBody>
+          <a:bodyPr wrap="none" rtlCol="0">
+            <a:spAutoFit/>
+          </a:bodyPr>
+          <a:lstStyle/>
+          <a:p>
+            <a:r>
+              <a:rPr kumimoji="1" lang="ja-JP" altLang="en-US" sz="2400"/>
+              <a:t>様々な手法がある</a:t>
+            </a:r>
+          </a:p>
+        </p:txBody>
+      </p:sp>
+      <p:sp>
+        <p:nvSpPr>
+          <p:cNvPr id="18" name="テキスト ボックス 17">
+            <a:extLst>
+              <a:ext uri="{FF2B5EF4-FFF2-40B4-BE49-F238E27FC236}">
+                <a16:creationId xmlns:a16="http://schemas.microsoft.com/office/drawing/2014/main" id="{4BB5EC37-6364-C94B-B056-00481346092A}"/>
+              </a:ext>
+            </a:extLst>
+          </p:cNvPr>
+          <p:cNvSpPr txBox="1"/>
+          <p:nvPr/>
+        </p:nvSpPr>
+        <p:spPr>
+          <a:xfrm>
+            <a:off x="1458930" y="5703735"/>
+            <a:ext cx="1846980" cy="461665"/>
+          </a:xfrm>
+          <a:prstGeom prst="rect">
+            <a:avLst/>
+          </a:prstGeom>
+          <a:noFill/>
+        </p:spPr>
+        <p:txBody>
+          <a:bodyPr wrap="none" rtlCol="0">
+            <a:spAutoFit/>
+          </a:bodyPr>
+          <a:lstStyle/>
+          <a:p>
+            <a:r>
+              <a:rPr kumimoji="1" lang="en-US" altLang="ja-JP" sz="2400" dirty="0"/>
+              <a:t>③word2vec</a:t>
+            </a:r>
+            <a:endParaRPr kumimoji="1" lang="ja-JP" altLang="en-US" sz="2400" dirty="0"/>
+          </a:p>
+        </p:txBody>
+      </p:sp>
+      <p:sp>
+        <p:nvSpPr>
+          <p:cNvPr id="19" name="テキスト ボックス 18">
+            <a:extLst>
+              <a:ext uri="{FF2B5EF4-FFF2-40B4-BE49-F238E27FC236}">
+                <a16:creationId xmlns:a16="http://schemas.microsoft.com/office/drawing/2014/main" id="{93ECA5B2-6CE1-AC4F-970C-A815CD975C68}"/>
+              </a:ext>
+            </a:extLst>
+          </p:cNvPr>
+          <p:cNvSpPr txBox="1"/>
+          <p:nvPr/>
+        </p:nvSpPr>
+        <p:spPr>
+          <a:xfrm>
+            <a:off x="3596844" y="5703735"/>
+            <a:ext cx="1346844" cy="461665"/>
+          </a:xfrm>
+          <a:prstGeom prst="rect">
+            <a:avLst/>
+          </a:prstGeom>
+          <a:noFill/>
+        </p:spPr>
+        <p:txBody>
+          <a:bodyPr wrap="none" rtlCol="0">
+            <a:spAutoFit/>
+          </a:bodyPr>
+          <a:lstStyle/>
+          <a:p>
+            <a:r>
+              <a:rPr kumimoji="1" lang="en-US" altLang="ja-JP" sz="2400" dirty="0"/>
+              <a:t>doc2vec</a:t>
+            </a:r>
+            <a:endParaRPr kumimoji="1" lang="ja-JP" altLang="en-US" sz="2400" dirty="0"/>
+          </a:p>
+        </p:txBody>
+      </p:sp>
+      <p:sp>
+        <p:nvSpPr>
+          <p:cNvPr id="20" name="テキスト ボックス 19">
+            <a:extLst>
+              <a:ext uri="{FF2B5EF4-FFF2-40B4-BE49-F238E27FC236}">
+                <a16:creationId xmlns:a16="http://schemas.microsoft.com/office/drawing/2014/main" id="{FDEC51C4-E46C-2A47-87F6-516994EDD931}"/>
+              </a:ext>
+            </a:extLst>
+          </p:cNvPr>
+          <p:cNvSpPr txBox="1"/>
+          <p:nvPr/>
+        </p:nvSpPr>
+        <p:spPr>
+          <a:xfrm>
+            <a:off x="1458930" y="4517825"/>
+            <a:ext cx="1082348" cy="461665"/>
+          </a:xfrm>
+          <a:prstGeom prst="rect">
+            <a:avLst/>
+          </a:prstGeom>
+          <a:noFill/>
+        </p:spPr>
+        <p:txBody>
+          <a:bodyPr wrap="none" rtlCol="0">
+            <a:spAutoFit/>
+          </a:bodyPr>
+          <a:lstStyle/>
+          <a:p>
+            <a:r>
+              <a:rPr kumimoji="1" lang="en-US" altLang="ja-JP" sz="2400" dirty="0"/>
+              <a:t>①bow</a:t>
+            </a:r>
+            <a:endParaRPr kumimoji="1" lang="ja-JP" altLang="en-US" sz="2400" dirty="0"/>
+          </a:p>
+        </p:txBody>
+      </p:sp>
+      <p:sp>
+        <p:nvSpPr>
+          <p:cNvPr id="21" name="テキスト ボックス 20">
+            <a:extLst>
+              <a:ext uri="{FF2B5EF4-FFF2-40B4-BE49-F238E27FC236}">
+                <a16:creationId xmlns:a16="http://schemas.microsoft.com/office/drawing/2014/main" id="{9066ABD0-2C42-7945-B9FD-39A3F65DF7EF}"/>
+              </a:ext>
+            </a:extLst>
+          </p:cNvPr>
+          <p:cNvSpPr txBox="1"/>
+          <p:nvPr/>
+        </p:nvSpPr>
+        <p:spPr>
+          <a:xfrm>
+            <a:off x="1458930" y="5110780"/>
+            <a:ext cx="1205779" cy="461665"/>
+          </a:xfrm>
+          <a:prstGeom prst="rect">
+            <a:avLst/>
+          </a:prstGeom>
+          <a:noFill/>
+        </p:spPr>
+        <p:txBody>
+          <a:bodyPr wrap="none" rtlCol="0">
+            <a:spAutoFit/>
+          </a:bodyPr>
+          <a:lstStyle/>
+          <a:p>
+            <a:r>
+              <a:rPr lang="en-US" altLang="ja-JP" sz="2400" dirty="0"/>
+              <a:t>②</a:t>
+            </a:r>
+            <a:r>
+              <a:rPr lang="en-US" altLang="ja-JP" sz="2400" dirty="0" err="1"/>
+              <a:t>t</a:t>
+            </a:r>
+            <a:r>
+              <a:rPr kumimoji="1" lang="en-US" altLang="ja-JP" sz="2400" dirty="0" err="1"/>
+              <a:t>f-idf</a:t>
+            </a:r>
+            <a:endParaRPr kumimoji="1" lang="ja-JP" altLang="en-US" sz="2400" dirty="0"/>
+          </a:p>
+        </p:txBody>
+      </p:sp>
+      <p:sp>
+        <p:nvSpPr>
+          <p:cNvPr id="22" name="テキスト ボックス 21">
+            <a:extLst>
+              <a:ext uri="{FF2B5EF4-FFF2-40B4-BE49-F238E27FC236}">
+                <a16:creationId xmlns:a16="http://schemas.microsoft.com/office/drawing/2014/main" id="{FA4EA503-BA1E-0945-9723-D99C1AA3198B}"/>
+              </a:ext>
+            </a:extLst>
+          </p:cNvPr>
+          <p:cNvSpPr txBox="1"/>
+          <p:nvPr/>
+        </p:nvSpPr>
+        <p:spPr>
+          <a:xfrm>
+            <a:off x="5234622" y="5703735"/>
+            <a:ext cx="1268296" cy="461665"/>
+          </a:xfrm>
+          <a:prstGeom prst="rect">
+            <a:avLst/>
+          </a:prstGeom>
+          <a:noFill/>
+        </p:spPr>
+        <p:txBody>
+          <a:bodyPr wrap="none" rtlCol="0">
+            <a:spAutoFit/>
+          </a:bodyPr>
+          <a:lstStyle/>
+          <a:p>
+            <a:r>
+              <a:rPr kumimoji="1" lang="en-US" altLang="ja-JP" sz="2400" dirty="0" err="1"/>
+              <a:t>fasttext</a:t>
+            </a:r>
+            <a:endParaRPr kumimoji="1" lang="ja-JP" altLang="en-US" sz="2400" dirty="0"/>
+          </a:p>
+        </p:txBody>
+      </p:sp>
+    </p:spTree>
+    <p:extLst>
+      <p:ext uri="{BB962C8B-B14F-4D97-AF65-F5344CB8AC3E}">
+        <p14:creationId xmlns:p14="http://schemas.microsoft.com/office/powerpoint/2010/main" val="1038918800"/>
+      </p:ext>
+    </p:extLst>
+  </p:cSld>
+  <p:clrMapOvr>
+    <a:masterClrMapping/>
+  </p:clrMapOvr>
+</p:sld>
+</file>
+
+<file path=ppt/slides/slide11.xml><?xml version="1.0" encoding="utf-8"?>
+<p:sld xmlns:a="http://schemas.openxmlformats.org/drawingml/2006/main" xmlns:r="http://schemas.openxmlformats.org/officeDocument/2006/relationships" xmlns:p="http://schemas.openxmlformats.org/presentationml/2006/main">
+  <p:cSld>
+    <p:spTree>
+      <p:nvGrpSpPr>
+        <p:cNvPr id="1" name=""/>
+        <p:cNvGrpSpPr/>
+        <p:nvPr/>
+      </p:nvGrpSpPr>
+      <p:grpSpPr>
+        <a:xfrm>
+          <a:off x="0" y="0"/>
+          <a:ext cx="0" cy="0"/>
+          <a:chOff x="0" y="0"/>
+          <a:chExt cx="0" cy="0"/>
+        </a:xfrm>
+      </p:grpSpPr>
+      <p:sp>
+        <p:nvSpPr>
+          <p:cNvPr id="4" name="テキスト ボックス 3">
+            <a:extLst>
+              <a:ext uri="{FF2B5EF4-FFF2-40B4-BE49-F238E27FC236}">
+                <a16:creationId xmlns:a16="http://schemas.microsoft.com/office/drawing/2014/main" id="{780EB33D-AB7A-644C-BF62-6411655FBFD6}"/>
+              </a:ext>
+            </a:extLst>
+          </p:cNvPr>
+          <p:cNvSpPr txBox="1"/>
+          <p:nvPr/>
+        </p:nvSpPr>
+        <p:spPr>
+          <a:xfrm>
+            <a:off x="996593" y="811658"/>
+            <a:ext cx="5857694" cy="523220"/>
+          </a:xfrm>
+          <a:prstGeom prst="rect">
+            <a:avLst/>
+          </a:prstGeom>
+          <a:noFill/>
+        </p:spPr>
+        <p:txBody>
+          <a:bodyPr wrap="none" rtlCol="0">
+            <a:spAutoFit/>
+          </a:bodyPr>
+          <a:lstStyle/>
+          <a:p>
+            <a:r>
+              <a:rPr lang="en-US" altLang="ja-JP" sz="2800" dirty="0"/>
+              <a:t>4. </a:t>
+            </a:r>
+            <a:r>
+              <a:rPr lang="ja-JP" altLang="en-US" sz="2800"/>
+              <a:t>文章・単語のベクトル化</a:t>
+            </a:r>
+            <a:r>
+              <a:rPr lang="en-US" altLang="ja-JP" sz="2800" dirty="0"/>
+              <a:t>(①bow)</a:t>
+            </a:r>
+            <a:endParaRPr lang="ja-JP" altLang="en-US" sz="2800" dirty="0"/>
+          </a:p>
+        </p:txBody>
+      </p:sp>
+      <p:sp>
+        <p:nvSpPr>
+          <p:cNvPr id="11" name="テキスト ボックス 10">
+            <a:extLst>
+              <a:ext uri="{FF2B5EF4-FFF2-40B4-BE49-F238E27FC236}">
+                <a16:creationId xmlns:a16="http://schemas.microsoft.com/office/drawing/2014/main" id="{6F8E7B9A-3AC5-DF47-B7CB-77F6B04E8F77}"/>
+              </a:ext>
+            </a:extLst>
+          </p:cNvPr>
+          <p:cNvSpPr txBox="1"/>
+          <p:nvPr/>
+        </p:nvSpPr>
+        <p:spPr>
+          <a:xfrm>
+            <a:off x="1325366" y="1997330"/>
+            <a:ext cx="3262432" cy="461665"/>
+          </a:xfrm>
+          <a:prstGeom prst="rect">
+            <a:avLst/>
+          </a:prstGeom>
+          <a:noFill/>
+        </p:spPr>
+        <p:txBody>
+          <a:bodyPr wrap="none" rtlCol="0">
+            <a:spAutoFit/>
+          </a:bodyPr>
+          <a:lstStyle/>
+          <a:p>
+            <a:r>
+              <a:rPr lang="ja-JP" altLang="en-US" sz="2400"/>
+              <a:t>最も単純なベクトル化</a:t>
+            </a:r>
+            <a:endParaRPr lang="en-US" altLang="ja-JP" sz="2400" dirty="0"/>
+          </a:p>
+        </p:txBody>
+      </p:sp>
+      <p:sp>
+        <p:nvSpPr>
+          <p:cNvPr id="2" name="テキスト ボックス 1">
+            <a:extLst>
+              <a:ext uri="{FF2B5EF4-FFF2-40B4-BE49-F238E27FC236}">
+                <a16:creationId xmlns:a16="http://schemas.microsoft.com/office/drawing/2014/main" id="{63183BCC-146D-DA4E-BDD7-E54D6A2114BF}"/>
+              </a:ext>
+            </a:extLst>
+          </p:cNvPr>
+          <p:cNvSpPr txBox="1"/>
+          <p:nvPr/>
+        </p:nvSpPr>
+        <p:spPr>
+          <a:xfrm>
+            <a:off x="1325365" y="5015332"/>
+            <a:ext cx="1107996" cy="369332"/>
+          </a:xfrm>
+          <a:prstGeom prst="rect">
+            <a:avLst/>
+          </a:prstGeom>
+          <a:noFill/>
+        </p:spPr>
+        <p:txBody>
+          <a:bodyPr wrap="none" rtlCol="0">
+            <a:spAutoFit/>
+          </a:bodyPr>
+          <a:lstStyle/>
+          <a:p>
+            <a:r>
+              <a:rPr kumimoji="1" lang="ja-JP" altLang="en-US"/>
+              <a:t>メリット</a:t>
+            </a:r>
+          </a:p>
+        </p:txBody>
+      </p:sp>
+      <p:sp>
+        <p:nvSpPr>
+          <p:cNvPr id="3" name="テキスト ボックス 2">
+            <a:extLst>
+              <a:ext uri="{FF2B5EF4-FFF2-40B4-BE49-F238E27FC236}">
+                <a16:creationId xmlns:a16="http://schemas.microsoft.com/office/drawing/2014/main" id="{5ED1023B-A40C-D044-B8B6-CA7642C143A2}"/>
+              </a:ext>
+            </a:extLst>
+          </p:cNvPr>
+          <p:cNvSpPr txBox="1"/>
+          <p:nvPr/>
+        </p:nvSpPr>
+        <p:spPr>
+          <a:xfrm>
+            <a:off x="2956581" y="4969165"/>
+            <a:ext cx="1723549" cy="461665"/>
+          </a:xfrm>
+          <a:prstGeom prst="rect">
+            <a:avLst/>
+          </a:prstGeom>
+          <a:noFill/>
+        </p:spPr>
+        <p:txBody>
+          <a:bodyPr wrap="none" rtlCol="0">
+            <a:spAutoFit/>
+          </a:bodyPr>
+          <a:lstStyle/>
+          <a:p>
+            <a:r>
+              <a:rPr kumimoji="1" lang="ja-JP" altLang="en-US" sz="2400"/>
+              <a:t>実装が容易</a:t>
+            </a:r>
+          </a:p>
+        </p:txBody>
+      </p:sp>
+      <p:sp>
+        <p:nvSpPr>
+          <p:cNvPr id="5" name="テキスト ボックス 4">
+            <a:extLst>
+              <a:ext uri="{FF2B5EF4-FFF2-40B4-BE49-F238E27FC236}">
+                <a16:creationId xmlns:a16="http://schemas.microsoft.com/office/drawing/2014/main" id="{4E92D97A-F543-E043-BF93-8D83433EFD07}"/>
+              </a:ext>
+            </a:extLst>
+          </p:cNvPr>
+          <p:cNvSpPr txBox="1"/>
+          <p:nvPr/>
+        </p:nvSpPr>
+        <p:spPr>
+          <a:xfrm>
+            <a:off x="1325365" y="5617767"/>
+            <a:ext cx="1338828" cy="369332"/>
+          </a:xfrm>
+          <a:prstGeom prst="rect">
+            <a:avLst/>
+          </a:prstGeom>
+          <a:noFill/>
+        </p:spPr>
+        <p:txBody>
+          <a:bodyPr wrap="none" rtlCol="0">
+            <a:spAutoFit/>
+          </a:bodyPr>
+          <a:lstStyle/>
+          <a:p>
+            <a:r>
+              <a:rPr kumimoji="1" lang="ja-JP" altLang="en-US"/>
+              <a:t>デメリット</a:t>
+            </a:r>
+          </a:p>
+        </p:txBody>
+      </p:sp>
+      <p:sp>
+        <p:nvSpPr>
+          <p:cNvPr id="6" name="テキスト ボックス 5">
+            <a:extLst>
+              <a:ext uri="{FF2B5EF4-FFF2-40B4-BE49-F238E27FC236}">
+                <a16:creationId xmlns:a16="http://schemas.microsoft.com/office/drawing/2014/main" id="{8CAB7E81-EC35-3746-8463-52EB5A7CC9DE}"/>
+              </a:ext>
+            </a:extLst>
+          </p:cNvPr>
+          <p:cNvSpPr txBox="1"/>
+          <p:nvPr/>
+        </p:nvSpPr>
+        <p:spPr>
+          <a:xfrm>
+            <a:off x="2956581" y="5571599"/>
+            <a:ext cx="7431843" cy="461665"/>
+          </a:xfrm>
+          <a:prstGeom prst="rect">
+            <a:avLst/>
+          </a:prstGeom>
+          <a:noFill/>
+        </p:spPr>
+        <p:txBody>
+          <a:bodyPr wrap="none" rtlCol="0">
+            <a:spAutoFit/>
+          </a:bodyPr>
+          <a:lstStyle/>
+          <a:p>
+            <a:r>
+              <a:rPr lang="ja-JP" altLang="en-US" sz="2400"/>
+              <a:t>文脈が考慮されない</a:t>
+            </a:r>
+            <a:r>
+              <a:rPr lang="en-US" altLang="ja-JP" sz="2400" dirty="0"/>
+              <a:t>, </a:t>
+            </a:r>
+            <a:r>
+              <a:rPr lang="ja-JP" altLang="en-US" sz="2400"/>
+              <a:t>頻出する単語の数値が高くなる</a:t>
+            </a:r>
+            <a:endParaRPr kumimoji="1" lang="ja-JP" altLang="en-US" sz="2400"/>
+          </a:p>
+        </p:txBody>
+      </p:sp>
+      <p:sp>
+        <p:nvSpPr>
+          <p:cNvPr id="7" name="テキスト ボックス 6">
+            <a:extLst>
+              <a:ext uri="{FF2B5EF4-FFF2-40B4-BE49-F238E27FC236}">
+                <a16:creationId xmlns:a16="http://schemas.microsoft.com/office/drawing/2014/main" id="{191CFB10-E2ED-2741-9FF8-14D74FE68B6E}"/>
+              </a:ext>
+            </a:extLst>
+          </p:cNvPr>
+          <p:cNvSpPr txBox="1"/>
+          <p:nvPr/>
+        </p:nvSpPr>
+        <p:spPr>
+          <a:xfrm>
+            <a:off x="1325366" y="2506356"/>
+            <a:ext cx="5416868" cy="461665"/>
+          </a:xfrm>
+          <a:prstGeom prst="rect">
+            <a:avLst/>
+          </a:prstGeom>
+          <a:noFill/>
+        </p:spPr>
+        <p:txBody>
+          <a:bodyPr wrap="none" rtlCol="0">
+            <a:spAutoFit/>
+          </a:bodyPr>
+          <a:lstStyle/>
+          <a:p>
+            <a:r>
+              <a:rPr kumimoji="1" lang="ja-JP" altLang="en-US" sz="2400"/>
+              <a:t>文章内の単語の出現回数を要素とする</a:t>
+            </a:r>
+          </a:p>
+        </p:txBody>
+      </p:sp>
+      <mc:AlternateContent xmlns:mc="http://schemas.openxmlformats.org/markup-compatibility/2006">
+        <mc:Choice xmlns:a14="http://schemas.microsoft.com/office/drawing/2010/main" Requires="a14">
+          <p:sp>
+            <p:nvSpPr>
+              <p:cNvPr id="23" name="テキスト ボックス 22">
+                <a:extLst>
+                  <a:ext uri="{FF2B5EF4-FFF2-40B4-BE49-F238E27FC236}">
+                    <a16:creationId xmlns:a16="http://schemas.microsoft.com/office/drawing/2014/main" id="{A3373358-D7AF-5744-8BD6-BB402CB6CC56}"/>
+                  </a:ext>
+                </a:extLst>
+              </p:cNvPr>
+              <p:cNvSpPr txBox="1"/>
+              <p:nvPr/>
+            </p:nvSpPr>
+            <p:spPr>
+              <a:xfrm>
+                <a:off x="2956582" y="3157228"/>
+                <a:ext cx="3786614" cy="369332"/>
+              </a:xfrm>
+              <a:prstGeom prst="rect">
+                <a:avLst/>
+              </a:prstGeom>
+              <a:noFill/>
+            </p:spPr>
+            <p:txBody>
+              <a:bodyPr wrap="none" rtlCol="0">
+                <a:spAutoFit/>
+              </a:bodyPr>
+              <a:lstStyle/>
+              <a:p>
+                <a14:m>
+                  <m:oMathPara xmlns:m="http://schemas.openxmlformats.org/officeDocument/2006/math">
+                    <m:oMathParaPr>
+                      <m:jc m:val="centerGroup"/>
+                    </m:oMathParaPr>
+                    <m:oMath xmlns:m="http://schemas.openxmlformats.org/officeDocument/2006/math">
+                      <m:r>
+                        <a:rPr kumimoji="1" lang="en-US" altLang="ja-JP" b="0" i="1" smtClean="0">
+                          <a:latin typeface="Cambria Math" panose="02040503050406030204" pitchFamily="18" charset="0"/>
+                        </a:rPr>
+                        <m:t>[“</m:t>
+                      </m:r>
+                      <m:r>
+                        <a:rPr lang="ja-JP" altLang="en-US" i="1">
+                          <a:latin typeface="Cambria Math" panose="02040503050406030204" pitchFamily="18" charset="0"/>
+                        </a:rPr>
+                        <m:t>私</m:t>
+                      </m:r>
+                      <m:r>
+                        <a:rPr kumimoji="1" lang="en-US" altLang="ja-JP" b="0" i="1" smtClean="0">
+                          <a:latin typeface="Cambria Math" panose="02040503050406030204" pitchFamily="18" charset="0"/>
+                        </a:rPr>
+                        <m:t>”, “</m:t>
+                      </m:r>
+                      <m:r>
+                        <a:rPr lang="ja-JP" altLang="en-US" i="1">
+                          <a:latin typeface="Cambria Math" panose="02040503050406030204" pitchFamily="18" charset="0"/>
+                        </a:rPr>
+                        <m:t>以外</m:t>
+                      </m:r>
+                      <m:r>
+                        <a:rPr kumimoji="1" lang="en-US" altLang="ja-JP" b="0" i="1" smtClean="0">
+                          <a:latin typeface="Cambria Math" panose="02040503050406030204" pitchFamily="18" charset="0"/>
+                        </a:rPr>
+                        <m:t>”,”</m:t>
+                      </m:r>
+                      <m:r>
+                        <a:rPr lang="ja-JP" altLang="en-US" i="1">
+                          <a:latin typeface="Cambria Math" panose="02040503050406030204" pitchFamily="18" charset="0"/>
+                        </a:rPr>
+                        <m:t>じゃ</m:t>
+                      </m:r>
+                      <m:r>
+                        <a:rPr kumimoji="1" lang="en-US" altLang="ja-JP" b="0" i="1" smtClean="0">
+                          <a:latin typeface="Cambria Math" panose="02040503050406030204" pitchFamily="18" charset="0"/>
+                        </a:rPr>
+                        <m:t>”,“</m:t>
+                      </m:r>
+                      <m:r>
+                        <a:rPr lang="ja-JP" altLang="en-US" i="1">
+                          <a:latin typeface="Cambria Math" panose="02040503050406030204" pitchFamily="18" charset="0"/>
+                        </a:rPr>
+                        <m:t>ない</m:t>
+                      </m:r>
+                      <m:r>
+                        <a:rPr kumimoji="1" lang="en-US" altLang="ja-JP" b="0" i="1" smtClean="0">
+                          <a:latin typeface="Cambria Math" panose="02040503050406030204" pitchFamily="18" charset="0"/>
+                        </a:rPr>
+                        <m:t>”, “</m:t>
+                      </m:r>
+                      <m:r>
+                        <a:rPr lang="ja-JP" altLang="en-US" i="1">
+                          <a:latin typeface="Cambria Math" panose="02040503050406030204" pitchFamily="18" charset="0"/>
+                        </a:rPr>
+                        <m:t>の</m:t>
+                      </m:r>
+                      <m:r>
+                        <a:rPr kumimoji="1" lang="en-US" altLang="ja-JP" b="0" i="1" smtClean="0">
+                          <a:latin typeface="Cambria Math" panose="02040503050406030204" pitchFamily="18" charset="0"/>
+                        </a:rPr>
+                        <m:t>”</m:t>
+                      </m:r>
+                      <m:r>
+                        <a:rPr lang="ja-JP" altLang="en-US" i="1">
+                          <a:latin typeface="Cambria Math" panose="02040503050406030204" pitchFamily="18" charset="0"/>
+                        </a:rPr>
+                        <m:t>。</m:t>
+                      </m:r>
+                      <m:r>
+                        <a:rPr kumimoji="1" lang="en-US" altLang="ja-JP" b="0" i="1" smtClean="0">
+                          <a:latin typeface="Cambria Math" panose="02040503050406030204" pitchFamily="18" charset="0"/>
+                        </a:rPr>
+                        <m:t>”]</m:t>
+                      </m:r>
+                    </m:oMath>
+                  </m:oMathPara>
+                </a14:m>
+                <a:endParaRPr kumimoji="1" lang="ja-JP" altLang="en-US"/>
+              </a:p>
+            </p:txBody>
+          </p:sp>
+        </mc:Choice>
+        <mc:Fallback>
+          <p:sp>
+            <p:nvSpPr>
+              <p:cNvPr id="23" name="テキスト ボックス 22">
+                <a:extLst>
+                  <a:ext uri="{FF2B5EF4-FFF2-40B4-BE49-F238E27FC236}">
+                    <a16:creationId xmlns:a16="http://schemas.microsoft.com/office/drawing/2014/main" id="{A3373358-D7AF-5744-8BD6-BB402CB6CC56}"/>
+                  </a:ext>
+                </a:extLst>
+              </p:cNvPr>
+              <p:cNvSpPr txBox="1">
+                <a:spLocks noRot="1" noChangeAspect="1" noMove="1" noResize="1" noEditPoints="1" noAdjustHandles="1" noChangeArrowheads="1" noChangeShapeType="1" noTextEdit="1"/>
+              </p:cNvSpPr>
+              <p:nvPr/>
+            </p:nvSpPr>
+            <p:spPr>
+              <a:xfrm>
+                <a:off x="2956582" y="3157228"/>
+                <a:ext cx="3786614" cy="369332"/>
+              </a:xfrm>
+              <a:prstGeom prst="rect">
+                <a:avLst/>
+              </a:prstGeom>
+              <a:blipFill>
+                <a:blip r:embed="rId2"/>
+                <a:stretch>
+                  <a:fillRect b="-10000"/>
+                </a:stretch>
+              </a:blipFill>
+            </p:spPr>
+            <p:txBody>
+              <a:bodyPr/>
+              <a:lstStyle/>
+              <a:p>
+                <a:r>
+                  <a:rPr lang="ja-JP" altLang="en-US">
+                    <a:noFill/>
+                  </a:rPr>
+                  <a:t> </a:t>
+                </a:r>
+              </a:p>
+            </p:txBody>
+          </p:sp>
+        </mc:Fallback>
+      </mc:AlternateContent>
+      <p:sp>
+        <p:nvSpPr>
+          <p:cNvPr id="8" name="テキスト ボックス 7">
+            <a:extLst>
+              <a:ext uri="{FF2B5EF4-FFF2-40B4-BE49-F238E27FC236}">
+                <a16:creationId xmlns:a16="http://schemas.microsoft.com/office/drawing/2014/main" id="{76A5F536-8260-5A41-85F6-232A87C4537F}"/>
+              </a:ext>
+            </a:extLst>
+          </p:cNvPr>
+          <p:cNvSpPr txBox="1"/>
+          <p:nvPr/>
+        </p:nvSpPr>
+        <p:spPr>
+          <a:xfrm>
+            <a:off x="1325366" y="3861586"/>
+            <a:ext cx="2492990" cy="369332"/>
+          </a:xfrm>
+          <a:prstGeom prst="rect">
+            <a:avLst/>
+          </a:prstGeom>
+          <a:noFill/>
+        </p:spPr>
+        <p:txBody>
+          <a:bodyPr wrap="none" rtlCol="0">
+            <a:spAutoFit/>
+          </a:bodyPr>
+          <a:lstStyle/>
+          <a:p>
+            <a:r>
+              <a:rPr kumimoji="1" lang="ja-JP" altLang="en-US"/>
+              <a:t>私以外私じゃないの。</a:t>
+            </a:r>
+          </a:p>
+        </p:txBody>
+      </p:sp>
+      <p:sp>
+        <p:nvSpPr>
+          <p:cNvPr id="24" name="右矢印 23">
+            <a:extLst>
+              <a:ext uri="{FF2B5EF4-FFF2-40B4-BE49-F238E27FC236}">
+                <a16:creationId xmlns:a16="http://schemas.microsoft.com/office/drawing/2014/main" id="{4D0FAF28-6373-184B-8A6C-E5DC12A3BB1A}"/>
+              </a:ext>
+            </a:extLst>
+          </p:cNvPr>
+          <p:cNvSpPr/>
+          <p:nvPr/>
+        </p:nvSpPr>
+        <p:spPr>
+          <a:xfrm>
+            <a:off x="4587798" y="3822974"/>
+            <a:ext cx="802318" cy="446556"/>
+          </a:xfrm>
+          <a:prstGeom prst="rightArrow">
+            <a:avLst/>
+          </a:prstGeom>
+          <a:solidFill>
+            <a:schemeClr val="accent1">
+              <a:alpha val="50000"/>
+            </a:schemeClr>
+          </a:solidFill>
+          <a:ln>
+            <a:solidFill>
+              <a:schemeClr val="accent1">
+                <a:shade val="50000"/>
+                <a:alpha val="43000"/>
+              </a:schemeClr>
+            </a:solidFill>
+          </a:ln>
+        </p:spPr>
+        <p:style>
+          <a:lnRef idx="2">
+            <a:schemeClr val="accent1">
+              <a:shade val="50000"/>
+            </a:schemeClr>
+          </a:lnRef>
+          <a:fillRef idx="1">
+            <a:schemeClr val="accent1"/>
+          </a:fillRef>
+          <a:effectRef idx="0">
+            <a:schemeClr val="accent1"/>
+          </a:effectRef>
+          <a:fontRef idx="minor">
+            <a:schemeClr val="lt1"/>
+          </a:fontRef>
+        </p:style>
+        <p:txBody>
+          <a:bodyPr rtlCol="0" anchor="ctr"/>
+          <a:lstStyle/>
+          <a:p>
+            <a:pPr algn="ctr"/>
+            <a:endParaRPr kumimoji="1" lang="ja-JP" altLang="en-US"/>
+          </a:p>
+        </p:txBody>
+      </p:sp>
+      <mc:AlternateContent xmlns:mc="http://schemas.openxmlformats.org/markup-compatibility/2006">
+        <mc:Choice xmlns:a14="http://schemas.microsoft.com/office/drawing/2010/main" Requires="a14">
+          <p:sp>
+            <p:nvSpPr>
+              <p:cNvPr id="25" name="テキスト ボックス 24">
+                <a:extLst>
+                  <a:ext uri="{FF2B5EF4-FFF2-40B4-BE49-F238E27FC236}">
+                    <a16:creationId xmlns:a16="http://schemas.microsoft.com/office/drawing/2014/main" id="{47DFB2FC-D2EC-8149-988A-341593DF52D9}"/>
+                  </a:ext>
+                </a:extLst>
+              </p:cNvPr>
+              <p:cNvSpPr txBox="1"/>
+              <p:nvPr/>
+            </p:nvSpPr>
+            <p:spPr>
+              <a:xfrm>
+                <a:off x="6036595" y="3861586"/>
+                <a:ext cx="1612941" cy="369332"/>
+              </a:xfrm>
+              <a:prstGeom prst="rect">
+                <a:avLst/>
+              </a:prstGeom>
+              <a:noFill/>
+            </p:spPr>
+            <p:txBody>
+              <a:bodyPr wrap="none" rtlCol="0">
+                <a:spAutoFit/>
+              </a:bodyPr>
+              <a:lstStyle/>
+              <a:p>
+                <a14:m>
+                  <m:oMathPara xmlns:m="http://schemas.openxmlformats.org/officeDocument/2006/math">
+                    <m:oMathParaPr>
+                      <m:jc m:val="centerGroup"/>
+                    </m:oMathParaPr>
+                    <m:oMath xmlns:m="http://schemas.openxmlformats.org/officeDocument/2006/math">
+                      <m:r>
+                        <a:rPr kumimoji="1" lang="en-US" altLang="ja-JP" b="0" i="1" smtClean="0">
+                          <a:latin typeface="Cambria Math" panose="02040503050406030204" pitchFamily="18" charset="0"/>
+                        </a:rPr>
+                        <m:t>[2, 1, 1, 1, 1, 1]</m:t>
+                      </m:r>
+                    </m:oMath>
+                  </m:oMathPara>
+                </a14:m>
+                <a:endParaRPr kumimoji="1" lang="ja-JP" altLang="en-US"/>
+              </a:p>
+            </p:txBody>
+          </p:sp>
+        </mc:Choice>
+        <mc:Fallback>
+          <p:sp>
+            <p:nvSpPr>
+              <p:cNvPr id="25" name="テキスト ボックス 24">
+                <a:extLst>
+                  <a:ext uri="{FF2B5EF4-FFF2-40B4-BE49-F238E27FC236}">
+                    <a16:creationId xmlns:a16="http://schemas.microsoft.com/office/drawing/2014/main" id="{47DFB2FC-D2EC-8149-988A-341593DF52D9}"/>
+                  </a:ext>
+                </a:extLst>
+              </p:cNvPr>
+              <p:cNvSpPr txBox="1">
+                <a:spLocks noRot="1" noChangeAspect="1" noMove="1" noResize="1" noEditPoints="1" noAdjustHandles="1" noChangeArrowheads="1" noChangeShapeType="1" noTextEdit="1"/>
+              </p:cNvSpPr>
+              <p:nvPr/>
+            </p:nvSpPr>
+            <p:spPr>
+              <a:xfrm>
+                <a:off x="6036595" y="3861586"/>
+                <a:ext cx="1612941" cy="369332"/>
+              </a:xfrm>
+              <a:prstGeom prst="rect">
+                <a:avLst/>
+              </a:prstGeom>
+              <a:blipFill>
+                <a:blip r:embed="rId3"/>
+                <a:stretch>
+                  <a:fillRect b="-13333"/>
+                </a:stretch>
+              </a:blipFill>
+            </p:spPr>
+            <p:txBody>
+              <a:bodyPr/>
+              <a:lstStyle/>
+              <a:p>
+                <a:r>
+                  <a:rPr lang="ja-JP" altLang="en-US">
+                    <a:noFill/>
+                  </a:rPr>
+                  <a:t> </a:t>
+                </a:r>
+              </a:p>
+            </p:txBody>
+          </p:sp>
+        </mc:Fallback>
+      </mc:AlternateContent>
+      <p:sp>
+        <p:nvSpPr>
+          <p:cNvPr id="13" name="テキスト ボックス 12">
+            <a:extLst>
+              <a:ext uri="{FF2B5EF4-FFF2-40B4-BE49-F238E27FC236}">
+                <a16:creationId xmlns:a16="http://schemas.microsoft.com/office/drawing/2014/main" id="{FA3B04FB-E3F4-904D-BE81-E2A6E7ACB4D3}"/>
+              </a:ext>
+            </a:extLst>
+          </p:cNvPr>
+          <p:cNvSpPr txBox="1"/>
+          <p:nvPr/>
+        </p:nvSpPr>
+        <p:spPr>
+          <a:xfrm>
+            <a:off x="6806196" y="888602"/>
+            <a:ext cx="1686680" cy="369332"/>
+          </a:xfrm>
+          <a:prstGeom prst="rect">
+            <a:avLst/>
+          </a:prstGeom>
+          <a:noFill/>
+        </p:spPr>
+        <p:txBody>
+          <a:bodyPr wrap="none" rtlCol="0">
+            <a:spAutoFit/>
+          </a:bodyPr>
+          <a:lstStyle/>
+          <a:p>
+            <a:r>
+              <a:rPr kumimoji="1" lang="en-US" altLang="ja-JP" dirty="0"/>
+              <a:t>Bag-of-Words</a:t>
+            </a:r>
+            <a:endParaRPr kumimoji="1" lang="ja-JP" altLang="en-US"/>
+          </a:p>
+        </p:txBody>
+      </p:sp>
+    </p:spTree>
+    <p:extLst>
+      <p:ext uri="{BB962C8B-B14F-4D97-AF65-F5344CB8AC3E}">
+        <p14:creationId xmlns:p14="http://schemas.microsoft.com/office/powerpoint/2010/main" val="1262148241"/>
+      </p:ext>
+    </p:extLst>
+  </p:cSld>
+  <p:clrMapOvr>
+    <a:masterClrMapping/>
+  </p:clrMapOvr>
+</p:sld>
+</file>
+
+<file path=ppt/slides/slide12.xml><?xml version="1.0" encoding="utf-8"?>
+<p:sld xmlns:a="http://schemas.openxmlformats.org/drawingml/2006/main" xmlns:r="http://schemas.openxmlformats.org/officeDocument/2006/relationships" xmlns:p="http://schemas.openxmlformats.org/presentationml/2006/main">
+  <p:cSld>
+    <p:spTree>
+      <p:nvGrpSpPr>
+        <p:cNvPr id="1" name=""/>
+        <p:cNvGrpSpPr/>
+        <p:nvPr/>
+      </p:nvGrpSpPr>
+      <p:grpSpPr>
+        <a:xfrm>
+          <a:off x="0" y="0"/>
+          <a:ext cx="0" cy="0"/>
+          <a:chOff x="0" y="0"/>
+          <a:chExt cx="0" cy="0"/>
+        </a:xfrm>
+      </p:grpSpPr>
+      <p:sp>
+        <p:nvSpPr>
+          <p:cNvPr id="4" name="テキスト ボックス 3">
+            <a:extLst>
+              <a:ext uri="{FF2B5EF4-FFF2-40B4-BE49-F238E27FC236}">
+                <a16:creationId xmlns:a16="http://schemas.microsoft.com/office/drawing/2014/main" id="{780EB33D-AB7A-644C-BF62-6411655FBFD6}"/>
+              </a:ext>
+            </a:extLst>
+          </p:cNvPr>
+          <p:cNvSpPr txBox="1"/>
+          <p:nvPr/>
+        </p:nvSpPr>
+        <p:spPr>
+          <a:xfrm>
+            <a:off x="996593" y="811658"/>
+            <a:ext cx="6000361" cy="523220"/>
+          </a:xfrm>
+          <a:prstGeom prst="rect">
+            <a:avLst/>
+          </a:prstGeom>
+          <a:noFill/>
+        </p:spPr>
+        <p:txBody>
+          <a:bodyPr wrap="none" rtlCol="0">
+            <a:spAutoFit/>
+          </a:bodyPr>
+          <a:lstStyle/>
+          <a:p>
+            <a:r>
+              <a:rPr lang="en-US" altLang="ja-JP" sz="2800" dirty="0"/>
+              <a:t>4. </a:t>
+            </a:r>
+            <a:r>
+              <a:rPr lang="ja-JP" altLang="en-US" sz="2800"/>
+              <a:t>文章・単語のベクトル化</a:t>
+            </a:r>
+            <a:r>
+              <a:rPr lang="en-US" altLang="ja-JP" sz="2800" dirty="0"/>
+              <a:t>(②</a:t>
+            </a:r>
+            <a:r>
+              <a:rPr lang="en-US" altLang="ja-JP" sz="2800" dirty="0" err="1"/>
+              <a:t>tf-idf</a:t>
+            </a:r>
+            <a:r>
+              <a:rPr lang="en-US" altLang="ja-JP" sz="2800" dirty="0"/>
+              <a:t>)</a:t>
+            </a:r>
+            <a:endParaRPr lang="ja-JP" altLang="en-US" sz="2800" dirty="0"/>
+          </a:p>
+        </p:txBody>
+      </p:sp>
+      <p:sp>
+        <p:nvSpPr>
+          <p:cNvPr id="11" name="テキスト ボックス 10">
+            <a:extLst>
+              <a:ext uri="{FF2B5EF4-FFF2-40B4-BE49-F238E27FC236}">
+                <a16:creationId xmlns:a16="http://schemas.microsoft.com/office/drawing/2014/main" id="{6F8E7B9A-3AC5-DF47-B7CB-77F6B04E8F77}"/>
+              </a:ext>
+            </a:extLst>
+          </p:cNvPr>
+          <p:cNvSpPr txBox="1"/>
+          <p:nvPr/>
+        </p:nvSpPr>
+        <p:spPr>
+          <a:xfrm>
+            <a:off x="1325366" y="1997330"/>
+            <a:ext cx="2005677" cy="461665"/>
+          </a:xfrm>
+          <a:prstGeom prst="rect">
+            <a:avLst/>
+          </a:prstGeom>
+          <a:noFill/>
+        </p:spPr>
+        <p:txBody>
+          <a:bodyPr wrap="none" rtlCol="0">
+            <a:spAutoFit/>
+          </a:bodyPr>
+          <a:lstStyle/>
+          <a:p>
+            <a:r>
+              <a:rPr lang="en-US" altLang="ja-JP" sz="2400" dirty="0"/>
+              <a:t>bow</a:t>
+            </a:r>
+            <a:r>
+              <a:rPr lang="ja-JP" altLang="en-US" sz="2400"/>
+              <a:t>の発展形</a:t>
+            </a:r>
+            <a:endParaRPr lang="en-US" altLang="ja-JP" sz="2400" dirty="0"/>
+          </a:p>
+        </p:txBody>
+      </p:sp>
+      <p:sp>
+        <p:nvSpPr>
+          <p:cNvPr id="9" name="テキスト ボックス 8">
+            <a:extLst>
+              <a:ext uri="{FF2B5EF4-FFF2-40B4-BE49-F238E27FC236}">
+                <a16:creationId xmlns:a16="http://schemas.microsoft.com/office/drawing/2014/main" id="{4F082176-A65F-E746-A442-839C58C80DBA}"/>
+              </a:ext>
+            </a:extLst>
+          </p:cNvPr>
+          <p:cNvSpPr txBox="1"/>
+          <p:nvPr/>
+        </p:nvSpPr>
+        <p:spPr>
+          <a:xfrm>
+            <a:off x="6791218" y="888602"/>
+            <a:ext cx="5008102" cy="369332"/>
+          </a:xfrm>
+          <a:prstGeom prst="rect">
+            <a:avLst/>
+          </a:prstGeom>
+          <a:noFill/>
+        </p:spPr>
+        <p:txBody>
+          <a:bodyPr wrap="none" rtlCol="0">
+            <a:spAutoFit/>
+          </a:bodyPr>
+          <a:lstStyle/>
+          <a:p>
+            <a:r>
+              <a:rPr lang="en-US" altLang="ja-JP" dirty="0"/>
+              <a:t>term-frequency-inverse document frequency</a:t>
+            </a:r>
+            <a:endParaRPr kumimoji="1" lang="ja-JP" altLang="en-US"/>
+          </a:p>
+        </p:txBody>
+      </p:sp>
+      <p:sp>
+        <p:nvSpPr>
+          <p:cNvPr id="13" name="テキスト ボックス 12">
+            <a:extLst>
+              <a:ext uri="{FF2B5EF4-FFF2-40B4-BE49-F238E27FC236}">
+                <a16:creationId xmlns:a16="http://schemas.microsoft.com/office/drawing/2014/main" id="{D01DBA53-1F12-D440-A65E-29CEE8E33980}"/>
+              </a:ext>
+            </a:extLst>
+          </p:cNvPr>
+          <p:cNvSpPr txBox="1"/>
+          <p:nvPr/>
+        </p:nvSpPr>
+        <p:spPr>
+          <a:xfrm>
+            <a:off x="1325365" y="5015332"/>
+            <a:ext cx="1107996" cy="369332"/>
+          </a:xfrm>
+          <a:prstGeom prst="rect">
+            <a:avLst/>
+          </a:prstGeom>
+          <a:noFill/>
+        </p:spPr>
+        <p:txBody>
+          <a:bodyPr wrap="none" rtlCol="0">
+            <a:spAutoFit/>
+          </a:bodyPr>
+          <a:lstStyle/>
+          <a:p>
+            <a:r>
+              <a:rPr kumimoji="1" lang="ja-JP" altLang="en-US"/>
+              <a:t>メリット</a:t>
+            </a:r>
+          </a:p>
+        </p:txBody>
+      </p:sp>
+      <p:sp>
+        <p:nvSpPr>
+          <p:cNvPr id="14" name="テキスト ボックス 13">
+            <a:extLst>
+              <a:ext uri="{FF2B5EF4-FFF2-40B4-BE49-F238E27FC236}">
+                <a16:creationId xmlns:a16="http://schemas.microsoft.com/office/drawing/2014/main" id="{45208E83-3C4D-FB45-8895-271BF7054152}"/>
+              </a:ext>
+            </a:extLst>
+          </p:cNvPr>
+          <p:cNvSpPr txBox="1"/>
+          <p:nvPr/>
+        </p:nvSpPr>
+        <p:spPr>
+          <a:xfrm>
+            <a:off x="2956581" y="4969165"/>
+            <a:ext cx="3877985" cy="461665"/>
+          </a:xfrm>
+          <a:prstGeom prst="rect">
+            <a:avLst/>
+          </a:prstGeom>
+          <a:noFill/>
+        </p:spPr>
+        <p:txBody>
+          <a:bodyPr wrap="none" rtlCol="0">
+            <a:spAutoFit/>
+          </a:bodyPr>
+          <a:lstStyle/>
+          <a:p>
+            <a:r>
+              <a:rPr lang="ja-JP" altLang="en-US" sz="2400"/>
+              <a:t>頻出単語の値を下げられる</a:t>
+            </a:r>
+            <a:endParaRPr kumimoji="1" lang="ja-JP" altLang="en-US" sz="2400"/>
+          </a:p>
+        </p:txBody>
+      </p:sp>
+      <p:sp>
+        <p:nvSpPr>
+          <p:cNvPr id="15" name="テキスト ボックス 14">
+            <a:extLst>
+              <a:ext uri="{FF2B5EF4-FFF2-40B4-BE49-F238E27FC236}">
+                <a16:creationId xmlns:a16="http://schemas.microsoft.com/office/drawing/2014/main" id="{7EE1E677-0365-E54B-874F-52B88F07F004}"/>
+              </a:ext>
+            </a:extLst>
+          </p:cNvPr>
+          <p:cNvSpPr txBox="1"/>
+          <p:nvPr/>
+        </p:nvSpPr>
+        <p:spPr>
+          <a:xfrm>
+            <a:off x="1325365" y="5617767"/>
+            <a:ext cx="1338828" cy="369332"/>
+          </a:xfrm>
+          <a:prstGeom prst="rect">
+            <a:avLst/>
+          </a:prstGeom>
+          <a:noFill/>
+        </p:spPr>
+        <p:txBody>
+          <a:bodyPr wrap="none" rtlCol="0">
+            <a:spAutoFit/>
+          </a:bodyPr>
+          <a:lstStyle/>
+          <a:p>
+            <a:r>
+              <a:rPr kumimoji="1" lang="ja-JP" altLang="en-US"/>
+              <a:t>デメリット</a:t>
+            </a:r>
+          </a:p>
+        </p:txBody>
+      </p:sp>
+      <p:sp>
+        <p:nvSpPr>
+          <p:cNvPr id="16" name="テキスト ボックス 15">
+            <a:extLst>
+              <a:ext uri="{FF2B5EF4-FFF2-40B4-BE49-F238E27FC236}">
+                <a16:creationId xmlns:a16="http://schemas.microsoft.com/office/drawing/2014/main" id="{F55774F0-47EA-C24B-8C8A-7E3D160FBFE9}"/>
+              </a:ext>
+            </a:extLst>
+          </p:cNvPr>
+          <p:cNvSpPr txBox="1"/>
+          <p:nvPr/>
+        </p:nvSpPr>
+        <p:spPr>
+          <a:xfrm>
+            <a:off x="2956581" y="5571599"/>
+            <a:ext cx="2954655" cy="461665"/>
+          </a:xfrm>
+          <a:prstGeom prst="rect">
+            <a:avLst/>
+          </a:prstGeom>
+          <a:noFill/>
+        </p:spPr>
+        <p:txBody>
+          <a:bodyPr wrap="none" rtlCol="0">
+            <a:spAutoFit/>
+          </a:bodyPr>
+          <a:lstStyle/>
+          <a:p>
+            <a:r>
+              <a:rPr lang="ja-JP" altLang="en-US" sz="2400"/>
+              <a:t>文脈が考慮されない</a:t>
+            </a:r>
+            <a:endParaRPr kumimoji="1" lang="ja-JP" altLang="en-US" sz="2400"/>
+          </a:p>
+        </p:txBody>
+      </p:sp>
+      <mc:AlternateContent xmlns:mc="http://schemas.openxmlformats.org/markup-compatibility/2006">
+        <mc:Choice xmlns:a14="http://schemas.microsoft.com/office/drawing/2010/main" Requires="a14">
+          <p:sp>
+            <p:nvSpPr>
+              <p:cNvPr id="18" name="テキスト ボックス 17">
+                <a:extLst>
+                  <a:ext uri="{FF2B5EF4-FFF2-40B4-BE49-F238E27FC236}">
+                    <a16:creationId xmlns:a16="http://schemas.microsoft.com/office/drawing/2014/main" id="{03D4DD37-A471-CB42-9328-2A808887C290}"/>
+                  </a:ext>
+                </a:extLst>
+              </p:cNvPr>
+              <p:cNvSpPr txBox="1"/>
+              <p:nvPr/>
+            </p:nvSpPr>
+            <p:spPr>
+              <a:xfrm>
+                <a:off x="1307732" y="3626469"/>
+                <a:ext cx="2251257" cy="659476"/>
+              </a:xfrm>
+              <a:prstGeom prst="rect">
+                <a:avLst/>
+              </a:prstGeom>
+              <a:noFill/>
+            </p:spPr>
+            <p:txBody>
+              <a:bodyPr wrap="none" rtlCol="0">
+                <a:spAutoFit/>
+              </a:bodyPr>
+              <a:lstStyle/>
+              <a:p>
+                <a14:m>
+                  <m:oMathPara xmlns:m="http://schemas.openxmlformats.org/officeDocument/2006/math">
+                    <m:oMathParaPr>
+                      <m:jc m:val="centerGroup"/>
+                    </m:oMathParaPr>
+                    <m:oMath xmlns:m="http://schemas.openxmlformats.org/officeDocument/2006/math">
+                      <m:sSub>
+                        <m:sSubPr>
+                          <m:ctrlPr>
+                            <a:rPr kumimoji="1" lang="en-US" altLang="ja-JP" i="1" smtClean="0">
+                              <a:latin typeface="Cambria Math" panose="02040503050406030204" pitchFamily="18" charset="0"/>
+                            </a:rPr>
+                          </m:ctrlPr>
+                        </m:sSubPr>
+                        <m:e>
+                          <m:r>
+                            <a:rPr kumimoji="1" lang="en-US" altLang="ja-JP" b="0" i="1" smtClean="0">
+                              <a:latin typeface="Cambria Math" panose="02040503050406030204" pitchFamily="18" charset="0"/>
+                            </a:rPr>
+                            <m:t>𝑤</m:t>
+                          </m:r>
+                        </m:e>
+                        <m:sub>
+                          <m:r>
+                            <a:rPr kumimoji="1" lang="en-US" altLang="ja-JP" b="0" i="1" smtClean="0">
+                              <a:latin typeface="Cambria Math" panose="02040503050406030204" pitchFamily="18" charset="0"/>
+                            </a:rPr>
+                            <m:t>𝑖</m:t>
+                          </m:r>
+                          <m:r>
+                            <a:rPr kumimoji="1" lang="en-US" altLang="ja-JP" b="0" i="1" smtClean="0">
+                              <a:latin typeface="Cambria Math" panose="02040503050406030204" pitchFamily="18" charset="0"/>
+                            </a:rPr>
+                            <m:t>,</m:t>
+                          </m:r>
+                          <m:r>
+                            <a:rPr kumimoji="1" lang="en-US" altLang="ja-JP" b="0" i="1" smtClean="0">
+                              <a:latin typeface="Cambria Math" panose="02040503050406030204" pitchFamily="18" charset="0"/>
+                            </a:rPr>
+                            <m:t>𝑗</m:t>
+                          </m:r>
+                        </m:sub>
+                      </m:sSub>
+                      <m:r>
+                        <a:rPr kumimoji="1" lang="en-US" altLang="ja-JP" b="0" i="1" smtClean="0">
+                          <a:latin typeface="Cambria Math" panose="02040503050406030204" pitchFamily="18" charset="0"/>
+                        </a:rPr>
+                        <m:t>=</m:t>
+                      </m:r>
+                      <m:r>
+                        <a:rPr kumimoji="1" lang="en-US" altLang="ja-JP" b="0" i="1" smtClean="0">
+                          <a:latin typeface="Cambria Math" panose="02040503050406030204" pitchFamily="18" charset="0"/>
+                        </a:rPr>
+                        <m:t>𝑡</m:t>
+                      </m:r>
+                      <m:sSub>
+                        <m:sSubPr>
+                          <m:ctrlPr>
+                            <a:rPr kumimoji="1" lang="en-US" altLang="ja-JP" b="0" i="1" smtClean="0">
+                              <a:latin typeface="Cambria Math" panose="02040503050406030204" pitchFamily="18" charset="0"/>
+                            </a:rPr>
+                          </m:ctrlPr>
+                        </m:sSubPr>
+                        <m:e>
+                          <m:r>
+                            <a:rPr kumimoji="1" lang="en-US" altLang="ja-JP" b="0" i="1" smtClean="0">
+                              <a:latin typeface="Cambria Math" panose="02040503050406030204" pitchFamily="18" charset="0"/>
+                            </a:rPr>
+                            <m:t>𝑓</m:t>
+                          </m:r>
+                        </m:e>
+                        <m:sub>
+                          <m:r>
+                            <a:rPr kumimoji="1" lang="en-US" altLang="ja-JP" b="0" i="1" smtClean="0">
+                              <a:latin typeface="Cambria Math" panose="02040503050406030204" pitchFamily="18" charset="0"/>
+                            </a:rPr>
+                            <m:t>𝑖</m:t>
+                          </m:r>
+                          <m:r>
+                            <a:rPr kumimoji="1" lang="en-US" altLang="ja-JP" b="0" i="1" smtClean="0">
+                              <a:latin typeface="Cambria Math" panose="02040503050406030204" pitchFamily="18" charset="0"/>
+                            </a:rPr>
+                            <m:t>, </m:t>
+                          </m:r>
+                          <m:r>
+                            <a:rPr kumimoji="1" lang="en-US" altLang="ja-JP" b="0" i="1" smtClean="0">
+                              <a:latin typeface="Cambria Math" panose="02040503050406030204" pitchFamily="18" charset="0"/>
+                            </a:rPr>
+                            <m:t>𝑗</m:t>
+                          </m:r>
+                        </m:sub>
+                      </m:sSub>
+                      <m:r>
+                        <a:rPr kumimoji="1" lang="en-US" altLang="ja-JP" b="0" i="1" smtClean="0">
+                          <a:latin typeface="Cambria Math" panose="02040503050406030204" pitchFamily="18" charset="0"/>
+                        </a:rPr>
+                        <m:t>×</m:t>
+                      </m:r>
+                      <m:r>
+                        <m:rPr>
+                          <m:sty m:val="p"/>
+                        </m:rPr>
+                        <a:rPr kumimoji="1" lang="en-US" altLang="ja-JP" b="0" i="1" smtClean="0">
+                          <a:latin typeface="Cambria Math" panose="02040503050406030204" pitchFamily="18" charset="0"/>
+                        </a:rPr>
+                        <m:t>log</m:t>
+                      </m:r>
+                      <m:r>
+                        <a:rPr kumimoji="1" lang="en-US" altLang="ja-JP" b="0" i="1" smtClean="0">
+                          <a:latin typeface="Cambria Math" panose="02040503050406030204" pitchFamily="18" charset="0"/>
+                        </a:rPr>
+                        <m:t>(</m:t>
+                      </m:r>
+                      <m:f>
+                        <m:fPr>
+                          <m:ctrlPr>
+                            <a:rPr kumimoji="1" lang="en-US" altLang="ja-JP" b="0" i="1" smtClean="0">
+                              <a:latin typeface="Cambria Math" panose="02040503050406030204" pitchFamily="18" charset="0"/>
+                            </a:rPr>
+                          </m:ctrlPr>
+                        </m:fPr>
+                        <m:num>
+                          <m:r>
+                            <a:rPr kumimoji="1" lang="en-US" altLang="ja-JP" b="0" i="1" smtClean="0">
+                              <a:latin typeface="Cambria Math" panose="02040503050406030204" pitchFamily="18" charset="0"/>
+                            </a:rPr>
+                            <m:t>𝑁</m:t>
+                          </m:r>
+                        </m:num>
+                        <m:den>
+                          <m:r>
+                            <a:rPr kumimoji="1" lang="en-US" altLang="ja-JP" b="0" i="1" smtClean="0">
+                              <a:latin typeface="Cambria Math" panose="02040503050406030204" pitchFamily="18" charset="0"/>
+                            </a:rPr>
+                            <m:t>𝑑</m:t>
+                          </m:r>
+                          <m:sSub>
+                            <m:sSubPr>
+                              <m:ctrlPr>
+                                <a:rPr kumimoji="1" lang="en-US" altLang="ja-JP" b="0" i="1" smtClean="0">
+                                  <a:latin typeface="Cambria Math" panose="02040503050406030204" pitchFamily="18" charset="0"/>
+                                </a:rPr>
+                              </m:ctrlPr>
+                            </m:sSubPr>
+                            <m:e>
+                              <m:r>
+                                <a:rPr kumimoji="1" lang="en-US" altLang="ja-JP" b="0" i="1" smtClean="0">
+                                  <a:latin typeface="Cambria Math" panose="02040503050406030204" pitchFamily="18" charset="0"/>
+                                </a:rPr>
+                                <m:t>𝑓</m:t>
+                              </m:r>
+                            </m:e>
+                            <m:sub>
+                              <m:r>
+                                <a:rPr kumimoji="1" lang="en-US" altLang="ja-JP" b="0" i="1" smtClean="0">
+                                  <a:latin typeface="Cambria Math" panose="02040503050406030204" pitchFamily="18" charset="0"/>
+                                </a:rPr>
+                                <m:t>𝑖</m:t>
+                              </m:r>
+                            </m:sub>
+                          </m:sSub>
+                        </m:den>
+                      </m:f>
+                      <m:r>
+                        <a:rPr kumimoji="1" lang="en-US" altLang="ja-JP" b="0" i="1" smtClean="0">
+                          <a:latin typeface="Cambria Math" panose="02040503050406030204" pitchFamily="18" charset="0"/>
+                        </a:rPr>
+                        <m:t>)</m:t>
+                      </m:r>
+                    </m:oMath>
+                  </m:oMathPara>
+                </a14:m>
+                <a:endParaRPr kumimoji="1" lang="en-US" altLang="ja-JP" b="0" dirty="0"/>
+              </a:p>
+            </p:txBody>
+          </p:sp>
+        </mc:Choice>
+        <mc:Fallback>
+          <p:sp>
+            <p:nvSpPr>
+              <p:cNvPr id="18" name="テキスト ボックス 17">
+                <a:extLst>
+                  <a:ext uri="{FF2B5EF4-FFF2-40B4-BE49-F238E27FC236}">
+                    <a16:creationId xmlns:a16="http://schemas.microsoft.com/office/drawing/2014/main" id="{03D4DD37-A471-CB42-9328-2A808887C290}"/>
+                  </a:ext>
+                </a:extLst>
+              </p:cNvPr>
+              <p:cNvSpPr txBox="1">
+                <a:spLocks noRot="1" noChangeAspect="1" noMove="1" noResize="1" noEditPoints="1" noAdjustHandles="1" noChangeArrowheads="1" noChangeShapeType="1" noTextEdit="1"/>
+              </p:cNvSpPr>
+              <p:nvPr/>
+            </p:nvSpPr>
+            <p:spPr>
+              <a:xfrm>
+                <a:off x="1307732" y="3626469"/>
+                <a:ext cx="2251257" cy="659476"/>
+              </a:xfrm>
+              <a:prstGeom prst="rect">
+                <a:avLst/>
+              </a:prstGeom>
+              <a:blipFill>
+                <a:blip r:embed="rId2"/>
+                <a:stretch>
+                  <a:fillRect b="-7692"/>
+                </a:stretch>
+              </a:blipFill>
+            </p:spPr>
+            <p:txBody>
+              <a:bodyPr/>
+              <a:lstStyle/>
+              <a:p>
+                <a:r>
+                  <a:rPr lang="ja-JP" altLang="en-US">
+                    <a:noFill/>
+                  </a:rPr>
+                  <a:t> </a:t>
+                </a:r>
+              </a:p>
+            </p:txBody>
+          </p:sp>
+        </mc:Fallback>
+      </mc:AlternateContent>
+      <mc:AlternateContent xmlns:mc="http://schemas.openxmlformats.org/markup-compatibility/2006">
+        <mc:Choice xmlns:a14="http://schemas.microsoft.com/office/drawing/2010/main" Requires="a14">
+          <p:sp>
+            <p:nvSpPr>
+              <p:cNvPr id="19" name="テキスト ボックス 18">
+                <a:extLst>
+                  <a:ext uri="{FF2B5EF4-FFF2-40B4-BE49-F238E27FC236}">
+                    <a16:creationId xmlns:a16="http://schemas.microsoft.com/office/drawing/2014/main" id="{13C50B1E-BE3B-B847-B708-9E2D7DE2F909}"/>
+                  </a:ext>
+                </a:extLst>
+              </p:cNvPr>
+              <p:cNvSpPr txBox="1"/>
+              <p:nvPr/>
+            </p:nvSpPr>
+            <p:spPr>
+              <a:xfrm>
+                <a:off x="4325420" y="3477582"/>
+                <a:ext cx="3842535" cy="957250"/>
+              </a:xfrm>
+              <a:prstGeom prst="rect">
+                <a:avLst/>
+              </a:prstGeom>
+              <a:noFill/>
+            </p:spPr>
+            <p:txBody>
+              <a:bodyPr wrap="square" rtlCol="0">
+                <a:spAutoFit/>
+              </a:bodyPr>
+              <a:lstStyle/>
+              <a:p>
+                <a:pPr/>
+                <a14:m>
+                  <m:oMathPara xmlns:m="http://schemas.openxmlformats.org/officeDocument/2006/math">
+                    <m:oMathParaPr>
+                      <m:jc m:val="left"/>
+                    </m:oMathParaPr>
+                    <m:oMath xmlns:m="http://schemas.openxmlformats.org/officeDocument/2006/math">
+                      <m:r>
+                        <a:rPr kumimoji="1" lang="en-US" altLang="ja-JP" b="0" i="1" smtClean="0">
+                          <a:latin typeface="Cambria Math" panose="02040503050406030204" pitchFamily="18" charset="0"/>
+                        </a:rPr>
+                        <m:t>𝑡</m:t>
+                      </m:r>
+                      <m:sSub>
+                        <m:sSubPr>
+                          <m:ctrlPr>
+                            <a:rPr kumimoji="1" lang="en-US" altLang="ja-JP" b="0" i="1" smtClean="0">
+                              <a:latin typeface="Cambria Math" panose="02040503050406030204" pitchFamily="18" charset="0"/>
+                            </a:rPr>
+                          </m:ctrlPr>
+                        </m:sSubPr>
+                        <m:e>
+                          <m:r>
+                            <a:rPr kumimoji="1" lang="en-US" altLang="ja-JP" b="0" i="1" smtClean="0">
+                              <a:latin typeface="Cambria Math" panose="02040503050406030204" pitchFamily="18" charset="0"/>
+                            </a:rPr>
+                            <m:t>𝑓</m:t>
+                          </m:r>
+                        </m:e>
+                        <m:sub>
+                          <m:r>
+                            <a:rPr kumimoji="1" lang="en-US" altLang="ja-JP" b="0" i="1" smtClean="0">
+                              <a:latin typeface="Cambria Math" panose="02040503050406030204" pitchFamily="18" charset="0"/>
+                            </a:rPr>
+                            <m:t>𝑖</m:t>
+                          </m:r>
+                          <m:r>
+                            <a:rPr kumimoji="1" lang="en-US" altLang="ja-JP" b="0" i="1" smtClean="0">
+                              <a:latin typeface="Cambria Math" panose="02040503050406030204" pitchFamily="18" charset="0"/>
+                            </a:rPr>
+                            <m:t>,</m:t>
+                          </m:r>
+                          <m:r>
+                            <a:rPr kumimoji="1" lang="en-US" altLang="ja-JP" b="0" i="1" smtClean="0">
+                              <a:latin typeface="Cambria Math" panose="02040503050406030204" pitchFamily="18" charset="0"/>
+                            </a:rPr>
+                            <m:t>𝑗</m:t>
+                          </m:r>
+                        </m:sub>
+                      </m:sSub>
+                      <m:r>
+                        <a:rPr kumimoji="1" lang="en-US" altLang="ja-JP" b="0" i="1" smtClean="0">
+                          <a:latin typeface="Cambria Math" panose="02040503050406030204" pitchFamily="18" charset="0"/>
+                        </a:rPr>
+                        <m:t>= </m:t>
+                      </m:r>
+                      <m:r>
+                        <a:rPr lang="ja-JP" altLang="en-US" i="1">
+                          <a:latin typeface="Cambria Math" panose="02040503050406030204" pitchFamily="18" charset="0"/>
+                        </a:rPr>
+                        <m:t>文章</m:t>
+                      </m:r>
+                      <m:r>
+                        <m:rPr>
+                          <m:sty m:val="p"/>
+                        </m:rPr>
+                        <a:rPr lang="en-US" altLang="ja-JP" i="1">
+                          <a:latin typeface="Cambria Math" panose="02040503050406030204" pitchFamily="18" charset="0"/>
+                        </a:rPr>
+                        <m:t>j</m:t>
+                      </m:r>
+                      <m:r>
+                        <a:rPr lang="ja-JP" altLang="en-US" i="1" smtClean="0">
+                          <a:latin typeface="Cambria Math" panose="02040503050406030204" pitchFamily="18" charset="0"/>
+                        </a:rPr>
+                        <m:t>に</m:t>
+                      </m:r>
+                      <m:r>
+                        <a:rPr lang="ja-JP" altLang="en-US" i="1">
+                          <a:latin typeface="Cambria Math" panose="02040503050406030204" pitchFamily="18" charset="0"/>
+                        </a:rPr>
+                        <m:t>単語</m:t>
+                      </m:r>
+                      <m:r>
+                        <a:rPr lang="en-US" altLang="ja-JP" b="0" i="1" smtClean="0">
+                          <a:latin typeface="Cambria Math" panose="02040503050406030204" pitchFamily="18" charset="0"/>
+                        </a:rPr>
+                        <m:t>𝑖</m:t>
+                      </m:r>
+                      <m:r>
+                        <a:rPr lang="ja-JP" altLang="en-US" i="1">
+                          <a:latin typeface="Cambria Math" panose="02040503050406030204" pitchFamily="18" charset="0"/>
+                        </a:rPr>
+                        <m:t>が</m:t>
+                      </m:r>
+                      <m:r>
+                        <a:rPr lang="ja-JP" altLang="en-US" i="1" smtClean="0">
+                          <a:latin typeface="Cambria Math" panose="02040503050406030204" pitchFamily="18" charset="0"/>
+                        </a:rPr>
+                        <m:t>含まれる数</m:t>
+                      </m:r>
+                    </m:oMath>
+                  </m:oMathPara>
+                </a14:m>
+                <a:endParaRPr kumimoji="1" lang="en-US" altLang="ja-JP" b="0" dirty="0"/>
+              </a:p>
+              <a:p>
+                <a:pPr/>
+                <a14:m>
+                  <m:oMathPara xmlns:m="http://schemas.openxmlformats.org/officeDocument/2006/math">
+                    <m:oMathParaPr>
+                      <m:jc m:val="left"/>
+                    </m:oMathParaPr>
+                    <m:oMath xmlns:m="http://schemas.openxmlformats.org/officeDocument/2006/math">
+                      <m:r>
+                        <a:rPr kumimoji="1" lang="en-US" altLang="ja-JP" b="0" i="1" smtClean="0">
+                          <a:latin typeface="Cambria Math" panose="02040503050406030204" pitchFamily="18" charset="0"/>
+                        </a:rPr>
+                        <m:t>𝑑</m:t>
+                      </m:r>
+                      <m:sSub>
+                        <m:sSubPr>
+                          <m:ctrlPr>
+                            <a:rPr kumimoji="1" lang="en-US" altLang="ja-JP" b="0" i="1" smtClean="0">
+                              <a:latin typeface="Cambria Math" panose="02040503050406030204" pitchFamily="18" charset="0"/>
+                            </a:rPr>
+                          </m:ctrlPr>
+                        </m:sSubPr>
+                        <m:e>
+                          <m:r>
+                            <a:rPr kumimoji="1" lang="en-US" altLang="ja-JP" b="0" i="1" smtClean="0">
+                              <a:latin typeface="Cambria Math" panose="02040503050406030204" pitchFamily="18" charset="0"/>
+                            </a:rPr>
+                            <m:t>𝑓</m:t>
+                          </m:r>
+                        </m:e>
+                        <m:sub>
+                          <m:r>
+                            <a:rPr kumimoji="1" lang="en-US" altLang="ja-JP" b="0" i="1" smtClean="0">
+                              <a:latin typeface="Cambria Math" panose="02040503050406030204" pitchFamily="18" charset="0"/>
+                            </a:rPr>
+                            <m:t>𝑖</m:t>
+                          </m:r>
+                        </m:sub>
+                      </m:sSub>
+                      <m:r>
+                        <a:rPr kumimoji="1" lang="en-US" altLang="ja-JP" b="0" i="1" smtClean="0">
+                          <a:latin typeface="Cambria Math" panose="02040503050406030204" pitchFamily="18" charset="0"/>
+                        </a:rPr>
+                        <m:t>= </m:t>
+                      </m:r>
+                      <m:r>
+                        <a:rPr lang="ja-JP" altLang="en-US" i="1">
+                          <a:latin typeface="Cambria Math" panose="02040503050406030204" pitchFamily="18" charset="0"/>
+                        </a:rPr>
+                        <m:t>単語</m:t>
+                      </m:r>
+                      <m:r>
+                        <a:rPr lang="en-US" altLang="ja-JP" b="0" i="1" smtClean="0">
+                          <a:latin typeface="Cambria Math" panose="02040503050406030204" pitchFamily="18" charset="0"/>
+                        </a:rPr>
+                        <m:t>𝑖</m:t>
+                      </m:r>
+                      <m:r>
+                        <a:rPr lang="ja-JP" altLang="en-US" i="1">
+                          <a:latin typeface="Cambria Math" panose="02040503050406030204" pitchFamily="18" charset="0"/>
+                        </a:rPr>
+                        <m:t>を</m:t>
+                      </m:r>
+                      <m:r>
+                        <a:rPr lang="ja-JP" altLang="en-US" i="1" smtClean="0">
+                          <a:latin typeface="Cambria Math" panose="02040503050406030204" pitchFamily="18" charset="0"/>
+                        </a:rPr>
+                        <m:t>含む</m:t>
+                      </m:r>
+                      <m:r>
+                        <a:rPr lang="ja-JP" altLang="en-US" i="1">
+                          <a:latin typeface="Cambria Math" panose="02040503050406030204" pitchFamily="18" charset="0"/>
+                        </a:rPr>
+                        <m:t>文章数</m:t>
+                      </m:r>
+                    </m:oMath>
+                  </m:oMathPara>
+                </a14:m>
+                <a:endParaRPr lang="ja-JP" altLang="en-US"/>
+              </a:p>
+              <a:p>
+                <a:pPr/>
+                <a14:m>
+                  <m:oMathPara xmlns:m="http://schemas.openxmlformats.org/officeDocument/2006/math">
+                    <m:oMathParaPr>
+                      <m:jc m:val="left"/>
+                    </m:oMathParaPr>
+                    <m:oMath xmlns:m="http://schemas.openxmlformats.org/officeDocument/2006/math">
+                      <m:r>
+                        <a:rPr kumimoji="1" lang="en-US" altLang="ja-JP" b="0" i="1" smtClean="0">
+                          <a:latin typeface="Cambria Math" panose="02040503050406030204" pitchFamily="18" charset="0"/>
+                        </a:rPr>
+                        <m:t>𝑁</m:t>
+                      </m:r>
+                      <m:r>
+                        <a:rPr kumimoji="1" lang="en-US" altLang="ja-JP" b="0" i="1" smtClean="0">
+                          <a:latin typeface="Cambria Math" panose="02040503050406030204" pitchFamily="18" charset="0"/>
+                        </a:rPr>
+                        <m:t>=</m:t>
+                      </m:r>
+                      <m:r>
+                        <a:rPr lang="ja-JP" altLang="en-US" i="1">
+                          <a:latin typeface="Cambria Math" panose="02040503050406030204" pitchFamily="18" charset="0"/>
+                        </a:rPr>
+                        <m:t>全</m:t>
+                      </m:r>
+                      <m:r>
+                        <a:rPr lang="ja-JP" altLang="en-US" i="1" smtClean="0">
+                          <a:latin typeface="Cambria Math" panose="02040503050406030204" pitchFamily="18" charset="0"/>
+                        </a:rPr>
+                        <m:t>文章数</m:t>
+                      </m:r>
+                    </m:oMath>
+                  </m:oMathPara>
+                </a14:m>
+                <a:endParaRPr kumimoji="1" lang="ja-JP" altLang="en-US"/>
+              </a:p>
+            </p:txBody>
+          </p:sp>
+        </mc:Choice>
+        <mc:Fallback>
+          <p:sp>
+            <p:nvSpPr>
+              <p:cNvPr id="19" name="テキスト ボックス 18">
+                <a:extLst>
+                  <a:ext uri="{FF2B5EF4-FFF2-40B4-BE49-F238E27FC236}">
+                    <a16:creationId xmlns:a16="http://schemas.microsoft.com/office/drawing/2014/main" id="{13C50B1E-BE3B-B847-B708-9E2D7DE2F909}"/>
+                  </a:ext>
+                </a:extLst>
+              </p:cNvPr>
+              <p:cNvSpPr txBox="1">
+                <a:spLocks noRot="1" noChangeAspect="1" noMove="1" noResize="1" noEditPoints="1" noAdjustHandles="1" noChangeArrowheads="1" noChangeShapeType="1" noTextEdit="1"/>
+              </p:cNvSpPr>
+              <p:nvPr/>
+            </p:nvSpPr>
+            <p:spPr>
+              <a:xfrm>
+                <a:off x="4325420" y="3477582"/>
+                <a:ext cx="3842535" cy="957250"/>
+              </a:xfrm>
+              <a:prstGeom prst="rect">
+                <a:avLst/>
+              </a:prstGeom>
+              <a:blipFill>
+                <a:blip r:embed="rId3"/>
+                <a:stretch>
+                  <a:fillRect/>
+                </a:stretch>
+              </a:blipFill>
+            </p:spPr>
+            <p:txBody>
+              <a:bodyPr/>
+              <a:lstStyle/>
+              <a:p>
+                <a:r>
+                  <a:rPr lang="ja-JP" altLang="en-US">
+                    <a:noFill/>
+                  </a:rPr>
+                  <a:t> </a:t>
+                </a:r>
+              </a:p>
+            </p:txBody>
+          </p:sp>
+        </mc:Fallback>
+      </mc:AlternateContent>
+      <p:sp>
+        <p:nvSpPr>
+          <p:cNvPr id="20" name="テキスト ボックス 19">
+            <a:extLst>
+              <a:ext uri="{FF2B5EF4-FFF2-40B4-BE49-F238E27FC236}">
+                <a16:creationId xmlns:a16="http://schemas.microsoft.com/office/drawing/2014/main" id="{929FA639-7710-0C43-B0C9-2D7613BD73F1}"/>
+              </a:ext>
+            </a:extLst>
+          </p:cNvPr>
+          <p:cNvSpPr txBox="1"/>
+          <p:nvPr/>
+        </p:nvSpPr>
+        <p:spPr>
+          <a:xfrm>
+            <a:off x="1325365" y="2690356"/>
+            <a:ext cx="7879080" cy="461665"/>
+          </a:xfrm>
+          <a:prstGeom prst="rect">
+            <a:avLst/>
+          </a:prstGeom>
+          <a:noFill/>
+        </p:spPr>
+        <p:txBody>
+          <a:bodyPr wrap="none" rtlCol="0">
+            <a:spAutoFit/>
+          </a:bodyPr>
+          <a:lstStyle/>
+          <a:p>
+            <a:r>
+              <a:rPr kumimoji="1" lang="ja-JP" altLang="en-US" sz="2400"/>
+              <a:t>ベクトルの要素を単語の頻度から単語の重みへ変更する</a:t>
+            </a:r>
+          </a:p>
+        </p:txBody>
+      </p:sp>
+    </p:spTree>
+    <p:extLst>
+      <p:ext uri="{BB962C8B-B14F-4D97-AF65-F5344CB8AC3E}">
+        <p14:creationId xmlns:p14="http://schemas.microsoft.com/office/powerpoint/2010/main" val="315615395"/>
+      </p:ext>
+    </p:extLst>
+  </p:cSld>
+  <p:clrMapOvr>
+    <a:masterClrMapping/>
+  </p:clrMapOvr>
+</p:sld>
+</file>
+
+<file path=ppt/slides/slide13.xml><?xml version="1.0" encoding="utf-8"?>
+<p:sld xmlns:a="http://schemas.openxmlformats.org/drawingml/2006/main" xmlns:r="http://schemas.openxmlformats.org/officeDocument/2006/relationships" xmlns:p="http://schemas.openxmlformats.org/presentationml/2006/main">
+  <p:cSld>
+    <p:spTree>
+      <p:nvGrpSpPr>
+        <p:cNvPr id="1" name=""/>
+        <p:cNvGrpSpPr/>
+        <p:nvPr/>
+      </p:nvGrpSpPr>
+      <p:grpSpPr>
+        <a:xfrm>
+          <a:off x="0" y="0"/>
+          <a:ext cx="0" cy="0"/>
+          <a:chOff x="0" y="0"/>
+          <a:chExt cx="0" cy="0"/>
+        </a:xfrm>
+      </p:grpSpPr>
+      <p:sp>
+        <p:nvSpPr>
+          <p:cNvPr id="4" name="テキスト ボックス 3">
+            <a:extLst>
+              <a:ext uri="{FF2B5EF4-FFF2-40B4-BE49-F238E27FC236}">
+                <a16:creationId xmlns:a16="http://schemas.microsoft.com/office/drawing/2014/main" id="{780EB33D-AB7A-644C-BF62-6411655FBFD6}"/>
+              </a:ext>
+            </a:extLst>
+          </p:cNvPr>
+          <p:cNvSpPr txBox="1"/>
+          <p:nvPr/>
+        </p:nvSpPr>
+        <p:spPr>
+          <a:xfrm>
+            <a:off x="996593" y="811658"/>
+            <a:ext cx="4669868" cy="523220"/>
+          </a:xfrm>
+          <a:prstGeom prst="rect">
+            <a:avLst/>
+          </a:prstGeom>
+          <a:noFill/>
+        </p:spPr>
+        <p:txBody>
+          <a:bodyPr wrap="none" rtlCol="0">
+            <a:spAutoFit/>
+          </a:bodyPr>
+          <a:lstStyle/>
+          <a:p>
+            <a:r>
+              <a:rPr lang="en-US" altLang="ja-JP" sz="2800" dirty="0"/>
+              <a:t>4. </a:t>
+            </a:r>
+            <a:r>
+              <a:rPr lang="ja-JP" altLang="en-US" sz="2800"/>
+              <a:t>文章・単語のベクトル化</a:t>
+            </a:r>
+            <a:endParaRPr lang="ja-JP" altLang="en-US" sz="2800" dirty="0"/>
+          </a:p>
+        </p:txBody>
+      </p:sp>
+      <p:sp>
+        <p:nvSpPr>
+          <p:cNvPr id="11" name="テキスト ボックス 10">
+            <a:extLst>
+              <a:ext uri="{FF2B5EF4-FFF2-40B4-BE49-F238E27FC236}">
+                <a16:creationId xmlns:a16="http://schemas.microsoft.com/office/drawing/2014/main" id="{6F8E7B9A-3AC5-DF47-B7CB-77F6B04E8F77}"/>
+              </a:ext>
+            </a:extLst>
+          </p:cNvPr>
+          <p:cNvSpPr txBox="1"/>
+          <p:nvPr/>
+        </p:nvSpPr>
+        <p:spPr>
+          <a:xfrm>
+            <a:off x="1325366" y="1997330"/>
+            <a:ext cx="2156360" cy="369332"/>
+          </a:xfrm>
+          <a:prstGeom prst="rect">
+            <a:avLst/>
+          </a:prstGeom>
+          <a:noFill/>
+        </p:spPr>
+        <p:txBody>
+          <a:bodyPr wrap="none" rtlCol="0">
+            <a:spAutoFit/>
+          </a:bodyPr>
+          <a:lstStyle/>
+          <a:p>
+            <a:r>
+              <a:rPr lang="ja-JP" altLang="en-US"/>
+              <a:t>①</a:t>
+            </a:r>
+            <a:r>
+              <a:rPr lang="en-US" altLang="ja-JP" dirty="0"/>
+              <a:t>, </a:t>
+            </a:r>
+            <a:r>
+              <a:rPr lang="ja-JP" altLang="en-US"/>
+              <a:t>②のデメリット</a:t>
+            </a:r>
+            <a:endParaRPr lang="en-US" altLang="ja-JP" dirty="0"/>
+          </a:p>
+        </p:txBody>
+      </p:sp>
+      <p:sp>
+        <p:nvSpPr>
+          <p:cNvPr id="2" name="テキスト ボックス 1">
+            <a:extLst>
+              <a:ext uri="{FF2B5EF4-FFF2-40B4-BE49-F238E27FC236}">
+                <a16:creationId xmlns:a16="http://schemas.microsoft.com/office/drawing/2014/main" id="{1C3F6317-8676-4B4F-B1B3-566D905C15F4}"/>
+              </a:ext>
+            </a:extLst>
+          </p:cNvPr>
+          <p:cNvSpPr txBox="1"/>
+          <p:nvPr/>
+        </p:nvSpPr>
+        <p:spPr>
+          <a:xfrm>
+            <a:off x="3883631" y="1951163"/>
+            <a:ext cx="2954655" cy="461665"/>
+          </a:xfrm>
+          <a:prstGeom prst="rect">
+            <a:avLst/>
+          </a:prstGeom>
+          <a:noFill/>
+        </p:spPr>
+        <p:txBody>
+          <a:bodyPr wrap="none" rtlCol="0">
+            <a:spAutoFit/>
+          </a:bodyPr>
+          <a:lstStyle/>
+          <a:p>
+            <a:r>
+              <a:rPr kumimoji="1" lang="ja-JP" altLang="en-US" sz="2400"/>
+              <a:t>文脈を考慮できない</a:t>
+            </a:r>
+          </a:p>
+        </p:txBody>
+      </p:sp>
+      <p:sp>
+        <p:nvSpPr>
+          <p:cNvPr id="3" name="テキスト ボックス 2">
+            <a:extLst>
+              <a:ext uri="{FF2B5EF4-FFF2-40B4-BE49-F238E27FC236}">
+                <a16:creationId xmlns:a16="http://schemas.microsoft.com/office/drawing/2014/main" id="{5D372339-9921-164D-8323-9562463ACC40}"/>
+              </a:ext>
+            </a:extLst>
+          </p:cNvPr>
+          <p:cNvSpPr txBox="1"/>
+          <p:nvPr/>
+        </p:nvSpPr>
+        <p:spPr>
+          <a:xfrm>
+            <a:off x="6838286" y="1951163"/>
+            <a:ext cx="4493538" cy="461665"/>
+          </a:xfrm>
+          <a:prstGeom prst="rect">
+            <a:avLst/>
+          </a:prstGeom>
+          <a:noFill/>
+        </p:spPr>
+        <p:txBody>
+          <a:bodyPr wrap="none" rtlCol="0">
+            <a:spAutoFit/>
+          </a:bodyPr>
+          <a:lstStyle/>
+          <a:p>
+            <a:r>
+              <a:rPr kumimoji="1" lang="ja-JP" altLang="en-US" sz="2400">
+                <a:solidFill>
+                  <a:srgbClr val="FF0000"/>
+                </a:solidFill>
+              </a:rPr>
+              <a:t>ベクトルが際限なく大きくなる</a:t>
+            </a:r>
+          </a:p>
+        </p:txBody>
+      </p:sp>
+      <p:sp>
+        <p:nvSpPr>
+          <p:cNvPr id="5" name="テキスト ボックス 4">
+            <a:extLst>
+              <a:ext uri="{FF2B5EF4-FFF2-40B4-BE49-F238E27FC236}">
+                <a16:creationId xmlns:a16="http://schemas.microsoft.com/office/drawing/2014/main" id="{32896C6B-B29B-CF4D-874A-FDED4BDA25AD}"/>
+              </a:ext>
+            </a:extLst>
+          </p:cNvPr>
+          <p:cNvSpPr txBox="1"/>
+          <p:nvPr/>
+        </p:nvSpPr>
+        <p:spPr>
+          <a:xfrm>
+            <a:off x="1325366" y="2928135"/>
+            <a:ext cx="5416868" cy="461665"/>
+          </a:xfrm>
+          <a:prstGeom prst="rect">
+            <a:avLst/>
+          </a:prstGeom>
+          <a:noFill/>
+        </p:spPr>
+        <p:txBody>
+          <a:bodyPr wrap="none" rtlCol="0">
+            <a:spAutoFit/>
+          </a:bodyPr>
+          <a:lstStyle/>
+          <a:p>
+            <a:r>
+              <a:rPr kumimoji="1" lang="ja-JP" altLang="en-US" sz="2400"/>
+              <a:t>機械学習の精度を向上する簡単な方法</a:t>
+            </a:r>
+            <a:endParaRPr kumimoji="1" lang="en-US" altLang="ja-JP" sz="2400" dirty="0"/>
+          </a:p>
+        </p:txBody>
+      </p:sp>
+      <p:sp>
+        <p:nvSpPr>
+          <p:cNvPr id="6" name="テキスト ボックス 5">
+            <a:extLst>
+              <a:ext uri="{FF2B5EF4-FFF2-40B4-BE49-F238E27FC236}">
+                <a16:creationId xmlns:a16="http://schemas.microsoft.com/office/drawing/2014/main" id="{BCF3FEA2-4305-6944-AC96-56D9C5BC3701}"/>
+              </a:ext>
+            </a:extLst>
+          </p:cNvPr>
+          <p:cNvSpPr txBox="1"/>
+          <p:nvPr/>
+        </p:nvSpPr>
+        <p:spPr>
+          <a:xfrm>
+            <a:off x="1325366" y="3775252"/>
+            <a:ext cx="2646878" cy="461665"/>
+          </a:xfrm>
+          <a:prstGeom prst="rect">
+            <a:avLst/>
+          </a:prstGeom>
+          <a:noFill/>
+        </p:spPr>
+        <p:txBody>
+          <a:bodyPr wrap="none" rtlCol="0">
+            <a:spAutoFit/>
+          </a:bodyPr>
+          <a:lstStyle/>
+          <a:p>
+            <a:r>
+              <a:rPr kumimoji="1" lang="ja-JP" altLang="en-US" sz="2400"/>
+              <a:t>データ数を増やす</a:t>
+            </a:r>
+          </a:p>
+        </p:txBody>
+      </p:sp>
+      <p:sp>
+        <p:nvSpPr>
+          <p:cNvPr id="17" name="右矢印 16">
+            <a:extLst>
+              <a:ext uri="{FF2B5EF4-FFF2-40B4-BE49-F238E27FC236}">
+                <a16:creationId xmlns:a16="http://schemas.microsoft.com/office/drawing/2014/main" id="{C4500337-B401-054B-97B6-F9365E93C744}"/>
+              </a:ext>
+            </a:extLst>
+          </p:cNvPr>
+          <p:cNvSpPr/>
+          <p:nvPr/>
+        </p:nvSpPr>
+        <p:spPr>
+          <a:xfrm>
+            <a:off x="4341218" y="3782806"/>
+            <a:ext cx="802318" cy="446556"/>
+          </a:xfrm>
+          <a:prstGeom prst="rightArrow">
+            <a:avLst/>
+          </a:prstGeom>
+          <a:solidFill>
+            <a:schemeClr val="accent1">
+              <a:alpha val="50000"/>
+            </a:schemeClr>
+          </a:solidFill>
+          <a:ln>
+            <a:solidFill>
+              <a:schemeClr val="accent1">
+                <a:shade val="50000"/>
+                <a:alpha val="43000"/>
+              </a:schemeClr>
+            </a:solidFill>
+          </a:ln>
+        </p:spPr>
+        <p:style>
+          <a:lnRef idx="2">
+            <a:schemeClr val="accent1">
+              <a:shade val="50000"/>
+            </a:schemeClr>
+          </a:lnRef>
+          <a:fillRef idx="1">
+            <a:schemeClr val="accent1"/>
+          </a:fillRef>
+          <a:effectRef idx="0">
+            <a:schemeClr val="accent1"/>
+          </a:effectRef>
+          <a:fontRef idx="minor">
+            <a:schemeClr val="lt1"/>
+          </a:fontRef>
+        </p:style>
+        <p:txBody>
+          <a:bodyPr rtlCol="0" anchor="ctr"/>
+          <a:lstStyle/>
+          <a:p>
+            <a:pPr algn="ctr"/>
+            <a:endParaRPr kumimoji="1" lang="ja-JP" altLang="en-US"/>
+          </a:p>
+        </p:txBody>
+      </p:sp>
+      <p:sp>
+        <p:nvSpPr>
+          <p:cNvPr id="7" name="テキスト ボックス 6">
+            <a:extLst>
+              <a:ext uri="{FF2B5EF4-FFF2-40B4-BE49-F238E27FC236}">
+                <a16:creationId xmlns:a16="http://schemas.microsoft.com/office/drawing/2014/main" id="{5E58553E-9AC6-FC43-BE82-98C971447747}"/>
+              </a:ext>
+            </a:extLst>
+          </p:cNvPr>
+          <p:cNvSpPr txBox="1"/>
+          <p:nvPr/>
+        </p:nvSpPr>
+        <p:spPr>
+          <a:xfrm>
+            <a:off x="5720219" y="3782806"/>
+            <a:ext cx="3738524" cy="461665"/>
+          </a:xfrm>
+          <a:prstGeom prst="rect">
+            <a:avLst/>
+          </a:prstGeom>
+          <a:noFill/>
+        </p:spPr>
+        <p:txBody>
+          <a:bodyPr wrap="none" rtlCol="0">
+            <a:spAutoFit/>
+          </a:bodyPr>
+          <a:lstStyle/>
+          <a:p>
+            <a:r>
+              <a:rPr kumimoji="1" lang="ja-JP" altLang="en-US" sz="2400"/>
+              <a:t>①</a:t>
+            </a:r>
+            <a:r>
+              <a:rPr kumimoji="1" lang="en-US" altLang="ja-JP" sz="2400" dirty="0"/>
+              <a:t>, </a:t>
+            </a:r>
+            <a:r>
+              <a:rPr kumimoji="1" lang="ja-JP" altLang="en-US" sz="2400"/>
+              <a:t>②では計算量が膨大に</a:t>
+            </a:r>
+          </a:p>
+        </p:txBody>
+      </p:sp>
+      <p:sp>
+        <p:nvSpPr>
+          <p:cNvPr id="8" name="テキスト ボックス 7">
+            <a:extLst>
+              <a:ext uri="{FF2B5EF4-FFF2-40B4-BE49-F238E27FC236}">
+                <a16:creationId xmlns:a16="http://schemas.microsoft.com/office/drawing/2014/main" id="{DDE38F95-5161-9345-81E9-D86F8C062E82}"/>
+              </a:ext>
+            </a:extLst>
+          </p:cNvPr>
+          <p:cNvSpPr txBox="1"/>
+          <p:nvPr/>
+        </p:nvSpPr>
+        <p:spPr>
+          <a:xfrm>
+            <a:off x="1325366" y="4622368"/>
+            <a:ext cx="3877985" cy="461665"/>
+          </a:xfrm>
+          <a:prstGeom prst="rect">
+            <a:avLst/>
+          </a:prstGeom>
+          <a:noFill/>
+        </p:spPr>
+        <p:txBody>
+          <a:bodyPr wrap="none" rtlCol="0">
+            <a:spAutoFit/>
+          </a:bodyPr>
+          <a:lstStyle/>
+          <a:p>
+            <a:r>
+              <a:rPr kumimoji="1" lang="ja-JP" altLang="en-US" sz="2400"/>
+              <a:t>どうすれば良いだろうか？</a:t>
+            </a:r>
+          </a:p>
+        </p:txBody>
+      </p:sp>
+      <p:sp>
+        <p:nvSpPr>
+          <p:cNvPr id="12" name="テキスト ボックス 11">
+            <a:extLst>
+              <a:ext uri="{FF2B5EF4-FFF2-40B4-BE49-F238E27FC236}">
+                <a16:creationId xmlns:a16="http://schemas.microsoft.com/office/drawing/2014/main" id="{B7439F2E-51E9-B14B-9CFA-1D9462D74BAA}"/>
+              </a:ext>
+            </a:extLst>
+          </p:cNvPr>
+          <p:cNvSpPr txBox="1"/>
+          <p:nvPr/>
+        </p:nvSpPr>
+        <p:spPr>
+          <a:xfrm>
+            <a:off x="2406303" y="5477039"/>
+            <a:ext cx="2954655" cy="461665"/>
+          </a:xfrm>
+          <a:prstGeom prst="rect">
+            <a:avLst/>
+          </a:prstGeom>
+          <a:noFill/>
+        </p:spPr>
+        <p:txBody>
+          <a:bodyPr wrap="none" rtlCol="0">
+            <a:spAutoFit/>
+          </a:bodyPr>
+          <a:lstStyle/>
+          <a:p>
+            <a:r>
+              <a:rPr kumimoji="1" lang="ja-JP" altLang="en-US" sz="2400"/>
+              <a:t>ベクトルを圧縮する</a:t>
+            </a:r>
+          </a:p>
+        </p:txBody>
+      </p:sp>
+      <p:sp>
+        <p:nvSpPr>
+          <p:cNvPr id="21" name="右矢印 20">
+            <a:extLst>
+              <a:ext uri="{FF2B5EF4-FFF2-40B4-BE49-F238E27FC236}">
+                <a16:creationId xmlns:a16="http://schemas.microsoft.com/office/drawing/2014/main" id="{C6007884-843C-774A-90E4-321D8E9F1B3E}"/>
+              </a:ext>
+            </a:extLst>
+          </p:cNvPr>
+          <p:cNvSpPr/>
+          <p:nvPr/>
+        </p:nvSpPr>
+        <p:spPr>
+          <a:xfrm>
+            <a:off x="1411371" y="5484593"/>
+            <a:ext cx="802318" cy="446556"/>
+          </a:xfrm>
+          <a:prstGeom prst="rightArrow">
+            <a:avLst/>
+          </a:prstGeom>
+          <a:solidFill>
+            <a:schemeClr val="accent1">
+              <a:alpha val="50000"/>
+            </a:schemeClr>
+          </a:solidFill>
+          <a:ln>
+            <a:solidFill>
+              <a:schemeClr val="accent1">
+                <a:shade val="50000"/>
+                <a:alpha val="43000"/>
+              </a:schemeClr>
+            </a:solidFill>
+          </a:ln>
+        </p:spPr>
+        <p:style>
+          <a:lnRef idx="2">
+            <a:schemeClr val="accent1">
+              <a:shade val="50000"/>
+            </a:schemeClr>
+          </a:lnRef>
+          <a:fillRef idx="1">
+            <a:schemeClr val="accent1"/>
+          </a:fillRef>
+          <a:effectRef idx="0">
+            <a:schemeClr val="accent1"/>
+          </a:effectRef>
+          <a:fontRef idx="minor">
+            <a:schemeClr val="lt1"/>
+          </a:fontRef>
+        </p:style>
+        <p:txBody>
+          <a:bodyPr rtlCol="0" anchor="ctr"/>
+          <a:lstStyle/>
+          <a:p>
+            <a:pPr algn="ctr"/>
+            <a:endParaRPr kumimoji="1" lang="ja-JP" altLang="en-US"/>
+          </a:p>
+        </p:txBody>
+      </p:sp>
+      <p:sp>
+        <p:nvSpPr>
+          <p:cNvPr id="22" name="テキスト ボックス 21">
+            <a:extLst>
+              <a:ext uri="{FF2B5EF4-FFF2-40B4-BE49-F238E27FC236}">
+                <a16:creationId xmlns:a16="http://schemas.microsoft.com/office/drawing/2014/main" id="{7C70105C-A0B8-324D-9BAC-72EA4BF3EF54}"/>
+              </a:ext>
+            </a:extLst>
+          </p:cNvPr>
+          <p:cNvSpPr txBox="1"/>
+          <p:nvPr/>
+        </p:nvSpPr>
+        <p:spPr>
+          <a:xfrm>
+            <a:off x="5845191" y="5084033"/>
+            <a:ext cx="574196" cy="369332"/>
+          </a:xfrm>
+          <a:prstGeom prst="rect">
+            <a:avLst/>
+          </a:prstGeom>
+          <a:noFill/>
+        </p:spPr>
+        <p:txBody>
+          <a:bodyPr wrap="none" rtlCol="0">
+            <a:spAutoFit/>
+          </a:bodyPr>
+          <a:lstStyle/>
+          <a:p>
+            <a:r>
+              <a:rPr kumimoji="1" lang="en-US" altLang="ja-JP" dirty="0"/>
+              <a:t>ex.)</a:t>
+            </a:r>
+            <a:endParaRPr kumimoji="1" lang="ja-JP" altLang="en-US" dirty="0"/>
+          </a:p>
+        </p:txBody>
+      </p:sp>
+      <p:sp>
+        <p:nvSpPr>
+          <p:cNvPr id="23" name="テキスト ボックス 22">
+            <a:extLst>
+              <a:ext uri="{FF2B5EF4-FFF2-40B4-BE49-F238E27FC236}">
+                <a16:creationId xmlns:a16="http://schemas.microsoft.com/office/drawing/2014/main" id="{8868E222-1C52-4644-A702-1B965E66989D}"/>
+              </a:ext>
+            </a:extLst>
+          </p:cNvPr>
+          <p:cNvSpPr txBox="1"/>
+          <p:nvPr/>
+        </p:nvSpPr>
+        <p:spPr>
+          <a:xfrm>
+            <a:off x="6780944" y="5477039"/>
+            <a:ext cx="534121" cy="369332"/>
+          </a:xfrm>
+          <a:prstGeom prst="rect">
+            <a:avLst/>
+          </a:prstGeom>
+          <a:noFill/>
+        </p:spPr>
+        <p:txBody>
+          <a:bodyPr wrap="none" rtlCol="0">
+            <a:spAutoFit/>
+          </a:bodyPr>
+          <a:lstStyle/>
+          <a:p>
+            <a:r>
+              <a:rPr kumimoji="1" lang="en-US" altLang="ja-JP" dirty="0"/>
+              <a:t>LSI</a:t>
+            </a:r>
+            <a:endParaRPr kumimoji="1" lang="ja-JP" altLang="en-US"/>
+          </a:p>
+        </p:txBody>
+      </p:sp>
+      <p:sp>
+        <p:nvSpPr>
+          <p:cNvPr id="24" name="テキスト ボックス 23">
+            <a:extLst>
+              <a:ext uri="{FF2B5EF4-FFF2-40B4-BE49-F238E27FC236}">
+                <a16:creationId xmlns:a16="http://schemas.microsoft.com/office/drawing/2014/main" id="{00B5E024-B6F8-A441-95C5-013ED404D61B}"/>
+              </a:ext>
+            </a:extLst>
+          </p:cNvPr>
+          <p:cNvSpPr txBox="1"/>
+          <p:nvPr/>
+        </p:nvSpPr>
+        <p:spPr>
+          <a:xfrm>
+            <a:off x="6780944" y="5783813"/>
+            <a:ext cx="643125" cy="369332"/>
+          </a:xfrm>
+          <a:prstGeom prst="rect">
+            <a:avLst/>
+          </a:prstGeom>
+          <a:noFill/>
+        </p:spPr>
+        <p:txBody>
+          <a:bodyPr wrap="none" rtlCol="0">
+            <a:spAutoFit/>
+          </a:bodyPr>
+          <a:lstStyle/>
+          <a:p>
+            <a:r>
+              <a:rPr kumimoji="1" lang="en-US" altLang="ja-JP" dirty="0"/>
+              <a:t>LDA</a:t>
+            </a:r>
+            <a:endParaRPr kumimoji="1" lang="ja-JP" altLang="en-US"/>
+          </a:p>
+        </p:txBody>
+      </p:sp>
+      <p:sp>
+        <p:nvSpPr>
+          <p:cNvPr id="25" name="テキスト ボックス 24">
+            <a:extLst>
+              <a:ext uri="{FF2B5EF4-FFF2-40B4-BE49-F238E27FC236}">
+                <a16:creationId xmlns:a16="http://schemas.microsoft.com/office/drawing/2014/main" id="{7996F59B-92D2-F64B-BE00-5AE1DC9CED8D}"/>
+              </a:ext>
+            </a:extLst>
+          </p:cNvPr>
+          <p:cNvSpPr txBox="1"/>
+          <p:nvPr/>
+        </p:nvSpPr>
+        <p:spPr>
+          <a:xfrm>
+            <a:off x="6832180" y="6090587"/>
+            <a:ext cx="1197764" cy="369332"/>
+          </a:xfrm>
+          <a:prstGeom prst="rect">
+            <a:avLst/>
+          </a:prstGeom>
+          <a:noFill/>
+        </p:spPr>
+        <p:txBody>
+          <a:bodyPr wrap="none" rtlCol="0">
+            <a:spAutoFit/>
+          </a:bodyPr>
+          <a:lstStyle/>
+          <a:p>
+            <a:r>
+              <a:rPr kumimoji="1" lang="en-US" altLang="ja-JP" dirty="0"/>
+              <a:t>word2vec</a:t>
+            </a:r>
+            <a:endParaRPr kumimoji="1" lang="ja-JP" altLang="en-US"/>
+          </a:p>
+        </p:txBody>
+      </p:sp>
+    </p:spTree>
+    <p:extLst>
+      <p:ext uri="{BB962C8B-B14F-4D97-AF65-F5344CB8AC3E}">
+        <p14:creationId xmlns:p14="http://schemas.microsoft.com/office/powerpoint/2010/main" val="3441705326"/>
+      </p:ext>
+    </p:extLst>
+  </p:cSld>
+  <p:clrMapOvr>
+    <a:masterClrMapping/>
+  </p:clrMapOvr>
+</p:sld>
+</file>
+
+<file path=ppt/slides/slide14.xml><?xml version="1.0" encoding="utf-8"?>
+<p:sld xmlns:a="http://schemas.openxmlformats.org/drawingml/2006/main" xmlns:r="http://schemas.openxmlformats.org/officeDocument/2006/relationships" xmlns:p="http://schemas.openxmlformats.org/presentationml/2006/main">
+  <p:cSld>
+    <p:spTree>
+      <p:nvGrpSpPr>
+        <p:cNvPr id="1" name=""/>
+        <p:cNvGrpSpPr/>
+        <p:nvPr/>
+      </p:nvGrpSpPr>
+      <p:grpSpPr>
+        <a:xfrm>
+          <a:off x="0" y="0"/>
+          <a:ext cx="0" cy="0"/>
+          <a:chOff x="0" y="0"/>
+          <a:chExt cx="0" cy="0"/>
+        </a:xfrm>
+      </p:grpSpPr>
+      <p:sp>
+        <p:nvSpPr>
+          <p:cNvPr id="4" name="テキスト ボックス 3">
+            <a:extLst>
+              <a:ext uri="{FF2B5EF4-FFF2-40B4-BE49-F238E27FC236}">
+                <a16:creationId xmlns:a16="http://schemas.microsoft.com/office/drawing/2014/main" id="{780EB33D-AB7A-644C-BF62-6411655FBFD6}"/>
+              </a:ext>
+            </a:extLst>
+          </p:cNvPr>
+          <p:cNvSpPr txBox="1"/>
+          <p:nvPr/>
+        </p:nvSpPr>
+        <p:spPr>
+          <a:xfrm>
+            <a:off x="996593" y="811658"/>
+            <a:ext cx="6748963" cy="523220"/>
+          </a:xfrm>
+          <a:prstGeom prst="rect">
+            <a:avLst/>
+          </a:prstGeom>
+          <a:noFill/>
+        </p:spPr>
+        <p:txBody>
+          <a:bodyPr wrap="none" rtlCol="0">
+            <a:spAutoFit/>
+          </a:bodyPr>
+          <a:lstStyle/>
+          <a:p>
+            <a:r>
+              <a:rPr lang="en-US" altLang="ja-JP" sz="2800" dirty="0"/>
+              <a:t>4. </a:t>
+            </a:r>
+            <a:r>
+              <a:rPr lang="ja-JP" altLang="en-US" sz="2800"/>
+              <a:t>文章・単語のベクトル化</a:t>
+            </a:r>
+            <a:r>
+              <a:rPr lang="en-US" altLang="ja-JP" sz="2800" dirty="0"/>
+              <a:t>(③word2vec)</a:t>
+            </a:r>
+            <a:endParaRPr lang="ja-JP" altLang="en-US" sz="2800" dirty="0"/>
+          </a:p>
+        </p:txBody>
+      </p:sp>
+      <p:sp>
+        <p:nvSpPr>
+          <p:cNvPr id="11" name="テキスト ボックス 10">
+            <a:extLst>
+              <a:ext uri="{FF2B5EF4-FFF2-40B4-BE49-F238E27FC236}">
+                <a16:creationId xmlns:a16="http://schemas.microsoft.com/office/drawing/2014/main" id="{6F8E7B9A-3AC5-DF47-B7CB-77F6B04E8F77}"/>
+              </a:ext>
+            </a:extLst>
+          </p:cNvPr>
+          <p:cNvSpPr txBox="1"/>
+          <p:nvPr/>
+        </p:nvSpPr>
+        <p:spPr>
+          <a:xfrm>
+            <a:off x="1325366" y="1997330"/>
+            <a:ext cx="8802410" cy="461665"/>
+          </a:xfrm>
+          <a:prstGeom prst="rect">
+            <a:avLst/>
+          </a:prstGeom>
+          <a:noFill/>
+        </p:spPr>
+        <p:txBody>
+          <a:bodyPr wrap="none" rtlCol="0">
+            <a:spAutoFit/>
+          </a:bodyPr>
+          <a:lstStyle/>
+          <a:p>
+            <a:r>
+              <a:rPr lang="ja-JP" altLang="en-US" sz="2400"/>
+              <a:t>単語をベクトル化する際にニューラルネットワークを使用する</a:t>
+            </a:r>
+            <a:endParaRPr lang="en-US" altLang="ja-JP" sz="2400" dirty="0"/>
+          </a:p>
+        </p:txBody>
+      </p:sp>
+    </p:spTree>
+    <p:extLst>
+      <p:ext uri="{BB962C8B-B14F-4D97-AF65-F5344CB8AC3E}">
+        <p14:creationId xmlns:p14="http://schemas.microsoft.com/office/powerpoint/2010/main" val="3966111477"/>
       </p:ext>
     </p:extLst>
   </p:cSld>
@@ -3645,7 +6838,7 @@
           <p:cNvPr id="4" name="テキスト ボックス 3">
             <a:extLst>
               <a:ext uri="{FF2B5EF4-FFF2-40B4-BE49-F238E27FC236}">
-                <a16:creationId xmlns:a16="http://schemas.microsoft.com/office/drawing/2014/main" xmlns="" id="{780EB33D-AB7A-644C-BF62-6411655FBFD6}"/>
+                <a16:creationId xmlns:a16="http://schemas.microsoft.com/office/drawing/2014/main" id="{780EB33D-AB7A-644C-BF62-6411655FBFD6}"/>
               </a:ext>
             </a:extLst>
           </p:cNvPr>
@@ -3680,7 +6873,7 @@
           <p:cNvPr id="5" name="テキスト ボックス 4">
             <a:extLst>
               <a:ext uri="{FF2B5EF4-FFF2-40B4-BE49-F238E27FC236}">
-                <a16:creationId xmlns:a16="http://schemas.microsoft.com/office/drawing/2014/main" xmlns="" id="{6F8E7B9A-3AC5-DF47-B7CB-77F6B04E8F77}"/>
+                <a16:creationId xmlns:a16="http://schemas.microsoft.com/office/drawing/2014/main" id="{6F8E7B9A-3AC5-DF47-B7CB-77F6B04E8F77}"/>
               </a:ext>
             </a:extLst>
           </p:cNvPr>
@@ -3704,16 +6897,12 @@
           <a:lstStyle/>
           <a:p>
             <a:r>
-              <a:rPr kumimoji="1" lang="en-US" altLang="ja-JP" sz="2400" dirty="0" smtClean="0"/>
+              <a:rPr kumimoji="1" lang="en-US" altLang="ja-JP" sz="2400" dirty="0"/>
               <a:t>1. </a:t>
             </a:r>
             <a:r>
-              <a:rPr kumimoji="1" lang="ja-JP" altLang="en-US" sz="2400" dirty="0" smtClean="0"/>
-              <a:t>自然</a:t>
-            </a:r>
-            <a:r>
               <a:rPr kumimoji="1" lang="ja-JP" altLang="en-US" sz="2400" dirty="0"/>
-              <a:t>言語処理とは</a:t>
+              <a:t>自然言語処理とは</a:t>
             </a:r>
           </a:p>
         </p:txBody>
@@ -3723,7 +6912,7 @@
           <p:cNvPr id="6" name="テキスト ボックス 5">
             <a:extLst>
               <a:ext uri="{FF2B5EF4-FFF2-40B4-BE49-F238E27FC236}">
-                <a16:creationId xmlns:a16="http://schemas.microsoft.com/office/drawing/2014/main" xmlns="" id="{5F207273-2722-734C-B54D-FD1360167C15}"/>
+                <a16:creationId xmlns:a16="http://schemas.microsoft.com/office/drawing/2014/main" id="{5F207273-2722-734C-B54D-FD1360167C15}"/>
               </a:ext>
             </a:extLst>
           </p:cNvPr>
@@ -3747,16 +6936,12 @@
           <a:lstStyle/>
           <a:p>
             <a:r>
-              <a:rPr kumimoji="1" lang="en-US" altLang="ja-JP" sz="2400" dirty="0" smtClean="0"/>
+              <a:rPr kumimoji="1" lang="en-US" altLang="ja-JP" sz="2400" dirty="0"/>
               <a:t>2. </a:t>
             </a:r>
             <a:r>
-              <a:rPr kumimoji="1" lang="ja-JP" altLang="en-US" sz="2400" dirty="0" smtClean="0"/>
-              <a:t>形態素</a:t>
-            </a:r>
-            <a:r>
               <a:rPr kumimoji="1" lang="ja-JP" altLang="en-US" sz="2400" dirty="0"/>
-              <a:t>解析</a:t>
+              <a:t>形態素解析</a:t>
             </a:r>
           </a:p>
         </p:txBody>
@@ -3766,7 +6951,7 @@
           <p:cNvPr id="7" name="テキスト ボックス 6">
             <a:extLst>
               <a:ext uri="{FF2B5EF4-FFF2-40B4-BE49-F238E27FC236}">
-                <a16:creationId xmlns:a16="http://schemas.microsoft.com/office/drawing/2014/main" xmlns="" id="{4FE43A5B-CF77-184D-965D-3E817FCCDC48}"/>
+                <a16:creationId xmlns:a16="http://schemas.microsoft.com/office/drawing/2014/main" id="{4FE43A5B-CF77-184D-965D-3E817FCCDC48}"/>
               </a:ext>
             </a:extLst>
           </p:cNvPr>
@@ -3794,16 +6979,12 @@
               <a:t>4</a:t>
             </a:r>
             <a:r>
-              <a:rPr kumimoji="1" lang="en-US" altLang="ja-JP" sz="2400" dirty="0" smtClean="0"/>
+              <a:rPr kumimoji="1" lang="en-US" altLang="ja-JP" sz="2400" dirty="0"/>
               <a:t>. </a:t>
             </a:r>
             <a:r>
-              <a:rPr kumimoji="1" lang="ja-JP" altLang="en-US" sz="2400" dirty="0" smtClean="0"/>
-              <a:t>文章</a:t>
-            </a:r>
-            <a:r>
               <a:rPr kumimoji="1" lang="ja-JP" altLang="en-US" sz="2400" dirty="0"/>
-              <a:t>・単語のベクトル化</a:t>
+              <a:t>文章・単語のベクトル化</a:t>
             </a:r>
           </a:p>
         </p:txBody>
@@ -3813,7 +6994,7 @@
           <p:cNvPr id="8" name="テキスト ボックス 7">
             <a:extLst>
               <a:ext uri="{FF2B5EF4-FFF2-40B4-BE49-F238E27FC236}">
-                <a16:creationId xmlns:a16="http://schemas.microsoft.com/office/drawing/2014/main" xmlns="" id="{A07D5D4C-943F-CF46-854C-B733DFF522FD}"/>
+                <a16:creationId xmlns:a16="http://schemas.microsoft.com/office/drawing/2014/main" id="{A07D5D4C-943F-CF46-854C-B733DFF522FD}"/>
               </a:ext>
             </a:extLst>
           </p:cNvPr>
@@ -3837,7 +7018,7 @@
           <a:lstStyle/>
           <a:p>
             <a:r>
-              <a:rPr kumimoji="1" lang="en-US" altLang="ja-JP" sz="2400" dirty="0" smtClean="0"/>
+              <a:rPr kumimoji="1" lang="en-US" altLang="ja-JP" sz="2400" dirty="0"/>
               <a:t>③word2vec</a:t>
             </a:r>
             <a:endParaRPr kumimoji="1" lang="ja-JP" altLang="en-US" sz="2400" dirty="0"/>
@@ -3849,7 +7030,7 @@
           <p:cNvPr id="9" name="テキスト ボックス 8">
             <a:extLst>
               <a:ext uri="{FF2B5EF4-FFF2-40B4-BE49-F238E27FC236}">
-                <a16:creationId xmlns:a16="http://schemas.microsoft.com/office/drawing/2014/main" xmlns="" id="{FDFAFE0D-36E4-FC44-95B5-B4BB344A18B7}"/>
+                <a16:creationId xmlns:a16="http://schemas.microsoft.com/office/drawing/2014/main" id="{FDFAFE0D-36E4-FC44-95B5-B4BB344A18B7}"/>
               </a:ext>
             </a:extLst>
           </p:cNvPr>
@@ -3885,7 +7066,7 @@
           <p:cNvPr id="10" name="テキスト ボックス 9">
             <a:extLst>
               <a:ext uri="{FF2B5EF4-FFF2-40B4-BE49-F238E27FC236}">
-                <a16:creationId xmlns:a16="http://schemas.microsoft.com/office/drawing/2014/main" xmlns="" id="{3AF21D00-CB12-B241-8221-702B4F89FF53}"/>
+                <a16:creationId xmlns:a16="http://schemas.microsoft.com/office/drawing/2014/main" id="{3AF21D00-CB12-B241-8221-702B4F89FF53}"/>
               </a:ext>
             </a:extLst>
           </p:cNvPr>
@@ -3909,7 +7090,7 @@
           <a:lstStyle/>
           <a:p>
             <a:r>
-              <a:rPr kumimoji="1" lang="en-US" altLang="ja-JP" sz="2400" dirty="0" smtClean="0"/>
+              <a:rPr kumimoji="1" lang="en-US" altLang="ja-JP" sz="2400" dirty="0"/>
               <a:t>①bow</a:t>
             </a:r>
             <a:endParaRPr kumimoji="1" lang="ja-JP" altLang="en-US" sz="2400" dirty="0"/>
@@ -3921,7 +7102,7 @@
           <p:cNvPr id="11" name="テキスト ボックス 10">
             <a:extLst>
               <a:ext uri="{FF2B5EF4-FFF2-40B4-BE49-F238E27FC236}">
-                <a16:creationId xmlns:a16="http://schemas.microsoft.com/office/drawing/2014/main" xmlns="" id="{E5C9E122-F412-234E-A9A0-CE34AFFF538E}"/>
+                <a16:creationId xmlns:a16="http://schemas.microsoft.com/office/drawing/2014/main" id="{E5C9E122-F412-234E-A9A0-CE34AFFF538E}"/>
               </a:ext>
             </a:extLst>
           </p:cNvPr>
@@ -3945,15 +7126,15 @@
           <a:lstStyle/>
           <a:p>
             <a:r>
-              <a:rPr lang="en-US" altLang="ja-JP" sz="2400" dirty="0" smtClean="0"/>
+              <a:rPr lang="en-US" altLang="ja-JP" sz="2400" dirty="0"/>
               <a:t>②</a:t>
             </a:r>
             <a:r>
-              <a:rPr lang="en-US" altLang="ja-JP" sz="2400" dirty="0" err="1" smtClean="0"/>
+              <a:rPr lang="en-US" altLang="ja-JP" sz="2400" dirty="0" err="1"/>
               <a:t>t</a:t>
             </a:r>
             <a:r>
-              <a:rPr kumimoji="1" lang="en-US" altLang="ja-JP" sz="2400" dirty="0" err="1" smtClean="0"/>
+              <a:rPr kumimoji="1" lang="en-US" altLang="ja-JP" sz="2400" dirty="0" err="1"/>
               <a:t>f-idf</a:t>
             </a:r>
             <a:endParaRPr kumimoji="1" lang="ja-JP" altLang="en-US" sz="2400" dirty="0"/>
@@ -3965,7 +7146,7 @@
           <p:cNvPr id="12" name="テキスト ボックス 11">
             <a:extLst>
               <a:ext uri="{FF2B5EF4-FFF2-40B4-BE49-F238E27FC236}">
-                <a16:creationId xmlns:a16="http://schemas.microsoft.com/office/drawing/2014/main" xmlns="" id="{964BC098-7C45-844A-95A6-A487C2E6FCF6}"/>
+                <a16:creationId xmlns:a16="http://schemas.microsoft.com/office/drawing/2014/main" id="{964BC098-7C45-844A-95A6-A487C2E6FCF6}"/>
               </a:ext>
             </a:extLst>
           </p:cNvPr>
@@ -4001,7 +7182,7 @@
           <p:cNvPr id="13" name="テキスト ボックス 12">
             <a:extLst>
               <a:ext uri="{FF2B5EF4-FFF2-40B4-BE49-F238E27FC236}">
-                <a16:creationId xmlns:a16="http://schemas.microsoft.com/office/drawing/2014/main" xmlns="" id="{5F207273-2722-734C-B54D-FD1360167C15}"/>
+                <a16:creationId xmlns:a16="http://schemas.microsoft.com/office/drawing/2014/main" id="{5F207273-2722-734C-B54D-FD1360167C15}"/>
               </a:ext>
             </a:extLst>
           </p:cNvPr>
@@ -4029,11 +7210,11 @@
               <a:t>3</a:t>
             </a:r>
             <a:r>
-              <a:rPr kumimoji="1" lang="en-US" altLang="ja-JP" sz="2400" dirty="0" smtClean="0"/>
+              <a:rPr kumimoji="1" lang="en-US" altLang="ja-JP" sz="2400" dirty="0"/>
               <a:t>. </a:t>
             </a:r>
             <a:r>
-              <a:rPr lang="ja-JP" altLang="en-US" sz="2400" dirty="0" smtClean="0"/>
+              <a:rPr lang="ja-JP" altLang="en-US" sz="2400" dirty="0"/>
               <a:t>自然言語処理と機械学習</a:t>
             </a:r>
             <a:endParaRPr kumimoji="1" lang="ja-JP" altLang="en-US" sz="2400" dirty="0"/>
@@ -4128,7 +7309,7 @@
           <p:cNvPr id="4" name="テキスト ボックス 3">
             <a:extLst>
               <a:ext uri="{FF2B5EF4-FFF2-40B4-BE49-F238E27FC236}">
-                <a16:creationId xmlns:a16="http://schemas.microsoft.com/office/drawing/2014/main" xmlns="" id="{780EB33D-AB7A-644C-BF62-6411655FBFD6}"/>
+                <a16:creationId xmlns:a16="http://schemas.microsoft.com/office/drawing/2014/main" id="{780EB33D-AB7A-644C-BF62-6411655FBFD6}"/>
               </a:ext>
             </a:extLst>
           </p:cNvPr>
@@ -4159,7 +7340,6 @@
               <a:rPr lang="ja-JP" altLang="en-US" sz="2800" dirty="0"/>
               <a:t>自然言語処理とは</a:t>
             </a:r>
-            <a:endParaRPr lang="ja-JP" altLang="en-US" sz="2800" dirty="0"/>
           </a:p>
         </p:txBody>
       </p:sp>
@@ -4168,7 +7348,7 @@
           <p:cNvPr id="5" name="テキスト ボックス 4">
             <a:extLst>
               <a:ext uri="{FF2B5EF4-FFF2-40B4-BE49-F238E27FC236}">
-                <a16:creationId xmlns:a16="http://schemas.microsoft.com/office/drawing/2014/main" xmlns="" id="{6F8E7B9A-3AC5-DF47-B7CB-77F6B04E8F77}"/>
+                <a16:creationId xmlns:a16="http://schemas.microsoft.com/office/drawing/2014/main" id="{6F8E7B9A-3AC5-DF47-B7CB-77F6B04E8F77}"/>
               </a:ext>
             </a:extLst>
           </p:cNvPr>
@@ -4193,19 +7373,7 @@
           <a:p>
             <a:r>
               <a:rPr lang="en-US" altLang="ja-JP" sz="2400" dirty="0"/>
-              <a:t>N</a:t>
-            </a:r>
-            <a:r>
-              <a:rPr lang="en-US" altLang="ja-JP" sz="2400" dirty="0" smtClean="0"/>
-              <a:t>atural </a:t>
-            </a:r>
-            <a:r>
-              <a:rPr lang="en-US" altLang="ja-JP" sz="2400" dirty="0"/>
-              <a:t>L</a:t>
-            </a:r>
-            <a:r>
-              <a:rPr lang="en-US" altLang="ja-JP" sz="2400" dirty="0" smtClean="0"/>
-              <a:t>anguage Processing</a:t>
+              <a:t>Natural Language Processing</a:t>
             </a:r>
             <a:endParaRPr kumimoji="1" lang="ja-JP" altLang="en-US" sz="2400" dirty="0"/>
           </a:p>
@@ -4216,7 +7384,7 @@
           <p:cNvPr id="13" name="テキスト ボックス 12">
             <a:extLst>
               <a:ext uri="{FF2B5EF4-FFF2-40B4-BE49-F238E27FC236}">
-                <a16:creationId xmlns:a16="http://schemas.microsoft.com/office/drawing/2014/main" xmlns="" id="{6F8E7B9A-3AC5-DF47-B7CB-77F6B04E8F77}"/>
+                <a16:creationId xmlns:a16="http://schemas.microsoft.com/office/drawing/2014/main" id="{6F8E7B9A-3AC5-DF47-B7CB-77F6B04E8F77}"/>
               </a:ext>
             </a:extLst>
           </p:cNvPr>
@@ -4240,11 +7408,11 @@
           <a:lstStyle/>
           <a:p>
             <a:r>
-              <a:rPr lang="ja-JP" altLang="en-US" sz="2400" dirty="0" smtClean="0"/>
+              <a:rPr lang="ja-JP" altLang="en-US" sz="2400" dirty="0"/>
               <a:t>人が日常的に使用している</a:t>
             </a:r>
             <a:r>
-              <a:rPr lang="ja-JP" altLang="en-US" sz="2400" smtClean="0"/>
+              <a:rPr lang="ja-JP" altLang="en-US" sz="2400"/>
               <a:t>自然言語</a:t>
             </a:r>
             <a:endParaRPr kumimoji="1" lang="ja-JP" altLang="en-US" sz="2400" dirty="0"/>
@@ -4256,7 +7424,7 @@
           <p:cNvPr id="15" name="テキスト ボックス 14">
             <a:extLst>
               <a:ext uri="{FF2B5EF4-FFF2-40B4-BE49-F238E27FC236}">
-                <a16:creationId xmlns:a16="http://schemas.microsoft.com/office/drawing/2014/main" xmlns="" id="{6F8E7B9A-3AC5-DF47-B7CB-77F6B04E8F77}"/>
+                <a16:creationId xmlns:a16="http://schemas.microsoft.com/office/drawing/2014/main" id="{6F8E7B9A-3AC5-DF47-B7CB-77F6B04E8F77}"/>
               </a:ext>
             </a:extLst>
           </p:cNvPr>
@@ -4309,10 +7477,9 @@
           <a:lstStyle/>
           <a:p>
             <a:r>
-              <a:rPr kumimoji="1" lang="ja-JP" altLang="en-US" sz="2400" dirty="0" smtClean="0"/>
+              <a:rPr kumimoji="1" lang="ja-JP" altLang="en-US" sz="2400" dirty="0"/>
               <a:t>形態素解析</a:t>
             </a:r>
-            <a:endParaRPr kumimoji="1" lang="ja-JP" altLang="en-US" sz="2400" dirty="0"/>
           </a:p>
         </p:txBody>
       </p:sp>
@@ -4339,10 +7506,9 @@
           <a:lstStyle/>
           <a:p>
             <a:r>
-              <a:rPr kumimoji="1" lang="ja-JP" altLang="en-US" sz="2400" dirty="0" smtClean="0"/>
+              <a:rPr kumimoji="1" lang="ja-JP" altLang="en-US" sz="2400" dirty="0"/>
               <a:t>構文解析</a:t>
             </a:r>
-            <a:endParaRPr kumimoji="1" lang="ja-JP" altLang="en-US" sz="2400" dirty="0"/>
           </a:p>
         </p:txBody>
       </p:sp>
@@ -4369,10 +7535,9 @@
           <a:lstStyle/>
           <a:p>
             <a:r>
-              <a:rPr kumimoji="1" lang="ja-JP" altLang="en-US" sz="2400" dirty="0" smtClean="0"/>
+              <a:rPr kumimoji="1" lang="ja-JP" altLang="en-US" sz="2400" dirty="0"/>
               <a:t>意味解析</a:t>
             </a:r>
-            <a:endParaRPr kumimoji="1" lang="ja-JP" altLang="en-US" sz="2400" dirty="0"/>
           </a:p>
         </p:txBody>
       </p:sp>
@@ -4399,7 +7564,7 @@
           <a:lstStyle/>
           <a:p>
             <a:r>
-              <a:rPr kumimoji="1" lang="ja-JP" altLang="en-US" sz="2400" smtClean="0"/>
+              <a:rPr kumimoji="1" lang="ja-JP" altLang="en-US" sz="2400"/>
               <a:t>文脈解析</a:t>
             </a:r>
             <a:endParaRPr kumimoji="1" lang="ja-JP" altLang="en-US" sz="2400" dirty="0"/>
@@ -4441,7 +7606,7 @@
           <p:cNvPr id="4" name="テキスト ボックス 3">
             <a:extLst>
               <a:ext uri="{FF2B5EF4-FFF2-40B4-BE49-F238E27FC236}">
-                <a16:creationId xmlns:a16="http://schemas.microsoft.com/office/drawing/2014/main" xmlns="" id="{780EB33D-AB7A-644C-BF62-6411655FBFD6}"/>
+                <a16:creationId xmlns:a16="http://schemas.microsoft.com/office/drawing/2014/main" id="{780EB33D-AB7A-644C-BF62-6411655FBFD6}"/>
               </a:ext>
             </a:extLst>
           </p:cNvPr>
@@ -4472,7 +7637,6 @@
               <a:rPr lang="ja-JP" altLang="en-US" sz="2800" dirty="0"/>
               <a:t>形態素解析</a:t>
             </a:r>
-            <a:endParaRPr lang="ja-JP" altLang="en-US" sz="2800" dirty="0"/>
           </a:p>
         </p:txBody>
       </p:sp>
@@ -4481,7 +7645,7 @@
           <p:cNvPr id="5" name="テキスト ボックス 4">
             <a:extLst>
               <a:ext uri="{FF2B5EF4-FFF2-40B4-BE49-F238E27FC236}">
-                <a16:creationId xmlns:a16="http://schemas.microsoft.com/office/drawing/2014/main" xmlns="" id="{6F8E7B9A-3AC5-DF47-B7CB-77F6B04E8F77}"/>
+                <a16:creationId xmlns:a16="http://schemas.microsoft.com/office/drawing/2014/main" id="{6F8E7B9A-3AC5-DF47-B7CB-77F6B04E8F77}"/>
               </a:ext>
             </a:extLst>
           </p:cNvPr>
@@ -4505,7 +7669,7 @@
           <a:lstStyle/>
           <a:p>
             <a:r>
-              <a:rPr lang="ja-JP" altLang="en-US" sz="2400" dirty="0" smtClean="0"/>
+              <a:rPr lang="ja-JP" altLang="en-US" sz="2400" dirty="0"/>
               <a:t>自然言語処理の基礎技術</a:t>
             </a:r>
             <a:endParaRPr kumimoji="1" lang="ja-JP" altLang="en-US" sz="2400" dirty="0"/>
@@ -4535,18 +7699,17 @@
           <a:lstStyle/>
           <a:p>
             <a:r>
-              <a:rPr kumimoji="1" lang="ja-JP" altLang="en-US" sz="2400" dirty="0" smtClean="0"/>
+              <a:rPr kumimoji="1" lang="ja-JP" altLang="en-US" sz="2400" dirty="0"/>
               <a:t>文章を辞書に基づき形態素に分割</a:t>
             </a:r>
             <a:r>
-              <a:rPr kumimoji="1" lang="en-US" altLang="ja-JP" sz="2400" dirty="0" smtClean="0"/>
+              <a:rPr kumimoji="1" lang="en-US" altLang="ja-JP" sz="2400" dirty="0"/>
               <a:t>, </a:t>
             </a:r>
             <a:r>
-              <a:rPr kumimoji="1" lang="ja-JP" altLang="en-US" sz="2400" dirty="0" smtClean="0"/>
+              <a:rPr kumimoji="1" lang="ja-JP" altLang="en-US" sz="2400" dirty="0"/>
               <a:t>品詞判別等を行う</a:t>
             </a:r>
-            <a:endParaRPr kumimoji="1" lang="ja-JP" altLang="en-US" sz="2400" dirty="0"/>
           </a:p>
         </p:txBody>
       </p:sp>
@@ -4599,7 +7762,7 @@
           <a:lstStyle/>
           <a:p>
             <a:r>
-              <a:rPr kumimoji="1" lang="en-US" altLang="ja-JP" dirty="0" smtClean="0"/>
+              <a:rPr kumimoji="1" lang="en-US" altLang="ja-JP" dirty="0"/>
               <a:t>ex.)</a:t>
             </a:r>
             <a:endParaRPr kumimoji="1" lang="ja-JP" altLang="en-US" dirty="0"/>
@@ -4629,7 +7792,7 @@
           <a:lstStyle/>
           <a:p>
             <a:r>
-              <a:rPr lang="ja-JP" altLang="en-US" sz="2400" dirty="0" smtClean="0"/>
+              <a:rPr lang="ja-JP" altLang="en-US" sz="2400" dirty="0"/>
               <a:t>すもももももももものうち</a:t>
             </a:r>
             <a:endParaRPr kumimoji="1" lang="ja-JP" altLang="en-US" sz="2400" dirty="0"/>
@@ -4691,14 +7854,14 @@
               <a:t>,</a:t>
             </a:r>
             <a:r>
-              <a:rPr lang="ja-JP" altLang="en-US" dirty="0" smtClean="0"/>
+              <a:rPr lang="ja-JP" altLang="en-US" dirty="0"/>
               <a:t>スモモ</a:t>
             </a:r>
-            <a:endParaRPr lang="en-US" altLang="ja-JP" dirty="0" smtClean="0"/>
-          </a:p>
-          <a:p>
-            <a:r>
-              <a:rPr lang="ja-JP" altLang="en-US" dirty="0" smtClean="0"/>
+            <a:endParaRPr lang="en-US" altLang="ja-JP" dirty="0"/>
+          </a:p>
+          <a:p>
+            <a:r>
+              <a:rPr lang="ja-JP" altLang="en-US" dirty="0"/>
               <a:t>も	助詞</a:t>
             </a:r>
             <a:r>
@@ -4730,19 +7893,15 @@
               <a:t>,</a:t>
             </a:r>
             <a:r>
-              <a:rPr lang="ja-JP" altLang="en-US" dirty="0" smtClean="0"/>
+              <a:rPr lang="ja-JP" altLang="en-US" dirty="0"/>
               <a:t>モ</a:t>
             </a:r>
-            <a:endParaRPr lang="en-US" altLang="ja-JP" dirty="0" smtClean="0"/>
-          </a:p>
-          <a:p>
-            <a:r>
-              <a:rPr lang="ja-JP" altLang="en-US" dirty="0" smtClean="0"/>
-              <a:t>もも</a:t>
-            </a:r>
+            <a:endParaRPr lang="en-US" altLang="ja-JP" dirty="0"/>
+          </a:p>
+          <a:p>
             <a:r>
               <a:rPr lang="ja-JP" altLang="en-US" dirty="0"/>
-              <a:t>	名詞</a:t>
+              <a:t>もも	名詞</a:t>
             </a:r>
             <a:r>
               <a:rPr lang="en-US" altLang="ja-JP" dirty="0"/>
@@ -4773,19 +7932,15 @@
               <a:t>,</a:t>
             </a:r>
             <a:r>
-              <a:rPr lang="ja-JP" altLang="en-US" dirty="0" smtClean="0"/>
+              <a:rPr lang="ja-JP" altLang="en-US" dirty="0"/>
               <a:t>モモ</a:t>
             </a:r>
-            <a:endParaRPr lang="en-US" altLang="ja-JP" dirty="0" smtClean="0"/>
-          </a:p>
-          <a:p>
-            <a:r>
-              <a:rPr lang="ja-JP" altLang="en-US" dirty="0" smtClean="0"/>
-              <a:t>も</a:t>
-            </a:r>
+            <a:endParaRPr lang="en-US" altLang="ja-JP" dirty="0"/>
+          </a:p>
+          <a:p>
             <a:r>
               <a:rPr lang="ja-JP" altLang="en-US" dirty="0"/>
-              <a:t>	助詞</a:t>
+              <a:t>も	助詞</a:t>
             </a:r>
             <a:r>
               <a:rPr lang="en-US" altLang="ja-JP" dirty="0"/>
@@ -4816,19 +7971,15 @@
               <a:t>,</a:t>
             </a:r>
             <a:r>
-              <a:rPr lang="ja-JP" altLang="en-US" dirty="0" smtClean="0"/>
+              <a:rPr lang="ja-JP" altLang="en-US" dirty="0"/>
               <a:t>モ</a:t>
             </a:r>
-            <a:endParaRPr lang="en-US" altLang="ja-JP" dirty="0" smtClean="0"/>
-          </a:p>
-          <a:p>
-            <a:r>
-              <a:rPr lang="ja-JP" altLang="en-US" dirty="0" smtClean="0"/>
-              <a:t>もも</a:t>
-            </a:r>
+            <a:endParaRPr lang="en-US" altLang="ja-JP" dirty="0"/>
+          </a:p>
+          <a:p>
             <a:r>
               <a:rPr lang="ja-JP" altLang="en-US" dirty="0"/>
-              <a:t>	名詞</a:t>
+              <a:t>もも	名詞</a:t>
             </a:r>
             <a:r>
               <a:rPr lang="en-US" altLang="ja-JP" dirty="0"/>
@@ -4859,22 +8010,22 @@
               <a:t>,</a:t>
             </a:r>
             <a:r>
-              <a:rPr lang="ja-JP" altLang="en-US" dirty="0" smtClean="0"/>
+              <a:rPr lang="ja-JP" altLang="en-US" dirty="0"/>
               <a:t>モモ</a:t>
             </a:r>
-            <a:endParaRPr lang="en-US" altLang="ja-JP" dirty="0" smtClean="0"/>
-          </a:p>
-          <a:p>
-            <a:r>
-              <a:rPr lang="ja-JP" altLang="en-US" dirty="0" smtClean="0"/>
+            <a:endParaRPr lang="en-US" altLang="ja-JP" dirty="0"/>
+          </a:p>
+          <a:p>
+            <a:r>
+              <a:rPr lang="ja-JP" altLang="en-US" dirty="0"/>
               <a:t>の</a:t>
             </a:r>
             <a:r>
-              <a:rPr lang="en-US" altLang="ja-JP" dirty="0" smtClean="0"/>
+              <a:rPr lang="en-US" altLang="ja-JP" dirty="0"/>
               <a:t>	</a:t>
             </a:r>
             <a:r>
-              <a:rPr lang="ja-JP" altLang="en-US" dirty="0" smtClean="0"/>
+              <a:rPr lang="ja-JP" altLang="en-US" dirty="0"/>
               <a:t>助詞</a:t>
             </a:r>
             <a:r>
@@ -4906,22 +8057,22 @@
               <a:t>,</a:t>
             </a:r>
             <a:r>
-              <a:rPr lang="ja-JP" altLang="en-US" dirty="0" smtClean="0"/>
+              <a:rPr lang="ja-JP" altLang="en-US" dirty="0"/>
               <a:t>ノ</a:t>
             </a:r>
-            <a:endParaRPr lang="en-US" altLang="ja-JP" dirty="0" smtClean="0"/>
-          </a:p>
-          <a:p>
-            <a:r>
-              <a:rPr lang="ja-JP" altLang="en-US" dirty="0" smtClean="0"/>
+            <a:endParaRPr lang="en-US" altLang="ja-JP" dirty="0"/>
+          </a:p>
+          <a:p>
+            <a:r>
+              <a:rPr lang="ja-JP" altLang="en-US" dirty="0"/>
               <a:t>うち</a:t>
             </a:r>
             <a:r>
-              <a:rPr lang="en-US" altLang="ja-JP" dirty="0" smtClean="0"/>
+              <a:rPr lang="en-US" altLang="ja-JP" dirty="0"/>
               <a:t>	</a:t>
             </a:r>
             <a:r>
-              <a:rPr lang="ja-JP" altLang="en-US" dirty="0" smtClean="0"/>
+              <a:rPr lang="ja-JP" altLang="en-US" dirty="0"/>
               <a:t>名詞</a:t>
             </a:r>
             <a:r>
@@ -4970,18 +8121,82 @@
       </p:sp>
       <p:sp>
         <p:nvSpPr>
-          <p:cNvPr id="6" name="右矢印 5"/>
+          <p:cNvPr id="7" name="テキスト ボックス 6"/>
+          <p:cNvSpPr txBox="1"/>
+          <p:nvPr/>
+        </p:nvSpPr>
+        <p:spPr>
+          <a:xfrm>
+            <a:off x="1648423" y="3154844"/>
+            <a:ext cx="4870244" cy="369332"/>
+          </a:xfrm>
+          <a:prstGeom prst="rect">
+            <a:avLst/>
+          </a:prstGeom>
+          <a:noFill/>
+        </p:spPr>
+        <p:txBody>
+          <a:bodyPr wrap="none" rtlCol="0">
+            <a:spAutoFit/>
+          </a:bodyPr>
+          <a:lstStyle/>
+          <a:p>
+            <a:r>
+              <a:rPr kumimoji="1" lang="ja-JP" altLang="en-US" dirty="0"/>
+              <a:t>ソフトウェアとして</a:t>
+            </a:r>
+            <a:r>
+              <a:rPr kumimoji="1" lang="en-US" altLang="ja-JP" dirty="0" err="1"/>
+              <a:t>MeCab</a:t>
+            </a:r>
+            <a:r>
+              <a:rPr kumimoji="1" lang="en-US" altLang="ja-JP" dirty="0"/>
+              <a:t>, </a:t>
+            </a:r>
+            <a:r>
+              <a:rPr kumimoji="1" lang="en-US" altLang="ja-JP" dirty="0" err="1"/>
+              <a:t>Chasen</a:t>
+            </a:r>
+            <a:r>
+              <a:rPr kumimoji="1" lang="ja-JP" altLang="en-US" dirty="0"/>
+              <a:t>等がある</a:t>
+            </a:r>
+          </a:p>
+        </p:txBody>
+      </p:sp>
+      <p:sp>
+        <p:nvSpPr>
+          <p:cNvPr id="13" name="右矢印 12">
+            <a:extLst>
+              <a:ext uri="{FF2B5EF4-FFF2-40B4-BE49-F238E27FC236}">
+                <a16:creationId xmlns:a16="http://schemas.microsoft.com/office/drawing/2014/main" id="{AE6EA963-26DF-754D-AEE4-46420040461C}"/>
+              </a:ext>
+            </a:extLst>
+          </p:cNvPr>
           <p:cNvSpPr/>
           <p:nvPr/>
         </p:nvSpPr>
         <p:spPr>
           <a:xfrm>
-            <a:off x="5780598" y="5009322"/>
-            <a:ext cx="715618" cy="389529"/>
+            <a:off x="5701593" y="4952295"/>
+            <a:ext cx="802318" cy="446556"/>
           </a:xfrm>
           <a:prstGeom prst="rightArrow">
             <a:avLst/>
           </a:prstGeom>
+          <a:solidFill>
+            <a:schemeClr val="accent1">
+              <a:alpha val="50000"/>
+            </a:schemeClr>
+          </a:solidFill>
+          <a:ln>
+            <a:solidFill>
+              <a:schemeClr val="accent1">
+                <a:shade val="50000"/>
+                <a:alpha val="43000"/>
+              </a:schemeClr>
+            </a:solidFill>
+          </a:ln>
         </p:spPr>
         <p:style>
           <a:lnRef idx="2">
@@ -5005,52 +8220,6 @@
           <a:p>
             <a:pPr algn="ctr"/>
             <a:endParaRPr kumimoji="1" lang="ja-JP" altLang="en-US"/>
-          </a:p>
-        </p:txBody>
-      </p:sp>
-      <p:sp>
-        <p:nvSpPr>
-          <p:cNvPr id="7" name="テキスト ボックス 6"/>
-          <p:cNvSpPr txBox="1"/>
-          <p:nvPr/>
-        </p:nvSpPr>
-        <p:spPr>
-          <a:xfrm>
-            <a:off x="1648423" y="3154844"/>
-            <a:ext cx="4870244" cy="369332"/>
-          </a:xfrm>
-          <a:prstGeom prst="rect">
-            <a:avLst/>
-          </a:prstGeom>
-          <a:noFill/>
-        </p:spPr>
-        <p:txBody>
-          <a:bodyPr wrap="none" rtlCol="0">
-            <a:spAutoFit/>
-          </a:bodyPr>
-          <a:lstStyle/>
-          <a:p>
-            <a:r>
-              <a:rPr kumimoji="1" lang="ja-JP" altLang="en-US" dirty="0" smtClean="0"/>
-              <a:t>ソフトウェアとして</a:t>
-            </a:r>
-            <a:r>
-              <a:rPr kumimoji="1" lang="en-US" altLang="ja-JP" dirty="0" err="1" smtClean="0"/>
-              <a:t>MeCab</a:t>
-            </a:r>
-            <a:r>
-              <a:rPr kumimoji="1" lang="en-US" altLang="ja-JP" dirty="0" smtClean="0"/>
-              <a:t>, </a:t>
-            </a:r>
-            <a:r>
-              <a:rPr kumimoji="1" lang="en-US" altLang="ja-JP" dirty="0" err="1" smtClean="0"/>
-              <a:t>Chasen</a:t>
-            </a:r>
-            <a:r>
-              <a:rPr kumimoji="1" lang="ja-JP" altLang="en-US" dirty="0" smtClean="0"/>
-              <a:t>等がある</a:t>
-            </a:r>
-            <a:endParaRPr kumimoji="1" lang="ja-JP" altLang="en-US" dirty="0"/>
           </a:p>
         </p:txBody>
       </p:sp>
@@ -5089,7 +8258,7 @@
           <p:cNvPr id="4" name="テキスト ボックス 3">
             <a:extLst>
               <a:ext uri="{FF2B5EF4-FFF2-40B4-BE49-F238E27FC236}">
-                <a16:creationId xmlns:a16="http://schemas.microsoft.com/office/drawing/2014/main" xmlns="" id="{780EB33D-AB7A-644C-BF62-6411655FBFD6}"/>
+                <a16:creationId xmlns:a16="http://schemas.microsoft.com/office/drawing/2014/main" id="{780EB33D-AB7A-644C-BF62-6411655FBFD6}"/>
               </a:ext>
             </a:extLst>
           </p:cNvPr>
@@ -5120,7 +8289,6 @@
               <a:rPr lang="ja-JP" altLang="en-US" sz="2800" dirty="0"/>
               <a:t>自然言語処理と機械学習</a:t>
             </a:r>
-            <a:endParaRPr lang="ja-JP" altLang="en-US" sz="2800" dirty="0"/>
           </a:p>
         </p:txBody>
       </p:sp>
@@ -5129,7 +8297,7 @@
           <p:cNvPr id="11" name="テキスト ボックス 10">
             <a:extLst>
               <a:ext uri="{FF2B5EF4-FFF2-40B4-BE49-F238E27FC236}">
-                <a16:creationId xmlns:a16="http://schemas.microsoft.com/office/drawing/2014/main" xmlns="" id="{6F8E7B9A-3AC5-DF47-B7CB-77F6B04E8F77}"/>
+                <a16:creationId xmlns:a16="http://schemas.microsoft.com/office/drawing/2014/main" id="{6F8E7B9A-3AC5-DF47-B7CB-77F6B04E8F77}"/>
               </a:ext>
             </a:extLst>
           </p:cNvPr>
@@ -5139,7 +8307,7 @@
         <p:spPr>
           <a:xfrm>
             <a:off x="1325366" y="1997330"/>
-            <a:ext cx="9110186" cy="461665"/>
+            <a:ext cx="10649069" cy="461665"/>
           </a:xfrm>
           <a:prstGeom prst="rect">
             <a:avLst/>
@@ -5153,27 +8321,23 @@
           <a:lstStyle/>
           <a:p>
             <a:r>
-              <a:rPr lang="ja-JP" altLang="en-US" sz="2400" dirty="0" smtClean="0"/>
-              <a:t>文章に機械学習を行うため</a:t>
-            </a:r>
-            <a:r>
-              <a:rPr lang="ja-JP" altLang="en-US" sz="2400" smtClean="0"/>
-              <a:t>には数値データに変換する必要がある</a:t>
-            </a:r>
-            <a:endParaRPr lang="en-US" altLang="ja-JP" sz="2400" dirty="0" smtClean="0"/>
-          </a:p>
-        </p:txBody>
-      </p:sp>
-      <p:sp>
-        <p:nvSpPr>
-          <p:cNvPr id="3" name="テキスト ボックス 2"/>
+              <a:rPr lang="ja-JP" altLang="en-US" sz="2400"/>
+              <a:t>文章をコンピュータに処理させることで様々なサービスが生み出されている</a:t>
+            </a:r>
+            <a:endParaRPr lang="en-US" altLang="ja-JP" sz="2400" dirty="0"/>
+          </a:p>
+        </p:txBody>
+      </p:sp>
+      <p:sp>
+        <p:nvSpPr>
+          <p:cNvPr id="20" name="テキスト ボックス 19"/>
           <p:cNvSpPr txBox="1"/>
           <p:nvPr/>
         </p:nvSpPr>
         <p:spPr>
           <a:xfrm>
-            <a:off x="5527000" y="2671645"/>
-            <a:ext cx="2507418" cy="369332"/>
+            <a:off x="1304014" y="3729162"/>
+            <a:ext cx="574196" cy="369332"/>
           </a:xfrm>
           <a:prstGeom prst="rect">
             <a:avLst/>
@@ -5187,24 +8351,8 @@
           <a:lstStyle/>
           <a:p>
             <a:r>
-              <a:rPr kumimoji="1" lang="en-US" altLang="ja-JP" dirty="0" smtClean="0"/>
-              <a:t>※ </a:t>
-            </a:r>
-            <a:r>
-              <a:rPr kumimoji="1" lang="ja-JP" altLang="en-US" dirty="0" smtClean="0"/>
-              <a:t>数値データ</a:t>
-            </a:r>
-            <a:r>
-              <a:rPr kumimoji="1" lang="en-US" altLang="ja-JP" dirty="0" smtClean="0"/>
-              <a:t>(</a:t>
-            </a:r>
-            <a:r>
-              <a:rPr kumimoji="1" lang="ja-JP" altLang="en-US" dirty="0" smtClean="0"/>
-              <a:t>固定長</a:t>
-            </a:r>
-            <a:r>
-              <a:rPr kumimoji="1" lang="en-US" altLang="ja-JP" dirty="0" smtClean="0"/>
-              <a:t>)</a:t>
+              <a:rPr kumimoji="1" lang="en-US" altLang="ja-JP" dirty="0"/>
+              <a:t>ex.)</a:t>
             </a:r>
             <a:endParaRPr kumimoji="1" lang="ja-JP" altLang="en-US" dirty="0"/>
           </a:p>
@@ -5212,14 +8360,14 @@
       </p:sp>
       <p:sp>
         <p:nvSpPr>
-          <p:cNvPr id="20" name="テキスト ボックス 19"/>
+          <p:cNvPr id="21" name="テキスト ボックス 20"/>
           <p:cNvSpPr txBox="1"/>
           <p:nvPr/>
         </p:nvSpPr>
         <p:spPr>
           <a:xfrm>
-            <a:off x="1304014" y="3729162"/>
-            <a:ext cx="574196" cy="369332"/>
+            <a:off x="1648423" y="4937185"/>
+            <a:ext cx="3658374" cy="461665"/>
           </a:xfrm>
           <a:prstGeom prst="rect">
             <a:avLst/>
@@ -5233,23 +8381,35 @@
           <a:lstStyle/>
           <a:p>
             <a:r>
-              <a:rPr kumimoji="1" lang="en-US" altLang="ja-JP" dirty="0" smtClean="0"/>
-              <a:t>ex.)</a:t>
-            </a:r>
-            <a:endParaRPr kumimoji="1" lang="ja-JP" altLang="en-US" dirty="0"/>
-          </a:p>
-        </p:txBody>
-      </p:sp>
-      <p:sp>
-        <p:nvSpPr>
-          <p:cNvPr id="21" name="テキスト ボックス 20"/>
+              <a:rPr lang="ja-JP" altLang="en-US" sz="2400"/>
+              <a:t>対話エージェント</a:t>
+            </a:r>
+            <a:r>
+              <a:rPr lang="en-US" altLang="ja-JP" sz="2400" dirty="0"/>
+              <a:t>(Siri</a:t>
+            </a:r>
+            <a:r>
+              <a:rPr lang="ja-JP" altLang="en-US" sz="2400"/>
+              <a:t>等</a:t>
+            </a:r>
+            <a:r>
+              <a:rPr lang="en-US" altLang="ja-JP" sz="2400" dirty="0"/>
+              <a:t>)</a:t>
+            </a:r>
+            <a:endParaRPr kumimoji="1" lang="ja-JP" altLang="en-US" sz="2400" dirty="0"/>
+          </a:p>
+        </p:txBody>
+      </p:sp>
+      <p:sp>
+        <p:nvSpPr>
+          <p:cNvPr id="12" name="テキスト ボックス 11"/>
           <p:cNvSpPr txBox="1"/>
           <p:nvPr/>
         </p:nvSpPr>
         <p:spPr>
           <a:xfrm>
-            <a:off x="1648423" y="4937186"/>
-            <a:ext cx="651140" cy="461665"/>
+            <a:off x="1650909" y="5587363"/>
+            <a:ext cx="1415772" cy="461665"/>
           </a:xfrm>
           <a:prstGeom prst="rect">
             <a:avLst/>
@@ -5263,23 +8423,22 @@
           <a:lstStyle/>
           <a:p>
             <a:r>
-              <a:rPr lang="en-US" altLang="ja-JP" sz="2400" dirty="0" smtClean="0"/>
-              <a:t>Siri</a:t>
-            </a:r>
-            <a:endParaRPr kumimoji="1" lang="ja-JP" altLang="en-US" sz="2400" dirty="0"/>
-          </a:p>
-        </p:txBody>
-      </p:sp>
-      <p:sp>
-        <p:nvSpPr>
-          <p:cNvPr id="12" name="テキスト ボックス 11"/>
+              <a:rPr kumimoji="1" lang="ja-JP" altLang="en-US" sz="2400" dirty="0"/>
+              <a:t>予測変換</a:t>
+            </a:r>
+          </a:p>
+        </p:txBody>
+      </p:sp>
+      <p:sp>
+        <p:nvSpPr>
+          <p:cNvPr id="22" name="テキスト ボックス 21"/>
           <p:cNvSpPr txBox="1"/>
           <p:nvPr/>
         </p:nvSpPr>
         <p:spPr>
           <a:xfrm>
-            <a:off x="1717482" y="5852160"/>
-            <a:ext cx="1107996" cy="369332"/>
+            <a:off x="1648423" y="4287007"/>
+            <a:ext cx="5961888" cy="461665"/>
           </a:xfrm>
           <a:prstGeom prst="rect">
             <a:avLst/>
@@ -5293,23 +8452,165 @@
           <a:lstStyle/>
           <a:p>
             <a:r>
-              <a:rPr kumimoji="1" lang="ja-JP" altLang="en-US" dirty="0" smtClean="0"/>
-              <a:t>予測変換</a:t>
-            </a:r>
-            <a:endParaRPr kumimoji="1" lang="ja-JP" altLang="en-US" dirty="0"/>
-          </a:p>
-        </p:txBody>
-      </p:sp>
-      <p:sp>
-        <p:nvSpPr>
-          <p:cNvPr id="22" name="テキスト ボックス 21"/>
+              <a:rPr lang="ja-JP" altLang="en-US" sz="2400" dirty="0"/>
+              <a:t>ページ</a:t>
+            </a:r>
+            <a:r>
+              <a:rPr kumimoji="1" lang="ja-JP" altLang="en-US" sz="2400" dirty="0"/>
+              <a:t>ランキングシステム</a:t>
+            </a:r>
+            <a:r>
+              <a:rPr kumimoji="1" lang="en-US" altLang="ja-JP" sz="2400" dirty="0"/>
+              <a:t>(</a:t>
+            </a:r>
+            <a:r>
+              <a:rPr kumimoji="1" lang="ja-JP" altLang="en-US" sz="2400"/>
+              <a:t>検索エンジン</a:t>
+            </a:r>
+            <a:r>
+              <a:rPr kumimoji="1" lang="en-US" altLang="ja-JP" sz="2400" dirty="0"/>
+              <a:t>)</a:t>
+            </a:r>
+            <a:endParaRPr kumimoji="1" lang="ja-JP" altLang="en-US" sz="2400" dirty="0"/>
+          </a:p>
+        </p:txBody>
+      </p:sp>
+      <p:pic>
+        <p:nvPicPr>
+          <p:cNvPr id="5" name="図 4">
+            <a:extLst>
+              <a:ext uri="{FF2B5EF4-FFF2-40B4-BE49-F238E27FC236}">
+                <a16:creationId xmlns:a16="http://schemas.microsoft.com/office/drawing/2014/main" id="{A757343D-C9BA-A64B-B164-E4B6761326EE}"/>
+              </a:ext>
+            </a:extLst>
+          </p:cNvPr>
+          <p:cNvPicPr>
+            <a:picLocks noChangeAspect="1"/>
+          </p:cNvPicPr>
+          <p:nvPr/>
+        </p:nvPicPr>
+        <p:blipFill>
+          <a:blip r:embed="rId2"/>
+          <a:stretch>
+            <a:fillRect/>
+          </a:stretch>
+        </p:blipFill>
+        <p:spPr>
+          <a:xfrm>
+            <a:off x="8677238" y="4366991"/>
+            <a:ext cx="2446391" cy="1070296"/>
+          </a:xfrm>
+          <a:prstGeom prst="rect">
+            <a:avLst/>
+          </a:prstGeom>
+        </p:spPr>
+      </p:pic>
+      <p:pic>
+        <p:nvPicPr>
+          <p:cNvPr id="7" name="図 6">
+            <a:extLst>
+              <a:ext uri="{FF2B5EF4-FFF2-40B4-BE49-F238E27FC236}">
+                <a16:creationId xmlns:a16="http://schemas.microsoft.com/office/drawing/2014/main" id="{DDE7CE37-AFFC-224B-9A18-7A67C2569FBF}"/>
+              </a:ext>
+            </a:extLst>
+          </p:cNvPr>
+          <p:cNvPicPr>
+            <a:picLocks noChangeAspect="1"/>
+          </p:cNvPicPr>
+          <p:nvPr/>
+        </p:nvPicPr>
+        <p:blipFill>
+          <a:blip r:embed="rId3"/>
+          <a:stretch>
+            <a:fillRect/>
+          </a:stretch>
+        </p:blipFill>
+        <p:spPr>
+          <a:xfrm>
+            <a:off x="8720262" y="3300606"/>
+            <a:ext cx="1917700" cy="1054100"/>
+          </a:xfrm>
+          <a:prstGeom prst="rect">
+            <a:avLst/>
+          </a:prstGeom>
+        </p:spPr>
+      </p:pic>
+      <p:pic>
+        <p:nvPicPr>
+          <p:cNvPr id="9" name="図 8">
+            <a:extLst>
+              <a:ext uri="{FF2B5EF4-FFF2-40B4-BE49-F238E27FC236}">
+                <a16:creationId xmlns:a16="http://schemas.microsoft.com/office/drawing/2014/main" id="{086A0519-ABC4-8B43-822C-C4AC1A33E038}"/>
+              </a:ext>
+            </a:extLst>
+          </p:cNvPr>
+          <p:cNvPicPr>
+            <a:picLocks noChangeAspect="1"/>
+          </p:cNvPicPr>
+          <p:nvPr/>
+        </p:nvPicPr>
+        <p:blipFill>
+          <a:blip r:embed="rId4"/>
+          <a:stretch>
+            <a:fillRect/>
+          </a:stretch>
+        </p:blipFill>
+        <p:spPr>
+          <a:xfrm>
+            <a:off x="8739739" y="5621207"/>
+            <a:ext cx="2197100" cy="927100"/>
+          </a:xfrm>
+          <a:prstGeom prst="rect">
+            <a:avLst/>
+          </a:prstGeom>
+        </p:spPr>
+      </p:pic>
+    </p:spTree>
+    <p:extLst>
+      <p:ext uri="{BB962C8B-B14F-4D97-AF65-F5344CB8AC3E}">
+        <p14:creationId xmlns:p14="http://schemas.microsoft.com/office/powerpoint/2010/main" val="884532426"/>
+      </p:ext>
+    </p:extLst>
+  </p:cSld>
+  <p:clrMapOvr>
+    <a:masterClrMapping/>
+  </p:clrMapOvr>
+</p:sld>
+</file>
+
+<file path=ppt/slides/slide6.xml><?xml version="1.0" encoding="utf-8"?>
+<p:sld xmlns:a="http://schemas.openxmlformats.org/drawingml/2006/main" xmlns:r="http://schemas.openxmlformats.org/officeDocument/2006/relationships" xmlns:p="http://schemas.openxmlformats.org/presentationml/2006/main">
+  <p:cSld>
+    <p:spTree>
+      <p:nvGrpSpPr>
+        <p:cNvPr id="1" name=""/>
+        <p:cNvGrpSpPr/>
+        <p:nvPr/>
+      </p:nvGrpSpPr>
+      <p:grpSpPr>
+        <a:xfrm>
+          <a:off x="0" y="0"/>
+          <a:ext cx="0" cy="0"/>
+          <a:chOff x="0" y="0"/>
+          <a:chExt cx="0" cy="0"/>
+        </a:xfrm>
+      </p:grpSpPr>
+      <p:sp>
+        <p:nvSpPr>
+          <p:cNvPr id="4" name="テキスト ボックス 3">
+            <a:extLst>
+              <a:ext uri="{FF2B5EF4-FFF2-40B4-BE49-F238E27FC236}">
+                <a16:creationId xmlns:a16="http://schemas.microsoft.com/office/drawing/2014/main" id="{780EB33D-AB7A-644C-BF62-6411655FBFD6}"/>
+              </a:ext>
+            </a:extLst>
+          </p:cNvPr>
           <p:cNvSpPr txBox="1"/>
           <p:nvPr/>
         </p:nvSpPr>
         <p:spPr>
           <a:xfrm>
-            <a:off x="1725433" y="4420925"/>
-            <a:ext cx="4519186" cy="369332"/>
+            <a:off x="996593" y="811658"/>
+            <a:ext cx="4530407" cy="523220"/>
           </a:xfrm>
           <a:prstGeom prst="rect">
             <a:avLst/>
@@ -5323,33 +8624,2692 @@
           <a:lstStyle/>
           <a:p>
             <a:r>
-              <a:rPr lang="ja-JP" altLang="en-US" dirty="0" smtClean="0"/>
-              <a:t>ページ</a:t>
-            </a:r>
-            <a:r>
-              <a:rPr kumimoji="1" lang="ja-JP" altLang="en-US" dirty="0" smtClean="0"/>
-              <a:t>ランキングシステム</a:t>
-            </a:r>
-            <a:r>
-              <a:rPr kumimoji="1" lang="en-US" altLang="ja-JP" dirty="0" smtClean="0"/>
-              <a:t>(</a:t>
-            </a:r>
-            <a:r>
-              <a:rPr kumimoji="1" lang="ja-JP" altLang="en-US" smtClean="0"/>
-              <a:t>検索エンジン</a:t>
-            </a:r>
-            <a:r>
-              <a:rPr kumimoji="1" lang="en-US" altLang="ja-JP" smtClean="0"/>
-              <a:t>)</a:t>
-            </a:r>
-            <a:endParaRPr kumimoji="1" lang="ja-JP" altLang="en-US" dirty="0"/>
-          </a:p>
-        </p:txBody>
-      </p:sp>
+              <a:rPr lang="en-US" altLang="ja-JP" sz="2800" dirty="0"/>
+              <a:t>3. </a:t>
+            </a:r>
+            <a:r>
+              <a:rPr lang="ja-JP" altLang="en-US" sz="2800" dirty="0"/>
+              <a:t>自然言語処理と機械学習</a:t>
+            </a:r>
+          </a:p>
+        </p:txBody>
+      </p:sp>
+      <p:sp>
+        <p:nvSpPr>
+          <p:cNvPr id="11" name="テキスト ボックス 10">
+            <a:extLst>
+              <a:ext uri="{FF2B5EF4-FFF2-40B4-BE49-F238E27FC236}">
+                <a16:creationId xmlns:a16="http://schemas.microsoft.com/office/drawing/2014/main" id="{6F8E7B9A-3AC5-DF47-B7CB-77F6B04E8F77}"/>
+              </a:ext>
+            </a:extLst>
+          </p:cNvPr>
+          <p:cNvSpPr txBox="1"/>
+          <p:nvPr/>
+        </p:nvSpPr>
+        <p:spPr>
+          <a:xfrm>
+            <a:off x="1325366" y="1997330"/>
+            <a:ext cx="3570208" cy="461665"/>
+          </a:xfrm>
+          <a:prstGeom prst="rect">
+            <a:avLst/>
+          </a:prstGeom>
+          <a:noFill/>
+        </p:spPr>
+        <p:txBody>
+          <a:bodyPr wrap="none" rtlCol="0">
+            <a:spAutoFit/>
+          </a:bodyPr>
+          <a:lstStyle/>
+          <a:p>
+            <a:r>
+              <a:rPr lang="ja-JP" altLang="en-US" sz="2400"/>
+              <a:t>そもそも機械学習とは？</a:t>
+            </a:r>
+            <a:endParaRPr lang="en-US" altLang="ja-JP" sz="2400" dirty="0"/>
+          </a:p>
+        </p:txBody>
+      </p:sp>
+      <p:sp>
+        <p:nvSpPr>
+          <p:cNvPr id="16" name="右矢印 15">
+            <a:extLst>
+              <a:ext uri="{FF2B5EF4-FFF2-40B4-BE49-F238E27FC236}">
+                <a16:creationId xmlns:a16="http://schemas.microsoft.com/office/drawing/2014/main" id="{739D0CE5-D385-F848-8CFF-AEE5FACD2935}"/>
+              </a:ext>
+            </a:extLst>
+          </p:cNvPr>
+          <p:cNvSpPr/>
+          <p:nvPr/>
+        </p:nvSpPr>
+        <p:spPr>
+          <a:xfrm rot="5400000">
+            <a:off x="2486033" y="2898169"/>
+            <a:ext cx="802318" cy="446556"/>
+          </a:xfrm>
+          <a:prstGeom prst="rightArrow">
+            <a:avLst/>
+          </a:prstGeom>
+          <a:solidFill>
+            <a:schemeClr val="accent1">
+              <a:alpha val="50000"/>
+            </a:schemeClr>
+          </a:solidFill>
+          <a:ln>
+            <a:solidFill>
+              <a:schemeClr val="accent1">
+                <a:shade val="50000"/>
+                <a:alpha val="43000"/>
+              </a:schemeClr>
+            </a:solidFill>
+          </a:ln>
+        </p:spPr>
+        <p:style>
+          <a:lnRef idx="2">
+            <a:schemeClr val="accent1">
+              <a:shade val="50000"/>
+            </a:schemeClr>
+          </a:lnRef>
+          <a:fillRef idx="1">
+            <a:schemeClr val="accent1"/>
+          </a:fillRef>
+          <a:effectRef idx="0">
+            <a:schemeClr val="accent1"/>
+          </a:effectRef>
+          <a:fontRef idx="minor">
+            <a:schemeClr val="lt1"/>
+          </a:fontRef>
+        </p:style>
+        <p:txBody>
+          <a:bodyPr rtlCol="0" anchor="ctr"/>
+          <a:lstStyle/>
+          <a:p>
+            <a:pPr algn="ctr"/>
+            <a:endParaRPr kumimoji="1" lang="ja-JP" altLang="en-US"/>
+          </a:p>
+        </p:txBody>
+      </p:sp>
+      <p:sp>
+        <p:nvSpPr>
+          <p:cNvPr id="10" name="テキスト ボックス 9">
+            <a:extLst>
+              <a:ext uri="{FF2B5EF4-FFF2-40B4-BE49-F238E27FC236}">
+                <a16:creationId xmlns:a16="http://schemas.microsoft.com/office/drawing/2014/main" id="{57C7D573-5BD6-C642-B590-A27586C15441}"/>
+              </a:ext>
+            </a:extLst>
+          </p:cNvPr>
+          <p:cNvSpPr txBox="1"/>
+          <p:nvPr/>
+        </p:nvSpPr>
+        <p:spPr>
+          <a:xfrm>
+            <a:off x="2199699" y="3939760"/>
+            <a:ext cx="1415772" cy="461665"/>
+          </a:xfrm>
+          <a:prstGeom prst="rect">
+            <a:avLst/>
+          </a:prstGeom>
+          <a:noFill/>
+        </p:spPr>
+        <p:txBody>
+          <a:bodyPr wrap="none" rtlCol="0">
+            <a:spAutoFit/>
+          </a:bodyPr>
+          <a:lstStyle/>
+          <a:p>
+            <a:r>
+              <a:rPr kumimoji="1" lang="ja-JP" altLang="en-US" sz="2400"/>
+              <a:t>分類問題</a:t>
+            </a:r>
+          </a:p>
+        </p:txBody>
+      </p:sp>
+      <p:sp>
+        <p:nvSpPr>
+          <p:cNvPr id="14" name="テキスト ボックス 13">
+            <a:extLst>
+              <a:ext uri="{FF2B5EF4-FFF2-40B4-BE49-F238E27FC236}">
+                <a16:creationId xmlns:a16="http://schemas.microsoft.com/office/drawing/2014/main" id="{58806B3E-D436-2C45-B691-EBDC45728F73}"/>
+              </a:ext>
+            </a:extLst>
+          </p:cNvPr>
+          <p:cNvSpPr txBox="1"/>
+          <p:nvPr/>
+        </p:nvSpPr>
+        <p:spPr>
+          <a:xfrm>
+            <a:off x="2199699" y="4869949"/>
+            <a:ext cx="1415772" cy="461665"/>
+          </a:xfrm>
+          <a:prstGeom prst="rect">
+            <a:avLst/>
+          </a:prstGeom>
+          <a:noFill/>
+        </p:spPr>
+        <p:txBody>
+          <a:bodyPr wrap="none" rtlCol="0">
+            <a:spAutoFit/>
+          </a:bodyPr>
+          <a:lstStyle/>
+          <a:p>
+            <a:r>
+              <a:rPr kumimoji="1" lang="ja-JP" altLang="en-US" sz="2400"/>
+              <a:t>回帰問題</a:t>
+            </a:r>
+          </a:p>
+        </p:txBody>
+      </p:sp>
+      <p:pic>
+        <p:nvPicPr>
+          <p:cNvPr id="18" name="図 17">
+            <a:extLst>
+              <a:ext uri="{FF2B5EF4-FFF2-40B4-BE49-F238E27FC236}">
+                <a16:creationId xmlns:a16="http://schemas.microsoft.com/office/drawing/2014/main" id="{457E80AC-428B-A84B-8607-A45E61F675B5}"/>
+              </a:ext>
+            </a:extLst>
+          </p:cNvPr>
+          <p:cNvPicPr>
+            <a:picLocks noChangeAspect="1"/>
+          </p:cNvPicPr>
+          <p:nvPr/>
+        </p:nvPicPr>
+        <p:blipFill>
+          <a:blip r:embed="rId2"/>
+          <a:stretch>
+            <a:fillRect/>
+          </a:stretch>
+        </p:blipFill>
+        <p:spPr>
+          <a:xfrm>
+            <a:off x="6508822" y="2156243"/>
+            <a:ext cx="3530600" cy="2413000"/>
+          </a:xfrm>
+          <a:prstGeom prst="rect">
+            <a:avLst/>
+          </a:prstGeom>
+        </p:spPr>
+      </p:pic>
+      <p:pic>
+        <p:nvPicPr>
+          <p:cNvPr id="23" name="図 22">
+            <a:extLst>
+              <a:ext uri="{FF2B5EF4-FFF2-40B4-BE49-F238E27FC236}">
+                <a16:creationId xmlns:a16="http://schemas.microsoft.com/office/drawing/2014/main" id="{CA47C66B-DACB-9E4A-8637-78237FF65B8C}"/>
+              </a:ext>
+            </a:extLst>
+          </p:cNvPr>
+          <p:cNvPicPr>
+            <a:picLocks noChangeAspect="1"/>
+          </p:cNvPicPr>
+          <p:nvPr/>
+        </p:nvPicPr>
+        <p:blipFill>
+          <a:blip r:embed="rId3"/>
+          <a:stretch>
+            <a:fillRect/>
+          </a:stretch>
+        </p:blipFill>
+        <p:spPr>
+          <a:xfrm>
+            <a:off x="6508822" y="4749515"/>
+            <a:ext cx="5181600" cy="1879600"/>
+          </a:xfrm>
+          <a:prstGeom prst="rect">
+            <a:avLst/>
+          </a:prstGeom>
+        </p:spPr>
+      </p:pic>
     </p:spTree>
     <p:extLst>
       <p:ext uri="{BB962C8B-B14F-4D97-AF65-F5344CB8AC3E}">
-        <p14:creationId xmlns:p14="http://schemas.microsoft.com/office/powerpoint/2010/main" val="884532426"/>
+        <p14:creationId xmlns:p14="http://schemas.microsoft.com/office/powerpoint/2010/main" val="3047309293"/>
+      </p:ext>
+    </p:extLst>
+  </p:cSld>
+  <p:clrMapOvr>
+    <a:masterClrMapping/>
+  </p:clrMapOvr>
+</p:sld>
+</file>
+
+<file path=ppt/slides/slide7.xml><?xml version="1.0" encoding="utf-8"?>
+<p:sld xmlns:a="http://schemas.openxmlformats.org/drawingml/2006/main" xmlns:r="http://schemas.openxmlformats.org/officeDocument/2006/relationships" xmlns:p="http://schemas.openxmlformats.org/presentationml/2006/main">
+  <p:cSld>
+    <p:spTree>
+      <p:nvGrpSpPr>
+        <p:cNvPr id="1" name=""/>
+        <p:cNvGrpSpPr/>
+        <p:nvPr/>
+      </p:nvGrpSpPr>
+      <p:grpSpPr>
+        <a:xfrm>
+          <a:off x="0" y="0"/>
+          <a:ext cx="0" cy="0"/>
+          <a:chOff x="0" y="0"/>
+          <a:chExt cx="0" cy="0"/>
+        </a:xfrm>
+      </p:grpSpPr>
+      <p:sp>
+        <p:nvSpPr>
+          <p:cNvPr id="4" name="テキスト ボックス 3">
+            <a:extLst>
+              <a:ext uri="{FF2B5EF4-FFF2-40B4-BE49-F238E27FC236}">
+                <a16:creationId xmlns:a16="http://schemas.microsoft.com/office/drawing/2014/main" id="{780EB33D-AB7A-644C-BF62-6411655FBFD6}"/>
+              </a:ext>
+            </a:extLst>
+          </p:cNvPr>
+          <p:cNvSpPr txBox="1"/>
+          <p:nvPr/>
+        </p:nvSpPr>
+        <p:spPr>
+          <a:xfrm>
+            <a:off x="996593" y="811658"/>
+            <a:ext cx="4530407" cy="523220"/>
+          </a:xfrm>
+          <a:prstGeom prst="rect">
+            <a:avLst/>
+          </a:prstGeom>
+          <a:noFill/>
+        </p:spPr>
+        <p:txBody>
+          <a:bodyPr wrap="none" rtlCol="0">
+            <a:spAutoFit/>
+          </a:bodyPr>
+          <a:lstStyle/>
+          <a:p>
+            <a:r>
+              <a:rPr lang="en-US" altLang="ja-JP" sz="2800" dirty="0"/>
+              <a:t>3. </a:t>
+            </a:r>
+            <a:r>
+              <a:rPr lang="ja-JP" altLang="en-US" sz="2800" dirty="0"/>
+              <a:t>自然言語処理と機械学習</a:t>
+            </a:r>
+          </a:p>
+        </p:txBody>
+      </p:sp>
+      <p:sp>
+        <p:nvSpPr>
+          <p:cNvPr id="11" name="テキスト ボックス 10">
+            <a:extLst>
+              <a:ext uri="{FF2B5EF4-FFF2-40B4-BE49-F238E27FC236}">
+                <a16:creationId xmlns:a16="http://schemas.microsoft.com/office/drawing/2014/main" id="{6F8E7B9A-3AC5-DF47-B7CB-77F6B04E8F77}"/>
+              </a:ext>
+            </a:extLst>
+          </p:cNvPr>
+          <p:cNvSpPr txBox="1"/>
+          <p:nvPr/>
+        </p:nvSpPr>
+        <p:spPr>
+          <a:xfrm>
+            <a:off x="1325366" y="1997330"/>
+            <a:ext cx="9520555" cy="461665"/>
+          </a:xfrm>
+          <a:prstGeom prst="rect">
+            <a:avLst/>
+          </a:prstGeom>
+          <a:noFill/>
+        </p:spPr>
+        <p:txBody>
+          <a:bodyPr wrap="none" rtlCol="0">
+            <a:spAutoFit/>
+          </a:bodyPr>
+          <a:lstStyle/>
+          <a:p>
+            <a:r>
+              <a:rPr lang="ja-JP" altLang="en-US" sz="2400" dirty="0"/>
+              <a:t>文章に機械学習を行うため</a:t>
+            </a:r>
+            <a:r>
+              <a:rPr lang="ja-JP" altLang="en-US" sz="2400"/>
+              <a:t>には</a:t>
+            </a:r>
+            <a:r>
+              <a:rPr lang="en-US" altLang="ja-JP" sz="2400" baseline="30000" dirty="0"/>
+              <a:t>※</a:t>
+            </a:r>
+            <a:r>
+              <a:rPr lang="ja-JP" altLang="en-US" sz="2400"/>
+              <a:t>数値データに変換する必要がある</a:t>
+            </a:r>
+            <a:endParaRPr lang="en-US" altLang="ja-JP" sz="2400" dirty="0"/>
+          </a:p>
+        </p:txBody>
+      </p:sp>
+      <p:sp>
+        <p:nvSpPr>
+          <p:cNvPr id="2" name="テキスト ボックス 1">
+            <a:extLst>
+              <a:ext uri="{FF2B5EF4-FFF2-40B4-BE49-F238E27FC236}">
+                <a16:creationId xmlns:a16="http://schemas.microsoft.com/office/drawing/2014/main" id="{7DB756BC-ADED-B544-ACC5-79158F6AC79C}"/>
+              </a:ext>
+            </a:extLst>
+          </p:cNvPr>
+          <p:cNvSpPr txBox="1"/>
+          <p:nvPr/>
+        </p:nvSpPr>
+        <p:spPr>
+          <a:xfrm>
+            <a:off x="8173395" y="2650733"/>
+            <a:ext cx="2672526" cy="369332"/>
+          </a:xfrm>
+          <a:prstGeom prst="rect">
+            <a:avLst/>
+          </a:prstGeom>
+          <a:noFill/>
+        </p:spPr>
+        <p:txBody>
+          <a:bodyPr wrap="none" rtlCol="0">
+            <a:spAutoFit/>
+          </a:bodyPr>
+          <a:lstStyle/>
+          <a:p>
+            <a:r>
+              <a:rPr kumimoji="1" lang="en-US" altLang="ja-JP" dirty="0"/>
+              <a:t>※(</a:t>
+            </a:r>
+            <a:r>
+              <a:rPr kumimoji="1" lang="ja-JP" altLang="en-US"/>
+              <a:t>例</a:t>
+            </a:r>
+            <a:r>
+              <a:rPr kumimoji="1" lang="en-US" altLang="ja-JP" dirty="0"/>
+              <a:t>)</a:t>
+            </a:r>
+            <a:r>
+              <a:rPr kumimoji="1" lang="ja-JP" altLang="en-US"/>
+              <a:t>固定長のベクトル</a:t>
+            </a:r>
+          </a:p>
+        </p:txBody>
+      </p:sp>
+      <p:sp>
+        <p:nvSpPr>
+          <p:cNvPr id="3" name="テキスト ボックス 2">
+            <a:extLst>
+              <a:ext uri="{FF2B5EF4-FFF2-40B4-BE49-F238E27FC236}">
+                <a16:creationId xmlns:a16="http://schemas.microsoft.com/office/drawing/2014/main" id="{170DDEE0-9B0D-6449-83DD-B4141BC6FD87}"/>
+              </a:ext>
+            </a:extLst>
+          </p:cNvPr>
+          <p:cNvSpPr txBox="1"/>
+          <p:nvPr/>
+        </p:nvSpPr>
+        <p:spPr>
+          <a:xfrm>
+            <a:off x="1325366" y="3174489"/>
+            <a:ext cx="6340197" cy="461665"/>
+          </a:xfrm>
+          <a:prstGeom prst="rect">
+            <a:avLst/>
+          </a:prstGeom>
+          <a:noFill/>
+        </p:spPr>
+        <p:txBody>
+          <a:bodyPr wrap="none" rtlCol="0">
+            <a:spAutoFit/>
+          </a:bodyPr>
+          <a:lstStyle/>
+          <a:p>
+            <a:r>
+              <a:rPr kumimoji="1" lang="ja-JP" altLang="en-US" sz="2400"/>
+              <a:t>パソコンは数値しか理解することができない</a:t>
+            </a:r>
+          </a:p>
+        </p:txBody>
+      </p:sp>
+      <p:sp>
+        <p:nvSpPr>
+          <p:cNvPr id="5" name="テキスト ボックス 4">
+            <a:extLst>
+              <a:ext uri="{FF2B5EF4-FFF2-40B4-BE49-F238E27FC236}">
+                <a16:creationId xmlns:a16="http://schemas.microsoft.com/office/drawing/2014/main" id="{7239960E-F107-6C47-8A7D-334F80BC4357}"/>
+              </a:ext>
+            </a:extLst>
+          </p:cNvPr>
+          <p:cNvSpPr txBox="1"/>
+          <p:nvPr/>
+        </p:nvSpPr>
+        <p:spPr>
+          <a:xfrm>
+            <a:off x="1325366" y="4898288"/>
+            <a:ext cx="1800493" cy="369332"/>
+          </a:xfrm>
+          <a:prstGeom prst="rect">
+            <a:avLst/>
+          </a:prstGeom>
+          <a:noFill/>
+        </p:spPr>
+        <p:txBody>
+          <a:bodyPr wrap="none" rtlCol="0">
+            <a:spAutoFit/>
+          </a:bodyPr>
+          <a:lstStyle/>
+          <a:p>
+            <a:r>
+              <a:rPr kumimoji="1" lang="ja-JP" altLang="en-US"/>
+              <a:t>私は大学生だ。</a:t>
+            </a:r>
+          </a:p>
+        </p:txBody>
+      </p:sp>
+      <p:sp>
+        <p:nvSpPr>
+          <p:cNvPr id="12" name="右矢印 11">
+            <a:extLst>
+              <a:ext uri="{FF2B5EF4-FFF2-40B4-BE49-F238E27FC236}">
+                <a16:creationId xmlns:a16="http://schemas.microsoft.com/office/drawing/2014/main" id="{B00014DA-53E2-0F42-903C-2D620A71E892}"/>
+              </a:ext>
+            </a:extLst>
+          </p:cNvPr>
+          <p:cNvSpPr/>
+          <p:nvPr/>
+        </p:nvSpPr>
+        <p:spPr>
+          <a:xfrm>
+            <a:off x="3810000" y="4859676"/>
+            <a:ext cx="802318" cy="446556"/>
+          </a:xfrm>
+          <a:prstGeom prst="rightArrow">
+            <a:avLst/>
+          </a:prstGeom>
+          <a:solidFill>
+            <a:schemeClr val="accent1">
+              <a:alpha val="50000"/>
+            </a:schemeClr>
+          </a:solidFill>
+          <a:ln>
+            <a:solidFill>
+              <a:schemeClr val="accent1">
+                <a:shade val="50000"/>
+                <a:alpha val="43000"/>
+              </a:schemeClr>
+            </a:solidFill>
+          </a:ln>
+        </p:spPr>
+        <p:style>
+          <a:lnRef idx="2">
+            <a:schemeClr val="accent1">
+              <a:shade val="50000"/>
+            </a:schemeClr>
+          </a:lnRef>
+          <a:fillRef idx="1">
+            <a:schemeClr val="accent1"/>
+          </a:fillRef>
+          <a:effectRef idx="0">
+            <a:schemeClr val="accent1"/>
+          </a:effectRef>
+          <a:fontRef idx="minor">
+            <a:schemeClr val="lt1"/>
+          </a:fontRef>
+        </p:style>
+        <p:txBody>
+          <a:bodyPr rtlCol="0" anchor="ctr"/>
+          <a:lstStyle/>
+          <a:p>
+            <a:pPr algn="ctr"/>
+            <a:endParaRPr kumimoji="1" lang="ja-JP" altLang="en-US"/>
+          </a:p>
+        </p:txBody>
+      </p:sp>
+      <mc:AlternateContent xmlns:mc="http://schemas.openxmlformats.org/markup-compatibility/2006">
+        <mc:Choice xmlns:a14="http://schemas.microsoft.com/office/drawing/2010/main" Requires="a14">
+          <p:sp>
+            <p:nvSpPr>
+              <p:cNvPr id="7" name="テキスト ボックス 6">
+                <a:extLst>
+                  <a:ext uri="{FF2B5EF4-FFF2-40B4-BE49-F238E27FC236}">
+                    <a16:creationId xmlns:a16="http://schemas.microsoft.com/office/drawing/2014/main" id="{1CC6E7FA-4A9C-D449-A20D-A1105126A011}"/>
+                  </a:ext>
+                </a:extLst>
+              </p:cNvPr>
+              <p:cNvSpPr txBox="1"/>
+              <p:nvPr/>
+            </p:nvSpPr>
+            <p:spPr>
+              <a:xfrm>
+                <a:off x="5527000" y="4890498"/>
+                <a:ext cx="3238387" cy="369332"/>
+              </a:xfrm>
+              <a:prstGeom prst="rect">
+                <a:avLst/>
+              </a:prstGeom>
+              <a:noFill/>
+            </p:spPr>
+            <p:txBody>
+              <a:bodyPr wrap="none" rtlCol="0">
+                <a:spAutoFit/>
+              </a:bodyPr>
+              <a:lstStyle/>
+              <a:p>
+                <a14:m>
+                  <m:oMathPara xmlns:m="http://schemas.openxmlformats.org/officeDocument/2006/math">
+                    <m:oMathParaPr>
+                      <m:jc m:val="centerGroup"/>
+                    </m:oMathParaPr>
+                    <m:oMath xmlns:m="http://schemas.openxmlformats.org/officeDocument/2006/math">
+                      <m:r>
+                        <a:rPr kumimoji="1" lang="en-US" altLang="ja-JP" b="0" i="1" smtClean="0">
+                          <a:latin typeface="Cambria Math" panose="02040503050406030204" pitchFamily="18" charset="0"/>
+                        </a:rPr>
+                        <m:t>[“</m:t>
+                      </m:r>
+                      <m:r>
+                        <a:rPr lang="ja-JP" altLang="en-US" i="1">
+                          <a:latin typeface="Cambria Math" panose="02040503050406030204" pitchFamily="18" charset="0"/>
+                        </a:rPr>
+                        <m:t>私</m:t>
+                      </m:r>
+                      <m:r>
+                        <a:rPr kumimoji="1" lang="en-US" altLang="ja-JP" b="0" i="1" smtClean="0">
+                          <a:latin typeface="Cambria Math" panose="02040503050406030204" pitchFamily="18" charset="0"/>
+                        </a:rPr>
+                        <m:t>”, “</m:t>
+                      </m:r>
+                      <m:r>
+                        <a:rPr lang="ja-JP" altLang="en-US" i="1">
+                          <a:latin typeface="Cambria Math" panose="02040503050406030204" pitchFamily="18" charset="0"/>
+                        </a:rPr>
+                        <m:t>は</m:t>
+                      </m:r>
+                      <m:r>
+                        <a:rPr kumimoji="1" lang="en-US" altLang="ja-JP" b="0" i="1" smtClean="0">
+                          <a:latin typeface="Cambria Math" panose="02040503050406030204" pitchFamily="18" charset="0"/>
+                        </a:rPr>
+                        <m:t>”, “</m:t>
+                      </m:r>
+                      <m:r>
+                        <a:rPr lang="ja-JP" altLang="en-US" i="1">
+                          <a:latin typeface="Cambria Math" panose="02040503050406030204" pitchFamily="18" charset="0"/>
+                        </a:rPr>
+                        <m:t>大学生</m:t>
+                      </m:r>
+                      <m:r>
+                        <a:rPr kumimoji="1" lang="en-US" altLang="ja-JP" b="0" i="1" smtClean="0">
+                          <a:latin typeface="Cambria Math" panose="02040503050406030204" pitchFamily="18" charset="0"/>
+                        </a:rPr>
+                        <m:t>”,”</m:t>
+                      </m:r>
+                      <m:r>
+                        <a:rPr lang="ja-JP" altLang="en-US" i="1">
+                          <a:latin typeface="Cambria Math" panose="02040503050406030204" pitchFamily="18" charset="0"/>
+                        </a:rPr>
+                        <m:t>だ</m:t>
+                      </m:r>
+                      <m:r>
+                        <a:rPr kumimoji="1" lang="en-US" altLang="ja-JP" b="0" i="1" smtClean="0">
+                          <a:latin typeface="Cambria Math" panose="02040503050406030204" pitchFamily="18" charset="0"/>
+                        </a:rPr>
+                        <m:t>”,”</m:t>
+                      </m:r>
+                      <m:r>
+                        <a:rPr lang="ja-JP" altLang="en-US" i="1">
+                          <a:latin typeface="Cambria Math" panose="02040503050406030204" pitchFamily="18" charset="0"/>
+                        </a:rPr>
+                        <m:t>。</m:t>
+                      </m:r>
+                      <m:r>
+                        <a:rPr kumimoji="1" lang="en-US" altLang="ja-JP" b="0" i="1" smtClean="0">
+                          <a:latin typeface="Cambria Math" panose="02040503050406030204" pitchFamily="18" charset="0"/>
+                        </a:rPr>
+                        <m:t>”]</m:t>
+                      </m:r>
+                    </m:oMath>
+                  </m:oMathPara>
+                </a14:m>
+                <a:endParaRPr kumimoji="1" lang="ja-JP" altLang="en-US"/>
+              </a:p>
+            </p:txBody>
+          </p:sp>
+        </mc:Choice>
+        <mc:Fallback>
+          <p:sp>
+            <p:nvSpPr>
+              <p:cNvPr id="7" name="テキスト ボックス 6">
+                <a:extLst>
+                  <a:ext uri="{FF2B5EF4-FFF2-40B4-BE49-F238E27FC236}">
+                    <a16:creationId xmlns:a16="http://schemas.microsoft.com/office/drawing/2014/main" id="{1CC6E7FA-4A9C-D449-A20D-A1105126A011}"/>
+                  </a:ext>
+                </a:extLst>
+              </p:cNvPr>
+              <p:cNvSpPr txBox="1">
+                <a:spLocks noRot="1" noChangeAspect="1" noMove="1" noResize="1" noEditPoints="1" noAdjustHandles="1" noChangeArrowheads="1" noChangeShapeType="1" noTextEdit="1"/>
+              </p:cNvSpPr>
+              <p:nvPr/>
+            </p:nvSpPr>
+            <p:spPr>
+              <a:xfrm>
+                <a:off x="5527000" y="4890498"/>
+                <a:ext cx="3238387" cy="369332"/>
+              </a:xfrm>
+              <a:prstGeom prst="rect">
+                <a:avLst/>
+              </a:prstGeom>
+              <a:blipFill>
+                <a:blip r:embed="rId2"/>
+                <a:stretch>
+                  <a:fillRect b="-13333"/>
+                </a:stretch>
+              </a:blipFill>
+            </p:spPr>
+            <p:txBody>
+              <a:bodyPr/>
+              <a:lstStyle/>
+              <a:p>
+                <a:r>
+                  <a:rPr lang="ja-JP" altLang="en-US">
+                    <a:noFill/>
+                  </a:rPr>
+                  <a:t> </a:t>
+                </a:r>
+              </a:p>
+            </p:txBody>
+          </p:sp>
+        </mc:Fallback>
+      </mc:AlternateContent>
+      <mc:AlternateContent xmlns:mc="http://schemas.openxmlformats.org/markup-compatibility/2006">
+        <mc:Choice xmlns:a14="http://schemas.microsoft.com/office/drawing/2010/main" Requires="a14">
+          <p:sp>
+            <p:nvSpPr>
+              <p:cNvPr id="13" name="テキスト ボックス 12">
+                <a:extLst>
+                  <a:ext uri="{FF2B5EF4-FFF2-40B4-BE49-F238E27FC236}">
+                    <a16:creationId xmlns:a16="http://schemas.microsoft.com/office/drawing/2014/main" id="{BA1DFFE1-E890-6E48-931E-BFBC4ECF956B}"/>
+                  </a:ext>
+                </a:extLst>
+              </p:cNvPr>
+              <p:cNvSpPr txBox="1"/>
+              <p:nvPr/>
+            </p:nvSpPr>
+            <p:spPr>
+              <a:xfrm>
+                <a:off x="5527000" y="5432544"/>
+                <a:ext cx="1635383" cy="369332"/>
+              </a:xfrm>
+              <a:prstGeom prst="rect">
+                <a:avLst/>
+              </a:prstGeom>
+              <a:noFill/>
+            </p:spPr>
+            <p:txBody>
+              <a:bodyPr wrap="none" rtlCol="0">
+                <a:spAutoFit/>
+              </a:bodyPr>
+              <a:lstStyle/>
+              <a:p>
+                <a14:m>
+                  <m:oMathPara xmlns:m="http://schemas.openxmlformats.org/officeDocument/2006/math">
+                    <m:oMathParaPr>
+                      <m:jc m:val="centerGroup"/>
+                    </m:oMathParaPr>
+                    <m:oMath xmlns:m="http://schemas.openxmlformats.org/officeDocument/2006/math">
+                      <m:r>
+                        <a:rPr kumimoji="1" lang="en-US" altLang="ja-JP" b="0" i="1" smtClean="0">
+                          <a:latin typeface="Cambria Math" panose="02040503050406030204" pitchFamily="18" charset="0"/>
+                        </a:rPr>
+                        <m:t>=[1, 1, 1, 1, 1]</m:t>
+                      </m:r>
+                    </m:oMath>
+                  </m:oMathPara>
+                </a14:m>
+                <a:endParaRPr kumimoji="1" lang="ja-JP" altLang="en-US"/>
+              </a:p>
+            </p:txBody>
+          </p:sp>
+        </mc:Choice>
+        <mc:Fallback>
+          <p:sp>
+            <p:nvSpPr>
+              <p:cNvPr id="13" name="テキスト ボックス 12">
+                <a:extLst>
+                  <a:ext uri="{FF2B5EF4-FFF2-40B4-BE49-F238E27FC236}">
+                    <a16:creationId xmlns:a16="http://schemas.microsoft.com/office/drawing/2014/main" id="{BA1DFFE1-E890-6E48-931E-BFBC4ECF956B}"/>
+                  </a:ext>
+                </a:extLst>
+              </p:cNvPr>
+              <p:cNvSpPr txBox="1">
+                <a:spLocks noRot="1" noChangeAspect="1" noMove="1" noResize="1" noEditPoints="1" noAdjustHandles="1" noChangeArrowheads="1" noChangeShapeType="1" noTextEdit="1"/>
+              </p:cNvSpPr>
+              <p:nvPr/>
+            </p:nvSpPr>
+            <p:spPr>
+              <a:xfrm>
+                <a:off x="5527000" y="5432544"/>
+                <a:ext cx="1635383" cy="369332"/>
+              </a:xfrm>
+              <a:prstGeom prst="rect">
+                <a:avLst/>
+              </a:prstGeom>
+              <a:blipFill>
+                <a:blip r:embed="rId3"/>
+                <a:stretch>
+                  <a:fillRect b="-13333"/>
+                </a:stretch>
+              </a:blipFill>
+            </p:spPr>
+            <p:txBody>
+              <a:bodyPr/>
+              <a:lstStyle/>
+              <a:p>
+                <a:r>
+                  <a:rPr lang="ja-JP" altLang="en-US">
+                    <a:noFill/>
+                  </a:rPr>
+                  <a:t> </a:t>
+                </a:r>
+              </a:p>
+            </p:txBody>
+          </p:sp>
+        </mc:Fallback>
+      </mc:AlternateContent>
+      <p:sp>
+        <p:nvSpPr>
+          <p:cNvPr id="10" name="テキスト ボックス 9">
+            <a:extLst>
+              <a:ext uri="{FF2B5EF4-FFF2-40B4-BE49-F238E27FC236}">
+                <a16:creationId xmlns:a16="http://schemas.microsoft.com/office/drawing/2014/main" id="{1A5A5369-4AA8-0F45-83DA-99D94C9F1214}"/>
+              </a:ext>
+            </a:extLst>
+          </p:cNvPr>
+          <p:cNvSpPr txBox="1"/>
+          <p:nvPr/>
+        </p:nvSpPr>
+        <p:spPr>
+          <a:xfrm>
+            <a:off x="1304014" y="4057933"/>
+            <a:ext cx="574196" cy="369332"/>
+          </a:xfrm>
+          <a:prstGeom prst="rect">
+            <a:avLst/>
+          </a:prstGeom>
+          <a:noFill/>
+        </p:spPr>
+        <p:txBody>
+          <a:bodyPr wrap="none" rtlCol="0">
+            <a:spAutoFit/>
+          </a:bodyPr>
+          <a:lstStyle/>
+          <a:p>
+            <a:r>
+              <a:rPr kumimoji="1" lang="en-US" altLang="ja-JP" dirty="0"/>
+              <a:t>ex.)</a:t>
+            </a:r>
+            <a:endParaRPr kumimoji="1" lang="ja-JP" altLang="en-US" dirty="0"/>
+          </a:p>
+        </p:txBody>
+      </p:sp>
+    </p:spTree>
+    <p:extLst>
+      <p:ext uri="{BB962C8B-B14F-4D97-AF65-F5344CB8AC3E}">
+        <p14:creationId xmlns:p14="http://schemas.microsoft.com/office/powerpoint/2010/main" val="3352177944"/>
+      </p:ext>
+    </p:extLst>
+  </p:cSld>
+  <p:clrMapOvr>
+    <a:masterClrMapping/>
+  </p:clrMapOvr>
+</p:sld>
+</file>
+
+<file path=ppt/slides/slide8.xml><?xml version="1.0" encoding="utf-8"?>
+<p:sld xmlns:a="http://schemas.openxmlformats.org/drawingml/2006/main" xmlns:r="http://schemas.openxmlformats.org/officeDocument/2006/relationships" xmlns:p="http://schemas.openxmlformats.org/presentationml/2006/main">
+  <p:cSld>
+    <p:spTree>
+      <p:nvGrpSpPr>
+        <p:cNvPr id="1" name=""/>
+        <p:cNvGrpSpPr/>
+        <p:nvPr/>
+      </p:nvGrpSpPr>
+      <p:grpSpPr>
+        <a:xfrm>
+          <a:off x="0" y="0"/>
+          <a:ext cx="0" cy="0"/>
+          <a:chOff x="0" y="0"/>
+          <a:chExt cx="0" cy="0"/>
+        </a:xfrm>
+      </p:grpSpPr>
+      <p:sp>
+        <p:nvSpPr>
+          <p:cNvPr id="4" name="テキスト ボックス 3">
+            <a:extLst>
+              <a:ext uri="{FF2B5EF4-FFF2-40B4-BE49-F238E27FC236}">
+                <a16:creationId xmlns:a16="http://schemas.microsoft.com/office/drawing/2014/main" id="{780EB33D-AB7A-644C-BF62-6411655FBFD6}"/>
+              </a:ext>
+            </a:extLst>
+          </p:cNvPr>
+          <p:cNvSpPr txBox="1"/>
+          <p:nvPr/>
+        </p:nvSpPr>
+        <p:spPr>
+          <a:xfrm>
+            <a:off x="996593" y="811658"/>
+            <a:ext cx="4530407" cy="523220"/>
+          </a:xfrm>
+          <a:prstGeom prst="rect">
+            <a:avLst/>
+          </a:prstGeom>
+          <a:noFill/>
+        </p:spPr>
+        <p:txBody>
+          <a:bodyPr wrap="none" rtlCol="0">
+            <a:spAutoFit/>
+          </a:bodyPr>
+          <a:lstStyle/>
+          <a:p>
+            <a:r>
+              <a:rPr lang="en-US" altLang="ja-JP" sz="2800" dirty="0"/>
+              <a:t>3. </a:t>
+            </a:r>
+            <a:r>
+              <a:rPr lang="ja-JP" altLang="en-US" sz="2800" dirty="0"/>
+              <a:t>自然言語処理と機械学習</a:t>
+            </a:r>
+          </a:p>
+        </p:txBody>
+      </p:sp>
+      <p:sp>
+        <p:nvSpPr>
+          <p:cNvPr id="11" name="テキスト ボックス 10">
+            <a:extLst>
+              <a:ext uri="{FF2B5EF4-FFF2-40B4-BE49-F238E27FC236}">
+                <a16:creationId xmlns:a16="http://schemas.microsoft.com/office/drawing/2014/main" id="{6F8E7B9A-3AC5-DF47-B7CB-77F6B04E8F77}"/>
+              </a:ext>
+            </a:extLst>
+          </p:cNvPr>
+          <p:cNvSpPr txBox="1"/>
+          <p:nvPr/>
+        </p:nvSpPr>
+        <p:spPr>
+          <a:xfrm>
+            <a:off x="1325366" y="1997330"/>
+            <a:ext cx="6885218" cy="461665"/>
+          </a:xfrm>
+          <a:prstGeom prst="rect">
+            <a:avLst/>
+          </a:prstGeom>
+          <a:noFill/>
+        </p:spPr>
+        <p:txBody>
+          <a:bodyPr wrap="none" rtlCol="0">
+            <a:spAutoFit/>
+          </a:bodyPr>
+          <a:lstStyle/>
+          <a:p>
+            <a:r>
+              <a:rPr lang="ja-JP" altLang="en-US" sz="2400"/>
+              <a:t>数値データ</a:t>
+            </a:r>
+            <a:r>
+              <a:rPr lang="en-US" altLang="ja-JP" sz="2400" dirty="0"/>
+              <a:t>(</a:t>
+            </a:r>
+            <a:r>
+              <a:rPr lang="ja-JP" altLang="en-US" sz="2400"/>
+              <a:t>ベクトル</a:t>
+            </a:r>
+            <a:r>
+              <a:rPr lang="en-US" altLang="ja-JP" sz="2400" dirty="0"/>
+              <a:t>)</a:t>
+            </a:r>
+            <a:r>
+              <a:rPr lang="ja-JP" altLang="en-US" sz="2400"/>
+              <a:t>に出来ると何が嬉しいか？</a:t>
+            </a:r>
+            <a:endParaRPr lang="en-US" altLang="ja-JP" sz="2400" dirty="0"/>
+          </a:p>
+        </p:txBody>
+      </p:sp>
+      <p:sp>
+        <p:nvSpPr>
+          <p:cNvPr id="12" name="右矢印 11">
+            <a:extLst>
+              <a:ext uri="{FF2B5EF4-FFF2-40B4-BE49-F238E27FC236}">
+                <a16:creationId xmlns:a16="http://schemas.microsoft.com/office/drawing/2014/main" id="{B00014DA-53E2-0F42-903C-2D620A71E892}"/>
+              </a:ext>
+            </a:extLst>
+          </p:cNvPr>
+          <p:cNvSpPr/>
+          <p:nvPr/>
+        </p:nvSpPr>
+        <p:spPr>
+          <a:xfrm>
+            <a:off x="1325366" y="3555714"/>
+            <a:ext cx="802318" cy="446556"/>
+          </a:xfrm>
+          <a:prstGeom prst="rightArrow">
+            <a:avLst/>
+          </a:prstGeom>
+          <a:solidFill>
+            <a:schemeClr val="accent1">
+              <a:alpha val="50000"/>
+            </a:schemeClr>
+          </a:solidFill>
+          <a:ln>
+            <a:solidFill>
+              <a:schemeClr val="accent1">
+                <a:shade val="50000"/>
+                <a:alpha val="43000"/>
+              </a:schemeClr>
+            </a:solidFill>
+          </a:ln>
+        </p:spPr>
+        <p:style>
+          <a:lnRef idx="2">
+            <a:schemeClr val="accent1">
+              <a:shade val="50000"/>
+            </a:schemeClr>
+          </a:lnRef>
+          <a:fillRef idx="1">
+            <a:schemeClr val="accent1"/>
+          </a:fillRef>
+          <a:effectRef idx="0">
+            <a:schemeClr val="accent1"/>
+          </a:effectRef>
+          <a:fontRef idx="minor">
+            <a:schemeClr val="lt1"/>
+          </a:fontRef>
+        </p:style>
+        <p:txBody>
+          <a:bodyPr rtlCol="0" anchor="ctr"/>
+          <a:lstStyle/>
+          <a:p>
+            <a:pPr algn="ctr"/>
+            <a:endParaRPr kumimoji="1" lang="ja-JP" altLang="en-US"/>
+          </a:p>
+        </p:txBody>
+      </p:sp>
+      <p:sp>
+        <p:nvSpPr>
+          <p:cNvPr id="6" name="テキスト ボックス 5">
+            <a:extLst>
+              <a:ext uri="{FF2B5EF4-FFF2-40B4-BE49-F238E27FC236}">
+                <a16:creationId xmlns:a16="http://schemas.microsoft.com/office/drawing/2014/main" id="{FCB5B88E-82F5-2448-8F32-D900873FC1EE}"/>
+              </a:ext>
+            </a:extLst>
+          </p:cNvPr>
+          <p:cNvSpPr txBox="1"/>
+          <p:nvPr/>
+        </p:nvSpPr>
+        <p:spPr>
+          <a:xfrm>
+            <a:off x="2568542" y="3558433"/>
+            <a:ext cx="7431843" cy="461665"/>
+          </a:xfrm>
+          <a:prstGeom prst="rect">
+            <a:avLst/>
+          </a:prstGeom>
+          <a:noFill/>
+        </p:spPr>
+        <p:txBody>
+          <a:bodyPr wrap="none" rtlCol="0">
+            <a:spAutoFit/>
+          </a:bodyPr>
+          <a:lstStyle/>
+          <a:p>
+            <a:r>
+              <a:rPr kumimoji="1" lang="ja-JP" altLang="en-US" sz="2400"/>
+              <a:t>文章間の距離を測ることや</a:t>
+            </a:r>
+            <a:r>
+              <a:rPr kumimoji="1" lang="en-US" altLang="ja-JP" sz="2400" dirty="0"/>
+              <a:t>, </a:t>
+            </a:r>
+            <a:r>
+              <a:rPr kumimoji="1" lang="ja-JP" altLang="en-US" sz="2400"/>
+              <a:t>機械学習が適用可能に！</a:t>
+            </a:r>
+          </a:p>
+        </p:txBody>
+      </p:sp>
+    </p:spTree>
+    <p:extLst>
+      <p:ext uri="{BB962C8B-B14F-4D97-AF65-F5344CB8AC3E}">
+        <p14:creationId xmlns:p14="http://schemas.microsoft.com/office/powerpoint/2010/main" val="2577179679"/>
+      </p:ext>
+    </p:extLst>
+  </p:cSld>
+  <p:clrMapOvr>
+    <a:masterClrMapping/>
+  </p:clrMapOvr>
+</p:sld>
+</file>
+
+<file path=ppt/slides/slide9.xml><?xml version="1.0" encoding="utf-8"?>
+<p:sld xmlns:a="http://schemas.openxmlformats.org/drawingml/2006/main" xmlns:r="http://schemas.openxmlformats.org/officeDocument/2006/relationships" xmlns:p="http://schemas.openxmlformats.org/presentationml/2006/main">
+  <p:cSld>
+    <p:spTree>
+      <p:nvGrpSpPr>
+        <p:cNvPr id="1" name=""/>
+        <p:cNvGrpSpPr/>
+        <p:nvPr/>
+      </p:nvGrpSpPr>
+      <p:grpSpPr>
+        <a:xfrm>
+          <a:off x="0" y="0"/>
+          <a:ext cx="0" cy="0"/>
+          <a:chOff x="0" y="0"/>
+          <a:chExt cx="0" cy="0"/>
+        </a:xfrm>
+      </p:grpSpPr>
+      <p:sp>
+        <p:nvSpPr>
+          <p:cNvPr id="4" name="テキスト ボックス 3">
+            <a:extLst>
+              <a:ext uri="{FF2B5EF4-FFF2-40B4-BE49-F238E27FC236}">
+                <a16:creationId xmlns:a16="http://schemas.microsoft.com/office/drawing/2014/main" id="{780EB33D-AB7A-644C-BF62-6411655FBFD6}"/>
+              </a:ext>
+            </a:extLst>
+          </p:cNvPr>
+          <p:cNvSpPr txBox="1"/>
+          <p:nvPr/>
+        </p:nvSpPr>
+        <p:spPr>
+          <a:xfrm>
+            <a:off x="996593" y="811658"/>
+            <a:ext cx="4530407" cy="523220"/>
+          </a:xfrm>
+          <a:prstGeom prst="rect">
+            <a:avLst/>
+          </a:prstGeom>
+          <a:noFill/>
+        </p:spPr>
+        <p:txBody>
+          <a:bodyPr wrap="none" rtlCol="0">
+            <a:spAutoFit/>
+          </a:bodyPr>
+          <a:lstStyle/>
+          <a:p>
+            <a:r>
+              <a:rPr lang="en-US" altLang="ja-JP" sz="2800" dirty="0"/>
+              <a:t>3. </a:t>
+            </a:r>
+            <a:r>
+              <a:rPr lang="ja-JP" altLang="en-US" sz="2800" dirty="0"/>
+              <a:t>自然言語処理と機械学習</a:t>
+            </a:r>
+          </a:p>
+        </p:txBody>
+      </p:sp>
+      <p:sp>
+        <p:nvSpPr>
+          <p:cNvPr id="14" name="テキスト ボックス 13">
+            <a:extLst>
+              <a:ext uri="{FF2B5EF4-FFF2-40B4-BE49-F238E27FC236}">
+                <a16:creationId xmlns:a16="http://schemas.microsoft.com/office/drawing/2014/main" id="{186D5112-4406-2745-9FC7-BA5D2AC864CA}"/>
+              </a:ext>
+            </a:extLst>
+          </p:cNvPr>
+          <p:cNvSpPr txBox="1"/>
+          <p:nvPr/>
+        </p:nvSpPr>
+        <p:spPr>
+          <a:xfrm>
+            <a:off x="1273192" y="1848997"/>
+            <a:ext cx="574196" cy="369332"/>
+          </a:xfrm>
+          <a:prstGeom prst="rect">
+            <a:avLst/>
+          </a:prstGeom>
+          <a:noFill/>
+        </p:spPr>
+        <p:txBody>
+          <a:bodyPr wrap="none" rtlCol="0">
+            <a:spAutoFit/>
+          </a:bodyPr>
+          <a:lstStyle/>
+          <a:p>
+            <a:r>
+              <a:rPr kumimoji="1" lang="en-US" altLang="ja-JP" dirty="0"/>
+              <a:t>ex.)</a:t>
+            </a:r>
+            <a:endParaRPr kumimoji="1" lang="ja-JP" altLang="en-US" dirty="0"/>
+          </a:p>
+        </p:txBody>
+      </p:sp>
+      <mc:AlternateContent xmlns:mc="http://schemas.openxmlformats.org/markup-compatibility/2006">
+        <mc:Choice xmlns:a14="http://schemas.microsoft.com/office/drawing/2010/main" Requires="a14">
+          <p:sp>
+            <p:nvSpPr>
+              <p:cNvPr id="15" name="テキスト ボックス 14">
+                <a:extLst>
+                  <a:ext uri="{FF2B5EF4-FFF2-40B4-BE49-F238E27FC236}">
+                    <a16:creationId xmlns:a16="http://schemas.microsoft.com/office/drawing/2014/main" id="{D39E7EC6-8BD8-614A-B5C6-FFC3089DDA63}"/>
+                  </a:ext>
+                </a:extLst>
+              </p:cNvPr>
+              <p:cNvSpPr txBox="1"/>
+              <p:nvPr/>
+            </p:nvSpPr>
+            <p:spPr>
+              <a:xfrm>
+                <a:off x="3446970" y="1857058"/>
+                <a:ext cx="4450257" cy="369332"/>
+              </a:xfrm>
+              <a:prstGeom prst="rect">
+                <a:avLst/>
+              </a:prstGeom>
+              <a:noFill/>
+            </p:spPr>
+            <p:txBody>
+              <a:bodyPr wrap="none" rtlCol="0">
+                <a:spAutoFit/>
+              </a:bodyPr>
+              <a:lstStyle/>
+              <a:p>
+                <a14:m>
+                  <m:oMathPara xmlns:m="http://schemas.openxmlformats.org/officeDocument/2006/math">
+                    <m:oMathParaPr>
+                      <m:jc m:val="centerGroup"/>
+                    </m:oMathParaPr>
+                    <m:oMath xmlns:m="http://schemas.openxmlformats.org/officeDocument/2006/math">
+                      <m:r>
+                        <a:rPr kumimoji="1" lang="en-US" altLang="ja-JP" b="0" i="1" smtClean="0">
+                          <a:latin typeface="Cambria Math" panose="02040503050406030204" pitchFamily="18" charset="0"/>
+                        </a:rPr>
+                        <m:t>[“</m:t>
+                      </m:r>
+                      <m:r>
+                        <a:rPr lang="ja-JP" altLang="en-US" i="1">
+                          <a:latin typeface="Cambria Math" panose="02040503050406030204" pitchFamily="18" charset="0"/>
+                        </a:rPr>
+                        <m:t>私</m:t>
+                      </m:r>
+                      <m:r>
+                        <a:rPr kumimoji="1" lang="en-US" altLang="ja-JP" b="0" i="1" smtClean="0">
+                          <a:latin typeface="Cambria Math" panose="02040503050406030204" pitchFamily="18" charset="0"/>
+                        </a:rPr>
+                        <m:t>”, “</m:t>
+                      </m:r>
+                      <m:r>
+                        <a:rPr lang="ja-JP" altLang="en-US" i="1">
+                          <a:latin typeface="Cambria Math" panose="02040503050406030204" pitchFamily="18" charset="0"/>
+                        </a:rPr>
+                        <m:t>の</m:t>
+                      </m:r>
+                      <m:r>
+                        <a:rPr kumimoji="1" lang="en-US" altLang="ja-JP" b="0" i="1" smtClean="0">
+                          <a:latin typeface="Cambria Math" panose="02040503050406030204" pitchFamily="18" charset="0"/>
+                        </a:rPr>
+                        <m:t>”,”</m:t>
+                      </m:r>
+                      <m:r>
+                        <a:rPr lang="ja-JP" altLang="en-US" i="1">
+                          <a:latin typeface="Cambria Math" panose="02040503050406030204" pitchFamily="18" charset="0"/>
+                        </a:rPr>
+                        <m:t>子供</m:t>
+                      </m:r>
+                      <m:r>
+                        <a:rPr kumimoji="1" lang="en-US" altLang="ja-JP" b="0" i="1" smtClean="0">
+                          <a:latin typeface="Cambria Math" panose="02040503050406030204" pitchFamily="18" charset="0"/>
+                        </a:rPr>
+                        <m:t>”,“</m:t>
+                      </m:r>
+                      <m:r>
+                        <a:rPr lang="ja-JP" altLang="en-US" i="1">
+                          <a:latin typeface="Cambria Math" panose="02040503050406030204" pitchFamily="18" charset="0"/>
+                        </a:rPr>
+                        <m:t>は</m:t>
+                      </m:r>
+                      <m:r>
+                        <a:rPr kumimoji="1" lang="en-US" altLang="ja-JP" b="0" i="1" smtClean="0">
+                          <a:latin typeface="Cambria Math" panose="02040503050406030204" pitchFamily="18" charset="0"/>
+                        </a:rPr>
+                        <m:t>”, “</m:t>
+                      </m:r>
+                      <m:r>
+                        <a:rPr lang="ja-JP" altLang="en-US" i="1">
+                          <a:latin typeface="Cambria Math" panose="02040503050406030204" pitchFamily="18" charset="0"/>
+                        </a:rPr>
+                        <m:t>大学生</m:t>
+                      </m:r>
+                      <m:r>
+                        <a:rPr kumimoji="1" lang="en-US" altLang="ja-JP" b="0" i="1" smtClean="0">
+                          <a:latin typeface="Cambria Math" panose="02040503050406030204" pitchFamily="18" charset="0"/>
+                        </a:rPr>
+                        <m:t>”,”</m:t>
+                      </m:r>
+                      <m:r>
+                        <a:rPr lang="ja-JP" altLang="en-US" i="1">
+                          <a:latin typeface="Cambria Math" panose="02040503050406030204" pitchFamily="18" charset="0"/>
+                        </a:rPr>
+                        <m:t>だ</m:t>
+                      </m:r>
+                      <m:r>
+                        <a:rPr kumimoji="1" lang="en-US" altLang="ja-JP" b="0" i="1" smtClean="0">
+                          <a:latin typeface="Cambria Math" panose="02040503050406030204" pitchFamily="18" charset="0"/>
+                        </a:rPr>
+                        <m:t>”,”</m:t>
+                      </m:r>
+                      <m:r>
+                        <a:rPr lang="ja-JP" altLang="en-US" i="1">
+                          <a:latin typeface="Cambria Math" panose="02040503050406030204" pitchFamily="18" charset="0"/>
+                        </a:rPr>
+                        <m:t>。</m:t>
+                      </m:r>
+                      <m:r>
+                        <a:rPr kumimoji="1" lang="en-US" altLang="ja-JP" b="0" i="1" smtClean="0">
+                          <a:latin typeface="Cambria Math" panose="02040503050406030204" pitchFamily="18" charset="0"/>
+                        </a:rPr>
+                        <m:t>”]</m:t>
+                      </m:r>
+                    </m:oMath>
+                  </m:oMathPara>
+                </a14:m>
+                <a:endParaRPr kumimoji="1" lang="ja-JP" altLang="en-US"/>
+              </a:p>
+            </p:txBody>
+          </p:sp>
+        </mc:Choice>
+        <mc:Fallback>
+          <p:sp>
+            <p:nvSpPr>
+              <p:cNvPr id="15" name="テキスト ボックス 14">
+                <a:extLst>
+                  <a:ext uri="{FF2B5EF4-FFF2-40B4-BE49-F238E27FC236}">
+                    <a16:creationId xmlns:a16="http://schemas.microsoft.com/office/drawing/2014/main" id="{D39E7EC6-8BD8-614A-B5C6-FFC3089DDA63}"/>
+                  </a:ext>
+                </a:extLst>
+              </p:cNvPr>
+              <p:cNvSpPr txBox="1">
+                <a:spLocks noRot="1" noChangeAspect="1" noMove="1" noResize="1" noEditPoints="1" noAdjustHandles="1" noChangeArrowheads="1" noChangeShapeType="1" noTextEdit="1"/>
+              </p:cNvSpPr>
+              <p:nvPr/>
+            </p:nvSpPr>
+            <p:spPr>
+              <a:xfrm>
+                <a:off x="3446970" y="1857058"/>
+                <a:ext cx="4450257" cy="369332"/>
+              </a:xfrm>
+              <a:prstGeom prst="rect">
+                <a:avLst/>
+              </a:prstGeom>
+              <a:blipFill>
+                <a:blip r:embed="rId2"/>
+                <a:stretch>
+                  <a:fillRect b="-13333"/>
+                </a:stretch>
+              </a:blipFill>
+            </p:spPr>
+            <p:txBody>
+              <a:bodyPr/>
+              <a:lstStyle/>
+              <a:p>
+                <a:r>
+                  <a:rPr lang="ja-JP" altLang="en-US">
+                    <a:noFill/>
+                  </a:rPr>
+                  <a:t> </a:t>
+                </a:r>
+              </a:p>
+            </p:txBody>
+          </p:sp>
+        </mc:Fallback>
+      </mc:AlternateContent>
+      <p:sp>
+        <p:nvSpPr>
+          <p:cNvPr id="16" name="テキスト ボックス 15">
+            <a:extLst>
+              <a:ext uri="{FF2B5EF4-FFF2-40B4-BE49-F238E27FC236}">
+                <a16:creationId xmlns:a16="http://schemas.microsoft.com/office/drawing/2014/main" id="{30A27E6E-466B-E947-9CD6-E82C3C1C3462}"/>
+              </a:ext>
+            </a:extLst>
+          </p:cNvPr>
+          <p:cNvSpPr txBox="1"/>
+          <p:nvPr/>
+        </p:nvSpPr>
+        <p:spPr>
+          <a:xfrm>
+            <a:off x="1294544" y="2603782"/>
+            <a:ext cx="2521844" cy="369332"/>
+          </a:xfrm>
+          <a:prstGeom prst="rect">
+            <a:avLst/>
+          </a:prstGeom>
+          <a:noFill/>
+        </p:spPr>
+        <p:txBody>
+          <a:bodyPr wrap="none" rtlCol="0">
+            <a:spAutoFit/>
+          </a:bodyPr>
+          <a:lstStyle/>
+          <a:p>
+            <a:r>
+              <a:rPr kumimoji="1" lang="ja-JP" altLang="en-US"/>
+              <a:t>文章</a:t>
+            </a:r>
+            <a:r>
+              <a:rPr kumimoji="1" lang="en-US" altLang="ja-JP" dirty="0"/>
+              <a:t>1: </a:t>
+            </a:r>
+            <a:r>
+              <a:rPr kumimoji="1" lang="ja-JP" altLang="en-US"/>
+              <a:t>私は大学生だ。</a:t>
+            </a:r>
+          </a:p>
+        </p:txBody>
+      </p:sp>
+      <p:sp>
+        <p:nvSpPr>
+          <p:cNvPr id="9" name="テキスト ボックス 8">
+            <a:extLst>
+              <a:ext uri="{FF2B5EF4-FFF2-40B4-BE49-F238E27FC236}">
+                <a16:creationId xmlns:a16="http://schemas.microsoft.com/office/drawing/2014/main" id="{DD4FCE5E-C312-4246-9992-3199792FA9E6}"/>
+              </a:ext>
+            </a:extLst>
+          </p:cNvPr>
+          <p:cNvSpPr txBox="1"/>
+          <p:nvPr/>
+        </p:nvSpPr>
+        <p:spPr>
+          <a:xfrm>
+            <a:off x="1291225" y="3326730"/>
+            <a:ext cx="3214341" cy="369332"/>
+          </a:xfrm>
+          <a:prstGeom prst="rect">
+            <a:avLst/>
+          </a:prstGeom>
+          <a:noFill/>
+        </p:spPr>
+        <p:txBody>
+          <a:bodyPr wrap="none" rtlCol="0">
+            <a:spAutoFit/>
+          </a:bodyPr>
+          <a:lstStyle/>
+          <a:p>
+            <a:r>
+              <a:rPr kumimoji="1" lang="ja-JP" altLang="en-US"/>
+              <a:t>文章</a:t>
+            </a:r>
+            <a:r>
+              <a:rPr kumimoji="1" lang="en-US" altLang="ja-JP" dirty="0"/>
+              <a:t>2: </a:t>
+            </a:r>
+            <a:r>
+              <a:rPr kumimoji="1" lang="ja-JP" altLang="en-US"/>
+              <a:t>私の子供は大学生だ。</a:t>
+            </a:r>
+          </a:p>
+        </p:txBody>
+      </p:sp>
+      <p:sp>
+        <p:nvSpPr>
+          <p:cNvPr id="17" name="右矢印 16">
+            <a:extLst>
+              <a:ext uri="{FF2B5EF4-FFF2-40B4-BE49-F238E27FC236}">
+                <a16:creationId xmlns:a16="http://schemas.microsoft.com/office/drawing/2014/main" id="{8B4FD6D1-43C4-8345-BD89-B6C5BFC73E82}"/>
+              </a:ext>
+            </a:extLst>
+          </p:cNvPr>
+          <p:cNvSpPr/>
+          <p:nvPr/>
+        </p:nvSpPr>
+        <p:spPr>
+          <a:xfrm>
+            <a:off x="5506779" y="3326311"/>
+            <a:ext cx="802318" cy="446556"/>
+          </a:xfrm>
+          <a:prstGeom prst="rightArrow">
+            <a:avLst/>
+          </a:prstGeom>
+          <a:solidFill>
+            <a:schemeClr val="accent1">
+              <a:alpha val="50000"/>
+            </a:schemeClr>
+          </a:solidFill>
+          <a:ln>
+            <a:solidFill>
+              <a:schemeClr val="accent1">
+                <a:shade val="50000"/>
+                <a:alpha val="43000"/>
+              </a:schemeClr>
+            </a:solidFill>
+          </a:ln>
+        </p:spPr>
+        <p:style>
+          <a:lnRef idx="2">
+            <a:schemeClr val="accent1">
+              <a:shade val="50000"/>
+            </a:schemeClr>
+          </a:lnRef>
+          <a:fillRef idx="1">
+            <a:schemeClr val="accent1"/>
+          </a:fillRef>
+          <a:effectRef idx="0">
+            <a:schemeClr val="accent1"/>
+          </a:effectRef>
+          <a:fontRef idx="minor">
+            <a:schemeClr val="lt1"/>
+          </a:fontRef>
+        </p:style>
+        <p:txBody>
+          <a:bodyPr rtlCol="0" anchor="ctr"/>
+          <a:lstStyle/>
+          <a:p>
+            <a:pPr algn="ctr"/>
+            <a:endParaRPr kumimoji="1" lang="ja-JP" altLang="en-US"/>
+          </a:p>
+        </p:txBody>
+      </p:sp>
+      <mc:AlternateContent xmlns:mc="http://schemas.openxmlformats.org/markup-compatibility/2006">
+        <mc:Choice xmlns:a14="http://schemas.microsoft.com/office/drawing/2010/main" Requires="a14">
+          <p:sp>
+            <p:nvSpPr>
+              <p:cNvPr id="18" name="テキスト ボックス 17">
+                <a:extLst>
+                  <a:ext uri="{FF2B5EF4-FFF2-40B4-BE49-F238E27FC236}">
+                    <a16:creationId xmlns:a16="http://schemas.microsoft.com/office/drawing/2014/main" id="{6EF55459-0900-8043-BCED-8FCB635BC91F}"/>
+                  </a:ext>
+                </a:extLst>
+              </p:cNvPr>
+              <p:cNvSpPr txBox="1"/>
+              <p:nvPr/>
+            </p:nvSpPr>
+            <p:spPr>
+              <a:xfrm>
+                <a:off x="7592105" y="2596039"/>
+                <a:ext cx="2719014" cy="370679"/>
+              </a:xfrm>
+              <a:prstGeom prst="rect">
+                <a:avLst/>
+              </a:prstGeom>
+              <a:noFill/>
+            </p:spPr>
+            <p:txBody>
+              <a:bodyPr wrap="none" rtlCol="0">
+                <a:spAutoFit/>
+              </a:bodyPr>
+              <a:lstStyle/>
+              <a:p>
+                <a14:m>
+                  <m:oMathPara xmlns:m="http://schemas.openxmlformats.org/officeDocument/2006/math">
+                    <m:oMathParaPr>
+                      <m:jc m:val="centerGroup"/>
+                    </m:oMathParaPr>
+                    <m:oMath xmlns:m="http://schemas.openxmlformats.org/officeDocument/2006/math">
+                      <m:r>
+                        <m:rPr>
+                          <m:nor/>
+                        </m:rPr>
+                        <a:rPr lang="ja-JP" altLang="en-US" smtClean="0"/>
+                        <m:t>文章</m:t>
+                      </m:r>
+                      <m:r>
+                        <m:rPr>
+                          <m:nor/>
+                        </m:rPr>
+                        <a:rPr lang="en-US" altLang="ja-JP" dirty="0" smtClean="0"/>
+                        <m:t>1</m:t>
+                      </m:r>
+                      <m:r>
+                        <a:rPr kumimoji="1" lang="en-US" altLang="ja-JP" b="0" i="0" smtClean="0">
+                          <a:latin typeface="Cambria Math" panose="02040503050406030204" pitchFamily="18" charset="0"/>
+                        </a:rPr>
+                        <m:t>=</m:t>
+                      </m:r>
+                      <m:r>
+                        <a:rPr kumimoji="1" lang="en-US" altLang="ja-JP" b="0" i="1" smtClean="0">
+                          <a:latin typeface="Cambria Math" panose="02040503050406030204" pitchFamily="18" charset="0"/>
+                        </a:rPr>
+                        <m:t>[1, 0, 0, 1, 1, 1, 1]</m:t>
+                      </m:r>
+                    </m:oMath>
+                  </m:oMathPara>
+                </a14:m>
+                <a:endParaRPr kumimoji="1" lang="ja-JP" altLang="en-US"/>
+              </a:p>
+            </p:txBody>
+          </p:sp>
+        </mc:Choice>
+        <mc:Fallback>
+          <p:sp>
+            <p:nvSpPr>
+              <p:cNvPr id="18" name="テキスト ボックス 17">
+                <a:extLst>
+                  <a:ext uri="{FF2B5EF4-FFF2-40B4-BE49-F238E27FC236}">
+                    <a16:creationId xmlns:a16="http://schemas.microsoft.com/office/drawing/2014/main" id="{6EF55459-0900-8043-BCED-8FCB635BC91F}"/>
+                  </a:ext>
+                </a:extLst>
+              </p:cNvPr>
+              <p:cNvSpPr txBox="1">
+                <a:spLocks noRot="1" noChangeAspect="1" noMove="1" noResize="1" noEditPoints="1" noAdjustHandles="1" noChangeArrowheads="1" noChangeShapeType="1" noTextEdit="1"/>
+              </p:cNvSpPr>
+              <p:nvPr/>
+            </p:nvSpPr>
+            <p:spPr>
+              <a:xfrm>
+                <a:off x="7592105" y="2596039"/>
+                <a:ext cx="2719014" cy="370679"/>
+              </a:xfrm>
+              <a:prstGeom prst="rect">
+                <a:avLst/>
+              </a:prstGeom>
+              <a:blipFill>
+                <a:blip r:embed="rId3"/>
+                <a:stretch>
+                  <a:fillRect b="-10000"/>
+                </a:stretch>
+              </a:blipFill>
+            </p:spPr>
+            <p:txBody>
+              <a:bodyPr/>
+              <a:lstStyle/>
+              <a:p>
+                <a:r>
+                  <a:rPr lang="ja-JP" altLang="en-US">
+                    <a:noFill/>
+                  </a:rPr>
+                  <a:t> </a:t>
+                </a:r>
+              </a:p>
+            </p:txBody>
+          </p:sp>
+        </mc:Fallback>
+      </mc:AlternateContent>
+      <mc:AlternateContent xmlns:mc="http://schemas.openxmlformats.org/markup-compatibility/2006">
+        <mc:Choice xmlns:a14="http://schemas.microsoft.com/office/drawing/2010/main" Requires="a14">
+          <p:sp>
+            <p:nvSpPr>
+              <p:cNvPr id="19" name="テキスト ボックス 18">
+                <a:extLst>
+                  <a:ext uri="{FF2B5EF4-FFF2-40B4-BE49-F238E27FC236}">
+                    <a16:creationId xmlns:a16="http://schemas.microsoft.com/office/drawing/2014/main" id="{1A44A723-E354-7341-9BE8-6709250EF689}"/>
+                  </a:ext>
+                </a:extLst>
+              </p:cNvPr>
+              <p:cNvSpPr txBox="1"/>
+              <p:nvPr/>
+            </p:nvSpPr>
+            <p:spPr>
+              <a:xfrm>
+                <a:off x="7592105" y="3323286"/>
+                <a:ext cx="2719014" cy="370679"/>
+              </a:xfrm>
+              <a:prstGeom prst="rect">
+                <a:avLst/>
+              </a:prstGeom>
+              <a:noFill/>
+            </p:spPr>
+            <p:txBody>
+              <a:bodyPr wrap="none" rtlCol="0">
+                <a:spAutoFit/>
+              </a:bodyPr>
+              <a:lstStyle/>
+              <a:p>
+                <a14:m>
+                  <m:oMathPara xmlns:m="http://schemas.openxmlformats.org/officeDocument/2006/math">
+                    <m:oMathParaPr>
+                      <m:jc m:val="centerGroup"/>
+                    </m:oMathParaPr>
+                    <m:oMath xmlns:m="http://schemas.openxmlformats.org/officeDocument/2006/math">
+                      <m:r>
+                        <m:rPr>
+                          <m:nor/>
+                        </m:rPr>
+                        <a:rPr lang="ja-JP" altLang="en-US" smtClean="0"/>
+                        <m:t>文章</m:t>
+                      </m:r>
+                      <m:r>
+                        <m:rPr>
+                          <m:nor/>
+                        </m:rPr>
+                        <a:rPr lang="en-US" altLang="ja-JP" b="0" i="0" smtClean="0"/>
+                        <m:t>2</m:t>
+                      </m:r>
+                      <m:r>
+                        <a:rPr kumimoji="1" lang="en-US" altLang="ja-JP" b="0" i="0" smtClean="0">
+                          <a:latin typeface="Cambria Math" panose="02040503050406030204" pitchFamily="18" charset="0"/>
+                        </a:rPr>
+                        <m:t>=</m:t>
+                      </m:r>
+                      <m:r>
+                        <a:rPr kumimoji="1" lang="en-US" altLang="ja-JP" b="0" i="1" smtClean="0">
+                          <a:latin typeface="Cambria Math" panose="02040503050406030204" pitchFamily="18" charset="0"/>
+                        </a:rPr>
+                        <m:t>[1, 1, 1, 1, 1, 1, 1]</m:t>
+                      </m:r>
+                    </m:oMath>
+                  </m:oMathPara>
+                </a14:m>
+                <a:endParaRPr kumimoji="1" lang="ja-JP" altLang="en-US"/>
+              </a:p>
+            </p:txBody>
+          </p:sp>
+        </mc:Choice>
+        <mc:Fallback>
+          <p:sp>
+            <p:nvSpPr>
+              <p:cNvPr id="19" name="テキスト ボックス 18">
+                <a:extLst>
+                  <a:ext uri="{FF2B5EF4-FFF2-40B4-BE49-F238E27FC236}">
+                    <a16:creationId xmlns:a16="http://schemas.microsoft.com/office/drawing/2014/main" id="{1A44A723-E354-7341-9BE8-6709250EF689}"/>
+                  </a:ext>
+                </a:extLst>
+              </p:cNvPr>
+              <p:cNvSpPr txBox="1">
+                <a:spLocks noRot="1" noChangeAspect="1" noMove="1" noResize="1" noEditPoints="1" noAdjustHandles="1" noChangeArrowheads="1" noChangeShapeType="1" noTextEdit="1"/>
+              </p:cNvSpPr>
+              <p:nvPr/>
+            </p:nvSpPr>
+            <p:spPr>
+              <a:xfrm>
+                <a:off x="7592105" y="3323286"/>
+                <a:ext cx="2719014" cy="370679"/>
+              </a:xfrm>
+              <a:prstGeom prst="rect">
+                <a:avLst/>
+              </a:prstGeom>
+              <a:blipFill>
+                <a:blip r:embed="rId4"/>
+                <a:stretch>
+                  <a:fillRect b="-13333"/>
+                </a:stretch>
+              </a:blipFill>
+            </p:spPr>
+            <p:txBody>
+              <a:bodyPr/>
+              <a:lstStyle/>
+              <a:p>
+                <a:r>
+                  <a:rPr lang="ja-JP" altLang="en-US">
+                    <a:noFill/>
+                  </a:rPr>
+                  <a:t> </a:t>
+                </a:r>
+              </a:p>
+            </p:txBody>
+          </p:sp>
+        </mc:Fallback>
+      </mc:AlternateContent>
+      <mc:AlternateContent xmlns:mc="http://schemas.openxmlformats.org/markup-compatibility/2006">
+        <mc:Choice xmlns:a14="http://schemas.microsoft.com/office/drawing/2010/main" Requires="a14">
+          <p:sp>
+            <p:nvSpPr>
+              <p:cNvPr id="2" name="テキスト ボックス 1">
+                <a:extLst>
+                  <a:ext uri="{FF2B5EF4-FFF2-40B4-BE49-F238E27FC236}">
+                    <a16:creationId xmlns:a16="http://schemas.microsoft.com/office/drawing/2014/main" id="{8F0A0ED0-AAE9-4E42-9FBC-FA8B804E9322}"/>
+                  </a:ext>
+                </a:extLst>
+              </p:cNvPr>
+              <p:cNvSpPr txBox="1"/>
+              <p:nvPr/>
+            </p:nvSpPr>
+            <p:spPr>
+              <a:xfrm>
+                <a:off x="1075288" y="4930893"/>
+                <a:ext cx="2372765" cy="1239442"/>
+              </a:xfrm>
+              <a:prstGeom prst="rect">
+                <a:avLst/>
+              </a:prstGeom>
+              <a:noFill/>
+            </p:spPr>
+            <p:txBody>
+              <a:bodyPr wrap="none" rtlCol="0">
+                <a:spAutoFit/>
+              </a:bodyPr>
+              <a:lstStyle/>
+              <a:p>
+                <a:r>
+                  <a:rPr lang="ja-JP" altLang="en-US"/>
+                  <a:t>コサイン類似度</a:t>
+                </a:r>
+              </a:p>
+              <a:p>
+                <a14:m>
+                  <m:oMathPara xmlns:m="http://schemas.openxmlformats.org/officeDocument/2006/math">
+                    <m:oMathParaPr>
+                      <m:jc m:val="centerGroup"/>
+                    </m:oMathParaPr>
+                    <m:oMath xmlns:m="http://schemas.openxmlformats.org/officeDocument/2006/math">
+                      <m:r>
+                        <a:rPr kumimoji="1" lang="en-US" altLang="ja-JP" i="1" smtClean="0">
+                          <a:latin typeface="Cambria Math" panose="02040503050406030204" pitchFamily="18" charset="0"/>
+                          <a:ea typeface="Cambria Math" panose="02040503050406030204" pitchFamily="18" charset="0"/>
+                        </a:rPr>
+                        <m:t>=</m:t>
+                      </m:r>
+                      <m:func>
+                        <m:funcPr>
+                          <m:ctrlPr>
+                            <a:rPr kumimoji="1" lang="en-US" altLang="ja-JP" b="0" i="1" smtClean="0">
+                              <a:latin typeface="Cambria Math" panose="02040503050406030204" pitchFamily="18" charset="0"/>
+                              <a:ea typeface="Cambria Math" panose="02040503050406030204" pitchFamily="18" charset="0"/>
+                            </a:rPr>
+                          </m:ctrlPr>
+                        </m:funcPr>
+                        <m:fName>
+                          <m:r>
+                            <m:rPr>
+                              <m:sty m:val="p"/>
+                            </m:rPr>
+                            <a:rPr kumimoji="1" lang="en-US" altLang="ja-JP" b="0" i="0" smtClean="0">
+                              <a:latin typeface="Cambria Math" panose="02040503050406030204" pitchFamily="18" charset="0"/>
+                              <a:ea typeface="Cambria Math" panose="02040503050406030204" pitchFamily="18" charset="0"/>
+                            </a:rPr>
+                            <m:t>cos</m:t>
+                          </m:r>
+                        </m:fName>
+                        <m:e>
+                          <m:d>
+                            <m:dPr>
+                              <m:ctrlPr>
+                                <a:rPr kumimoji="1" lang="en-US" altLang="ja-JP" b="0" i="1" smtClean="0">
+                                  <a:latin typeface="Cambria Math" panose="02040503050406030204" pitchFamily="18" charset="0"/>
+                                  <a:ea typeface="Cambria Math" panose="02040503050406030204" pitchFamily="18" charset="0"/>
+                                </a:rPr>
+                              </m:ctrlPr>
+                            </m:dPr>
+                            <m:e>
+                              <m:acc>
+                                <m:accPr>
+                                  <m:chr m:val="⃗"/>
+                                  <m:ctrlPr>
+                                    <a:rPr kumimoji="1" lang="en-US" altLang="ja-JP" b="0" i="1" smtClean="0">
+                                      <a:latin typeface="Cambria Math" panose="02040503050406030204" pitchFamily="18" charset="0"/>
+                                      <a:ea typeface="Cambria Math" panose="02040503050406030204" pitchFamily="18" charset="0"/>
+                                    </a:rPr>
+                                  </m:ctrlPr>
+                                </m:accPr>
+                                <m:e>
+                                  <m:r>
+                                    <a:rPr kumimoji="1" lang="en-US" altLang="ja-JP" b="0" i="1" smtClean="0">
+                                      <a:latin typeface="Cambria Math" panose="02040503050406030204" pitchFamily="18" charset="0"/>
+                                      <a:ea typeface="Cambria Math" panose="02040503050406030204" pitchFamily="18" charset="0"/>
+                                    </a:rPr>
+                                    <m:t>𝑝</m:t>
+                                  </m:r>
+                                </m:e>
+                              </m:acc>
+                              <m:r>
+                                <a:rPr lang="en-US" altLang="ja-JP" b="0" i="1" smtClean="0">
+                                  <a:latin typeface="Cambria Math" panose="02040503050406030204" pitchFamily="18" charset="0"/>
+                                  <a:ea typeface="Cambria Math" panose="02040503050406030204" pitchFamily="18" charset="0"/>
+                                </a:rPr>
+                                <m:t>,</m:t>
+                              </m:r>
+                              <m:acc>
+                                <m:accPr>
+                                  <m:chr m:val="⃗"/>
+                                  <m:ctrlPr>
+                                    <a:rPr lang="en-US" altLang="ja-JP" i="1">
+                                      <a:latin typeface="Cambria Math" panose="02040503050406030204" pitchFamily="18" charset="0"/>
+                                      <a:ea typeface="Cambria Math" panose="02040503050406030204" pitchFamily="18" charset="0"/>
+                                    </a:rPr>
+                                  </m:ctrlPr>
+                                </m:accPr>
+                                <m:e>
+                                  <m:r>
+                                    <a:rPr lang="en-US" altLang="ja-JP" b="0" i="1" smtClean="0">
+                                      <a:latin typeface="Cambria Math" panose="02040503050406030204" pitchFamily="18" charset="0"/>
+                                      <a:ea typeface="Cambria Math" panose="02040503050406030204" pitchFamily="18" charset="0"/>
+                                    </a:rPr>
+                                    <m:t>𝑞</m:t>
+                                  </m:r>
+                                </m:e>
+                              </m:acc>
+                            </m:e>
+                          </m:d>
+                        </m:e>
+                      </m:func>
+                      <m:r>
+                        <a:rPr kumimoji="1" lang="en-US" altLang="ja-JP" b="0" i="1" smtClean="0">
+                          <a:latin typeface="Cambria Math" panose="02040503050406030204" pitchFamily="18" charset="0"/>
+                          <a:ea typeface="Cambria Math" panose="02040503050406030204" pitchFamily="18" charset="0"/>
+                        </a:rPr>
+                        <m:t>=</m:t>
+                      </m:r>
+                      <m:f>
+                        <m:fPr>
+                          <m:ctrlPr>
+                            <a:rPr kumimoji="1" lang="en-US" altLang="ja-JP" b="0" i="1" smtClean="0">
+                              <a:latin typeface="Cambria Math" panose="02040503050406030204" pitchFamily="18" charset="0"/>
+                              <a:ea typeface="Cambria Math" panose="02040503050406030204" pitchFamily="18" charset="0"/>
+                            </a:rPr>
+                          </m:ctrlPr>
+                        </m:fPr>
+                        <m:num>
+                          <m:acc>
+                            <m:accPr>
+                              <m:chr m:val="⃗"/>
+                              <m:ctrlPr>
+                                <a:rPr lang="en-US" altLang="ja-JP" i="1">
+                                  <a:latin typeface="Cambria Math" panose="02040503050406030204" pitchFamily="18" charset="0"/>
+                                  <a:ea typeface="Cambria Math" panose="02040503050406030204" pitchFamily="18" charset="0"/>
+                                </a:rPr>
+                              </m:ctrlPr>
+                            </m:accPr>
+                            <m:e>
+                              <m:r>
+                                <a:rPr lang="en-US" altLang="ja-JP" i="1">
+                                  <a:latin typeface="Cambria Math" panose="02040503050406030204" pitchFamily="18" charset="0"/>
+                                  <a:ea typeface="Cambria Math" panose="02040503050406030204" pitchFamily="18" charset="0"/>
+                                </a:rPr>
+                                <m:t>𝑝</m:t>
+                              </m:r>
+                            </m:e>
+                          </m:acc>
+                          <m:r>
+                            <a:rPr lang="ja-JP" altLang="en-US" i="1">
+                              <a:latin typeface="Cambria Math" panose="02040503050406030204" pitchFamily="18" charset="0"/>
+                              <a:ea typeface="Cambria Math" panose="02040503050406030204" pitchFamily="18" charset="0"/>
+                            </a:rPr>
+                            <m:t>∙</m:t>
+                          </m:r>
+                          <m:acc>
+                            <m:accPr>
+                              <m:chr m:val="⃗"/>
+                              <m:ctrlPr>
+                                <a:rPr lang="en-US" altLang="ja-JP" i="1">
+                                  <a:latin typeface="Cambria Math" panose="02040503050406030204" pitchFamily="18" charset="0"/>
+                                  <a:ea typeface="Cambria Math" panose="02040503050406030204" pitchFamily="18" charset="0"/>
+                                </a:rPr>
+                              </m:ctrlPr>
+                            </m:accPr>
+                            <m:e>
+                              <m:r>
+                                <a:rPr lang="en-US" altLang="ja-JP" b="0" i="1" smtClean="0">
+                                  <a:latin typeface="Cambria Math" panose="02040503050406030204" pitchFamily="18" charset="0"/>
+                                  <a:ea typeface="Cambria Math" panose="02040503050406030204" pitchFamily="18" charset="0"/>
+                                </a:rPr>
+                                <m:t>𝑞</m:t>
+                              </m:r>
+                            </m:e>
+                          </m:acc>
+                        </m:num>
+                        <m:den>
+                          <m:d>
+                            <m:dPr>
+                              <m:begChr m:val="|"/>
+                              <m:endChr m:val="|"/>
+                              <m:ctrlPr>
+                                <a:rPr kumimoji="1" lang="en-US" altLang="ja-JP" b="0" i="1" smtClean="0">
+                                  <a:latin typeface="Cambria Math" panose="02040503050406030204" pitchFamily="18" charset="0"/>
+                                  <a:ea typeface="Cambria Math" panose="02040503050406030204" pitchFamily="18" charset="0"/>
+                                </a:rPr>
+                              </m:ctrlPr>
+                            </m:dPr>
+                            <m:e>
+                              <m:acc>
+                                <m:accPr>
+                                  <m:chr m:val="⃗"/>
+                                  <m:ctrlPr>
+                                    <a:rPr lang="en-US" altLang="ja-JP" i="1">
+                                      <a:latin typeface="Cambria Math" panose="02040503050406030204" pitchFamily="18" charset="0"/>
+                                      <a:ea typeface="Cambria Math" panose="02040503050406030204" pitchFamily="18" charset="0"/>
+                                    </a:rPr>
+                                  </m:ctrlPr>
+                                </m:accPr>
+                                <m:e>
+                                  <m:r>
+                                    <a:rPr lang="en-US" altLang="ja-JP" i="1">
+                                      <a:latin typeface="Cambria Math" panose="02040503050406030204" pitchFamily="18" charset="0"/>
+                                      <a:ea typeface="Cambria Math" panose="02040503050406030204" pitchFamily="18" charset="0"/>
+                                    </a:rPr>
+                                    <m:t>𝑝</m:t>
+                                  </m:r>
+                                </m:e>
+                              </m:acc>
+                            </m:e>
+                          </m:d>
+                          <m:d>
+                            <m:dPr>
+                              <m:begChr m:val="|"/>
+                              <m:endChr m:val="|"/>
+                              <m:ctrlPr>
+                                <a:rPr kumimoji="1" lang="en-US" altLang="ja-JP" b="0" i="1" smtClean="0">
+                                  <a:latin typeface="Cambria Math" panose="02040503050406030204" pitchFamily="18" charset="0"/>
+                                  <a:ea typeface="Cambria Math" panose="02040503050406030204" pitchFamily="18" charset="0"/>
+                                </a:rPr>
+                              </m:ctrlPr>
+                            </m:dPr>
+                            <m:e>
+                              <m:acc>
+                                <m:accPr>
+                                  <m:chr m:val="⃗"/>
+                                  <m:ctrlPr>
+                                    <a:rPr lang="en-US" altLang="ja-JP" i="1">
+                                      <a:latin typeface="Cambria Math" panose="02040503050406030204" pitchFamily="18" charset="0"/>
+                                      <a:ea typeface="Cambria Math" panose="02040503050406030204" pitchFamily="18" charset="0"/>
+                                    </a:rPr>
+                                  </m:ctrlPr>
+                                </m:accPr>
+                                <m:e>
+                                  <m:r>
+                                    <a:rPr lang="en-US" altLang="ja-JP" b="0" i="1" smtClean="0">
+                                      <a:latin typeface="Cambria Math" panose="02040503050406030204" pitchFamily="18" charset="0"/>
+                                      <a:ea typeface="Cambria Math" panose="02040503050406030204" pitchFamily="18" charset="0"/>
+                                    </a:rPr>
+                                    <m:t>𝑞</m:t>
+                                  </m:r>
+                                </m:e>
+                              </m:acc>
+                            </m:e>
+                          </m:d>
+                        </m:den>
+                      </m:f>
+                    </m:oMath>
+                  </m:oMathPara>
+                </a14:m>
+                <a:endParaRPr lang="ja-JP" altLang="en-US"/>
+              </a:p>
+              <a:p>
+                <a:endParaRPr kumimoji="1" lang="ja-JP" altLang="en-US"/>
+              </a:p>
+            </p:txBody>
+          </p:sp>
+        </mc:Choice>
+        <mc:Fallback>
+          <p:sp>
+            <p:nvSpPr>
+              <p:cNvPr id="2" name="テキスト ボックス 1">
+                <a:extLst>
+                  <a:ext uri="{FF2B5EF4-FFF2-40B4-BE49-F238E27FC236}">
+                    <a16:creationId xmlns:a16="http://schemas.microsoft.com/office/drawing/2014/main" id="{8F0A0ED0-AAE9-4E42-9FBC-FA8B804E9322}"/>
+                  </a:ext>
+                </a:extLst>
+              </p:cNvPr>
+              <p:cNvSpPr txBox="1">
+                <a:spLocks noRot="1" noChangeAspect="1" noMove="1" noResize="1" noEditPoints="1" noAdjustHandles="1" noChangeArrowheads="1" noChangeShapeType="1" noTextEdit="1"/>
+              </p:cNvSpPr>
+              <p:nvPr/>
+            </p:nvSpPr>
+            <p:spPr>
+              <a:xfrm>
+                <a:off x="1075288" y="4930893"/>
+                <a:ext cx="2372765" cy="1239442"/>
+              </a:xfrm>
+              <a:prstGeom prst="rect">
+                <a:avLst/>
+              </a:prstGeom>
+              <a:blipFill>
+                <a:blip r:embed="rId5"/>
+                <a:stretch>
+                  <a:fillRect l="-2128" t="-2020"/>
+                </a:stretch>
+              </a:blipFill>
+            </p:spPr>
+            <p:txBody>
+              <a:bodyPr/>
+              <a:lstStyle/>
+              <a:p>
+                <a:r>
+                  <a:rPr lang="ja-JP" altLang="en-US">
+                    <a:noFill/>
+                  </a:rPr>
+                  <a:t> </a:t>
+                </a:r>
+              </a:p>
+            </p:txBody>
+          </p:sp>
+        </mc:Fallback>
+      </mc:AlternateContent>
+      <p:sp>
+        <p:nvSpPr>
+          <p:cNvPr id="3" name="テキスト ボックス 2">
+            <a:extLst>
+              <a:ext uri="{FF2B5EF4-FFF2-40B4-BE49-F238E27FC236}">
+                <a16:creationId xmlns:a16="http://schemas.microsoft.com/office/drawing/2014/main" id="{10B3F147-F31E-104C-8CAE-69B708BCF949}"/>
+              </a:ext>
+            </a:extLst>
+          </p:cNvPr>
+          <p:cNvSpPr txBox="1"/>
+          <p:nvPr/>
+        </p:nvSpPr>
+        <p:spPr>
+          <a:xfrm>
+            <a:off x="1291225" y="4077441"/>
+            <a:ext cx="2752677" cy="369332"/>
+          </a:xfrm>
+          <a:prstGeom prst="rect">
+            <a:avLst/>
+          </a:prstGeom>
+          <a:noFill/>
+        </p:spPr>
+        <p:txBody>
+          <a:bodyPr wrap="none" rtlCol="0">
+            <a:spAutoFit/>
+          </a:bodyPr>
+          <a:lstStyle/>
+          <a:p>
+            <a:r>
+              <a:rPr kumimoji="1" lang="ja-JP" altLang="en-US"/>
+              <a:t>文章</a:t>
+            </a:r>
+            <a:r>
+              <a:rPr kumimoji="1" lang="en-US" altLang="ja-JP" dirty="0"/>
+              <a:t>3: </a:t>
+            </a:r>
+            <a:r>
+              <a:rPr kumimoji="1" lang="ja-JP" altLang="en-US"/>
+              <a:t>大学生は子供だ。</a:t>
+            </a:r>
+          </a:p>
+        </p:txBody>
+      </p:sp>
+      <mc:AlternateContent xmlns:mc="http://schemas.openxmlformats.org/markup-compatibility/2006">
+        <mc:Choice xmlns:a14="http://schemas.microsoft.com/office/drawing/2010/main" Requires="a14">
+          <p:sp>
+            <p:nvSpPr>
+              <p:cNvPr id="21" name="テキスト ボックス 20">
+                <a:extLst>
+                  <a:ext uri="{FF2B5EF4-FFF2-40B4-BE49-F238E27FC236}">
+                    <a16:creationId xmlns:a16="http://schemas.microsoft.com/office/drawing/2014/main" id="{F99362BA-5306-0943-ABB8-8655083A1858}"/>
+                  </a:ext>
+                </a:extLst>
+              </p:cNvPr>
+              <p:cNvSpPr txBox="1"/>
+              <p:nvPr/>
+            </p:nvSpPr>
+            <p:spPr>
+              <a:xfrm>
+                <a:off x="7592105" y="4077441"/>
+                <a:ext cx="2719014" cy="370679"/>
+              </a:xfrm>
+              <a:prstGeom prst="rect">
+                <a:avLst/>
+              </a:prstGeom>
+              <a:noFill/>
+            </p:spPr>
+            <p:txBody>
+              <a:bodyPr wrap="none" rtlCol="0">
+                <a:spAutoFit/>
+              </a:bodyPr>
+              <a:lstStyle/>
+              <a:p>
+                <a14:m>
+                  <m:oMathPara xmlns:m="http://schemas.openxmlformats.org/officeDocument/2006/math">
+                    <m:oMathParaPr>
+                      <m:jc m:val="centerGroup"/>
+                    </m:oMathParaPr>
+                    <m:oMath xmlns:m="http://schemas.openxmlformats.org/officeDocument/2006/math">
+                      <m:r>
+                        <m:rPr>
+                          <m:nor/>
+                        </m:rPr>
+                        <a:rPr lang="ja-JP" altLang="en-US" smtClean="0"/>
+                        <m:t>文章</m:t>
+                      </m:r>
+                      <m:r>
+                        <m:rPr>
+                          <m:nor/>
+                        </m:rPr>
+                        <a:rPr lang="en-US" altLang="ja-JP" b="0" i="0" smtClean="0"/>
+                        <m:t>3</m:t>
+                      </m:r>
+                      <m:r>
+                        <a:rPr kumimoji="1" lang="en-US" altLang="ja-JP" b="0" i="0" smtClean="0">
+                          <a:latin typeface="Cambria Math" panose="02040503050406030204" pitchFamily="18" charset="0"/>
+                        </a:rPr>
+                        <m:t>=</m:t>
+                      </m:r>
+                      <m:r>
+                        <a:rPr kumimoji="1" lang="en-US" altLang="ja-JP" b="0" i="1" smtClean="0">
+                          <a:latin typeface="Cambria Math" panose="02040503050406030204" pitchFamily="18" charset="0"/>
+                        </a:rPr>
+                        <m:t>[0, 0, 1, 1, 1, 1, 1]</m:t>
+                      </m:r>
+                    </m:oMath>
+                  </m:oMathPara>
+                </a14:m>
+                <a:endParaRPr kumimoji="1" lang="ja-JP" altLang="en-US"/>
+              </a:p>
+            </p:txBody>
+          </p:sp>
+        </mc:Choice>
+        <mc:Fallback>
+          <p:sp>
+            <p:nvSpPr>
+              <p:cNvPr id="21" name="テキスト ボックス 20">
+                <a:extLst>
+                  <a:ext uri="{FF2B5EF4-FFF2-40B4-BE49-F238E27FC236}">
+                    <a16:creationId xmlns:a16="http://schemas.microsoft.com/office/drawing/2014/main" id="{F99362BA-5306-0943-ABB8-8655083A1858}"/>
+                  </a:ext>
+                </a:extLst>
+              </p:cNvPr>
+              <p:cNvSpPr txBox="1">
+                <a:spLocks noRot="1" noChangeAspect="1" noMove="1" noResize="1" noEditPoints="1" noAdjustHandles="1" noChangeArrowheads="1" noChangeShapeType="1" noTextEdit="1"/>
+              </p:cNvSpPr>
+              <p:nvPr/>
+            </p:nvSpPr>
+            <p:spPr>
+              <a:xfrm>
+                <a:off x="7592105" y="4077441"/>
+                <a:ext cx="2719014" cy="370679"/>
+              </a:xfrm>
+              <a:prstGeom prst="rect">
+                <a:avLst/>
+              </a:prstGeom>
+              <a:blipFill>
+                <a:blip r:embed="rId6"/>
+                <a:stretch>
+                  <a:fillRect b="-13333"/>
+                </a:stretch>
+              </a:blipFill>
+            </p:spPr>
+            <p:txBody>
+              <a:bodyPr/>
+              <a:lstStyle/>
+              <a:p>
+                <a:r>
+                  <a:rPr lang="ja-JP" altLang="en-US">
+                    <a:noFill/>
+                  </a:rPr>
+                  <a:t> </a:t>
+                </a:r>
+              </a:p>
+            </p:txBody>
+          </p:sp>
+        </mc:Fallback>
+      </mc:AlternateContent>
+      <mc:AlternateContent xmlns:mc="http://schemas.openxmlformats.org/markup-compatibility/2006">
+        <mc:Choice xmlns:a14="http://schemas.microsoft.com/office/drawing/2010/main" Requires="a14">
+          <p:sp>
+            <p:nvSpPr>
+              <p:cNvPr id="8" name="テキスト ボックス 7">
+                <a:extLst>
+                  <a:ext uri="{FF2B5EF4-FFF2-40B4-BE49-F238E27FC236}">
+                    <a16:creationId xmlns:a16="http://schemas.microsoft.com/office/drawing/2014/main" id="{C481A174-5C2C-0D42-87E4-729904C2BD7A}"/>
+                  </a:ext>
+                </a:extLst>
+              </p:cNvPr>
+              <p:cNvSpPr txBox="1"/>
+              <p:nvPr/>
+            </p:nvSpPr>
+            <p:spPr>
+              <a:xfrm>
+                <a:off x="6185042" y="4962418"/>
+                <a:ext cx="3361048" cy="370358"/>
+              </a:xfrm>
+              <a:prstGeom prst="rect">
+                <a:avLst/>
+              </a:prstGeom>
+              <a:noFill/>
+            </p:spPr>
+            <p:txBody>
+              <a:bodyPr wrap="none" rtlCol="0">
+                <a:spAutoFit/>
+              </a:bodyPr>
+              <a:lstStyle/>
+              <a:p>
+                <a14:m>
+                  <m:oMathPara xmlns:m="http://schemas.openxmlformats.org/officeDocument/2006/math">
+                    <m:oMathParaPr>
+                      <m:jc m:val="centerGroup"/>
+                    </m:oMathParaPr>
+                    <m:oMath xmlns:m="http://schemas.openxmlformats.org/officeDocument/2006/math">
+                      <m:func>
+                        <m:funcPr>
+                          <m:ctrlPr>
+                            <a:rPr kumimoji="1" lang="en-US" altLang="ja-JP" b="0" i="1" smtClean="0">
+                              <a:latin typeface="Cambria Math" panose="02040503050406030204" pitchFamily="18" charset="0"/>
+                            </a:rPr>
+                          </m:ctrlPr>
+                        </m:funcPr>
+                        <m:fName>
+                          <m:r>
+                            <m:rPr>
+                              <m:sty m:val="p"/>
+                            </m:rPr>
+                            <a:rPr kumimoji="1" lang="en-US" altLang="ja-JP" b="0" i="0" smtClean="0">
+                              <a:latin typeface="Cambria Math" panose="02040503050406030204" pitchFamily="18" charset="0"/>
+                            </a:rPr>
+                            <m:t>cos</m:t>
+                          </m:r>
+                        </m:fName>
+                        <m:e>
+                          <m:d>
+                            <m:dPr>
+                              <m:ctrlPr>
+                                <a:rPr kumimoji="1" lang="en-US" altLang="ja-JP" b="0" i="1" smtClean="0">
+                                  <a:latin typeface="Cambria Math" panose="02040503050406030204" pitchFamily="18" charset="0"/>
+                                </a:rPr>
+                              </m:ctrlPr>
+                            </m:dPr>
+                            <m:e>
+                              <m:r>
+                                <a:rPr lang="ja-JP" altLang="en-US" i="1">
+                                  <a:latin typeface="Cambria Math" panose="02040503050406030204" pitchFamily="18" charset="0"/>
+                                </a:rPr>
+                                <m:t>文章</m:t>
+                              </m:r>
+                              <m:r>
+                                <a:rPr lang="en-US" altLang="ja-JP" i="1">
+                                  <a:latin typeface="Cambria Math" panose="02040503050406030204" pitchFamily="18" charset="0"/>
+                                </a:rPr>
+                                <m:t>1</m:t>
+                              </m:r>
+                              <m:r>
+                                <a:rPr lang="en-US" altLang="ja-JP" b="0" i="1" smtClean="0">
+                                  <a:latin typeface="Cambria Math" panose="02040503050406030204" pitchFamily="18" charset="0"/>
+                                </a:rPr>
+                                <m:t>, </m:t>
+                              </m:r>
+                              <m:r>
+                                <a:rPr lang="ja-JP" altLang="en-US" i="1">
+                                  <a:latin typeface="Cambria Math" panose="02040503050406030204" pitchFamily="18" charset="0"/>
+                                </a:rPr>
+                                <m:t>文章</m:t>
+                              </m:r>
+                              <m:r>
+                                <a:rPr lang="en-US" altLang="ja-JP" i="1">
+                                  <a:latin typeface="Cambria Math" panose="02040503050406030204" pitchFamily="18" charset="0"/>
+                                </a:rPr>
+                                <m:t>2</m:t>
+                              </m:r>
+                            </m:e>
+                          </m:d>
+                        </m:e>
+                      </m:func>
+                      <m:r>
+                        <a:rPr lang="en-US" altLang="ja-JP" i="1">
+                          <a:latin typeface="Cambria Math" panose="02040503050406030204" pitchFamily="18" charset="0"/>
+                        </a:rPr>
+                        <m:t>=</m:t>
+                      </m:r>
+                      <m:r>
+                        <a:rPr lang="en-US" altLang="ja-JP" i="1">
+                          <a:latin typeface="Cambria Math" panose="02040503050406030204" pitchFamily="18" charset="0"/>
+                        </a:rPr>
+                        <m:t>0.84515</m:t>
+                      </m:r>
+                      <m:r>
+                        <a:rPr lang="en-US" altLang="ja-JP" i="1" smtClean="0">
+                          <a:latin typeface="Cambria Math" panose="02040503050406030204" pitchFamily="18" charset="0"/>
+                        </a:rPr>
+                        <m:t>…</m:t>
+                      </m:r>
+                    </m:oMath>
+                  </m:oMathPara>
+                </a14:m>
+                <a:endParaRPr kumimoji="1" lang="ja-JP" altLang="en-US"/>
+              </a:p>
+            </p:txBody>
+          </p:sp>
+        </mc:Choice>
+        <mc:Fallback>
+          <p:sp>
+            <p:nvSpPr>
+              <p:cNvPr id="8" name="テキスト ボックス 7">
+                <a:extLst>
+                  <a:ext uri="{FF2B5EF4-FFF2-40B4-BE49-F238E27FC236}">
+                    <a16:creationId xmlns:a16="http://schemas.microsoft.com/office/drawing/2014/main" id="{C481A174-5C2C-0D42-87E4-729904C2BD7A}"/>
+                  </a:ext>
+                </a:extLst>
+              </p:cNvPr>
+              <p:cNvSpPr txBox="1">
+                <a:spLocks noRot="1" noChangeAspect="1" noMove="1" noResize="1" noEditPoints="1" noAdjustHandles="1" noChangeArrowheads="1" noChangeShapeType="1" noTextEdit="1"/>
+              </p:cNvSpPr>
+              <p:nvPr/>
+            </p:nvSpPr>
+            <p:spPr>
+              <a:xfrm>
+                <a:off x="6185042" y="4962418"/>
+                <a:ext cx="3361048" cy="370358"/>
+              </a:xfrm>
+              <a:prstGeom prst="rect">
+                <a:avLst/>
+              </a:prstGeom>
+              <a:blipFill>
+                <a:blip r:embed="rId7"/>
+                <a:stretch>
+                  <a:fillRect/>
+                </a:stretch>
+              </a:blipFill>
+            </p:spPr>
+            <p:txBody>
+              <a:bodyPr/>
+              <a:lstStyle/>
+              <a:p>
+                <a:r>
+                  <a:rPr lang="ja-JP" altLang="en-US">
+                    <a:noFill/>
+                  </a:rPr>
+                  <a:t> </a:t>
+                </a:r>
+              </a:p>
+            </p:txBody>
+          </p:sp>
+        </mc:Fallback>
+      </mc:AlternateContent>
+      <mc:AlternateContent xmlns:mc="http://schemas.openxmlformats.org/markup-compatibility/2006">
+        <mc:Choice xmlns:a14="http://schemas.microsoft.com/office/drawing/2010/main" Requires="a14">
+          <p:sp>
+            <p:nvSpPr>
+              <p:cNvPr id="22" name="テキスト ボックス 21">
+                <a:extLst>
+                  <a:ext uri="{FF2B5EF4-FFF2-40B4-BE49-F238E27FC236}">
+                    <a16:creationId xmlns:a16="http://schemas.microsoft.com/office/drawing/2014/main" id="{EDD42A0F-823F-984E-9ACB-EB935A8E0EFE}"/>
+                  </a:ext>
+                </a:extLst>
+              </p:cNvPr>
+              <p:cNvSpPr txBox="1"/>
+              <p:nvPr/>
+            </p:nvSpPr>
+            <p:spPr>
+              <a:xfrm>
+                <a:off x="6185042" y="5408974"/>
+                <a:ext cx="3361048" cy="370358"/>
+              </a:xfrm>
+              <a:prstGeom prst="rect">
+                <a:avLst/>
+              </a:prstGeom>
+              <a:noFill/>
+            </p:spPr>
+            <p:txBody>
+              <a:bodyPr wrap="none" rtlCol="0">
+                <a:spAutoFit/>
+              </a:bodyPr>
+              <a:lstStyle/>
+              <a:p>
+                <a14:m>
+                  <m:oMathPara xmlns:m="http://schemas.openxmlformats.org/officeDocument/2006/math">
+                    <m:oMathParaPr>
+                      <m:jc m:val="centerGroup"/>
+                    </m:oMathParaPr>
+                    <m:oMath xmlns:m="http://schemas.openxmlformats.org/officeDocument/2006/math">
+                      <m:func>
+                        <m:funcPr>
+                          <m:ctrlPr>
+                            <a:rPr kumimoji="1" lang="en-US" altLang="ja-JP" b="0" i="1" smtClean="0">
+                              <a:latin typeface="Cambria Math" panose="02040503050406030204" pitchFamily="18" charset="0"/>
+                            </a:rPr>
+                          </m:ctrlPr>
+                        </m:funcPr>
+                        <m:fName>
+                          <m:r>
+                            <m:rPr>
+                              <m:sty m:val="p"/>
+                            </m:rPr>
+                            <a:rPr kumimoji="1" lang="en-US" altLang="ja-JP" b="0" i="0" smtClean="0">
+                              <a:latin typeface="Cambria Math" panose="02040503050406030204" pitchFamily="18" charset="0"/>
+                            </a:rPr>
+                            <m:t>cos</m:t>
+                          </m:r>
+                        </m:fName>
+                        <m:e>
+                          <m:d>
+                            <m:dPr>
+                              <m:ctrlPr>
+                                <a:rPr kumimoji="1" lang="en-US" altLang="ja-JP" b="0" i="1" smtClean="0">
+                                  <a:latin typeface="Cambria Math" panose="02040503050406030204" pitchFamily="18" charset="0"/>
+                                </a:rPr>
+                              </m:ctrlPr>
+                            </m:dPr>
+                            <m:e>
+                              <m:r>
+                                <a:rPr lang="ja-JP" altLang="en-US" i="1">
+                                  <a:latin typeface="Cambria Math" panose="02040503050406030204" pitchFamily="18" charset="0"/>
+                                </a:rPr>
+                                <m:t>文章</m:t>
+                              </m:r>
+                              <m:r>
+                                <a:rPr lang="en-US" altLang="ja-JP" b="0" i="1" smtClean="0">
+                                  <a:latin typeface="Cambria Math" panose="02040503050406030204" pitchFamily="18" charset="0"/>
+                                </a:rPr>
+                                <m:t>1, </m:t>
+                              </m:r>
+                              <m:r>
+                                <a:rPr lang="ja-JP" altLang="en-US" i="1">
+                                  <a:latin typeface="Cambria Math" panose="02040503050406030204" pitchFamily="18" charset="0"/>
+                                </a:rPr>
+                                <m:t>文章</m:t>
+                              </m:r>
+                              <m:r>
+                                <a:rPr lang="en-US" altLang="ja-JP" b="0" i="1" smtClean="0">
+                                  <a:latin typeface="Cambria Math" panose="02040503050406030204" pitchFamily="18" charset="0"/>
+                                </a:rPr>
+                                <m:t>3</m:t>
+                              </m:r>
+                            </m:e>
+                          </m:d>
+                        </m:e>
+                      </m:func>
+                      <m:r>
+                        <a:rPr lang="en-US" altLang="ja-JP" i="1">
+                          <a:latin typeface="Cambria Math" panose="02040503050406030204" pitchFamily="18" charset="0"/>
+                        </a:rPr>
+                        <m:t>=</m:t>
+                      </m:r>
+                      <m:r>
+                        <a:rPr lang="en-US" altLang="ja-JP" i="1">
+                          <a:latin typeface="Cambria Math" panose="02040503050406030204" pitchFamily="18" charset="0"/>
+                        </a:rPr>
+                        <m:t>0.</m:t>
+                      </m:r>
+                      <m:r>
+                        <a:rPr lang="en-US" altLang="ja-JP" b="0" i="1" smtClean="0">
+                          <a:latin typeface="Cambria Math" panose="02040503050406030204" pitchFamily="18" charset="0"/>
+                        </a:rPr>
+                        <m:t>79999</m:t>
+                      </m:r>
+                      <m:r>
+                        <a:rPr lang="en-US" altLang="ja-JP" i="1" smtClean="0">
+                          <a:latin typeface="Cambria Math" panose="02040503050406030204" pitchFamily="18" charset="0"/>
+                        </a:rPr>
+                        <m:t>…</m:t>
+                      </m:r>
+                    </m:oMath>
+                  </m:oMathPara>
+                </a14:m>
+                <a:endParaRPr kumimoji="1" lang="ja-JP" altLang="en-US"/>
+              </a:p>
+            </p:txBody>
+          </p:sp>
+        </mc:Choice>
+        <mc:Fallback>
+          <p:sp>
+            <p:nvSpPr>
+              <p:cNvPr id="22" name="テキスト ボックス 21">
+                <a:extLst>
+                  <a:ext uri="{FF2B5EF4-FFF2-40B4-BE49-F238E27FC236}">
+                    <a16:creationId xmlns:a16="http://schemas.microsoft.com/office/drawing/2014/main" id="{EDD42A0F-823F-984E-9ACB-EB935A8E0EFE}"/>
+                  </a:ext>
+                </a:extLst>
+              </p:cNvPr>
+              <p:cNvSpPr txBox="1">
+                <a:spLocks noRot="1" noChangeAspect="1" noMove="1" noResize="1" noEditPoints="1" noAdjustHandles="1" noChangeArrowheads="1" noChangeShapeType="1" noTextEdit="1"/>
+              </p:cNvSpPr>
+              <p:nvPr/>
+            </p:nvSpPr>
+            <p:spPr>
+              <a:xfrm>
+                <a:off x="6185042" y="5408974"/>
+                <a:ext cx="3361048" cy="370358"/>
+              </a:xfrm>
+              <a:prstGeom prst="rect">
+                <a:avLst/>
+              </a:prstGeom>
+              <a:blipFill>
+                <a:blip r:embed="rId8"/>
+                <a:stretch>
+                  <a:fillRect/>
+                </a:stretch>
+              </a:blipFill>
+            </p:spPr>
+            <p:txBody>
+              <a:bodyPr/>
+              <a:lstStyle/>
+              <a:p>
+                <a:r>
+                  <a:rPr lang="ja-JP" altLang="en-US">
+                    <a:noFill/>
+                  </a:rPr>
+                  <a:t> </a:t>
+                </a:r>
+              </a:p>
+            </p:txBody>
+          </p:sp>
+        </mc:Fallback>
+      </mc:AlternateContent>
+      <mc:AlternateContent xmlns:mc="http://schemas.openxmlformats.org/markup-compatibility/2006">
+        <mc:Choice xmlns:a14="http://schemas.microsoft.com/office/drawing/2010/main" Requires="a14">
+          <p:sp>
+            <p:nvSpPr>
+              <p:cNvPr id="23" name="テキスト ボックス 22">
+                <a:extLst>
+                  <a:ext uri="{FF2B5EF4-FFF2-40B4-BE49-F238E27FC236}">
+                    <a16:creationId xmlns:a16="http://schemas.microsoft.com/office/drawing/2014/main" id="{9E68CF43-5288-2541-BA6D-413158E9B040}"/>
+                  </a:ext>
+                </a:extLst>
+              </p:cNvPr>
+              <p:cNvSpPr txBox="1"/>
+              <p:nvPr/>
+            </p:nvSpPr>
+            <p:spPr>
+              <a:xfrm>
+                <a:off x="6185042" y="5855530"/>
+                <a:ext cx="3361048" cy="370358"/>
+              </a:xfrm>
+              <a:prstGeom prst="rect">
+                <a:avLst/>
+              </a:prstGeom>
+              <a:noFill/>
+            </p:spPr>
+            <p:txBody>
+              <a:bodyPr wrap="none" rtlCol="0">
+                <a:spAutoFit/>
+              </a:bodyPr>
+              <a:lstStyle/>
+              <a:p>
+                <a14:m>
+                  <m:oMathPara xmlns:m="http://schemas.openxmlformats.org/officeDocument/2006/math">
+                    <m:oMathParaPr>
+                      <m:jc m:val="centerGroup"/>
+                    </m:oMathParaPr>
+                    <m:oMath xmlns:m="http://schemas.openxmlformats.org/officeDocument/2006/math">
+                      <m:func>
+                        <m:funcPr>
+                          <m:ctrlPr>
+                            <a:rPr kumimoji="1" lang="en-US" altLang="ja-JP" b="0" i="1" smtClean="0">
+                              <a:latin typeface="Cambria Math" panose="02040503050406030204" pitchFamily="18" charset="0"/>
+                            </a:rPr>
+                          </m:ctrlPr>
+                        </m:funcPr>
+                        <m:fName>
+                          <m:r>
+                            <m:rPr>
+                              <m:sty m:val="p"/>
+                            </m:rPr>
+                            <a:rPr kumimoji="1" lang="en-US" altLang="ja-JP" b="0" i="0" smtClean="0">
+                              <a:latin typeface="Cambria Math" panose="02040503050406030204" pitchFamily="18" charset="0"/>
+                            </a:rPr>
+                            <m:t>cos</m:t>
+                          </m:r>
+                        </m:fName>
+                        <m:e>
+                          <m:d>
+                            <m:dPr>
+                              <m:ctrlPr>
+                                <a:rPr kumimoji="1" lang="en-US" altLang="ja-JP" b="0" i="1" smtClean="0">
+                                  <a:latin typeface="Cambria Math" panose="02040503050406030204" pitchFamily="18" charset="0"/>
+                                </a:rPr>
+                              </m:ctrlPr>
+                            </m:dPr>
+                            <m:e>
+                              <m:r>
+                                <a:rPr lang="ja-JP" altLang="en-US" i="1">
+                                  <a:latin typeface="Cambria Math" panose="02040503050406030204" pitchFamily="18" charset="0"/>
+                                </a:rPr>
+                                <m:t>文章</m:t>
+                              </m:r>
+                              <m:r>
+                                <a:rPr lang="en-US" altLang="ja-JP" b="0" i="1" smtClean="0">
+                                  <a:latin typeface="Cambria Math" panose="02040503050406030204" pitchFamily="18" charset="0"/>
+                                </a:rPr>
+                                <m:t>2, </m:t>
+                              </m:r>
+                              <m:r>
+                                <a:rPr lang="ja-JP" altLang="en-US" i="1">
+                                  <a:latin typeface="Cambria Math" panose="02040503050406030204" pitchFamily="18" charset="0"/>
+                                </a:rPr>
+                                <m:t>文章</m:t>
+                              </m:r>
+                              <m:r>
+                                <a:rPr lang="en-US" altLang="ja-JP" b="0" i="1" smtClean="0">
+                                  <a:latin typeface="Cambria Math" panose="02040503050406030204" pitchFamily="18" charset="0"/>
+                                </a:rPr>
+                                <m:t>3</m:t>
+                              </m:r>
+                            </m:e>
+                          </m:d>
+                        </m:e>
+                      </m:func>
+                      <m:r>
+                        <a:rPr lang="en-US" altLang="ja-JP" i="1">
+                          <a:latin typeface="Cambria Math" panose="02040503050406030204" pitchFamily="18" charset="0"/>
+                        </a:rPr>
+                        <m:t>=</m:t>
+                      </m:r>
+                      <m:r>
+                        <a:rPr lang="en-US" altLang="ja-JP" i="1">
+                          <a:latin typeface="Cambria Math" panose="02040503050406030204" pitchFamily="18" charset="0"/>
+                        </a:rPr>
+                        <m:t>0.84515</m:t>
+                      </m:r>
+                      <m:r>
+                        <a:rPr lang="en-US" altLang="ja-JP" i="1" smtClean="0">
+                          <a:latin typeface="Cambria Math" panose="02040503050406030204" pitchFamily="18" charset="0"/>
+                        </a:rPr>
+                        <m:t>…</m:t>
+                      </m:r>
+                    </m:oMath>
+                  </m:oMathPara>
+                </a14:m>
+                <a:endParaRPr kumimoji="1" lang="ja-JP" altLang="en-US"/>
+              </a:p>
+            </p:txBody>
+          </p:sp>
+        </mc:Choice>
+        <mc:Fallback>
+          <p:sp>
+            <p:nvSpPr>
+              <p:cNvPr id="23" name="テキスト ボックス 22">
+                <a:extLst>
+                  <a:ext uri="{FF2B5EF4-FFF2-40B4-BE49-F238E27FC236}">
+                    <a16:creationId xmlns:a16="http://schemas.microsoft.com/office/drawing/2014/main" id="{9E68CF43-5288-2541-BA6D-413158E9B040}"/>
+                  </a:ext>
+                </a:extLst>
+              </p:cNvPr>
+              <p:cNvSpPr txBox="1">
+                <a:spLocks noRot="1" noChangeAspect="1" noMove="1" noResize="1" noEditPoints="1" noAdjustHandles="1" noChangeArrowheads="1" noChangeShapeType="1" noTextEdit="1"/>
+              </p:cNvSpPr>
+              <p:nvPr/>
+            </p:nvSpPr>
+            <p:spPr>
+              <a:xfrm>
+                <a:off x="6185042" y="5855530"/>
+                <a:ext cx="3361048" cy="370358"/>
+              </a:xfrm>
+              <a:prstGeom prst="rect">
+                <a:avLst/>
+              </a:prstGeom>
+              <a:blipFill>
+                <a:blip r:embed="rId9"/>
+                <a:stretch>
+                  <a:fillRect b="-3333"/>
+                </a:stretch>
+              </a:blipFill>
+            </p:spPr>
+            <p:txBody>
+              <a:bodyPr/>
+              <a:lstStyle/>
+              <a:p>
+                <a:r>
+                  <a:rPr lang="ja-JP" altLang="en-US">
+                    <a:noFill/>
+                  </a:rPr>
+                  <a:t> </a:t>
+                </a:r>
+              </a:p>
+            </p:txBody>
+          </p:sp>
+        </mc:Fallback>
+      </mc:AlternateContent>
+    </p:spTree>
+    <p:extLst>
+      <p:ext uri="{BB962C8B-B14F-4D97-AF65-F5344CB8AC3E}">
+        <p14:creationId xmlns:p14="http://schemas.microsoft.com/office/powerpoint/2010/main" val="620266166"/>
       </p:ext>
     </p:extLst>
   </p:cSld>
@@ -5652,4 +11612,299 @@
     </a:ext>
   </a:extLst>
 </a:theme>
+</file>
+
+<file path=ppt/theme/theme2.xml><?xml version="1.0" encoding="utf-8"?>
+<a:theme xmlns:a="http://schemas.openxmlformats.org/drawingml/2006/main" name="Office テーマ">
+  <a:themeElements>
+    <a:clrScheme name="Office">
+      <a:dk1>
+        <a:sysClr val="windowText" lastClr="000000"/>
+      </a:dk1>
+      <a:lt1>
+        <a:sysClr val="window" lastClr="FFFFFF"/>
+      </a:lt1>
+      <a:dk2>
+        <a:srgbClr val="44546A"/>
+      </a:dk2>
+      <a:lt2>
+        <a:srgbClr val="E7E6E6"/>
+      </a:lt2>
+      <a:accent1>
+        <a:srgbClr val="4472C4"/>
+      </a:accent1>
+      <a:accent2>
+        <a:srgbClr val="ED7D31"/>
+      </a:accent2>
+      <a:accent3>
+        <a:srgbClr val="A5A5A5"/>
+      </a:accent3>
+      <a:accent4>
+        <a:srgbClr val="FFC000"/>
+      </a:accent4>
+      <a:accent5>
+        <a:srgbClr val="5B9BD5"/>
+      </a:accent5>
+      <a:accent6>
+        <a:srgbClr val="70AD47"/>
+      </a:accent6>
+      <a:hlink>
+        <a:srgbClr val="0563C1"/>
+      </a:hlink>
+      <a:folHlink>
+        <a:srgbClr val="954F72"/>
+      </a:folHlink>
+    </a:clrScheme>
+    <a:fontScheme name="Office">
+      <a:majorFont>
+        <a:latin typeface="游ゴシック Light" panose="020F0302020204030204"/>
+        <a:ea typeface=""/>
+        <a:cs typeface=""/>
+        <a:font script="Jpan" typeface="游ゴシック Light"/>
+        <a:font script="Hang" typeface="맑은 고딕"/>
+        <a:font script="Hans" typeface="等线 Light"/>
+        <a:font script="Hant" typeface="新細明體"/>
+        <a:font script="Arab" typeface="Times New Roman"/>
+        <a:font script="Hebr" typeface="Times New Roman"/>
+        <a:font script="Thai" typeface="Angsana New"/>
+        <a:font script="Ethi" typeface="Nyala"/>
+        <a:font script="Beng" typeface="Vrinda"/>
+        <a:font script="Gujr" typeface="Shruti"/>
+        <a:font script="Khmr" typeface="MoolBoran"/>
+        <a:font script="Knda" typeface="Tunga"/>
+        <a:font script="Guru" typeface="Raavi"/>
+        <a:font script="Cans" typeface="Euphemia"/>
+        <a:font script="Cher" typeface="Plantagenet Cherokee"/>
+        <a:font script="Yiii" typeface="Microsoft Yi Baiti"/>
+        <a:font script="Tibt" typeface="Microsoft Himalaya"/>
+        <a:font script="Thaa" typeface="MV Boli"/>
+        <a:font script="Deva" typeface="Mangal"/>
+        <a:font script="Telu" typeface="Gautami"/>
+        <a:font script="Taml" typeface="Latha"/>
+        <a:font script="Syrc" typeface="Estrangelo Edessa"/>
+        <a:font script="Orya" typeface="Kalinga"/>
+        <a:font script="Mlym" typeface="Kartika"/>
+        <a:font script="Laoo" typeface="DokChampa"/>
+        <a:font script="Sinh" typeface="Iskoola Pota"/>
+        <a:font script="Mong" typeface="Mongolian Baiti"/>
+        <a:font script="Viet" typeface="Times New Roman"/>
+        <a:font script="Uigh" typeface="Microsoft Uighur"/>
+        <a:font script="Geor" typeface="Sylfaen"/>
+        <a:font script="Armn" typeface="Arial"/>
+        <a:font script="Bugi" typeface="Leelawadee UI"/>
+        <a:font script="Bopo" typeface="Microsoft JhengHei"/>
+        <a:font script="Java" typeface="Javanese Text"/>
+        <a:font script="Lisu" typeface="Segoe UI"/>
+        <a:font script="Mymr" typeface="Myanmar Text"/>
+        <a:font script="Nkoo" typeface="Ebrima"/>
+        <a:font script="Olck" typeface="Nirmala UI"/>
+        <a:font script="Osma" typeface="Ebrima"/>
+        <a:font script="Phag" typeface="Phagspa"/>
+        <a:font script="Syrn" typeface="Estrangelo Edessa"/>
+        <a:font script="Syrj" typeface="Estrangelo Edessa"/>
+        <a:font script="Syre" typeface="Estrangelo Edessa"/>
+        <a:font script="Sora" typeface="Nirmala UI"/>
+        <a:font script="Tale" typeface="Microsoft Tai Le"/>
+        <a:font script="Talu" typeface="Microsoft New Tai Lue"/>
+        <a:font script="Tfng" typeface="Ebrima"/>
+      </a:majorFont>
+      <a:minorFont>
+        <a:latin typeface="游ゴシック" panose="020F0502020204030204"/>
+        <a:ea typeface=""/>
+        <a:cs typeface=""/>
+        <a:font script="Jpan" typeface="游ゴシック"/>
+        <a:font script="Hang" typeface="맑은 고딕"/>
+        <a:font script="Hans" typeface="等线"/>
+        <a:font script="Hant" typeface="新細明體"/>
+        <a:font script="Arab" typeface="Arial"/>
+        <a:font script="Hebr" typeface="Arial"/>
+        <a:font script="Thai" typeface="Cordia New"/>
+        <a:font script="Ethi" typeface="Nyala"/>
+        <a:font script="Beng" typeface="Vrinda"/>
+        <a:font script="Gujr" typeface="Shruti"/>
+        <a:font script="Khmr" typeface="DaunPenh"/>
+        <a:font script="Knda" typeface="Tunga"/>
+        <a:font script="Guru" typeface="Raavi"/>
+        <a:font script="Cans" typeface="Euphemia"/>
+        <a:font script="Cher" typeface="Plantagenet Cherokee"/>
+        <a:font script="Yiii" typeface="Microsoft Yi Baiti"/>
+        <a:font script="Tibt" typeface="Microsoft Himalaya"/>
+        <a:font script="Thaa" typeface="MV Boli"/>
+        <a:font script="Deva" typeface="Mangal"/>
+        <a:font script="Telu" typeface="Gautami"/>
+        <a:font script="Taml" typeface="Latha"/>
+        <a:font script="Syrc" typeface="Estrangelo Edessa"/>
+        <a:font script="Orya" typeface="Kalinga"/>
+        <a:font script="Mlym" typeface="Kartika"/>
+        <a:font script="Laoo" typeface="DokChampa"/>
+        <a:font script="Sinh" typeface="Iskoola Pota"/>
+        <a:font script="Mong" typeface="Mongolian Baiti"/>
+        <a:font script="Viet" typeface="Arial"/>
+        <a:font script="Uigh" typeface="Microsoft Uighur"/>
+        <a:font script="Geor" typeface="Sylfaen"/>
+        <a:font script="Armn" typeface="Arial"/>
+        <a:font script="Bugi" typeface="Leelawadee UI"/>
+        <a:font script="Bopo" typeface="Microsoft JhengHei"/>
+        <a:font script="Java" typeface="Javanese Text"/>
+        <a:font script="Lisu" typeface="Segoe UI"/>
+        <a:font script="Mymr" typeface="Myanmar Text"/>
+        <a:font script="Nkoo" typeface="Ebrima"/>
+        <a:font script="Olck" typeface="Nirmala UI"/>
+        <a:font script="Osma" typeface="Ebrima"/>
+        <a:font script="Phag" typeface="Phagspa"/>
+        <a:font script="Syrn" typeface="Estrangelo Edessa"/>
+        <a:font script="Syrj" typeface="Estrangelo Edessa"/>
+        <a:font script="Syre" typeface="Estrangelo Edessa"/>
+        <a:font script="Sora" typeface="Nirmala UI"/>
+        <a:font script="Tale" typeface="Microsoft Tai Le"/>
+        <a:font script="Talu" typeface="Microsoft New Tai Lue"/>
+        <a:font script="Tfng" typeface="Ebrima"/>
+      </a:minorFont>
+    </a:fontScheme>
+    <a:fmtScheme name="Office">
+      <a:fillStyleLst>
+        <a:solidFill>
+          <a:schemeClr val="phClr"/>
+        </a:solidFill>
+        <a:gradFill rotWithShape="1">
+          <a:gsLst>
+            <a:gs pos="0">
+              <a:schemeClr val="phClr">
+                <a:lumMod val="110000"/>
+                <a:satMod val="105000"/>
+                <a:tint val="67000"/>
+              </a:schemeClr>
+            </a:gs>
+            <a:gs pos="50000">
+              <a:schemeClr val="phClr">
+                <a:lumMod val="105000"/>
+                <a:satMod val="103000"/>
+                <a:tint val="73000"/>
+              </a:schemeClr>
+            </a:gs>
+            <a:gs pos="100000">
+              <a:schemeClr val="phClr">
+                <a:lumMod val="105000"/>
+                <a:satMod val="109000"/>
+                <a:tint val="81000"/>
+              </a:schemeClr>
+            </a:gs>
+          </a:gsLst>
+          <a:lin ang="5400000" scaled="0"/>
+        </a:gradFill>
+        <a:gradFill rotWithShape="1">
+          <a:gsLst>
+            <a:gs pos="0">
+              <a:schemeClr val="phClr">
+                <a:satMod val="103000"/>
+                <a:lumMod val="102000"/>
+                <a:tint val="94000"/>
+              </a:schemeClr>
+            </a:gs>
+            <a:gs pos="50000">
+              <a:schemeClr val="phClr">
+                <a:satMod val="110000"/>
+                <a:lumMod val="100000"/>
+                <a:shade val="100000"/>
+              </a:schemeClr>
+            </a:gs>
+            <a:gs pos="100000">
+              <a:schemeClr val="phClr">
+                <a:lumMod val="99000"/>
+                <a:satMod val="120000"/>
+                <a:shade val="78000"/>
+              </a:schemeClr>
+            </a:gs>
+          </a:gsLst>
+          <a:lin ang="5400000" scaled="0"/>
+        </a:gradFill>
+      </a:fillStyleLst>
+      <a:lnStyleLst>
+        <a:ln w="6350" cap="flat" cmpd="sng" algn="ctr">
+          <a:solidFill>
+            <a:schemeClr val="phClr"/>
+          </a:solidFill>
+          <a:prstDash val="solid"/>
+          <a:miter lim="800000"/>
+        </a:ln>
+        <a:ln w="12700" cap="flat" cmpd="sng" algn="ctr">
+          <a:solidFill>
+            <a:schemeClr val="phClr"/>
+          </a:solidFill>
+          <a:prstDash val="solid"/>
+          <a:miter lim="800000"/>
+        </a:ln>
+        <a:ln w="19050" cap="flat" cmpd="sng" algn="ctr">
+          <a:solidFill>
+            <a:schemeClr val="phClr"/>
+          </a:solidFill>
+          <a:prstDash val="solid"/>
+          <a:miter lim="800000"/>
+        </a:ln>
+      </a:lnStyleLst>
+      <a:effectStyleLst>
+        <a:effectStyle>
+          <a:effectLst/>
+        </a:effectStyle>
+        <a:effectStyle>
+          <a:effectLst/>
+        </a:effectStyle>
+        <a:effectStyle>
+          <a:effectLst>
+            <a:outerShdw blurRad="57150" dist="19050" dir="5400000" algn="ctr" rotWithShape="0">
+              <a:srgbClr val="000000">
+                <a:alpha val="63000"/>
+              </a:srgbClr>
+            </a:outerShdw>
+          </a:effectLst>
+        </a:effectStyle>
+      </a:effectStyleLst>
+      <a:bgFillStyleLst>
+        <a:solidFill>
+          <a:schemeClr val="phClr"/>
+        </a:solidFill>
+        <a:solidFill>
+          <a:schemeClr val="phClr">
+            <a:tint val="95000"/>
+            <a:satMod val="170000"/>
+          </a:schemeClr>
+        </a:solidFill>
+        <a:gradFill rotWithShape="1">
+          <a:gsLst>
+            <a:gs pos="0">
+              <a:schemeClr val="phClr">
+                <a:tint val="93000"/>
+                <a:satMod val="150000"/>
+                <a:shade val="98000"/>
+                <a:lumMod val="102000"/>
+              </a:schemeClr>
+            </a:gs>
+            <a:gs pos="50000">
+              <a:schemeClr val="phClr">
+                <a:tint val="98000"/>
+                <a:satMod val="130000"/>
+                <a:shade val="90000"/>
+                <a:lumMod val="103000"/>
+              </a:schemeClr>
+            </a:gs>
+            <a:gs pos="100000">
+              <a:schemeClr val="phClr">
+                <a:shade val="63000"/>
+                <a:satMod val="120000"/>
+              </a:schemeClr>
+            </a:gs>
+          </a:gsLst>
+          <a:lin ang="5400000" scaled="0"/>
+        </a:gradFill>
+      </a:bgFillStyleLst>
+    </a:fmtScheme>
+  </a:themeElements>
+  <a:objectDefaults/>
+  <a:extraClrSchemeLst/>
+  <a:extLst>
+    <a:ext uri="{05A4C25C-085E-4340-85A3-A5531E510DB2}">
+      <thm15:themeFamily xmlns:thm15="http://schemas.microsoft.com/office/thememl/2012/main" name="Office Theme" id="{62F939B6-93AF-4DB8-9C6B-D6C7DFDC589F}" vid="{4A3C46E8-61CC-4603-A589-7422A47A8E4A}"/>
+    </a:ext>
+  </a:extLst>
+</a:theme>
 </file>
--- a/doc/NLP.pptx
+++ b/doc/NLP.pptx
@@ -4779,8 +4779,8 @@
           </a:p>
         </p:txBody>
       </p:sp>
-      <mc:AlternateContent xmlns:mc="http://schemas.openxmlformats.org/markup-compatibility/2006">
-        <mc:Choice xmlns:a14="http://schemas.microsoft.com/office/drawing/2010/main" Requires="a14">
+      <mc:AlternateContent xmlns:mc="http://schemas.openxmlformats.org/markup-compatibility/2006" xmlns:a14="http://schemas.microsoft.com/office/drawing/2010/main">
+        <mc:Choice Requires="a14">
           <p:sp>
             <p:nvSpPr>
               <p:cNvPr id="23" name="テキスト ボックス 22">
@@ -4809,6 +4809,7 @@
               </a:bodyPr>
               <a:lstStyle/>
               <a:p>
+                <a:pPr/>
                 <a14:m>
                   <m:oMathPara xmlns:m="http://schemas.openxmlformats.org/officeDocument/2006/math">
                     <m:oMathParaPr>
@@ -4901,7 +4902,7 @@
             </p:txBody>
           </p:sp>
         </mc:Choice>
-        <mc:Fallback>
+        <mc:Fallback xmlns="">
           <p:sp>
             <p:nvSpPr>
               <p:cNvPr id="23" name="テキスト ボックス 22">
@@ -5040,8 +5041,8 @@
           </a:p>
         </p:txBody>
       </p:sp>
-      <mc:AlternateContent xmlns:mc="http://schemas.openxmlformats.org/markup-compatibility/2006">
-        <mc:Choice xmlns:a14="http://schemas.microsoft.com/office/drawing/2010/main" Requires="a14">
+      <mc:AlternateContent xmlns:mc="http://schemas.openxmlformats.org/markup-compatibility/2006" xmlns:a14="http://schemas.microsoft.com/office/drawing/2010/main">
+        <mc:Choice Requires="a14">
           <p:sp>
             <p:nvSpPr>
               <p:cNvPr id="25" name="テキスト ボックス 24">
@@ -5070,6 +5071,7 @@
               </a:bodyPr>
               <a:lstStyle/>
               <a:p>
+                <a:pPr/>
                 <a14:m>
                   <m:oMathPara xmlns:m="http://schemas.openxmlformats.org/officeDocument/2006/math">
                     <m:oMathParaPr>
@@ -5090,7 +5092,7 @@
             </p:txBody>
           </p:sp>
         </mc:Choice>
-        <mc:Fallback>
+        <mc:Fallback xmlns="">
           <p:sp>
             <p:nvSpPr>
               <p:cNvPr id="25" name="テキスト ボックス 24">
@@ -5471,8 +5473,8 @@
           </a:p>
         </p:txBody>
       </p:sp>
-      <mc:AlternateContent xmlns:mc="http://schemas.openxmlformats.org/markup-compatibility/2006">
-        <mc:Choice xmlns:a14="http://schemas.microsoft.com/office/drawing/2010/main" Requires="a14">
+      <mc:AlternateContent xmlns:mc="http://schemas.openxmlformats.org/markup-compatibility/2006" xmlns:a14="http://schemas.microsoft.com/office/drawing/2010/main">
+        <mc:Choice Requires="a14">
           <p:sp>
             <p:nvSpPr>
               <p:cNvPr id="18" name="テキスト ボックス 17">
@@ -5501,6 +5503,7 @@
               </a:bodyPr>
               <a:lstStyle/>
               <a:p>
+                <a:pPr/>
                 <a14:m>
                   <m:oMathPara xmlns:m="http://schemas.openxmlformats.org/officeDocument/2006/math">
                     <m:oMathParaPr>
@@ -5678,7 +5681,7 @@
             </p:txBody>
           </p:sp>
         </mc:Choice>
-        <mc:Fallback>
+        <mc:Fallback xmlns="">
           <p:sp>
             <p:nvSpPr>
               <p:cNvPr id="18" name="テキスト ボックス 17">
@@ -5723,8 +5726,8 @@
           </p:sp>
         </mc:Fallback>
       </mc:AlternateContent>
-      <mc:AlternateContent xmlns:mc="http://schemas.openxmlformats.org/markup-compatibility/2006">
-        <mc:Choice xmlns:a14="http://schemas.microsoft.com/office/drawing/2010/main" Requires="a14">
+      <mc:AlternateContent xmlns:mc="http://schemas.openxmlformats.org/markup-compatibility/2006" xmlns:a14="http://schemas.microsoft.com/office/drawing/2010/main">
+        <mc:Choice Requires="a14">
           <p:sp>
             <p:nvSpPr>
               <p:cNvPr id="19" name="テキスト ボックス 18">
@@ -5979,7 +5982,7 @@
             </p:txBody>
           </p:sp>
         </mc:Choice>
-        <mc:Fallback>
+        <mc:Fallback xmlns="">
           <p:sp>
             <p:nvSpPr>
               <p:cNvPr id="19" name="テキスト ボックス 18">
@@ -6223,7 +6226,7 @@
         <p:spPr>
           <a:xfrm>
             <a:off x="6838286" y="1951163"/>
-            <a:ext cx="4493538" cy="461665"/>
+            <a:ext cx="5416868" cy="461665"/>
           </a:xfrm>
           <a:prstGeom prst="rect">
             <a:avLst/>
@@ -6242,7 +6245,7 @@
                   <a:srgbClr val="FF0000"/>
                 </a:solidFill>
               </a:rPr>
-              <a:t>ベクトルが際限なく大きくなる</a:t>
+              <a:t>ベクトルの次元が際限なく大きくなる</a:t>
             </a:r>
           </a:p>
         </p:txBody>
@@ -9152,8 +9155,8 @@
           </a:p>
         </p:txBody>
       </p:sp>
-      <mc:AlternateContent xmlns:mc="http://schemas.openxmlformats.org/markup-compatibility/2006">
-        <mc:Choice xmlns:a14="http://schemas.microsoft.com/office/drawing/2010/main" Requires="a14">
+      <mc:AlternateContent xmlns:mc="http://schemas.openxmlformats.org/markup-compatibility/2006" xmlns:a14="http://schemas.microsoft.com/office/drawing/2010/main">
+        <mc:Choice Requires="a14">
           <p:sp>
             <p:nvSpPr>
               <p:cNvPr id="7" name="テキスト ボックス 6">
@@ -9182,6 +9185,7 @@
               </a:bodyPr>
               <a:lstStyle/>
               <a:p>
+                <a:pPr/>
                 <a14:m>
                   <m:oMathPara xmlns:m="http://schemas.openxmlformats.org/officeDocument/2006/math">
                     <m:oMathParaPr>
@@ -9262,7 +9266,7 @@
             </p:txBody>
           </p:sp>
         </mc:Choice>
-        <mc:Fallback>
+        <mc:Fallback xmlns="">
           <p:sp>
             <p:nvSpPr>
               <p:cNvPr id="7" name="テキスト ボックス 6">
@@ -9307,8 +9311,8 @@
           </p:sp>
         </mc:Fallback>
       </mc:AlternateContent>
-      <mc:AlternateContent xmlns:mc="http://schemas.openxmlformats.org/markup-compatibility/2006">
-        <mc:Choice xmlns:a14="http://schemas.microsoft.com/office/drawing/2010/main" Requires="a14">
+      <mc:AlternateContent xmlns:mc="http://schemas.openxmlformats.org/markup-compatibility/2006" xmlns:a14="http://schemas.microsoft.com/office/drawing/2010/main">
+        <mc:Choice Requires="a14">
           <p:sp>
             <p:nvSpPr>
               <p:cNvPr id="13" name="テキスト ボックス 12">
@@ -9337,6 +9341,7 @@
               </a:bodyPr>
               <a:lstStyle/>
               <a:p>
+                <a:pPr/>
                 <a14:m>
                   <m:oMathPara xmlns:m="http://schemas.openxmlformats.org/officeDocument/2006/math">
                     <m:oMathParaPr>
@@ -9357,7 +9362,7 @@
             </p:txBody>
           </p:sp>
         </mc:Choice>
-        <mc:Fallback>
+        <mc:Fallback xmlns="">
           <p:sp>
             <p:nvSpPr>
               <p:cNvPr id="13" name="テキスト ボックス 12">
@@ -9766,8 +9771,8 @@
           </a:p>
         </p:txBody>
       </p:sp>
-      <mc:AlternateContent xmlns:mc="http://schemas.openxmlformats.org/markup-compatibility/2006">
-        <mc:Choice xmlns:a14="http://schemas.microsoft.com/office/drawing/2010/main" Requires="a14">
+      <mc:AlternateContent xmlns:mc="http://schemas.openxmlformats.org/markup-compatibility/2006" xmlns:a14="http://schemas.microsoft.com/office/drawing/2010/main">
+        <mc:Choice Requires="a14">
           <p:sp>
             <p:nvSpPr>
               <p:cNvPr id="15" name="テキスト ボックス 14">
@@ -9796,6 +9801,7 @@
               </a:bodyPr>
               <a:lstStyle/>
               <a:p>
+                <a:pPr/>
                 <a14:m>
                   <m:oMathPara xmlns:m="http://schemas.openxmlformats.org/officeDocument/2006/math">
                     <m:oMathParaPr>
@@ -9900,7 +9906,7 @@
             </p:txBody>
           </p:sp>
         </mc:Choice>
-        <mc:Fallback>
+        <mc:Fallback xmlns="">
           <p:sp>
             <p:nvSpPr>
               <p:cNvPr id="15" name="テキスト ボックス 14">
@@ -10090,8 +10096,8 @@
           </a:p>
         </p:txBody>
       </p:sp>
-      <mc:AlternateContent xmlns:mc="http://schemas.openxmlformats.org/markup-compatibility/2006">
-        <mc:Choice xmlns:a14="http://schemas.microsoft.com/office/drawing/2010/main" Requires="a14">
+      <mc:AlternateContent xmlns:mc="http://schemas.openxmlformats.org/markup-compatibility/2006" xmlns:a14="http://schemas.microsoft.com/office/drawing/2010/main">
+        <mc:Choice Requires="a14">
           <p:sp>
             <p:nvSpPr>
               <p:cNvPr id="18" name="テキスト ボックス 17">
@@ -10120,6 +10126,7 @@
               </a:bodyPr>
               <a:lstStyle/>
               <a:p>
+                <a:pPr/>
                 <a14:m>
                   <m:oMathPara xmlns:m="http://schemas.openxmlformats.org/officeDocument/2006/math">
                     <m:oMathParaPr>
@@ -10160,7 +10167,7 @@
             </p:txBody>
           </p:sp>
         </mc:Choice>
-        <mc:Fallback>
+        <mc:Fallback xmlns="">
           <p:sp>
             <p:nvSpPr>
               <p:cNvPr id="18" name="テキスト ボックス 17">
@@ -10205,8 +10212,8 @@
           </p:sp>
         </mc:Fallback>
       </mc:AlternateContent>
-      <mc:AlternateContent xmlns:mc="http://schemas.openxmlformats.org/markup-compatibility/2006">
-        <mc:Choice xmlns:a14="http://schemas.microsoft.com/office/drawing/2010/main" Requires="a14">
+      <mc:AlternateContent xmlns:mc="http://schemas.openxmlformats.org/markup-compatibility/2006" xmlns:a14="http://schemas.microsoft.com/office/drawing/2010/main">
+        <mc:Choice Requires="a14">
           <p:sp>
             <p:nvSpPr>
               <p:cNvPr id="19" name="テキスト ボックス 18">
@@ -10235,6 +10242,7 @@
               </a:bodyPr>
               <a:lstStyle/>
               <a:p>
+                <a:pPr/>
                 <a14:m>
                   <m:oMathPara xmlns:m="http://schemas.openxmlformats.org/officeDocument/2006/math">
                     <m:oMathParaPr>
@@ -10275,7 +10283,7 @@
             </p:txBody>
           </p:sp>
         </mc:Choice>
-        <mc:Fallback>
+        <mc:Fallback xmlns="">
           <p:sp>
             <p:nvSpPr>
               <p:cNvPr id="19" name="テキスト ボックス 18">
@@ -10320,8 +10328,8 @@
           </p:sp>
         </mc:Fallback>
       </mc:AlternateContent>
-      <mc:AlternateContent xmlns:mc="http://schemas.openxmlformats.org/markup-compatibility/2006">
-        <mc:Choice xmlns:a14="http://schemas.microsoft.com/office/drawing/2010/main" Requires="a14">
+      <mc:AlternateContent xmlns:mc="http://schemas.openxmlformats.org/markup-compatibility/2006" xmlns:a14="http://schemas.microsoft.com/office/drawing/2010/main">
+        <mc:Choice Requires="a14">
           <p:sp>
             <p:nvSpPr>
               <p:cNvPr id="2" name="テキスト ボックス 1">
@@ -10356,6 +10364,7 @@
                 </a:r>
               </a:p>
               <a:p>
+                <a:pPr/>
                 <a14:m>
                   <m:oMathPara xmlns:m="http://schemas.openxmlformats.org/officeDocument/2006/math">
                     <m:oMathParaPr>
@@ -10599,7 +10608,7 @@
             </p:txBody>
           </p:sp>
         </mc:Choice>
-        <mc:Fallback>
+        <mc:Fallback xmlns="">
           <p:sp>
             <p:nvSpPr>
               <p:cNvPr id="2" name="テキスト ボックス 1">
@@ -10687,8 +10696,8 @@
           </a:p>
         </p:txBody>
       </p:sp>
-      <mc:AlternateContent xmlns:mc="http://schemas.openxmlformats.org/markup-compatibility/2006">
-        <mc:Choice xmlns:a14="http://schemas.microsoft.com/office/drawing/2010/main" Requires="a14">
+      <mc:AlternateContent xmlns:mc="http://schemas.openxmlformats.org/markup-compatibility/2006" xmlns:a14="http://schemas.microsoft.com/office/drawing/2010/main">
+        <mc:Choice Requires="a14">
           <p:sp>
             <p:nvSpPr>
               <p:cNvPr id="21" name="テキスト ボックス 20">
@@ -10717,6 +10726,7 @@
               </a:bodyPr>
               <a:lstStyle/>
               <a:p>
+                <a:pPr/>
                 <a14:m>
                   <m:oMathPara xmlns:m="http://schemas.openxmlformats.org/officeDocument/2006/math">
                     <m:oMathParaPr>
@@ -10757,7 +10767,7 @@
             </p:txBody>
           </p:sp>
         </mc:Choice>
-        <mc:Fallback>
+        <mc:Fallback xmlns="">
           <p:sp>
             <p:nvSpPr>
               <p:cNvPr id="21" name="テキスト ボックス 20">
@@ -10802,8 +10812,8 @@
           </p:sp>
         </mc:Fallback>
       </mc:AlternateContent>
-      <mc:AlternateContent xmlns:mc="http://schemas.openxmlformats.org/markup-compatibility/2006">
-        <mc:Choice xmlns:a14="http://schemas.microsoft.com/office/drawing/2010/main" Requires="a14">
+      <mc:AlternateContent xmlns:mc="http://schemas.openxmlformats.org/markup-compatibility/2006" xmlns:a14="http://schemas.microsoft.com/office/drawing/2010/main">
+        <mc:Choice Requires="a14">
           <p:sp>
             <p:nvSpPr>
               <p:cNvPr id="8" name="テキスト ボックス 7">
@@ -10832,6 +10842,7 @@
               </a:bodyPr>
               <a:lstStyle/>
               <a:p>
+                <a:pPr/>
                 <a14:m>
                   <m:oMathPara xmlns:m="http://schemas.openxmlformats.org/officeDocument/2006/math">
                     <m:oMathParaPr>
@@ -10905,13 +10916,7 @@
                         <a:rPr lang="en-US" altLang="ja-JP" i="1">
                           <a:latin typeface="Cambria Math" panose="02040503050406030204" pitchFamily="18" charset="0"/>
                         </a:rPr>
-                        <m:t>=</m:t>
-                      </m:r>
-                      <m:r>
-                        <a:rPr lang="en-US" altLang="ja-JP" i="1">
-                          <a:latin typeface="Cambria Math" panose="02040503050406030204" pitchFamily="18" charset="0"/>
-                        </a:rPr>
-                        <m:t>0.84515</m:t>
+                        <m:t>=0.84515</m:t>
                       </m:r>
                       <m:r>
                         <a:rPr lang="en-US" altLang="ja-JP" i="1" smtClean="0">
@@ -10927,7 +10932,7 @@
             </p:txBody>
           </p:sp>
         </mc:Choice>
-        <mc:Fallback>
+        <mc:Fallback xmlns="">
           <p:sp>
             <p:nvSpPr>
               <p:cNvPr id="8" name="テキスト ボックス 7">
@@ -10972,8 +10977,8 @@
           </p:sp>
         </mc:Fallback>
       </mc:AlternateContent>
-      <mc:AlternateContent xmlns:mc="http://schemas.openxmlformats.org/markup-compatibility/2006">
-        <mc:Choice xmlns:a14="http://schemas.microsoft.com/office/drawing/2010/main" Requires="a14">
+      <mc:AlternateContent xmlns:mc="http://schemas.openxmlformats.org/markup-compatibility/2006" xmlns:a14="http://schemas.microsoft.com/office/drawing/2010/main">
+        <mc:Choice Requires="a14">
           <p:sp>
             <p:nvSpPr>
               <p:cNvPr id="22" name="テキスト ボックス 21">
@@ -11002,6 +11007,7 @@
               </a:bodyPr>
               <a:lstStyle/>
               <a:p>
+                <a:pPr/>
                 <a14:m>
                   <m:oMathPara xmlns:m="http://schemas.openxmlformats.org/officeDocument/2006/math">
                     <m:oMathParaPr>
@@ -11069,13 +11075,7 @@
                         <a:rPr lang="en-US" altLang="ja-JP" i="1">
                           <a:latin typeface="Cambria Math" panose="02040503050406030204" pitchFamily="18" charset="0"/>
                         </a:rPr>
-                        <m:t>=</m:t>
-                      </m:r>
-                      <m:r>
-                        <a:rPr lang="en-US" altLang="ja-JP" i="1">
-                          <a:latin typeface="Cambria Math" panose="02040503050406030204" pitchFamily="18" charset="0"/>
-                        </a:rPr>
-                        <m:t>0.</m:t>
+                        <m:t>=0.</m:t>
                       </m:r>
                       <m:r>
                         <a:rPr lang="en-US" altLang="ja-JP" b="0" i="1" smtClean="0">
@@ -11097,7 +11097,7 @@
             </p:txBody>
           </p:sp>
         </mc:Choice>
-        <mc:Fallback>
+        <mc:Fallback xmlns="">
           <p:sp>
             <p:nvSpPr>
               <p:cNvPr id="22" name="テキスト ボックス 21">
@@ -11142,8 +11142,8 @@
           </p:sp>
         </mc:Fallback>
       </mc:AlternateContent>
-      <mc:AlternateContent xmlns:mc="http://schemas.openxmlformats.org/markup-compatibility/2006">
-        <mc:Choice xmlns:a14="http://schemas.microsoft.com/office/drawing/2010/main" Requires="a14">
+      <mc:AlternateContent xmlns:mc="http://schemas.openxmlformats.org/markup-compatibility/2006" xmlns:a14="http://schemas.microsoft.com/office/drawing/2010/main">
+        <mc:Choice Requires="a14">
           <p:sp>
             <p:nvSpPr>
               <p:cNvPr id="23" name="テキスト ボックス 22">
@@ -11172,6 +11172,7 @@
               </a:bodyPr>
               <a:lstStyle/>
               <a:p>
+                <a:pPr/>
                 <a14:m>
                   <m:oMathPara xmlns:m="http://schemas.openxmlformats.org/officeDocument/2006/math">
                     <m:oMathParaPr>
@@ -11239,13 +11240,7 @@
                         <a:rPr lang="en-US" altLang="ja-JP" i="1">
                           <a:latin typeface="Cambria Math" panose="02040503050406030204" pitchFamily="18" charset="0"/>
                         </a:rPr>
-                        <m:t>=</m:t>
-                      </m:r>
-                      <m:r>
-                        <a:rPr lang="en-US" altLang="ja-JP" i="1">
-                          <a:latin typeface="Cambria Math" panose="02040503050406030204" pitchFamily="18" charset="0"/>
-                        </a:rPr>
-                        <m:t>0.84515</m:t>
+                        <m:t>=0.84515</m:t>
                       </m:r>
                       <m:r>
                         <a:rPr lang="en-US" altLang="ja-JP" i="1" smtClean="0">
@@ -11261,7 +11256,7 @@
             </p:txBody>
           </p:sp>
         </mc:Choice>
-        <mc:Fallback>
+        <mc:Fallback xmlns="">
           <p:sp>
             <p:nvSpPr>
               <p:cNvPr id="23" name="テキスト ボックス 22">

--- a/doc/NLP.pptx
+++ b/doc/NLP.pptx
@@ -239,7 +239,7 @@
           <a:p>
             <a:fld id="{27A630FB-FFB0-5640-BA93-E7E75B0B2778}" type="datetimeFigureOut">
               <a:rPr kumimoji="1" lang="ja-JP" altLang="en-US" smtClean="0"/>
-              <a:t>2018/5/17</a:t>
+              <a:t>2018/5/22</a:t>
             </a:fld>
             <a:endParaRPr kumimoji="1" lang="ja-JP" altLang="en-US"/>
           </a:p>
@@ -3139,7 +3139,7 @@
           <p:cNvPr id="2" name="タイトル 1">
             <a:extLst>
               <a:ext uri="{FF2B5EF4-FFF2-40B4-BE49-F238E27FC236}">
-                <a16:creationId xmlns:a16="http://schemas.microsoft.com/office/drawing/2014/main" xmlns="" id="{F87AF827-BFED-D740-BAE5-E1D5A56ED999}"/>
+                <a16:creationId xmlns:a16="http://schemas.microsoft.com/office/drawing/2014/main" id="{F87AF827-BFED-D740-BAE5-E1D5A56ED999}"/>
               </a:ext>
             </a:extLst>
           </p:cNvPr>
@@ -3176,7 +3176,7 @@
           <p:cNvPr id="3" name="字幕 2">
             <a:extLst>
               <a:ext uri="{FF2B5EF4-FFF2-40B4-BE49-F238E27FC236}">
-                <a16:creationId xmlns:a16="http://schemas.microsoft.com/office/drawing/2014/main" xmlns="" id="{B288FB22-F237-5B4E-A1A2-EBE852D28750}"/>
+                <a16:creationId xmlns:a16="http://schemas.microsoft.com/office/drawing/2014/main" id="{B288FB22-F237-5B4E-A1A2-EBE852D28750}"/>
               </a:ext>
             </a:extLst>
           </p:cNvPr>
@@ -3246,7 +3246,7 @@
           <p:cNvPr id="4" name="日付プレースホルダー 3">
             <a:extLst>
               <a:ext uri="{FF2B5EF4-FFF2-40B4-BE49-F238E27FC236}">
-                <a16:creationId xmlns:a16="http://schemas.microsoft.com/office/drawing/2014/main" xmlns="" id="{E54333A1-456D-BF46-895E-388CB4874BD6}"/>
+                <a16:creationId xmlns:a16="http://schemas.microsoft.com/office/drawing/2014/main" id="{E54333A1-456D-BF46-895E-388CB4874BD6}"/>
               </a:ext>
             </a:extLst>
           </p:cNvPr>
@@ -3264,7 +3264,7 @@
           <a:p>
             <a:fld id="{4EBD962E-249E-C34D-98AB-0C1F37A12A21}" type="datetimeFigureOut">
               <a:rPr kumimoji="1" lang="ja-JP" altLang="en-US" smtClean="0"/>
-              <a:t>2018/5/17</a:t>
+              <a:t>2018/5/22</a:t>
             </a:fld>
             <a:endParaRPr kumimoji="1" lang="ja-JP" altLang="en-US"/>
           </a:p>
@@ -3275,7 +3275,7 @@
           <p:cNvPr id="5" name="フッター プレースホルダー 4">
             <a:extLst>
               <a:ext uri="{FF2B5EF4-FFF2-40B4-BE49-F238E27FC236}">
-                <a16:creationId xmlns:a16="http://schemas.microsoft.com/office/drawing/2014/main" xmlns="" id="{6D9606B9-2F75-CB43-A871-1303462025BE}"/>
+                <a16:creationId xmlns:a16="http://schemas.microsoft.com/office/drawing/2014/main" id="{6D9606B9-2F75-CB43-A871-1303462025BE}"/>
               </a:ext>
             </a:extLst>
           </p:cNvPr>
@@ -3300,7 +3300,7 @@
           <p:cNvPr id="6" name="スライド番号プレースホルダー 5">
             <a:extLst>
               <a:ext uri="{FF2B5EF4-FFF2-40B4-BE49-F238E27FC236}">
-                <a16:creationId xmlns:a16="http://schemas.microsoft.com/office/drawing/2014/main" xmlns="" id="{79BC418D-531A-244B-85DB-34840D494778}"/>
+                <a16:creationId xmlns:a16="http://schemas.microsoft.com/office/drawing/2014/main" id="{79BC418D-531A-244B-85DB-34840D494778}"/>
               </a:ext>
             </a:extLst>
           </p:cNvPr>
@@ -3359,7 +3359,7 @@
           <p:cNvPr id="2" name="タイトル 1">
             <a:extLst>
               <a:ext uri="{FF2B5EF4-FFF2-40B4-BE49-F238E27FC236}">
-                <a16:creationId xmlns:a16="http://schemas.microsoft.com/office/drawing/2014/main" xmlns="" id="{DA7F3422-ADBF-0748-A8D6-48C8E0147049}"/>
+                <a16:creationId xmlns:a16="http://schemas.microsoft.com/office/drawing/2014/main" id="{DA7F3422-ADBF-0748-A8D6-48C8E0147049}"/>
               </a:ext>
             </a:extLst>
           </p:cNvPr>
@@ -3387,7 +3387,7 @@
           <p:cNvPr id="3" name="縦書きテキスト プレースホルダー 2">
             <a:extLst>
               <a:ext uri="{FF2B5EF4-FFF2-40B4-BE49-F238E27FC236}">
-                <a16:creationId xmlns:a16="http://schemas.microsoft.com/office/drawing/2014/main" xmlns="" id="{2C8D798A-CD55-8942-9F08-73255C95BF47}"/>
+                <a16:creationId xmlns:a16="http://schemas.microsoft.com/office/drawing/2014/main" id="{2C8D798A-CD55-8942-9F08-73255C95BF47}"/>
               </a:ext>
             </a:extLst>
           </p:cNvPr>
@@ -3451,7 +3451,7 @@
           <p:cNvPr id="4" name="日付プレースホルダー 3">
             <a:extLst>
               <a:ext uri="{FF2B5EF4-FFF2-40B4-BE49-F238E27FC236}">
-                <a16:creationId xmlns:a16="http://schemas.microsoft.com/office/drawing/2014/main" xmlns="" id="{F75EAD5A-C1D1-EF49-BF4E-32ACFAB965DC}"/>
+                <a16:creationId xmlns:a16="http://schemas.microsoft.com/office/drawing/2014/main" id="{F75EAD5A-C1D1-EF49-BF4E-32ACFAB965DC}"/>
               </a:ext>
             </a:extLst>
           </p:cNvPr>
@@ -3469,7 +3469,7 @@
           <a:p>
             <a:fld id="{4EBD962E-249E-C34D-98AB-0C1F37A12A21}" type="datetimeFigureOut">
               <a:rPr kumimoji="1" lang="ja-JP" altLang="en-US" smtClean="0"/>
-              <a:t>2018/5/17</a:t>
+              <a:t>2018/5/22</a:t>
             </a:fld>
             <a:endParaRPr kumimoji="1" lang="ja-JP" altLang="en-US"/>
           </a:p>
@@ -3480,7 +3480,7 @@
           <p:cNvPr id="5" name="フッター プレースホルダー 4">
             <a:extLst>
               <a:ext uri="{FF2B5EF4-FFF2-40B4-BE49-F238E27FC236}">
-                <a16:creationId xmlns:a16="http://schemas.microsoft.com/office/drawing/2014/main" xmlns="" id="{6D5ACBCC-EF3A-AC40-8C45-18C2E279C4A6}"/>
+                <a16:creationId xmlns:a16="http://schemas.microsoft.com/office/drawing/2014/main" id="{6D5ACBCC-EF3A-AC40-8C45-18C2E279C4A6}"/>
               </a:ext>
             </a:extLst>
           </p:cNvPr>
@@ -3505,7 +3505,7 @@
           <p:cNvPr id="6" name="スライド番号プレースホルダー 5">
             <a:extLst>
               <a:ext uri="{FF2B5EF4-FFF2-40B4-BE49-F238E27FC236}">
-                <a16:creationId xmlns:a16="http://schemas.microsoft.com/office/drawing/2014/main" xmlns="" id="{1E0BFCF7-46DF-EA4F-9E25-C9BA2EA0215E}"/>
+                <a16:creationId xmlns:a16="http://schemas.microsoft.com/office/drawing/2014/main" id="{1E0BFCF7-46DF-EA4F-9E25-C9BA2EA0215E}"/>
               </a:ext>
             </a:extLst>
           </p:cNvPr>
@@ -3564,7 +3564,7 @@
           <p:cNvPr id="2" name="縦書きタイトル 1">
             <a:extLst>
               <a:ext uri="{FF2B5EF4-FFF2-40B4-BE49-F238E27FC236}">
-                <a16:creationId xmlns:a16="http://schemas.microsoft.com/office/drawing/2014/main" xmlns="" id="{7D01EF52-18F7-7542-B0F8-AB8092C872A9}"/>
+                <a16:creationId xmlns:a16="http://schemas.microsoft.com/office/drawing/2014/main" id="{7D01EF52-18F7-7542-B0F8-AB8092C872A9}"/>
               </a:ext>
             </a:extLst>
           </p:cNvPr>
@@ -3597,7 +3597,7 @@
           <p:cNvPr id="3" name="縦書きテキスト プレースホルダー 2">
             <a:extLst>
               <a:ext uri="{FF2B5EF4-FFF2-40B4-BE49-F238E27FC236}">
-                <a16:creationId xmlns:a16="http://schemas.microsoft.com/office/drawing/2014/main" xmlns="" id="{6FF89176-7A7A-5D4A-BF59-713BF1158631}"/>
+                <a16:creationId xmlns:a16="http://schemas.microsoft.com/office/drawing/2014/main" id="{6FF89176-7A7A-5D4A-BF59-713BF1158631}"/>
               </a:ext>
             </a:extLst>
           </p:cNvPr>
@@ -3666,7 +3666,7 @@
           <p:cNvPr id="4" name="日付プレースホルダー 3">
             <a:extLst>
               <a:ext uri="{FF2B5EF4-FFF2-40B4-BE49-F238E27FC236}">
-                <a16:creationId xmlns:a16="http://schemas.microsoft.com/office/drawing/2014/main" xmlns="" id="{F988E0F3-D381-974B-A0FF-9139CCACB2E2}"/>
+                <a16:creationId xmlns:a16="http://schemas.microsoft.com/office/drawing/2014/main" id="{F988E0F3-D381-974B-A0FF-9139CCACB2E2}"/>
               </a:ext>
             </a:extLst>
           </p:cNvPr>
@@ -3684,7 +3684,7 @@
           <a:p>
             <a:fld id="{4EBD962E-249E-C34D-98AB-0C1F37A12A21}" type="datetimeFigureOut">
               <a:rPr kumimoji="1" lang="ja-JP" altLang="en-US" smtClean="0"/>
-              <a:t>2018/5/17</a:t>
+              <a:t>2018/5/22</a:t>
             </a:fld>
             <a:endParaRPr kumimoji="1" lang="ja-JP" altLang="en-US"/>
           </a:p>
@@ -3695,7 +3695,7 @@
           <p:cNvPr id="5" name="フッター プレースホルダー 4">
             <a:extLst>
               <a:ext uri="{FF2B5EF4-FFF2-40B4-BE49-F238E27FC236}">
-                <a16:creationId xmlns:a16="http://schemas.microsoft.com/office/drawing/2014/main" xmlns="" id="{EB81CE6A-A6B4-0F4F-A825-A798C78A8C3A}"/>
+                <a16:creationId xmlns:a16="http://schemas.microsoft.com/office/drawing/2014/main" id="{EB81CE6A-A6B4-0F4F-A825-A798C78A8C3A}"/>
               </a:ext>
             </a:extLst>
           </p:cNvPr>
@@ -3720,7 +3720,7 @@
           <p:cNvPr id="6" name="スライド番号プレースホルダー 5">
             <a:extLst>
               <a:ext uri="{FF2B5EF4-FFF2-40B4-BE49-F238E27FC236}">
-                <a16:creationId xmlns:a16="http://schemas.microsoft.com/office/drawing/2014/main" xmlns="" id="{E5A88500-FA6A-B44A-9170-C666BDA37A91}"/>
+                <a16:creationId xmlns:a16="http://schemas.microsoft.com/office/drawing/2014/main" id="{E5A88500-FA6A-B44A-9170-C666BDA37A91}"/>
               </a:ext>
             </a:extLst>
           </p:cNvPr>
@@ -3779,7 +3779,7 @@
           <p:cNvPr id="2" name="タイトル 1">
             <a:extLst>
               <a:ext uri="{FF2B5EF4-FFF2-40B4-BE49-F238E27FC236}">
-                <a16:creationId xmlns:a16="http://schemas.microsoft.com/office/drawing/2014/main" xmlns="" id="{741AB364-C1F0-7741-BB2C-7CCE30B842C7}"/>
+                <a16:creationId xmlns:a16="http://schemas.microsoft.com/office/drawing/2014/main" id="{741AB364-C1F0-7741-BB2C-7CCE30B842C7}"/>
               </a:ext>
             </a:extLst>
           </p:cNvPr>
@@ -3807,7 +3807,7 @@
           <p:cNvPr id="3" name="コンテンツ プレースホルダー 2">
             <a:extLst>
               <a:ext uri="{FF2B5EF4-FFF2-40B4-BE49-F238E27FC236}">
-                <a16:creationId xmlns:a16="http://schemas.microsoft.com/office/drawing/2014/main" xmlns="" id="{C89D01E6-693A-E943-A765-07A8B550EFDD}"/>
+                <a16:creationId xmlns:a16="http://schemas.microsoft.com/office/drawing/2014/main" id="{C89D01E6-693A-E943-A765-07A8B550EFDD}"/>
               </a:ext>
             </a:extLst>
           </p:cNvPr>
@@ -3871,7 +3871,7 @@
           <p:cNvPr id="4" name="日付プレースホルダー 3">
             <a:extLst>
               <a:ext uri="{FF2B5EF4-FFF2-40B4-BE49-F238E27FC236}">
-                <a16:creationId xmlns:a16="http://schemas.microsoft.com/office/drawing/2014/main" xmlns="" id="{465C80F9-28DD-394A-B6D8-10B77A6A8C95}"/>
+                <a16:creationId xmlns:a16="http://schemas.microsoft.com/office/drawing/2014/main" id="{465C80F9-28DD-394A-B6D8-10B77A6A8C95}"/>
               </a:ext>
             </a:extLst>
           </p:cNvPr>
@@ -3889,7 +3889,7 @@
           <a:p>
             <a:fld id="{4EBD962E-249E-C34D-98AB-0C1F37A12A21}" type="datetimeFigureOut">
               <a:rPr kumimoji="1" lang="ja-JP" altLang="en-US" smtClean="0"/>
-              <a:t>2018/5/17</a:t>
+              <a:t>2018/5/22</a:t>
             </a:fld>
             <a:endParaRPr kumimoji="1" lang="ja-JP" altLang="en-US"/>
           </a:p>
@@ -3900,7 +3900,7 @@
           <p:cNvPr id="5" name="フッター プレースホルダー 4">
             <a:extLst>
               <a:ext uri="{FF2B5EF4-FFF2-40B4-BE49-F238E27FC236}">
-                <a16:creationId xmlns:a16="http://schemas.microsoft.com/office/drawing/2014/main" xmlns="" id="{4BD3A919-90DD-FE44-9DA2-5D16B5725D64}"/>
+                <a16:creationId xmlns:a16="http://schemas.microsoft.com/office/drawing/2014/main" id="{4BD3A919-90DD-FE44-9DA2-5D16B5725D64}"/>
               </a:ext>
             </a:extLst>
           </p:cNvPr>
@@ -3925,7 +3925,7 @@
           <p:cNvPr id="6" name="スライド番号プレースホルダー 5">
             <a:extLst>
               <a:ext uri="{FF2B5EF4-FFF2-40B4-BE49-F238E27FC236}">
-                <a16:creationId xmlns:a16="http://schemas.microsoft.com/office/drawing/2014/main" xmlns="" id="{B1459A18-17D7-5142-ADC8-08BCD3604AE7}"/>
+                <a16:creationId xmlns:a16="http://schemas.microsoft.com/office/drawing/2014/main" id="{B1459A18-17D7-5142-ADC8-08BCD3604AE7}"/>
               </a:ext>
             </a:extLst>
           </p:cNvPr>
@@ -3984,7 +3984,7 @@
           <p:cNvPr id="2" name="タイトル 1">
             <a:extLst>
               <a:ext uri="{FF2B5EF4-FFF2-40B4-BE49-F238E27FC236}">
-                <a16:creationId xmlns:a16="http://schemas.microsoft.com/office/drawing/2014/main" xmlns="" id="{8E7B9A95-16DE-B74B-9D30-5177F5D07D07}"/>
+                <a16:creationId xmlns:a16="http://schemas.microsoft.com/office/drawing/2014/main" id="{8E7B9A95-16DE-B74B-9D30-5177F5D07D07}"/>
               </a:ext>
             </a:extLst>
           </p:cNvPr>
@@ -4021,7 +4021,7 @@
           <p:cNvPr id="3" name="テキスト プレースホルダー 2">
             <a:extLst>
               <a:ext uri="{FF2B5EF4-FFF2-40B4-BE49-F238E27FC236}">
-                <a16:creationId xmlns:a16="http://schemas.microsoft.com/office/drawing/2014/main" xmlns="" id="{36742AE9-2FE5-4842-9DF1-6D9ACD5631B0}"/>
+                <a16:creationId xmlns:a16="http://schemas.microsoft.com/office/drawing/2014/main" id="{36742AE9-2FE5-4842-9DF1-6D9ACD5631B0}"/>
               </a:ext>
             </a:extLst>
           </p:cNvPr>
@@ -4181,7 +4181,7 @@
           <p:cNvPr id="4" name="日付プレースホルダー 3">
             <a:extLst>
               <a:ext uri="{FF2B5EF4-FFF2-40B4-BE49-F238E27FC236}">
-                <a16:creationId xmlns:a16="http://schemas.microsoft.com/office/drawing/2014/main" xmlns="" id="{09F3525D-C8FC-2F48-A9AE-CC573F426C35}"/>
+                <a16:creationId xmlns:a16="http://schemas.microsoft.com/office/drawing/2014/main" id="{09F3525D-C8FC-2F48-A9AE-CC573F426C35}"/>
               </a:ext>
             </a:extLst>
           </p:cNvPr>
@@ -4199,7 +4199,7 @@
           <a:p>
             <a:fld id="{4EBD962E-249E-C34D-98AB-0C1F37A12A21}" type="datetimeFigureOut">
               <a:rPr kumimoji="1" lang="ja-JP" altLang="en-US" smtClean="0"/>
-              <a:t>2018/5/17</a:t>
+              <a:t>2018/5/22</a:t>
             </a:fld>
             <a:endParaRPr kumimoji="1" lang="ja-JP" altLang="en-US"/>
           </a:p>
@@ -4210,7 +4210,7 @@
           <p:cNvPr id="5" name="フッター プレースホルダー 4">
             <a:extLst>
               <a:ext uri="{FF2B5EF4-FFF2-40B4-BE49-F238E27FC236}">
-                <a16:creationId xmlns:a16="http://schemas.microsoft.com/office/drawing/2014/main" xmlns="" id="{58343291-D765-644B-B3C1-326D0CE327C9}"/>
+                <a16:creationId xmlns:a16="http://schemas.microsoft.com/office/drawing/2014/main" id="{58343291-D765-644B-B3C1-326D0CE327C9}"/>
               </a:ext>
             </a:extLst>
           </p:cNvPr>
@@ -4235,7 +4235,7 @@
           <p:cNvPr id="6" name="スライド番号プレースホルダー 5">
             <a:extLst>
               <a:ext uri="{FF2B5EF4-FFF2-40B4-BE49-F238E27FC236}">
-                <a16:creationId xmlns:a16="http://schemas.microsoft.com/office/drawing/2014/main" xmlns="" id="{B2765E54-C286-7D4F-9976-4C89B6E0D393}"/>
+                <a16:creationId xmlns:a16="http://schemas.microsoft.com/office/drawing/2014/main" id="{B2765E54-C286-7D4F-9976-4C89B6E0D393}"/>
               </a:ext>
             </a:extLst>
           </p:cNvPr>
@@ -4294,7 +4294,7 @@
           <p:cNvPr id="2" name="タイトル 1">
             <a:extLst>
               <a:ext uri="{FF2B5EF4-FFF2-40B4-BE49-F238E27FC236}">
-                <a16:creationId xmlns:a16="http://schemas.microsoft.com/office/drawing/2014/main" xmlns="" id="{6A928EF4-FC52-2648-BBE5-9FF7FF3A4B00}"/>
+                <a16:creationId xmlns:a16="http://schemas.microsoft.com/office/drawing/2014/main" id="{6A928EF4-FC52-2648-BBE5-9FF7FF3A4B00}"/>
               </a:ext>
             </a:extLst>
           </p:cNvPr>
@@ -4322,7 +4322,7 @@
           <p:cNvPr id="3" name="コンテンツ プレースホルダー 2">
             <a:extLst>
               <a:ext uri="{FF2B5EF4-FFF2-40B4-BE49-F238E27FC236}">
-                <a16:creationId xmlns:a16="http://schemas.microsoft.com/office/drawing/2014/main" xmlns="" id="{4DEDEC8C-69A8-CE42-B0EF-1F071E85F53A}"/>
+                <a16:creationId xmlns:a16="http://schemas.microsoft.com/office/drawing/2014/main" id="{4DEDEC8C-69A8-CE42-B0EF-1F071E85F53A}"/>
               </a:ext>
             </a:extLst>
           </p:cNvPr>
@@ -4391,7 +4391,7 @@
           <p:cNvPr id="4" name="コンテンツ プレースホルダー 3">
             <a:extLst>
               <a:ext uri="{FF2B5EF4-FFF2-40B4-BE49-F238E27FC236}">
-                <a16:creationId xmlns:a16="http://schemas.microsoft.com/office/drawing/2014/main" xmlns="" id="{10751568-F0B9-3546-9D24-45E22CB1AAD5}"/>
+                <a16:creationId xmlns:a16="http://schemas.microsoft.com/office/drawing/2014/main" id="{10751568-F0B9-3546-9D24-45E22CB1AAD5}"/>
               </a:ext>
             </a:extLst>
           </p:cNvPr>
@@ -4460,7 +4460,7 @@
           <p:cNvPr id="5" name="日付プレースホルダー 4">
             <a:extLst>
               <a:ext uri="{FF2B5EF4-FFF2-40B4-BE49-F238E27FC236}">
-                <a16:creationId xmlns:a16="http://schemas.microsoft.com/office/drawing/2014/main" xmlns="" id="{10E6AF51-4E11-F241-A23F-FDC311602041}"/>
+                <a16:creationId xmlns:a16="http://schemas.microsoft.com/office/drawing/2014/main" id="{10E6AF51-4E11-F241-A23F-FDC311602041}"/>
               </a:ext>
             </a:extLst>
           </p:cNvPr>
@@ -4478,7 +4478,7 @@
           <a:p>
             <a:fld id="{4EBD962E-249E-C34D-98AB-0C1F37A12A21}" type="datetimeFigureOut">
               <a:rPr kumimoji="1" lang="ja-JP" altLang="en-US" smtClean="0"/>
-              <a:t>2018/5/17</a:t>
+              <a:t>2018/5/22</a:t>
             </a:fld>
             <a:endParaRPr kumimoji="1" lang="ja-JP" altLang="en-US"/>
           </a:p>
@@ -4489,7 +4489,7 @@
           <p:cNvPr id="6" name="フッター プレースホルダー 5">
             <a:extLst>
               <a:ext uri="{FF2B5EF4-FFF2-40B4-BE49-F238E27FC236}">
-                <a16:creationId xmlns:a16="http://schemas.microsoft.com/office/drawing/2014/main" xmlns="" id="{BDFDC106-823E-3D4B-B77F-72A4FB4547AC}"/>
+                <a16:creationId xmlns:a16="http://schemas.microsoft.com/office/drawing/2014/main" id="{BDFDC106-823E-3D4B-B77F-72A4FB4547AC}"/>
               </a:ext>
             </a:extLst>
           </p:cNvPr>
@@ -4514,7 +4514,7 @@
           <p:cNvPr id="7" name="スライド番号プレースホルダー 6">
             <a:extLst>
               <a:ext uri="{FF2B5EF4-FFF2-40B4-BE49-F238E27FC236}">
-                <a16:creationId xmlns:a16="http://schemas.microsoft.com/office/drawing/2014/main" xmlns="" id="{7EDE564A-CE0B-BC43-8F5F-13E8E91F7FA3}"/>
+                <a16:creationId xmlns:a16="http://schemas.microsoft.com/office/drawing/2014/main" id="{7EDE564A-CE0B-BC43-8F5F-13E8E91F7FA3}"/>
               </a:ext>
             </a:extLst>
           </p:cNvPr>
@@ -4573,7 +4573,7 @@
           <p:cNvPr id="2" name="タイトル 1">
             <a:extLst>
               <a:ext uri="{FF2B5EF4-FFF2-40B4-BE49-F238E27FC236}">
-                <a16:creationId xmlns:a16="http://schemas.microsoft.com/office/drawing/2014/main" xmlns="" id="{239D88F5-EA15-F64E-B014-D7A3BC7A036B}"/>
+                <a16:creationId xmlns:a16="http://schemas.microsoft.com/office/drawing/2014/main" id="{239D88F5-EA15-F64E-B014-D7A3BC7A036B}"/>
               </a:ext>
             </a:extLst>
           </p:cNvPr>
@@ -4606,7 +4606,7 @@
           <p:cNvPr id="3" name="テキスト プレースホルダー 2">
             <a:extLst>
               <a:ext uri="{FF2B5EF4-FFF2-40B4-BE49-F238E27FC236}">
-                <a16:creationId xmlns:a16="http://schemas.microsoft.com/office/drawing/2014/main" xmlns="" id="{B9AD13A1-91A7-AD4A-8CA9-15216E94D4C8}"/>
+                <a16:creationId xmlns:a16="http://schemas.microsoft.com/office/drawing/2014/main" id="{B9AD13A1-91A7-AD4A-8CA9-15216E94D4C8}"/>
               </a:ext>
             </a:extLst>
           </p:cNvPr>
@@ -4712,7 +4712,7 @@
           <p:cNvPr id="4" name="コンテンツ プレースホルダー 3">
             <a:extLst>
               <a:ext uri="{FF2B5EF4-FFF2-40B4-BE49-F238E27FC236}">
-                <a16:creationId xmlns:a16="http://schemas.microsoft.com/office/drawing/2014/main" xmlns="" id="{80E658F8-459B-2744-B188-E191CEA21D07}"/>
+                <a16:creationId xmlns:a16="http://schemas.microsoft.com/office/drawing/2014/main" id="{80E658F8-459B-2744-B188-E191CEA21D07}"/>
               </a:ext>
             </a:extLst>
           </p:cNvPr>
@@ -4781,7 +4781,7 @@
           <p:cNvPr id="5" name="テキスト プレースホルダー 4">
             <a:extLst>
               <a:ext uri="{FF2B5EF4-FFF2-40B4-BE49-F238E27FC236}">
-                <a16:creationId xmlns:a16="http://schemas.microsoft.com/office/drawing/2014/main" xmlns="" id="{33C6C181-E32D-1846-924C-F59449DAC496}"/>
+                <a16:creationId xmlns:a16="http://schemas.microsoft.com/office/drawing/2014/main" id="{33C6C181-E32D-1846-924C-F59449DAC496}"/>
               </a:ext>
             </a:extLst>
           </p:cNvPr>
@@ -4887,7 +4887,7 @@
           <p:cNvPr id="6" name="コンテンツ プレースホルダー 5">
             <a:extLst>
               <a:ext uri="{FF2B5EF4-FFF2-40B4-BE49-F238E27FC236}">
-                <a16:creationId xmlns:a16="http://schemas.microsoft.com/office/drawing/2014/main" xmlns="" id="{6BEF2CED-2E3A-2D41-9771-491D1B86450F}"/>
+                <a16:creationId xmlns:a16="http://schemas.microsoft.com/office/drawing/2014/main" id="{6BEF2CED-2E3A-2D41-9771-491D1B86450F}"/>
               </a:ext>
             </a:extLst>
           </p:cNvPr>
@@ -4956,7 +4956,7 @@
           <p:cNvPr id="7" name="日付プレースホルダー 6">
             <a:extLst>
               <a:ext uri="{FF2B5EF4-FFF2-40B4-BE49-F238E27FC236}">
-                <a16:creationId xmlns:a16="http://schemas.microsoft.com/office/drawing/2014/main" xmlns="" id="{285D24FD-DEEA-0E4B-89E7-4EEEC015F919}"/>
+                <a16:creationId xmlns:a16="http://schemas.microsoft.com/office/drawing/2014/main" id="{285D24FD-DEEA-0E4B-89E7-4EEEC015F919}"/>
               </a:ext>
             </a:extLst>
           </p:cNvPr>
@@ -4974,7 +4974,7 @@
           <a:p>
             <a:fld id="{4EBD962E-249E-C34D-98AB-0C1F37A12A21}" type="datetimeFigureOut">
               <a:rPr kumimoji="1" lang="ja-JP" altLang="en-US" smtClean="0"/>
-              <a:t>2018/5/17</a:t>
+              <a:t>2018/5/22</a:t>
             </a:fld>
             <a:endParaRPr kumimoji="1" lang="ja-JP" altLang="en-US"/>
           </a:p>
@@ -4985,7 +4985,7 @@
           <p:cNvPr id="8" name="フッター プレースホルダー 7">
             <a:extLst>
               <a:ext uri="{FF2B5EF4-FFF2-40B4-BE49-F238E27FC236}">
-                <a16:creationId xmlns:a16="http://schemas.microsoft.com/office/drawing/2014/main" xmlns="" id="{F1456A8A-8893-914B-9B62-325BB2E8C69A}"/>
+                <a16:creationId xmlns:a16="http://schemas.microsoft.com/office/drawing/2014/main" id="{F1456A8A-8893-914B-9B62-325BB2E8C69A}"/>
               </a:ext>
             </a:extLst>
           </p:cNvPr>
@@ -5010,7 +5010,7 @@
           <p:cNvPr id="9" name="スライド番号プレースホルダー 8">
             <a:extLst>
               <a:ext uri="{FF2B5EF4-FFF2-40B4-BE49-F238E27FC236}">
-                <a16:creationId xmlns:a16="http://schemas.microsoft.com/office/drawing/2014/main" xmlns="" id="{2D9695DB-9743-7C47-BB48-D43F39A8CB97}"/>
+                <a16:creationId xmlns:a16="http://schemas.microsoft.com/office/drawing/2014/main" id="{2D9695DB-9743-7C47-BB48-D43F39A8CB97}"/>
               </a:ext>
             </a:extLst>
           </p:cNvPr>
@@ -5069,7 +5069,7 @@
           <p:cNvPr id="2" name="タイトル 1">
             <a:extLst>
               <a:ext uri="{FF2B5EF4-FFF2-40B4-BE49-F238E27FC236}">
-                <a16:creationId xmlns:a16="http://schemas.microsoft.com/office/drawing/2014/main" xmlns="" id="{A046804A-AC1A-1D48-8E05-8CD5269CD20C}"/>
+                <a16:creationId xmlns:a16="http://schemas.microsoft.com/office/drawing/2014/main" id="{A046804A-AC1A-1D48-8E05-8CD5269CD20C}"/>
               </a:ext>
             </a:extLst>
           </p:cNvPr>
@@ -5097,7 +5097,7 @@
           <p:cNvPr id="3" name="日付プレースホルダー 2">
             <a:extLst>
               <a:ext uri="{FF2B5EF4-FFF2-40B4-BE49-F238E27FC236}">
-                <a16:creationId xmlns:a16="http://schemas.microsoft.com/office/drawing/2014/main" xmlns="" id="{6E12A90A-F4AF-6C40-B539-0283F1D3CD42}"/>
+                <a16:creationId xmlns:a16="http://schemas.microsoft.com/office/drawing/2014/main" id="{6E12A90A-F4AF-6C40-B539-0283F1D3CD42}"/>
               </a:ext>
             </a:extLst>
           </p:cNvPr>
@@ -5115,7 +5115,7 @@
           <a:p>
             <a:fld id="{4EBD962E-249E-C34D-98AB-0C1F37A12A21}" type="datetimeFigureOut">
               <a:rPr kumimoji="1" lang="ja-JP" altLang="en-US" smtClean="0"/>
-              <a:t>2018/5/17</a:t>
+              <a:t>2018/5/22</a:t>
             </a:fld>
             <a:endParaRPr kumimoji="1" lang="ja-JP" altLang="en-US"/>
           </a:p>
@@ -5126,7 +5126,7 @@
           <p:cNvPr id="4" name="フッター プレースホルダー 3">
             <a:extLst>
               <a:ext uri="{FF2B5EF4-FFF2-40B4-BE49-F238E27FC236}">
-                <a16:creationId xmlns:a16="http://schemas.microsoft.com/office/drawing/2014/main" xmlns="" id="{7BB526F2-905D-C641-B481-E5E83B24A0B2}"/>
+                <a16:creationId xmlns:a16="http://schemas.microsoft.com/office/drawing/2014/main" id="{7BB526F2-905D-C641-B481-E5E83B24A0B2}"/>
               </a:ext>
             </a:extLst>
           </p:cNvPr>
@@ -5151,7 +5151,7 @@
           <p:cNvPr id="5" name="スライド番号プレースホルダー 4">
             <a:extLst>
               <a:ext uri="{FF2B5EF4-FFF2-40B4-BE49-F238E27FC236}">
-                <a16:creationId xmlns:a16="http://schemas.microsoft.com/office/drawing/2014/main" xmlns="" id="{47C5A68F-2CEA-EF40-847E-E460A7F9BDE0}"/>
+                <a16:creationId xmlns:a16="http://schemas.microsoft.com/office/drawing/2014/main" id="{47C5A68F-2CEA-EF40-847E-E460A7F9BDE0}"/>
               </a:ext>
             </a:extLst>
           </p:cNvPr>
@@ -5210,7 +5210,7 @@
           <p:cNvPr id="2" name="日付プレースホルダー 1">
             <a:extLst>
               <a:ext uri="{FF2B5EF4-FFF2-40B4-BE49-F238E27FC236}">
-                <a16:creationId xmlns:a16="http://schemas.microsoft.com/office/drawing/2014/main" xmlns="" id="{0F9D81BE-9ED8-2041-90BE-710EF38D6C39}"/>
+                <a16:creationId xmlns:a16="http://schemas.microsoft.com/office/drawing/2014/main" id="{0F9D81BE-9ED8-2041-90BE-710EF38D6C39}"/>
               </a:ext>
             </a:extLst>
           </p:cNvPr>
@@ -5228,7 +5228,7 @@
           <a:p>
             <a:fld id="{4EBD962E-249E-C34D-98AB-0C1F37A12A21}" type="datetimeFigureOut">
               <a:rPr kumimoji="1" lang="ja-JP" altLang="en-US" smtClean="0"/>
-              <a:t>2018/5/17</a:t>
+              <a:t>2018/5/22</a:t>
             </a:fld>
             <a:endParaRPr kumimoji="1" lang="ja-JP" altLang="en-US"/>
           </a:p>
@@ -5239,7 +5239,7 @@
           <p:cNvPr id="3" name="フッター プレースホルダー 2">
             <a:extLst>
               <a:ext uri="{FF2B5EF4-FFF2-40B4-BE49-F238E27FC236}">
-                <a16:creationId xmlns:a16="http://schemas.microsoft.com/office/drawing/2014/main" xmlns="" id="{1E7C3D35-0812-C340-8F29-2EF766480587}"/>
+                <a16:creationId xmlns:a16="http://schemas.microsoft.com/office/drawing/2014/main" id="{1E7C3D35-0812-C340-8F29-2EF766480587}"/>
               </a:ext>
             </a:extLst>
           </p:cNvPr>
@@ -5264,7 +5264,7 @@
           <p:cNvPr id="4" name="スライド番号プレースホルダー 3">
             <a:extLst>
               <a:ext uri="{FF2B5EF4-FFF2-40B4-BE49-F238E27FC236}">
-                <a16:creationId xmlns:a16="http://schemas.microsoft.com/office/drawing/2014/main" xmlns="" id="{E773E517-1FE7-7343-80B7-3F24D505E62C}"/>
+                <a16:creationId xmlns:a16="http://schemas.microsoft.com/office/drawing/2014/main" id="{E773E517-1FE7-7343-80B7-3F24D505E62C}"/>
               </a:ext>
             </a:extLst>
           </p:cNvPr>
@@ -5323,7 +5323,7 @@
           <p:cNvPr id="2" name="タイトル 1">
             <a:extLst>
               <a:ext uri="{FF2B5EF4-FFF2-40B4-BE49-F238E27FC236}">
-                <a16:creationId xmlns:a16="http://schemas.microsoft.com/office/drawing/2014/main" xmlns="" id="{239B9AA2-5B55-624E-A64B-3AB371F6402D}"/>
+                <a16:creationId xmlns:a16="http://schemas.microsoft.com/office/drawing/2014/main" id="{239B9AA2-5B55-624E-A64B-3AB371F6402D}"/>
               </a:ext>
             </a:extLst>
           </p:cNvPr>
@@ -5360,7 +5360,7 @@
           <p:cNvPr id="3" name="コンテンツ プレースホルダー 2">
             <a:extLst>
               <a:ext uri="{FF2B5EF4-FFF2-40B4-BE49-F238E27FC236}">
-                <a16:creationId xmlns:a16="http://schemas.microsoft.com/office/drawing/2014/main" xmlns="" id="{19594181-8F79-B943-B963-E6BDBB9BA83A}"/>
+                <a16:creationId xmlns:a16="http://schemas.microsoft.com/office/drawing/2014/main" id="{19594181-8F79-B943-B963-E6BDBB9BA83A}"/>
               </a:ext>
             </a:extLst>
           </p:cNvPr>
@@ -5457,7 +5457,7 @@
           <p:cNvPr id="4" name="テキスト プレースホルダー 3">
             <a:extLst>
               <a:ext uri="{FF2B5EF4-FFF2-40B4-BE49-F238E27FC236}">
-                <a16:creationId xmlns:a16="http://schemas.microsoft.com/office/drawing/2014/main" xmlns="" id="{98D852FE-0B9E-A141-9058-4E98758D559A}"/>
+                <a16:creationId xmlns:a16="http://schemas.microsoft.com/office/drawing/2014/main" id="{98D852FE-0B9E-A141-9058-4E98758D559A}"/>
               </a:ext>
             </a:extLst>
           </p:cNvPr>
@@ -5563,7 +5563,7 @@
           <p:cNvPr id="5" name="日付プレースホルダー 4">
             <a:extLst>
               <a:ext uri="{FF2B5EF4-FFF2-40B4-BE49-F238E27FC236}">
-                <a16:creationId xmlns:a16="http://schemas.microsoft.com/office/drawing/2014/main" xmlns="" id="{5431C9CE-2EFE-6E4C-A1D2-A5BEF9EA03EF}"/>
+                <a16:creationId xmlns:a16="http://schemas.microsoft.com/office/drawing/2014/main" id="{5431C9CE-2EFE-6E4C-A1D2-A5BEF9EA03EF}"/>
               </a:ext>
             </a:extLst>
           </p:cNvPr>
@@ -5581,7 +5581,7 @@
           <a:p>
             <a:fld id="{4EBD962E-249E-C34D-98AB-0C1F37A12A21}" type="datetimeFigureOut">
               <a:rPr kumimoji="1" lang="ja-JP" altLang="en-US" smtClean="0"/>
-              <a:t>2018/5/17</a:t>
+              <a:t>2018/5/22</a:t>
             </a:fld>
             <a:endParaRPr kumimoji="1" lang="ja-JP" altLang="en-US"/>
           </a:p>
@@ -5592,7 +5592,7 @@
           <p:cNvPr id="6" name="フッター プレースホルダー 5">
             <a:extLst>
               <a:ext uri="{FF2B5EF4-FFF2-40B4-BE49-F238E27FC236}">
-                <a16:creationId xmlns:a16="http://schemas.microsoft.com/office/drawing/2014/main" xmlns="" id="{4A862278-8561-1E44-AC45-39B589C930CA}"/>
+                <a16:creationId xmlns:a16="http://schemas.microsoft.com/office/drawing/2014/main" id="{4A862278-8561-1E44-AC45-39B589C930CA}"/>
               </a:ext>
             </a:extLst>
           </p:cNvPr>
@@ -5617,7 +5617,7 @@
           <p:cNvPr id="7" name="スライド番号プレースホルダー 6">
             <a:extLst>
               <a:ext uri="{FF2B5EF4-FFF2-40B4-BE49-F238E27FC236}">
-                <a16:creationId xmlns:a16="http://schemas.microsoft.com/office/drawing/2014/main" xmlns="" id="{186E8695-1BCA-4749-8BCD-A6801763E57C}"/>
+                <a16:creationId xmlns:a16="http://schemas.microsoft.com/office/drawing/2014/main" id="{186E8695-1BCA-4749-8BCD-A6801763E57C}"/>
               </a:ext>
             </a:extLst>
           </p:cNvPr>
@@ -5676,7 +5676,7 @@
           <p:cNvPr id="2" name="タイトル 1">
             <a:extLst>
               <a:ext uri="{FF2B5EF4-FFF2-40B4-BE49-F238E27FC236}">
-                <a16:creationId xmlns:a16="http://schemas.microsoft.com/office/drawing/2014/main" xmlns="" id="{A67380A9-DBD3-BE47-ADF9-BC5D66DFC1FF}"/>
+                <a16:creationId xmlns:a16="http://schemas.microsoft.com/office/drawing/2014/main" id="{A67380A9-DBD3-BE47-ADF9-BC5D66DFC1FF}"/>
               </a:ext>
             </a:extLst>
           </p:cNvPr>
@@ -5713,7 +5713,7 @@
           <p:cNvPr id="3" name="図プレースホルダー 2">
             <a:extLst>
               <a:ext uri="{FF2B5EF4-FFF2-40B4-BE49-F238E27FC236}">
-                <a16:creationId xmlns:a16="http://schemas.microsoft.com/office/drawing/2014/main" xmlns="" id="{ED976194-71FF-AD45-986E-B07E9E9D60D6}"/>
+                <a16:creationId xmlns:a16="http://schemas.microsoft.com/office/drawing/2014/main" id="{ED976194-71FF-AD45-986E-B07E9E9D60D6}"/>
               </a:ext>
             </a:extLst>
           </p:cNvPr>
@@ -5780,7 +5780,7 @@
           <p:cNvPr id="4" name="テキスト プレースホルダー 3">
             <a:extLst>
               <a:ext uri="{FF2B5EF4-FFF2-40B4-BE49-F238E27FC236}">
-                <a16:creationId xmlns:a16="http://schemas.microsoft.com/office/drawing/2014/main" xmlns="" id="{31593E24-681F-6746-B978-DB8ED97D4B93}"/>
+                <a16:creationId xmlns:a16="http://schemas.microsoft.com/office/drawing/2014/main" id="{31593E24-681F-6746-B978-DB8ED97D4B93}"/>
               </a:ext>
             </a:extLst>
           </p:cNvPr>
@@ -5886,7 +5886,7 @@
           <p:cNvPr id="5" name="日付プレースホルダー 4">
             <a:extLst>
               <a:ext uri="{FF2B5EF4-FFF2-40B4-BE49-F238E27FC236}">
-                <a16:creationId xmlns:a16="http://schemas.microsoft.com/office/drawing/2014/main" xmlns="" id="{4EC3BA5B-4F22-6048-90ED-95222C139A26}"/>
+                <a16:creationId xmlns:a16="http://schemas.microsoft.com/office/drawing/2014/main" id="{4EC3BA5B-4F22-6048-90ED-95222C139A26}"/>
               </a:ext>
             </a:extLst>
           </p:cNvPr>
@@ -5904,7 +5904,7 @@
           <a:p>
             <a:fld id="{4EBD962E-249E-C34D-98AB-0C1F37A12A21}" type="datetimeFigureOut">
               <a:rPr kumimoji="1" lang="ja-JP" altLang="en-US" smtClean="0"/>
-              <a:t>2018/5/17</a:t>
+              <a:t>2018/5/22</a:t>
             </a:fld>
             <a:endParaRPr kumimoji="1" lang="ja-JP" altLang="en-US"/>
           </a:p>
@@ -5915,7 +5915,7 @@
           <p:cNvPr id="6" name="フッター プレースホルダー 5">
             <a:extLst>
               <a:ext uri="{FF2B5EF4-FFF2-40B4-BE49-F238E27FC236}">
-                <a16:creationId xmlns:a16="http://schemas.microsoft.com/office/drawing/2014/main" xmlns="" id="{0A09E1BA-BDEB-5748-B7D3-E36336481C97}"/>
+                <a16:creationId xmlns:a16="http://schemas.microsoft.com/office/drawing/2014/main" id="{0A09E1BA-BDEB-5748-B7D3-E36336481C97}"/>
               </a:ext>
             </a:extLst>
           </p:cNvPr>
@@ -5940,7 +5940,7 @@
           <p:cNvPr id="7" name="スライド番号プレースホルダー 6">
             <a:extLst>
               <a:ext uri="{FF2B5EF4-FFF2-40B4-BE49-F238E27FC236}">
-                <a16:creationId xmlns:a16="http://schemas.microsoft.com/office/drawing/2014/main" xmlns="" id="{0A551899-6749-3744-A8BC-0ED1E534E420}"/>
+                <a16:creationId xmlns:a16="http://schemas.microsoft.com/office/drawing/2014/main" id="{0A551899-6749-3744-A8BC-0ED1E534E420}"/>
               </a:ext>
             </a:extLst>
           </p:cNvPr>
@@ -6004,7 +6004,7 @@
           <p:cNvPr id="2" name="タイトル プレースホルダー 1">
             <a:extLst>
               <a:ext uri="{FF2B5EF4-FFF2-40B4-BE49-F238E27FC236}">
-                <a16:creationId xmlns:a16="http://schemas.microsoft.com/office/drawing/2014/main" xmlns="" id="{2D7CFEC9-C466-BB47-BCA7-46147CF8CB13}"/>
+                <a16:creationId xmlns:a16="http://schemas.microsoft.com/office/drawing/2014/main" id="{2D7CFEC9-C466-BB47-BCA7-46147CF8CB13}"/>
               </a:ext>
             </a:extLst>
           </p:cNvPr>
@@ -6042,7 +6042,7 @@
           <p:cNvPr id="3" name="テキスト プレースホルダー 2">
             <a:extLst>
               <a:ext uri="{FF2B5EF4-FFF2-40B4-BE49-F238E27FC236}">
-                <a16:creationId xmlns:a16="http://schemas.microsoft.com/office/drawing/2014/main" xmlns="" id="{17609D84-867D-5E44-B7FB-61C7ECE044B4}"/>
+                <a16:creationId xmlns:a16="http://schemas.microsoft.com/office/drawing/2014/main" id="{17609D84-867D-5E44-B7FB-61C7ECE044B4}"/>
               </a:ext>
             </a:extLst>
           </p:cNvPr>
@@ -6116,7 +6116,7 @@
           <p:cNvPr id="4" name="日付プレースホルダー 3">
             <a:extLst>
               <a:ext uri="{FF2B5EF4-FFF2-40B4-BE49-F238E27FC236}">
-                <a16:creationId xmlns:a16="http://schemas.microsoft.com/office/drawing/2014/main" xmlns="" id="{2158BCE6-3E33-8A4B-8EC5-AB3DB878BC39}"/>
+                <a16:creationId xmlns:a16="http://schemas.microsoft.com/office/drawing/2014/main" id="{2158BCE6-3E33-8A4B-8EC5-AB3DB878BC39}"/>
               </a:ext>
             </a:extLst>
           </p:cNvPr>
@@ -6152,7 +6152,7 @@
           <a:p>
             <a:fld id="{4EBD962E-249E-C34D-98AB-0C1F37A12A21}" type="datetimeFigureOut">
               <a:rPr kumimoji="1" lang="ja-JP" altLang="en-US" smtClean="0"/>
-              <a:t>2018/5/17</a:t>
+              <a:t>2018/5/22</a:t>
             </a:fld>
             <a:endParaRPr kumimoji="1" lang="ja-JP" altLang="en-US"/>
           </a:p>
@@ -6163,7 +6163,7 @@
           <p:cNvPr id="5" name="フッター プレースホルダー 4">
             <a:extLst>
               <a:ext uri="{FF2B5EF4-FFF2-40B4-BE49-F238E27FC236}">
-                <a16:creationId xmlns:a16="http://schemas.microsoft.com/office/drawing/2014/main" xmlns="" id="{1922331C-E3F6-4A4E-AD6D-D1AC13DA6F9B}"/>
+                <a16:creationId xmlns:a16="http://schemas.microsoft.com/office/drawing/2014/main" id="{1922331C-E3F6-4A4E-AD6D-D1AC13DA6F9B}"/>
               </a:ext>
             </a:extLst>
           </p:cNvPr>
@@ -6206,7 +6206,7 @@
           <p:cNvPr id="6" name="スライド番号プレースホルダー 5">
             <a:extLst>
               <a:ext uri="{FF2B5EF4-FFF2-40B4-BE49-F238E27FC236}">
-                <a16:creationId xmlns:a16="http://schemas.microsoft.com/office/drawing/2014/main" xmlns="" id="{D5F8217F-12A3-D244-9CD7-E46063C24512}"/>
+                <a16:creationId xmlns:a16="http://schemas.microsoft.com/office/drawing/2014/main" id="{D5F8217F-12A3-D244-9CD7-E46063C24512}"/>
               </a:ext>
             </a:extLst>
           </p:cNvPr>
@@ -6574,7 +6574,7 @@
           <p:cNvPr id="2" name="タイトル 1">
             <a:extLst>
               <a:ext uri="{FF2B5EF4-FFF2-40B4-BE49-F238E27FC236}">
-                <a16:creationId xmlns:a16="http://schemas.microsoft.com/office/drawing/2014/main" xmlns="" id="{6E773E86-1931-5C4B-9602-C08F0D9C2D7A}"/>
+                <a16:creationId xmlns:a16="http://schemas.microsoft.com/office/drawing/2014/main" id="{6E773E86-1931-5C4B-9602-C08F0D9C2D7A}"/>
               </a:ext>
             </a:extLst>
           </p:cNvPr>
@@ -6642,7 +6642,7 @@
           <p:cNvPr id="4" name="テキスト ボックス 3">
             <a:extLst>
               <a:ext uri="{FF2B5EF4-FFF2-40B4-BE49-F238E27FC236}">
-                <a16:creationId xmlns:a16="http://schemas.microsoft.com/office/drawing/2014/main" xmlns="" id="{780EB33D-AB7A-644C-BF62-6411655FBFD6}"/>
+                <a16:creationId xmlns:a16="http://schemas.microsoft.com/office/drawing/2014/main" id="{780EB33D-AB7A-644C-BF62-6411655FBFD6}"/>
               </a:ext>
             </a:extLst>
           </p:cNvPr>
@@ -6685,7 +6685,7 @@
           <p:cNvPr id="11" name="テキスト ボックス 10">
             <a:extLst>
               <a:ext uri="{FF2B5EF4-FFF2-40B4-BE49-F238E27FC236}">
-                <a16:creationId xmlns:a16="http://schemas.microsoft.com/office/drawing/2014/main" xmlns="" id="{6F8E7B9A-3AC5-DF47-B7CB-77F6B04E8F77}"/>
+                <a16:creationId xmlns:a16="http://schemas.microsoft.com/office/drawing/2014/main" id="{6F8E7B9A-3AC5-DF47-B7CB-77F6B04E8F77}"/>
               </a:ext>
             </a:extLst>
           </p:cNvPr>
@@ -6725,7 +6725,7 @@
           <p:cNvPr id="15" name="右矢印 14">
             <a:extLst>
               <a:ext uri="{FF2B5EF4-FFF2-40B4-BE49-F238E27FC236}">
-                <a16:creationId xmlns:a16="http://schemas.microsoft.com/office/drawing/2014/main" xmlns="" id="{CE263857-60CA-1D4A-8F8B-17B5AC4A8071}"/>
+                <a16:creationId xmlns:a16="http://schemas.microsoft.com/office/drawing/2014/main" id="{CE263857-60CA-1D4A-8F8B-17B5AC4A8071}"/>
               </a:ext>
             </a:extLst>
           </p:cNvPr>
@@ -6784,7 +6784,7 @@
           <p:cNvPr id="14" name="テキスト ボックス 13">
             <a:extLst>
               <a:ext uri="{FF2B5EF4-FFF2-40B4-BE49-F238E27FC236}">
-                <a16:creationId xmlns:a16="http://schemas.microsoft.com/office/drawing/2014/main" xmlns="" id="{8CBD8721-EC2C-AF4C-ADB3-A9B81F26DEDB}"/>
+                <a16:creationId xmlns:a16="http://schemas.microsoft.com/office/drawing/2014/main" id="{8CBD8721-EC2C-AF4C-ADB3-A9B81F26DEDB}"/>
               </a:ext>
             </a:extLst>
           </p:cNvPr>
@@ -6819,7 +6819,7 @@
           <p:cNvPr id="17" name="テキスト ボックス 16">
             <a:extLst>
               <a:ext uri="{FF2B5EF4-FFF2-40B4-BE49-F238E27FC236}">
-                <a16:creationId xmlns:a16="http://schemas.microsoft.com/office/drawing/2014/main" xmlns="" id="{CA22F8F2-DB8C-064F-B3EC-30C6D3681769}"/>
+                <a16:creationId xmlns:a16="http://schemas.microsoft.com/office/drawing/2014/main" id="{CA22F8F2-DB8C-064F-B3EC-30C6D3681769}"/>
               </a:ext>
             </a:extLst>
           </p:cNvPr>
@@ -6854,7 +6854,7 @@
           <p:cNvPr id="18" name="テキスト ボックス 17">
             <a:extLst>
               <a:ext uri="{FF2B5EF4-FFF2-40B4-BE49-F238E27FC236}">
-                <a16:creationId xmlns:a16="http://schemas.microsoft.com/office/drawing/2014/main" xmlns="" id="{4BB5EC37-6364-C94B-B056-00481346092A}"/>
+                <a16:creationId xmlns:a16="http://schemas.microsoft.com/office/drawing/2014/main" id="{4BB5EC37-6364-C94B-B056-00481346092A}"/>
               </a:ext>
             </a:extLst>
           </p:cNvPr>
@@ -6890,7 +6890,7 @@
           <p:cNvPr id="19" name="テキスト ボックス 18">
             <a:extLst>
               <a:ext uri="{FF2B5EF4-FFF2-40B4-BE49-F238E27FC236}">
-                <a16:creationId xmlns:a16="http://schemas.microsoft.com/office/drawing/2014/main" xmlns="" id="{93ECA5B2-6CE1-AC4F-970C-A815CD975C68}"/>
+                <a16:creationId xmlns:a16="http://schemas.microsoft.com/office/drawing/2014/main" id="{93ECA5B2-6CE1-AC4F-970C-A815CD975C68}"/>
               </a:ext>
             </a:extLst>
           </p:cNvPr>
@@ -6926,7 +6926,7 @@
           <p:cNvPr id="20" name="テキスト ボックス 19">
             <a:extLst>
               <a:ext uri="{FF2B5EF4-FFF2-40B4-BE49-F238E27FC236}">
-                <a16:creationId xmlns:a16="http://schemas.microsoft.com/office/drawing/2014/main" xmlns="" id="{FDEC51C4-E46C-2A47-87F6-516994EDD931}"/>
+                <a16:creationId xmlns:a16="http://schemas.microsoft.com/office/drawing/2014/main" id="{FDEC51C4-E46C-2A47-87F6-516994EDD931}"/>
               </a:ext>
             </a:extLst>
           </p:cNvPr>
@@ -6962,7 +6962,7 @@
           <p:cNvPr id="21" name="テキスト ボックス 20">
             <a:extLst>
               <a:ext uri="{FF2B5EF4-FFF2-40B4-BE49-F238E27FC236}">
-                <a16:creationId xmlns:a16="http://schemas.microsoft.com/office/drawing/2014/main" xmlns="" id="{9066ABD0-2C42-7945-B9FD-39A3F65DF7EF}"/>
+                <a16:creationId xmlns:a16="http://schemas.microsoft.com/office/drawing/2014/main" id="{9066ABD0-2C42-7945-B9FD-39A3F65DF7EF}"/>
               </a:ext>
             </a:extLst>
           </p:cNvPr>
@@ -7006,7 +7006,7 @@
           <p:cNvPr id="22" name="テキスト ボックス 21">
             <a:extLst>
               <a:ext uri="{FF2B5EF4-FFF2-40B4-BE49-F238E27FC236}">
-                <a16:creationId xmlns:a16="http://schemas.microsoft.com/office/drawing/2014/main" xmlns="" id="{FA4EA503-BA1E-0945-9723-D99C1AA3198B}"/>
+                <a16:creationId xmlns:a16="http://schemas.microsoft.com/office/drawing/2014/main" id="{FA4EA503-BA1E-0945-9723-D99C1AA3198B}"/>
               </a:ext>
             </a:extLst>
           </p:cNvPr>
@@ -7072,7 +7072,7 @@
           <p:cNvPr id="4" name="テキスト ボックス 3">
             <a:extLst>
               <a:ext uri="{FF2B5EF4-FFF2-40B4-BE49-F238E27FC236}">
-                <a16:creationId xmlns:a16="http://schemas.microsoft.com/office/drawing/2014/main" xmlns="" id="{780EB33D-AB7A-644C-BF62-6411655FBFD6}"/>
+                <a16:creationId xmlns:a16="http://schemas.microsoft.com/office/drawing/2014/main" id="{780EB33D-AB7A-644C-BF62-6411655FBFD6}"/>
               </a:ext>
             </a:extLst>
           </p:cNvPr>
@@ -7120,7 +7120,7 @@
           <p:cNvPr id="11" name="テキスト ボックス 10">
             <a:extLst>
               <a:ext uri="{FF2B5EF4-FFF2-40B4-BE49-F238E27FC236}">
-                <a16:creationId xmlns:a16="http://schemas.microsoft.com/office/drawing/2014/main" xmlns="" id="{6F8E7B9A-3AC5-DF47-B7CB-77F6B04E8F77}"/>
+                <a16:creationId xmlns:a16="http://schemas.microsoft.com/office/drawing/2014/main" id="{6F8E7B9A-3AC5-DF47-B7CB-77F6B04E8F77}"/>
               </a:ext>
             </a:extLst>
           </p:cNvPr>
@@ -7156,7 +7156,7 @@
           <p:cNvPr id="2" name="テキスト ボックス 1">
             <a:extLst>
               <a:ext uri="{FF2B5EF4-FFF2-40B4-BE49-F238E27FC236}">
-                <a16:creationId xmlns:a16="http://schemas.microsoft.com/office/drawing/2014/main" xmlns="" id="{63183BCC-146D-DA4E-BDD7-E54D6A2114BF}"/>
+                <a16:creationId xmlns:a16="http://schemas.microsoft.com/office/drawing/2014/main" id="{63183BCC-146D-DA4E-BDD7-E54D6A2114BF}"/>
               </a:ext>
             </a:extLst>
           </p:cNvPr>
@@ -7191,7 +7191,7 @@
           <p:cNvPr id="3" name="テキスト ボックス 2">
             <a:extLst>
               <a:ext uri="{FF2B5EF4-FFF2-40B4-BE49-F238E27FC236}">
-                <a16:creationId xmlns:a16="http://schemas.microsoft.com/office/drawing/2014/main" xmlns="" id="{5ED1023B-A40C-D044-B8B6-CA7642C143A2}"/>
+                <a16:creationId xmlns:a16="http://schemas.microsoft.com/office/drawing/2014/main" id="{5ED1023B-A40C-D044-B8B6-CA7642C143A2}"/>
               </a:ext>
             </a:extLst>
           </p:cNvPr>
@@ -7226,7 +7226,7 @@
           <p:cNvPr id="5" name="テキスト ボックス 4">
             <a:extLst>
               <a:ext uri="{FF2B5EF4-FFF2-40B4-BE49-F238E27FC236}">
-                <a16:creationId xmlns:a16="http://schemas.microsoft.com/office/drawing/2014/main" xmlns="" id="{4E92D97A-F543-E043-BF93-8D83433EFD07}"/>
+                <a16:creationId xmlns:a16="http://schemas.microsoft.com/office/drawing/2014/main" id="{4E92D97A-F543-E043-BF93-8D83433EFD07}"/>
               </a:ext>
             </a:extLst>
           </p:cNvPr>
@@ -7261,7 +7261,7 @@
           <p:cNvPr id="6" name="テキスト ボックス 5">
             <a:extLst>
               <a:ext uri="{FF2B5EF4-FFF2-40B4-BE49-F238E27FC236}">
-                <a16:creationId xmlns:a16="http://schemas.microsoft.com/office/drawing/2014/main" xmlns="" id="{8CAB7E81-EC35-3746-8463-52EB5A7CC9DE}"/>
+                <a16:creationId xmlns:a16="http://schemas.microsoft.com/office/drawing/2014/main" id="{8CAB7E81-EC35-3746-8463-52EB5A7CC9DE}"/>
               </a:ext>
             </a:extLst>
           </p:cNvPr>
@@ -7305,7 +7305,7 @@
           <p:cNvPr id="7" name="テキスト ボックス 6">
             <a:extLst>
               <a:ext uri="{FF2B5EF4-FFF2-40B4-BE49-F238E27FC236}">
-                <a16:creationId xmlns:a16="http://schemas.microsoft.com/office/drawing/2014/main" xmlns="" id="{191CFB10-E2ED-2741-9FF8-14D74FE68B6E}"/>
+                <a16:creationId xmlns:a16="http://schemas.microsoft.com/office/drawing/2014/main" id="{191CFB10-E2ED-2741-9FF8-14D74FE68B6E}"/>
               </a:ext>
             </a:extLst>
           </p:cNvPr>
@@ -7342,7 +7342,7 @@
               <p:cNvPr id="23" name="テキスト ボックス 22">
                 <a:extLst>
                   <a:ext uri="{FF2B5EF4-FFF2-40B4-BE49-F238E27FC236}">
-                    <a16:creationId xmlns:a16="http://schemas.microsoft.com/office/drawing/2014/main" xmlns="" id="{A3373358-D7AF-5744-8BD6-BB402CB6CC56}"/>
+                    <a16:creationId xmlns:a16="http://schemas.microsoft.com/office/drawing/2014/main" id="{A3373358-D7AF-5744-8BD6-BB402CB6CC56}"/>
                   </a:ext>
                 </a:extLst>
               </p:cNvPr>
@@ -7508,7 +7508,7 @@
           <p:cNvPr id="8" name="テキスト ボックス 7">
             <a:extLst>
               <a:ext uri="{FF2B5EF4-FFF2-40B4-BE49-F238E27FC236}">
-                <a16:creationId xmlns:a16="http://schemas.microsoft.com/office/drawing/2014/main" xmlns="" id="{76A5F536-8260-5A41-85F6-232A87C4537F}"/>
+                <a16:creationId xmlns:a16="http://schemas.microsoft.com/office/drawing/2014/main" id="{76A5F536-8260-5A41-85F6-232A87C4537F}"/>
               </a:ext>
             </a:extLst>
           </p:cNvPr>
@@ -7543,7 +7543,7 @@
           <p:cNvPr id="24" name="右矢印 23">
             <a:extLst>
               <a:ext uri="{FF2B5EF4-FFF2-40B4-BE49-F238E27FC236}">
-                <a16:creationId xmlns:a16="http://schemas.microsoft.com/office/drawing/2014/main" xmlns="" id="{4D0FAF28-6373-184B-8A6C-E5DC12A3BB1A}"/>
+                <a16:creationId xmlns:a16="http://schemas.microsoft.com/office/drawing/2014/main" id="{4D0FAF28-6373-184B-8A6C-E5DC12A3BB1A}"/>
               </a:ext>
             </a:extLst>
           </p:cNvPr>
@@ -7604,7 +7604,7 @@
               <p:cNvPr id="25" name="テキスト ボックス 24">
                 <a:extLst>
                   <a:ext uri="{FF2B5EF4-FFF2-40B4-BE49-F238E27FC236}">
-                    <a16:creationId xmlns:a16="http://schemas.microsoft.com/office/drawing/2014/main" xmlns="" id="{47DFB2FC-D2EC-8149-988A-341593DF52D9}"/>
+                    <a16:creationId xmlns:a16="http://schemas.microsoft.com/office/drawing/2014/main" id="{47DFB2FC-D2EC-8149-988A-341593DF52D9}"/>
                   </a:ext>
                 </a:extLst>
               </p:cNvPr>
@@ -7698,7 +7698,7 @@
           <p:cNvPr id="13" name="テキスト ボックス 12">
             <a:extLst>
               <a:ext uri="{FF2B5EF4-FFF2-40B4-BE49-F238E27FC236}">
-                <a16:creationId xmlns:a16="http://schemas.microsoft.com/office/drawing/2014/main" xmlns="" id="{FA3B04FB-E3F4-904D-BE81-E2A6E7ACB4D3}"/>
+                <a16:creationId xmlns:a16="http://schemas.microsoft.com/office/drawing/2014/main" id="{FA3B04FB-E3F4-904D-BE81-E2A6E7ACB4D3}"/>
               </a:ext>
             </a:extLst>
           </p:cNvPr>
@@ -7764,7 +7764,7 @@
           <p:cNvPr id="4" name="テキスト ボックス 3">
             <a:extLst>
               <a:ext uri="{FF2B5EF4-FFF2-40B4-BE49-F238E27FC236}">
-                <a16:creationId xmlns:a16="http://schemas.microsoft.com/office/drawing/2014/main" xmlns="" id="{780EB33D-AB7A-644C-BF62-6411655FBFD6}"/>
+                <a16:creationId xmlns:a16="http://schemas.microsoft.com/office/drawing/2014/main" id="{780EB33D-AB7A-644C-BF62-6411655FBFD6}"/>
               </a:ext>
             </a:extLst>
           </p:cNvPr>
@@ -7820,7 +7820,7 @@
           <p:cNvPr id="11" name="テキスト ボックス 10">
             <a:extLst>
               <a:ext uri="{FF2B5EF4-FFF2-40B4-BE49-F238E27FC236}">
-                <a16:creationId xmlns:a16="http://schemas.microsoft.com/office/drawing/2014/main" xmlns="" id="{6F8E7B9A-3AC5-DF47-B7CB-77F6B04E8F77}"/>
+                <a16:creationId xmlns:a16="http://schemas.microsoft.com/office/drawing/2014/main" id="{6F8E7B9A-3AC5-DF47-B7CB-77F6B04E8F77}"/>
               </a:ext>
             </a:extLst>
           </p:cNvPr>
@@ -7860,7 +7860,7 @@
           <p:cNvPr id="9" name="テキスト ボックス 8">
             <a:extLst>
               <a:ext uri="{FF2B5EF4-FFF2-40B4-BE49-F238E27FC236}">
-                <a16:creationId xmlns:a16="http://schemas.microsoft.com/office/drawing/2014/main" xmlns="" id="{4F082176-A65F-E746-A442-839C58C80DBA}"/>
+                <a16:creationId xmlns:a16="http://schemas.microsoft.com/office/drawing/2014/main" id="{4F082176-A65F-E746-A442-839C58C80DBA}"/>
               </a:ext>
             </a:extLst>
           </p:cNvPr>
@@ -7896,7 +7896,7 @@
           <p:cNvPr id="13" name="テキスト ボックス 12">
             <a:extLst>
               <a:ext uri="{FF2B5EF4-FFF2-40B4-BE49-F238E27FC236}">
-                <a16:creationId xmlns:a16="http://schemas.microsoft.com/office/drawing/2014/main" xmlns="" id="{D01DBA53-1F12-D440-A65E-29CEE8E33980}"/>
+                <a16:creationId xmlns:a16="http://schemas.microsoft.com/office/drawing/2014/main" id="{D01DBA53-1F12-D440-A65E-29CEE8E33980}"/>
               </a:ext>
             </a:extLst>
           </p:cNvPr>
@@ -7931,7 +7931,7 @@
           <p:cNvPr id="14" name="テキスト ボックス 13">
             <a:extLst>
               <a:ext uri="{FF2B5EF4-FFF2-40B4-BE49-F238E27FC236}">
-                <a16:creationId xmlns:a16="http://schemas.microsoft.com/office/drawing/2014/main" xmlns="" id="{45208E83-3C4D-FB45-8895-271BF7054152}"/>
+                <a16:creationId xmlns:a16="http://schemas.microsoft.com/office/drawing/2014/main" id="{45208E83-3C4D-FB45-8895-271BF7054152}"/>
               </a:ext>
             </a:extLst>
           </p:cNvPr>
@@ -7967,7 +7967,7 @@
           <p:cNvPr id="15" name="テキスト ボックス 14">
             <a:extLst>
               <a:ext uri="{FF2B5EF4-FFF2-40B4-BE49-F238E27FC236}">
-                <a16:creationId xmlns:a16="http://schemas.microsoft.com/office/drawing/2014/main" xmlns="" id="{7EE1E677-0365-E54B-874F-52B88F07F004}"/>
+                <a16:creationId xmlns:a16="http://schemas.microsoft.com/office/drawing/2014/main" id="{7EE1E677-0365-E54B-874F-52B88F07F004}"/>
               </a:ext>
             </a:extLst>
           </p:cNvPr>
@@ -8002,7 +8002,7 @@
           <p:cNvPr id="16" name="テキスト ボックス 15">
             <a:extLst>
               <a:ext uri="{FF2B5EF4-FFF2-40B4-BE49-F238E27FC236}">
-                <a16:creationId xmlns:a16="http://schemas.microsoft.com/office/drawing/2014/main" xmlns="" id="{F55774F0-47EA-C24B-8C8A-7E3D160FBFE9}"/>
+                <a16:creationId xmlns:a16="http://schemas.microsoft.com/office/drawing/2014/main" id="{F55774F0-47EA-C24B-8C8A-7E3D160FBFE9}"/>
               </a:ext>
             </a:extLst>
           </p:cNvPr>
@@ -8040,7 +8040,7 @@
               <p:cNvPr id="18" name="テキスト ボックス 17">
                 <a:extLst>
                   <a:ext uri="{FF2B5EF4-FFF2-40B4-BE49-F238E27FC236}">
-                    <a16:creationId xmlns:a16="http://schemas.microsoft.com/office/drawing/2014/main" xmlns="" id="{03D4DD37-A471-CB42-9328-2A808887C290}"/>
+                    <a16:creationId xmlns:a16="http://schemas.microsoft.com/office/drawing/2014/main" id="{03D4DD37-A471-CB42-9328-2A808887C290}"/>
                   </a:ext>
                 </a:extLst>
               </p:cNvPr>
@@ -8074,7 +8074,7 @@
                         <m:sSubPr>
                           <m:ctrlPr>
                             <a:rPr kumimoji="1" lang="en-US" altLang="ja-JP" i="1" smtClean="0">
-                              <a:latin typeface="Cambria Math" charset="0"/>
+                              <a:latin typeface="Cambria Math" panose="02040503050406030204" pitchFamily="18" charset="0"/>
                             </a:rPr>
                           </m:ctrlPr>
                         </m:sSubPr>
@@ -8123,7 +8123,7 @@
                         <m:sSubPr>
                           <m:ctrlPr>
                             <a:rPr kumimoji="1" lang="en-US" altLang="ja-JP" b="0" i="1" smtClean="0">
-                              <a:latin typeface="Cambria Math" charset="0"/>
+                              <a:latin typeface="Cambria Math" panose="02040503050406030204" pitchFamily="18" charset="0"/>
                             </a:rPr>
                           </m:ctrlPr>
                         </m:sSubPr>
@@ -8181,7 +8181,7 @@
                         <m:fPr>
                           <m:ctrlPr>
                             <a:rPr kumimoji="1" lang="en-US" altLang="ja-JP" b="0" i="1" smtClean="0">
-                              <a:latin typeface="Cambria Math" charset="0"/>
+                              <a:latin typeface="Cambria Math" panose="02040503050406030204" pitchFamily="18" charset="0"/>
                             </a:rPr>
                           </m:ctrlPr>
                         </m:fPr>
@@ -8204,7 +8204,7 @@
                             <m:sSubPr>
                               <m:ctrlPr>
                                 <a:rPr kumimoji="1" lang="en-US" altLang="ja-JP" b="0" i="1" smtClean="0">
-                                  <a:latin typeface="Cambria Math" charset="0"/>
+                                  <a:latin typeface="Cambria Math" panose="02040503050406030204" pitchFamily="18" charset="0"/>
                                 </a:rPr>
                               </m:ctrlPr>
                             </m:sSubPr>
@@ -8293,7 +8293,7 @@
               <p:cNvPr id="19" name="テキスト ボックス 18">
                 <a:extLst>
                   <a:ext uri="{FF2B5EF4-FFF2-40B4-BE49-F238E27FC236}">
-                    <a16:creationId xmlns:a16="http://schemas.microsoft.com/office/drawing/2014/main" xmlns="" id="{13C50B1E-BE3B-B847-B708-9E2D7DE2F909}"/>
+                    <a16:creationId xmlns:a16="http://schemas.microsoft.com/office/drawing/2014/main" id="{13C50B1E-BE3B-B847-B708-9E2D7DE2F909}"/>
                   </a:ext>
                 </a:extLst>
               </p:cNvPr>
@@ -8333,7 +8333,7 @@
                         <m:sSubPr>
                           <m:ctrlPr>
                             <a:rPr kumimoji="1" lang="en-US" altLang="ja-JP" b="0" i="1" smtClean="0">
-                              <a:latin typeface="Cambria Math" charset="0"/>
+                              <a:latin typeface="Cambria Math" panose="02040503050406030204" pitchFamily="18" charset="0"/>
                             </a:rPr>
                           </m:ctrlPr>
                         </m:sSubPr>
@@ -8440,7 +8440,7 @@
                         <m:sSubPr>
                           <m:ctrlPr>
                             <a:rPr kumimoji="1" lang="en-US" altLang="ja-JP" b="0" i="1" smtClean="0">
-                              <a:latin typeface="Cambria Math" charset="0"/>
+                              <a:latin typeface="Cambria Math" panose="02040503050406030204" pitchFamily="18" charset="0"/>
                             </a:rPr>
                           </m:ctrlPr>
                         </m:sSubPr>
@@ -8520,7 +8520,13 @@
                         <a:rPr kumimoji="1" lang="en-US" altLang="ja-JP" b="0" i="1" smtClean="0">
                           <a:latin typeface="Cambria Math" panose="02040503050406030204" pitchFamily="18" charset="0"/>
                         </a:rPr>
-                        <m:t>=全文章数</m:t>
+                        <m:t>=</m:t>
+                      </m:r>
+                      <m:r>
+                        <a:rPr kumimoji="1" lang="en-US" altLang="ja-JP" b="0" i="1" smtClean="0">
+                          <a:latin typeface="Cambria Math" panose="02040503050406030204" pitchFamily="18" charset="0"/>
+                        </a:rPr>
+                        <m:t>全文章数</m:t>
                       </m:r>
                     </m:oMath>
                   </m:oMathPara>
@@ -8580,7 +8586,7 @@
           <p:cNvPr id="20" name="テキスト ボックス 19">
             <a:extLst>
               <a:ext uri="{FF2B5EF4-FFF2-40B4-BE49-F238E27FC236}">
-                <a16:creationId xmlns:a16="http://schemas.microsoft.com/office/drawing/2014/main" xmlns="" id="{929FA639-7710-0C43-B0C9-2D7613BD73F1}"/>
+                <a16:creationId xmlns:a16="http://schemas.microsoft.com/office/drawing/2014/main" id="{929FA639-7710-0C43-B0C9-2D7613BD73F1}"/>
               </a:ext>
             </a:extLst>
           </p:cNvPr>
@@ -8645,7 +8651,7 @@
           <p:cNvPr id="4" name="テキスト ボックス 3">
             <a:extLst>
               <a:ext uri="{FF2B5EF4-FFF2-40B4-BE49-F238E27FC236}">
-                <a16:creationId xmlns:a16="http://schemas.microsoft.com/office/drawing/2014/main" xmlns="" id="{780EB33D-AB7A-644C-BF62-6411655FBFD6}"/>
+                <a16:creationId xmlns:a16="http://schemas.microsoft.com/office/drawing/2014/main" id="{780EB33D-AB7A-644C-BF62-6411655FBFD6}"/>
               </a:ext>
             </a:extLst>
           </p:cNvPr>
@@ -8688,7 +8694,7 @@
           <p:cNvPr id="11" name="テキスト ボックス 10">
             <a:extLst>
               <a:ext uri="{FF2B5EF4-FFF2-40B4-BE49-F238E27FC236}">
-                <a16:creationId xmlns:a16="http://schemas.microsoft.com/office/drawing/2014/main" xmlns="" id="{6F8E7B9A-3AC5-DF47-B7CB-77F6B04E8F77}"/>
+                <a16:creationId xmlns:a16="http://schemas.microsoft.com/office/drawing/2014/main" id="{6F8E7B9A-3AC5-DF47-B7CB-77F6B04E8F77}"/>
               </a:ext>
             </a:extLst>
           </p:cNvPr>
@@ -8732,7 +8738,7 @@
           <p:cNvPr id="2" name="テキスト ボックス 1">
             <a:extLst>
               <a:ext uri="{FF2B5EF4-FFF2-40B4-BE49-F238E27FC236}">
-                <a16:creationId xmlns:a16="http://schemas.microsoft.com/office/drawing/2014/main" xmlns="" id="{1C3F6317-8676-4B4F-B1B3-566D905C15F4}"/>
+                <a16:creationId xmlns:a16="http://schemas.microsoft.com/office/drawing/2014/main" id="{1C3F6317-8676-4B4F-B1B3-566D905C15F4}"/>
               </a:ext>
             </a:extLst>
           </p:cNvPr>
@@ -8767,7 +8773,7 @@
           <p:cNvPr id="3" name="テキスト ボックス 2">
             <a:extLst>
               <a:ext uri="{FF2B5EF4-FFF2-40B4-BE49-F238E27FC236}">
-                <a16:creationId xmlns:a16="http://schemas.microsoft.com/office/drawing/2014/main" xmlns="" id="{5D372339-9921-164D-8323-9562463ACC40}"/>
+                <a16:creationId xmlns:a16="http://schemas.microsoft.com/office/drawing/2014/main" id="{5D372339-9921-164D-8323-9562463ACC40}"/>
               </a:ext>
             </a:extLst>
           </p:cNvPr>
@@ -8806,7 +8812,7 @@
           <p:cNvPr id="5" name="テキスト ボックス 4">
             <a:extLst>
               <a:ext uri="{FF2B5EF4-FFF2-40B4-BE49-F238E27FC236}">
-                <a16:creationId xmlns:a16="http://schemas.microsoft.com/office/drawing/2014/main" xmlns="" id="{32896C6B-B29B-CF4D-874A-FDED4BDA25AD}"/>
+                <a16:creationId xmlns:a16="http://schemas.microsoft.com/office/drawing/2014/main" id="{32896C6B-B29B-CF4D-874A-FDED4BDA25AD}"/>
               </a:ext>
             </a:extLst>
           </p:cNvPr>
@@ -8842,7 +8848,7 @@
           <p:cNvPr id="6" name="テキスト ボックス 5">
             <a:extLst>
               <a:ext uri="{FF2B5EF4-FFF2-40B4-BE49-F238E27FC236}">
-                <a16:creationId xmlns:a16="http://schemas.microsoft.com/office/drawing/2014/main" xmlns="" id="{BCF3FEA2-4305-6944-AC96-56D9C5BC3701}"/>
+                <a16:creationId xmlns:a16="http://schemas.microsoft.com/office/drawing/2014/main" id="{BCF3FEA2-4305-6944-AC96-56D9C5BC3701}"/>
               </a:ext>
             </a:extLst>
           </p:cNvPr>
@@ -8877,7 +8883,7 @@
           <p:cNvPr id="17" name="右矢印 16">
             <a:extLst>
               <a:ext uri="{FF2B5EF4-FFF2-40B4-BE49-F238E27FC236}">
-                <a16:creationId xmlns:a16="http://schemas.microsoft.com/office/drawing/2014/main" xmlns="" id="{C4500337-B401-054B-97B6-F9365E93C744}"/>
+                <a16:creationId xmlns:a16="http://schemas.microsoft.com/office/drawing/2014/main" id="{C4500337-B401-054B-97B6-F9365E93C744}"/>
               </a:ext>
             </a:extLst>
           </p:cNvPr>
@@ -8936,7 +8942,7 @@
           <p:cNvPr id="7" name="テキスト ボックス 6">
             <a:extLst>
               <a:ext uri="{FF2B5EF4-FFF2-40B4-BE49-F238E27FC236}">
-                <a16:creationId xmlns:a16="http://schemas.microsoft.com/office/drawing/2014/main" xmlns="" id="{5E58553E-9AC6-FC43-BE82-98C971447747}"/>
+                <a16:creationId xmlns:a16="http://schemas.microsoft.com/office/drawing/2014/main" id="{5E58553E-9AC6-FC43-BE82-98C971447747}"/>
               </a:ext>
             </a:extLst>
           </p:cNvPr>
@@ -8979,7 +8985,7 @@
           <p:cNvPr id="8" name="テキスト ボックス 7">
             <a:extLst>
               <a:ext uri="{FF2B5EF4-FFF2-40B4-BE49-F238E27FC236}">
-                <a16:creationId xmlns:a16="http://schemas.microsoft.com/office/drawing/2014/main" xmlns="" id="{DDE38F95-5161-9345-81E9-D86F8C062E82}"/>
+                <a16:creationId xmlns:a16="http://schemas.microsoft.com/office/drawing/2014/main" id="{DDE38F95-5161-9345-81E9-D86F8C062E82}"/>
               </a:ext>
             </a:extLst>
           </p:cNvPr>
@@ -9014,7 +9020,7 @@
           <p:cNvPr id="12" name="テキスト ボックス 11">
             <a:extLst>
               <a:ext uri="{FF2B5EF4-FFF2-40B4-BE49-F238E27FC236}">
-                <a16:creationId xmlns:a16="http://schemas.microsoft.com/office/drawing/2014/main" xmlns="" id="{B7439F2E-51E9-B14B-9CFA-1D9462D74BAA}"/>
+                <a16:creationId xmlns:a16="http://schemas.microsoft.com/office/drawing/2014/main" id="{B7439F2E-51E9-B14B-9CFA-1D9462D74BAA}"/>
               </a:ext>
             </a:extLst>
           </p:cNvPr>
@@ -9049,7 +9055,7 @@
           <p:cNvPr id="21" name="右矢印 20">
             <a:extLst>
               <a:ext uri="{FF2B5EF4-FFF2-40B4-BE49-F238E27FC236}">
-                <a16:creationId xmlns:a16="http://schemas.microsoft.com/office/drawing/2014/main" xmlns="" id="{C6007884-843C-774A-90E4-321D8E9F1B3E}"/>
+                <a16:creationId xmlns:a16="http://schemas.microsoft.com/office/drawing/2014/main" id="{C6007884-843C-774A-90E4-321D8E9F1B3E}"/>
               </a:ext>
             </a:extLst>
           </p:cNvPr>
@@ -9108,7 +9114,7 @@
           <p:cNvPr id="22" name="テキスト ボックス 21">
             <a:extLst>
               <a:ext uri="{FF2B5EF4-FFF2-40B4-BE49-F238E27FC236}">
-                <a16:creationId xmlns:a16="http://schemas.microsoft.com/office/drawing/2014/main" xmlns="" id="{7C70105C-A0B8-324D-9BAC-72EA4BF3EF54}"/>
+                <a16:creationId xmlns:a16="http://schemas.microsoft.com/office/drawing/2014/main" id="{7C70105C-A0B8-324D-9BAC-72EA4BF3EF54}"/>
               </a:ext>
             </a:extLst>
           </p:cNvPr>
@@ -9144,7 +9150,7 @@
           <p:cNvPr id="23" name="テキスト ボックス 22">
             <a:extLst>
               <a:ext uri="{FF2B5EF4-FFF2-40B4-BE49-F238E27FC236}">
-                <a16:creationId xmlns:a16="http://schemas.microsoft.com/office/drawing/2014/main" xmlns="" id="{8868E222-1C52-4644-A702-1B965E66989D}"/>
+                <a16:creationId xmlns:a16="http://schemas.microsoft.com/office/drawing/2014/main" id="{8868E222-1C52-4644-A702-1B965E66989D}"/>
               </a:ext>
             </a:extLst>
           </p:cNvPr>
@@ -9180,7 +9186,7 @@
           <p:cNvPr id="24" name="テキスト ボックス 23">
             <a:extLst>
               <a:ext uri="{FF2B5EF4-FFF2-40B4-BE49-F238E27FC236}">
-                <a16:creationId xmlns:a16="http://schemas.microsoft.com/office/drawing/2014/main" xmlns="" id="{00B5E024-B6F8-A441-95C5-013ED404D61B}"/>
+                <a16:creationId xmlns:a16="http://schemas.microsoft.com/office/drawing/2014/main" id="{00B5E024-B6F8-A441-95C5-013ED404D61B}"/>
               </a:ext>
             </a:extLst>
           </p:cNvPr>
@@ -9216,7 +9222,7 @@
           <p:cNvPr id="25" name="テキスト ボックス 24">
             <a:extLst>
               <a:ext uri="{FF2B5EF4-FFF2-40B4-BE49-F238E27FC236}">
-                <a16:creationId xmlns:a16="http://schemas.microsoft.com/office/drawing/2014/main" xmlns="" id="{7996F59B-92D2-F64B-BE00-5AE1DC9CED8D}"/>
+                <a16:creationId xmlns:a16="http://schemas.microsoft.com/office/drawing/2014/main" id="{7996F59B-92D2-F64B-BE00-5AE1DC9CED8D}"/>
               </a:ext>
             </a:extLst>
           </p:cNvPr>
@@ -9300,10 +9306,9 @@
           <a:lstStyle/>
           <a:p>
             <a:r>
-              <a:rPr kumimoji="1" lang="ja-JP" altLang="en-US" dirty="0" smtClean="0"/>
+              <a:rPr kumimoji="1" lang="ja-JP" altLang="en-US" dirty="0"/>
               <a:t>単語のベクトル表現</a:t>
             </a:r>
-            <a:endParaRPr kumimoji="1" lang="ja-JP" altLang="en-US" dirty="0"/>
           </a:p>
         </p:txBody>
       </p:sp>
@@ -9331,17 +9336,12 @@
           <a:p>
             <a:r>
               <a:rPr kumimoji="1" lang="en-US" altLang="ja-JP" dirty="0"/>
-              <a:t>o</a:t>
-            </a:r>
-            <a:r>
-              <a:rPr kumimoji="1" lang="en-US" altLang="ja-JP" dirty="0" smtClean="0"/>
-              <a:t>ne-hot</a:t>
-            </a:r>
-            <a:r>
-              <a:rPr kumimoji="1" lang="ja-JP" altLang="en-US" dirty="0" smtClean="0"/>
+              <a:t>one-hot</a:t>
+            </a:r>
+            <a:r>
+              <a:rPr kumimoji="1" lang="ja-JP" altLang="en-US" dirty="0"/>
               <a:t>ベクトル</a:t>
             </a:r>
-            <a:endParaRPr kumimoji="1" lang="ja-JP" altLang="en-US" dirty="0"/>
           </a:p>
         </p:txBody>
       </p:sp>
@@ -9368,10 +9368,9 @@
           <a:lstStyle/>
           <a:p>
             <a:r>
-              <a:rPr kumimoji="1" lang="ja-JP" altLang="en-US" smtClean="0"/>
+              <a:rPr kumimoji="1" lang="ja-JP" altLang="en-US"/>
               <a:t>最も単純なもの</a:t>
             </a:r>
-            <a:endParaRPr kumimoji="1" lang="ja-JP" altLang="en-US"/>
           </a:p>
         </p:txBody>
       </p:sp>
@@ -9398,42 +9397,41 @@
           <a:lstStyle/>
           <a:p>
             <a:r>
-              <a:rPr kumimoji="1" lang="ja-JP" altLang="en-US" dirty="0" smtClean="0"/>
+              <a:rPr kumimoji="1" lang="ja-JP" altLang="en-US" dirty="0"/>
               <a:t>「イチロー</a:t>
             </a:r>
             <a:r>
-              <a:rPr kumimoji="1" lang="en-US" altLang="ja-JP" dirty="0" smtClean="0"/>
+              <a:rPr kumimoji="1" lang="en-US" altLang="ja-JP" dirty="0"/>
               <a:t>,</a:t>
             </a:r>
             <a:r>
-              <a:rPr kumimoji="1" lang="ja-JP" altLang="en-US" dirty="0" smtClean="0"/>
+              <a:rPr kumimoji="1" lang="ja-JP" altLang="en-US" dirty="0"/>
               <a:t>プログラマー</a:t>
             </a:r>
             <a:r>
-              <a:rPr kumimoji="1" lang="en-US" altLang="ja-JP" dirty="0" smtClean="0"/>
+              <a:rPr kumimoji="1" lang="en-US" altLang="ja-JP" dirty="0"/>
               <a:t>,</a:t>
             </a:r>
             <a:r>
-              <a:rPr kumimoji="1" lang="ja-JP" altLang="en-US" dirty="0" smtClean="0"/>
+              <a:rPr kumimoji="1" lang="ja-JP" altLang="en-US" dirty="0"/>
               <a:t>パリ</a:t>
             </a:r>
             <a:r>
-              <a:rPr kumimoji="1" lang="en-US" altLang="ja-JP" dirty="0" smtClean="0"/>
+              <a:rPr kumimoji="1" lang="en-US" altLang="ja-JP" dirty="0"/>
               <a:t>,</a:t>
             </a:r>
             <a:r>
-              <a:rPr kumimoji="1" lang="ja-JP" altLang="en-US" dirty="0" smtClean="0"/>
+              <a:rPr kumimoji="1" lang="ja-JP" altLang="en-US" dirty="0"/>
               <a:t>道頓堀</a:t>
             </a:r>
             <a:r>
-              <a:rPr kumimoji="1" lang="en-US" altLang="ja-JP" dirty="0" smtClean="0"/>
+              <a:rPr kumimoji="1" lang="en-US" altLang="ja-JP" dirty="0"/>
               <a:t>,</a:t>
             </a:r>
             <a:r>
-              <a:rPr kumimoji="1" lang="ja-JP" altLang="en-US" dirty="0" smtClean="0"/>
+              <a:rPr kumimoji="1" lang="ja-JP" altLang="en-US" dirty="0"/>
               <a:t>打つ」</a:t>
             </a:r>
-            <a:endParaRPr kumimoji="1" lang="ja-JP" altLang="en-US" dirty="0"/>
           </a:p>
         </p:txBody>
       </p:sp>
@@ -9458,11 +9456,41 @@
                 <a:tableStyleId>{5C22544A-7EE6-4342-B048-85BDC9FD1C3A}</a:tableStyleId>
               </a:tblPr>
               <a:tblGrid>
-                <a:gridCol w="482147"/>
-                <a:gridCol w="482147"/>
-                <a:gridCol w="482147"/>
-                <a:gridCol w="482147"/>
-                <a:gridCol w="482147"/>
+                <a:gridCol w="482147">
+                  <a:extLst>
+                    <a:ext uri="{9D8B030D-6E8A-4147-A177-3AD203B41FA5}">
+                      <a16:colId xmlns:a16="http://schemas.microsoft.com/office/drawing/2014/main" val="20000"/>
+                    </a:ext>
+                  </a:extLst>
+                </a:gridCol>
+                <a:gridCol w="482147">
+                  <a:extLst>
+                    <a:ext uri="{9D8B030D-6E8A-4147-A177-3AD203B41FA5}">
+                      <a16:colId xmlns:a16="http://schemas.microsoft.com/office/drawing/2014/main" val="20001"/>
+                    </a:ext>
+                  </a:extLst>
+                </a:gridCol>
+                <a:gridCol w="482147">
+                  <a:extLst>
+                    <a:ext uri="{9D8B030D-6E8A-4147-A177-3AD203B41FA5}">
+                      <a16:colId xmlns:a16="http://schemas.microsoft.com/office/drawing/2014/main" val="20002"/>
+                    </a:ext>
+                  </a:extLst>
+                </a:gridCol>
+                <a:gridCol w="482147">
+                  <a:extLst>
+                    <a:ext uri="{9D8B030D-6E8A-4147-A177-3AD203B41FA5}">
+                      <a16:colId xmlns:a16="http://schemas.microsoft.com/office/drawing/2014/main" val="20003"/>
+                    </a:ext>
+                  </a:extLst>
+                </a:gridCol>
+                <a:gridCol w="482147">
+                  <a:extLst>
+                    <a:ext uri="{9D8B030D-6E8A-4147-A177-3AD203B41FA5}">
+                      <a16:colId xmlns:a16="http://schemas.microsoft.com/office/drawing/2014/main" val="20004"/>
+                    </a:ext>
+                  </a:extLst>
+                </a:gridCol>
               </a:tblGrid>
               <a:tr h="370840">
                 <a:tc>
@@ -9471,7 +9499,7 @@
                     <a:lstStyle/>
                     <a:p>
                       <a:r>
-                        <a:rPr kumimoji="1" lang="en-US" altLang="ja-JP" dirty="0" smtClean="0">
+                        <a:rPr kumimoji="1" lang="en-US" altLang="ja-JP" dirty="0">
                           <a:solidFill>
                             <a:schemeClr val="tx1"/>
                           </a:solidFill>
@@ -9528,7 +9556,7 @@
                     <a:lstStyle/>
                     <a:p>
                       <a:r>
-                        <a:rPr kumimoji="1" lang="en-US" altLang="ja-JP" dirty="0" smtClean="0">
+                        <a:rPr kumimoji="1" lang="en-US" altLang="ja-JP" dirty="0">
                           <a:solidFill>
                             <a:schemeClr val="tx1"/>
                           </a:solidFill>
@@ -9590,7 +9618,7 @@
                     <a:lstStyle/>
                     <a:p>
                       <a:r>
-                        <a:rPr kumimoji="1" lang="en-US" altLang="ja-JP" dirty="0" smtClean="0">
+                        <a:rPr kumimoji="1" lang="en-US" altLang="ja-JP" dirty="0">
                           <a:solidFill>
                             <a:schemeClr val="tx1"/>
                           </a:solidFill>
@@ -9652,7 +9680,7 @@
                     <a:lstStyle/>
                     <a:p>
                       <a:r>
-                        <a:rPr kumimoji="1" lang="en-US" altLang="ja-JP" dirty="0" smtClean="0">
+                        <a:rPr kumimoji="1" lang="en-US" altLang="ja-JP" dirty="0">
                           <a:solidFill>
                             <a:schemeClr val="tx1"/>
                           </a:solidFill>
@@ -9714,7 +9742,7 @@
                     <a:lstStyle/>
                     <a:p>
                       <a:r>
-                        <a:rPr kumimoji="1" lang="en-US" altLang="ja-JP" dirty="0" smtClean="0">
+                        <a:rPr kumimoji="1" lang="en-US" altLang="ja-JP" dirty="0">
                           <a:solidFill>
                             <a:schemeClr val="tx1"/>
                           </a:solidFill>
@@ -9778,6 +9806,11 @@
                     </a:solidFill>
                   </a:tcPr>
                 </a:tc>
+                <a:extLst>
+                  <a:ext uri="{0D108BD9-81ED-4DB2-BD59-A6C34878D82A}">
+                    <a16:rowId xmlns:a16="http://schemas.microsoft.com/office/drawing/2014/main" val="10000"/>
+                  </a:ext>
+                </a:extLst>
               </a:tr>
             </a:tbl>
           </a:graphicData>
@@ -9806,11 +9839,11 @@
           <a:lstStyle/>
           <a:p>
             <a:r>
-              <a:rPr kumimoji="1" lang="ja-JP" altLang="en-US" dirty="0" smtClean="0"/>
+              <a:rPr kumimoji="1" lang="ja-JP" altLang="en-US" dirty="0"/>
               <a:t>プログラマー</a:t>
             </a:r>
             <a:r>
-              <a:rPr kumimoji="1" lang="en-US" altLang="ja-JP" dirty="0" smtClean="0"/>
+              <a:rPr kumimoji="1" lang="en-US" altLang="ja-JP" dirty="0"/>
               <a:t> 	=</a:t>
             </a:r>
             <a:endParaRPr kumimoji="1" lang="ja-JP" altLang="en-US" dirty="0"/>
@@ -9840,10 +9873,9 @@
           <a:lstStyle/>
           <a:p>
             <a:r>
-              <a:rPr kumimoji="1" lang="ja-JP" altLang="en-US" dirty="0" smtClean="0"/>
+              <a:rPr kumimoji="1" lang="ja-JP" altLang="en-US" dirty="0"/>
               <a:t>このままだと、同一単語かどうかの比較以外に演算処理をしても全く意味がない</a:t>
             </a:r>
-            <a:endParaRPr kumimoji="1" lang="ja-JP" altLang="en-US" dirty="0"/>
           </a:p>
         </p:txBody>
       </p:sp>
@@ -9870,11 +9902,11 @@
           <a:lstStyle/>
           <a:p>
             <a:r>
-              <a:rPr kumimoji="1" lang="ja-JP" altLang="en-US" dirty="0" smtClean="0"/>
+              <a:rPr kumimoji="1" lang="ja-JP" altLang="en-US" dirty="0"/>
               <a:t>未知語や新しい単語を追加するとベクトルの次元がどこ</a:t>
             </a:r>
             <a:r>
-              <a:rPr kumimoji="1" lang="ja-JP" altLang="en-US" smtClean="0"/>
+              <a:rPr kumimoji="1" lang="ja-JP" altLang="en-US"/>
               <a:t>までも増えていく</a:t>
             </a:r>
             <a:endParaRPr kumimoji="1" lang="ja-JP" altLang="en-US" dirty="0"/>
@@ -9904,26 +9936,25 @@
           <a:lstStyle/>
           <a:p>
             <a:r>
-              <a:rPr kumimoji="1" lang="ja-JP" altLang="en-US" sz="2400" dirty="0" smtClean="0"/>
+              <a:rPr kumimoji="1" lang="ja-JP" altLang="en-US" sz="2400" dirty="0"/>
               <a:t>分散表現</a:t>
             </a:r>
             <a:r>
-              <a:rPr kumimoji="1" lang="en-US" altLang="ja-JP" sz="2400" dirty="0" smtClean="0"/>
+              <a:rPr kumimoji="1" lang="en-US" altLang="ja-JP" sz="2400" dirty="0"/>
               <a:t>(Word </a:t>
             </a:r>
             <a:r>
-              <a:rPr kumimoji="1" lang="en-US" altLang="ja-JP" sz="2400" dirty="0" err="1" smtClean="0"/>
+              <a:rPr kumimoji="1" lang="en-US" altLang="ja-JP" sz="2400" dirty="0" err="1"/>
               <a:t>Embeddings</a:t>
             </a:r>
             <a:r>
-              <a:rPr kumimoji="1" lang="en-US" altLang="ja-JP" sz="2400" dirty="0" smtClean="0"/>
+              <a:rPr kumimoji="1" lang="en-US" altLang="ja-JP" sz="2400" dirty="0"/>
               <a:t>)</a:t>
             </a:r>
             <a:r>
-              <a:rPr kumimoji="1" lang="ja-JP" altLang="en-US" sz="2400" dirty="0" smtClean="0"/>
+              <a:rPr kumimoji="1" lang="ja-JP" altLang="en-US" sz="2400" dirty="0"/>
               <a:t>が提案された</a:t>
             </a:r>
-            <a:endParaRPr kumimoji="1" lang="ja-JP" altLang="en-US" sz="2400" dirty="0"/>
           </a:p>
         </p:txBody>
       </p:sp>
@@ -9932,7 +9963,7 @@
           <p:cNvPr id="16" name="テキスト ボックス 15">
             <a:extLst>
               <a:ext uri="{FF2B5EF4-FFF2-40B4-BE49-F238E27FC236}">
-                <a16:creationId xmlns:a16="http://schemas.microsoft.com/office/drawing/2014/main" xmlns="" id="{780EB33D-AB7A-644C-BF62-6411655FBFD6}"/>
+                <a16:creationId xmlns:a16="http://schemas.microsoft.com/office/drawing/2014/main" id="{780EB33D-AB7A-644C-BF62-6411655FBFD6}"/>
               </a:ext>
             </a:extLst>
           </p:cNvPr>
@@ -9989,13 +10020,6 @@
   <p:clrMapOvr>
     <a:masterClrMapping/>
   </p:clrMapOvr>
-  <p:timing>
-    <p:tnLst>
-      <p:par>
-        <p:cTn id="1" dur="indefinite" restart="never" nodeType="tmRoot"/>
-      </p:par>
-    </p:tnLst>
-  </p:timing>
 </p:sld>
 </file>
 
@@ -10039,10 +10063,9 @@
           <a:lstStyle/>
           <a:p>
             <a:r>
-              <a:rPr kumimoji="1" lang="ja-JP" altLang="en-US" dirty="0" smtClean="0"/>
+              <a:rPr kumimoji="1" lang="ja-JP" altLang="en-US" dirty="0"/>
               <a:t>単語のベクトル表現</a:t>
             </a:r>
-            <a:endParaRPr kumimoji="1" lang="ja-JP" altLang="en-US" dirty="0"/>
           </a:p>
         </p:txBody>
       </p:sp>
@@ -10069,42 +10092,41 @@
           <a:lstStyle/>
           <a:p>
             <a:r>
-              <a:rPr kumimoji="1" lang="ja-JP" altLang="en-US" dirty="0" smtClean="0"/>
+              <a:rPr kumimoji="1" lang="ja-JP" altLang="en-US" dirty="0"/>
               <a:t>「イチロー</a:t>
             </a:r>
             <a:r>
-              <a:rPr kumimoji="1" lang="en-US" altLang="ja-JP" dirty="0" smtClean="0"/>
+              <a:rPr kumimoji="1" lang="en-US" altLang="ja-JP" dirty="0"/>
               <a:t>,</a:t>
             </a:r>
             <a:r>
-              <a:rPr kumimoji="1" lang="ja-JP" altLang="en-US" dirty="0" smtClean="0"/>
+              <a:rPr kumimoji="1" lang="ja-JP" altLang="en-US" dirty="0"/>
               <a:t>プログラマー</a:t>
             </a:r>
             <a:r>
-              <a:rPr kumimoji="1" lang="en-US" altLang="ja-JP" dirty="0" smtClean="0"/>
+              <a:rPr kumimoji="1" lang="en-US" altLang="ja-JP" dirty="0"/>
               <a:t>,</a:t>
             </a:r>
             <a:r>
-              <a:rPr kumimoji="1" lang="ja-JP" altLang="en-US" dirty="0" smtClean="0"/>
+              <a:rPr kumimoji="1" lang="ja-JP" altLang="en-US" dirty="0"/>
               <a:t>パリ</a:t>
             </a:r>
             <a:r>
-              <a:rPr kumimoji="1" lang="en-US" altLang="ja-JP" dirty="0" smtClean="0"/>
+              <a:rPr kumimoji="1" lang="en-US" altLang="ja-JP" dirty="0"/>
               <a:t>,</a:t>
             </a:r>
             <a:r>
-              <a:rPr kumimoji="1" lang="ja-JP" altLang="en-US" dirty="0" smtClean="0"/>
+              <a:rPr kumimoji="1" lang="ja-JP" altLang="en-US" dirty="0"/>
               <a:t>道頓堀</a:t>
             </a:r>
             <a:r>
-              <a:rPr kumimoji="1" lang="en-US" altLang="ja-JP" dirty="0" smtClean="0"/>
+              <a:rPr kumimoji="1" lang="en-US" altLang="ja-JP" dirty="0"/>
               <a:t>,</a:t>
             </a:r>
             <a:r>
-              <a:rPr kumimoji="1" lang="ja-JP" altLang="en-US" dirty="0" smtClean="0"/>
+              <a:rPr kumimoji="1" lang="ja-JP" altLang="en-US" dirty="0"/>
               <a:t>打つ」</a:t>
             </a:r>
-            <a:endParaRPr kumimoji="1" lang="ja-JP" altLang="en-US" dirty="0"/>
           </a:p>
         </p:txBody>
       </p:sp>
@@ -10129,11 +10151,41 @@
                 <a:tableStyleId>{5C22544A-7EE6-4342-B048-85BDC9FD1C3A}</a:tableStyleId>
               </a:tblPr>
               <a:tblGrid>
-                <a:gridCol w="482147"/>
-                <a:gridCol w="482147"/>
-                <a:gridCol w="482147"/>
-                <a:gridCol w="482147"/>
-                <a:gridCol w="482147"/>
+                <a:gridCol w="482147">
+                  <a:extLst>
+                    <a:ext uri="{9D8B030D-6E8A-4147-A177-3AD203B41FA5}">
+                      <a16:colId xmlns:a16="http://schemas.microsoft.com/office/drawing/2014/main" val="20000"/>
+                    </a:ext>
+                  </a:extLst>
+                </a:gridCol>
+                <a:gridCol w="482147">
+                  <a:extLst>
+                    <a:ext uri="{9D8B030D-6E8A-4147-A177-3AD203B41FA5}">
+                      <a16:colId xmlns:a16="http://schemas.microsoft.com/office/drawing/2014/main" val="20001"/>
+                    </a:ext>
+                  </a:extLst>
+                </a:gridCol>
+                <a:gridCol w="482147">
+                  <a:extLst>
+                    <a:ext uri="{9D8B030D-6E8A-4147-A177-3AD203B41FA5}">
+                      <a16:colId xmlns:a16="http://schemas.microsoft.com/office/drawing/2014/main" val="20002"/>
+                    </a:ext>
+                  </a:extLst>
+                </a:gridCol>
+                <a:gridCol w="482147">
+                  <a:extLst>
+                    <a:ext uri="{9D8B030D-6E8A-4147-A177-3AD203B41FA5}">
+                      <a16:colId xmlns:a16="http://schemas.microsoft.com/office/drawing/2014/main" val="20003"/>
+                    </a:ext>
+                  </a:extLst>
+                </a:gridCol>
+                <a:gridCol w="482147">
+                  <a:extLst>
+                    <a:ext uri="{9D8B030D-6E8A-4147-A177-3AD203B41FA5}">
+                      <a16:colId xmlns:a16="http://schemas.microsoft.com/office/drawing/2014/main" val="20004"/>
+                    </a:ext>
+                  </a:extLst>
+                </a:gridCol>
               </a:tblGrid>
               <a:tr h="370840">
                 <a:tc>
@@ -10142,7 +10194,7 @@
                     <a:lstStyle/>
                     <a:p>
                       <a:r>
-                        <a:rPr kumimoji="1" lang="en-US" altLang="ja-JP" dirty="0" smtClean="0">
+                        <a:rPr kumimoji="1" lang="en-US" altLang="ja-JP" dirty="0">
                           <a:solidFill>
                             <a:schemeClr val="tx1"/>
                           </a:solidFill>
@@ -10199,7 +10251,7 @@
                     <a:lstStyle/>
                     <a:p>
                       <a:r>
-                        <a:rPr kumimoji="1" lang="en-US" altLang="ja-JP" dirty="0" smtClean="0">
+                        <a:rPr kumimoji="1" lang="en-US" altLang="ja-JP" dirty="0">
                           <a:solidFill>
                             <a:schemeClr val="tx1"/>
                           </a:solidFill>
@@ -10261,7 +10313,7 @@
                     <a:lstStyle/>
                     <a:p>
                       <a:r>
-                        <a:rPr kumimoji="1" lang="en-US" altLang="ja-JP" dirty="0" smtClean="0">
+                        <a:rPr kumimoji="1" lang="en-US" altLang="ja-JP" dirty="0">
                           <a:solidFill>
                             <a:schemeClr val="tx1"/>
                           </a:solidFill>
@@ -10323,7 +10375,7 @@
                     <a:lstStyle/>
                     <a:p>
                       <a:r>
-                        <a:rPr kumimoji="1" lang="en-US" altLang="ja-JP" dirty="0" smtClean="0">
+                        <a:rPr kumimoji="1" lang="en-US" altLang="ja-JP" dirty="0">
                           <a:solidFill>
                             <a:schemeClr val="tx1"/>
                           </a:solidFill>
@@ -10385,7 +10437,7 @@
                     <a:lstStyle/>
                     <a:p>
                       <a:r>
-                        <a:rPr kumimoji="1" lang="en-US" altLang="ja-JP" dirty="0" smtClean="0">
+                        <a:rPr kumimoji="1" lang="en-US" altLang="ja-JP" dirty="0">
                           <a:solidFill>
                             <a:schemeClr val="tx1"/>
                           </a:solidFill>
@@ -10449,6 +10501,11 @@
                     </a:solidFill>
                   </a:tcPr>
                 </a:tc>
+                <a:extLst>
+                  <a:ext uri="{0D108BD9-81ED-4DB2-BD59-A6C34878D82A}">
+                    <a16:rowId xmlns:a16="http://schemas.microsoft.com/office/drawing/2014/main" val="10000"/>
+                  </a:ext>
+                </a:extLst>
               </a:tr>
             </a:tbl>
           </a:graphicData>
@@ -10477,11 +10534,11 @@
           <a:lstStyle/>
           <a:p>
             <a:r>
-              <a:rPr kumimoji="1" lang="ja-JP" altLang="en-US" dirty="0" smtClean="0"/>
+              <a:rPr kumimoji="1" lang="ja-JP" altLang="en-US" dirty="0"/>
               <a:t>プログラマー</a:t>
             </a:r>
             <a:r>
-              <a:rPr kumimoji="1" lang="en-US" altLang="ja-JP" dirty="0" smtClean="0"/>
+              <a:rPr kumimoji="1" lang="en-US" altLang="ja-JP" dirty="0"/>
               <a:t> 	=</a:t>
             </a:r>
             <a:endParaRPr kumimoji="1" lang="ja-JP" altLang="en-US" dirty="0"/>
@@ -10509,10 +10566,34 @@
                 <a:tableStyleId>{5C22544A-7EE6-4342-B048-85BDC9FD1C3A}</a:tableStyleId>
               </a:tblPr>
               <a:tblGrid>
-                <a:gridCol w="1615131"/>
-                <a:gridCol w="1615131"/>
-                <a:gridCol w="1615131"/>
-                <a:gridCol w="1615131"/>
+                <a:gridCol w="1615131">
+                  <a:extLst>
+                    <a:ext uri="{9D8B030D-6E8A-4147-A177-3AD203B41FA5}">
+                      <a16:colId xmlns:a16="http://schemas.microsoft.com/office/drawing/2014/main" val="20000"/>
+                    </a:ext>
+                  </a:extLst>
+                </a:gridCol>
+                <a:gridCol w="1615131">
+                  <a:extLst>
+                    <a:ext uri="{9D8B030D-6E8A-4147-A177-3AD203B41FA5}">
+                      <a16:colId xmlns:a16="http://schemas.microsoft.com/office/drawing/2014/main" val="20001"/>
+                    </a:ext>
+                  </a:extLst>
+                </a:gridCol>
+                <a:gridCol w="1615131">
+                  <a:extLst>
+                    <a:ext uri="{9D8B030D-6E8A-4147-A177-3AD203B41FA5}">
+                      <a16:colId xmlns:a16="http://schemas.microsoft.com/office/drawing/2014/main" val="20002"/>
+                    </a:ext>
+                  </a:extLst>
+                </a:gridCol>
+                <a:gridCol w="1615131">
+                  <a:extLst>
+                    <a:ext uri="{9D8B030D-6E8A-4147-A177-3AD203B41FA5}">
+                      <a16:colId xmlns:a16="http://schemas.microsoft.com/office/drawing/2014/main" val="20003"/>
+                    </a:ext>
+                  </a:extLst>
+                </a:gridCol>
               </a:tblGrid>
               <a:tr h="370840">
                 <a:tc>
@@ -10575,18 +10656,13 @@
                     <a:lstStyle/>
                     <a:p>
                       <a:r>
-                        <a:rPr kumimoji="1" lang="ja-JP" altLang="en-US" dirty="0" smtClean="0">
+                        <a:rPr kumimoji="1" lang="ja-JP" altLang="en-US" dirty="0">
                           <a:solidFill>
                             <a:schemeClr val="tx1"/>
                           </a:solidFill>
                         </a:rPr>
                         <a:t>イチロー</a:t>
                       </a:r>
-                      <a:endParaRPr kumimoji="1" lang="ja-JP" altLang="en-US" dirty="0">
-                        <a:solidFill>
-                          <a:schemeClr val="tx1"/>
-                        </a:solidFill>
-                      </a:endParaRPr>
                     </a:p>
                   </a:txBody>
                   <a:tcPr>
@@ -10634,18 +10710,13 @@
                     <a:lstStyle/>
                     <a:p>
                       <a:r>
-                        <a:rPr kumimoji="1" lang="ja-JP" altLang="en-US" dirty="0" smtClean="0">
+                        <a:rPr kumimoji="1" lang="ja-JP" altLang="en-US" dirty="0">
                           <a:solidFill>
                             <a:schemeClr val="tx1"/>
                           </a:solidFill>
                         </a:rPr>
                         <a:t>プログラマー</a:t>
                       </a:r>
-                      <a:endParaRPr kumimoji="1" lang="ja-JP" altLang="en-US" dirty="0">
-                        <a:solidFill>
-                          <a:schemeClr val="tx1"/>
-                        </a:solidFill>
-                      </a:endParaRPr>
                     </a:p>
                   </a:txBody>
                   <a:tcPr>
@@ -10693,18 +10764,13 @@
                     <a:lstStyle/>
                     <a:p>
                       <a:r>
-                        <a:rPr kumimoji="1" lang="ja-JP" altLang="en-US" dirty="0" smtClean="0">
+                        <a:rPr kumimoji="1" lang="ja-JP" altLang="en-US" dirty="0">
                           <a:solidFill>
                             <a:schemeClr val="tx1"/>
                           </a:solidFill>
                         </a:rPr>
                         <a:t>パリ</a:t>
                       </a:r>
-                      <a:endParaRPr kumimoji="1" lang="ja-JP" altLang="en-US" dirty="0">
-                        <a:solidFill>
-                          <a:schemeClr val="tx1"/>
-                        </a:solidFill>
-                      </a:endParaRPr>
                     </a:p>
                   </a:txBody>
                   <a:tcPr>
@@ -10746,6 +10812,11 @@
                     </a:lnB>
                   </a:tcPr>
                 </a:tc>
+                <a:extLst>
+                  <a:ext uri="{0D108BD9-81ED-4DB2-BD59-A6C34878D82A}">
+                    <a16:rowId xmlns:a16="http://schemas.microsoft.com/office/drawing/2014/main" val="10000"/>
+                  </a:ext>
+                </a:extLst>
               </a:tr>
               <a:tr h="370840">
                 <a:tc>
@@ -10754,10 +10825,9 @@
                     <a:lstStyle/>
                     <a:p>
                       <a:r>
-                        <a:rPr kumimoji="1" lang="ja-JP" altLang="en-US" dirty="0" smtClean="0"/>
+                        <a:rPr kumimoji="1" lang="ja-JP" altLang="en-US" dirty="0"/>
                         <a:t>怠惰さ</a:t>
                       </a:r>
-                      <a:endParaRPr kumimoji="1" lang="ja-JP" altLang="en-US" dirty="0"/>
                     </a:p>
                   </a:txBody>
                   <a:tcPr>
@@ -10808,7 +10878,7 @@
                     <a:lstStyle/>
                     <a:p>
                       <a:r>
-                        <a:rPr kumimoji="1" lang="en-US" altLang="ja-JP" dirty="0" smtClean="0"/>
+                        <a:rPr kumimoji="1" lang="en-US" altLang="ja-JP" dirty="0"/>
                         <a:t>0.01</a:t>
                       </a:r>
                       <a:endParaRPr kumimoji="1" lang="ja-JP" altLang="en-US" dirty="0"/>
@@ -10862,7 +10932,7 @@
                     <a:lstStyle/>
                     <a:p>
                       <a:r>
-                        <a:rPr kumimoji="1" lang="en-US" altLang="ja-JP" dirty="0" smtClean="0"/>
+                        <a:rPr kumimoji="1" lang="en-US" altLang="ja-JP" dirty="0"/>
                         <a:t>0.82</a:t>
                       </a:r>
                       <a:endParaRPr kumimoji="1" lang="ja-JP" altLang="en-US" dirty="0"/>
@@ -10916,7 +10986,7 @@
                     <a:lstStyle/>
                     <a:p>
                       <a:r>
-                        <a:rPr kumimoji="1" lang="en-US" altLang="ja-JP" dirty="0" smtClean="0"/>
+                        <a:rPr kumimoji="1" lang="en-US" altLang="ja-JP" dirty="0"/>
                         <a:t>0.34</a:t>
                       </a:r>
                       <a:endParaRPr kumimoji="1" lang="ja-JP" altLang="en-US" dirty="0"/>
@@ -10964,6 +11034,11 @@
                     </a:solidFill>
                   </a:tcPr>
                 </a:tc>
+                <a:extLst>
+                  <a:ext uri="{0D108BD9-81ED-4DB2-BD59-A6C34878D82A}">
+                    <a16:rowId xmlns:a16="http://schemas.microsoft.com/office/drawing/2014/main" val="10001"/>
+                  </a:ext>
+                </a:extLst>
               </a:tr>
               <a:tr h="370840">
                 <a:tc>
@@ -10972,10 +11047,9 @@
                     <a:lstStyle/>
                     <a:p>
                       <a:r>
-                        <a:rPr kumimoji="1" lang="ja-JP" altLang="en-US" dirty="0" smtClean="0"/>
+                        <a:rPr kumimoji="1" lang="ja-JP" altLang="en-US" dirty="0"/>
                         <a:t>スポーツ</a:t>
                       </a:r>
-                      <a:endParaRPr kumimoji="1" lang="ja-JP" altLang="en-US" dirty="0"/>
                     </a:p>
                   </a:txBody>
                   <a:tcPr>
@@ -11026,7 +11100,7 @@
                     <a:lstStyle/>
                     <a:p>
                       <a:r>
-                        <a:rPr kumimoji="1" lang="en-US" altLang="ja-JP" dirty="0" smtClean="0"/>
+                        <a:rPr kumimoji="1" lang="en-US" altLang="ja-JP" dirty="0"/>
                         <a:t>0.99</a:t>
                       </a:r>
                       <a:endParaRPr kumimoji="1" lang="ja-JP" altLang="en-US" dirty="0"/>
@@ -11080,7 +11154,7 @@
                     <a:lstStyle/>
                     <a:p>
                       <a:r>
-                        <a:rPr kumimoji="1" lang="en-US" altLang="ja-JP" dirty="0" smtClean="0"/>
+                        <a:rPr kumimoji="1" lang="en-US" altLang="ja-JP" dirty="0"/>
                         <a:t>0.14</a:t>
                       </a:r>
                       <a:endParaRPr kumimoji="1" lang="ja-JP" altLang="en-US" dirty="0"/>
@@ -11134,7 +11208,7 @@
                     <a:lstStyle/>
                     <a:p>
                       <a:r>
-                        <a:rPr kumimoji="1" lang="en-US" altLang="ja-JP" dirty="0" smtClean="0"/>
+                        <a:rPr kumimoji="1" lang="en-US" altLang="ja-JP" dirty="0"/>
                         <a:t>0.6</a:t>
                       </a:r>
                       <a:endParaRPr kumimoji="1" lang="ja-JP" altLang="en-US" dirty="0"/>
@@ -11182,6 +11256,11 @@
                     </a:solidFill>
                   </a:tcPr>
                 </a:tc>
+                <a:extLst>
+                  <a:ext uri="{0D108BD9-81ED-4DB2-BD59-A6C34878D82A}">
+                    <a16:rowId xmlns:a16="http://schemas.microsoft.com/office/drawing/2014/main" val="10002"/>
+                  </a:ext>
+                </a:extLst>
               </a:tr>
               <a:tr h="370840">
                 <a:tc>
@@ -11190,10 +11269,9 @@
                     <a:lstStyle/>
                     <a:p>
                       <a:r>
-                        <a:rPr kumimoji="1" lang="ja-JP" altLang="en-US" dirty="0" smtClean="0"/>
+                        <a:rPr kumimoji="1" lang="ja-JP" altLang="en-US" dirty="0"/>
                         <a:t>土地</a:t>
                       </a:r>
-                      <a:endParaRPr kumimoji="1" lang="ja-JP" altLang="en-US" dirty="0"/>
                     </a:p>
                   </a:txBody>
                   <a:tcPr>
@@ -11244,7 +11322,7 @@
                     <a:lstStyle/>
                     <a:p>
                       <a:r>
-                        <a:rPr kumimoji="1" lang="en-US" altLang="ja-JP" dirty="0" smtClean="0"/>
+                        <a:rPr kumimoji="1" lang="en-US" altLang="ja-JP" dirty="0"/>
                         <a:t>0.04</a:t>
                       </a:r>
                       <a:endParaRPr kumimoji="1" lang="ja-JP" altLang="en-US" dirty="0"/>
@@ -11298,7 +11376,7 @@
                     <a:lstStyle/>
                     <a:p>
                       <a:r>
-                        <a:rPr kumimoji="1" lang="en-US" altLang="ja-JP" dirty="0" smtClean="0"/>
+                        <a:rPr kumimoji="1" lang="en-US" altLang="ja-JP" dirty="0"/>
                         <a:t>0.02</a:t>
                       </a:r>
                       <a:endParaRPr kumimoji="1" lang="ja-JP" altLang="en-US" dirty="0"/>
@@ -11352,7 +11430,7 @@
                     <a:lstStyle/>
                     <a:p>
                       <a:r>
-                        <a:rPr kumimoji="1" lang="en-US" altLang="ja-JP" dirty="0" smtClean="0"/>
+                        <a:rPr kumimoji="1" lang="en-US" altLang="ja-JP" dirty="0"/>
                         <a:t>0.97</a:t>
                       </a:r>
                       <a:endParaRPr kumimoji="1" lang="ja-JP" altLang="en-US" dirty="0"/>
@@ -11400,6 +11478,11 @@
                     </a:solidFill>
                   </a:tcPr>
                 </a:tc>
+                <a:extLst>
+                  <a:ext uri="{0D108BD9-81ED-4DB2-BD59-A6C34878D82A}">
+                    <a16:rowId xmlns:a16="http://schemas.microsoft.com/office/drawing/2014/main" val="10003"/>
+                  </a:ext>
+                </a:extLst>
               </a:tr>
               <a:tr h="370840">
                 <a:tc>
@@ -11408,7 +11491,7 @@
                     <a:lstStyle/>
                     <a:p>
                       <a:r>
-                        <a:rPr kumimoji="1" lang="en-US" altLang="ja-JP" dirty="0" smtClean="0"/>
+                        <a:rPr kumimoji="1" lang="en-US" altLang="ja-JP" dirty="0"/>
                         <a:t>…</a:t>
                       </a:r>
                       <a:endParaRPr kumimoji="1" lang="ja-JP" altLang="en-US" dirty="0"/>
@@ -11462,7 +11545,7 @@
                     <a:lstStyle/>
                     <a:p>
                       <a:r>
-                        <a:rPr kumimoji="1" lang="en-US" altLang="ja-JP" dirty="0" smtClean="0"/>
+                        <a:rPr kumimoji="1" lang="en-US" altLang="ja-JP" dirty="0"/>
                         <a:t>…</a:t>
                       </a:r>
                       <a:endParaRPr kumimoji="1" lang="ja-JP" altLang="en-US" dirty="0"/>
@@ -11516,7 +11599,7 @@
                     <a:lstStyle/>
                     <a:p>
                       <a:r>
-                        <a:rPr kumimoji="1" lang="en-US" altLang="ja-JP" dirty="0" smtClean="0"/>
+                        <a:rPr kumimoji="1" lang="en-US" altLang="ja-JP" dirty="0"/>
                         <a:t>…</a:t>
                       </a:r>
                       <a:endParaRPr kumimoji="1" lang="ja-JP" altLang="en-US" dirty="0"/>
@@ -11570,7 +11653,7 @@
                     <a:lstStyle/>
                     <a:p>
                       <a:r>
-                        <a:rPr kumimoji="1" lang="en-US" altLang="ja-JP" dirty="0" smtClean="0"/>
+                        <a:rPr kumimoji="1" lang="en-US" altLang="ja-JP" dirty="0"/>
                         <a:t>…</a:t>
                       </a:r>
                       <a:endParaRPr kumimoji="1" lang="ja-JP" altLang="en-US" dirty="0"/>
@@ -11618,6 +11701,11 @@
                     </a:solidFill>
                   </a:tcPr>
                 </a:tc>
+                <a:extLst>
+                  <a:ext uri="{0D108BD9-81ED-4DB2-BD59-A6C34878D82A}">
+                    <a16:rowId xmlns:a16="http://schemas.microsoft.com/office/drawing/2014/main" val="10004"/>
+                  </a:ext>
+                </a:extLst>
               </a:tr>
             </a:tbl>
           </a:graphicData>
@@ -11686,11 +11774,11 @@
           <a:lstStyle/>
           <a:p>
             <a:r>
-              <a:rPr kumimoji="1" lang="ja-JP" altLang="en-US" dirty="0" smtClean="0"/>
+              <a:rPr kumimoji="1" lang="ja-JP" altLang="en-US" dirty="0"/>
               <a:t>分散表現で表すと</a:t>
             </a:r>
             <a:r>
-              <a:rPr kumimoji="1" lang="en-US" altLang="ja-JP" dirty="0" smtClean="0"/>
+              <a:rPr kumimoji="1" lang="en-US" altLang="ja-JP" dirty="0"/>
               <a:t>…</a:t>
             </a:r>
             <a:endParaRPr kumimoji="1" lang="ja-JP" altLang="en-US" dirty="0"/>
@@ -11758,14 +11846,14 @@
           <a:lstStyle/>
           <a:p>
             <a:r>
-              <a:rPr kumimoji="1" lang="en-US" altLang="ja-JP" dirty="0" smtClean="0"/>
+              <a:rPr kumimoji="1" lang="en-US" altLang="ja-JP" dirty="0"/>
               <a:t>200~1000</a:t>
             </a:r>
             <a:r>
-              <a:rPr kumimoji="1" lang="ja-JP" altLang="en-US" dirty="0" smtClean="0"/>
+              <a:rPr kumimoji="1" lang="ja-JP" altLang="en-US" dirty="0"/>
               <a:t>次元</a:t>
             </a:r>
-            <a:endParaRPr kumimoji="1" lang="en-US" altLang="ja-JP" dirty="0" smtClean="0"/>
+            <a:endParaRPr kumimoji="1" lang="en-US" altLang="ja-JP" dirty="0"/>
           </a:p>
         </p:txBody>
       </p:sp>
@@ -11832,17 +11920,16 @@
           <a:lstStyle/>
           <a:p>
             <a:r>
-              <a:rPr kumimoji="1" lang="ja-JP" altLang="en-US" dirty="0" smtClean="0"/>
+              <a:rPr kumimoji="1" lang="ja-JP" altLang="en-US" dirty="0"/>
               <a:t>低次元にベクトルを圧縮することで</a:t>
             </a:r>
-            <a:endParaRPr kumimoji="1" lang="en-US" altLang="ja-JP" dirty="0" smtClean="0"/>
-          </a:p>
-          <a:p>
-            <a:r>
-              <a:rPr kumimoji="1" lang="ja-JP" altLang="en-US" dirty="0" smtClean="0"/>
+            <a:endParaRPr kumimoji="1" lang="en-US" altLang="ja-JP" dirty="0"/>
+          </a:p>
+          <a:p>
+            <a:r>
+              <a:rPr kumimoji="1" lang="ja-JP" altLang="en-US" dirty="0"/>
               <a:t>ニューラルネットワークの入力として利用可</a:t>
             </a:r>
-            <a:endParaRPr kumimoji="1" lang="ja-JP" altLang="en-US" dirty="0"/>
           </a:p>
         </p:txBody>
       </p:sp>
@@ -11851,7 +11938,7 @@
           <p:cNvPr id="15" name="テキスト ボックス 14">
             <a:extLst>
               <a:ext uri="{FF2B5EF4-FFF2-40B4-BE49-F238E27FC236}">
-                <a16:creationId xmlns:a16="http://schemas.microsoft.com/office/drawing/2014/main" xmlns="" id="{780EB33D-AB7A-644C-BF62-6411655FBFD6}"/>
+                <a16:creationId xmlns:a16="http://schemas.microsoft.com/office/drawing/2014/main" id="{780EB33D-AB7A-644C-BF62-6411655FBFD6}"/>
               </a:ext>
             </a:extLst>
           </p:cNvPr>
@@ -11908,13 +11995,6 @@
   <p:clrMapOvr>
     <a:masterClrMapping/>
   </p:clrMapOvr>
-  <p:timing>
-    <p:tnLst>
-      <p:par>
-        <p:cTn id="1" dur="indefinite" restart="never" nodeType="tmRoot"/>
-      </p:par>
-    </p:tnLst>
-  </p:timing>
 </p:sld>
 </file>
 
@@ -11958,10 +12038,9 @@
           <a:lstStyle/>
           <a:p>
             <a:r>
-              <a:rPr kumimoji="1" lang="ja-JP" altLang="en-US" dirty="0" smtClean="0"/>
+              <a:rPr kumimoji="1" lang="ja-JP" altLang="en-US" dirty="0"/>
               <a:t>分散表現で何が出来る？</a:t>
             </a:r>
-            <a:endParaRPr kumimoji="1" lang="ja-JP" altLang="en-US" dirty="0"/>
           </a:p>
         </p:txBody>
       </p:sp>
@@ -11988,10 +12067,9 @@
           <a:lstStyle/>
           <a:p>
             <a:r>
-              <a:rPr kumimoji="1" lang="ja-JP" altLang="en-US" smtClean="0"/>
+              <a:rPr kumimoji="1" lang="ja-JP" altLang="en-US"/>
               <a:t>例えば</a:t>
             </a:r>
-            <a:endParaRPr kumimoji="1" lang="ja-JP" altLang="en-US"/>
           </a:p>
         </p:txBody>
       </p:sp>
@@ -12018,34 +12096,33 @@
           <a:lstStyle/>
           <a:p>
             <a:r>
-              <a:rPr kumimoji="1" lang="ja-JP" altLang="en-US" dirty="0" smtClean="0"/>
+              <a:rPr kumimoji="1" lang="ja-JP" altLang="en-US" dirty="0"/>
               <a:t>「王様」</a:t>
             </a:r>
             <a:r>
-              <a:rPr kumimoji="1" lang="en-US" altLang="ja-JP" dirty="0" smtClean="0"/>
+              <a:rPr kumimoji="1" lang="en-US" altLang="ja-JP" dirty="0"/>
               <a:t>-</a:t>
             </a:r>
             <a:r>
-              <a:rPr kumimoji="1" lang="ja-JP" altLang="en-US" dirty="0" smtClean="0"/>
+              <a:rPr kumimoji="1" lang="ja-JP" altLang="en-US" dirty="0"/>
               <a:t>「男」</a:t>
             </a:r>
             <a:r>
-              <a:rPr kumimoji="1" lang="en-US" altLang="ja-JP" dirty="0" smtClean="0"/>
+              <a:rPr kumimoji="1" lang="en-US" altLang="ja-JP" dirty="0"/>
               <a:t>+</a:t>
             </a:r>
             <a:r>
-              <a:rPr kumimoji="1" lang="ja-JP" altLang="en-US" dirty="0" smtClean="0"/>
+              <a:rPr kumimoji="1" lang="ja-JP" altLang="en-US" dirty="0"/>
               <a:t>「女」</a:t>
             </a:r>
             <a:r>
-              <a:rPr kumimoji="1" lang="en-US" altLang="ja-JP" dirty="0" smtClean="0"/>
+              <a:rPr kumimoji="1" lang="en-US" altLang="ja-JP" dirty="0"/>
               <a:t>=</a:t>
             </a:r>
             <a:r>
-              <a:rPr kumimoji="1" lang="ja-JP" altLang="en-US" dirty="0" smtClean="0"/>
+              <a:rPr kumimoji="1" lang="ja-JP" altLang="en-US" dirty="0"/>
               <a:t>「女王」</a:t>
             </a:r>
-            <a:endParaRPr kumimoji="1" lang="ja-JP" altLang="en-US" dirty="0"/>
           </a:p>
         </p:txBody>
       </p:sp>
@@ -12072,34 +12149,33 @@
           <a:lstStyle/>
           <a:p>
             <a:r>
-              <a:rPr kumimoji="1" lang="ja-JP" altLang="en-US" dirty="0" smtClean="0"/>
+              <a:rPr kumimoji="1" lang="ja-JP" altLang="en-US" dirty="0"/>
               <a:t>「パリ」</a:t>
             </a:r>
             <a:r>
-              <a:rPr kumimoji="1" lang="en-US" altLang="ja-JP" dirty="0" smtClean="0"/>
+              <a:rPr kumimoji="1" lang="en-US" altLang="ja-JP" dirty="0"/>
               <a:t>-</a:t>
             </a:r>
             <a:r>
-              <a:rPr kumimoji="1" lang="ja-JP" altLang="en-US" dirty="0" smtClean="0"/>
+              <a:rPr kumimoji="1" lang="ja-JP" altLang="en-US" dirty="0"/>
               <a:t>「フランス」</a:t>
             </a:r>
             <a:r>
-              <a:rPr kumimoji="1" lang="en-US" altLang="ja-JP" dirty="0" smtClean="0"/>
+              <a:rPr kumimoji="1" lang="en-US" altLang="ja-JP" dirty="0"/>
               <a:t>+</a:t>
             </a:r>
             <a:r>
-              <a:rPr kumimoji="1" lang="ja-JP" altLang="en-US" dirty="0" smtClean="0"/>
+              <a:rPr kumimoji="1" lang="ja-JP" altLang="en-US" dirty="0"/>
               <a:t>「日本」</a:t>
             </a:r>
             <a:r>
-              <a:rPr kumimoji="1" lang="en-US" altLang="ja-JP" dirty="0" smtClean="0"/>
+              <a:rPr kumimoji="1" lang="en-US" altLang="ja-JP" dirty="0"/>
               <a:t>=</a:t>
             </a:r>
             <a:r>
-              <a:rPr kumimoji="1" lang="ja-JP" altLang="en-US" dirty="0" smtClean="0"/>
+              <a:rPr kumimoji="1" lang="ja-JP" altLang="en-US" dirty="0"/>
               <a:t>「東京」</a:t>
             </a:r>
-            <a:endParaRPr kumimoji="1" lang="ja-JP" altLang="en-US" dirty="0"/>
           </a:p>
         </p:txBody>
       </p:sp>
@@ -12126,10 +12202,9 @@
           <a:lstStyle/>
           <a:p>
             <a:r>
-              <a:rPr kumimoji="1" lang="ja-JP" altLang="en-US" smtClean="0"/>
+              <a:rPr kumimoji="1" lang="ja-JP" altLang="en-US"/>
               <a:t>といった単語の演算が可能となる</a:t>
             </a:r>
-            <a:endParaRPr kumimoji="1" lang="ja-JP" altLang="en-US"/>
           </a:p>
         </p:txBody>
       </p:sp>
@@ -12156,18 +12231,17 @@
           <a:lstStyle/>
           <a:p>
             <a:r>
-              <a:rPr kumimoji="1" lang="ja-JP" altLang="en-US" dirty="0" smtClean="0"/>
+              <a:rPr kumimoji="1" lang="ja-JP" altLang="en-US" dirty="0"/>
               <a:t>簡易的に</a:t>
             </a:r>
             <a:r>
-              <a:rPr kumimoji="1" lang="en-US" altLang="ja-JP" dirty="0" smtClean="0"/>
+              <a:rPr kumimoji="1" lang="en-US" altLang="ja-JP" dirty="0"/>
               <a:t>2</a:t>
             </a:r>
             <a:r>
-              <a:rPr kumimoji="1" lang="ja-JP" altLang="en-US" dirty="0" smtClean="0"/>
+              <a:rPr kumimoji="1" lang="ja-JP" altLang="en-US" dirty="0"/>
               <a:t>次元で表現すると</a:t>
             </a:r>
-            <a:endParaRPr kumimoji="1" lang="ja-JP" altLang="en-US" dirty="0"/>
           </a:p>
         </p:txBody>
       </p:sp>
@@ -12194,10 +12268,9 @@
           <a:lstStyle/>
           <a:p>
             <a:r>
-              <a:rPr kumimoji="1" lang="ja-JP" altLang="en-US" dirty="0" smtClean="0"/>
+              <a:rPr kumimoji="1" lang="ja-JP" altLang="en-US" dirty="0"/>
               <a:t>男</a:t>
             </a:r>
-            <a:endParaRPr kumimoji="1" lang="ja-JP" altLang="en-US" dirty="0"/>
           </a:p>
         </p:txBody>
       </p:sp>
@@ -12224,10 +12297,9 @@
           <a:lstStyle/>
           <a:p>
             <a:r>
-              <a:rPr kumimoji="1" lang="ja-JP" altLang="en-US" smtClean="0"/>
+              <a:rPr kumimoji="1" lang="ja-JP" altLang="en-US"/>
               <a:t>叔父</a:t>
             </a:r>
-            <a:endParaRPr kumimoji="1" lang="ja-JP" altLang="en-US"/>
           </a:p>
         </p:txBody>
       </p:sp>
@@ -12254,10 +12326,9 @@
           <a:lstStyle/>
           <a:p>
             <a:r>
-              <a:rPr kumimoji="1" lang="ja-JP" altLang="en-US" smtClean="0"/>
+              <a:rPr kumimoji="1" lang="ja-JP" altLang="en-US"/>
               <a:t>王様</a:t>
             </a:r>
-            <a:endParaRPr kumimoji="1" lang="ja-JP" altLang="en-US"/>
           </a:p>
         </p:txBody>
       </p:sp>
@@ -12404,10 +12475,9 @@
           <a:lstStyle/>
           <a:p>
             <a:r>
-              <a:rPr kumimoji="1" lang="ja-JP" altLang="en-US" dirty="0" smtClean="0"/>
+              <a:rPr kumimoji="1" lang="ja-JP" altLang="en-US" dirty="0"/>
               <a:t>女</a:t>
             </a:r>
-            <a:endParaRPr kumimoji="1" lang="ja-JP" altLang="en-US" dirty="0"/>
           </a:p>
         </p:txBody>
       </p:sp>
@@ -12434,10 +12504,9 @@
           <a:lstStyle/>
           <a:p>
             <a:r>
-              <a:rPr kumimoji="1" lang="ja-JP" altLang="en-US" dirty="0" smtClean="0"/>
+              <a:rPr kumimoji="1" lang="ja-JP" altLang="en-US" dirty="0"/>
               <a:t>叔母</a:t>
             </a:r>
-            <a:endParaRPr kumimoji="1" lang="ja-JP" altLang="en-US" dirty="0"/>
           </a:p>
         </p:txBody>
       </p:sp>
@@ -12464,10 +12533,9 @@
           <a:lstStyle/>
           <a:p>
             <a:r>
-              <a:rPr kumimoji="1" lang="ja-JP" altLang="en-US" smtClean="0"/>
+              <a:rPr kumimoji="1" lang="ja-JP" altLang="en-US"/>
               <a:t>女王</a:t>
             </a:r>
-            <a:endParaRPr kumimoji="1" lang="ja-JP" altLang="en-US"/>
           </a:p>
         </p:txBody>
       </p:sp>
@@ -12476,7 +12544,7 @@
           <p:cNvPr id="25" name="テキスト ボックス 24">
             <a:extLst>
               <a:ext uri="{FF2B5EF4-FFF2-40B4-BE49-F238E27FC236}">
-                <a16:creationId xmlns:a16="http://schemas.microsoft.com/office/drawing/2014/main" xmlns="" id="{780EB33D-AB7A-644C-BF62-6411655FBFD6}"/>
+                <a16:creationId xmlns:a16="http://schemas.microsoft.com/office/drawing/2014/main" id="{780EB33D-AB7A-644C-BF62-6411655FBFD6}"/>
               </a:ext>
             </a:extLst>
           </p:cNvPr>
@@ -12533,13 +12601,6 @@
   <p:clrMapOvr>
     <a:masterClrMapping/>
   </p:clrMapOvr>
-  <p:timing>
-    <p:tnLst>
-      <p:par>
-        <p:cTn id="1" dur="indefinite" restart="never" nodeType="tmRoot"/>
-      </p:par>
-    </p:tnLst>
-  </p:timing>
 </p:sld>
 </file>
 
@@ -12583,7 +12644,7 @@
           <a:lstStyle/>
           <a:p>
             <a:r>
-              <a:rPr kumimoji="1" lang="en-US" altLang="ja-JP" dirty="0" err="1" smtClean="0"/>
+              <a:rPr kumimoji="1" lang="en-US" altLang="ja-JP" dirty="0" err="1"/>
               <a:t>CBoW</a:t>
             </a:r>
             <a:endParaRPr kumimoji="1" lang="ja-JP" altLang="en-US" dirty="0"/>
@@ -12613,14 +12674,13 @@
           <a:lstStyle/>
           <a:p>
             <a:r>
-              <a:rPr kumimoji="1" lang="en-US" altLang="ja-JP" dirty="0" smtClean="0"/>
+              <a:rPr kumimoji="1" lang="en-US" altLang="ja-JP" dirty="0"/>
               <a:t>Continuous Bag-of-Words</a:t>
             </a:r>
             <a:r>
-              <a:rPr kumimoji="1" lang="ja-JP" altLang="en-US" dirty="0" smtClean="0"/>
+              <a:rPr kumimoji="1" lang="ja-JP" altLang="en-US" dirty="0"/>
               <a:t>の略</a:t>
             </a:r>
-            <a:endParaRPr kumimoji="1" lang="ja-JP" altLang="en-US" dirty="0"/>
           </a:p>
         </p:txBody>
       </p:sp>
@@ -12647,21 +12707,21 @@
           <a:lstStyle/>
           <a:p>
             <a:r>
-              <a:rPr kumimoji="1" lang="en-US" altLang="ja-JP" dirty="0" err="1" smtClean="0"/>
+              <a:rPr kumimoji="1" lang="en-US" altLang="ja-JP" dirty="0" err="1"/>
               <a:t>CBoW</a:t>
             </a:r>
             <a:r>
-              <a:rPr kumimoji="1" lang="ja-JP" altLang="en-US" dirty="0" smtClean="0"/>
+              <a:rPr kumimoji="1" lang="ja-JP" altLang="en-US" dirty="0"/>
               <a:t>において、文法と意味を学習していくことは</a:t>
             </a:r>
-            <a:endParaRPr kumimoji="1" lang="en-US" altLang="ja-JP" dirty="0" smtClean="0"/>
-          </a:p>
-          <a:p>
-            <a:r>
-              <a:rPr kumimoji="1" lang="ja-JP" altLang="en-US" dirty="0" smtClean="0"/>
+            <a:endParaRPr kumimoji="1" lang="en-US" altLang="ja-JP" dirty="0"/>
+          </a:p>
+          <a:p>
+            <a:r>
+              <a:rPr kumimoji="1" lang="ja-JP" altLang="en-US" dirty="0"/>
               <a:t>文脈中の単語から対象単語が現れる条件確率を最大化すること</a:t>
             </a:r>
-            <a:endParaRPr kumimoji="1" lang="en-US" altLang="ja-JP" dirty="0" smtClean="0"/>
+            <a:endParaRPr kumimoji="1" lang="en-US" altLang="ja-JP" dirty="0"/>
           </a:p>
         </p:txBody>
       </p:sp>
@@ -12688,15 +12748,15 @@
           <a:lstStyle/>
           <a:p>
             <a:r>
-              <a:rPr kumimoji="1" lang="en-US" altLang="ja-JP" dirty="0" smtClean="0"/>
+              <a:rPr kumimoji="1" lang="en-US" altLang="ja-JP" dirty="0"/>
               <a:t>“</a:t>
             </a:r>
             <a:r>
-              <a:rPr kumimoji="1" lang="ja-JP" altLang="en-US" dirty="0" smtClean="0"/>
+              <a:rPr kumimoji="1" lang="ja-JP" altLang="en-US" dirty="0"/>
               <a:t>ひとたびフルスピードで回り始めたなら、それを動かし続けるのに努力は必要ない</a:t>
             </a:r>
             <a:r>
-              <a:rPr kumimoji="1" lang="en-US" altLang="ja-JP" dirty="0" smtClean="0"/>
+              <a:rPr kumimoji="1" lang="en-US" altLang="ja-JP" dirty="0"/>
               <a:t>”</a:t>
             </a:r>
             <a:endParaRPr kumimoji="1" lang="ja-JP" altLang="en-US" dirty="0"/>
@@ -12726,18 +12786,17 @@
           <a:lstStyle/>
           <a:p>
             <a:r>
-              <a:rPr kumimoji="1" lang="ja-JP" altLang="en-US" dirty="0" smtClean="0"/>
+              <a:rPr kumimoji="1" lang="ja-JP" altLang="en-US" dirty="0"/>
               <a:t>「続ける」を対象語とすると入力層は周辺</a:t>
             </a:r>
             <a:r>
-              <a:rPr kumimoji="1" lang="en-US" altLang="ja-JP" dirty="0" smtClean="0"/>
+              <a:rPr kumimoji="1" lang="en-US" altLang="ja-JP" dirty="0"/>
               <a:t>5</a:t>
             </a:r>
             <a:r>
-              <a:rPr kumimoji="1" lang="ja-JP" altLang="en-US" dirty="0" smtClean="0"/>
+              <a:rPr kumimoji="1" lang="ja-JP" altLang="en-US" dirty="0"/>
               <a:t>単語の</a:t>
             </a:r>
-            <a:endParaRPr kumimoji="1" lang="ja-JP" altLang="en-US" dirty="0"/>
           </a:p>
         </p:txBody>
       </p:sp>
@@ -12764,87 +12823,87 @@
           <a:lstStyle/>
           <a:p>
             <a:r>
-              <a:rPr kumimoji="1" lang="en-US" altLang="ja-JP" dirty="0" smtClean="0"/>
+              <a:rPr kumimoji="1" lang="en-US" altLang="ja-JP" dirty="0"/>
               <a:t>[</a:t>
             </a:r>
             <a:r>
-              <a:rPr kumimoji="1" lang="ja-JP" altLang="en-US" dirty="0" smtClean="0"/>
+              <a:rPr kumimoji="1" lang="ja-JP" altLang="en-US" dirty="0"/>
               <a:t>なら</a:t>
             </a:r>
             <a:r>
-              <a:rPr kumimoji="1" lang="en-US" altLang="ja-JP" dirty="0" smtClean="0"/>
+              <a:rPr kumimoji="1" lang="en-US" altLang="ja-JP" dirty="0"/>
               <a:t>,</a:t>
             </a:r>
             <a:r>
-              <a:rPr kumimoji="1" lang="ja-JP" altLang="en-US" dirty="0" smtClean="0"/>
+              <a:rPr kumimoji="1" lang="ja-JP" altLang="en-US" dirty="0"/>
               <a:t>、</a:t>
             </a:r>
             <a:r>
-              <a:rPr kumimoji="1" lang="en-US" altLang="ja-JP" dirty="0" smtClean="0"/>
+              <a:rPr kumimoji="1" lang="en-US" altLang="ja-JP" dirty="0"/>
               <a:t>,</a:t>
             </a:r>
             <a:r>
-              <a:rPr kumimoji="1" lang="ja-JP" altLang="en-US" dirty="0" smtClean="0"/>
+              <a:rPr kumimoji="1" lang="ja-JP" altLang="en-US" dirty="0"/>
               <a:t>それ</a:t>
             </a:r>
             <a:r>
-              <a:rPr kumimoji="1" lang="en-US" altLang="ja-JP" dirty="0" smtClean="0"/>
+              <a:rPr kumimoji="1" lang="en-US" altLang="ja-JP" dirty="0"/>
               <a:t>,</a:t>
             </a:r>
             <a:r>
-              <a:rPr kumimoji="1" lang="ja-JP" altLang="en-US" dirty="0" smtClean="0"/>
+              <a:rPr kumimoji="1" lang="ja-JP" altLang="en-US" dirty="0"/>
               <a:t>を</a:t>
             </a:r>
             <a:r>
-              <a:rPr kumimoji="1" lang="en-US" altLang="ja-JP" dirty="0" smtClean="0"/>
+              <a:rPr kumimoji="1" lang="en-US" altLang="ja-JP" dirty="0"/>
               <a:t>,</a:t>
             </a:r>
             <a:r>
-              <a:rPr kumimoji="1" lang="ja-JP" altLang="en-US" dirty="0" smtClean="0"/>
+              <a:rPr kumimoji="1" lang="ja-JP" altLang="en-US" dirty="0"/>
               <a:t>動かし</a:t>
             </a:r>
             <a:r>
-              <a:rPr kumimoji="1" lang="en-US" altLang="ja-JP" dirty="0" smtClean="0"/>
+              <a:rPr kumimoji="1" lang="en-US" altLang="ja-JP" dirty="0"/>
               <a:t>,</a:t>
             </a:r>
             <a:r>
-              <a:rPr kumimoji="1" lang="ja-JP" altLang="en-US" dirty="0" smtClean="0"/>
+              <a:rPr kumimoji="1" lang="ja-JP" altLang="en-US" dirty="0"/>
               <a:t>の</a:t>
             </a:r>
             <a:r>
-              <a:rPr kumimoji="1" lang="en-US" altLang="ja-JP" dirty="0" smtClean="0"/>
+              <a:rPr kumimoji="1" lang="en-US" altLang="ja-JP" dirty="0"/>
               <a:t>,</a:t>
             </a:r>
             <a:r>
-              <a:rPr kumimoji="1" lang="ja-JP" altLang="en-US" dirty="0" smtClean="0"/>
+              <a:rPr kumimoji="1" lang="ja-JP" altLang="en-US" dirty="0"/>
               <a:t>に</a:t>
             </a:r>
             <a:r>
-              <a:rPr kumimoji="1" lang="en-US" altLang="ja-JP" dirty="0" smtClean="0"/>
+              <a:rPr kumimoji="1" lang="en-US" altLang="ja-JP" dirty="0"/>
               <a:t>,</a:t>
             </a:r>
             <a:r>
-              <a:rPr kumimoji="1" lang="ja-JP" altLang="en-US" dirty="0" smtClean="0"/>
+              <a:rPr kumimoji="1" lang="ja-JP" altLang="en-US" dirty="0"/>
               <a:t>努力</a:t>
             </a:r>
             <a:r>
-              <a:rPr kumimoji="1" lang="en-US" altLang="ja-JP" dirty="0" smtClean="0"/>
+              <a:rPr kumimoji="1" lang="en-US" altLang="ja-JP" dirty="0"/>
               <a:t>,</a:t>
             </a:r>
             <a:r>
-              <a:rPr kumimoji="1" lang="ja-JP" altLang="en-US" dirty="0" smtClean="0"/>
+              <a:rPr kumimoji="1" lang="ja-JP" altLang="en-US" dirty="0"/>
               <a:t>は</a:t>
             </a:r>
             <a:r>
-              <a:rPr kumimoji="1" lang="en-US" altLang="ja-JP" dirty="0" smtClean="0"/>
+              <a:rPr kumimoji="1" lang="en-US" altLang="ja-JP" dirty="0"/>
               <a:t>,</a:t>
             </a:r>
             <a:r>
-              <a:rPr kumimoji="1" lang="ja-JP" altLang="en-US" dirty="0" smtClean="0"/>
+              <a:rPr kumimoji="1" lang="ja-JP" altLang="en-US" dirty="0"/>
               <a:t>必要</a:t>
             </a:r>
             <a:r>
-              <a:rPr kumimoji="1" lang="en-US" altLang="ja-JP" dirty="0" smtClean="0"/>
+              <a:rPr kumimoji="1" lang="en-US" altLang="ja-JP" dirty="0"/>
               <a:t>]</a:t>
             </a:r>
             <a:endParaRPr kumimoji="1" lang="ja-JP" altLang="en-US" dirty="0"/>
@@ -12874,25 +12933,24 @@
           <a:lstStyle/>
           <a:p>
             <a:r>
-              <a:rPr kumimoji="1" lang="ja-JP" altLang="en-US" dirty="0" smtClean="0"/>
+              <a:rPr kumimoji="1" lang="ja-JP" altLang="en-US" dirty="0"/>
               <a:t>この単語リストをそれぞれの</a:t>
             </a:r>
             <a:r>
-              <a:rPr kumimoji="1" lang="en-US" altLang="ja-JP" dirty="0" smtClean="0"/>
+              <a:rPr kumimoji="1" lang="en-US" altLang="ja-JP" dirty="0"/>
               <a:t>one-hot</a:t>
             </a:r>
             <a:r>
-              <a:rPr kumimoji="1" lang="ja-JP" altLang="en-US" dirty="0" smtClean="0"/>
+              <a:rPr kumimoji="1" lang="ja-JP" altLang="en-US" dirty="0"/>
               <a:t>ベクトルを入力として、</a:t>
             </a:r>
-            <a:endParaRPr kumimoji="1" lang="en-US" altLang="ja-JP" dirty="0" smtClean="0"/>
-          </a:p>
-          <a:p>
-            <a:r>
-              <a:rPr kumimoji="1" lang="ja-JP" altLang="en-US" dirty="0" smtClean="0"/>
+            <a:endParaRPr kumimoji="1" lang="en-US" altLang="ja-JP" dirty="0"/>
+          </a:p>
+          <a:p>
+            <a:r>
+              <a:rPr kumimoji="1" lang="ja-JP" altLang="en-US" dirty="0"/>
               <a:t>真ん中の「続ける」が来る確率を最大にするよう学習させたい</a:t>
             </a:r>
-            <a:endParaRPr kumimoji="1" lang="ja-JP" altLang="en-US" dirty="0"/>
           </a:p>
         </p:txBody>
       </p:sp>
@@ -12901,7 +12959,7 @@
           <p:cNvPr id="13" name="テキスト ボックス 12">
             <a:extLst>
               <a:ext uri="{FF2B5EF4-FFF2-40B4-BE49-F238E27FC236}">
-                <a16:creationId xmlns:a16="http://schemas.microsoft.com/office/drawing/2014/main" xmlns="" id="{780EB33D-AB7A-644C-BF62-6411655FBFD6}"/>
+                <a16:creationId xmlns:a16="http://schemas.microsoft.com/office/drawing/2014/main" id="{780EB33D-AB7A-644C-BF62-6411655FBFD6}"/>
               </a:ext>
             </a:extLst>
           </p:cNvPr>
@@ -12953,7 +13011,7 @@
           <p:cNvPr id="14" name="テキスト ボックス 13">
             <a:extLst>
               <a:ext uri="{FF2B5EF4-FFF2-40B4-BE49-F238E27FC236}">
-                <a16:creationId xmlns:a16="http://schemas.microsoft.com/office/drawing/2014/main" xmlns="" id="{4F082176-A65F-E746-A442-839C58C80DBA}"/>
+                <a16:creationId xmlns:a16="http://schemas.microsoft.com/office/drawing/2014/main" id="{4F082176-A65F-E746-A442-839C58C80DBA}"/>
               </a:ext>
             </a:extLst>
           </p:cNvPr>
@@ -12977,7 +13035,7 @@
           <a:lstStyle/>
           <a:p>
             <a:r>
-              <a:rPr lang="en-US" altLang="ja-JP" smtClean="0"/>
+              <a:rPr lang="en-US" altLang="ja-JP"/>
               <a:t>CBoW</a:t>
             </a:r>
             <a:endParaRPr kumimoji="1" lang="ja-JP" altLang="en-US" dirty="0"/>
@@ -12994,13 +13052,6 @@
   <p:clrMapOvr>
     <a:masterClrMapping/>
   </p:clrMapOvr>
-  <p:timing>
-    <p:tnLst>
-      <p:par>
-        <p:cTn id="1" dur="indefinite" restart="never" nodeType="tmRoot"/>
-      </p:par>
-    </p:tnLst>
-  </p:timing>
 </p:sld>
 </file>
 
@@ -13042,7 +13093,13 @@
                 <a:tableStyleId>{3C2FFA5D-87B4-456A-9821-1D502468CF0F}</a:tableStyleId>
               </a:tblPr>
               <a:tblGrid>
-                <a:gridCol w="208280"/>
+                <a:gridCol w="208280">
+                  <a:extLst>
+                    <a:ext uri="{9D8B030D-6E8A-4147-A177-3AD203B41FA5}">
+                      <a16:colId xmlns:a16="http://schemas.microsoft.com/office/drawing/2014/main" val="20000"/>
+                    </a:ext>
+                  </a:extLst>
+                </a:gridCol>
               </a:tblGrid>
               <a:tr h="208800">
                 <a:tc>
@@ -13095,6 +13152,11 @@
                     </a:solidFill>
                   </a:tcPr>
                 </a:tc>
+                <a:extLst>
+                  <a:ext uri="{0D108BD9-81ED-4DB2-BD59-A6C34878D82A}">
+                    <a16:rowId xmlns:a16="http://schemas.microsoft.com/office/drawing/2014/main" val="10000"/>
+                  </a:ext>
+                </a:extLst>
               </a:tr>
               <a:tr h="208800">
                 <a:tc>
@@ -13150,6 +13212,11 @@
                     </a:solidFill>
                   </a:tcPr>
                 </a:tc>
+                <a:extLst>
+                  <a:ext uri="{0D108BD9-81ED-4DB2-BD59-A6C34878D82A}">
+                    <a16:rowId xmlns:a16="http://schemas.microsoft.com/office/drawing/2014/main" val="10001"/>
+                  </a:ext>
+                </a:extLst>
               </a:tr>
               <a:tr h="208800">
                 <a:tc>
@@ -13205,6 +13272,11 @@
                     </a:solidFill>
                   </a:tcPr>
                 </a:tc>
+                <a:extLst>
+                  <a:ext uri="{0D108BD9-81ED-4DB2-BD59-A6C34878D82A}">
+                    <a16:rowId xmlns:a16="http://schemas.microsoft.com/office/drawing/2014/main" val="10002"/>
+                  </a:ext>
+                </a:extLst>
               </a:tr>
               <a:tr h="208800">
                 <a:tc>
@@ -13260,6 +13332,11 @@
                     </a:solidFill>
                   </a:tcPr>
                 </a:tc>
+                <a:extLst>
+                  <a:ext uri="{0D108BD9-81ED-4DB2-BD59-A6C34878D82A}">
+                    <a16:rowId xmlns:a16="http://schemas.microsoft.com/office/drawing/2014/main" val="10003"/>
+                  </a:ext>
+                </a:extLst>
               </a:tr>
               <a:tr h="208800">
                 <a:tc>
@@ -13315,6 +13392,11 @@
                     </a:solidFill>
                   </a:tcPr>
                 </a:tc>
+                <a:extLst>
+                  <a:ext uri="{0D108BD9-81ED-4DB2-BD59-A6C34878D82A}">
+                    <a16:rowId xmlns:a16="http://schemas.microsoft.com/office/drawing/2014/main" val="10004"/>
+                  </a:ext>
+                </a:extLst>
               </a:tr>
             </a:tbl>
           </a:graphicData>
@@ -13341,7 +13423,13 @@
                 <a:tableStyleId>{3C2FFA5D-87B4-456A-9821-1D502468CF0F}</a:tableStyleId>
               </a:tblPr>
               <a:tblGrid>
-                <a:gridCol w="208280"/>
+                <a:gridCol w="208280">
+                  <a:extLst>
+                    <a:ext uri="{9D8B030D-6E8A-4147-A177-3AD203B41FA5}">
+                      <a16:colId xmlns:a16="http://schemas.microsoft.com/office/drawing/2014/main" val="20000"/>
+                    </a:ext>
+                  </a:extLst>
+                </a:gridCol>
               </a:tblGrid>
               <a:tr h="208800">
                 <a:tc>
@@ -13397,6 +13485,11 @@
                     </a:solidFill>
                   </a:tcPr>
                 </a:tc>
+                <a:extLst>
+                  <a:ext uri="{0D108BD9-81ED-4DB2-BD59-A6C34878D82A}">
+                    <a16:rowId xmlns:a16="http://schemas.microsoft.com/office/drawing/2014/main" val="10000"/>
+                  </a:ext>
+                </a:extLst>
               </a:tr>
               <a:tr h="208800">
                 <a:tc>
@@ -13449,6 +13542,11 @@
                     </a:solidFill>
                   </a:tcPr>
                 </a:tc>
+                <a:extLst>
+                  <a:ext uri="{0D108BD9-81ED-4DB2-BD59-A6C34878D82A}">
+                    <a16:rowId xmlns:a16="http://schemas.microsoft.com/office/drawing/2014/main" val="10001"/>
+                  </a:ext>
+                </a:extLst>
               </a:tr>
               <a:tr h="208800">
                 <a:tc>
@@ -13504,6 +13602,11 @@
                     </a:solidFill>
                   </a:tcPr>
                 </a:tc>
+                <a:extLst>
+                  <a:ext uri="{0D108BD9-81ED-4DB2-BD59-A6C34878D82A}">
+                    <a16:rowId xmlns:a16="http://schemas.microsoft.com/office/drawing/2014/main" val="10002"/>
+                  </a:ext>
+                </a:extLst>
               </a:tr>
               <a:tr h="208800">
                 <a:tc>
@@ -13559,6 +13662,11 @@
                     </a:solidFill>
                   </a:tcPr>
                 </a:tc>
+                <a:extLst>
+                  <a:ext uri="{0D108BD9-81ED-4DB2-BD59-A6C34878D82A}">
+                    <a16:rowId xmlns:a16="http://schemas.microsoft.com/office/drawing/2014/main" val="10003"/>
+                  </a:ext>
+                </a:extLst>
               </a:tr>
               <a:tr h="208800">
                 <a:tc>
@@ -13614,6 +13722,11 @@
                     </a:solidFill>
                   </a:tcPr>
                 </a:tc>
+                <a:extLst>
+                  <a:ext uri="{0D108BD9-81ED-4DB2-BD59-A6C34878D82A}">
+                    <a16:rowId xmlns:a16="http://schemas.microsoft.com/office/drawing/2014/main" val="10004"/>
+                  </a:ext>
+                </a:extLst>
               </a:tr>
             </a:tbl>
           </a:graphicData>
@@ -13640,7 +13753,13 @@
                 <a:tableStyleId>{3C2FFA5D-87B4-456A-9821-1D502468CF0F}</a:tableStyleId>
               </a:tblPr>
               <a:tblGrid>
-                <a:gridCol w="208280"/>
+                <a:gridCol w="208280">
+                  <a:extLst>
+                    <a:ext uri="{9D8B030D-6E8A-4147-A177-3AD203B41FA5}">
+                      <a16:colId xmlns:a16="http://schemas.microsoft.com/office/drawing/2014/main" val="20000"/>
+                    </a:ext>
+                  </a:extLst>
+                </a:gridCol>
               </a:tblGrid>
               <a:tr h="208800">
                 <a:tc>
@@ -13696,6 +13815,11 @@
                     </a:solidFill>
                   </a:tcPr>
                 </a:tc>
+                <a:extLst>
+                  <a:ext uri="{0D108BD9-81ED-4DB2-BD59-A6C34878D82A}">
+                    <a16:rowId xmlns:a16="http://schemas.microsoft.com/office/drawing/2014/main" val="10000"/>
+                  </a:ext>
+                </a:extLst>
               </a:tr>
               <a:tr h="208800">
                 <a:tc>
@@ -13751,6 +13875,11 @@
                     </a:solidFill>
                   </a:tcPr>
                 </a:tc>
+                <a:extLst>
+                  <a:ext uri="{0D108BD9-81ED-4DB2-BD59-A6C34878D82A}">
+                    <a16:rowId xmlns:a16="http://schemas.microsoft.com/office/drawing/2014/main" val="10001"/>
+                  </a:ext>
+                </a:extLst>
               </a:tr>
               <a:tr h="208800">
                 <a:tc>
@@ -13806,6 +13935,11 @@
                     </a:solidFill>
                   </a:tcPr>
                 </a:tc>
+                <a:extLst>
+                  <a:ext uri="{0D108BD9-81ED-4DB2-BD59-A6C34878D82A}">
+                    <a16:rowId xmlns:a16="http://schemas.microsoft.com/office/drawing/2014/main" val="10002"/>
+                  </a:ext>
+                </a:extLst>
               </a:tr>
               <a:tr h="208800">
                 <a:tc>
@@ -13858,6 +13992,11 @@
                     </a:solidFill>
                   </a:tcPr>
                 </a:tc>
+                <a:extLst>
+                  <a:ext uri="{0D108BD9-81ED-4DB2-BD59-A6C34878D82A}">
+                    <a16:rowId xmlns:a16="http://schemas.microsoft.com/office/drawing/2014/main" val="10003"/>
+                  </a:ext>
+                </a:extLst>
               </a:tr>
               <a:tr h="208800">
                 <a:tc>
@@ -13913,6 +14052,11 @@
                     </a:solidFill>
                   </a:tcPr>
                 </a:tc>
+                <a:extLst>
+                  <a:ext uri="{0D108BD9-81ED-4DB2-BD59-A6C34878D82A}">
+                    <a16:rowId xmlns:a16="http://schemas.microsoft.com/office/drawing/2014/main" val="10004"/>
+                  </a:ext>
+                </a:extLst>
               </a:tr>
             </a:tbl>
           </a:graphicData>
@@ -13939,7 +14083,13 @@
                 <a:tableStyleId>{3C2FFA5D-87B4-456A-9821-1D502468CF0F}</a:tableStyleId>
               </a:tblPr>
               <a:tblGrid>
-                <a:gridCol w="208280"/>
+                <a:gridCol w="208280">
+                  <a:extLst>
+                    <a:ext uri="{9D8B030D-6E8A-4147-A177-3AD203B41FA5}">
+                      <a16:colId xmlns:a16="http://schemas.microsoft.com/office/drawing/2014/main" val="20000"/>
+                    </a:ext>
+                  </a:extLst>
+                </a:gridCol>
               </a:tblGrid>
               <a:tr h="208800">
                 <a:tc>
@@ -13995,6 +14145,11 @@
                     </a:solidFill>
                   </a:tcPr>
                 </a:tc>
+                <a:extLst>
+                  <a:ext uri="{0D108BD9-81ED-4DB2-BD59-A6C34878D82A}">
+                    <a16:rowId xmlns:a16="http://schemas.microsoft.com/office/drawing/2014/main" val="10000"/>
+                  </a:ext>
+                </a:extLst>
               </a:tr>
               <a:tr h="208800">
                 <a:tc>
@@ -14050,6 +14205,11 @@
                     </a:solidFill>
                   </a:tcPr>
                 </a:tc>
+                <a:extLst>
+                  <a:ext uri="{0D108BD9-81ED-4DB2-BD59-A6C34878D82A}">
+                    <a16:rowId xmlns:a16="http://schemas.microsoft.com/office/drawing/2014/main" val="10001"/>
+                  </a:ext>
+                </a:extLst>
               </a:tr>
               <a:tr h="208800">
                 <a:tc>
@@ -14102,6 +14262,11 @@
                     </a:solidFill>
                   </a:tcPr>
                 </a:tc>
+                <a:extLst>
+                  <a:ext uri="{0D108BD9-81ED-4DB2-BD59-A6C34878D82A}">
+                    <a16:rowId xmlns:a16="http://schemas.microsoft.com/office/drawing/2014/main" val="10002"/>
+                  </a:ext>
+                </a:extLst>
               </a:tr>
               <a:tr h="208800">
                 <a:tc>
@@ -14157,6 +14322,11 @@
                     </a:solidFill>
                   </a:tcPr>
                 </a:tc>
+                <a:extLst>
+                  <a:ext uri="{0D108BD9-81ED-4DB2-BD59-A6C34878D82A}">
+                    <a16:rowId xmlns:a16="http://schemas.microsoft.com/office/drawing/2014/main" val="10003"/>
+                  </a:ext>
+                </a:extLst>
               </a:tr>
               <a:tr h="208800">
                 <a:tc>
@@ -14212,6 +14382,11 @@
                     </a:solidFill>
                   </a:tcPr>
                 </a:tc>
+                <a:extLst>
+                  <a:ext uri="{0D108BD9-81ED-4DB2-BD59-A6C34878D82A}">
+                    <a16:rowId xmlns:a16="http://schemas.microsoft.com/office/drawing/2014/main" val="10004"/>
+                  </a:ext>
+                </a:extLst>
               </a:tr>
             </a:tbl>
           </a:graphicData>
@@ -14238,7 +14413,13 @@
                 <a:tableStyleId>{3C2FFA5D-87B4-456A-9821-1D502468CF0F}</a:tableStyleId>
               </a:tblPr>
               <a:tblGrid>
-                <a:gridCol w="208280"/>
+                <a:gridCol w="208280">
+                  <a:extLst>
+                    <a:ext uri="{9D8B030D-6E8A-4147-A177-3AD203B41FA5}">
+                      <a16:colId xmlns:a16="http://schemas.microsoft.com/office/drawing/2014/main" val="20000"/>
+                    </a:ext>
+                  </a:extLst>
+                </a:gridCol>
               </a:tblGrid>
               <a:tr h="208800">
                 <a:tc>
@@ -14294,6 +14475,11 @@
                     </a:solidFill>
                   </a:tcPr>
                 </a:tc>
+                <a:extLst>
+                  <a:ext uri="{0D108BD9-81ED-4DB2-BD59-A6C34878D82A}">
+                    <a16:rowId xmlns:a16="http://schemas.microsoft.com/office/drawing/2014/main" val="10000"/>
+                  </a:ext>
+                </a:extLst>
               </a:tr>
               <a:tr h="208800">
                 <a:tc>
@@ -14349,6 +14535,11 @@
                     </a:solidFill>
                   </a:tcPr>
                 </a:tc>
+                <a:extLst>
+                  <a:ext uri="{0D108BD9-81ED-4DB2-BD59-A6C34878D82A}">
+                    <a16:rowId xmlns:a16="http://schemas.microsoft.com/office/drawing/2014/main" val="10001"/>
+                  </a:ext>
+                </a:extLst>
               </a:tr>
               <a:tr h="208800">
                 <a:tc>
@@ -14404,6 +14595,11 @@
                     </a:solidFill>
                   </a:tcPr>
                 </a:tc>
+                <a:extLst>
+                  <a:ext uri="{0D108BD9-81ED-4DB2-BD59-A6C34878D82A}">
+                    <a16:rowId xmlns:a16="http://schemas.microsoft.com/office/drawing/2014/main" val="10002"/>
+                  </a:ext>
+                </a:extLst>
               </a:tr>
               <a:tr h="208800">
                 <a:tc>
@@ -14459,6 +14655,11 @@
                     </a:solidFill>
                   </a:tcPr>
                 </a:tc>
+                <a:extLst>
+                  <a:ext uri="{0D108BD9-81ED-4DB2-BD59-A6C34878D82A}">
+                    <a16:rowId xmlns:a16="http://schemas.microsoft.com/office/drawing/2014/main" val="10003"/>
+                  </a:ext>
+                </a:extLst>
               </a:tr>
               <a:tr h="208800">
                 <a:tc>
@@ -14514,6 +14715,11 @@
                     </a:solidFill>
                   </a:tcPr>
                 </a:tc>
+                <a:extLst>
+                  <a:ext uri="{0D108BD9-81ED-4DB2-BD59-A6C34878D82A}">
+                    <a16:rowId xmlns:a16="http://schemas.microsoft.com/office/drawing/2014/main" val="10004"/>
+                  </a:ext>
+                </a:extLst>
               </a:tr>
             </a:tbl>
           </a:graphicData>
@@ -14540,7 +14746,13 @@
                 <a:tableStyleId>{3C2FFA5D-87B4-456A-9821-1D502468CF0F}</a:tableStyleId>
               </a:tblPr>
               <a:tblGrid>
-                <a:gridCol w="208280"/>
+                <a:gridCol w="208280">
+                  <a:extLst>
+                    <a:ext uri="{9D8B030D-6E8A-4147-A177-3AD203B41FA5}">
+                      <a16:colId xmlns:a16="http://schemas.microsoft.com/office/drawing/2014/main" val="20000"/>
+                    </a:ext>
+                  </a:extLst>
+                </a:gridCol>
               </a:tblGrid>
               <a:tr h="208800">
                 <a:tc>
@@ -14596,6 +14808,11 @@
                     </a:solidFill>
                   </a:tcPr>
                 </a:tc>
+                <a:extLst>
+                  <a:ext uri="{0D108BD9-81ED-4DB2-BD59-A6C34878D82A}">
+                    <a16:rowId xmlns:a16="http://schemas.microsoft.com/office/drawing/2014/main" val="10000"/>
+                  </a:ext>
+                </a:extLst>
               </a:tr>
               <a:tr h="208800">
                 <a:tc>
@@ -14651,6 +14868,11 @@
                     </a:solidFill>
                   </a:tcPr>
                 </a:tc>
+                <a:extLst>
+                  <a:ext uri="{0D108BD9-81ED-4DB2-BD59-A6C34878D82A}">
+                    <a16:rowId xmlns:a16="http://schemas.microsoft.com/office/drawing/2014/main" val="10001"/>
+                  </a:ext>
+                </a:extLst>
               </a:tr>
               <a:tr h="208800">
                 <a:tc>
@@ -14706,6 +14928,11 @@
                     </a:solidFill>
                   </a:tcPr>
                 </a:tc>
+                <a:extLst>
+                  <a:ext uri="{0D108BD9-81ED-4DB2-BD59-A6C34878D82A}">
+                    <a16:rowId xmlns:a16="http://schemas.microsoft.com/office/drawing/2014/main" val="10002"/>
+                  </a:ext>
+                </a:extLst>
               </a:tr>
               <a:tr h="208800">
                 <a:tc>
@@ -14761,6 +14988,11 @@
                     </a:solidFill>
                   </a:tcPr>
                 </a:tc>
+                <a:extLst>
+                  <a:ext uri="{0D108BD9-81ED-4DB2-BD59-A6C34878D82A}">
+                    <a16:rowId xmlns:a16="http://schemas.microsoft.com/office/drawing/2014/main" val="10003"/>
+                  </a:ext>
+                </a:extLst>
               </a:tr>
               <a:tr h="208800">
                 <a:tc>
@@ -14816,6 +15048,11 @@
                     </a:solidFill>
                   </a:tcPr>
                 </a:tc>
+                <a:extLst>
+                  <a:ext uri="{0D108BD9-81ED-4DB2-BD59-A6C34878D82A}">
+                    <a16:rowId xmlns:a16="http://schemas.microsoft.com/office/drawing/2014/main" val="10004"/>
+                  </a:ext>
+                </a:extLst>
               </a:tr>
               <a:tr h="208800">
                 <a:tc>
@@ -14871,6 +15108,11 @@
                     </a:solidFill>
                   </a:tcPr>
                 </a:tc>
+                <a:extLst>
+                  <a:ext uri="{0D108BD9-81ED-4DB2-BD59-A6C34878D82A}">
+                    <a16:rowId xmlns:a16="http://schemas.microsoft.com/office/drawing/2014/main" val="10005"/>
+                  </a:ext>
+                </a:extLst>
               </a:tr>
               <a:tr h="208800">
                 <a:tc>
@@ -14926,6 +15168,11 @@
                     </a:solidFill>
                   </a:tcPr>
                 </a:tc>
+                <a:extLst>
+                  <a:ext uri="{0D108BD9-81ED-4DB2-BD59-A6C34878D82A}">
+                    <a16:rowId xmlns:a16="http://schemas.microsoft.com/office/drawing/2014/main" val="10006"/>
+                  </a:ext>
+                </a:extLst>
               </a:tr>
               <a:tr h="208800">
                 <a:tc>
@@ -14981,6 +15228,11 @@
                     </a:solidFill>
                   </a:tcPr>
                 </a:tc>
+                <a:extLst>
+                  <a:ext uri="{0D108BD9-81ED-4DB2-BD59-A6C34878D82A}">
+                    <a16:rowId xmlns:a16="http://schemas.microsoft.com/office/drawing/2014/main" val="10007"/>
+                  </a:ext>
+                </a:extLst>
               </a:tr>
               <a:tr h="208800">
                 <a:tc>
@@ -15036,6 +15288,11 @@
                     </a:solidFill>
                   </a:tcPr>
                 </a:tc>
+                <a:extLst>
+                  <a:ext uri="{0D108BD9-81ED-4DB2-BD59-A6C34878D82A}">
+                    <a16:rowId xmlns:a16="http://schemas.microsoft.com/office/drawing/2014/main" val="10008"/>
+                  </a:ext>
+                </a:extLst>
               </a:tr>
               <a:tr h="208800">
                 <a:tc>
@@ -15091,6 +15348,11 @@
                     </a:solidFill>
                   </a:tcPr>
                 </a:tc>
+                <a:extLst>
+                  <a:ext uri="{0D108BD9-81ED-4DB2-BD59-A6C34878D82A}">
+                    <a16:rowId xmlns:a16="http://schemas.microsoft.com/office/drawing/2014/main" val="10009"/>
+                  </a:ext>
+                </a:extLst>
               </a:tr>
               <a:tr h="208800">
                 <a:tc>
@@ -15146,6 +15408,11 @@
                     </a:solidFill>
                   </a:tcPr>
                 </a:tc>
+                <a:extLst>
+                  <a:ext uri="{0D108BD9-81ED-4DB2-BD59-A6C34878D82A}">
+                    <a16:rowId xmlns:a16="http://schemas.microsoft.com/office/drawing/2014/main" val="10010"/>
+                  </a:ext>
+                </a:extLst>
               </a:tr>
               <a:tr h="208800">
                 <a:tc>
@@ -15201,6 +15468,11 @@
                     </a:solidFill>
                   </a:tcPr>
                 </a:tc>
+                <a:extLst>
+                  <a:ext uri="{0D108BD9-81ED-4DB2-BD59-A6C34878D82A}">
+                    <a16:rowId xmlns:a16="http://schemas.microsoft.com/office/drawing/2014/main" val="10011"/>
+                  </a:ext>
+                </a:extLst>
               </a:tr>
               <a:tr h="208800">
                 <a:tc>
@@ -15256,6 +15528,11 @@
                     </a:solidFill>
                   </a:tcPr>
                 </a:tc>
+                <a:extLst>
+                  <a:ext uri="{0D108BD9-81ED-4DB2-BD59-A6C34878D82A}">
+                    <a16:rowId xmlns:a16="http://schemas.microsoft.com/office/drawing/2014/main" val="10012"/>
+                  </a:ext>
+                </a:extLst>
               </a:tr>
               <a:tr h="208800">
                 <a:tc>
@@ -15311,6 +15588,11 @@
                     </a:solidFill>
                   </a:tcPr>
                 </a:tc>
+                <a:extLst>
+                  <a:ext uri="{0D108BD9-81ED-4DB2-BD59-A6C34878D82A}">
+                    <a16:rowId xmlns:a16="http://schemas.microsoft.com/office/drawing/2014/main" val="10013"/>
+                  </a:ext>
+                </a:extLst>
               </a:tr>
               <a:tr h="208800">
                 <a:tc>
@@ -15366,6 +15648,11 @@
                     </a:solidFill>
                   </a:tcPr>
                 </a:tc>
+                <a:extLst>
+                  <a:ext uri="{0D108BD9-81ED-4DB2-BD59-A6C34878D82A}">
+                    <a16:rowId xmlns:a16="http://schemas.microsoft.com/office/drawing/2014/main" val="10014"/>
+                  </a:ext>
+                </a:extLst>
               </a:tr>
             </a:tbl>
           </a:graphicData>
@@ -15394,7 +15681,7 @@
           <a:lstStyle/>
           <a:p>
             <a:r>
-              <a:rPr kumimoji="1" lang="ja-JP" altLang="en-US" smtClean="0"/>
+              <a:rPr kumimoji="1" lang="ja-JP" altLang="en-US"/>
               <a:t>入力層</a:t>
             </a:r>
             <a:endParaRPr kumimoji="1" lang="ja-JP" altLang="en-US" dirty="0"/>
@@ -15424,14 +15711,13 @@
           <a:lstStyle/>
           <a:p>
             <a:r>
-              <a:rPr kumimoji="1" lang="en-US" altLang="ja-JP" dirty="0" smtClean="0"/>
+              <a:rPr kumimoji="1" lang="en-US" altLang="ja-JP" dirty="0"/>
               <a:t>n</a:t>
             </a:r>
             <a:r>
-              <a:rPr kumimoji="1" lang="ja-JP" altLang="en-US" dirty="0" smtClean="0"/>
+              <a:rPr kumimoji="1" lang="ja-JP" altLang="en-US" dirty="0"/>
               <a:t>次元の隠れ層</a:t>
             </a:r>
-            <a:endParaRPr kumimoji="1" lang="ja-JP" altLang="en-US" dirty="0"/>
           </a:p>
         </p:txBody>
       </p:sp>
@@ -15458,7 +15744,7 @@
           <a:lstStyle/>
           <a:p>
             <a:r>
-              <a:rPr kumimoji="1" lang="ja-JP" altLang="en-US" smtClean="0"/>
+              <a:rPr kumimoji="1" lang="ja-JP" altLang="en-US"/>
               <a:t>出力層</a:t>
             </a:r>
             <a:endParaRPr kumimoji="1" lang="ja-JP" altLang="en-US" dirty="0"/>
@@ -15500,7 +15786,7 @@
                         <m:sSubPr>
                           <m:ctrlPr>
                             <a:rPr kumimoji="1" lang="en-US" altLang="ja-JP" i="1" smtClean="0">
-                              <a:latin typeface="Cambria Math" charset="0"/>
+                              <a:latin typeface="Cambria Math" panose="02040503050406030204" pitchFamily="18" charset="0"/>
                             </a:rPr>
                           </m:ctrlPr>
                         </m:sSubPr>
@@ -15625,7 +15911,7 @@
                         <m:sSubPr>
                           <m:ctrlPr>
                             <a:rPr kumimoji="1" lang="en-US" altLang="ja-JP" i="1" smtClean="0">
-                              <a:latin typeface="Cambria Math" charset="0"/>
+                              <a:latin typeface="Cambria Math" panose="02040503050406030204" pitchFamily="18" charset="0"/>
                             </a:rPr>
                           </m:ctrlPr>
                         </m:sSubPr>
@@ -16389,10 +16675,9 @@
           <a:lstStyle/>
           <a:p>
             <a:r>
-              <a:rPr kumimoji="1" lang="ja-JP" altLang="en-US" dirty="0" smtClean="0"/>
+              <a:rPr kumimoji="1" lang="ja-JP" altLang="en-US" dirty="0"/>
               <a:t>このようなニューラルネットワークを</a:t>
             </a:r>
-            <a:endParaRPr kumimoji="1" lang="ja-JP" altLang="en-US" dirty="0"/>
           </a:p>
         </p:txBody>
       </p:sp>
@@ -16419,10 +16704,9 @@
           <a:lstStyle/>
           <a:p>
             <a:r>
-              <a:rPr kumimoji="1" lang="ja-JP" altLang="en-US" dirty="0" smtClean="0"/>
+              <a:rPr kumimoji="1" lang="ja-JP" altLang="en-US" dirty="0"/>
               <a:t>構築すると</a:t>
             </a:r>
-            <a:endParaRPr kumimoji="1" lang="ja-JP" altLang="en-US" dirty="0"/>
           </a:p>
         </p:txBody>
       </p:sp>
@@ -16456,7 +16740,7 @@
                       <m:sSubPr>
                         <m:ctrlPr>
                           <a:rPr kumimoji="1" lang="en-US" altLang="ja-JP" i="1" smtClean="0">
-                            <a:latin typeface="Cambria Math" charset="0"/>
+                            <a:latin typeface="Cambria Math" panose="02040503050406030204" pitchFamily="18" charset="0"/>
                           </a:rPr>
                         </m:ctrlPr>
                       </m:sSubPr>
@@ -16480,23 +16764,22 @@
                   </m:oMath>
                 </a14:m>
                 <a:r>
-                  <a:rPr kumimoji="1" lang="ja-JP" altLang="en-US" dirty="0" smtClean="0"/>
+                  <a:rPr kumimoji="1" lang="ja-JP" altLang="en-US" dirty="0"/>
                   <a:t>の重み行列がスコアを</a:t>
                 </a:r>
-                <a:endParaRPr kumimoji="1" lang="en-US" altLang="ja-JP" dirty="0" smtClean="0"/>
+                <a:endParaRPr kumimoji="1" lang="en-US" altLang="ja-JP" dirty="0"/>
               </a:p>
               <a:p>
                 <a:endParaRPr kumimoji="1" lang="en-US" altLang="ja-JP" dirty="0"/>
               </a:p>
               <a:p>
-                <a:endParaRPr kumimoji="1" lang="en-US" altLang="ja-JP" dirty="0" smtClean="0"/>
+                <a:endParaRPr kumimoji="1" lang="en-US" altLang="ja-JP" dirty="0"/>
               </a:p>
               <a:p>
                 <a:r>
-                  <a:rPr kumimoji="1" lang="ja-JP" altLang="en-US" dirty="0" smtClean="0"/>
+                  <a:rPr kumimoji="1" lang="ja-JP" altLang="en-US" dirty="0"/>
                   <a:t>計算するためのモデルとなる</a:t>
                 </a:r>
-                <a:endParaRPr kumimoji="1" lang="ja-JP" altLang="en-US" dirty="0"/>
               </a:p>
             </p:txBody>
           </p:sp>
@@ -16943,7 +17226,7 @@
           <p:cNvPr id="49" name="テキスト ボックス 48">
             <a:extLst>
               <a:ext uri="{FF2B5EF4-FFF2-40B4-BE49-F238E27FC236}">
-                <a16:creationId xmlns:a16="http://schemas.microsoft.com/office/drawing/2014/main" xmlns="" id="{780EB33D-AB7A-644C-BF62-6411655FBFD6}"/>
+                <a16:creationId xmlns:a16="http://schemas.microsoft.com/office/drawing/2014/main" id="{780EB33D-AB7A-644C-BF62-6411655FBFD6}"/>
               </a:ext>
             </a:extLst>
           </p:cNvPr>
@@ -16995,7 +17278,7 @@
           <p:cNvPr id="51" name="テキスト ボックス 50">
             <a:extLst>
               <a:ext uri="{FF2B5EF4-FFF2-40B4-BE49-F238E27FC236}">
-                <a16:creationId xmlns:a16="http://schemas.microsoft.com/office/drawing/2014/main" xmlns="" id="{4F082176-A65F-E746-A442-839C58C80DBA}"/>
+                <a16:creationId xmlns:a16="http://schemas.microsoft.com/office/drawing/2014/main" id="{4F082176-A65F-E746-A442-839C58C80DBA}"/>
               </a:ext>
             </a:extLst>
           </p:cNvPr>
@@ -17019,7 +17302,7 @@
           <a:lstStyle/>
           <a:p>
             <a:r>
-              <a:rPr lang="en-US" altLang="ja-JP" smtClean="0"/>
+              <a:rPr lang="en-US" altLang="ja-JP"/>
               <a:t>CBoW</a:t>
             </a:r>
             <a:endParaRPr kumimoji="1" lang="ja-JP" altLang="en-US" dirty="0"/>
@@ -17036,13 +17319,6 @@
   <p:clrMapOvr>
     <a:masterClrMapping/>
   </p:clrMapOvr>
-  <p:timing>
-    <p:tnLst>
-      <p:par>
-        <p:cTn id="1" dur="indefinite" restart="never" nodeType="tmRoot"/>
-      </p:par>
-    </p:tnLst>
-  </p:timing>
 </p:sld>
 </file>
 
@@ -17086,7 +17362,7 @@
           <a:lstStyle/>
           <a:p>
             <a:r>
-              <a:rPr kumimoji="1" lang="en-US" altLang="ja-JP" dirty="0" smtClean="0"/>
+              <a:rPr kumimoji="1" lang="en-US" altLang="ja-JP" dirty="0"/>
               <a:t>Skip-Gram</a:t>
             </a:r>
             <a:endParaRPr kumimoji="1" lang="ja-JP" altLang="en-US" dirty="0"/>
@@ -17116,14 +17392,13 @@
           <a:lstStyle/>
           <a:p>
             <a:r>
-              <a:rPr kumimoji="1" lang="en-US" altLang="ja-JP" dirty="0" err="1" smtClean="0"/>
+              <a:rPr kumimoji="1" lang="en-US" altLang="ja-JP" dirty="0" err="1"/>
               <a:t>CBoW</a:t>
             </a:r>
             <a:r>
-              <a:rPr kumimoji="1" lang="ja-JP" altLang="en-US" dirty="0" smtClean="0"/>
+              <a:rPr kumimoji="1" lang="ja-JP" altLang="en-US" dirty="0"/>
               <a:t>の逆の計算</a:t>
             </a:r>
-            <a:endParaRPr kumimoji="1" lang="ja-JP" altLang="en-US" dirty="0"/>
           </a:p>
         </p:txBody>
       </p:sp>
@@ -17150,10 +17425,9 @@
           <a:lstStyle/>
           <a:p>
             <a:r>
-              <a:rPr kumimoji="1" lang="ja-JP" altLang="en-US" smtClean="0"/>
+              <a:rPr kumimoji="1" lang="ja-JP" altLang="en-US"/>
               <a:t>単語からその周辺単語を予測する</a:t>
             </a:r>
-            <a:endParaRPr kumimoji="1" lang="ja-JP" altLang="en-US"/>
           </a:p>
         </p:txBody>
       </p:sp>
@@ -17180,21 +17454,21 @@
           <a:lstStyle/>
           <a:p>
             <a:r>
-              <a:rPr kumimoji="1" lang="en-US" altLang="ja-JP" dirty="0" smtClean="0"/>
+              <a:rPr kumimoji="1" lang="en-US" altLang="ja-JP" dirty="0"/>
               <a:t>Skip-gram</a:t>
             </a:r>
             <a:r>
-              <a:rPr kumimoji="1" lang="ja-JP" altLang="en-US" dirty="0" smtClean="0"/>
+              <a:rPr kumimoji="1" lang="ja-JP" altLang="en-US" dirty="0"/>
               <a:t>にとって意味・文法の獲得は出力層における</a:t>
             </a:r>
-            <a:endParaRPr kumimoji="1" lang="en-US" altLang="ja-JP" dirty="0" smtClean="0"/>
-          </a:p>
-          <a:p>
-            <a:r>
-              <a:rPr kumimoji="1" lang="ja-JP" altLang="en-US" dirty="0" smtClean="0"/>
+            <a:endParaRPr kumimoji="1" lang="en-US" altLang="ja-JP" dirty="0"/>
+          </a:p>
+          <a:p>
+            <a:r>
+              <a:rPr kumimoji="1" lang="ja-JP" altLang="en-US" dirty="0"/>
               <a:t>周辺単語予測のエラー率の合計を最小化することである</a:t>
             </a:r>
-            <a:endParaRPr kumimoji="1" lang="en-US" altLang="ja-JP" dirty="0" smtClean="0"/>
+            <a:endParaRPr kumimoji="1" lang="en-US" altLang="ja-JP" dirty="0"/>
           </a:p>
         </p:txBody>
       </p:sp>
@@ -17221,10 +17495,9 @@
           <a:lstStyle/>
           <a:p>
             <a:r>
-              <a:rPr kumimoji="1" lang="ja-JP" altLang="en-US" dirty="0" smtClean="0"/>
+              <a:rPr kumimoji="1" lang="ja-JP" altLang="en-US" dirty="0"/>
               <a:t>先程の例で言うと「続ける」から</a:t>
             </a:r>
-            <a:endParaRPr kumimoji="1" lang="ja-JP" altLang="en-US" dirty="0"/>
           </a:p>
         </p:txBody>
       </p:sp>
@@ -17330,14 +17603,13 @@
               <a:t>必要</a:t>
             </a:r>
             <a:r>
-              <a:rPr kumimoji="1" lang="en-US" altLang="ja-JP" dirty="0" smtClean="0"/>
+              <a:rPr kumimoji="1" lang="en-US" altLang="ja-JP" dirty="0"/>
               <a:t>]</a:t>
             </a:r>
             <a:r>
-              <a:rPr kumimoji="1" lang="ja-JP" altLang="en-US" dirty="0" smtClean="0"/>
+              <a:rPr kumimoji="1" lang="ja-JP" altLang="en-US" dirty="0"/>
               <a:t>を予測すること</a:t>
             </a:r>
-            <a:endParaRPr kumimoji="1" lang="ja-JP" altLang="en-US" dirty="0"/>
           </a:p>
         </p:txBody>
       </p:sp>
@@ -17346,7 +17618,7 @@
           <p:cNvPr id="12" name="テキスト ボックス 11">
             <a:extLst>
               <a:ext uri="{FF2B5EF4-FFF2-40B4-BE49-F238E27FC236}">
-                <a16:creationId xmlns:a16="http://schemas.microsoft.com/office/drawing/2014/main" xmlns="" id="{780EB33D-AB7A-644C-BF62-6411655FBFD6}"/>
+                <a16:creationId xmlns:a16="http://schemas.microsoft.com/office/drawing/2014/main" id="{780EB33D-AB7A-644C-BF62-6411655FBFD6}"/>
               </a:ext>
             </a:extLst>
           </p:cNvPr>
@@ -17398,7 +17670,7 @@
           <p:cNvPr id="13" name="テキスト ボックス 12">
             <a:extLst>
               <a:ext uri="{FF2B5EF4-FFF2-40B4-BE49-F238E27FC236}">
-                <a16:creationId xmlns:a16="http://schemas.microsoft.com/office/drawing/2014/main" xmlns="" id="{4F082176-A65F-E746-A442-839C58C80DBA}"/>
+                <a16:creationId xmlns:a16="http://schemas.microsoft.com/office/drawing/2014/main" id="{4F082176-A65F-E746-A442-839C58C80DBA}"/>
               </a:ext>
             </a:extLst>
           </p:cNvPr>
@@ -17422,7 +17694,7 @@
           <a:lstStyle/>
           <a:p>
             <a:r>
-              <a:rPr lang="en-US" altLang="ja-JP" dirty="0" smtClean="0"/>
+              <a:rPr lang="en-US" altLang="ja-JP" dirty="0"/>
               <a:t>Skip-gram</a:t>
             </a:r>
             <a:endParaRPr kumimoji="1" lang="ja-JP" altLang="en-US" dirty="0"/>
@@ -17439,13 +17711,6 @@
   <p:clrMapOvr>
     <a:masterClrMapping/>
   </p:clrMapOvr>
-  <p:timing>
-    <p:tnLst>
-      <p:par>
-        <p:cTn id="1" dur="indefinite" restart="never" nodeType="tmRoot"/>
-      </p:par>
-    </p:tnLst>
-  </p:timing>
 </p:sld>
 </file>
 
@@ -17471,7 +17736,7 @@
           <p:cNvPr id="4" name="テキスト ボックス 3">
             <a:extLst>
               <a:ext uri="{FF2B5EF4-FFF2-40B4-BE49-F238E27FC236}">
-                <a16:creationId xmlns:a16="http://schemas.microsoft.com/office/drawing/2014/main" xmlns="" id="{780EB33D-AB7A-644C-BF62-6411655FBFD6}"/>
+                <a16:creationId xmlns:a16="http://schemas.microsoft.com/office/drawing/2014/main" id="{780EB33D-AB7A-644C-BF62-6411655FBFD6}"/>
               </a:ext>
             </a:extLst>
           </p:cNvPr>
@@ -17506,7 +17771,7 @@
           <p:cNvPr id="5" name="テキスト ボックス 4">
             <a:extLst>
               <a:ext uri="{FF2B5EF4-FFF2-40B4-BE49-F238E27FC236}">
-                <a16:creationId xmlns:a16="http://schemas.microsoft.com/office/drawing/2014/main" xmlns="" id="{6F8E7B9A-3AC5-DF47-B7CB-77F6B04E8F77}"/>
+                <a16:creationId xmlns:a16="http://schemas.microsoft.com/office/drawing/2014/main" id="{6F8E7B9A-3AC5-DF47-B7CB-77F6B04E8F77}"/>
               </a:ext>
             </a:extLst>
           </p:cNvPr>
@@ -17545,7 +17810,7 @@
           <p:cNvPr id="6" name="テキスト ボックス 5">
             <a:extLst>
               <a:ext uri="{FF2B5EF4-FFF2-40B4-BE49-F238E27FC236}">
-                <a16:creationId xmlns:a16="http://schemas.microsoft.com/office/drawing/2014/main" xmlns="" id="{5F207273-2722-734C-B54D-FD1360167C15}"/>
+                <a16:creationId xmlns:a16="http://schemas.microsoft.com/office/drawing/2014/main" id="{5F207273-2722-734C-B54D-FD1360167C15}"/>
               </a:ext>
             </a:extLst>
           </p:cNvPr>
@@ -17584,7 +17849,7 @@
           <p:cNvPr id="7" name="テキスト ボックス 6">
             <a:extLst>
               <a:ext uri="{FF2B5EF4-FFF2-40B4-BE49-F238E27FC236}">
-                <a16:creationId xmlns:a16="http://schemas.microsoft.com/office/drawing/2014/main" xmlns="" id="{4FE43A5B-CF77-184D-965D-3E817FCCDC48}"/>
+                <a16:creationId xmlns:a16="http://schemas.microsoft.com/office/drawing/2014/main" id="{4FE43A5B-CF77-184D-965D-3E817FCCDC48}"/>
               </a:ext>
             </a:extLst>
           </p:cNvPr>
@@ -17627,7 +17892,7 @@
           <p:cNvPr id="8" name="テキスト ボックス 7">
             <a:extLst>
               <a:ext uri="{FF2B5EF4-FFF2-40B4-BE49-F238E27FC236}">
-                <a16:creationId xmlns:a16="http://schemas.microsoft.com/office/drawing/2014/main" xmlns="" id="{A07D5D4C-943F-CF46-854C-B733DFF522FD}"/>
+                <a16:creationId xmlns:a16="http://schemas.microsoft.com/office/drawing/2014/main" id="{A07D5D4C-943F-CF46-854C-B733DFF522FD}"/>
               </a:ext>
             </a:extLst>
           </p:cNvPr>
@@ -17663,7 +17928,7 @@
           <p:cNvPr id="9" name="テキスト ボックス 8">
             <a:extLst>
               <a:ext uri="{FF2B5EF4-FFF2-40B4-BE49-F238E27FC236}">
-                <a16:creationId xmlns:a16="http://schemas.microsoft.com/office/drawing/2014/main" xmlns="" id="{FDFAFE0D-36E4-FC44-95B5-B4BB344A18B7}"/>
+                <a16:creationId xmlns:a16="http://schemas.microsoft.com/office/drawing/2014/main" id="{FDFAFE0D-36E4-FC44-95B5-B4BB344A18B7}"/>
               </a:ext>
             </a:extLst>
           </p:cNvPr>
@@ -17699,7 +17964,7 @@
           <p:cNvPr id="10" name="テキスト ボックス 9">
             <a:extLst>
               <a:ext uri="{FF2B5EF4-FFF2-40B4-BE49-F238E27FC236}">
-                <a16:creationId xmlns:a16="http://schemas.microsoft.com/office/drawing/2014/main" xmlns="" id="{3AF21D00-CB12-B241-8221-702B4F89FF53}"/>
+                <a16:creationId xmlns:a16="http://schemas.microsoft.com/office/drawing/2014/main" id="{3AF21D00-CB12-B241-8221-702B4F89FF53}"/>
               </a:ext>
             </a:extLst>
           </p:cNvPr>
@@ -17735,7 +18000,7 @@
           <p:cNvPr id="11" name="テキスト ボックス 10">
             <a:extLst>
               <a:ext uri="{FF2B5EF4-FFF2-40B4-BE49-F238E27FC236}">
-                <a16:creationId xmlns:a16="http://schemas.microsoft.com/office/drawing/2014/main" xmlns="" id="{E5C9E122-F412-234E-A9A0-CE34AFFF538E}"/>
+                <a16:creationId xmlns:a16="http://schemas.microsoft.com/office/drawing/2014/main" id="{E5C9E122-F412-234E-A9A0-CE34AFFF538E}"/>
               </a:ext>
             </a:extLst>
           </p:cNvPr>
@@ -17779,7 +18044,7 @@
           <p:cNvPr id="12" name="テキスト ボックス 11">
             <a:extLst>
               <a:ext uri="{FF2B5EF4-FFF2-40B4-BE49-F238E27FC236}">
-                <a16:creationId xmlns:a16="http://schemas.microsoft.com/office/drawing/2014/main" xmlns="" id="{964BC098-7C45-844A-95A6-A487C2E6FCF6}"/>
+                <a16:creationId xmlns:a16="http://schemas.microsoft.com/office/drawing/2014/main" id="{964BC098-7C45-844A-95A6-A487C2E6FCF6}"/>
               </a:ext>
             </a:extLst>
           </p:cNvPr>
@@ -17815,7 +18080,7 @@
           <p:cNvPr id="13" name="テキスト ボックス 12">
             <a:extLst>
               <a:ext uri="{FF2B5EF4-FFF2-40B4-BE49-F238E27FC236}">
-                <a16:creationId xmlns:a16="http://schemas.microsoft.com/office/drawing/2014/main" xmlns="" id="{5F207273-2722-734C-B54D-FD1360167C15}"/>
+                <a16:creationId xmlns:a16="http://schemas.microsoft.com/office/drawing/2014/main" id="{5F207273-2722-734C-B54D-FD1360167C15}"/>
               </a:ext>
             </a:extLst>
           </p:cNvPr>
@@ -17909,7 +18174,13 @@
                 <a:tableStyleId>{3C2FFA5D-87B4-456A-9821-1D502468CF0F}</a:tableStyleId>
               </a:tblPr>
               <a:tblGrid>
-                <a:gridCol w="208280"/>
+                <a:gridCol w="208280">
+                  <a:extLst>
+                    <a:ext uri="{9D8B030D-6E8A-4147-A177-3AD203B41FA5}">
+                      <a16:colId xmlns:a16="http://schemas.microsoft.com/office/drawing/2014/main" val="20000"/>
+                    </a:ext>
+                  </a:extLst>
+                </a:gridCol>
               </a:tblGrid>
               <a:tr h="208800">
                 <a:tc>
@@ -17965,6 +18236,11 @@
                     </a:solidFill>
                   </a:tcPr>
                 </a:tc>
+                <a:extLst>
+                  <a:ext uri="{0D108BD9-81ED-4DB2-BD59-A6C34878D82A}">
+                    <a16:rowId xmlns:a16="http://schemas.microsoft.com/office/drawing/2014/main" val="10000"/>
+                  </a:ext>
+                </a:extLst>
               </a:tr>
               <a:tr h="208800">
                 <a:tc>
@@ -18020,6 +18296,11 @@
                     </a:solidFill>
                   </a:tcPr>
                 </a:tc>
+                <a:extLst>
+                  <a:ext uri="{0D108BD9-81ED-4DB2-BD59-A6C34878D82A}">
+                    <a16:rowId xmlns:a16="http://schemas.microsoft.com/office/drawing/2014/main" val="10001"/>
+                  </a:ext>
+                </a:extLst>
               </a:tr>
               <a:tr h="208800">
                 <a:tc>
@@ -18075,6 +18356,11 @@
                     </a:solidFill>
                   </a:tcPr>
                 </a:tc>
+                <a:extLst>
+                  <a:ext uri="{0D108BD9-81ED-4DB2-BD59-A6C34878D82A}">
+                    <a16:rowId xmlns:a16="http://schemas.microsoft.com/office/drawing/2014/main" val="10002"/>
+                  </a:ext>
+                </a:extLst>
               </a:tr>
               <a:tr h="208800">
                 <a:tc>
@@ -18130,6 +18416,11 @@
                     </a:solidFill>
                   </a:tcPr>
                 </a:tc>
+                <a:extLst>
+                  <a:ext uri="{0D108BD9-81ED-4DB2-BD59-A6C34878D82A}">
+                    <a16:rowId xmlns:a16="http://schemas.microsoft.com/office/drawing/2014/main" val="10003"/>
+                  </a:ext>
+                </a:extLst>
               </a:tr>
               <a:tr h="208800">
                 <a:tc>
@@ -18185,6 +18476,11 @@
                     </a:solidFill>
                   </a:tcPr>
                 </a:tc>
+                <a:extLst>
+                  <a:ext uri="{0D108BD9-81ED-4DB2-BD59-A6C34878D82A}">
+                    <a16:rowId xmlns:a16="http://schemas.microsoft.com/office/drawing/2014/main" val="10004"/>
+                  </a:ext>
+                </a:extLst>
               </a:tr>
             </a:tbl>
           </a:graphicData>
@@ -18215,7 +18511,13 @@
                 <a:tableStyleId>{3C2FFA5D-87B4-456A-9821-1D502468CF0F}</a:tableStyleId>
               </a:tblPr>
               <a:tblGrid>
-                <a:gridCol w="208280"/>
+                <a:gridCol w="208280">
+                  <a:extLst>
+                    <a:ext uri="{9D8B030D-6E8A-4147-A177-3AD203B41FA5}">
+                      <a16:colId xmlns:a16="http://schemas.microsoft.com/office/drawing/2014/main" val="20000"/>
+                    </a:ext>
+                  </a:extLst>
+                </a:gridCol>
               </a:tblGrid>
               <a:tr h="208800">
                 <a:tc>
@@ -18271,6 +18573,11 @@
                     </a:solidFill>
                   </a:tcPr>
                 </a:tc>
+                <a:extLst>
+                  <a:ext uri="{0D108BD9-81ED-4DB2-BD59-A6C34878D82A}">
+                    <a16:rowId xmlns:a16="http://schemas.microsoft.com/office/drawing/2014/main" val="10000"/>
+                  </a:ext>
+                </a:extLst>
               </a:tr>
               <a:tr h="208800">
                 <a:tc>
@@ -18326,6 +18633,11 @@
                     </a:solidFill>
                   </a:tcPr>
                 </a:tc>
+                <a:extLst>
+                  <a:ext uri="{0D108BD9-81ED-4DB2-BD59-A6C34878D82A}">
+                    <a16:rowId xmlns:a16="http://schemas.microsoft.com/office/drawing/2014/main" val="10001"/>
+                  </a:ext>
+                </a:extLst>
               </a:tr>
               <a:tr h="208800">
                 <a:tc>
@@ -18381,6 +18693,11 @@
                     </a:solidFill>
                   </a:tcPr>
                 </a:tc>
+                <a:extLst>
+                  <a:ext uri="{0D108BD9-81ED-4DB2-BD59-A6C34878D82A}">
+                    <a16:rowId xmlns:a16="http://schemas.microsoft.com/office/drawing/2014/main" val="10002"/>
+                  </a:ext>
+                </a:extLst>
               </a:tr>
               <a:tr h="208800">
                 <a:tc>
@@ -18436,6 +18753,11 @@
                     </a:solidFill>
                   </a:tcPr>
                 </a:tc>
+                <a:extLst>
+                  <a:ext uri="{0D108BD9-81ED-4DB2-BD59-A6C34878D82A}">
+                    <a16:rowId xmlns:a16="http://schemas.microsoft.com/office/drawing/2014/main" val="10003"/>
+                  </a:ext>
+                </a:extLst>
               </a:tr>
               <a:tr h="208800">
                 <a:tc>
@@ -18491,6 +18813,11 @@
                     </a:solidFill>
                   </a:tcPr>
                 </a:tc>
+                <a:extLst>
+                  <a:ext uri="{0D108BD9-81ED-4DB2-BD59-A6C34878D82A}">
+                    <a16:rowId xmlns:a16="http://schemas.microsoft.com/office/drawing/2014/main" val="10004"/>
+                  </a:ext>
+                </a:extLst>
               </a:tr>
             </a:tbl>
           </a:graphicData>
@@ -18521,7 +18848,13 @@
                 <a:tableStyleId>{3C2FFA5D-87B4-456A-9821-1D502468CF0F}</a:tableStyleId>
               </a:tblPr>
               <a:tblGrid>
-                <a:gridCol w="208280"/>
+                <a:gridCol w="208280">
+                  <a:extLst>
+                    <a:ext uri="{9D8B030D-6E8A-4147-A177-3AD203B41FA5}">
+                      <a16:colId xmlns:a16="http://schemas.microsoft.com/office/drawing/2014/main" val="20000"/>
+                    </a:ext>
+                  </a:extLst>
+                </a:gridCol>
               </a:tblGrid>
               <a:tr h="208800">
                 <a:tc>
@@ -18577,6 +18910,11 @@
                     </a:solidFill>
                   </a:tcPr>
                 </a:tc>
+                <a:extLst>
+                  <a:ext uri="{0D108BD9-81ED-4DB2-BD59-A6C34878D82A}">
+                    <a16:rowId xmlns:a16="http://schemas.microsoft.com/office/drawing/2014/main" val="10000"/>
+                  </a:ext>
+                </a:extLst>
               </a:tr>
               <a:tr h="208800">
                 <a:tc>
@@ -18632,6 +18970,11 @@
                     </a:solidFill>
                   </a:tcPr>
                 </a:tc>
+                <a:extLst>
+                  <a:ext uri="{0D108BD9-81ED-4DB2-BD59-A6C34878D82A}">
+                    <a16:rowId xmlns:a16="http://schemas.microsoft.com/office/drawing/2014/main" val="10001"/>
+                  </a:ext>
+                </a:extLst>
               </a:tr>
               <a:tr h="208800">
                 <a:tc>
@@ -18687,6 +19030,11 @@
                     </a:solidFill>
                   </a:tcPr>
                 </a:tc>
+                <a:extLst>
+                  <a:ext uri="{0D108BD9-81ED-4DB2-BD59-A6C34878D82A}">
+                    <a16:rowId xmlns:a16="http://schemas.microsoft.com/office/drawing/2014/main" val="10002"/>
+                  </a:ext>
+                </a:extLst>
               </a:tr>
               <a:tr h="208800">
                 <a:tc>
@@ -18742,6 +19090,11 @@
                     </a:solidFill>
                   </a:tcPr>
                 </a:tc>
+                <a:extLst>
+                  <a:ext uri="{0D108BD9-81ED-4DB2-BD59-A6C34878D82A}">
+                    <a16:rowId xmlns:a16="http://schemas.microsoft.com/office/drawing/2014/main" val="10003"/>
+                  </a:ext>
+                </a:extLst>
               </a:tr>
               <a:tr h="208800">
                 <a:tc>
@@ -18797,6 +19150,11 @@
                     </a:solidFill>
                   </a:tcPr>
                 </a:tc>
+                <a:extLst>
+                  <a:ext uri="{0D108BD9-81ED-4DB2-BD59-A6C34878D82A}">
+                    <a16:rowId xmlns:a16="http://schemas.microsoft.com/office/drawing/2014/main" val="10004"/>
+                  </a:ext>
+                </a:extLst>
               </a:tr>
             </a:tbl>
           </a:graphicData>
@@ -18827,7 +19185,13 @@
                 <a:tableStyleId>{3C2FFA5D-87B4-456A-9821-1D502468CF0F}</a:tableStyleId>
               </a:tblPr>
               <a:tblGrid>
-                <a:gridCol w="208280"/>
+                <a:gridCol w="208280">
+                  <a:extLst>
+                    <a:ext uri="{9D8B030D-6E8A-4147-A177-3AD203B41FA5}">
+                      <a16:colId xmlns:a16="http://schemas.microsoft.com/office/drawing/2014/main" val="20000"/>
+                    </a:ext>
+                  </a:extLst>
+                </a:gridCol>
               </a:tblGrid>
               <a:tr h="208800">
                 <a:tc>
@@ -18883,6 +19247,11 @@
                     </a:solidFill>
                   </a:tcPr>
                 </a:tc>
+                <a:extLst>
+                  <a:ext uri="{0D108BD9-81ED-4DB2-BD59-A6C34878D82A}">
+                    <a16:rowId xmlns:a16="http://schemas.microsoft.com/office/drawing/2014/main" val="10000"/>
+                  </a:ext>
+                </a:extLst>
               </a:tr>
               <a:tr h="208800">
                 <a:tc>
@@ -18938,6 +19307,11 @@
                     </a:solidFill>
                   </a:tcPr>
                 </a:tc>
+                <a:extLst>
+                  <a:ext uri="{0D108BD9-81ED-4DB2-BD59-A6C34878D82A}">
+                    <a16:rowId xmlns:a16="http://schemas.microsoft.com/office/drawing/2014/main" val="10001"/>
+                  </a:ext>
+                </a:extLst>
               </a:tr>
               <a:tr h="208800">
                 <a:tc>
@@ -18993,6 +19367,11 @@
                     </a:solidFill>
                   </a:tcPr>
                 </a:tc>
+                <a:extLst>
+                  <a:ext uri="{0D108BD9-81ED-4DB2-BD59-A6C34878D82A}">
+                    <a16:rowId xmlns:a16="http://schemas.microsoft.com/office/drawing/2014/main" val="10002"/>
+                  </a:ext>
+                </a:extLst>
               </a:tr>
               <a:tr h="208800">
                 <a:tc>
@@ -19048,6 +19427,11 @@
                     </a:solidFill>
                   </a:tcPr>
                 </a:tc>
+                <a:extLst>
+                  <a:ext uri="{0D108BD9-81ED-4DB2-BD59-A6C34878D82A}">
+                    <a16:rowId xmlns:a16="http://schemas.microsoft.com/office/drawing/2014/main" val="10003"/>
+                  </a:ext>
+                </a:extLst>
               </a:tr>
               <a:tr h="208800">
                 <a:tc>
@@ -19103,6 +19487,11 @@
                     </a:solidFill>
                   </a:tcPr>
                 </a:tc>
+                <a:extLst>
+                  <a:ext uri="{0D108BD9-81ED-4DB2-BD59-A6C34878D82A}">
+                    <a16:rowId xmlns:a16="http://schemas.microsoft.com/office/drawing/2014/main" val="10004"/>
+                  </a:ext>
+                </a:extLst>
               </a:tr>
             </a:tbl>
           </a:graphicData>
@@ -19133,7 +19522,13 @@
                 <a:tableStyleId>{3C2FFA5D-87B4-456A-9821-1D502468CF0F}</a:tableStyleId>
               </a:tblPr>
               <a:tblGrid>
-                <a:gridCol w="208280"/>
+                <a:gridCol w="208280">
+                  <a:extLst>
+                    <a:ext uri="{9D8B030D-6E8A-4147-A177-3AD203B41FA5}">
+                      <a16:colId xmlns:a16="http://schemas.microsoft.com/office/drawing/2014/main" val="20000"/>
+                    </a:ext>
+                  </a:extLst>
+                </a:gridCol>
               </a:tblGrid>
               <a:tr h="208800">
                 <a:tc>
@@ -19189,6 +19584,11 @@
                     </a:solidFill>
                   </a:tcPr>
                 </a:tc>
+                <a:extLst>
+                  <a:ext uri="{0D108BD9-81ED-4DB2-BD59-A6C34878D82A}">
+                    <a16:rowId xmlns:a16="http://schemas.microsoft.com/office/drawing/2014/main" val="10000"/>
+                  </a:ext>
+                </a:extLst>
               </a:tr>
               <a:tr h="208800">
                 <a:tc>
@@ -19241,6 +19641,11 @@
                     </a:solidFill>
                   </a:tcPr>
                 </a:tc>
+                <a:extLst>
+                  <a:ext uri="{0D108BD9-81ED-4DB2-BD59-A6C34878D82A}">
+                    <a16:rowId xmlns:a16="http://schemas.microsoft.com/office/drawing/2014/main" val="10001"/>
+                  </a:ext>
+                </a:extLst>
               </a:tr>
               <a:tr h="208800">
                 <a:tc>
@@ -19296,6 +19701,11 @@
                     </a:solidFill>
                   </a:tcPr>
                 </a:tc>
+                <a:extLst>
+                  <a:ext uri="{0D108BD9-81ED-4DB2-BD59-A6C34878D82A}">
+                    <a16:rowId xmlns:a16="http://schemas.microsoft.com/office/drawing/2014/main" val="10002"/>
+                  </a:ext>
+                </a:extLst>
               </a:tr>
               <a:tr h="208800">
                 <a:tc>
@@ -19351,6 +19761,11 @@
                     </a:solidFill>
                   </a:tcPr>
                 </a:tc>
+                <a:extLst>
+                  <a:ext uri="{0D108BD9-81ED-4DB2-BD59-A6C34878D82A}">
+                    <a16:rowId xmlns:a16="http://schemas.microsoft.com/office/drawing/2014/main" val="10003"/>
+                  </a:ext>
+                </a:extLst>
               </a:tr>
               <a:tr h="208800">
                 <a:tc>
@@ -19406,6 +19821,11 @@
                     </a:solidFill>
                   </a:tcPr>
                 </a:tc>
+                <a:extLst>
+                  <a:ext uri="{0D108BD9-81ED-4DB2-BD59-A6C34878D82A}">
+                    <a16:rowId xmlns:a16="http://schemas.microsoft.com/office/drawing/2014/main" val="10004"/>
+                  </a:ext>
+                </a:extLst>
               </a:tr>
             </a:tbl>
           </a:graphicData>
@@ -19436,7 +19856,13 @@
                 <a:tableStyleId>{3C2FFA5D-87B4-456A-9821-1D502468CF0F}</a:tableStyleId>
               </a:tblPr>
               <a:tblGrid>
-                <a:gridCol w="208280"/>
+                <a:gridCol w="208280">
+                  <a:extLst>
+                    <a:ext uri="{9D8B030D-6E8A-4147-A177-3AD203B41FA5}">
+                      <a16:colId xmlns:a16="http://schemas.microsoft.com/office/drawing/2014/main" val="20000"/>
+                    </a:ext>
+                  </a:extLst>
+                </a:gridCol>
               </a:tblGrid>
               <a:tr h="208800">
                 <a:tc>
@@ -19492,6 +19918,11 @@
                     </a:solidFill>
                   </a:tcPr>
                 </a:tc>
+                <a:extLst>
+                  <a:ext uri="{0D108BD9-81ED-4DB2-BD59-A6C34878D82A}">
+                    <a16:rowId xmlns:a16="http://schemas.microsoft.com/office/drawing/2014/main" val="10000"/>
+                  </a:ext>
+                </a:extLst>
               </a:tr>
               <a:tr h="208800">
                 <a:tc>
@@ -19547,6 +19978,11 @@
                     </a:solidFill>
                   </a:tcPr>
                 </a:tc>
+                <a:extLst>
+                  <a:ext uri="{0D108BD9-81ED-4DB2-BD59-A6C34878D82A}">
+                    <a16:rowId xmlns:a16="http://schemas.microsoft.com/office/drawing/2014/main" val="10001"/>
+                  </a:ext>
+                </a:extLst>
               </a:tr>
               <a:tr h="208800">
                 <a:tc>
@@ -19602,6 +20038,11 @@
                     </a:solidFill>
                   </a:tcPr>
                 </a:tc>
+                <a:extLst>
+                  <a:ext uri="{0D108BD9-81ED-4DB2-BD59-A6C34878D82A}">
+                    <a16:rowId xmlns:a16="http://schemas.microsoft.com/office/drawing/2014/main" val="10002"/>
+                  </a:ext>
+                </a:extLst>
               </a:tr>
               <a:tr h="208800">
                 <a:tc>
@@ -19657,6 +20098,11 @@
                     </a:solidFill>
                   </a:tcPr>
                 </a:tc>
+                <a:extLst>
+                  <a:ext uri="{0D108BD9-81ED-4DB2-BD59-A6C34878D82A}">
+                    <a16:rowId xmlns:a16="http://schemas.microsoft.com/office/drawing/2014/main" val="10003"/>
+                  </a:ext>
+                </a:extLst>
               </a:tr>
               <a:tr h="208800">
                 <a:tc>
@@ -19712,6 +20158,11 @@
                     </a:solidFill>
                   </a:tcPr>
                 </a:tc>
+                <a:extLst>
+                  <a:ext uri="{0D108BD9-81ED-4DB2-BD59-A6C34878D82A}">
+                    <a16:rowId xmlns:a16="http://schemas.microsoft.com/office/drawing/2014/main" val="10004"/>
+                  </a:ext>
+                </a:extLst>
               </a:tr>
               <a:tr h="208800">
                 <a:tc>
@@ -19767,6 +20218,11 @@
                     </a:solidFill>
                   </a:tcPr>
                 </a:tc>
+                <a:extLst>
+                  <a:ext uri="{0D108BD9-81ED-4DB2-BD59-A6C34878D82A}">
+                    <a16:rowId xmlns:a16="http://schemas.microsoft.com/office/drawing/2014/main" val="10005"/>
+                  </a:ext>
+                </a:extLst>
               </a:tr>
               <a:tr h="208800">
                 <a:tc>
@@ -19822,6 +20278,11 @@
                     </a:solidFill>
                   </a:tcPr>
                 </a:tc>
+                <a:extLst>
+                  <a:ext uri="{0D108BD9-81ED-4DB2-BD59-A6C34878D82A}">
+                    <a16:rowId xmlns:a16="http://schemas.microsoft.com/office/drawing/2014/main" val="10006"/>
+                  </a:ext>
+                </a:extLst>
               </a:tr>
               <a:tr h="208800">
                 <a:tc>
@@ -19877,6 +20338,11 @@
                     </a:solidFill>
                   </a:tcPr>
                 </a:tc>
+                <a:extLst>
+                  <a:ext uri="{0D108BD9-81ED-4DB2-BD59-A6C34878D82A}">
+                    <a16:rowId xmlns:a16="http://schemas.microsoft.com/office/drawing/2014/main" val="10007"/>
+                  </a:ext>
+                </a:extLst>
               </a:tr>
               <a:tr h="208800">
                 <a:tc>
@@ -19932,6 +20398,11 @@
                     </a:solidFill>
                   </a:tcPr>
                 </a:tc>
+                <a:extLst>
+                  <a:ext uri="{0D108BD9-81ED-4DB2-BD59-A6C34878D82A}">
+                    <a16:rowId xmlns:a16="http://schemas.microsoft.com/office/drawing/2014/main" val="10008"/>
+                  </a:ext>
+                </a:extLst>
               </a:tr>
               <a:tr h="208800">
                 <a:tc>
@@ -19987,6 +20458,11 @@
                     </a:solidFill>
                   </a:tcPr>
                 </a:tc>
+                <a:extLst>
+                  <a:ext uri="{0D108BD9-81ED-4DB2-BD59-A6C34878D82A}">
+                    <a16:rowId xmlns:a16="http://schemas.microsoft.com/office/drawing/2014/main" val="10009"/>
+                  </a:ext>
+                </a:extLst>
               </a:tr>
               <a:tr h="208800">
                 <a:tc>
@@ -20042,6 +20518,11 @@
                     </a:solidFill>
                   </a:tcPr>
                 </a:tc>
+                <a:extLst>
+                  <a:ext uri="{0D108BD9-81ED-4DB2-BD59-A6C34878D82A}">
+                    <a16:rowId xmlns:a16="http://schemas.microsoft.com/office/drawing/2014/main" val="10010"/>
+                  </a:ext>
+                </a:extLst>
               </a:tr>
               <a:tr h="208800">
                 <a:tc>
@@ -20097,6 +20578,11 @@
                     </a:solidFill>
                   </a:tcPr>
                 </a:tc>
+                <a:extLst>
+                  <a:ext uri="{0D108BD9-81ED-4DB2-BD59-A6C34878D82A}">
+                    <a16:rowId xmlns:a16="http://schemas.microsoft.com/office/drawing/2014/main" val="10011"/>
+                  </a:ext>
+                </a:extLst>
               </a:tr>
               <a:tr h="208800">
                 <a:tc>
@@ -20152,6 +20638,11 @@
                     </a:solidFill>
                   </a:tcPr>
                 </a:tc>
+                <a:extLst>
+                  <a:ext uri="{0D108BD9-81ED-4DB2-BD59-A6C34878D82A}">
+                    <a16:rowId xmlns:a16="http://schemas.microsoft.com/office/drawing/2014/main" val="10012"/>
+                  </a:ext>
+                </a:extLst>
               </a:tr>
               <a:tr h="208800">
                 <a:tc>
@@ -20207,6 +20698,11 @@
                     </a:solidFill>
                   </a:tcPr>
                 </a:tc>
+                <a:extLst>
+                  <a:ext uri="{0D108BD9-81ED-4DB2-BD59-A6C34878D82A}">
+                    <a16:rowId xmlns:a16="http://schemas.microsoft.com/office/drawing/2014/main" val="10013"/>
+                  </a:ext>
+                </a:extLst>
               </a:tr>
               <a:tr h="208800">
                 <a:tc>
@@ -20262,6 +20758,11 @@
                     </a:solidFill>
                   </a:tcPr>
                 </a:tc>
+                <a:extLst>
+                  <a:ext uri="{0D108BD9-81ED-4DB2-BD59-A6C34878D82A}">
+                    <a16:rowId xmlns:a16="http://schemas.microsoft.com/office/drawing/2014/main" val="10014"/>
+                  </a:ext>
+                </a:extLst>
               </a:tr>
             </a:tbl>
           </a:graphicData>
@@ -20290,7 +20791,7 @@
           <a:lstStyle/>
           <a:p>
             <a:r>
-              <a:rPr kumimoji="1" lang="ja-JP" altLang="en-US" smtClean="0"/>
+              <a:rPr kumimoji="1" lang="ja-JP" altLang="en-US"/>
               <a:t>入力層</a:t>
             </a:r>
             <a:endParaRPr kumimoji="1" lang="ja-JP" altLang="en-US" dirty="0"/>
@@ -20320,14 +20821,13 @@
           <a:lstStyle/>
           <a:p>
             <a:r>
-              <a:rPr kumimoji="1" lang="en-US" altLang="ja-JP" dirty="0" smtClean="0"/>
+              <a:rPr kumimoji="1" lang="en-US" altLang="ja-JP" dirty="0"/>
               <a:t>n</a:t>
             </a:r>
             <a:r>
-              <a:rPr kumimoji="1" lang="ja-JP" altLang="en-US" dirty="0" smtClean="0"/>
+              <a:rPr kumimoji="1" lang="ja-JP" altLang="en-US" dirty="0"/>
               <a:t>次元の隠れ層</a:t>
             </a:r>
-            <a:endParaRPr kumimoji="1" lang="ja-JP" altLang="en-US" dirty="0"/>
           </a:p>
         </p:txBody>
       </p:sp>
@@ -20354,15 +20854,15 @@
           <a:lstStyle/>
           <a:p>
             <a:r>
-              <a:rPr kumimoji="1" lang="ja-JP" altLang="en-US" smtClean="0"/>
+              <a:rPr kumimoji="1" lang="ja-JP" altLang="en-US"/>
               <a:t>出力層</a:t>
             </a:r>
             <a:endParaRPr kumimoji="1" lang="ja-JP" altLang="en-US" dirty="0"/>
           </a:p>
         </p:txBody>
       </p:sp>
-      <mc:AlternateContent xmlns:mc="http://schemas.openxmlformats.org/markup-compatibility/2006">
-        <mc:Choice xmlns:a14="http://schemas.microsoft.com/office/drawing/2010/main" Requires="a14">
+      <mc:AlternateContent xmlns:mc="http://schemas.openxmlformats.org/markup-compatibility/2006" xmlns:a14="http://schemas.microsoft.com/office/drawing/2010/main">
+        <mc:Choice Requires="a14">
           <p:sp>
             <p:nvSpPr>
               <p:cNvPr id="29" name="テキスト ボックス 28"/>
@@ -20396,7 +20896,7 @@
                         <m:sSubPr>
                           <m:ctrlPr>
                             <a:rPr kumimoji="1" lang="en-US" altLang="ja-JP" i="1" smtClean="0">
-                              <a:latin typeface="Cambria Math" charset="0"/>
+                              <a:latin typeface="Cambria Math" panose="02040503050406030204" pitchFamily="18" charset="0"/>
                             </a:rPr>
                           </m:ctrlPr>
                         </m:sSubPr>
@@ -20447,7 +20947,7 @@
             </p:txBody>
           </p:sp>
         </mc:Choice>
-        <mc:Fallback>
+        <mc:Fallback xmlns="">
           <p:sp>
             <p:nvSpPr>
               <p:cNvPr id="29" name="テキスト ボックス 28"/>
@@ -20486,8 +20986,8 @@
           </p:sp>
         </mc:Fallback>
       </mc:AlternateContent>
-      <mc:AlternateContent xmlns:mc="http://schemas.openxmlformats.org/markup-compatibility/2006">
-        <mc:Choice xmlns:a14="http://schemas.microsoft.com/office/drawing/2010/main" Requires="a14">
+      <mc:AlternateContent xmlns:mc="http://schemas.openxmlformats.org/markup-compatibility/2006" xmlns:a14="http://schemas.microsoft.com/office/drawing/2010/main">
+        <mc:Choice Requires="a14">
           <p:sp>
             <p:nvSpPr>
               <p:cNvPr id="30" name="テキスト ボックス 29"/>
@@ -20521,7 +21021,7 @@
                         <m:sSubPr>
                           <m:ctrlPr>
                             <a:rPr kumimoji="1" lang="en-US" altLang="ja-JP" i="1" smtClean="0">
-                              <a:latin typeface="Cambria Math" charset="0"/>
+                              <a:latin typeface="Cambria Math" panose="02040503050406030204" pitchFamily="18" charset="0"/>
                             </a:rPr>
                           </m:ctrlPr>
                         </m:sSubPr>
@@ -20572,7 +21072,7 @@
             </p:txBody>
           </p:sp>
         </mc:Choice>
-        <mc:Fallback>
+        <mc:Fallback xmlns="">
           <p:sp>
             <p:nvSpPr>
               <p:cNvPr id="30" name="テキスト ボックス 29"/>
@@ -20687,8 +21187,8 @@
           </a:p>
         </p:txBody>
       </p:sp>
-      <mc:AlternateContent xmlns:mc="http://schemas.openxmlformats.org/markup-compatibility/2006">
-        <mc:Choice xmlns:a14="http://schemas.microsoft.com/office/drawing/2010/main" Requires="a14">
+      <mc:AlternateContent xmlns:mc="http://schemas.openxmlformats.org/markup-compatibility/2006" xmlns:a14="http://schemas.microsoft.com/office/drawing/2010/main">
+        <mc:Choice Requires="a14">
           <p:sp>
             <p:nvSpPr>
               <p:cNvPr id="39" name="テキスト ボックス 38"/>
@@ -20732,7 +21232,7 @@
             </p:txBody>
           </p:sp>
         </mc:Choice>
-        <mc:Fallback>
+        <mc:Fallback xmlns="">
           <p:sp>
             <p:nvSpPr>
               <p:cNvPr id="39" name="テキスト ボックス 38"/>
@@ -20771,8 +21271,8 @@
           </p:sp>
         </mc:Fallback>
       </mc:AlternateContent>
-      <mc:AlternateContent xmlns:mc="http://schemas.openxmlformats.org/markup-compatibility/2006">
-        <mc:Choice xmlns:a14="http://schemas.microsoft.com/office/drawing/2010/main" Requires="a14">
+      <mc:AlternateContent xmlns:mc="http://schemas.openxmlformats.org/markup-compatibility/2006" xmlns:a14="http://schemas.microsoft.com/office/drawing/2010/main">
+        <mc:Choice Requires="a14">
           <p:sp>
             <p:nvSpPr>
               <p:cNvPr id="43" name="正方形/長方形 42"/>
@@ -20815,7 +21315,7 @@
             </p:txBody>
           </p:sp>
         </mc:Choice>
-        <mc:Fallback>
+        <mc:Fallback xmlns="">
           <p:sp>
             <p:nvSpPr>
               <p:cNvPr id="43" name="正方形/長方形 42"/>
@@ -20936,8 +21436,8 @@
           </a:p>
         </p:txBody>
       </p:sp>
-      <mc:AlternateContent xmlns:mc="http://schemas.openxmlformats.org/markup-compatibility/2006">
-        <mc:Choice xmlns:a14="http://schemas.microsoft.com/office/drawing/2010/main" Requires="a14">
+      <mc:AlternateContent xmlns:mc="http://schemas.openxmlformats.org/markup-compatibility/2006" xmlns:a14="http://schemas.microsoft.com/office/drawing/2010/main">
+        <mc:Choice Requires="a14">
           <p:sp>
             <p:nvSpPr>
               <p:cNvPr id="40" name="テキスト ボックス 39"/>
@@ -20981,7 +21481,7 @@
             </p:txBody>
           </p:sp>
         </mc:Choice>
-        <mc:Fallback>
+        <mc:Fallback xmlns="">
           <p:sp>
             <p:nvSpPr>
               <p:cNvPr id="40" name="テキスト ボックス 39"/>
@@ -21058,8 +21558,8 @@
           </a:p>
         </p:txBody>
       </p:sp>
-      <mc:AlternateContent xmlns:mc="http://schemas.openxmlformats.org/markup-compatibility/2006">
-        <mc:Choice xmlns:a14="http://schemas.microsoft.com/office/drawing/2010/main" Requires="a14">
+      <mc:AlternateContent xmlns:mc="http://schemas.openxmlformats.org/markup-compatibility/2006" xmlns:a14="http://schemas.microsoft.com/office/drawing/2010/main">
+        <mc:Choice Requires="a14">
           <p:sp>
             <p:nvSpPr>
               <p:cNvPr id="46" name="テキスト ボックス 45"/>
@@ -21103,7 +21603,7 @@
             </p:txBody>
           </p:sp>
         </mc:Choice>
-        <mc:Fallback>
+        <mc:Fallback xmlns="">
           <p:sp>
             <p:nvSpPr>
               <p:cNvPr id="46" name="テキスト ボックス 45"/>
@@ -21180,8 +21680,8 @@
           </a:p>
         </p:txBody>
       </p:sp>
-      <mc:AlternateContent xmlns:mc="http://schemas.openxmlformats.org/markup-compatibility/2006">
-        <mc:Choice xmlns:a14="http://schemas.microsoft.com/office/drawing/2010/main" Requires="a14">
+      <mc:AlternateContent xmlns:mc="http://schemas.openxmlformats.org/markup-compatibility/2006" xmlns:a14="http://schemas.microsoft.com/office/drawing/2010/main">
+        <mc:Choice Requires="a14">
           <p:sp>
             <p:nvSpPr>
               <p:cNvPr id="48" name="テキスト ボックス 47"/>
@@ -21225,7 +21725,7 @@
             </p:txBody>
           </p:sp>
         </mc:Choice>
-        <mc:Fallback>
+        <mc:Fallback xmlns="">
           <p:sp>
             <p:nvSpPr>
               <p:cNvPr id="48" name="テキスト ボックス 47"/>
@@ -21569,7 +22069,7 @@
           <p:cNvPr id="52" name="テキスト ボックス 51">
             <a:extLst>
               <a:ext uri="{FF2B5EF4-FFF2-40B4-BE49-F238E27FC236}">
-                <a16:creationId xmlns:a16="http://schemas.microsoft.com/office/drawing/2014/main" xmlns="" id="{780EB33D-AB7A-644C-BF62-6411655FBFD6}"/>
+                <a16:creationId xmlns:a16="http://schemas.microsoft.com/office/drawing/2014/main" id="{780EB33D-AB7A-644C-BF62-6411655FBFD6}"/>
               </a:ext>
             </a:extLst>
           </p:cNvPr>
@@ -21621,7 +22121,7 @@
           <p:cNvPr id="53" name="テキスト ボックス 52">
             <a:extLst>
               <a:ext uri="{FF2B5EF4-FFF2-40B4-BE49-F238E27FC236}">
-                <a16:creationId xmlns:a16="http://schemas.microsoft.com/office/drawing/2014/main" xmlns="" id="{4F082176-A65F-E746-A442-839C58C80DBA}"/>
+                <a16:creationId xmlns:a16="http://schemas.microsoft.com/office/drawing/2014/main" id="{4F082176-A65F-E746-A442-839C58C80DBA}"/>
               </a:ext>
             </a:extLst>
           </p:cNvPr>
@@ -21645,7 +22145,7 @@
           <a:lstStyle/>
           <a:p>
             <a:r>
-              <a:rPr lang="en-US" altLang="ja-JP" dirty="0" smtClean="0"/>
+              <a:rPr lang="en-US" altLang="ja-JP" dirty="0"/>
               <a:t>Skip-gram</a:t>
             </a:r>
             <a:endParaRPr kumimoji="1" lang="ja-JP" altLang="en-US" dirty="0"/>
@@ -21662,13 +22162,6 @@
   <p:clrMapOvr>
     <a:masterClrMapping/>
   </p:clrMapOvr>
-  <p:timing>
-    <p:tnLst>
-      <p:par>
-        <p:cTn id="1" dur="indefinite" restart="never" nodeType="tmRoot"/>
-      </p:par>
-    </p:tnLst>
-  </p:timing>
 </p:sld>
 </file>
 
@@ -21712,10 +22205,9 @@
           <a:lstStyle/>
           <a:p>
             <a:r>
-              <a:rPr kumimoji="1" lang="ja-JP" altLang="en-US" dirty="0" smtClean="0"/>
+              <a:rPr kumimoji="1" lang="ja-JP" altLang="en-US" dirty="0"/>
               <a:t>このニューラルネットワークは</a:t>
             </a:r>
-            <a:endParaRPr kumimoji="1" lang="ja-JP" altLang="en-US" dirty="0"/>
           </a:p>
         </p:txBody>
       </p:sp>
@@ -21742,7 +22234,7 @@
           <a:lstStyle/>
           <a:p>
             <a:r>
-              <a:rPr kumimoji="1" lang="ja-JP" altLang="en-US" dirty="0" smtClean="0">
+              <a:rPr kumimoji="1" lang="ja-JP" altLang="en-US" dirty="0">
                 <a:solidFill>
                   <a:srgbClr val="FF0000"/>
                 </a:solidFill>
@@ -21750,10 +22242,9 @@
               <a:t>あるタスク</a:t>
             </a:r>
             <a:r>
-              <a:rPr kumimoji="1" lang="ja-JP" altLang="en-US" dirty="0" smtClean="0"/>
+              <a:rPr kumimoji="1" lang="ja-JP" altLang="en-US" dirty="0"/>
               <a:t>を実行するために学習される</a:t>
             </a:r>
-            <a:endParaRPr kumimoji="1" lang="ja-JP" altLang="en-US" dirty="0"/>
           </a:p>
         </p:txBody>
       </p:sp>
@@ -21780,17 +22271,16 @@
           <a:lstStyle/>
           <a:p>
             <a:r>
-              <a:rPr kumimoji="1" lang="ja-JP" altLang="en-US" dirty="0" smtClean="0"/>
+              <a:rPr kumimoji="1" lang="ja-JP" altLang="en-US" dirty="0"/>
               <a:t>しかし、実際には学習したタスクに対して</a:t>
             </a:r>
-            <a:endParaRPr kumimoji="1" lang="en-US" altLang="ja-JP" dirty="0" smtClean="0"/>
-          </a:p>
-          <a:p>
-            <a:r>
-              <a:rPr kumimoji="1" lang="ja-JP" altLang="en-US" dirty="0" smtClean="0"/>
+            <a:endParaRPr kumimoji="1" lang="en-US" altLang="ja-JP" dirty="0"/>
+          </a:p>
+          <a:p>
+            <a:r>
+              <a:rPr kumimoji="1" lang="ja-JP" altLang="en-US" dirty="0"/>
               <a:t>ニューラルネットワークを使うことはない</a:t>
             </a:r>
-            <a:endParaRPr kumimoji="1" lang="ja-JP" altLang="en-US" dirty="0"/>
           </a:p>
         </p:txBody>
       </p:sp>
@@ -21857,10 +22347,9 @@
           <a:lstStyle/>
           <a:p>
             <a:r>
-              <a:rPr kumimoji="1" lang="ja-JP" altLang="en-US" smtClean="0"/>
+              <a:rPr kumimoji="1" lang="ja-JP" altLang="en-US"/>
               <a:t>実際の目的は隠れ層の重みを学習することにある</a:t>
             </a:r>
-            <a:endParaRPr kumimoji="1" lang="ja-JP" altLang="en-US"/>
           </a:p>
         </p:txBody>
       </p:sp>
@@ -21887,11 +22376,11 @@
           <a:lstStyle/>
           <a:p>
             <a:r>
-              <a:rPr kumimoji="1" lang="ja-JP" altLang="en-US" dirty="0" smtClean="0"/>
+              <a:rPr kumimoji="1" lang="ja-JP" altLang="en-US" dirty="0"/>
               <a:t>この隠れ層の重みのことを</a:t>
             </a:r>
             <a:r>
-              <a:rPr kumimoji="1" lang="ja-JP" altLang="en-US" smtClean="0"/>
+              <a:rPr kumimoji="1" lang="ja-JP" altLang="en-US"/>
               <a:t>単語ベクトルと言い、これが必要とするベクトル</a:t>
             </a:r>
             <a:endParaRPr kumimoji="1" lang="ja-JP" altLang="en-US" dirty="0"/>
@@ -21933,7 +22422,7 @@
           <p:cNvPr id="14" name="テキスト ボックス 13">
             <a:extLst>
               <a:ext uri="{FF2B5EF4-FFF2-40B4-BE49-F238E27FC236}">
-                <a16:creationId xmlns:a16="http://schemas.microsoft.com/office/drawing/2014/main" xmlns="" id="{780EB33D-AB7A-644C-BF62-6411655FBFD6}"/>
+                <a16:creationId xmlns:a16="http://schemas.microsoft.com/office/drawing/2014/main" id="{780EB33D-AB7A-644C-BF62-6411655FBFD6}"/>
               </a:ext>
             </a:extLst>
           </p:cNvPr>
@@ -21985,7 +22474,7 @@
           <p:cNvPr id="15" name="テキスト ボックス 14">
             <a:extLst>
               <a:ext uri="{FF2B5EF4-FFF2-40B4-BE49-F238E27FC236}">
-                <a16:creationId xmlns:a16="http://schemas.microsoft.com/office/drawing/2014/main" xmlns="" id="{4F082176-A65F-E746-A442-839C58C80DBA}"/>
+                <a16:creationId xmlns:a16="http://schemas.microsoft.com/office/drawing/2014/main" id="{4F082176-A65F-E746-A442-839C58C80DBA}"/>
               </a:ext>
             </a:extLst>
           </p:cNvPr>
@@ -22009,7 +22498,7 @@
           <a:lstStyle/>
           <a:p>
             <a:r>
-              <a:rPr lang="en-US" altLang="ja-JP" dirty="0" smtClean="0"/>
+              <a:rPr lang="en-US" altLang="ja-JP" dirty="0"/>
               <a:t>Skip-gram</a:t>
             </a:r>
             <a:endParaRPr kumimoji="1" lang="ja-JP" altLang="en-US" dirty="0"/>
@@ -22026,13 +22515,6 @@
   <p:clrMapOvr>
     <a:masterClrMapping/>
   </p:clrMapOvr>
-  <p:timing>
-    <p:tnLst>
-      <p:par>
-        <p:cTn id="1" dur="indefinite" restart="never" nodeType="tmRoot"/>
-      </p:par>
-    </p:tnLst>
-  </p:timing>
 </p:sld>
 </file>
 
@@ -22076,10 +22558,9 @@
           <a:lstStyle/>
           <a:p>
             <a:r>
-              <a:rPr kumimoji="1" lang="ja-JP" altLang="en-US" dirty="0" smtClean="0"/>
+              <a:rPr kumimoji="1" lang="ja-JP" altLang="en-US" dirty="0"/>
               <a:t>あるタスクとは？</a:t>
             </a:r>
-            <a:endParaRPr kumimoji="1" lang="ja-JP" altLang="en-US" dirty="0"/>
           </a:p>
         </p:txBody>
       </p:sp>
@@ -22106,15 +22587,15 @@
           <a:lstStyle/>
           <a:p>
             <a:r>
-              <a:rPr kumimoji="1" lang="en-US" altLang="ja-JP" dirty="0" smtClean="0"/>
+              <a:rPr kumimoji="1" lang="en-US" altLang="ja-JP" dirty="0"/>
               <a:t>Skip-gram</a:t>
             </a:r>
             <a:r>
-              <a:rPr kumimoji="1" lang="ja-JP" altLang="en-US" dirty="0" smtClean="0"/>
+              <a:rPr kumimoji="1" lang="ja-JP" altLang="en-US" dirty="0"/>
               <a:t>では</a:t>
             </a:r>
             <a:r>
-              <a:rPr kumimoji="1" lang="ja-JP" altLang="en-US" dirty="0" smtClean="0">
+              <a:rPr kumimoji="1" lang="ja-JP" altLang="en-US" dirty="0">
                 <a:solidFill>
                   <a:schemeClr val="tx2">
                     <a:lumMod val="50000"/>
@@ -22125,24 +22606,23 @@
               <a:t>ある単語</a:t>
             </a:r>
             <a:r>
-              <a:rPr kumimoji="1" lang="ja-JP" altLang="en-US" dirty="0" smtClean="0"/>
+              <a:rPr kumimoji="1" lang="ja-JP" altLang="en-US" dirty="0"/>
               <a:t>を入力した時</a:t>
             </a:r>
-            <a:endParaRPr kumimoji="1" lang="en-US" altLang="ja-JP" dirty="0" smtClean="0"/>
-          </a:p>
-          <a:p>
-            <a:r>
-              <a:rPr kumimoji="1" lang="ja-JP" altLang="en-US" dirty="0" smtClean="0"/>
+            <a:endParaRPr kumimoji="1" lang="en-US" altLang="ja-JP" dirty="0"/>
+          </a:p>
+          <a:p>
+            <a:r>
+              <a:rPr kumimoji="1" lang="ja-JP" altLang="en-US" dirty="0"/>
               <a:t>その周辺にどのような単語が現れやすいか</a:t>
             </a:r>
-            <a:endParaRPr kumimoji="1" lang="en-US" altLang="ja-JP" dirty="0" smtClean="0"/>
-          </a:p>
-          <a:p>
-            <a:r>
-              <a:rPr kumimoji="1" lang="ja-JP" altLang="en-US" dirty="0" smtClean="0"/>
+            <a:endParaRPr kumimoji="1" lang="en-US" altLang="ja-JP" dirty="0"/>
+          </a:p>
+          <a:p>
+            <a:r>
+              <a:rPr kumimoji="1" lang="ja-JP" altLang="en-US" dirty="0"/>
               <a:t>予測することをモデル化している</a:t>
             </a:r>
-            <a:endParaRPr kumimoji="1" lang="ja-JP" altLang="en-US" dirty="0"/>
           </a:p>
         </p:txBody>
       </p:sp>
@@ -22169,10 +22649,9 @@
           <a:lstStyle/>
           <a:p>
             <a:r>
-              <a:rPr kumimoji="1" lang="ja-JP" altLang="en-US" dirty="0" smtClean="0"/>
+              <a:rPr kumimoji="1" lang="ja-JP" altLang="en-US" dirty="0"/>
               <a:t>例文</a:t>
             </a:r>
-            <a:endParaRPr kumimoji="1" lang="ja-JP" altLang="en-US" dirty="0"/>
           </a:p>
         </p:txBody>
       </p:sp>
@@ -22199,11 +22678,11 @@
           <a:lstStyle/>
           <a:p>
             <a:r>
-              <a:rPr kumimoji="1" lang="en-US" altLang="ja-JP" dirty="0" smtClean="0"/>
+              <a:rPr kumimoji="1" lang="en-US" altLang="ja-JP" dirty="0"/>
               <a:t>I want to </a:t>
             </a:r>
             <a:r>
-              <a:rPr kumimoji="1" lang="en-US" altLang="ja-JP" dirty="0" smtClean="0">
+              <a:rPr kumimoji="1" lang="en-US" altLang="ja-JP" dirty="0">
                 <a:solidFill>
                   <a:schemeClr val="tx2">
                     <a:lumMod val="50000"/>
@@ -22214,7 +22693,7 @@
               <a:t>eat</a:t>
             </a:r>
             <a:r>
-              <a:rPr kumimoji="1" lang="en-US" altLang="ja-JP" dirty="0" smtClean="0"/>
+              <a:rPr kumimoji="1" lang="en-US" altLang="ja-JP" dirty="0"/>
               <a:t> an apple everyday</a:t>
             </a:r>
             <a:endParaRPr kumimoji="1" lang="ja-JP" altLang="en-US" dirty="0"/>
@@ -22244,10 +22723,9 @@
           <a:lstStyle/>
           <a:p>
             <a:r>
-              <a:rPr kumimoji="1" lang="ja-JP" altLang="en-US" dirty="0" smtClean="0"/>
+              <a:rPr kumimoji="1" lang="ja-JP" altLang="en-US" dirty="0"/>
               <a:t>周辺語として何単語まで考えるか</a:t>
             </a:r>
-            <a:endParaRPr kumimoji="1" lang="ja-JP" altLang="en-US" dirty="0"/>
           </a:p>
         </p:txBody>
       </p:sp>
@@ -22276,7 +22754,7 @@
               <a:lstStyle/>
               <a:p>
                 <a:r>
-                  <a:rPr kumimoji="1" lang="ja-JP" altLang="en-US" dirty="0" smtClean="0"/>
+                  <a:rPr kumimoji="1" lang="ja-JP" altLang="en-US" dirty="0"/>
                   <a:t>ウィンドウサイズを</a:t>
                 </a:r>
                 <a14:m>
@@ -22290,10 +22768,10 @@
                   </m:oMath>
                 </a14:m>
                 <a:r>
-                  <a:rPr kumimoji="1" lang="ja-JP" altLang="en-US" b="0" dirty="0" smtClean="0"/>
+                  <a:rPr kumimoji="1" lang="ja-JP" altLang="en-US" b="0" dirty="0"/>
                   <a:t>とすると</a:t>
                 </a:r>
-                <a:endParaRPr kumimoji="1" lang="en-US" altLang="ja-JP" b="0" dirty="0" smtClean="0"/>
+                <a:endParaRPr kumimoji="1" lang="en-US" altLang="ja-JP" b="0" dirty="0"/>
               </a:p>
             </p:txBody>
           </p:sp>
@@ -22391,25 +22869,20 @@
           <a:p>
             <a:r>
               <a:rPr kumimoji="1" lang="en-US" altLang="ja-JP" dirty="0"/>
-              <a:t>a</a:t>
-            </a:r>
-            <a:r>
-              <a:rPr kumimoji="1" lang="en-US" altLang="ja-JP" dirty="0" smtClean="0"/>
-              <a:t>pple</a:t>
-            </a:r>
-            <a:r>
-              <a:rPr kumimoji="1" lang="ja-JP" altLang="en-US" dirty="0" smtClean="0"/>
+              <a:t>apple</a:t>
+            </a:r>
+            <a:r>
+              <a:rPr kumimoji="1" lang="ja-JP" altLang="en-US" dirty="0"/>
               <a:t>や</a:t>
             </a:r>
             <a:r>
-              <a:rPr kumimoji="1" lang="en-US" altLang="ja-JP" dirty="0" smtClean="0"/>
+              <a:rPr kumimoji="1" lang="en-US" altLang="ja-JP" dirty="0"/>
               <a:t>orange</a:t>
             </a:r>
             <a:r>
-              <a:rPr kumimoji="1" lang="ja-JP" altLang="en-US" dirty="0" smtClean="0"/>
+              <a:rPr kumimoji="1" lang="ja-JP" altLang="en-US" dirty="0"/>
               <a:t>が出てきやすそう</a:t>
             </a:r>
-            <a:endParaRPr kumimoji="1" lang="ja-JP" altLang="en-US" dirty="0"/>
           </a:p>
         </p:txBody>
       </p:sp>
@@ -22418,7 +22891,7 @@
           <p:cNvPr id="18" name="テキスト ボックス 17">
             <a:extLst>
               <a:ext uri="{FF2B5EF4-FFF2-40B4-BE49-F238E27FC236}">
-                <a16:creationId xmlns:a16="http://schemas.microsoft.com/office/drawing/2014/main" xmlns="" id="{780EB33D-AB7A-644C-BF62-6411655FBFD6}"/>
+                <a16:creationId xmlns:a16="http://schemas.microsoft.com/office/drawing/2014/main" id="{780EB33D-AB7A-644C-BF62-6411655FBFD6}"/>
               </a:ext>
             </a:extLst>
           </p:cNvPr>
@@ -22470,7 +22943,7 @@
           <p:cNvPr id="19" name="テキスト ボックス 18">
             <a:extLst>
               <a:ext uri="{FF2B5EF4-FFF2-40B4-BE49-F238E27FC236}">
-                <a16:creationId xmlns:a16="http://schemas.microsoft.com/office/drawing/2014/main" xmlns="" id="{4F082176-A65F-E746-A442-839C58C80DBA}"/>
+                <a16:creationId xmlns:a16="http://schemas.microsoft.com/office/drawing/2014/main" id="{4F082176-A65F-E746-A442-839C58C80DBA}"/>
               </a:ext>
             </a:extLst>
           </p:cNvPr>
@@ -22494,7 +22967,7 @@
           <a:lstStyle/>
           <a:p>
             <a:r>
-              <a:rPr lang="en-US" altLang="ja-JP" dirty="0" smtClean="0"/>
+              <a:rPr lang="en-US" altLang="ja-JP" dirty="0"/>
               <a:t>Skip-gram</a:t>
             </a:r>
             <a:endParaRPr kumimoji="1" lang="ja-JP" altLang="en-US" dirty="0"/>
@@ -22511,13 +22984,6 @@
   <p:clrMapOvr>
     <a:masterClrMapping/>
   </p:clrMapOvr>
-  <p:timing>
-    <p:tnLst>
-      <p:par>
-        <p:cTn id="1" dur="indefinite" restart="never" nodeType="tmRoot"/>
-      </p:par>
-    </p:tnLst>
-  </p:timing>
 </p:sld>
 </file>
 
@@ -22561,10 +23027,9 @@
           <a:lstStyle/>
           <a:p>
             <a:r>
-              <a:rPr kumimoji="1" lang="ja-JP" altLang="en-US" smtClean="0"/>
+              <a:rPr kumimoji="1" lang="ja-JP" altLang="en-US"/>
               <a:t>学習は教師あり学習で行われる</a:t>
             </a:r>
-            <a:endParaRPr kumimoji="1" lang="ja-JP" altLang="en-US"/>
           </a:p>
         </p:txBody>
       </p:sp>
@@ -22591,11 +23056,11 @@
           <a:lstStyle/>
           <a:p>
             <a:r>
-              <a:rPr kumimoji="1" lang="ja-JP" altLang="en-US" dirty="0" smtClean="0"/>
+              <a:rPr kumimoji="1" lang="ja-JP" altLang="en-US" dirty="0"/>
               <a:t>教師データは入力として</a:t>
             </a:r>
             <a:r>
-              <a:rPr kumimoji="1" lang="ja-JP" altLang="en-US" dirty="0" smtClean="0">
+              <a:rPr kumimoji="1" lang="ja-JP" altLang="en-US" dirty="0">
                 <a:solidFill>
                   <a:schemeClr val="tx2">
                     <a:lumMod val="50000"/>
@@ -22606,11 +23071,11 @@
               <a:t>ある単語</a:t>
             </a:r>
             <a:r>
-              <a:rPr kumimoji="1" lang="ja-JP" altLang="en-US" dirty="0" smtClean="0"/>
+              <a:rPr kumimoji="1" lang="ja-JP" altLang="en-US" dirty="0"/>
               <a:t>を、出力としてその</a:t>
             </a:r>
             <a:r>
-              <a:rPr kumimoji="1" lang="ja-JP" altLang="en-US" dirty="0" smtClean="0">
+              <a:rPr kumimoji="1" lang="ja-JP" altLang="en-US" dirty="0">
                 <a:solidFill>
                   <a:srgbClr val="00B0F0"/>
                 </a:solidFill>
@@ -22618,10 +23083,10 @@
               <a:t>周辺語</a:t>
             </a:r>
             <a:r>
-              <a:rPr kumimoji="1" lang="ja-JP" altLang="en-US" dirty="0" smtClean="0"/>
+              <a:rPr kumimoji="1" lang="ja-JP" altLang="en-US" dirty="0"/>
               <a:t>を与える</a:t>
             </a:r>
-            <a:endParaRPr kumimoji="1" lang="en-US" altLang="ja-JP" dirty="0" smtClean="0">
+            <a:endParaRPr kumimoji="1" lang="en-US" altLang="ja-JP" dirty="0">
               <a:solidFill>
                 <a:srgbClr val="FF0000"/>
               </a:solidFill>
@@ -22652,10 +23117,9 @@
           <a:lstStyle/>
           <a:p>
             <a:r>
-              <a:rPr kumimoji="1" lang="ja-JP" altLang="en-US" dirty="0" smtClean="0"/>
+              <a:rPr kumimoji="1" lang="ja-JP" altLang="en-US" dirty="0"/>
               <a:t>これらの単語を与えてネットワークにある単語に対するその周辺語の確率を学習させる</a:t>
             </a:r>
-            <a:endParaRPr kumimoji="1" lang="ja-JP" altLang="en-US" dirty="0"/>
           </a:p>
         </p:txBody>
       </p:sp>
@@ -22694,7 +23158,7 @@
           <p:cNvPr id="11" name="テキスト ボックス 10">
             <a:extLst>
               <a:ext uri="{FF2B5EF4-FFF2-40B4-BE49-F238E27FC236}">
-                <a16:creationId xmlns:a16="http://schemas.microsoft.com/office/drawing/2014/main" xmlns="" id="{780EB33D-AB7A-644C-BF62-6411655FBFD6}"/>
+                <a16:creationId xmlns:a16="http://schemas.microsoft.com/office/drawing/2014/main" id="{780EB33D-AB7A-644C-BF62-6411655FBFD6}"/>
               </a:ext>
             </a:extLst>
           </p:cNvPr>
@@ -22746,7 +23210,7 @@
           <p:cNvPr id="12" name="テキスト ボックス 11">
             <a:extLst>
               <a:ext uri="{FF2B5EF4-FFF2-40B4-BE49-F238E27FC236}">
-                <a16:creationId xmlns:a16="http://schemas.microsoft.com/office/drawing/2014/main" xmlns="" id="{4F082176-A65F-E746-A442-839C58C80DBA}"/>
+                <a16:creationId xmlns:a16="http://schemas.microsoft.com/office/drawing/2014/main" id="{4F082176-A65F-E746-A442-839C58C80DBA}"/>
               </a:ext>
             </a:extLst>
           </p:cNvPr>
@@ -22770,7 +23234,7 @@
           <a:lstStyle/>
           <a:p>
             <a:r>
-              <a:rPr lang="en-US" altLang="ja-JP" dirty="0" smtClean="0"/>
+              <a:rPr lang="en-US" altLang="ja-JP" dirty="0"/>
               <a:t>Skip-gram</a:t>
             </a:r>
             <a:endParaRPr kumimoji="1" lang="ja-JP" altLang="en-US" dirty="0"/>
@@ -22787,13 +23251,6 @@
   <p:clrMapOvr>
     <a:masterClrMapping/>
   </p:clrMapOvr>
-  <p:timing>
-    <p:tnLst>
-      <p:par>
-        <p:cTn id="1" dur="indefinite" restart="never" nodeType="tmRoot"/>
-      </p:par>
-    </p:tnLst>
-  </p:timing>
 </p:sld>
 </file>
 
@@ -22867,26 +23324,25 @@
           <a:lstStyle/>
           <a:p>
             <a:r>
-              <a:rPr kumimoji="1" lang="ja-JP" altLang="en-US" dirty="0" smtClean="0"/>
+              <a:rPr kumimoji="1" lang="ja-JP" altLang="en-US" dirty="0"/>
               <a:t>例えば、ネットワークは</a:t>
             </a:r>
             <a:r>
-              <a:rPr kumimoji="1" lang="en-US" altLang="ja-JP" dirty="0" smtClean="0"/>
+              <a:rPr kumimoji="1" lang="en-US" altLang="ja-JP" dirty="0"/>
               <a:t>(eat, apple)</a:t>
             </a:r>
             <a:r>
-              <a:rPr kumimoji="1" lang="ja-JP" altLang="en-US" dirty="0" smtClean="0"/>
+              <a:rPr kumimoji="1" lang="ja-JP" altLang="en-US" dirty="0"/>
               <a:t>と</a:t>
             </a:r>
             <a:r>
-              <a:rPr kumimoji="1" lang="en-US" altLang="ja-JP" dirty="0" smtClean="0"/>
+              <a:rPr kumimoji="1" lang="en-US" altLang="ja-JP" dirty="0"/>
               <a:t>(eat, network)</a:t>
             </a:r>
             <a:r>
-              <a:rPr kumimoji="1" lang="ja-JP" altLang="en-US" dirty="0" smtClean="0"/>
+              <a:rPr kumimoji="1" lang="ja-JP" altLang="en-US" dirty="0"/>
               <a:t>では前者をより高い確率になるよう学習を行う</a:t>
             </a:r>
-            <a:endParaRPr kumimoji="1" lang="ja-JP" altLang="en-US" dirty="0"/>
           </a:p>
         </p:txBody>
       </p:sp>
@@ -22913,42 +23369,41 @@
           <a:lstStyle/>
           <a:p>
             <a:r>
-              <a:rPr kumimoji="1" lang="ja-JP" altLang="en-US" dirty="0" smtClean="0"/>
+              <a:rPr kumimoji="1" lang="ja-JP" altLang="en-US" dirty="0"/>
               <a:t>学習後に、</a:t>
             </a:r>
             <a:r>
-              <a:rPr kumimoji="1" lang="en-US" altLang="ja-JP" dirty="0" smtClean="0"/>
+              <a:rPr kumimoji="1" lang="en-US" altLang="ja-JP" dirty="0"/>
               <a:t>eat</a:t>
             </a:r>
             <a:r>
-              <a:rPr kumimoji="1" lang="ja-JP" altLang="en-US" dirty="0" smtClean="0"/>
+              <a:rPr kumimoji="1" lang="ja-JP" altLang="en-US" dirty="0"/>
               <a:t>を入力として与えると</a:t>
             </a:r>
             <a:r>
-              <a:rPr kumimoji="1" lang="en-US" altLang="ja-JP" dirty="0" smtClean="0"/>
+              <a:rPr kumimoji="1" lang="en-US" altLang="ja-JP" dirty="0"/>
               <a:t>apple</a:t>
             </a:r>
             <a:r>
-              <a:rPr kumimoji="1" lang="ja-JP" altLang="en-US" dirty="0" smtClean="0"/>
+              <a:rPr kumimoji="1" lang="ja-JP" altLang="en-US" dirty="0"/>
               <a:t>や</a:t>
             </a:r>
             <a:r>
-              <a:rPr kumimoji="1" lang="en-US" altLang="ja-JP" dirty="0" smtClean="0"/>
+              <a:rPr kumimoji="1" lang="en-US" altLang="ja-JP" dirty="0"/>
               <a:t>orange</a:t>
             </a:r>
             <a:r>
-              <a:rPr kumimoji="1" lang="ja-JP" altLang="en-US" dirty="0" smtClean="0"/>
+              <a:rPr kumimoji="1" lang="ja-JP" altLang="en-US" dirty="0"/>
               <a:t>は</a:t>
             </a:r>
             <a:r>
-              <a:rPr kumimoji="1" lang="en-US" altLang="ja-JP" dirty="0" smtClean="0"/>
+              <a:rPr kumimoji="1" lang="en-US" altLang="ja-JP" dirty="0"/>
               <a:t>network</a:t>
             </a:r>
             <a:r>
-              <a:rPr kumimoji="1" lang="ja-JP" altLang="en-US" dirty="0" smtClean="0"/>
+              <a:rPr kumimoji="1" lang="ja-JP" altLang="en-US" dirty="0"/>
               <a:t>より遥かに高い確率を出力する</a:t>
             </a:r>
-            <a:endParaRPr kumimoji="1" lang="ja-JP" altLang="en-US" dirty="0"/>
           </a:p>
         </p:txBody>
       </p:sp>
@@ -22957,7 +23412,7 @@
           <p:cNvPr id="10" name="テキスト ボックス 9">
             <a:extLst>
               <a:ext uri="{FF2B5EF4-FFF2-40B4-BE49-F238E27FC236}">
-                <a16:creationId xmlns:a16="http://schemas.microsoft.com/office/drawing/2014/main" xmlns="" id="{780EB33D-AB7A-644C-BF62-6411655FBFD6}"/>
+                <a16:creationId xmlns:a16="http://schemas.microsoft.com/office/drawing/2014/main" id="{780EB33D-AB7A-644C-BF62-6411655FBFD6}"/>
               </a:ext>
             </a:extLst>
           </p:cNvPr>
@@ -23009,7 +23464,7 @@
           <p:cNvPr id="11" name="テキスト ボックス 10">
             <a:extLst>
               <a:ext uri="{FF2B5EF4-FFF2-40B4-BE49-F238E27FC236}">
-                <a16:creationId xmlns:a16="http://schemas.microsoft.com/office/drawing/2014/main" xmlns="" id="{4F082176-A65F-E746-A442-839C58C80DBA}"/>
+                <a16:creationId xmlns:a16="http://schemas.microsoft.com/office/drawing/2014/main" id="{4F082176-A65F-E746-A442-839C58C80DBA}"/>
               </a:ext>
             </a:extLst>
           </p:cNvPr>
@@ -23033,7 +23488,7 @@
           <a:lstStyle/>
           <a:p>
             <a:r>
-              <a:rPr lang="en-US" altLang="ja-JP" dirty="0" smtClean="0"/>
+              <a:rPr lang="en-US" altLang="ja-JP" dirty="0"/>
               <a:t>Skip-gram</a:t>
             </a:r>
             <a:endParaRPr kumimoji="1" lang="ja-JP" altLang="en-US" dirty="0"/>
@@ -23050,13 +23505,6 @@
   <p:clrMapOvr>
     <a:masterClrMapping/>
   </p:clrMapOvr>
-  <p:timing>
-    <p:tnLst>
-      <p:par>
-        <p:cTn id="1" dur="indefinite" restart="never" nodeType="tmRoot"/>
-      </p:par>
-    </p:tnLst>
-  </p:timing>
 </p:sld>
 </file>
 
@@ -23100,10 +23548,9 @@
           <a:lstStyle/>
           <a:p>
             <a:r>
-              <a:rPr kumimoji="1" lang="ja-JP" altLang="en-US" dirty="0" smtClean="0"/>
+              <a:rPr kumimoji="1" lang="ja-JP" altLang="en-US" dirty="0"/>
               <a:t>入力層</a:t>
             </a:r>
-            <a:endParaRPr kumimoji="1" lang="ja-JP" altLang="en-US" dirty="0"/>
           </a:p>
         </p:txBody>
       </p:sp>
@@ -23130,10 +23577,9 @@
           <a:lstStyle/>
           <a:p>
             <a:r>
-              <a:rPr kumimoji="1" lang="ja-JP" altLang="en-US" dirty="0" smtClean="0"/>
+              <a:rPr kumimoji="1" lang="ja-JP" altLang="en-US" dirty="0"/>
               <a:t>単語のような可変長の文字列を入力として与えることは出来ない</a:t>
             </a:r>
-            <a:endParaRPr kumimoji="1" lang="ja-JP" altLang="en-US" dirty="0"/>
           </a:p>
         </p:txBody>
       </p:sp>
@@ -23160,14 +23606,13 @@
           <a:lstStyle/>
           <a:p>
             <a:r>
-              <a:rPr kumimoji="1" lang="en-US" altLang="ja-JP" dirty="0" smtClean="0"/>
+              <a:rPr kumimoji="1" lang="en-US" altLang="ja-JP" dirty="0"/>
               <a:t>one-hot</a:t>
             </a:r>
             <a:r>
-              <a:rPr kumimoji="1" lang="ja-JP" altLang="en-US" dirty="0" smtClean="0"/>
+              <a:rPr kumimoji="1" lang="ja-JP" altLang="en-US" dirty="0"/>
               <a:t>表現のベクトルを入力とする</a:t>
             </a:r>
-            <a:endParaRPr kumimoji="1" lang="ja-JP" altLang="en-US" dirty="0"/>
           </a:p>
         </p:txBody>
       </p:sp>
@@ -23263,10 +23708,9 @@
           <a:lstStyle/>
           <a:p>
             <a:r>
-              <a:rPr kumimoji="1" lang="ja-JP" altLang="en-US" dirty="0" smtClean="0"/>
+              <a:rPr kumimoji="1" lang="ja-JP" altLang="en-US" dirty="0"/>
               <a:t>例えば</a:t>
             </a:r>
-            <a:endParaRPr kumimoji="1" lang="ja-JP" altLang="en-US" dirty="0"/>
           </a:p>
         </p:txBody>
       </p:sp>
@@ -23417,7 +23861,7 @@
                           <m:endChr m:val="]"/>
                           <m:ctrlPr>
                             <a:rPr kumimoji="1" lang="mr-IN" altLang="ja-JP" i="1" smtClean="0">
-                              <a:latin typeface="Cambria Math" charset="0"/>
+                              <a:latin typeface="Cambria Math" panose="02040503050406030204" pitchFamily="18" charset="0"/>
                             </a:rPr>
                           </m:ctrlPr>
                         </m:dPr>
@@ -23434,7 +23878,7 @@
                               </m:mcs>
                               <m:ctrlPr>
                                 <a:rPr kumimoji="1" lang="mr-IN" altLang="ja-JP" i="1" smtClean="0">
-                                  <a:latin typeface="Cambria Math" charset="0"/>
+                                  <a:latin typeface="Cambria Math" panose="02040503050406030204" pitchFamily="18" charset="0"/>
                                 </a:rPr>
                               </m:ctrlPr>
                             </m:mPr>
@@ -23473,7 +23917,7 @@
                                   <m:eqArrPr>
                                     <m:ctrlPr>
                                       <a:rPr kumimoji="1" lang="mr-IN" altLang="ja-JP" i="1" smtClean="0">
-                                        <a:latin typeface="Cambria Math" charset="0"/>
+                                        <a:latin typeface="Cambria Math" panose="02040503050406030204" pitchFamily="18" charset="0"/>
                                       </a:rPr>
                                     </m:ctrlPr>
                                   </m:eqArrPr>
@@ -23532,7 +23976,7 @@
                                   <m:eqArrPr>
                                     <m:ctrlPr>
                                       <a:rPr kumimoji="1" lang="mr-IN" altLang="ja-JP" i="1" smtClean="0">
-                                        <a:latin typeface="Cambria Math" charset="0"/>
+                                        <a:latin typeface="Cambria Math" panose="02040503050406030204" pitchFamily="18" charset="0"/>
                                       </a:rPr>
                                     </m:ctrlPr>
                                   </m:eqArrPr>
@@ -23709,17 +24153,12 @@
           <a:p>
             <a:r>
               <a:rPr kumimoji="1" lang="en-US" altLang="ja-JP" dirty="0"/>
-              <a:t>a</a:t>
-            </a:r>
-            <a:r>
-              <a:rPr kumimoji="1" lang="en-US" altLang="ja-JP" dirty="0" smtClean="0"/>
-              <a:t>pple</a:t>
-            </a:r>
-            <a:r>
-              <a:rPr kumimoji="1" lang="ja-JP" altLang="en-US" dirty="0" smtClean="0"/>
+              <a:t>apple</a:t>
+            </a:r>
+            <a:r>
+              <a:rPr kumimoji="1" lang="ja-JP" altLang="en-US" dirty="0"/>
               <a:t>を入力にする場合</a:t>
             </a:r>
-            <a:endParaRPr kumimoji="1" lang="ja-JP" altLang="en-US" dirty="0"/>
           </a:p>
         </p:txBody>
       </p:sp>
@@ -23746,11 +24185,11 @@
           <a:lstStyle/>
           <a:p>
             <a:r>
-              <a:rPr kumimoji="1" lang="ja-JP" altLang="en-US" dirty="0" smtClean="0"/>
+              <a:rPr kumimoji="1" lang="ja-JP" altLang="en-US" dirty="0"/>
               <a:t>ボキャブラリ数</a:t>
             </a:r>
             <a:r>
-              <a:rPr kumimoji="1" lang="en-US" altLang="ja-JP" dirty="0" smtClean="0"/>
+              <a:rPr kumimoji="1" lang="en-US" altLang="ja-JP" dirty="0"/>
               <a:t>=7</a:t>
             </a:r>
             <a:endParaRPr kumimoji="1" lang="ja-JP" altLang="en-US" dirty="0"/>
@@ -23762,7 +24201,7 @@
           <p:cNvPr id="22" name="テキスト ボックス 21">
             <a:extLst>
               <a:ext uri="{FF2B5EF4-FFF2-40B4-BE49-F238E27FC236}">
-                <a16:creationId xmlns:a16="http://schemas.microsoft.com/office/drawing/2014/main" xmlns="" id="{780EB33D-AB7A-644C-BF62-6411655FBFD6}"/>
+                <a16:creationId xmlns:a16="http://schemas.microsoft.com/office/drawing/2014/main" id="{780EB33D-AB7A-644C-BF62-6411655FBFD6}"/>
               </a:ext>
             </a:extLst>
           </p:cNvPr>
@@ -23814,7 +24253,7 @@
           <p:cNvPr id="23" name="テキスト ボックス 22">
             <a:extLst>
               <a:ext uri="{FF2B5EF4-FFF2-40B4-BE49-F238E27FC236}">
-                <a16:creationId xmlns:a16="http://schemas.microsoft.com/office/drawing/2014/main" xmlns="" id="{4F082176-A65F-E746-A442-839C58C80DBA}"/>
+                <a16:creationId xmlns:a16="http://schemas.microsoft.com/office/drawing/2014/main" id="{4F082176-A65F-E746-A442-839C58C80DBA}"/>
               </a:ext>
             </a:extLst>
           </p:cNvPr>
@@ -23838,7 +24277,7 @@
           <a:lstStyle/>
           <a:p>
             <a:r>
-              <a:rPr lang="en-US" altLang="ja-JP" dirty="0" smtClean="0"/>
+              <a:rPr lang="en-US" altLang="ja-JP" dirty="0"/>
               <a:t>Skip-gram</a:t>
             </a:r>
             <a:endParaRPr kumimoji="1" lang="ja-JP" altLang="en-US" dirty="0"/>
@@ -23855,13 +24294,6 @@
   <p:clrMapOvr>
     <a:masterClrMapping/>
   </p:clrMapOvr>
-  <p:timing>
-    <p:tnLst>
-      <p:par>
-        <p:cTn id="1" dur="indefinite" restart="never" nodeType="tmRoot"/>
-      </p:par>
-    </p:tnLst>
-  </p:timing>
 </p:sld>
 </file>
 
@@ -23905,10 +24337,9 @@
           <a:lstStyle/>
           <a:p>
             <a:r>
-              <a:rPr kumimoji="1" lang="ja-JP" altLang="en-US" smtClean="0"/>
+              <a:rPr kumimoji="1" lang="ja-JP" altLang="en-US"/>
               <a:t>隠れ層</a:t>
             </a:r>
-            <a:endParaRPr kumimoji="1" lang="ja-JP" altLang="en-US"/>
           </a:p>
         </p:txBody>
       </p:sp>
@@ -23935,14 +24366,13 @@
           <a:lstStyle/>
           <a:p>
             <a:r>
-              <a:rPr kumimoji="1" lang="en-US" altLang="ja-JP" dirty="0" smtClean="0"/>
+              <a:rPr kumimoji="1" lang="en-US" altLang="ja-JP" dirty="0"/>
               <a:t>300</a:t>
             </a:r>
             <a:r>
-              <a:rPr kumimoji="1" lang="ja-JP" altLang="en-US" dirty="0" smtClean="0"/>
+              <a:rPr kumimoji="1" lang="ja-JP" altLang="en-US" dirty="0"/>
               <a:t>次元の単語ベクトルを学習する場合</a:t>
             </a:r>
-            <a:endParaRPr kumimoji="1" lang="ja-JP" altLang="en-US" dirty="0"/>
           </a:p>
         </p:txBody>
       </p:sp>
@@ -23969,18 +24399,17 @@
           <a:lstStyle/>
           <a:p>
             <a:r>
-              <a:rPr kumimoji="1" lang="ja-JP" altLang="en-US" dirty="0" smtClean="0"/>
+              <a:rPr kumimoji="1" lang="ja-JP" altLang="en-US" dirty="0"/>
               <a:t>入力されるボキャブラリ数を</a:t>
             </a:r>
             <a:r>
-              <a:rPr kumimoji="1" lang="en-US" altLang="ja-JP" dirty="0" smtClean="0"/>
+              <a:rPr kumimoji="1" lang="en-US" altLang="ja-JP" dirty="0"/>
               <a:t>10000</a:t>
             </a:r>
             <a:r>
-              <a:rPr kumimoji="1" lang="ja-JP" altLang="en-US" dirty="0" smtClean="0"/>
+              <a:rPr kumimoji="1" lang="ja-JP" altLang="en-US" dirty="0"/>
               <a:t>と仮定する</a:t>
             </a:r>
-            <a:endParaRPr kumimoji="1" lang="ja-JP" altLang="en-US" dirty="0"/>
           </a:p>
         </p:txBody>
       </p:sp>
@@ -24047,18 +24476,17 @@
           <a:lstStyle/>
           <a:p>
             <a:r>
-              <a:rPr kumimoji="1" lang="ja-JP" altLang="en-US" dirty="0" smtClean="0"/>
+              <a:rPr kumimoji="1" lang="ja-JP" altLang="en-US" dirty="0"/>
               <a:t>隠れ層は</a:t>
             </a:r>
             <a:r>
-              <a:rPr kumimoji="1" lang="en-US" altLang="ja-JP" dirty="0" smtClean="0"/>
+              <a:rPr kumimoji="1" lang="en-US" altLang="ja-JP" dirty="0"/>
               <a:t>10000x300</a:t>
             </a:r>
             <a:r>
-              <a:rPr kumimoji="1" lang="ja-JP" altLang="en-US" dirty="0" smtClean="0"/>
+              <a:rPr kumimoji="1" lang="ja-JP" altLang="en-US" dirty="0"/>
               <a:t>の重み行列で表される</a:t>
             </a:r>
-            <a:endParaRPr kumimoji="1" lang="ja-JP" altLang="en-US" dirty="0"/>
           </a:p>
         </p:txBody>
       </p:sp>
@@ -24115,11 +24543,11 @@
           <a:lstStyle/>
           <a:p>
             <a:r>
-              <a:rPr kumimoji="1" lang="ja-JP" altLang="en-US" dirty="0" smtClean="0"/>
+              <a:rPr kumimoji="1" lang="ja-JP" altLang="en-US" dirty="0"/>
               <a:t>この重み行列</a:t>
             </a:r>
             <a:r>
-              <a:rPr kumimoji="1" lang="ja-JP" altLang="en-US" smtClean="0"/>
+              <a:rPr kumimoji="1" lang="ja-JP" altLang="en-US"/>
               <a:t>の各行が実は単語ベクトルになっている</a:t>
             </a:r>
             <a:endParaRPr kumimoji="1" lang="ja-JP" altLang="en-US" dirty="0"/>
@@ -24149,10 +24577,9 @@
           <a:lstStyle/>
           <a:p>
             <a:r>
-              <a:rPr kumimoji="1" lang="ja-JP" altLang="en-US" smtClean="0"/>
+              <a:rPr kumimoji="1" lang="ja-JP" altLang="en-US"/>
               <a:t>どういうことか？</a:t>
             </a:r>
-            <a:endParaRPr kumimoji="1" lang="ja-JP" altLang="en-US"/>
           </a:p>
         </p:txBody>
       </p:sp>
@@ -24161,7 +24588,7 @@
           <p:cNvPr id="16" name="テキスト ボックス 15">
             <a:extLst>
               <a:ext uri="{FF2B5EF4-FFF2-40B4-BE49-F238E27FC236}">
-                <a16:creationId xmlns:a16="http://schemas.microsoft.com/office/drawing/2014/main" xmlns="" id="{780EB33D-AB7A-644C-BF62-6411655FBFD6}"/>
+                <a16:creationId xmlns:a16="http://schemas.microsoft.com/office/drawing/2014/main" id="{780EB33D-AB7A-644C-BF62-6411655FBFD6}"/>
               </a:ext>
             </a:extLst>
           </p:cNvPr>
@@ -24213,7 +24640,7 @@
           <p:cNvPr id="17" name="テキスト ボックス 16">
             <a:extLst>
               <a:ext uri="{FF2B5EF4-FFF2-40B4-BE49-F238E27FC236}">
-                <a16:creationId xmlns:a16="http://schemas.microsoft.com/office/drawing/2014/main" xmlns="" id="{4F082176-A65F-E746-A442-839C58C80DBA}"/>
+                <a16:creationId xmlns:a16="http://schemas.microsoft.com/office/drawing/2014/main" id="{4F082176-A65F-E746-A442-839C58C80DBA}"/>
               </a:ext>
             </a:extLst>
           </p:cNvPr>
@@ -24237,7 +24664,7 @@
           <a:lstStyle/>
           <a:p>
             <a:r>
-              <a:rPr lang="en-US" altLang="ja-JP" dirty="0" smtClean="0"/>
+              <a:rPr lang="en-US" altLang="ja-JP" dirty="0"/>
               <a:t>Skip-gram</a:t>
             </a:r>
             <a:endParaRPr kumimoji="1" lang="ja-JP" altLang="en-US" dirty="0"/>
@@ -24254,13 +24681,6 @@
   <p:clrMapOvr>
     <a:masterClrMapping/>
   </p:clrMapOvr>
-  <p:timing>
-    <p:tnLst>
-      <p:par>
-        <p:cTn id="1" dur="indefinite" restart="never" nodeType="tmRoot"/>
-      </p:par>
-    </p:tnLst>
-  </p:timing>
 </p:sld>
 </file>
 
@@ -24304,10 +24724,9 @@
           <a:lstStyle/>
           <a:p>
             <a:r>
-              <a:rPr kumimoji="1" lang="ja-JP" altLang="en-US" smtClean="0"/>
+              <a:rPr kumimoji="1" lang="ja-JP" altLang="en-US"/>
               <a:t>隠れ層</a:t>
             </a:r>
-            <a:endParaRPr kumimoji="1" lang="ja-JP" altLang="en-US"/>
           </a:p>
         </p:txBody>
       </p:sp>
@@ -24334,10 +24753,9 @@
           <a:lstStyle/>
           <a:p>
             <a:r>
-              <a:rPr kumimoji="1" lang="ja-JP" altLang="en-US" dirty="0" smtClean="0"/>
+              <a:rPr kumimoji="1" lang="ja-JP" altLang="en-US" dirty="0"/>
               <a:t>先程の文章を例として考える</a:t>
             </a:r>
-            <a:endParaRPr kumimoji="1" lang="ja-JP" altLang="en-US" dirty="0"/>
           </a:p>
         </p:txBody>
       </p:sp>
@@ -24453,18 +24871,17 @@
           <a:lstStyle/>
           <a:p>
             <a:r>
-              <a:rPr kumimoji="1" lang="ja-JP" altLang="en-US" dirty="0" smtClean="0"/>
+              <a:rPr kumimoji="1" lang="ja-JP" altLang="en-US" dirty="0"/>
               <a:t>以下は</a:t>
             </a:r>
             <a:r>
-              <a:rPr kumimoji="1" lang="en-US" altLang="ja-JP" dirty="0" smtClean="0"/>
+              <a:rPr kumimoji="1" lang="en-US" altLang="ja-JP" dirty="0"/>
               <a:t>eat</a:t>
             </a:r>
             <a:r>
-              <a:rPr kumimoji="1" lang="ja-JP" altLang="en-US" dirty="0" smtClean="0"/>
+              <a:rPr kumimoji="1" lang="ja-JP" altLang="en-US" dirty="0"/>
               <a:t>を抽出した例</a:t>
             </a:r>
-            <a:endParaRPr kumimoji="1" lang="ja-JP" altLang="en-US" dirty="0"/>
           </a:p>
         </p:txBody>
       </p:sp>
@@ -24503,7 +24920,7 @@
           <p:cNvPr id="13" name="テキスト ボックス 12">
             <a:extLst>
               <a:ext uri="{FF2B5EF4-FFF2-40B4-BE49-F238E27FC236}">
-                <a16:creationId xmlns:a16="http://schemas.microsoft.com/office/drawing/2014/main" xmlns="" id="{780EB33D-AB7A-644C-BF62-6411655FBFD6}"/>
+                <a16:creationId xmlns:a16="http://schemas.microsoft.com/office/drawing/2014/main" id="{780EB33D-AB7A-644C-BF62-6411655FBFD6}"/>
               </a:ext>
             </a:extLst>
           </p:cNvPr>
@@ -24555,7 +24972,7 @@
           <p:cNvPr id="17" name="テキスト ボックス 16">
             <a:extLst>
               <a:ext uri="{FF2B5EF4-FFF2-40B4-BE49-F238E27FC236}">
-                <a16:creationId xmlns:a16="http://schemas.microsoft.com/office/drawing/2014/main" xmlns="" id="{4F082176-A65F-E746-A442-839C58C80DBA}"/>
+                <a16:creationId xmlns:a16="http://schemas.microsoft.com/office/drawing/2014/main" id="{4F082176-A65F-E746-A442-839C58C80DBA}"/>
               </a:ext>
             </a:extLst>
           </p:cNvPr>
@@ -24579,7 +24996,7 @@
           <a:lstStyle/>
           <a:p>
             <a:r>
-              <a:rPr lang="en-US" altLang="ja-JP" dirty="0" smtClean="0"/>
+              <a:rPr lang="en-US" altLang="ja-JP" dirty="0"/>
               <a:t>Skip-gram</a:t>
             </a:r>
             <a:endParaRPr kumimoji="1" lang="ja-JP" altLang="en-US" dirty="0"/>
@@ -24759,10 +25176,9 @@
           <a:lstStyle/>
           <a:p>
             <a:r>
-              <a:rPr kumimoji="1" lang="ja-JP" altLang="en-US" smtClean="0"/>
+              <a:rPr kumimoji="1" lang="ja-JP" altLang="en-US"/>
               <a:t>隠れ層</a:t>
             </a:r>
-            <a:endParaRPr kumimoji="1" lang="ja-JP" altLang="en-US"/>
           </a:p>
         </p:txBody>
       </p:sp>
@@ -24789,10 +25205,9 @@
           <a:lstStyle/>
           <a:p>
             <a:r>
-              <a:rPr kumimoji="1" lang="ja-JP" altLang="en-US" dirty="0" smtClean="0"/>
+              <a:rPr kumimoji="1" lang="ja-JP" altLang="en-US" dirty="0"/>
               <a:t>ここまでをまとめると</a:t>
             </a:r>
-            <a:endParaRPr kumimoji="1" lang="ja-JP" altLang="en-US" dirty="0"/>
           </a:p>
         </p:txBody>
       </p:sp>
@@ -24819,10 +25234,9 @@
           <a:lstStyle/>
           <a:p>
             <a:r>
-              <a:rPr kumimoji="1" lang="ja-JP" altLang="en-US" dirty="0" smtClean="0"/>
+              <a:rPr kumimoji="1" lang="ja-JP" altLang="en-US" dirty="0"/>
               <a:t>このモデルの隠れ層は実際には入力後の単語ベクトルの</a:t>
             </a:r>
-            <a:endParaRPr kumimoji="1" lang="ja-JP" altLang="en-US" dirty="0"/>
           </a:p>
         </p:txBody>
       </p:sp>
@@ -24849,7 +25263,7 @@
           <a:lstStyle/>
           <a:p>
             <a:r>
-              <a:rPr kumimoji="1" lang="ja-JP" altLang="en-US" smtClean="0"/>
+              <a:rPr kumimoji="1" lang="ja-JP" altLang="en-US"/>
               <a:t>ルックアップテーブルとして機能することを意味している</a:t>
             </a:r>
             <a:endParaRPr kumimoji="1" lang="ja-JP" altLang="en-US" dirty="0"/>
@@ -24879,14 +25293,13 @@
           <a:lstStyle/>
           <a:p>
             <a:r>
-              <a:rPr kumimoji="1" lang="en-US" altLang="ja-JP" dirty="0" smtClean="0"/>
+              <a:rPr kumimoji="1" lang="en-US" altLang="ja-JP" dirty="0"/>
               <a:t>Skip-Gram</a:t>
             </a:r>
             <a:r>
-              <a:rPr kumimoji="1" lang="ja-JP" altLang="en-US" dirty="0" smtClean="0"/>
+              <a:rPr kumimoji="1" lang="ja-JP" altLang="en-US" dirty="0"/>
               <a:t>では隠れ層に活性化関数を設定しないので</a:t>
             </a:r>
-            <a:endParaRPr kumimoji="1" lang="ja-JP" altLang="en-US" dirty="0"/>
           </a:p>
         </p:txBody>
       </p:sp>
@@ -24913,10 +25326,9 @@
           <a:lstStyle/>
           <a:p>
             <a:r>
-              <a:rPr kumimoji="1" lang="ja-JP" altLang="en-US" smtClean="0"/>
+              <a:rPr kumimoji="1" lang="ja-JP" altLang="en-US"/>
               <a:t>隠れ層の出力は単なる入力後の単語ベクトルになる</a:t>
             </a:r>
-            <a:endParaRPr kumimoji="1" lang="ja-JP" altLang="en-US"/>
           </a:p>
         </p:txBody>
       </p:sp>
@@ -24925,7 +25337,7 @@
           <p:cNvPr id="15" name="テキスト ボックス 14">
             <a:extLst>
               <a:ext uri="{FF2B5EF4-FFF2-40B4-BE49-F238E27FC236}">
-                <a16:creationId xmlns:a16="http://schemas.microsoft.com/office/drawing/2014/main" xmlns="" id="{780EB33D-AB7A-644C-BF62-6411655FBFD6}"/>
+                <a16:creationId xmlns:a16="http://schemas.microsoft.com/office/drawing/2014/main" id="{780EB33D-AB7A-644C-BF62-6411655FBFD6}"/>
               </a:ext>
             </a:extLst>
           </p:cNvPr>
@@ -24977,7 +25389,7 @@
           <p:cNvPr id="16" name="テキスト ボックス 15">
             <a:extLst>
               <a:ext uri="{FF2B5EF4-FFF2-40B4-BE49-F238E27FC236}">
-                <a16:creationId xmlns:a16="http://schemas.microsoft.com/office/drawing/2014/main" xmlns="" id="{4F082176-A65F-E746-A442-839C58C80DBA}"/>
+                <a16:creationId xmlns:a16="http://schemas.microsoft.com/office/drawing/2014/main" id="{4F082176-A65F-E746-A442-839C58C80DBA}"/>
               </a:ext>
             </a:extLst>
           </p:cNvPr>
@@ -25001,7 +25413,7 @@
           <a:lstStyle/>
           <a:p>
             <a:r>
-              <a:rPr lang="en-US" altLang="ja-JP" dirty="0" smtClean="0"/>
+              <a:rPr lang="en-US" altLang="ja-JP" dirty="0"/>
               <a:t>Skip-gram</a:t>
             </a:r>
             <a:endParaRPr kumimoji="1" lang="ja-JP" altLang="en-US" dirty="0"/>
@@ -25018,13 +25430,6 @@
   <p:clrMapOvr>
     <a:masterClrMapping/>
   </p:clrMapOvr>
-  <p:timing>
-    <p:tnLst>
-      <p:par>
-        <p:cTn id="1" dur="indefinite" restart="never" nodeType="tmRoot"/>
-      </p:par>
-    </p:tnLst>
-  </p:timing>
 </p:sld>
 </file>
 
@@ -25068,10 +25473,9 @@
           <a:lstStyle/>
           <a:p>
             <a:r>
-              <a:rPr kumimoji="1" lang="ja-JP" altLang="en-US" dirty="0" smtClean="0"/>
+              <a:rPr kumimoji="1" lang="ja-JP" altLang="en-US" dirty="0"/>
               <a:t>出力層</a:t>
             </a:r>
-            <a:endParaRPr kumimoji="1" lang="ja-JP" altLang="en-US" dirty="0"/>
           </a:p>
         </p:txBody>
       </p:sp>
@@ -25098,18 +25502,17 @@
           <a:lstStyle/>
           <a:p>
             <a:r>
-              <a:rPr kumimoji="1" lang="ja-JP" altLang="en-US" dirty="0" smtClean="0"/>
+              <a:rPr kumimoji="1" lang="ja-JP" altLang="en-US" dirty="0"/>
               <a:t>隠れ層から出力された入力後に対応する</a:t>
             </a:r>
             <a:r>
-              <a:rPr kumimoji="1" lang="en-US" altLang="ja-JP" dirty="0" smtClean="0"/>
+              <a:rPr kumimoji="1" lang="en-US" altLang="ja-JP" dirty="0"/>
               <a:t>1x300</a:t>
             </a:r>
             <a:r>
-              <a:rPr kumimoji="1" lang="ja-JP" altLang="en-US" dirty="0" smtClean="0"/>
+              <a:rPr kumimoji="1" lang="ja-JP" altLang="en-US" dirty="0"/>
               <a:t>の単語ベクトルは</a:t>
             </a:r>
-            <a:endParaRPr kumimoji="1" lang="ja-JP" altLang="en-US" dirty="0"/>
           </a:p>
         </p:txBody>
       </p:sp>
@@ -25136,18 +25539,17 @@
           <a:lstStyle/>
           <a:p>
             <a:r>
-              <a:rPr kumimoji="1" lang="ja-JP" altLang="en-US" dirty="0" smtClean="0"/>
+              <a:rPr kumimoji="1" lang="ja-JP" altLang="en-US" dirty="0"/>
               <a:t>隠れ層</a:t>
             </a:r>
             <a:r>
-              <a:rPr kumimoji="1" lang="en-US" altLang="ja-JP" dirty="0" smtClean="0"/>
+              <a:rPr kumimoji="1" lang="en-US" altLang="ja-JP" dirty="0"/>
               <a:t>~</a:t>
             </a:r>
             <a:r>
-              <a:rPr kumimoji="1" lang="ja-JP" altLang="en-US" dirty="0" smtClean="0"/>
+              <a:rPr kumimoji="1" lang="ja-JP" altLang="en-US" dirty="0"/>
               <a:t>出力層間の重みがかけられた後、出力層に入力される</a:t>
             </a:r>
-            <a:endParaRPr kumimoji="1" lang="ja-JP" altLang="en-US" dirty="0"/>
           </a:p>
         </p:txBody>
       </p:sp>
@@ -25174,18 +25576,17 @@
           <a:lstStyle/>
           <a:p>
             <a:r>
-              <a:rPr kumimoji="1" lang="ja-JP" altLang="en-US" dirty="0" smtClean="0"/>
+              <a:rPr kumimoji="1" lang="ja-JP" altLang="en-US" dirty="0"/>
               <a:t>この隠れ層</a:t>
             </a:r>
             <a:r>
-              <a:rPr kumimoji="1" lang="en-US" altLang="ja-JP" dirty="0" smtClean="0"/>
+              <a:rPr kumimoji="1" lang="en-US" altLang="ja-JP" dirty="0"/>
               <a:t>~</a:t>
             </a:r>
             <a:r>
-              <a:rPr kumimoji="1" lang="ja-JP" altLang="en-US" dirty="0" smtClean="0"/>
+              <a:rPr kumimoji="1" lang="ja-JP" altLang="en-US" dirty="0"/>
               <a:t>出力層の重みも単語ベクトルを表している</a:t>
             </a:r>
-            <a:endParaRPr kumimoji="1" lang="ja-JP" altLang="en-US" dirty="0"/>
           </a:p>
         </p:txBody>
       </p:sp>
@@ -25212,18 +25613,17 @@
           <a:lstStyle/>
           <a:p>
             <a:r>
-              <a:rPr kumimoji="1" lang="ja-JP" altLang="en-US" dirty="0" smtClean="0"/>
+              <a:rPr kumimoji="1" lang="ja-JP" altLang="en-US" dirty="0"/>
               <a:t>重み</a:t>
             </a:r>
             <a:r>
-              <a:rPr kumimoji="1" lang="ja-JP" altLang="en-US" smtClean="0"/>
+              <a:rPr kumimoji="1" lang="ja-JP" altLang="en-US"/>
               <a:t>行列は右の</a:t>
             </a:r>
             <a:r>
-              <a:rPr kumimoji="1" lang="ja-JP" altLang="en-US" dirty="0" smtClean="0"/>
+              <a:rPr kumimoji="1" lang="ja-JP" altLang="en-US" dirty="0"/>
               <a:t>ように表される</a:t>
             </a:r>
-            <a:endParaRPr kumimoji="1" lang="ja-JP" altLang="en-US" dirty="0"/>
           </a:p>
         </p:txBody>
       </p:sp>
@@ -25280,25 +25680,24 @@
           <a:lstStyle/>
           <a:p>
             <a:r>
-              <a:rPr kumimoji="1" lang="ja-JP" altLang="en-US" dirty="0" smtClean="0"/>
+              <a:rPr kumimoji="1" lang="ja-JP" altLang="en-US" dirty="0"/>
               <a:t>入力層</a:t>
             </a:r>
             <a:r>
-              <a:rPr kumimoji="1" lang="en-US" altLang="ja-JP" dirty="0" smtClean="0"/>
+              <a:rPr kumimoji="1" lang="en-US" altLang="ja-JP" dirty="0"/>
               <a:t>~</a:t>
             </a:r>
             <a:r>
-              <a:rPr kumimoji="1" lang="ja-JP" altLang="en-US" dirty="0" smtClean="0"/>
+              <a:rPr kumimoji="1" lang="ja-JP" altLang="en-US" dirty="0"/>
               <a:t>隠れ層間とは違い重み行列の列が</a:t>
             </a:r>
-            <a:endParaRPr kumimoji="1" lang="en-US" altLang="ja-JP" dirty="0" smtClean="0"/>
-          </a:p>
-          <a:p>
-            <a:r>
-              <a:rPr kumimoji="1" lang="ja-JP" altLang="en-US" dirty="0" smtClean="0"/>
+            <a:endParaRPr kumimoji="1" lang="en-US" altLang="ja-JP" dirty="0"/>
+          </a:p>
+          <a:p>
+            <a:r>
+              <a:rPr kumimoji="1" lang="ja-JP" altLang="en-US" dirty="0"/>
               <a:t>単語ベクトルになっている</a:t>
             </a:r>
-            <a:endParaRPr kumimoji="1" lang="ja-JP" altLang="en-US" dirty="0"/>
           </a:p>
         </p:txBody>
       </p:sp>
@@ -25307,7 +25706,7 @@
           <p:cNvPr id="15" name="テキスト ボックス 14">
             <a:extLst>
               <a:ext uri="{FF2B5EF4-FFF2-40B4-BE49-F238E27FC236}">
-                <a16:creationId xmlns:a16="http://schemas.microsoft.com/office/drawing/2014/main" xmlns="" id="{780EB33D-AB7A-644C-BF62-6411655FBFD6}"/>
+                <a16:creationId xmlns:a16="http://schemas.microsoft.com/office/drawing/2014/main" id="{780EB33D-AB7A-644C-BF62-6411655FBFD6}"/>
               </a:ext>
             </a:extLst>
           </p:cNvPr>
@@ -25359,7 +25758,7 @@
           <p:cNvPr id="16" name="テキスト ボックス 15">
             <a:extLst>
               <a:ext uri="{FF2B5EF4-FFF2-40B4-BE49-F238E27FC236}">
-                <a16:creationId xmlns:a16="http://schemas.microsoft.com/office/drawing/2014/main" xmlns="" id="{4F082176-A65F-E746-A442-839C58C80DBA}"/>
+                <a16:creationId xmlns:a16="http://schemas.microsoft.com/office/drawing/2014/main" id="{4F082176-A65F-E746-A442-839C58C80DBA}"/>
               </a:ext>
             </a:extLst>
           </p:cNvPr>
@@ -25383,7 +25782,7 @@
           <a:lstStyle/>
           <a:p>
             <a:r>
-              <a:rPr lang="en-US" altLang="ja-JP" dirty="0" smtClean="0"/>
+              <a:rPr lang="en-US" altLang="ja-JP" dirty="0"/>
               <a:t>Skip-gram</a:t>
             </a:r>
             <a:endParaRPr kumimoji="1" lang="ja-JP" altLang="en-US" dirty="0"/>
@@ -25400,13 +25799,6 @@
   <p:clrMapOvr>
     <a:masterClrMapping/>
   </p:clrMapOvr>
-  <p:timing>
-    <p:tnLst>
-      <p:par>
-        <p:cTn id="1" dur="indefinite" restart="never" nodeType="tmRoot"/>
-      </p:par>
-    </p:tnLst>
-  </p:timing>
 </p:sld>
 </file>
 
@@ -25485,7 +25877,7 @@
           <p:cNvPr id="4" name="テキスト ボックス 3">
             <a:extLst>
               <a:ext uri="{FF2B5EF4-FFF2-40B4-BE49-F238E27FC236}">
-                <a16:creationId xmlns:a16="http://schemas.microsoft.com/office/drawing/2014/main" xmlns="" id="{780EB33D-AB7A-644C-BF62-6411655FBFD6}"/>
+                <a16:creationId xmlns:a16="http://schemas.microsoft.com/office/drawing/2014/main" id="{780EB33D-AB7A-644C-BF62-6411655FBFD6}"/>
               </a:ext>
             </a:extLst>
           </p:cNvPr>
@@ -25524,7 +25916,7 @@
           <p:cNvPr id="5" name="テキスト ボックス 4">
             <a:extLst>
               <a:ext uri="{FF2B5EF4-FFF2-40B4-BE49-F238E27FC236}">
-                <a16:creationId xmlns:a16="http://schemas.microsoft.com/office/drawing/2014/main" xmlns="" id="{6F8E7B9A-3AC5-DF47-B7CB-77F6B04E8F77}"/>
+                <a16:creationId xmlns:a16="http://schemas.microsoft.com/office/drawing/2014/main" id="{6F8E7B9A-3AC5-DF47-B7CB-77F6B04E8F77}"/>
               </a:ext>
             </a:extLst>
           </p:cNvPr>
@@ -25560,7 +25952,7 @@
           <p:cNvPr id="13" name="テキスト ボックス 12">
             <a:extLst>
               <a:ext uri="{FF2B5EF4-FFF2-40B4-BE49-F238E27FC236}">
-                <a16:creationId xmlns:a16="http://schemas.microsoft.com/office/drawing/2014/main" xmlns="" id="{6F8E7B9A-3AC5-DF47-B7CB-77F6B04E8F77}"/>
+                <a16:creationId xmlns:a16="http://schemas.microsoft.com/office/drawing/2014/main" id="{6F8E7B9A-3AC5-DF47-B7CB-77F6B04E8F77}"/>
               </a:ext>
             </a:extLst>
           </p:cNvPr>
@@ -25600,7 +25992,7 @@
           <p:cNvPr id="15" name="テキスト ボックス 14">
             <a:extLst>
               <a:ext uri="{FF2B5EF4-FFF2-40B4-BE49-F238E27FC236}">
-                <a16:creationId xmlns:a16="http://schemas.microsoft.com/office/drawing/2014/main" xmlns="" id="{6F8E7B9A-3AC5-DF47-B7CB-77F6B04E8F77}"/>
+                <a16:creationId xmlns:a16="http://schemas.microsoft.com/office/drawing/2014/main" id="{6F8E7B9A-3AC5-DF47-B7CB-77F6B04E8F77}"/>
               </a:ext>
             </a:extLst>
           </p:cNvPr>
@@ -25800,10 +26192,9 @@
           <a:lstStyle/>
           <a:p>
             <a:r>
-              <a:rPr kumimoji="1" lang="ja-JP" altLang="en-US" dirty="0" smtClean="0"/>
+              <a:rPr kumimoji="1" lang="ja-JP" altLang="en-US" dirty="0"/>
               <a:t>出力層</a:t>
             </a:r>
-            <a:endParaRPr kumimoji="1" lang="ja-JP" altLang="en-US" dirty="0"/>
           </a:p>
         </p:txBody>
       </p:sp>
@@ -25830,10 +26221,9 @@
           <a:lstStyle/>
           <a:p>
             <a:r>
-              <a:rPr kumimoji="1" lang="ja-JP" altLang="en-US" dirty="0" smtClean="0"/>
+              <a:rPr kumimoji="1" lang="ja-JP" altLang="en-US" dirty="0"/>
               <a:t>つまり出力層に入力されるのは単語ベクトル同士の内積となる</a:t>
             </a:r>
-            <a:endParaRPr kumimoji="1" lang="ja-JP" altLang="en-US" dirty="0"/>
           </a:p>
         </p:txBody>
       </p:sp>
@@ -25872,7 +26262,7 @@
           <p:cNvPr id="11" name="テキスト ボックス 10">
             <a:extLst>
               <a:ext uri="{FF2B5EF4-FFF2-40B4-BE49-F238E27FC236}">
-                <a16:creationId xmlns:a16="http://schemas.microsoft.com/office/drawing/2014/main" xmlns="" id="{780EB33D-AB7A-644C-BF62-6411655FBFD6}"/>
+                <a16:creationId xmlns:a16="http://schemas.microsoft.com/office/drawing/2014/main" id="{780EB33D-AB7A-644C-BF62-6411655FBFD6}"/>
               </a:ext>
             </a:extLst>
           </p:cNvPr>
@@ -25924,7 +26314,7 @@
           <p:cNvPr id="12" name="テキスト ボックス 11">
             <a:extLst>
               <a:ext uri="{FF2B5EF4-FFF2-40B4-BE49-F238E27FC236}">
-                <a16:creationId xmlns:a16="http://schemas.microsoft.com/office/drawing/2014/main" xmlns="" id="{4F082176-A65F-E746-A442-839C58C80DBA}"/>
+                <a16:creationId xmlns:a16="http://schemas.microsoft.com/office/drawing/2014/main" id="{4F082176-A65F-E746-A442-839C58C80DBA}"/>
               </a:ext>
             </a:extLst>
           </p:cNvPr>
@@ -25948,7 +26338,7 @@
           <a:lstStyle/>
           <a:p>
             <a:r>
-              <a:rPr lang="en-US" altLang="ja-JP" dirty="0" smtClean="0"/>
+              <a:rPr lang="en-US" altLang="ja-JP" dirty="0"/>
               <a:t>Skip-gram</a:t>
             </a:r>
             <a:endParaRPr kumimoji="1" lang="ja-JP" altLang="en-US" dirty="0"/>
@@ -25965,13 +26355,6 @@
   <p:clrMapOvr>
     <a:masterClrMapping/>
   </p:clrMapOvr>
-  <p:timing>
-    <p:tnLst>
-      <p:par>
-        <p:cTn id="1" dur="indefinite" restart="never" nodeType="tmRoot"/>
-      </p:par>
-    </p:tnLst>
-  </p:timing>
 </p:sld>
 </file>
 
@@ -26015,10 +26398,9 @@
           <a:lstStyle/>
           <a:p>
             <a:r>
-              <a:rPr kumimoji="1" lang="ja-JP" altLang="en-US" dirty="0" smtClean="0"/>
+              <a:rPr kumimoji="1" lang="ja-JP" altLang="en-US" dirty="0"/>
               <a:t>出力層</a:t>
             </a:r>
-            <a:endParaRPr kumimoji="1" lang="ja-JP" altLang="en-US" dirty="0"/>
           </a:p>
         </p:txBody>
       </p:sp>
@@ -26045,10 +26427,9 @@
           <a:lstStyle/>
           <a:p>
             <a:r>
-              <a:rPr kumimoji="1" lang="ja-JP" altLang="en-US" dirty="0" smtClean="0"/>
+              <a:rPr kumimoji="1" lang="ja-JP" altLang="en-US" dirty="0"/>
               <a:t>出力層に入力された値ソフトマックス関数をかませる</a:t>
             </a:r>
-            <a:endParaRPr kumimoji="1" lang="ja-JP" altLang="en-US" dirty="0"/>
           </a:p>
         </p:txBody>
       </p:sp>
@@ -26105,10 +26486,9 @@
           <a:lstStyle/>
           <a:p>
             <a:r>
-              <a:rPr kumimoji="1" lang="ja-JP" altLang="en-US" dirty="0" smtClean="0"/>
+              <a:rPr kumimoji="1" lang="ja-JP" altLang="en-US" dirty="0"/>
               <a:t>確率を出力するまでの計算が右図</a:t>
             </a:r>
-            <a:endParaRPr kumimoji="1" lang="ja-JP" altLang="en-US" dirty="0"/>
           </a:p>
         </p:txBody>
       </p:sp>
@@ -26135,10 +26515,9 @@
           <a:lstStyle/>
           <a:p>
             <a:r>
-              <a:rPr kumimoji="1" lang="ja-JP" altLang="en-US" smtClean="0"/>
+              <a:rPr kumimoji="1" lang="ja-JP" altLang="en-US"/>
               <a:t>まとめると</a:t>
             </a:r>
-            <a:endParaRPr kumimoji="1" lang="ja-JP" altLang="en-US"/>
           </a:p>
         </p:txBody>
       </p:sp>
@@ -26165,14 +26544,13 @@
           <a:lstStyle/>
           <a:p>
             <a:r>
-              <a:rPr kumimoji="1" lang="en-US" altLang="ja-JP" dirty="0" smtClean="0"/>
+              <a:rPr kumimoji="1" lang="en-US" altLang="ja-JP" dirty="0"/>
               <a:t>Skip-Gram</a:t>
             </a:r>
             <a:r>
-              <a:rPr kumimoji="1" lang="ja-JP" altLang="en-US" dirty="0" smtClean="0"/>
+              <a:rPr kumimoji="1" lang="ja-JP" altLang="en-US" dirty="0"/>
               <a:t>では単語の重みベクトル同士の内積を計算しているとみなせる</a:t>
             </a:r>
-            <a:endParaRPr kumimoji="1" lang="ja-JP" altLang="en-US" dirty="0"/>
           </a:p>
         </p:txBody>
       </p:sp>
@@ -26199,10 +26577,9 @@
           <a:lstStyle/>
           <a:p>
             <a:r>
-              <a:rPr kumimoji="1" lang="ja-JP" altLang="en-US" smtClean="0"/>
+              <a:rPr kumimoji="1" lang="ja-JP" altLang="en-US"/>
               <a:t>出力層への入力にソフトマックス関数を使用するのは確率に変換するため</a:t>
             </a:r>
-            <a:endParaRPr kumimoji="1" lang="ja-JP" altLang="en-US"/>
           </a:p>
         </p:txBody>
       </p:sp>
@@ -26229,21 +26606,20 @@
           <a:lstStyle/>
           <a:p>
             <a:r>
-              <a:rPr kumimoji="1" lang="ja-JP" altLang="en-US" dirty="0" smtClean="0"/>
+              <a:rPr kumimoji="1" lang="ja-JP" altLang="en-US" dirty="0"/>
               <a:t>学習で行われているのはある単語とその単語に対して</a:t>
             </a:r>
-            <a:endParaRPr kumimoji="1" lang="en-US" altLang="ja-JP" dirty="0" smtClean="0"/>
-          </a:p>
-          <a:p>
-            <a:r>
-              <a:rPr kumimoji="1" lang="en-US" altLang="ja-JP" dirty="0" smtClean="0"/>
+            <a:endParaRPr kumimoji="1" lang="en-US" altLang="ja-JP" dirty="0"/>
+          </a:p>
+          <a:p>
+            <a:r>
+              <a:rPr kumimoji="1" lang="en-US" altLang="ja-JP" dirty="0"/>
               <a:t>		</a:t>
             </a:r>
             <a:r>
-              <a:rPr kumimoji="1" lang="ja-JP" altLang="en-US" dirty="0" smtClean="0"/>
+              <a:rPr kumimoji="1" lang="ja-JP" altLang="en-US" dirty="0"/>
               <a:t>実際に現れる周辺語の内積が大きくなるように重みを調整していくこと</a:t>
             </a:r>
-            <a:endParaRPr kumimoji="1" lang="ja-JP" altLang="en-US" dirty="0"/>
           </a:p>
         </p:txBody>
       </p:sp>
@@ -26252,7 +26628,7 @@
           <p:cNvPr id="14" name="テキスト ボックス 13">
             <a:extLst>
               <a:ext uri="{FF2B5EF4-FFF2-40B4-BE49-F238E27FC236}">
-                <a16:creationId xmlns:a16="http://schemas.microsoft.com/office/drawing/2014/main" xmlns="" id="{780EB33D-AB7A-644C-BF62-6411655FBFD6}"/>
+                <a16:creationId xmlns:a16="http://schemas.microsoft.com/office/drawing/2014/main" id="{780EB33D-AB7A-644C-BF62-6411655FBFD6}"/>
               </a:ext>
             </a:extLst>
           </p:cNvPr>
@@ -26304,7 +26680,7 @@
           <p:cNvPr id="15" name="テキスト ボックス 14">
             <a:extLst>
               <a:ext uri="{FF2B5EF4-FFF2-40B4-BE49-F238E27FC236}">
-                <a16:creationId xmlns:a16="http://schemas.microsoft.com/office/drawing/2014/main" xmlns="" id="{4F082176-A65F-E746-A442-839C58C80DBA}"/>
+                <a16:creationId xmlns:a16="http://schemas.microsoft.com/office/drawing/2014/main" id="{4F082176-A65F-E746-A442-839C58C80DBA}"/>
               </a:ext>
             </a:extLst>
           </p:cNvPr>
@@ -26328,7 +26704,7 @@
           <a:lstStyle/>
           <a:p>
             <a:r>
-              <a:rPr lang="en-US" altLang="ja-JP" dirty="0" smtClean="0"/>
+              <a:rPr lang="en-US" altLang="ja-JP" dirty="0"/>
               <a:t>Skip-gram</a:t>
             </a:r>
             <a:endParaRPr kumimoji="1" lang="ja-JP" altLang="en-US" dirty="0"/>
@@ -26345,13 +26721,6 @@
   <p:clrMapOvr>
     <a:masterClrMapping/>
   </p:clrMapOvr>
-  <p:timing>
-    <p:tnLst>
-      <p:par>
-        <p:cTn id="1" dur="indefinite" restart="never" nodeType="tmRoot"/>
-      </p:par>
-    </p:tnLst>
-  </p:timing>
 </p:sld>
 </file>
 
@@ -26395,14 +26764,13 @@
           <a:lstStyle/>
           <a:p>
             <a:r>
-              <a:rPr kumimoji="1" lang="en-US" altLang="ja-JP" dirty="0" smtClean="0"/>
+              <a:rPr kumimoji="1" lang="en-US" altLang="ja-JP" dirty="0"/>
               <a:t>Skip-Gram</a:t>
             </a:r>
             <a:r>
-              <a:rPr kumimoji="1" lang="ja-JP" altLang="en-US" dirty="0" smtClean="0"/>
+              <a:rPr kumimoji="1" lang="ja-JP" altLang="en-US" dirty="0"/>
               <a:t>は学習データが少なくてもある程度の精度が出ると言われている</a:t>
             </a:r>
-            <a:endParaRPr kumimoji="1" lang="ja-JP" altLang="en-US" dirty="0"/>
           </a:p>
         </p:txBody>
       </p:sp>
@@ -26429,22 +26797,21 @@
           <a:lstStyle/>
           <a:p>
             <a:r>
-              <a:rPr kumimoji="1" lang="en-US" altLang="ja-JP" dirty="0" err="1" smtClean="0"/>
+              <a:rPr kumimoji="1" lang="en-US" altLang="ja-JP" dirty="0" err="1"/>
               <a:t>CBoW</a:t>
             </a:r>
             <a:r>
-              <a:rPr kumimoji="1" lang="ja-JP" altLang="en-US" dirty="0" smtClean="0"/>
+              <a:rPr kumimoji="1" lang="ja-JP" altLang="en-US" dirty="0"/>
               <a:t>よりも</a:t>
             </a:r>
             <a:r>
-              <a:rPr kumimoji="1" lang="en-US" altLang="ja-JP" dirty="0" smtClean="0"/>
+              <a:rPr kumimoji="1" lang="en-US" altLang="ja-JP" dirty="0"/>
               <a:t>Skip-Gram</a:t>
             </a:r>
             <a:r>
-              <a:rPr kumimoji="1" lang="ja-JP" altLang="en-US" dirty="0" smtClean="0"/>
+              <a:rPr kumimoji="1" lang="ja-JP" altLang="en-US" dirty="0"/>
               <a:t>のほうが実験では精度が高くなる</a:t>
             </a:r>
-            <a:endParaRPr kumimoji="1" lang="ja-JP" altLang="en-US" dirty="0"/>
           </a:p>
         </p:txBody>
       </p:sp>
@@ -26471,10 +26838,9 @@
           <a:lstStyle/>
           <a:p>
             <a:r>
-              <a:rPr kumimoji="1" lang="ja-JP" altLang="en-US" smtClean="0"/>
+              <a:rPr kumimoji="1" lang="ja-JP" altLang="en-US"/>
               <a:t>共通の弱点</a:t>
             </a:r>
-            <a:endParaRPr kumimoji="1" lang="ja-JP" altLang="en-US"/>
           </a:p>
         </p:txBody>
       </p:sp>
@@ -26501,10 +26867,9 @@
           <a:lstStyle/>
           <a:p>
             <a:r>
-              <a:rPr kumimoji="1" lang="ja-JP" altLang="en-US" smtClean="0"/>
+              <a:rPr kumimoji="1" lang="ja-JP" altLang="en-US"/>
               <a:t>対義語に弱い</a:t>
             </a:r>
-            <a:endParaRPr kumimoji="1" lang="ja-JP" altLang="en-US"/>
           </a:p>
         </p:txBody>
       </p:sp>
@@ -26531,10 +26896,9 @@
           <a:lstStyle/>
           <a:p>
             <a:r>
-              <a:rPr kumimoji="1" lang="ja-JP" altLang="en-US" dirty="0" smtClean="0"/>
+              <a:rPr kumimoji="1" lang="ja-JP" altLang="en-US" dirty="0"/>
               <a:t>「私はあなたのことが嫌いです」</a:t>
             </a:r>
-            <a:endParaRPr kumimoji="1" lang="ja-JP" altLang="en-US" dirty="0"/>
           </a:p>
         </p:txBody>
       </p:sp>
@@ -26561,10 +26925,9 @@
           <a:lstStyle/>
           <a:p>
             <a:r>
-              <a:rPr kumimoji="1" lang="ja-JP" altLang="en-US" dirty="0" smtClean="0"/>
+              <a:rPr kumimoji="1" lang="ja-JP" altLang="en-US" dirty="0"/>
               <a:t>「私はあなたのことが好きです」</a:t>
             </a:r>
-            <a:endParaRPr kumimoji="1" lang="ja-JP" altLang="en-US" dirty="0"/>
           </a:p>
         </p:txBody>
       </p:sp>
@@ -26591,11 +26954,11 @@
           <a:lstStyle/>
           <a:p>
             <a:r>
-              <a:rPr kumimoji="1" lang="ja-JP" altLang="en-US" dirty="0" smtClean="0"/>
+              <a:rPr kumimoji="1" lang="ja-JP" altLang="en-US" dirty="0"/>
               <a:t>「好き」も「嫌い」も</a:t>
             </a:r>
             <a:r>
-              <a:rPr kumimoji="1" lang="ja-JP" altLang="en-US" smtClean="0"/>
+              <a:rPr kumimoji="1" lang="ja-JP" altLang="en-US"/>
               <a:t>同文脈に出現するため区別できない</a:t>
             </a:r>
             <a:endParaRPr kumimoji="1" lang="ja-JP" altLang="en-US" dirty="0"/>
@@ -26647,7 +27010,7 @@
           <p:cNvPr id="16" name="テキスト ボックス 15">
             <a:extLst>
               <a:ext uri="{FF2B5EF4-FFF2-40B4-BE49-F238E27FC236}">
-                <a16:creationId xmlns:a16="http://schemas.microsoft.com/office/drawing/2014/main" xmlns="" id="{780EB33D-AB7A-644C-BF62-6411655FBFD6}"/>
+                <a16:creationId xmlns:a16="http://schemas.microsoft.com/office/drawing/2014/main" id="{780EB33D-AB7A-644C-BF62-6411655FBFD6}"/>
               </a:ext>
             </a:extLst>
           </p:cNvPr>
@@ -26699,7 +27062,7 @@
           <p:cNvPr id="17" name="テキスト ボックス 16">
             <a:extLst>
               <a:ext uri="{FF2B5EF4-FFF2-40B4-BE49-F238E27FC236}">
-                <a16:creationId xmlns:a16="http://schemas.microsoft.com/office/drawing/2014/main" xmlns="" id="{4F082176-A65F-E746-A442-839C58C80DBA}"/>
+                <a16:creationId xmlns:a16="http://schemas.microsoft.com/office/drawing/2014/main" id="{4F082176-A65F-E746-A442-839C58C80DBA}"/>
               </a:ext>
             </a:extLst>
           </p:cNvPr>
@@ -26723,7 +27086,7 @@
           <a:lstStyle/>
           <a:p>
             <a:r>
-              <a:rPr lang="en-US" altLang="ja-JP" dirty="0" smtClean="0"/>
+              <a:rPr lang="en-US" altLang="ja-JP" dirty="0"/>
               <a:t>Skip-gram</a:t>
             </a:r>
             <a:endParaRPr kumimoji="1" lang="ja-JP" altLang="en-US" dirty="0"/>
@@ -26740,13 +27103,6 @@
   <p:clrMapOvr>
     <a:masterClrMapping/>
   </p:clrMapOvr>
-  <p:timing>
-    <p:tnLst>
-      <p:par>
-        <p:cTn id="1" dur="indefinite" restart="never" nodeType="tmRoot"/>
-      </p:par>
-    </p:tnLst>
-  </p:timing>
 </p:sld>
 </file>
 
@@ -26790,7 +27146,7 @@
           <a:lstStyle/>
           <a:p>
             <a:r>
-              <a:rPr kumimoji="1" lang="en-US" altLang="ja-JP" dirty="0" err="1" smtClean="0">
+              <a:rPr kumimoji="1" lang="en-US" altLang="ja-JP" dirty="0" err="1">
                 <a:solidFill>
                   <a:srgbClr val="FF0000"/>
                 </a:solidFill>
@@ -26798,11 +27154,11 @@
               <a:t>BoW</a:t>
             </a:r>
             <a:r>
-              <a:rPr kumimoji="1" lang="ja-JP" altLang="en-US" dirty="0" smtClean="0"/>
+              <a:rPr kumimoji="1" lang="ja-JP" altLang="en-US" dirty="0"/>
               <a:t>と</a:t>
             </a:r>
             <a:r>
-              <a:rPr kumimoji="1" lang="en-US" altLang="ja-JP" dirty="0" smtClean="0"/>
+              <a:rPr kumimoji="1" lang="en-US" altLang="ja-JP" dirty="0"/>
               <a:t>Doc2Vec</a:t>
             </a:r>
             <a:endParaRPr kumimoji="1" lang="ja-JP" altLang="en-US" dirty="0"/>
@@ -26832,14 +27188,13 @@
           <a:lstStyle/>
           <a:p>
             <a:r>
-              <a:rPr kumimoji="1" lang="en-US" altLang="ja-JP" dirty="0" err="1" smtClean="0"/>
+              <a:rPr kumimoji="1" lang="en-US" altLang="ja-JP" dirty="0" err="1"/>
               <a:t>BoW</a:t>
             </a:r>
             <a:r>
-              <a:rPr kumimoji="1" lang="ja-JP" altLang="en-US" dirty="0" smtClean="0"/>
+              <a:rPr kumimoji="1" lang="ja-JP" altLang="en-US" dirty="0"/>
               <a:t>は文書内の単語の出現頻度をベクトル化したもの</a:t>
             </a:r>
-            <a:endParaRPr kumimoji="1" lang="ja-JP" altLang="en-US" dirty="0"/>
           </a:p>
         </p:txBody>
       </p:sp>
@@ -26866,11 +27221,11 @@
           <a:lstStyle/>
           <a:p>
             <a:r>
-              <a:rPr kumimoji="1" lang="en-US" altLang="ja-JP" dirty="0" smtClean="0"/>
+              <a:rPr kumimoji="1" lang="en-US" altLang="ja-JP" dirty="0"/>
               <a:t>{I, have, a, pen, I</a:t>
             </a:r>
             <a:r>
-              <a:rPr kumimoji="1" lang="en-US" altLang="ja-JP" smtClean="0"/>
+              <a:rPr kumimoji="1" lang="en-US" altLang="ja-JP"/>
               <a:t>, have, an, apple}</a:t>
             </a:r>
             <a:endParaRPr kumimoji="1" lang="ja-JP" altLang="en-US" dirty="0"/>
@@ -26940,7 +27295,7 @@
           <a:lstStyle/>
           <a:p>
             <a:r>
-              <a:rPr kumimoji="1" lang="en-US" altLang="ja-JP" dirty="0" smtClean="0"/>
+              <a:rPr kumimoji="1" lang="en-US" altLang="ja-JP" dirty="0"/>
               <a:t>[I, have, a, pen, an, apple] = [2, 2, 1, 1, 1, 1]</a:t>
             </a:r>
             <a:endParaRPr kumimoji="1" lang="ja-JP" altLang="en-US" dirty="0"/>
@@ -26970,14 +27325,14 @@
           <a:lstStyle/>
           <a:p>
             <a:r>
-              <a:rPr kumimoji="1" lang="en-US" altLang="ja-JP" dirty="0" err="1" smtClean="0"/>
+              <a:rPr kumimoji="1" lang="en-US" altLang="ja-JP" dirty="0" err="1"/>
               <a:t>BoW</a:t>
             </a:r>
             <a:r>
-              <a:rPr kumimoji="1" lang="ja-JP" altLang="en-US" dirty="0" smtClean="0"/>
+              <a:rPr kumimoji="1" lang="ja-JP" altLang="en-US" dirty="0"/>
               <a:t>では単語の出現順序が考慮されず同様の単語が使われていれば同じ表現になってしまう</a:t>
             </a:r>
-            <a:endParaRPr kumimoji="1" lang="en-US" altLang="ja-JP" dirty="0" smtClean="0"/>
+            <a:endParaRPr kumimoji="1" lang="en-US" altLang="ja-JP" dirty="0"/>
           </a:p>
         </p:txBody>
       </p:sp>
@@ -27004,10 +27359,9 @@
           <a:lstStyle/>
           <a:p>
             <a:r>
-              <a:rPr kumimoji="1" lang="ja-JP" altLang="en-US" smtClean="0"/>
+              <a:rPr kumimoji="1" lang="ja-JP" altLang="en-US"/>
               <a:t>また意味的な表現を学習することがない</a:t>
             </a:r>
-            <a:endParaRPr kumimoji="1" lang="ja-JP" altLang="en-US"/>
           </a:p>
         </p:txBody>
       </p:sp>
@@ -27074,34 +27428,33 @@
           <a:lstStyle/>
           <a:p>
             <a:r>
-              <a:rPr kumimoji="1" lang="ja-JP" altLang="en-US" dirty="0" smtClean="0"/>
+              <a:rPr kumimoji="1" lang="ja-JP" altLang="en-US" dirty="0"/>
               <a:t>表現上</a:t>
             </a:r>
             <a:r>
-              <a:rPr kumimoji="1" lang="en-US" altLang="ja-JP" dirty="0" smtClean="0"/>
+              <a:rPr kumimoji="1" lang="en-US" altLang="ja-JP" dirty="0"/>
               <a:t>”</a:t>
             </a:r>
             <a:r>
-              <a:rPr kumimoji="1" lang="ja-JP" altLang="en-US" dirty="0" smtClean="0"/>
+              <a:rPr kumimoji="1" lang="ja-JP" altLang="en-US" dirty="0"/>
               <a:t>プログラミング</a:t>
             </a:r>
             <a:r>
-              <a:rPr kumimoji="1" lang="en-US" altLang="ja-JP" dirty="0" smtClean="0"/>
+              <a:rPr kumimoji="1" lang="en-US" altLang="ja-JP" dirty="0"/>
               <a:t>”,”Python”,”</a:t>
             </a:r>
             <a:r>
-              <a:rPr kumimoji="1" lang="ja-JP" altLang="en-US" dirty="0" smtClean="0"/>
+              <a:rPr kumimoji="1" lang="ja-JP" altLang="en-US" dirty="0"/>
               <a:t>農業</a:t>
             </a:r>
             <a:r>
-              <a:rPr kumimoji="1" lang="en-US" altLang="ja-JP" dirty="0" smtClean="0"/>
+              <a:rPr kumimoji="1" lang="en-US" altLang="ja-JP" dirty="0"/>
               <a:t>”</a:t>
             </a:r>
             <a:r>
-              <a:rPr kumimoji="1" lang="ja-JP" altLang="en-US" dirty="0" smtClean="0"/>
+              <a:rPr kumimoji="1" lang="ja-JP" altLang="en-US" dirty="0"/>
               <a:t>の単語間の差は同等</a:t>
             </a:r>
-            <a:endParaRPr kumimoji="1" lang="ja-JP" altLang="en-US" dirty="0"/>
           </a:p>
         </p:txBody>
       </p:sp>
@@ -27110,7 +27463,7 @@
           <p:cNvPr id="13" name="テキスト ボックス 12">
             <a:extLst>
               <a:ext uri="{FF2B5EF4-FFF2-40B4-BE49-F238E27FC236}">
-                <a16:creationId xmlns:a16="http://schemas.microsoft.com/office/drawing/2014/main" xmlns="" id="{780EB33D-AB7A-644C-BF62-6411655FBFD6}"/>
+                <a16:creationId xmlns:a16="http://schemas.microsoft.com/office/drawing/2014/main" id="{780EB33D-AB7A-644C-BF62-6411655FBFD6}"/>
               </a:ext>
             </a:extLst>
           </p:cNvPr>
@@ -27147,23 +27500,7 @@
             </a:r>
             <a:r>
               <a:rPr lang="en-US" altLang="ja-JP" sz="2800" dirty="0"/>
-              <a:t>(</a:t>
-            </a:r>
-            <a:r>
-              <a:rPr lang="en-US" altLang="ja-JP" sz="2800" dirty="0" smtClean="0"/>
-              <a:t>③</a:t>
-            </a:r>
-            <a:r>
-              <a:rPr lang="en-US" altLang="ja-JP" sz="2800" dirty="0" smtClean="0"/>
-              <a:t>doc</a:t>
-            </a:r>
-            <a:r>
-              <a:rPr lang="en-US" altLang="ja-JP" sz="2800" dirty="0" smtClean="0"/>
-              <a:t>2vec</a:t>
-            </a:r>
-            <a:r>
-              <a:rPr lang="en-US" altLang="ja-JP" sz="2800" dirty="0"/>
-              <a:t>)</a:t>
+              <a:t>(③doc2vec)</a:t>
             </a:r>
             <a:endParaRPr lang="ja-JP" altLang="en-US" sz="2800" dirty="0"/>
           </a:p>
@@ -27179,13 +27516,6 @@
   <p:clrMapOvr>
     <a:masterClrMapping/>
   </p:clrMapOvr>
-  <p:timing>
-    <p:tnLst>
-      <p:par>
-        <p:cTn id="1" dur="indefinite" restart="never" nodeType="tmRoot"/>
-      </p:par>
-    </p:tnLst>
-  </p:timing>
 </p:sld>
 </file>
 
@@ -27229,15 +27559,15 @@
           <a:lstStyle/>
           <a:p>
             <a:r>
-              <a:rPr kumimoji="1" lang="en-US" altLang="ja-JP" dirty="0" err="1" smtClean="0"/>
+              <a:rPr kumimoji="1" lang="en-US" altLang="ja-JP" dirty="0" err="1"/>
               <a:t>BoW</a:t>
             </a:r>
             <a:r>
-              <a:rPr kumimoji="1" lang="ja-JP" altLang="en-US" dirty="0" smtClean="0"/>
+              <a:rPr kumimoji="1" lang="ja-JP" altLang="en-US" dirty="0"/>
               <a:t>と</a:t>
             </a:r>
             <a:r>
-              <a:rPr kumimoji="1" lang="en-US" altLang="ja-JP" dirty="0" smtClean="0">
+              <a:rPr kumimoji="1" lang="en-US" altLang="ja-JP" dirty="0">
                 <a:solidFill>
                   <a:srgbClr val="FF0000"/>
                 </a:solidFill>
@@ -27315,34 +27645,33 @@
           <a:lstStyle/>
           <a:p>
             <a:r>
-              <a:rPr kumimoji="1" lang="ja-JP" altLang="en-US" dirty="0" smtClean="0"/>
+              <a:rPr kumimoji="1" lang="ja-JP" altLang="en-US" dirty="0"/>
               <a:t>ベクトル表現として</a:t>
             </a:r>
             <a:r>
-              <a:rPr kumimoji="1" lang="en-US" altLang="ja-JP" dirty="0" smtClean="0"/>
+              <a:rPr kumimoji="1" lang="en-US" altLang="ja-JP" dirty="0"/>
               <a:t>”</a:t>
             </a:r>
             <a:r>
-              <a:rPr kumimoji="1" lang="ja-JP" altLang="en-US" dirty="0" smtClean="0"/>
+              <a:rPr kumimoji="1" lang="ja-JP" altLang="en-US" dirty="0"/>
               <a:t>プログラミング</a:t>
             </a:r>
             <a:r>
-              <a:rPr kumimoji="1" lang="en-US" altLang="ja-JP" dirty="0" smtClean="0"/>
+              <a:rPr kumimoji="1" lang="en-US" altLang="ja-JP" dirty="0"/>
               <a:t>”</a:t>
             </a:r>
             <a:r>
-              <a:rPr kumimoji="1" lang="ja-JP" altLang="en-US" dirty="0" smtClean="0"/>
+              <a:rPr kumimoji="1" lang="ja-JP" altLang="en-US" dirty="0"/>
               <a:t>と</a:t>
             </a:r>
             <a:r>
-              <a:rPr kumimoji="1" lang="en-US" altLang="ja-JP" dirty="0" smtClean="0"/>
+              <a:rPr kumimoji="1" lang="en-US" altLang="ja-JP" dirty="0"/>
               <a:t>”Python”</a:t>
             </a:r>
             <a:r>
-              <a:rPr kumimoji="1" lang="ja-JP" altLang="en-US" dirty="0" smtClean="0"/>
+              <a:rPr kumimoji="1" lang="ja-JP" altLang="en-US" dirty="0"/>
               <a:t>は</a:t>
             </a:r>
-            <a:endParaRPr kumimoji="1" lang="ja-JP" altLang="en-US" dirty="0"/>
           </a:p>
         </p:txBody>
       </p:sp>
@@ -27369,10 +27698,9 @@
           <a:lstStyle/>
           <a:p>
             <a:r>
-              <a:rPr kumimoji="1" lang="ja-JP" altLang="en-US" dirty="0" smtClean="0"/>
+              <a:rPr kumimoji="1" lang="ja-JP" altLang="en-US" dirty="0"/>
               <a:t>教師ラベルを必要としない</a:t>
             </a:r>
-            <a:endParaRPr kumimoji="1" lang="ja-JP" altLang="en-US" dirty="0"/>
           </a:p>
         </p:txBody>
       </p:sp>
@@ -27439,10 +27767,9 @@
           <a:lstStyle/>
           <a:p>
             <a:r>
-              <a:rPr kumimoji="1" lang="ja-JP" altLang="en-US" dirty="0" smtClean="0"/>
+              <a:rPr kumimoji="1" lang="ja-JP" altLang="en-US" dirty="0"/>
               <a:t>大量の文書があっても分散表現を得る上ではラベル付は必要ない</a:t>
             </a:r>
-            <a:endParaRPr kumimoji="1" lang="ja-JP" altLang="en-US" dirty="0"/>
           </a:p>
         </p:txBody>
       </p:sp>
@@ -27469,14 +27796,13 @@
           <a:lstStyle/>
           <a:p>
             <a:r>
-              <a:rPr kumimoji="1" lang="en-US" altLang="ja-JP" dirty="0" smtClean="0"/>
+              <a:rPr kumimoji="1" lang="en-US" altLang="ja-JP" dirty="0"/>
               <a:t>Word2Vec</a:t>
             </a:r>
             <a:r>
-              <a:rPr kumimoji="1" lang="ja-JP" altLang="en-US" dirty="0" smtClean="0"/>
+              <a:rPr kumimoji="1" lang="ja-JP" altLang="en-US" dirty="0"/>
               <a:t>のメリットでもあるいみ的な表現を学習するため</a:t>
             </a:r>
-            <a:endParaRPr kumimoji="1" lang="ja-JP" altLang="en-US" dirty="0"/>
           </a:p>
         </p:txBody>
       </p:sp>
@@ -27503,10 +27829,10 @@
           <a:lstStyle/>
           <a:p>
             <a:r>
-              <a:rPr kumimoji="1" lang="ja-JP" altLang="en-US" dirty="0" smtClean="0"/>
+              <a:rPr kumimoji="1" lang="ja-JP" altLang="en-US" dirty="0"/>
               <a:t>文章中の単語間の距離には差が生まれる</a:t>
             </a:r>
-            <a:endParaRPr kumimoji="1" lang="en-US" altLang="ja-JP" dirty="0" smtClean="0"/>
+            <a:endParaRPr kumimoji="1" lang="en-US" altLang="ja-JP" dirty="0"/>
           </a:p>
         </p:txBody>
       </p:sp>
@@ -27533,38 +27859,37 @@
           <a:lstStyle/>
           <a:p>
             <a:r>
-              <a:rPr kumimoji="1" lang="en-US" altLang="ja-JP" dirty="0" smtClean="0"/>
+              <a:rPr kumimoji="1" lang="en-US" altLang="ja-JP" dirty="0"/>
               <a:t>“</a:t>
             </a:r>
             <a:r>
-              <a:rPr kumimoji="1" lang="ja-JP" altLang="en-US" dirty="0" smtClean="0"/>
+              <a:rPr kumimoji="1" lang="ja-JP" altLang="en-US" dirty="0"/>
               <a:t>プログラミング</a:t>
             </a:r>
             <a:r>
-              <a:rPr kumimoji="1" lang="en-US" altLang="ja-JP" dirty="0" smtClean="0"/>
+              <a:rPr kumimoji="1" lang="en-US" altLang="ja-JP" dirty="0"/>
               <a:t>”</a:t>
             </a:r>
             <a:r>
-              <a:rPr kumimoji="1" lang="ja-JP" altLang="en-US" dirty="0" smtClean="0"/>
+              <a:rPr kumimoji="1" lang="ja-JP" altLang="en-US" dirty="0"/>
               <a:t>と</a:t>
             </a:r>
             <a:r>
-              <a:rPr kumimoji="1" lang="en-US" altLang="ja-JP" dirty="0" smtClean="0"/>
+              <a:rPr kumimoji="1" lang="en-US" altLang="ja-JP" dirty="0"/>
               <a:t>”</a:t>
             </a:r>
             <a:r>
-              <a:rPr kumimoji="1" lang="ja-JP" altLang="en-US" dirty="0" smtClean="0"/>
+              <a:rPr kumimoji="1" lang="ja-JP" altLang="en-US" dirty="0"/>
               <a:t>農業</a:t>
             </a:r>
             <a:r>
-              <a:rPr kumimoji="1" lang="en-US" altLang="ja-JP" dirty="0" smtClean="0"/>
+              <a:rPr kumimoji="1" lang="en-US" altLang="ja-JP" dirty="0"/>
               <a:t>”</a:t>
             </a:r>
             <a:r>
-              <a:rPr kumimoji="1" lang="ja-JP" altLang="en-US" dirty="0" smtClean="0"/>
+              <a:rPr kumimoji="1" lang="ja-JP" altLang="en-US" dirty="0"/>
               <a:t>より近い距離となるはず</a:t>
             </a:r>
-            <a:endParaRPr kumimoji="1" lang="ja-JP" altLang="en-US" dirty="0"/>
           </a:p>
         </p:txBody>
       </p:sp>
@@ -27573,7 +27898,7 @@
           <p:cNvPr id="13" name="テキスト ボックス 12">
             <a:extLst>
               <a:ext uri="{FF2B5EF4-FFF2-40B4-BE49-F238E27FC236}">
-                <a16:creationId xmlns:a16="http://schemas.microsoft.com/office/drawing/2014/main" xmlns="" id="{780EB33D-AB7A-644C-BF62-6411655FBFD6}"/>
+                <a16:creationId xmlns:a16="http://schemas.microsoft.com/office/drawing/2014/main" id="{780EB33D-AB7A-644C-BF62-6411655FBFD6}"/>
               </a:ext>
             </a:extLst>
           </p:cNvPr>
@@ -27610,23 +27935,7 @@
             </a:r>
             <a:r>
               <a:rPr lang="en-US" altLang="ja-JP" sz="2800" dirty="0"/>
-              <a:t>(</a:t>
-            </a:r>
-            <a:r>
-              <a:rPr lang="en-US" altLang="ja-JP" sz="2800" dirty="0" smtClean="0"/>
-              <a:t>③</a:t>
-            </a:r>
-            <a:r>
-              <a:rPr lang="en-US" altLang="ja-JP" sz="2800" dirty="0" smtClean="0"/>
-              <a:t>doc</a:t>
-            </a:r>
-            <a:r>
-              <a:rPr lang="en-US" altLang="ja-JP" sz="2800" dirty="0" smtClean="0"/>
-              <a:t>2vec</a:t>
-            </a:r>
-            <a:r>
-              <a:rPr lang="en-US" altLang="ja-JP" sz="2800" dirty="0"/>
-              <a:t>)</a:t>
+              <a:t>(③doc2vec)</a:t>
             </a:r>
             <a:endParaRPr lang="ja-JP" altLang="en-US" sz="2800" dirty="0"/>
           </a:p>
@@ -27642,13 +27951,6 @@
   <p:clrMapOvr>
     <a:masterClrMapping/>
   </p:clrMapOvr>
-  <p:timing>
-    <p:tnLst>
-      <p:par>
-        <p:cTn id="1" dur="indefinite" restart="never" nodeType="tmRoot"/>
-      </p:par>
-    </p:tnLst>
-  </p:timing>
 </p:sld>
 </file>
 
@@ -27692,7 +27994,7 @@
           <a:lstStyle/>
           <a:p>
             <a:r>
-              <a:rPr kumimoji="1" lang="en-US" altLang="ja-JP" dirty="0" smtClean="0"/>
+              <a:rPr kumimoji="1" lang="en-US" altLang="ja-JP" dirty="0"/>
               <a:t>Doc2Vec</a:t>
             </a:r>
             <a:endParaRPr kumimoji="1" lang="ja-JP" altLang="en-US" dirty="0"/>
@@ -27722,11 +28024,11 @@
           <a:lstStyle/>
           <a:p>
             <a:r>
-              <a:rPr kumimoji="1" lang="ja-JP" altLang="en-US" dirty="0" smtClean="0"/>
+              <a:rPr kumimoji="1" lang="ja-JP" altLang="en-US" dirty="0"/>
               <a:t>任意の長さの文書をベクトル化する技術で文や</a:t>
             </a:r>
             <a:r>
-              <a:rPr kumimoji="1" lang="ja-JP" altLang="en-US" smtClean="0"/>
+              <a:rPr kumimoji="1" lang="ja-JP" altLang="en-US"/>
               <a:t>テキストに対して分散表現を獲得できる</a:t>
             </a:r>
             <a:endParaRPr kumimoji="1" lang="ja-JP" altLang="en-US" dirty="0"/>
@@ -27756,10 +28058,9 @@
           <a:lstStyle/>
           <a:p>
             <a:r>
-              <a:rPr kumimoji="1" lang="ja-JP" altLang="en-US" dirty="0" smtClean="0"/>
+              <a:rPr kumimoji="1" lang="ja-JP" altLang="en-US" dirty="0"/>
               <a:t>機械学習のモデルにおける入力は固定長のベクトルを扱うことが多い</a:t>
             </a:r>
-            <a:endParaRPr kumimoji="1" lang="ja-JP" altLang="en-US" dirty="0"/>
           </a:p>
         </p:txBody>
       </p:sp>
@@ -27786,14 +28087,13 @@
           <a:lstStyle/>
           <a:p>
             <a:r>
-              <a:rPr kumimoji="1" lang="en-US" altLang="ja-JP" dirty="0" smtClean="0"/>
+              <a:rPr kumimoji="1" lang="en-US" altLang="ja-JP" dirty="0"/>
               <a:t>Doc2Vec</a:t>
             </a:r>
             <a:r>
-              <a:rPr kumimoji="1" lang="ja-JP" altLang="en-US" dirty="0" smtClean="0"/>
+              <a:rPr kumimoji="1" lang="ja-JP" altLang="en-US" dirty="0"/>
               <a:t>で前処理をして入力ベクトルとすることが出来る</a:t>
             </a:r>
-            <a:endParaRPr kumimoji="1" lang="ja-JP" altLang="en-US" dirty="0"/>
           </a:p>
         </p:txBody>
       </p:sp>
@@ -27820,26 +28120,25 @@
           <a:lstStyle/>
           <a:p>
             <a:r>
-              <a:rPr kumimoji="1" lang="ja-JP" altLang="en-US" dirty="0" smtClean="0"/>
+              <a:rPr kumimoji="1" lang="ja-JP" altLang="en-US" dirty="0"/>
               <a:t>これまでの</a:t>
             </a:r>
             <a:r>
-              <a:rPr kumimoji="1" lang="en-US" altLang="ja-JP" dirty="0" err="1" smtClean="0"/>
+              <a:rPr kumimoji="1" lang="en-US" altLang="ja-JP" dirty="0" err="1"/>
               <a:t>BoW</a:t>
             </a:r>
             <a:r>
-              <a:rPr kumimoji="1" lang="ja-JP" altLang="en-US" dirty="0" smtClean="0"/>
+              <a:rPr kumimoji="1" lang="ja-JP" altLang="en-US" dirty="0"/>
               <a:t>や</a:t>
             </a:r>
             <a:r>
-              <a:rPr kumimoji="1" lang="en-US" altLang="ja-JP" dirty="0" smtClean="0"/>
+              <a:rPr kumimoji="1" lang="en-US" altLang="ja-JP" dirty="0"/>
               <a:t>LDA</a:t>
             </a:r>
             <a:r>
-              <a:rPr kumimoji="1" lang="ja-JP" altLang="en-US" dirty="0" smtClean="0"/>
+              <a:rPr kumimoji="1" lang="ja-JP" altLang="en-US" dirty="0"/>
               <a:t>といった文章を固定長の小さなベクトルにするテクニックを</a:t>
             </a:r>
-            <a:endParaRPr kumimoji="1" lang="ja-JP" altLang="en-US" dirty="0"/>
           </a:p>
         </p:txBody>
       </p:sp>
@@ -27866,11 +28165,11 @@
           <a:lstStyle/>
           <a:p>
             <a:r>
-              <a:rPr kumimoji="1" lang="ja-JP" altLang="en-US" dirty="0" smtClean="0"/>
+              <a:rPr kumimoji="1" lang="ja-JP" altLang="en-US" dirty="0"/>
               <a:t>凌駕する性能を誇る</a:t>
             </a:r>
             <a:r>
-              <a:rPr kumimoji="1" lang="ja-JP" altLang="en-US" smtClean="0"/>
+              <a:rPr kumimoji="1" lang="ja-JP" altLang="en-US"/>
               <a:t>ことが報告されている</a:t>
             </a:r>
             <a:endParaRPr kumimoji="1" lang="ja-JP" altLang="en-US" dirty="0"/>
@@ -27922,7 +28221,7 @@
           <p:cNvPr id="11" name="テキスト ボックス 10">
             <a:extLst>
               <a:ext uri="{FF2B5EF4-FFF2-40B4-BE49-F238E27FC236}">
-                <a16:creationId xmlns:a16="http://schemas.microsoft.com/office/drawing/2014/main" xmlns="" id="{780EB33D-AB7A-644C-BF62-6411655FBFD6}"/>
+                <a16:creationId xmlns:a16="http://schemas.microsoft.com/office/drawing/2014/main" id="{780EB33D-AB7A-644C-BF62-6411655FBFD6}"/>
               </a:ext>
             </a:extLst>
           </p:cNvPr>
@@ -27959,23 +28258,7 @@
             </a:r>
             <a:r>
               <a:rPr lang="en-US" altLang="ja-JP" sz="2800" dirty="0"/>
-              <a:t>(</a:t>
-            </a:r>
-            <a:r>
-              <a:rPr lang="en-US" altLang="ja-JP" sz="2800" dirty="0" smtClean="0"/>
-              <a:t>③</a:t>
-            </a:r>
-            <a:r>
-              <a:rPr lang="en-US" altLang="ja-JP" sz="2800" dirty="0" smtClean="0"/>
-              <a:t>doc</a:t>
-            </a:r>
-            <a:r>
-              <a:rPr lang="en-US" altLang="ja-JP" sz="2800" dirty="0" smtClean="0"/>
-              <a:t>2vec</a:t>
-            </a:r>
-            <a:r>
-              <a:rPr lang="en-US" altLang="ja-JP" sz="2800" dirty="0"/>
-              <a:t>)</a:t>
+              <a:t>(③doc2vec)</a:t>
             </a:r>
             <a:endParaRPr lang="ja-JP" altLang="en-US" sz="2800" dirty="0"/>
           </a:p>
@@ -27991,13 +28274,6 @@
   <p:clrMapOvr>
     <a:masterClrMapping/>
   </p:clrMapOvr>
-  <p:timing>
-    <p:tnLst>
-      <p:par>
-        <p:cTn id="1" dur="indefinite" restart="never" nodeType="tmRoot"/>
-      </p:par>
-    </p:tnLst>
-  </p:timing>
 </p:sld>
 </file>
 
@@ -28041,10 +28317,9 @@
           <a:lstStyle/>
           <a:p>
             <a:r>
-              <a:rPr kumimoji="1" lang="ja-JP" altLang="en-US" dirty="0" smtClean="0"/>
+              <a:rPr kumimoji="1" lang="ja-JP" altLang="en-US" dirty="0"/>
               <a:t>例えば</a:t>
             </a:r>
-            <a:endParaRPr kumimoji="1" lang="ja-JP" altLang="en-US" dirty="0"/>
           </a:p>
         </p:txBody>
       </p:sp>
@@ -28071,22 +28346,21 @@
           <a:lstStyle/>
           <a:p>
             <a:r>
-              <a:rPr kumimoji="1" lang="en-US" altLang="ja-JP" dirty="0" smtClean="0"/>
+              <a:rPr kumimoji="1" lang="en-US" altLang="ja-JP" dirty="0"/>
               <a:t>Wikipedia</a:t>
             </a:r>
             <a:r>
-              <a:rPr kumimoji="1" lang="ja-JP" altLang="en-US" dirty="0" smtClean="0"/>
+              <a:rPr kumimoji="1" lang="ja-JP" altLang="en-US" dirty="0"/>
               <a:t>を使った</a:t>
             </a:r>
             <a:r>
-              <a:rPr kumimoji="1" lang="en-US" altLang="ja-JP" dirty="0" smtClean="0"/>
+              <a:rPr kumimoji="1" lang="en-US" altLang="ja-JP" dirty="0"/>
               <a:t>Doc2Vec</a:t>
             </a:r>
             <a:r>
-              <a:rPr kumimoji="1" lang="ja-JP" altLang="en-US" dirty="0" smtClean="0"/>
+              <a:rPr kumimoji="1" lang="ja-JP" altLang="en-US" dirty="0"/>
               <a:t>の実験</a:t>
             </a:r>
-            <a:endParaRPr kumimoji="1" lang="ja-JP" altLang="en-US" dirty="0"/>
           </a:p>
         </p:txBody>
       </p:sp>
@@ -28113,10 +28387,9 @@
           <a:lstStyle/>
           <a:p>
             <a:r>
-              <a:rPr kumimoji="1" lang="ja-JP" altLang="en-US" smtClean="0"/>
+              <a:rPr kumimoji="1" lang="ja-JP" altLang="en-US"/>
               <a:t>日本のレディー・ガガは誰？</a:t>
             </a:r>
-            <a:endParaRPr kumimoji="1" lang="ja-JP" altLang="en-US"/>
           </a:p>
         </p:txBody>
       </p:sp>
@@ -28143,14 +28416,13 @@
           <a:lstStyle/>
           <a:p>
             <a:r>
-              <a:rPr kumimoji="1" lang="en-US" altLang="ja-JP" dirty="0" smtClean="0"/>
+              <a:rPr kumimoji="1" lang="en-US" altLang="ja-JP" dirty="0"/>
               <a:t>Doc2Vec</a:t>
             </a:r>
             <a:r>
-              <a:rPr kumimoji="1" lang="ja-JP" altLang="en-US" dirty="0" smtClean="0"/>
+              <a:rPr kumimoji="1" lang="ja-JP" altLang="en-US" dirty="0"/>
               <a:t>は単なるベクトルなので</a:t>
             </a:r>
-            <a:endParaRPr kumimoji="1" lang="ja-JP" altLang="en-US" dirty="0"/>
           </a:p>
         </p:txBody>
       </p:sp>
@@ -28195,7 +28467,7 @@
                         <m:dPr>
                           <m:ctrlPr>
                             <a:rPr kumimoji="1" lang="en-US" altLang="ja-JP" b="0" i="1" smtClean="0">
-                              <a:latin typeface="Cambria Math" charset="0"/>
+                              <a:latin typeface="Cambria Math" panose="02040503050406030204" pitchFamily="18" charset="0"/>
                             </a:rPr>
                           </m:ctrlPr>
                         </m:dPr>
@@ -28224,7 +28496,7 @@
                         <m:dPr>
                           <m:ctrlPr>
                             <a:rPr kumimoji="1" lang="en-US" altLang="ja-JP" b="0" i="1" smtClean="0">
-                              <a:latin typeface="Cambria Math" charset="0"/>
+                              <a:latin typeface="Cambria Math" panose="02040503050406030204" pitchFamily="18" charset="0"/>
                             </a:rPr>
                           </m:ctrlPr>
                         </m:dPr>
@@ -28253,7 +28525,7 @@
                         <m:dPr>
                           <m:ctrlPr>
                             <a:rPr kumimoji="1" lang="en-US" altLang="ja-JP" b="0" i="1" smtClean="0">
-                              <a:latin typeface="Cambria Math" charset="0"/>
+                              <a:latin typeface="Cambria Math" panose="02040503050406030204" pitchFamily="18" charset="0"/>
                             </a:rPr>
                           </m:ctrlPr>
                         </m:dPr>
@@ -28336,10 +28608,10 @@
           <a:lstStyle/>
           <a:p>
             <a:r>
-              <a:rPr kumimoji="1" lang="ja-JP" altLang="en-US" dirty="0" smtClean="0"/>
+              <a:rPr kumimoji="1" lang="ja-JP" altLang="en-US" dirty="0"/>
               <a:t>を計算しコサイン類似度が高い類似したコンテンツを探した結果、以下の表になった</a:t>
             </a:r>
-            <a:endParaRPr kumimoji="1" lang="en-US" altLang="ja-JP" dirty="0" smtClean="0"/>
+            <a:endParaRPr kumimoji="1" lang="en-US" altLang="ja-JP" dirty="0"/>
           </a:p>
         </p:txBody>
       </p:sp>
@@ -28364,8 +28636,20 @@
                 <a:tableStyleId>{5C22544A-7EE6-4342-B048-85BDC9FD1C3A}</a:tableStyleId>
               </a:tblPr>
               <a:tblGrid>
-                <a:gridCol w="2091933"/>
-                <a:gridCol w="2091933"/>
+                <a:gridCol w="2091933">
+                  <a:extLst>
+                    <a:ext uri="{9D8B030D-6E8A-4147-A177-3AD203B41FA5}">
+                      <a16:colId xmlns:a16="http://schemas.microsoft.com/office/drawing/2014/main" val="20000"/>
+                    </a:ext>
+                  </a:extLst>
+                </a:gridCol>
+                <a:gridCol w="2091933">
+                  <a:extLst>
+                    <a:ext uri="{9D8B030D-6E8A-4147-A177-3AD203B41FA5}">
+                      <a16:colId xmlns:a16="http://schemas.microsoft.com/office/drawing/2014/main" val="20001"/>
+                    </a:ext>
+                  </a:extLst>
+                </a:gridCol>
               </a:tblGrid>
               <a:tr h="370840">
                 <a:tc>
@@ -28375,7 +28659,7 @@
                     <a:p>
                       <a:pPr algn="ctr"/>
                       <a:r>
-                        <a:rPr kumimoji="1" lang="en-US" altLang="ja-JP" dirty="0" smtClean="0">
+                        <a:rPr kumimoji="1" lang="en-US" altLang="ja-JP" dirty="0">
                           <a:solidFill>
                             <a:schemeClr val="tx1"/>
                           </a:solidFill>
@@ -28383,14 +28667,105 @@
                         <a:t>Wiki</a:t>
                       </a:r>
                       <a:r>
-                        <a:rPr kumimoji="1" lang="ja-JP" altLang="en-US" dirty="0" smtClean="0">
+                        <a:rPr kumimoji="1" lang="ja-JP" altLang="en-US" dirty="0">
                           <a:solidFill>
                             <a:schemeClr val="tx1"/>
                           </a:solidFill>
                         </a:rPr>
                         <a:t>タイトル</a:t>
                       </a:r>
+                    </a:p>
+                  </a:txBody>
+                  <a:tcPr/>
+                </a:tc>
+                <a:tc>
+                  <a:txBody>
+                    <a:bodyPr/>
+                    <a:lstStyle/>
+                    <a:p>
+                      <a:pPr algn="ctr"/>
+                      <a:r>
+                        <a:rPr kumimoji="1" lang="ja-JP" altLang="en-US" dirty="0">
+                          <a:solidFill>
+                            <a:schemeClr val="tx1"/>
+                          </a:solidFill>
+                        </a:rPr>
+                        <a:t>コサイン類似度</a:t>
+                      </a:r>
+                    </a:p>
+                  </a:txBody>
+                  <a:tcPr/>
+                </a:tc>
+                <a:extLst>
+                  <a:ext uri="{0D108BD9-81ED-4DB2-BD59-A6C34878D82A}">
+                    <a16:rowId xmlns:a16="http://schemas.microsoft.com/office/drawing/2014/main" val="10000"/>
+                  </a:ext>
+                </a:extLst>
+              </a:tr>
+              <a:tr h="370840">
+                <a:tc>
+                  <a:txBody>
+                    <a:bodyPr/>
+                    <a:lstStyle/>
+                    <a:p>
+                      <a:pPr algn="ctr"/>
+                      <a:r>
+                        <a:rPr kumimoji="1" lang="ja-JP" altLang="en-US" dirty="0">
+                          <a:solidFill>
+                            <a:schemeClr val="tx1"/>
+                          </a:solidFill>
+                        </a:rPr>
+                        <a:t>浜崎あゆみ</a:t>
+                      </a:r>
+                    </a:p>
+                  </a:txBody>
+                  <a:tcPr/>
+                </a:tc>
+                <a:tc>
+                  <a:txBody>
+                    <a:bodyPr/>
+                    <a:lstStyle/>
+                    <a:p>
+                      <a:pPr algn="ctr"/>
+                      <a:r>
+                        <a:rPr kumimoji="1" lang="en-US" altLang="ja-JP" dirty="0">
+                          <a:solidFill>
+                            <a:schemeClr val="tx1"/>
+                          </a:solidFill>
+                        </a:rPr>
+                        <a:t>0.539</a:t>
+                      </a:r>
                       <a:endParaRPr kumimoji="1" lang="ja-JP" altLang="en-US" dirty="0">
+                        <a:solidFill>
+                          <a:schemeClr val="tx1"/>
+                        </a:solidFill>
+                      </a:endParaRPr>
+                    </a:p>
+                  </a:txBody>
+                  <a:tcPr/>
+                </a:tc>
+                <a:extLst>
+                  <a:ext uri="{0D108BD9-81ED-4DB2-BD59-A6C34878D82A}">
+                    <a16:rowId xmlns:a16="http://schemas.microsoft.com/office/drawing/2014/main" val="10001"/>
+                  </a:ext>
+                </a:extLst>
+              </a:tr>
+              <a:tr h="370840">
+                <a:tc>
+                  <a:txBody>
+                    <a:bodyPr/>
+                    <a:lstStyle/>
+                    <a:p>
+                      <a:pPr algn="ctr"/>
+                      <a:r>
+                        <a:rPr kumimoji="1" lang="ja-JP" altLang="en-US" dirty="0">
+                          <a:solidFill>
+                            <a:schemeClr val="tx1"/>
+                          </a:solidFill>
+                        </a:rPr>
+                        <a:t>中川翔子</a:t>
+                      </a:r>
+                      <a:endParaRPr kumimoji="1" lang="en-US" altLang="ja-JP" dirty="0">
                         <a:solidFill>
                           <a:schemeClr val="tx1"/>
                         </a:solidFill>
@@ -28406,103 +28781,7 @@
                     <a:p>
                       <a:pPr algn="ctr"/>
                       <a:r>
-                        <a:rPr kumimoji="1" lang="ja-JP" altLang="en-US" dirty="0" smtClean="0">
-                          <a:solidFill>
-                            <a:schemeClr val="tx1"/>
-                          </a:solidFill>
-                        </a:rPr>
-                        <a:t>コサイン類似度</a:t>
-                      </a:r>
-                      <a:endParaRPr kumimoji="1" lang="ja-JP" altLang="en-US" dirty="0">
-                        <a:solidFill>
-                          <a:schemeClr val="tx1"/>
-                        </a:solidFill>
-                      </a:endParaRPr>
-                    </a:p>
-                  </a:txBody>
-                  <a:tcPr/>
-                </a:tc>
-              </a:tr>
-              <a:tr h="370840">
-                <a:tc>
-                  <a:txBody>
-                    <a:bodyPr/>
-                    <a:lstStyle/>
-                    <a:p>
-                      <a:pPr algn="ctr"/>
-                      <a:r>
-                        <a:rPr kumimoji="1" lang="ja-JP" altLang="en-US" dirty="0" smtClean="0">
-                          <a:solidFill>
-                            <a:schemeClr val="tx1"/>
-                          </a:solidFill>
-                        </a:rPr>
-                        <a:t>浜崎あゆみ</a:t>
-                      </a:r>
-                      <a:endParaRPr kumimoji="1" lang="ja-JP" altLang="en-US" dirty="0">
-                        <a:solidFill>
-                          <a:schemeClr val="tx1"/>
-                        </a:solidFill>
-                      </a:endParaRPr>
-                    </a:p>
-                  </a:txBody>
-                  <a:tcPr/>
-                </a:tc>
-                <a:tc>
-                  <a:txBody>
-                    <a:bodyPr/>
-                    <a:lstStyle/>
-                    <a:p>
-                      <a:pPr algn="ctr"/>
-                      <a:r>
-                        <a:rPr kumimoji="1" lang="en-US" altLang="ja-JP" dirty="0" smtClean="0">
-                          <a:solidFill>
-                            <a:schemeClr val="tx1"/>
-                          </a:solidFill>
-                        </a:rPr>
-                        <a:t>0.539</a:t>
-                      </a:r>
-                      <a:endParaRPr kumimoji="1" lang="ja-JP" altLang="en-US" dirty="0">
-                        <a:solidFill>
-                          <a:schemeClr val="tx1"/>
-                        </a:solidFill>
-                      </a:endParaRPr>
-                    </a:p>
-                  </a:txBody>
-                  <a:tcPr/>
-                </a:tc>
-              </a:tr>
-              <a:tr h="370840">
-                <a:tc>
-                  <a:txBody>
-                    <a:bodyPr/>
-                    <a:lstStyle/>
-                    <a:p>
-                      <a:pPr algn="ctr"/>
-                      <a:r>
-                        <a:rPr kumimoji="1" lang="ja-JP" altLang="en-US" dirty="0" smtClean="0">
-                          <a:solidFill>
-                            <a:schemeClr val="tx1"/>
-                          </a:solidFill>
-                        </a:rPr>
-                        <a:t>中川翔子</a:t>
-                      </a:r>
-                      <a:endParaRPr kumimoji="1" lang="en-US" altLang="ja-JP" dirty="0" smtClean="0">
-                        <a:solidFill>
-                          <a:schemeClr val="tx1"/>
-                        </a:solidFill>
-                      </a:endParaRPr>
-                    </a:p>
-                  </a:txBody>
-                  <a:tcPr/>
-                </a:tc>
-                <a:tc>
-                  <a:txBody>
-                    <a:bodyPr/>
-                    <a:lstStyle/>
-                    <a:p>
-                      <a:pPr algn="ctr"/>
-                      <a:r>
-                        <a:rPr kumimoji="1" lang="en-US" altLang="ja-JP" dirty="0" smtClean="0">
+                        <a:rPr kumimoji="1" lang="en-US" altLang="ja-JP" dirty="0">
                           <a:solidFill>
                             <a:schemeClr val="tx1"/>
                           </a:solidFill>
@@ -28518,6 +28797,11 @@
                   </a:txBody>
                   <a:tcPr/>
                 </a:tc>
+                <a:extLst>
+                  <a:ext uri="{0D108BD9-81ED-4DB2-BD59-A6C34878D82A}">
+                    <a16:rowId xmlns:a16="http://schemas.microsoft.com/office/drawing/2014/main" val="10002"/>
+                  </a:ext>
+                </a:extLst>
               </a:tr>
               <a:tr h="370840">
                 <a:tc>
@@ -28527,18 +28811,13 @@
                     <a:p>
                       <a:pPr algn="ctr"/>
                       <a:r>
-                        <a:rPr kumimoji="1" lang="ja-JP" altLang="en-US" dirty="0" smtClean="0">
+                        <a:rPr kumimoji="1" lang="ja-JP" altLang="en-US" dirty="0">
                           <a:solidFill>
                             <a:schemeClr val="tx1"/>
                           </a:solidFill>
                         </a:rPr>
                         <a:t>坂井泉水</a:t>
                       </a:r>
-                      <a:endParaRPr kumimoji="1" lang="ja-JP" altLang="en-US" dirty="0">
-                        <a:solidFill>
-                          <a:schemeClr val="tx1"/>
-                        </a:solidFill>
-                      </a:endParaRPr>
                     </a:p>
                   </a:txBody>
                   <a:tcPr/>
@@ -28550,7 +28829,7 @@
                     <a:p>
                       <a:pPr algn="ctr"/>
                       <a:r>
-                        <a:rPr kumimoji="1" lang="en-US" altLang="ja-JP" dirty="0" smtClean="0">
+                        <a:rPr kumimoji="1" lang="en-US" altLang="ja-JP" dirty="0">
                           <a:solidFill>
                             <a:schemeClr val="tx1"/>
                           </a:solidFill>
@@ -28566,6 +28845,11 @@
                   </a:txBody>
                   <a:tcPr/>
                 </a:tc>
+                <a:extLst>
+                  <a:ext uri="{0D108BD9-81ED-4DB2-BD59-A6C34878D82A}">
+                    <a16:rowId xmlns:a16="http://schemas.microsoft.com/office/drawing/2014/main" val="10003"/>
+                  </a:ext>
+                </a:extLst>
               </a:tr>
               <a:tr h="370840">
                 <a:tc>
@@ -28575,18 +28859,13 @@
                     <a:p>
                       <a:pPr algn="ctr"/>
                       <a:r>
-                        <a:rPr kumimoji="1" lang="ja-JP" altLang="en-US" dirty="0" smtClean="0">
+                        <a:rPr kumimoji="1" lang="ja-JP" altLang="en-US" dirty="0">
                           <a:solidFill>
                             <a:schemeClr val="tx1"/>
                           </a:solidFill>
                         </a:rPr>
                         <a:t>アーバンギャルド</a:t>
                       </a:r>
-                      <a:endParaRPr kumimoji="1" lang="ja-JP" altLang="en-US" dirty="0">
-                        <a:solidFill>
-                          <a:schemeClr val="tx1"/>
-                        </a:solidFill>
-                      </a:endParaRPr>
                     </a:p>
                   </a:txBody>
                   <a:tcPr/>
@@ -28598,7 +28877,7 @@
                     <a:p>
                       <a:pPr algn="ctr"/>
                       <a:r>
-                        <a:rPr kumimoji="1" lang="en-US" altLang="ja-JP" dirty="0" smtClean="0">
+                        <a:rPr kumimoji="1" lang="en-US" altLang="ja-JP" dirty="0">
                           <a:solidFill>
                             <a:schemeClr val="tx1"/>
                           </a:solidFill>
@@ -28614,6 +28893,11 @@
                   </a:txBody>
                   <a:tcPr/>
                 </a:tc>
+                <a:extLst>
+                  <a:ext uri="{0D108BD9-81ED-4DB2-BD59-A6C34878D82A}">
+                    <a16:rowId xmlns:a16="http://schemas.microsoft.com/office/drawing/2014/main" val="10004"/>
+                  </a:ext>
+                </a:extLst>
               </a:tr>
               <a:tr h="370840">
                 <a:tc>
@@ -28623,18 +28907,13 @@
                     <a:p>
                       <a:pPr algn="ctr"/>
                       <a:r>
-                        <a:rPr kumimoji="1" lang="ja-JP" altLang="en-US" dirty="0" smtClean="0">
+                        <a:rPr kumimoji="1" lang="ja-JP" altLang="en-US" dirty="0">
                           <a:solidFill>
                             <a:schemeClr val="tx1"/>
                           </a:solidFill>
                         </a:rPr>
                         <a:t>椎名林檎</a:t>
                       </a:r>
-                      <a:endParaRPr kumimoji="1" lang="ja-JP" altLang="en-US" dirty="0">
-                        <a:solidFill>
-                          <a:schemeClr val="tx1"/>
-                        </a:solidFill>
-                      </a:endParaRPr>
                     </a:p>
                   </a:txBody>
                   <a:tcPr/>
@@ -28646,7 +28925,7 @@
                     <a:p>
                       <a:pPr algn="ctr"/>
                       <a:r>
-                        <a:rPr kumimoji="1" lang="en-US" altLang="ja-JP" dirty="0" smtClean="0">
+                        <a:rPr kumimoji="1" lang="en-US" altLang="ja-JP" dirty="0">
                           <a:solidFill>
                             <a:schemeClr val="tx1"/>
                           </a:solidFill>
@@ -28662,6 +28941,11 @@
                   </a:txBody>
                   <a:tcPr/>
                 </a:tc>
+                <a:extLst>
+                  <a:ext uri="{0D108BD9-81ED-4DB2-BD59-A6C34878D82A}">
+                    <a16:rowId xmlns:a16="http://schemas.microsoft.com/office/drawing/2014/main" val="10005"/>
+                  </a:ext>
+                </a:extLst>
               </a:tr>
             </a:tbl>
           </a:graphicData>
@@ -28672,7 +28956,7 @@
           <p:cNvPr id="14" name="テキスト ボックス 13">
             <a:extLst>
               <a:ext uri="{FF2B5EF4-FFF2-40B4-BE49-F238E27FC236}">
-                <a16:creationId xmlns:a16="http://schemas.microsoft.com/office/drawing/2014/main" xmlns="" id="{780EB33D-AB7A-644C-BF62-6411655FBFD6}"/>
+                <a16:creationId xmlns:a16="http://schemas.microsoft.com/office/drawing/2014/main" id="{780EB33D-AB7A-644C-BF62-6411655FBFD6}"/>
               </a:ext>
             </a:extLst>
           </p:cNvPr>
@@ -28709,23 +28993,7 @@
             </a:r>
             <a:r>
               <a:rPr lang="en-US" altLang="ja-JP" sz="2800" dirty="0"/>
-              <a:t>(</a:t>
-            </a:r>
-            <a:r>
-              <a:rPr lang="en-US" altLang="ja-JP" sz="2800" dirty="0" smtClean="0"/>
-              <a:t>③</a:t>
-            </a:r>
-            <a:r>
-              <a:rPr lang="en-US" altLang="ja-JP" sz="2800" dirty="0" smtClean="0"/>
-              <a:t>doc</a:t>
-            </a:r>
-            <a:r>
-              <a:rPr lang="en-US" altLang="ja-JP" sz="2800" dirty="0" smtClean="0"/>
-              <a:t>2vec</a:t>
-            </a:r>
-            <a:r>
-              <a:rPr lang="en-US" altLang="ja-JP" sz="2800" dirty="0"/>
-              <a:t>)</a:t>
+              <a:t>(③doc2vec)</a:t>
             </a:r>
             <a:endParaRPr lang="ja-JP" altLang="en-US" sz="2800" dirty="0"/>
           </a:p>
@@ -28741,13 +29009,6 @@
   <p:clrMapOvr>
     <a:masterClrMapping/>
   </p:clrMapOvr>
-  <p:timing>
-    <p:tnLst>
-      <p:par>
-        <p:cTn id="1" dur="indefinite" restart="never" nodeType="tmRoot"/>
-      </p:par>
-    </p:tnLst>
-  </p:timing>
 </p:sld>
 </file>
 
@@ -28791,10 +29052,9 @@
           <a:lstStyle/>
           <a:p>
             <a:r>
-              <a:rPr kumimoji="1" lang="ja-JP" altLang="en-US" dirty="0" smtClean="0"/>
+              <a:rPr kumimoji="1" lang="ja-JP" altLang="en-US" dirty="0"/>
               <a:t>分散表現を得るための手法</a:t>
             </a:r>
-            <a:endParaRPr kumimoji="1" lang="ja-JP" altLang="en-US" dirty="0"/>
           </a:p>
         </p:txBody>
       </p:sp>
@@ -28821,7 +29081,7 @@
           <a:lstStyle/>
           <a:p>
             <a:r>
-              <a:rPr kumimoji="1" lang="en-US" altLang="ja-JP" dirty="0" err="1" smtClean="0"/>
+              <a:rPr kumimoji="1" lang="en-US" altLang="ja-JP" dirty="0" err="1"/>
               <a:t>dmpv</a:t>
             </a:r>
             <a:endParaRPr kumimoji="1" lang="ja-JP" altLang="en-US" dirty="0"/>
@@ -28851,7 +29111,7 @@
           <a:lstStyle/>
           <a:p>
             <a:r>
-              <a:rPr kumimoji="1" lang="en-US" altLang="ja-JP" smtClean="0"/>
+              <a:rPr kumimoji="1" lang="en-US" altLang="ja-JP"/>
               <a:t>DBoW</a:t>
             </a:r>
             <a:endParaRPr kumimoji="1" lang="ja-JP" altLang="en-US" dirty="0"/>
@@ -28881,18 +29141,17 @@
           <a:lstStyle/>
           <a:p>
             <a:r>
-              <a:rPr kumimoji="1" lang="ja-JP" altLang="en-US" dirty="0" smtClean="0"/>
+              <a:rPr kumimoji="1" lang="ja-JP" altLang="en-US" dirty="0"/>
               <a:t>の</a:t>
             </a:r>
             <a:r>
-              <a:rPr kumimoji="1" lang="en-US" altLang="ja-JP" dirty="0" smtClean="0"/>
+              <a:rPr kumimoji="1" lang="en-US" altLang="ja-JP" dirty="0"/>
               <a:t>2</a:t>
             </a:r>
             <a:r>
-              <a:rPr kumimoji="1" lang="ja-JP" altLang="en-US" dirty="0" smtClean="0"/>
+              <a:rPr kumimoji="1" lang="ja-JP" altLang="en-US" dirty="0"/>
               <a:t>つが存在</a:t>
             </a:r>
-            <a:endParaRPr kumimoji="1" lang="ja-JP" altLang="en-US" dirty="0"/>
           </a:p>
         </p:txBody>
       </p:sp>
@@ -28919,14 +29178,13 @@
           <a:lstStyle/>
           <a:p>
             <a:r>
-              <a:rPr kumimoji="1" lang="en-US" altLang="ja-JP" dirty="0" err="1" smtClean="0"/>
+              <a:rPr kumimoji="1" lang="en-US" altLang="ja-JP" dirty="0" err="1"/>
               <a:t>DBoW</a:t>
             </a:r>
             <a:r>
-              <a:rPr kumimoji="1" lang="ja-JP" altLang="en-US" dirty="0" smtClean="0"/>
+              <a:rPr kumimoji="1" lang="ja-JP" altLang="en-US" dirty="0"/>
               <a:t>は単語の順序を考慮しないシンプルなモデルで計算コストが低い</a:t>
             </a:r>
-            <a:endParaRPr kumimoji="1" lang="ja-JP" altLang="en-US" dirty="0"/>
           </a:p>
         </p:txBody>
       </p:sp>
@@ -28954,25 +29212,20 @@
           <a:p>
             <a:r>
               <a:rPr kumimoji="1" lang="en-US" altLang="ja-JP" dirty="0" err="1"/>
-              <a:t>d</a:t>
-            </a:r>
-            <a:r>
-              <a:rPr kumimoji="1" lang="en-US" altLang="ja-JP" dirty="0" err="1" smtClean="0"/>
-              <a:t>mpv</a:t>
-            </a:r>
-            <a:r>
-              <a:rPr kumimoji="1" lang="ja-JP" altLang="en-US" dirty="0" smtClean="0"/>
+              <a:t>dmpv</a:t>
+            </a:r>
+            <a:r>
+              <a:rPr kumimoji="1" lang="ja-JP" altLang="en-US" dirty="0"/>
               <a:t>は</a:t>
             </a:r>
             <a:r>
-              <a:rPr kumimoji="1" lang="en-US" altLang="ja-JP" dirty="0" err="1" smtClean="0"/>
+              <a:rPr kumimoji="1" lang="en-US" altLang="ja-JP" dirty="0" err="1"/>
               <a:t>DBoW</a:t>
             </a:r>
             <a:r>
-              <a:rPr kumimoji="1" lang="ja-JP" altLang="en-US" dirty="0" smtClean="0"/>
+              <a:rPr kumimoji="1" lang="ja-JP" altLang="en-US" dirty="0"/>
               <a:t>と比べると少し複雑でより多くのパラメータが必要となる</a:t>
             </a:r>
-            <a:endParaRPr kumimoji="1" lang="ja-JP" altLang="en-US" dirty="0"/>
           </a:p>
         </p:txBody>
       </p:sp>
@@ -28981,7 +29234,7 @@
           <p:cNvPr id="11" name="テキスト ボックス 10">
             <a:extLst>
               <a:ext uri="{FF2B5EF4-FFF2-40B4-BE49-F238E27FC236}">
-                <a16:creationId xmlns:a16="http://schemas.microsoft.com/office/drawing/2014/main" xmlns="" id="{780EB33D-AB7A-644C-BF62-6411655FBFD6}"/>
+                <a16:creationId xmlns:a16="http://schemas.microsoft.com/office/drawing/2014/main" id="{780EB33D-AB7A-644C-BF62-6411655FBFD6}"/>
               </a:ext>
             </a:extLst>
           </p:cNvPr>
@@ -29018,23 +29271,7 @@
             </a:r>
             <a:r>
               <a:rPr lang="en-US" altLang="ja-JP" sz="2800" dirty="0"/>
-              <a:t>(</a:t>
-            </a:r>
-            <a:r>
-              <a:rPr lang="en-US" altLang="ja-JP" sz="2800" dirty="0" smtClean="0"/>
-              <a:t>③</a:t>
-            </a:r>
-            <a:r>
-              <a:rPr lang="en-US" altLang="ja-JP" sz="2800" dirty="0" smtClean="0"/>
-              <a:t>doc</a:t>
-            </a:r>
-            <a:r>
-              <a:rPr lang="en-US" altLang="ja-JP" sz="2800" dirty="0" smtClean="0"/>
-              <a:t>2vec</a:t>
-            </a:r>
-            <a:r>
-              <a:rPr lang="en-US" altLang="ja-JP" sz="2800" dirty="0"/>
-              <a:t>)</a:t>
+              <a:t>(③doc2vec)</a:t>
             </a:r>
             <a:endParaRPr lang="ja-JP" altLang="en-US" sz="2800" dirty="0"/>
           </a:p>
@@ -29050,13 +29287,6 @@
   <p:clrMapOvr>
     <a:masterClrMapping/>
   </p:clrMapOvr>
-  <p:timing>
-    <p:tnLst>
-      <p:par>
-        <p:cTn id="1" dur="indefinite" restart="never" nodeType="tmRoot"/>
-      </p:par>
-    </p:tnLst>
-  </p:timing>
 </p:sld>
 </file>
 
@@ -29100,7 +29330,7 @@
           <a:lstStyle/>
           <a:p>
             <a:r>
-              <a:rPr kumimoji="1" lang="en-US" altLang="ja-JP" dirty="0" err="1" smtClean="0"/>
+              <a:rPr kumimoji="1" lang="en-US" altLang="ja-JP" dirty="0" err="1"/>
               <a:t>dmpv</a:t>
             </a:r>
             <a:endParaRPr kumimoji="1" lang="ja-JP" altLang="en-US" dirty="0"/>
@@ -29130,22 +29360,21 @@
           <a:lstStyle/>
           <a:p>
             <a:r>
-              <a:rPr kumimoji="1" lang="en-US" altLang="ja-JP" dirty="0" smtClean="0"/>
+              <a:rPr kumimoji="1" lang="en-US" altLang="ja-JP" dirty="0"/>
               <a:t>Word2Vec</a:t>
             </a:r>
             <a:r>
-              <a:rPr kumimoji="1" lang="ja-JP" altLang="en-US" dirty="0" smtClean="0"/>
+              <a:rPr kumimoji="1" lang="ja-JP" altLang="en-US" dirty="0"/>
               <a:t>の</a:t>
             </a:r>
             <a:r>
-              <a:rPr kumimoji="1" lang="en-US" altLang="ja-JP" dirty="0" err="1" smtClean="0"/>
+              <a:rPr kumimoji="1" lang="en-US" altLang="ja-JP" dirty="0" err="1"/>
               <a:t>CBoW</a:t>
             </a:r>
             <a:r>
-              <a:rPr kumimoji="1" lang="ja-JP" altLang="en-US" dirty="0" smtClean="0"/>
+              <a:rPr kumimoji="1" lang="ja-JP" altLang="en-US" dirty="0"/>
               <a:t>と似ている</a:t>
             </a:r>
-            <a:endParaRPr kumimoji="1" lang="ja-JP" altLang="en-US" dirty="0"/>
           </a:p>
         </p:txBody>
       </p:sp>
@@ -29172,23 +29401,23 @@
           <a:lstStyle/>
           <a:p>
             <a:r>
-              <a:rPr kumimoji="1" lang="en-US" altLang="ja-JP" dirty="0" err="1" smtClean="0"/>
+              <a:rPr kumimoji="1" lang="en-US" altLang="ja-JP" dirty="0" err="1"/>
               <a:t>CBoW</a:t>
             </a:r>
             <a:r>
-              <a:rPr kumimoji="1" lang="ja-JP" altLang="en-US" dirty="0" smtClean="0"/>
+              <a:rPr kumimoji="1" lang="ja-JP" altLang="en-US" dirty="0"/>
               <a:t>は前後の単語から対象単語を推測する</a:t>
             </a:r>
             <a:r>
-              <a:rPr kumimoji="1" lang="en-US" altLang="ja-JP" dirty="0" smtClean="0"/>
+              <a:rPr kumimoji="1" lang="en-US" altLang="ja-JP" dirty="0"/>
               <a:t>3</a:t>
             </a:r>
             <a:r>
-              <a:rPr kumimoji="1" lang="ja-JP" altLang="en-US" dirty="0" smtClean="0"/>
+              <a:rPr kumimoji="1" lang="ja-JP" altLang="en-US" dirty="0"/>
               <a:t>層</a:t>
             </a:r>
             <a:r>
-              <a:rPr kumimoji="1" lang="en-US" altLang="ja-JP" dirty="0" smtClean="0"/>
+              <a:rPr kumimoji="1" lang="en-US" altLang="ja-JP" dirty="0"/>
               <a:t>NN</a:t>
             </a:r>
             <a:endParaRPr kumimoji="1" lang="ja-JP" altLang="en-US" dirty="0"/>
@@ -29219,25 +29448,20 @@
           <a:p>
             <a:r>
               <a:rPr kumimoji="1" lang="en-US" altLang="ja-JP" dirty="0" err="1"/>
-              <a:t>d</a:t>
-            </a:r>
-            <a:r>
-              <a:rPr kumimoji="1" lang="en-US" altLang="ja-JP" dirty="0" err="1" smtClean="0"/>
-              <a:t>mpv</a:t>
-            </a:r>
-            <a:r>
-              <a:rPr kumimoji="1" lang="ja-JP" altLang="en-US" dirty="0" smtClean="0"/>
+              <a:t>dmpv</a:t>
+            </a:r>
+            <a:r>
+              <a:rPr kumimoji="1" lang="ja-JP" altLang="en-US" dirty="0"/>
               <a:t>は</a:t>
             </a:r>
             <a:r>
-              <a:rPr kumimoji="1" lang="en-US" altLang="ja-JP" dirty="0" err="1" smtClean="0"/>
+              <a:rPr kumimoji="1" lang="en-US" altLang="ja-JP" dirty="0" err="1"/>
               <a:t>CBoW</a:t>
             </a:r>
             <a:r>
-              <a:rPr kumimoji="1" lang="ja-JP" altLang="en-US" dirty="0" smtClean="0"/>
+              <a:rPr kumimoji="1" lang="ja-JP" altLang="en-US" dirty="0"/>
               <a:t>の応用で入力ベクトルに単語ベクトルだけでなく</a:t>
             </a:r>
-            <a:endParaRPr kumimoji="1" lang="ja-JP" altLang="en-US" dirty="0"/>
           </a:p>
         </p:txBody>
       </p:sp>
@@ -29264,18 +29488,17 @@
           <a:lstStyle/>
           <a:p>
             <a:r>
-              <a:rPr kumimoji="1" lang="ja-JP" altLang="en-US" dirty="0" smtClean="0"/>
+              <a:rPr kumimoji="1" lang="ja-JP" altLang="en-US" dirty="0"/>
               <a:t>ドキュメント</a:t>
             </a:r>
             <a:r>
-              <a:rPr kumimoji="1" lang="en-US" altLang="ja-JP" dirty="0" smtClean="0"/>
+              <a:rPr kumimoji="1" lang="en-US" altLang="ja-JP" dirty="0"/>
               <a:t>ID</a:t>
             </a:r>
             <a:r>
-              <a:rPr kumimoji="1" lang="ja-JP" altLang="en-US" dirty="0" smtClean="0"/>
+              <a:rPr kumimoji="1" lang="ja-JP" altLang="en-US" dirty="0"/>
               <a:t>を付加したもの</a:t>
             </a:r>
-            <a:endParaRPr kumimoji="1" lang="ja-JP" altLang="en-US" dirty="0"/>
           </a:p>
         </p:txBody>
       </p:sp>
@@ -29284,7 +29507,7 @@
           <p:cNvPr id="9" name="テキスト ボックス 8">
             <a:extLst>
               <a:ext uri="{FF2B5EF4-FFF2-40B4-BE49-F238E27FC236}">
-                <a16:creationId xmlns:a16="http://schemas.microsoft.com/office/drawing/2014/main" xmlns="" id="{780EB33D-AB7A-644C-BF62-6411655FBFD6}"/>
+                <a16:creationId xmlns:a16="http://schemas.microsoft.com/office/drawing/2014/main" id="{780EB33D-AB7A-644C-BF62-6411655FBFD6}"/>
               </a:ext>
             </a:extLst>
           </p:cNvPr>
@@ -29321,23 +29544,7 @@
             </a:r>
             <a:r>
               <a:rPr lang="en-US" altLang="ja-JP" sz="2800" dirty="0"/>
-              <a:t>(</a:t>
-            </a:r>
-            <a:r>
-              <a:rPr lang="en-US" altLang="ja-JP" sz="2800" dirty="0" smtClean="0"/>
-              <a:t>③</a:t>
-            </a:r>
-            <a:r>
-              <a:rPr lang="en-US" altLang="ja-JP" sz="2800" dirty="0" smtClean="0"/>
-              <a:t>doc</a:t>
-            </a:r>
-            <a:r>
-              <a:rPr lang="en-US" altLang="ja-JP" sz="2800" dirty="0" smtClean="0"/>
-              <a:t>2vec</a:t>
-            </a:r>
-            <a:r>
-              <a:rPr lang="en-US" altLang="ja-JP" sz="2800" dirty="0"/>
-              <a:t>)</a:t>
+              <a:t>(③doc2vec)</a:t>
             </a:r>
             <a:endParaRPr lang="ja-JP" altLang="en-US" sz="2800" dirty="0"/>
           </a:p>
@@ -29366,7 +29573,7 @@
           <a:lstStyle/>
           <a:p>
             <a:r>
-              <a:rPr lang="en-US" altLang="ja-JP" dirty="0" err="1" smtClean="0"/>
+              <a:rPr lang="en-US" altLang="ja-JP" dirty="0" err="1"/>
               <a:t>dmpv</a:t>
             </a:r>
             <a:endParaRPr kumimoji="1" lang="ja-JP" altLang="en-US" dirty="0"/>
@@ -29383,13 +29590,6 @@
   <p:clrMapOvr>
     <a:masterClrMapping/>
   </p:clrMapOvr>
-  <p:timing>
-    <p:tnLst>
-      <p:par>
-        <p:cTn id="1" dur="indefinite" restart="never" nodeType="tmRoot"/>
-      </p:par>
-    </p:tnLst>
-  </p:timing>
 </p:sld>
 </file>
 
@@ -29431,7 +29631,13 @@
                 <a:tableStyleId>{3C2FFA5D-87B4-456A-9821-1D502468CF0F}</a:tableStyleId>
               </a:tblPr>
               <a:tblGrid>
-                <a:gridCol w="208280"/>
+                <a:gridCol w="208280">
+                  <a:extLst>
+                    <a:ext uri="{9D8B030D-6E8A-4147-A177-3AD203B41FA5}">
+                      <a16:colId xmlns:a16="http://schemas.microsoft.com/office/drawing/2014/main" val="20000"/>
+                    </a:ext>
+                  </a:extLst>
+                </a:gridCol>
               </a:tblGrid>
               <a:tr h="208800">
                 <a:tc>
@@ -29484,6 +29690,11 @@
                     </a:solidFill>
                   </a:tcPr>
                 </a:tc>
+                <a:extLst>
+                  <a:ext uri="{0D108BD9-81ED-4DB2-BD59-A6C34878D82A}">
+                    <a16:rowId xmlns:a16="http://schemas.microsoft.com/office/drawing/2014/main" val="10000"/>
+                  </a:ext>
+                </a:extLst>
               </a:tr>
               <a:tr h="208800">
                 <a:tc>
@@ -29539,6 +29750,11 @@
                     </a:solidFill>
                   </a:tcPr>
                 </a:tc>
+                <a:extLst>
+                  <a:ext uri="{0D108BD9-81ED-4DB2-BD59-A6C34878D82A}">
+                    <a16:rowId xmlns:a16="http://schemas.microsoft.com/office/drawing/2014/main" val="10001"/>
+                  </a:ext>
+                </a:extLst>
               </a:tr>
               <a:tr h="208800">
                 <a:tc>
@@ -29594,6 +29810,11 @@
                     </a:solidFill>
                   </a:tcPr>
                 </a:tc>
+                <a:extLst>
+                  <a:ext uri="{0D108BD9-81ED-4DB2-BD59-A6C34878D82A}">
+                    <a16:rowId xmlns:a16="http://schemas.microsoft.com/office/drawing/2014/main" val="10002"/>
+                  </a:ext>
+                </a:extLst>
               </a:tr>
               <a:tr h="208800">
                 <a:tc>
@@ -29649,6 +29870,11 @@
                     </a:solidFill>
                   </a:tcPr>
                 </a:tc>
+                <a:extLst>
+                  <a:ext uri="{0D108BD9-81ED-4DB2-BD59-A6C34878D82A}">
+                    <a16:rowId xmlns:a16="http://schemas.microsoft.com/office/drawing/2014/main" val="10003"/>
+                  </a:ext>
+                </a:extLst>
               </a:tr>
               <a:tr h="208800">
                 <a:tc>
@@ -29704,6 +29930,11 @@
                     </a:solidFill>
                   </a:tcPr>
                 </a:tc>
+                <a:extLst>
+                  <a:ext uri="{0D108BD9-81ED-4DB2-BD59-A6C34878D82A}">
+                    <a16:rowId xmlns:a16="http://schemas.microsoft.com/office/drawing/2014/main" val="10004"/>
+                  </a:ext>
+                </a:extLst>
               </a:tr>
             </a:tbl>
           </a:graphicData>
@@ -29730,7 +29961,13 @@
                 <a:tableStyleId>{3C2FFA5D-87B4-456A-9821-1D502468CF0F}</a:tableStyleId>
               </a:tblPr>
               <a:tblGrid>
-                <a:gridCol w="208280"/>
+                <a:gridCol w="208280">
+                  <a:extLst>
+                    <a:ext uri="{9D8B030D-6E8A-4147-A177-3AD203B41FA5}">
+                      <a16:colId xmlns:a16="http://schemas.microsoft.com/office/drawing/2014/main" val="20000"/>
+                    </a:ext>
+                  </a:extLst>
+                </a:gridCol>
               </a:tblGrid>
               <a:tr h="208800">
                 <a:tc>
@@ -29786,6 +30023,11 @@
                     </a:solidFill>
                   </a:tcPr>
                 </a:tc>
+                <a:extLst>
+                  <a:ext uri="{0D108BD9-81ED-4DB2-BD59-A6C34878D82A}">
+                    <a16:rowId xmlns:a16="http://schemas.microsoft.com/office/drawing/2014/main" val="10000"/>
+                  </a:ext>
+                </a:extLst>
               </a:tr>
               <a:tr h="208800">
                 <a:tc>
@@ -29838,6 +30080,11 @@
                     </a:solidFill>
                   </a:tcPr>
                 </a:tc>
+                <a:extLst>
+                  <a:ext uri="{0D108BD9-81ED-4DB2-BD59-A6C34878D82A}">
+                    <a16:rowId xmlns:a16="http://schemas.microsoft.com/office/drawing/2014/main" val="10001"/>
+                  </a:ext>
+                </a:extLst>
               </a:tr>
               <a:tr h="208800">
                 <a:tc>
@@ -29893,6 +30140,11 @@
                     </a:solidFill>
                   </a:tcPr>
                 </a:tc>
+                <a:extLst>
+                  <a:ext uri="{0D108BD9-81ED-4DB2-BD59-A6C34878D82A}">
+                    <a16:rowId xmlns:a16="http://schemas.microsoft.com/office/drawing/2014/main" val="10002"/>
+                  </a:ext>
+                </a:extLst>
               </a:tr>
               <a:tr h="208800">
                 <a:tc>
@@ -29948,6 +30200,11 @@
                     </a:solidFill>
                   </a:tcPr>
                 </a:tc>
+                <a:extLst>
+                  <a:ext uri="{0D108BD9-81ED-4DB2-BD59-A6C34878D82A}">
+                    <a16:rowId xmlns:a16="http://schemas.microsoft.com/office/drawing/2014/main" val="10003"/>
+                  </a:ext>
+                </a:extLst>
               </a:tr>
               <a:tr h="208800">
                 <a:tc>
@@ -30003,6 +30260,11 @@
                     </a:solidFill>
                   </a:tcPr>
                 </a:tc>
+                <a:extLst>
+                  <a:ext uri="{0D108BD9-81ED-4DB2-BD59-A6C34878D82A}">
+                    <a16:rowId xmlns:a16="http://schemas.microsoft.com/office/drawing/2014/main" val="10004"/>
+                  </a:ext>
+                </a:extLst>
               </a:tr>
             </a:tbl>
           </a:graphicData>
@@ -30029,7 +30291,13 @@
                 <a:tableStyleId>{3C2FFA5D-87B4-456A-9821-1D502468CF0F}</a:tableStyleId>
               </a:tblPr>
               <a:tblGrid>
-                <a:gridCol w="208280"/>
+                <a:gridCol w="208280">
+                  <a:extLst>
+                    <a:ext uri="{9D8B030D-6E8A-4147-A177-3AD203B41FA5}">
+                      <a16:colId xmlns:a16="http://schemas.microsoft.com/office/drawing/2014/main" val="20000"/>
+                    </a:ext>
+                  </a:extLst>
+                </a:gridCol>
               </a:tblGrid>
               <a:tr h="208800">
                 <a:tc>
@@ -30085,6 +30353,11 @@
                     </a:solidFill>
                   </a:tcPr>
                 </a:tc>
+                <a:extLst>
+                  <a:ext uri="{0D108BD9-81ED-4DB2-BD59-A6C34878D82A}">
+                    <a16:rowId xmlns:a16="http://schemas.microsoft.com/office/drawing/2014/main" val="10000"/>
+                  </a:ext>
+                </a:extLst>
               </a:tr>
               <a:tr h="208800">
                 <a:tc>
@@ -30140,6 +30413,11 @@
                     </a:solidFill>
                   </a:tcPr>
                 </a:tc>
+                <a:extLst>
+                  <a:ext uri="{0D108BD9-81ED-4DB2-BD59-A6C34878D82A}">
+                    <a16:rowId xmlns:a16="http://schemas.microsoft.com/office/drawing/2014/main" val="10001"/>
+                  </a:ext>
+                </a:extLst>
               </a:tr>
               <a:tr h="208800">
                 <a:tc>
@@ -30195,6 +30473,11 @@
                     </a:solidFill>
                   </a:tcPr>
                 </a:tc>
+                <a:extLst>
+                  <a:ext uri="{0D108BD9-81ED-4DB2-BD59-A6C34878D82A}">
+                    <a16:rowId xmlns:a16="http://schemas.microsoft.com/office/drawing/2014/main" val="10002"/>
+                  </a:ext>
+                </a:extLst>
               </a:tr>
               <a:tr h="208800">
                 <a:tc>
@@ -30247,6 +30530,11 @@
                     </a:solidFill>
                   </a:tcPr>
                 </a:tc>
+                <a:extLst>
+                  <a:ext uri="{0D108BD9-81ED-4DB2-BD59-A6C34878D82A}">
+                    <a16:rowId xmlns:a16="http://schemas.microsoft.com/office/drawing/2014/main" val="10003"/>
+                  </a:ext>
+                </a:extLst>
               </a:tr>
               <a:tr h="208800">
                 <a:tc>
@@ -30302,6 +30590,11 @@
                     </a:solidFill>
                   </a:tcPr>
                 </a:tc>
+                <a:extLst>
+                  <a:ext uri="{0D108BD9-81ED-4DB2-BD59-A6C34878D82A}">
+                    <a16:rowId xmlns:a16="http://schemas.microsoft.com/office/drawing/2014/main" val="10004"/>
+                  </a:ext>
+                </a:extLst>
               </a:tr>
             </a:tbl>
           </a:graphicData>
@@ -30328,7 +30621,13 @@
                 <a:tableStyleId>{3C2FFA5D-87B4-456A-9821-1D502468CF0F}</a:tableStyleId>
               </a:tblPr>
               <a:tblGrid>
-                <a:gridCol w="208280"/>
+                <a:gridCol w="208280">
+                  <a:extLst>
+                    <a:ext uri="{9D8B030D-6E8A-4147-A177-3AD203B41FA5}">
+                      <a16:colId xmlns:a16="http://schemas.microsoft.com/office/drawing/2014/main" val="20000"/>
+                    </a:ext>
+                  </a:extLst>
+                </a:gridCol>
               </a:tblGrid>
               <a:tr h="208800">
                 <a:tc>
@@ -30384,6 +30683,11 @@
                     </a:solidFill>
                   </a:tcPr>
                 </a:tc>
+                <a:extLst>
+                  <a:ext uri="{0D108BD9-81ED-4DB2-BD59-A6C34878D82A}">
+                    <a16:rowId xmlns:a16="http://schemas.microsoft.com/office/drawing/2014/main" val="10000"/>
+                  </a:ext>
+                </a:extLst>
               </a:tr>
               <a:tr h="208800">
                 <a:tc>
@@ -30439,6 +30743,11 @@
                     </a:solidFill>
                   </a:tcPr>
                 </a:tc>
+                <a:extLst>
+                  <a:ext uri="{0D108BD9-81ED-4DB2-BD59-A6C34878D82A}">
+                    <a16:rowId xmlns:a16="http://schemas.microsoft.com/office/drawing/2014/main" val="10001"/>
+                  </a:ext>
+                </a:extLst>
               </a:tr>
               <a:tr h="208800">
                 <a:tc>
@@ -30494,6 +30803,11 @@
                     </a:solidFill>
                   </a:tcPr>
                 </a:tc>
+                <a:extLst>
+                  <a:ext uri="{0D108BD9-81ED-4DB2-BD59-A6C34878D82A}">
+                    <a16:rowId xmlns:a16="http://schemas.microsoft.com/office/drawing/2014/main" val="10002"/>
+                  </a:ext>
+                </a:extLst>
               </a:tr>
               <a:tr h="208800">
                 <a:tc>
@@ -30549,6 +30863,11 @@
                     </a:solidFill>
                   </a:tcPr>
                 </a:tc>
+                <a:extLst>
+                  <a:ext uri="{0D108BD9-81ED-4DB2-BD59-A6C34878D82A}">
+                    <a16:rowId xmlns:a16="http://schemas.microsoft.com/office/drawing/2014/main" val="10003"/>
+                  </a:ext>
+                </a:extLst>
               </a:tr>
               <a:tr h="208800">
                 <a:tc>
@@ -30604,6 +30923,11 @@
                     </a:solidFill>
                   </a:tcPr>
                 </a:tc>
+                <a:extLst>
+                  <a:ext uri="{0D108BD9-81ED-4DB2-BD59-A6C34878D82A}">
+                    <a16:rowId xmlns:a16="http://schemas.microsoft.com/office/drawing/2014/main" val="10004"/>
+                  </a:ext>
+                </a:extLst>
               </a:tr>
             </a:tbl>
           </a:graphicData>
@@ -30630,7 +30954,13 @@
                 <a:tableStyleId>{3C2FFA5D-87B4-456A-9821-1D502468CF0F}</a:tableStyleId>
               </a:tblPr>
               <a:tblGrid>
-                <a:gridCol w="208280"/>
+                <a:gridCol w="208280">
+                  <a:extLst>
+                    <a:ext uri="{9D8B030D-6E8A-4147-A177-3AD203B41FA5}">
+                      <a16:colId xmlns:a16="http://schemas.microsoft.com/office/drawing/2014/main" val="20000"/>
+                    </a:ext>
+                  </a:extLst>
+                </a:gridCol>
               </a:tblGrid>
               <a:tr h="208800">
                 <a:tc>
@@ -30686,6 +31016,11 @@
                     </a:solidFill>
                   </a:tcPr>
                 </a:tc>
+                <a:extLst>
+                  <a:ext uri="{0D108BD9-81ED-4DB2-BD59-A6C34878D82A}">
+                    <a16:rowId xmlns:a16="http://schemas.microsoft.com/office/drawing/2014/main" val="10000"/>
+                  </a:ext>
+                </a:extLst>
               </a:tr>
               <a:tr h="208800">
                 <a:tc>
@@ -30741,6 +31076,11 @@
                     </a:solidFill>
                   </a:tcPr>
                 </a:tc>
+                <a:extLst>
+                  <a:ext uri="{0D108BD9-81ED-4DB2-BD59-A6C34878D82A}">
+                    <a16:rowId xmlns:a16="http://schemas.microsoft.com/office/drawing/2014/main" val="10001"/>
+                  </a:ext>
+                </a:extLst>
               </a:tr>
               <a:tr h="208800">
                 <a:tc>
@@ -30796,6 +31136,11 @@
                     </a:solidFill>
                   </a:tcPr>
                 </a:tc>
+                <a:extLst>
+                  <a:ext uri="{0D108BD9-81ED-4DB2-BD59-A6C34878D82A}">
+                    <a16:rowId xmlns:a16="http://schemas.microsoft.com/office/drawing/2014/main" val="10002"/>
+                  </a:ext>
+                </a:extLst>
               </a:tr>
               <a:tr h="208800">
                 <a:tc>
@@ -30851,6 +31196,11 @@
                     </a:solidFill>
                   </a:tcPr>
                 </a:tc>
+                <a:extLst>
+                  <a:ext uri="{0D108BD9-81ED-4DB2-BD59-A6C34878D82A}">
+                    <a16:rowId xmlns:a16="http://schemas.microsoft.com/office/drawing/2014/main" val="10003"/>
+                  </a:ext>
+                </a:extLst>
               </a:tr>
               <a:tr h="208800">
                 <a:tc>
@@ -30906,6 +31256,11 @@
                     </a:solidFill>
                   </a:tcPr>
                 </a:tc>
+                <a:extLst>
+                  <a:ext uri="{0D108BD9-81ED-4DB2-BD59-A6C34878D82A}">
+                    <a16:rowId xmlns:a16="http://schemas.microsoft.com/office/drawing/2014/main" val="10004"/>
+                  </a:ext>
+                </a:extLst>
               </a:tr>
               <a:tr h="208800">
                 <a:tc>
@@ -30961,6 +31316,11 @@
                     </a:solidFill>
                   </a:tcPr>
                 </a:tc>
+                <a:extLst>
+                  <a:ext uri="{0D108BD9-81ED-4DB2-BD59-A6C34878D82A}">
+                    <a16:rowId xmlns:a16="http://schemas.microsoft.com/office/drawing/2014/main" val="10005"/>
+                  </a:ext>
+                </a:extLst>
               </a:tr>
               <a:tr h="208800">
                 <a:tc>
@@ -31016,6 +31376,11 @@
                     </a:solidFill>
                   </a:tcPr>
                 </a:tc>
+                <a:extLst>
+                  <a:ext uri="{0D108BD9-81ED-4DB2-BD59-A6C34878D82A}">
+                    <a16:rowId xmlns:a16="http://schemas.microsoft.com/office/drawing/2014/main" val="10006"/>
+                  </a:ext>
+                </a:extLst>
               </a:tr>
               <a:tr h="208800">
                 <a:tc>
@@ -31071,6 +31436,11 @@
                     </a:solidFill>
                   </a:tcPr>
                 </a:tc>
+                <a:extLst>
+                  <a:ext uri="{0D108BD9-81ED-4DB2-BD59-A6C34878D82A}">
+                    <a16:rowId xmlns:a16="http://schemas.microsoft.com/office/drawing/2014/main" val="10007"/>
+                  </a:ext>
+                </a:extLst>
               </a:tr>
               <a:tr h="208800">
                 <a:tc>
@@ -31126,6 +31496,11 @@
                     </a:solidFill>
                   </a:tcPr>
                 </a:tc>
+                <a:extLst>
+                  <a:ext uri="{0D108BD9-81ED-4DB2-BD59-A6C34878D82A}">
+                    <a16:rowId xmlns:a16="http://schemas.microsoft.com/office/drawing/2014/main" val="10008"/>
+                  </a:ext>
+                </a:extLst>
               </a:tr>
               <a:tr h="208800">
                 <a:tc>
@@ -31181,6 +31556,11 @@
                     </a:solidFill>
                   </a:tcPr>
                 </a:tc>
+                <a:extLst>
+                  <a:ext uri="{0D108BD9-81ED-4DB2-BD59-A6C34878D82A}">
+                    <a16:rowId xmlns:a16="http://schemas.microsoft.com/office/drawing/2014/main" val="10009"/>
+                  </a:ext>
+                </a:extLst>
               </a:tr>
               <a:tr h="208800">
                 <a:tc>
@@ -31236,6 +31616,11 @@
                     </a:solidFill>
                   </a:tcPr>
                 </a:tc>
+                <a:extLst>
+                  <a:ext uri="{0D108BD9-81ED-4DB2-BD59-A6C34878D82A}">
+                    <a16:rowId xmlns:a16="http://schemas.microsoft.com/office/drawing/2014/main" val="10010"/>
+                  </a:ext>
+                </a:extLst>
               </a:tr>
               <a:tr h="208800">
                 <a:tc>
@@ -31291,6 +31676,11 @@
                     </a:solidFill>
                   </a:tcPr>
                 </a:tc>
+                <a:extLst>
+                  <a:ext uri="{0D108BD9-81ED-4DB2-BD59-A6C34878D82A}">
+                    <a16:rowId xmlns:a16="http://schemas.microsoft.com/office/drawing/2014/main" val="10011"/>
+                  </a:ext>
+                </a:extLst>
               </a:tr>
               <a:tr h="208800">
                 <a:tc>
@@ -31346,6 +31736,11 @@
                     </a:solidFill>
                   </a:tcPr>
                 </a:tc>
+                <a:extLst>
+                  <a:ext uri="{0D108BD9-81ED-4DB2-BD59-A6C34878D82A}">
+                    <a16:rowId xmlns:a16="http://schemas.microsoft.com/office/drawing/2014/main" val="10012"/>
+                  </a:ext>
+                </a:extLst>
               </a:tr>
               <a:tr h="208800">
                 <a:tc>
@@ -31401,6 +31796,11 @@
                     </a:solidFill>
                   </a:tcPr>
                 </a:tc>
+                <a:extLst>
+                  <a:ext uri="{0D108BD9-81ED-4DB2-BD59-A6C34878D82A}">
+                    <a16:rowId xmlns:a16="http://schemas.microsoft.com/office/drawing/2014/main" val="10013"/>
+                  </a:ext>
+                </a:extLst>
               </a:tr>
               <a:tr h="208800">
                 <a:tc>
@@ -31456,6 +31856,11 @@
                     </a:solidFill>
                   </a:tcPr>
                 </a:tc>
+                <a:extLst>
+                  <a:ext uri="{0D108BD9-81ED-4DB2-BD59-A6C34878D82A}">
+                    <a16:rowId xmlns:a16="http://schemas.microsoft.com/office/drawing/2014/main" val="10014"/>
+                  </a:ext>
+                </a:extLst>
               </a:tr>
             </a:tbl>
           </a:graphicData>
@@ -31484,10 +31889,9 @@
           <a:lstStyle/>
           <a:p>
             <a:r>
-              <a:rPr kumimoji="1" lang="ja-JP" altLang="en-US" dirty="0" smtClean="0"/>
+              <a:rPr kumimoji="1" lang="ja-JP" altLang="en-US" dirty="0"/>
               <a:t>入力層</a:t>
             </a:r>
-            <a:endParaRPr kumimoji="1" lang="ja-JP" altLang="en-US" dirty="0"/>
           </a:p>
         </p:txBody>
       </p:sp>
@@ -31514,14 +31918,13 @@
           <a:lstStyle/>
           <a:p>
             <a:r>
-              <a:rPr kumimoji="1" lang="en-US" altLang="ja-JP" dirty="0" smtClean="0"/>
+              <a:rPr kumimoji="1" lang="en-US" altLang="ja-JP" dirty="0"/>
               <a:t>n</a:t>
             </a:r>
             <a:r>
-              <a:rPr kumimoji="1" lang="ja-JP" altLang="en-US" dirty="0" smtClean="0"/>
+              <a:rPr kumimoji="1" lang="ja-JP" altLang="en-US" dirty="0"/>
               <a:t>次元の隠れ層</a:t>
             </a:r>
-            <a:endParaRPr kumimoji="1" lang="ja-JP" altLang="en-US" dirty="0"/>
           </a:p>
         </p:txBody>
       </p:sp>
@@ -31548,7 +31951,7 @@
           <a:lstStyle/>
           <a:p>
             <a:r>
-              <a:rPr kumimoji="1" lang="ja-JP" altLang="en-US" smtClean="0"/>
+              <a:rPr kumimoji="1" lang="ja-JP" altLang="en-US"/>
               <a:t>出力層</a:t>
             </a:r>
             <a:endParaRPr kumimoji="1" lang="ja-JP" altLang="en-US" dirty="0"/>
@@ -31757,14 +32160,14 @@
           <a:p>
             <a:pPr algn="ctr"/>
             <a:r>
-              <a:rPr kumimoji="1" lang="ja-JP" altLang="en-US" dirty="0" smtClean="0">
+              <a:rPr kumimoji="1" lang="ja-JP" altLang="en-US" dirty="0">
                 <a:solidFill>
                   <a:schemeClr val="tx1"/>
                 </a:solidFill>
               </a:rPr>
               <a:t>文書</a:t>
             </a:r>
-            <a:endParaRPr kumimoji="1" lang="en-US" altLang="ja-JP" dirty="0" smtClean="0">
+            <a:endParaRPr kumimoji="1" lang="en-US" altLang="ja-JP" dirty="0">
               <a:solidFill>
                 <a:schemeClr val="tx1"/>
               </a:solidFill>
@@ -31773,7 +32176,7 @@
           <a:p>
             <a:pPr algn="ctr"/>
             <a:r>
-              <a:rPr kumimoji="1" lang="en-US" altLang="ja-JP" dirty="0" smtClean="0">
+              <a:rPr kumimoji="1" lang="en-US" altLang="ja-JP" dirty="0">
                 <a:solidFill>
                   <a:schemeClr val="tx1"/>
                 </a:solidFill>
@@ -31811,7 +32214,7 @@
           <a:lstStyle/>
           <a:p>
             <a:r>
-              <a:rPr kumimoji="1" lang="en-US" altLang="ja-JP" dirty="0" smtClean="0"/>
+              <a:rPr kumimoji="1" lang="en-US" altLang="ja-JP" dirty="0"/>
               <a:t>I</a:t>
             </a:r>
             <a:endParaRPr kumimoji="1" lang="ja-JP" altLang="en-US" dirty="0"/>
@@ -31841,7 +32244,7 @@
           <a:lstStyle/>
           <a:p>
             <a:r>
-              <a:rPr kumimoji="1" lang="en-US" altLang="ja-JP" smtClean="0"/>
+              <a:rPr kumimoji="1" lang="en-US" altLang="ja-JP"/>
               <a:t>have</a:t>
             </a:r>
             <a:endParaRPr kumimoji="1" lang="ja-JP" altLang="en-US" dirty="0"/>
@@ -31871,7 +32274,7 @@
           <a:lstStyle/>
           <a:p>
             <a:r>
-              <a:rPr kumimoji="1" lang="en-US" altLang="ja-JP" smtClean="0"/>
+              <a:rPr kumimoji="1" lang="en-US" altLang="ja-JP"/>
               <a:t>a</a:t>
             </a:r>
             <a:endParaRPr kumimoji="1" lang="ja-JP" altLang="en-US" dirty="0"/>
@@ -31901,7 +32304,7 @@
           <a:lstStyle/>
           <a:p>
             <a:r>
-              <a:rPr kumimoji="1" lang="en-US" altLang="ja-JP" smtClean="0"/>
+              <a:rPr kumimoji="1" lang="en-US" altLang="ja-JP"/>
               <a:t>pen</a:t>
             </a:r>
             <a:endParaRPr kumimoji="1" lang="ja-JP" altLang="en-US" dirty="0"/>
@@ -31931,18 +32334,17 @@
           <a:lstStyle/>
           <a:p>
             <a:r>
-              <a:rPr kumimoji="1" lang="ja-JP" altLang="en-US" smtClean="0"/>
+              <a:rPr kumimoji="1" lang="ja-JP" altLang="en-US"/>
               <a:t>前後の単語だけでなく文書</a:t>
             </a:r>
             <a:r>
-              <a:rPr kumimoji="1" lang="en-US" altLang="ja-JP" dirty="0" smtClean="0"/>
+              <a:rPr kumimoji="1" lang="en-US" altLang="ja-JP" dirty="0"/>
               <a:t>ID</a:t>
             </a:r>
             <a:r>
-              <a:rPr kumimoji="1" lang="ja-JP" altLang="en-US" dirty="0" smtClean="0"/>
+              <a:rPr kumimoji="1" lang="ja-JP" altLang="en-US" dirty="0"/>
               <a:t>もコンテキストとして</a:t>
             </a:r>
-            <a:endParaRPr kumimoji="1" lang="ja-JP" altLang="en-US" dirty="0"/>
           </a:p>
         </p:txBody>
       </p:sp>
@@ -31969,10 +32371,9 @@
           <a:lstStyle/>
           <a:p>
             <a:r>
-              <a:rPr kumimoji="1" lang="ja-JP" altLang="en-US" dirty="0" smtClean="0"/>
+              <a:rPr kumimoji="1" lang="ja-JP" altLang="en-US" dirty="0"/>
               <a:t>保持する意味合いを持つ</a:t>
             </a:r>
-            <a:endParaRPr kumimoji="1" lang="ja-JP" altLang="en-US" dirty="0"/>
           </a:p>
         </p:txBody>
       </p:sp>
@@ -31981,7 +32382,7 @@
           <p:cNvPr id="27" name="テキスト ボックス 26">
             <a:extLst>
               <a:ext uri="{FF2B5EF4-FFF2-40B4-BE49-F238E27FC236}">
-                <a16:creationId xmlns:a16="http://schemas.microsoft.com/office/drawing/2014/main" xmlns="" id="{780EB33D-AB7A-644C-BF62-6411655FBFD6}"/>
+                <a16:creationId xmlns:a16="http://schemas.microsoft.com/office/drawing/2014/main" id="{780EB33D-AB7A-644C-BF62-6411655FBFD6}"/>
               </a:ext>
             </a:extLst>
           </p:cNvPr>
@@ -32018,23 +32419,7 @@
             </a:r>
             <a:r>
               <a:rPr lang="en-US" altLang="ja-JP" sz="2800" dirty="0"/>
-              <a:t>(</a:t>
-            </a:r>
-            <a:r>
-              <a:rPr lang="en-US" altLang="ja-JP" sz="2800" dirty="0" smtClean="0"/>
-              <a:t>③</a:t>
-            </a:r>
-            <a:r>
-              <a:rPr lang="en-US" altLang="ja-JP" sz="2800" dirty="0" smtClean="0"/>
-              <a:t>doc</a:t>
-            </a:r>
-            <a:r>
-              <a:rPr lang="en-US" altLang="ja-JP" sz="2800" dirty="0" smtClean="0"/>
-              <a:t>2vec</a:t>
-            </a:r>
-            <a:r>
-              <a:rPr lang="en-US" altLang="ja-JP" sz="2800" dirty="0"/>
-              <a:t>)</a:t>
+              <a:t>(③doc2vec)</a:t>
             </a:r>
             <a:endParaRPr lang="ja-JP" altLang="en-US" sz="2800" dirty="0"/>
           </a:p>
@@ -32063,7 +32448,7 @@
           <a:lstStyle/>
           <a:p>
             <a:r>
-              <a:rPr lang="en-US" altLang="ja-JP" dirty="0" err="1" smtClean="0"/>
+              <a:rPr lang="en-US" altLang="ja-JP" dirty="0" err="1"/>
               <a:t>dmpv</a:t>
             </a:r>
             <a:endParaRPr kumimoji="1" lang="ja-JP" altLang="en-US" dirty="0"/>
@@ -32080,13 +32465,6 @@
   <p:clrMapOvr>
     <a:masterClrMapping/>
   </p:clrMapOvr>
-  <p:timing>
-    <p:tnLst>
-      <p:par>
-        <p:cTn id="1" dur="indefinite" restart="never" nodeType="tmRoot"/>
-      </p:par>
-    </p:tnLst>
-  </p:timing>
 </p:sld>
 </file>
 
@@ -32112,7 +32490,7 @@
           <p:cNvPr id="4" name="テキスト ボックス 3">
             <a:extLst>
               <a:ext uri="{FF2B5EF4-FFF2-40B4-BE49-F238E27FC236}">
-                <a16:creationId xmlns:a16="http://schemas.microsoft.com/office/drawing/2014/main" xmlns="" id="{780EB33D-AB7A-644C-BF62-6411655FBFD6}"/>
+                <a16:creationId xmlns:a16="http://schemas.microsoft.com/office/drawing/2014/main" id="{780EB33D-AB7A-644C-BF62-6411655FBFD6}"/>
               </a:ext>
             </a:extLst>
           </p:cNvPr>
@@ -32151,7 +32529,7 @@
           <p:cNvPr id="5" name="テキスト ボックス 4">
             <a:extLst>
               <a:ext uri="{FF2B5EF4-FFF2-40B4-BE49-F238E27FC236}">
-                <a16:creationId xmlns:a16="http://schemas.microsoft.com/office/drawing/2014/main" xmlns="" id="{6F8E7B9A-3AC5-DF47-B7CB-77F6B04E8F77}"/>
+                <a16:creationId xmlns:a16="http://schemas.microsoft.com/office/drawing/2014/main" id="{6F8E7B9A-3AC5-DF47-B7CB-77F6B04E8F77}"/>
               </a:ext>
             </a:extLst>
           </p:cNvPr>
@@ -32675,7 +33053,7 @@
           <p:cNvPr id="13" name="右矢印 12">
             <a:extLst>
               <a:ext uri="{FF2B5EF4-FFF2-40B4-BE49-F238E27FC236}">
-                <a16:creationId xmlns:a16="http://schemas.microsoft.com/office/drawing/2014/main" xmlns="" id="{AE6EA963-26DF-754D-AEE4-46420040461C}"/>
+                <a16:creationId xmlns:a16="http://schemas.microsoft.com/office/drawing/2014/main" id="{AE6EA963-26DF-754D-AEE4-46420040461C}"/>
               </a:ext>
             </a:extLst>
           </p:cNvPr>
@@ -32782,7 +33160,7 @@
           <a:lstStyle/>
           <a:p>
             <a:r>
-              <a:rPr kumimoji="1" lang="en-US" altLang="ja-JP" dirty="0" err="1" smtClean="0"/>
+              <a:rPr kumimoji="1" lang="en-US" altLang="ja-JP" dirty="0" err="1"/>
               <a:t>DBoW</a:t>
             </a:r>
             <a:endParaRPr kumimoji="1" lang="ja-JP" altLang="en-US" dirty="0"/>
@@ -32812,14 +33190,13 @@
           <a:lstStyle/>
           <a:p>
             <a:r>
-              <a:rPr kumimoji="1" lang="en-US" altLang="ja-JP" dirty="0" smtClean="0"/>
+              <a:rPr kumimoji="1" lang="en-US" altLang="ja-JP" dirty="0"/>
               <a:t>Skip-Gram</a:t>
             </a:r>
             <a:r>
-              <a:rPr kumimoji="1" lang="ja-JP" altLang="en-US" dirty="0" smtClean="0"/>
+              <a:rPr kumimoji="1" lang="ja-JP" altLang="en-US" dirty="0"/>
               <a:t>と似たテクニックでモデルが構築されている</a:t>
             </a:r>
-            <a:endParaRPr kumimoji="1" lang="ja-JP" altLang="en-US" dirty="0"/>
           </a:p>
         </p:txBody>
       </p:sp>
@@ -32846,18 +33223,17 @@
           <a:lstStyle/>
           <a:p>
             <a:r>
-              <a:rPr kumimoji="1" lang="ja-JP" altLang="en-US" dirty="0" smtClean="0"/>
+              <a:rPr kumimoji="1" lang="ja-JP" altLang="en-US" dirty="0"/>
               <a:t>単語の順序が考慮されない</a:t>
             </a:r>
             <a:r>
-              <a:rPr kumimoji="1" lang="en-US" altLang="ja-JP" dirty="0" err="1" smtClean="0"/>
+              <a:rPr kumimoji="1" lang="en-US" altLang="ja-JP" dirty="0" err="1"/>
               <a:t>BoW</a:t>
             </a:r>
             <a:r>
-              <a:rPr kumimoji="1" lang="ja-JP" altLang="en-US" dirty="0" smtClean="0"/>
+              <a:rPr kumimoji="1" lang="ja-JP" altLang="en-US" dirty="0"/>
               <a:t>と同じような性質</a:t>
             </a:r>
-            <a:endParaRPr kumimoji="1" lang="ja-JP" altLang="en-US" dirty="0"/>
           </a:p>
         </p:txBody>
       </p:sp>
@@ -32924,7 +33300,7 @@
           <a:lstStyle/>
           <a:p>
             <a:r>
-              <a:rPr kumimoji="1" lang="en-US" altLang="ja-JP" dirty="0" smtClean="0">
+              <a:rPr kumimoji="1" lang="en-US" altLang="ja-JP" dirty="0">
                 <a:solidFill>
                   <a:schemeClr val="tx2">
                     <a:lumMod val="50000"/>
@@ -32935,11 +33311,11 @@
               <a:t>D</a:t>
             </a:r>
             <a:r>
-              <a:rPr kumimoji="1" lang="en-US" altLang="ja-JP" dirty="0" smtClean="0"/>
+              <a:rPr kumimoji="1" lang="en-US" altLang="ja-JP" dirty="0"/>
               <a:t>istributed </a:t>
             </a:r>
             <a:r>
-              <a:rPr kumimoji="1" lang="en-US" altLang="ja-JP" dirty="0" err="1" smtClean="0">
+              <a:rPr kumimoji="1" lang="en-US" altLang="ja-JP" dirty="0" err="1">
                 <a:solidFill>
                   <a:schemeClr val="tx2">
                     <a:lumMod val="50000"/>
@@ -32950,7 +33326,7 @@
               <a:t>BoW</a:t>
             </a:r>
             <a:r>
-              <a:rPr kumimoji="1" lang="ja-JP" altLang="en-US" dirty="0" smtClean="0"/>
+              <a:rPr kumimoji="1" lang="ja-JP" altLang="en-US" dirty="0"/>
               <a:t>と名付けられている</a:t>
             </a:r>
             <a:endParaRPr kumimoji="1" lang="ja-JP" altLang="en-US" dirty="0">
@@ -32987,18 +33363,17 @@
           <a:lstStyle/>
           <a:p>
             <a:r>
-              <a:rPr kumimoji="1" lang="ja-JP" altLang="en-US" dirty="0" smtClean="0"/>
+              <a:rPr kumimoji="1" lang="ja-JP" altLang="en-US" dirty="0"/>
               <a:t>モデルがシンプルなため</a:t>
             </a:r>
             <a:r>
-              <a:rPr kumimoji="1" lang="en-US" altLang="ja-JP" dirty="0" err="1" smtClean="0"/>
+              <a:rPr kumimoji="1" lang="en-US" altLang="ja-JP" dirty="0" err="1"/>
               <a:t>dmpv</a:t>
             </a:r>
             <a:r>
-              <a:rPr kumimoji="1" lang="ja-JP" altLang="en-US" dirty="0" smtClean="0"/>
+              <a:rPr kumimoji="1" lang="ja-JP" altLang="en-US" dirty="0"/>
               <a:t>よりメモリ消費が少なく</a:t>
             </a:r>
-            <a:endParaRPr kumimoji="1" lang="ja-JP" altLang="en-US" dirty="0"/>
           </a:p>
         </p:txBody>
       </p:sp>
@@ -33025,11 +33400,11 @@
           <a:lstStyle/>
           <a:p>
             <a:r>
-              <a:rPr kumimoji="1" lang="ja-JP" altLang="en-US" dirty="0" smtClean="0"/>
+              <a:rPr kumimoji="1" lang="ja-JP" altLang="en-US" dirty="0"/>
               <a:t>効率的に計算を行えるが、</a:t>
             </a:r>
             <a:r>
-              <a:rPr kumimoji="1" lang="ja-JP" altLang="en-US" smtClean="0"/>
+              <a:rPr kumimoji="1" lang="ja-JP" altLang="en-US"/>
               <a:t>精度の面では劣ることが報告されている</a:t>
             </a:r>
             <a:endParaRPr kumimoji="1" lang="ja-JP" altLang="en-US" dirty="0"/>
@@ -33041,7 +33416,7 @@
           <p:cNvPr id="13" name="テキスト ボックス 12">
             <a:extLst>
               <a:ext uri="{FF2B5EF4-FFF2-40B4-BE49-F238E27FC236}">
-                <a16:creationId xmlns:a16="http://schemas.microsoft.com/office/drawing/2014/main" xmlns="" id="{780EB33D-AB7A-644C-BF62-6411655FBFD6}"/>
+                <a16:creationId xmlns:a16="http://schemas.microsoft.com/office/drawing/2014/main" id="{780EB33D-AB7A-644C-BF62-6411655FBFD6}"/>
               </a:ext>
             </a:extLst>
           </p:cNvPr>
@@ -33078,23 +33453,7 @@
             </a:r>
             <a:r>
               <a:rPr lang="en-US" altLang="ja-JP" sz="2800" dirty="0"/>
-              <a:t>(</a:t>
-            </a:r>
-            <a:r>
-              <a:rPr lang="en-US" altLang="ja-JP" sz="2800" dirty="0" smtClean="0"/>
-              <a:t>③</a:t>
-            </a:r>
-            <a:r>
-              <a:rPr lang="en-US" altLang="ja-JP" sz="2800" dirty="0" smtClean="0"/>
-              <a:t>doc</a:t>
-            </a:r>
-            <a:r>
-              <a:rPr lang="en-US" altLang="ja-JP" sz="2800" dirty="0" smtClean="0"/>
-              <a:t>2vec</a:t>
-            </a:r>
-            <a:r>
-              <a:rPr lang="en-US" altLang="ja-JP" sz="2800" dirty="0"/>
-              <a:t>)</a:t>
+              <a:t>(③doc2vec)</a:t>
             </a:r>
             <a:endParaRPr lang="ja-JP" altLang="en-US" sz="2800" dirty="0"/>
           </a:p>
@@ -33123,7 +33482,7 @@
           <a:lstStyle/>
           <a:p>
             <a:r>
-              <a:rPr lang="en-US" altLang="ja-JP" dirty="0" err="1" smtClean="0"/>
+              <a:rPr lang="en-US" altLang="ja-JP" dirty="0" err="1"/>
               <a:t>DBoW</a:t>
             </a:r>
             <a:endParaRPr kumimoji="1" lang="ja-JP" altLang="en-US" dirty="0"/>
@@ -33140,13 +33499,6 @@
   <p:clrMapOvr>
     <a:masterClrMapping/>
   </p:clrMapOvr>
-  <p:timing>
-    <p:tnLst>
-      <p:par>
-        <p:cTn id="1" dur="indefinite" restart="never" nodeType="tmRoot"/>
-      </p:par>
-    </p:tnLst>
-  </p:timing>
 </p:sld>
 </file>
 
@@ -33192,7 +33544,13 @@
                 <a:tableStyleId>{3C2FFA5D-87B4-456A-9821-1D502468CF0F}</a:tableStyleId>
               </a:tblPr>
               <a:tblGrid>
-                <a:gridCol w="208280"/>
+                <a:gridCol w="208280">
+                  <a:extLst>
+                    <a:ext uri="{9D8B030D-6E8A-4147-A177-3AD203B41FA5}">
+                      <a16:colId xmlns:a16="http://schemas.microsoft.com/office/drawing/2014/main" val="20000"/>
+                    </a:ext>
+                  </a:extLst>
+                </a:gridCol>
               </a:tblGrid>
               <a:tr h="208800">
                 <a:tc>
@@ -33245,6 +33603,11 @@
                     </a:solidFill>
                   </a:tcPr>
                 </a:tc>
+                <a:extLst>
+                  <a:ext uri="{0D108BD9-81ED-4DB2-BD59-A6C34878D82A}">
+                    <a16:rowId xmlns:a16="http://schemas.microsoft.com/office/drawing/2014/main" val="10000"/>
+                  </a:ext>
+                </a:extLst>
               </a:tr>
               <a:tr h="208800">
                 <a:tc>
@@ -33300,6 +33663,11 @@
                     </a:solidFill>
                   </a:tcPr>
                 </a:tc>
+                <a:extLst>
+                  <a:ext uri="{0D108BD9-81ED-4DB2-BD59-A6C34878D82A}">
+                    <a16:rowId xmlns:a16="http://schemas.microsoft.com/office/drawing/2014/main" val="10001"/>
+                  </a:ext>
+                </a:extLst>
               </a:tr>
               <a:tr h="208800">
                 <a:tc>
@@ -33355,6 +33723,11 @@
                     </a:solidFill>
                   </a:tcPr>
                 </a:tc>
+                <a:extLst>
+                  <a:ext uri="{0D108BD9-81ED-4DB2-BD59-A6C34878D82A}">
+                    <a16:rowId xmlns:a16="http://schemas.microsoft.com/office/drawing/2014/main" val="10002"/>
+                  </a:ext>
+                </a:extLst>
               </a:tr>
               <a:tr h="208800">
                 <a:tc>
@@ -33410,6 +33783,11 @@
                     </a:solidFill>
                   </a:tcPr>
                 </a:tc>
+                <a:extLst>
+                  <a:ext uri="{0D108BD9-81ED-4DB2-BD59-A6C34878D82A}">
+                    <a16:rowId xmlns:a16="http://schemas.microsoft.com/office/drawing/2014/main" val="10003"/>
+                  </a:ext>
+                </a:extLst>
               </a:tr>
               <a:tr h="208800">
                 <a:tc>
@@ -33465,6 +33843,11 @@
                     </a:solidFill>
                   </a:tcPr>
                 </a:tc>
+                <a:extLst>
+                  <a:ext uri="{0D108BD9-81ED-4DB2-BD59-A6C34878D82A}">
+                    <a16:rowId xmlns:a16="http://schemas.microsoft.com/office/drawing/2014/main" val="10004"/>
+                  </a:ext>
+                </a:extLst>
               </a:tr>
             </a:tbl>
           </a:graphicData>
@@ -33495,7 +33878,13 @@
                 <a:tableStyleId>{3C2FFA5D-87B4-456A-9821-1D502468CF0F}</a:tableStyleId>
               </a:tblPr>
               <a:tblGrid>
-                <a:gridCol w="208280"/>
+                <a:gridCol w="208280">
+                  <a:extLst>
+                    <a:ext uri="{9D8B030D-6E8A-4147-A177-3AD203B41FA5}">
+                      <a16:colId xmlns:a16="http://schemas.microsoft.com/office/drawing/2014/main" val="20000"/>
+                    </a:ext>
+                  </a:extLst>
+                </a:gridCol>
               </a:tblGrid>
               <a:tr h="208800">
                 <a:tc>
@@ -33551,6 +33940,11 @@
                     </a:solidFill>
                   </a:tcPr>
                 </a:tc>
+                <a:extLst>
+                  <a:ext uri="{0D108BD9-81ED-4DB2-BD59-A6C34878D82A}">
+                    <a16:rowId xmlns:a16="http://schemas.microsoft.com/office/drawing/2014/main" val="10000"/>
+                  </a:ext>
+                </a:extLst>
               </a:tr>
               <a:tr h="208800">
                 <a:tc>
@@ -33603,6 +33997,11 @@
                     </a:solidFill>
                   </a:tcPr>
                 </a:tc>
+                <a:extLst>
+                  <a:ext uri="{0D108BD9-81ED-4DB2-BD59-A6C34878D82A}">
+                    <a16:rowId xmlns:a16="http://schemas.microsoft.com/office/drawing/2014/main" val="10001"/>
+                  </a:ext>
+                </a:extLst>
               </a:tr>
               <a:tr h="208800">
                 <a:tc>
@@ -33658,6 +34057,11 @@
                     </a:solidFill>
                   </a:tcPr>
                 </a:tc>
+                <a:extLst>
+                  <a:ext uri="{0D108BD9-81ED-4DB2-BD59-A6C34878D82A}">
+                    <a16:rowId xmlns:a16="http://schemas.microsoft.com/office/drawing/2014/main" val="10002"/>
+                  </a:ext>
+                </a:extLst>
               </a:tr>
               <a:tr h="208800">
                 <a:tc>
@@ -33713,6 +34117,11 @@
                     </a:solidFill>
                   </a:tcPr>
                 </a:tc>
+                <a:extLst>
+                  <a:ext uri="{0D108BD9-81ED-4DB2-BD59-A6C34878D82A}">
+                    <a16:rowId xmlns:a16="http://schemas.microsoft.com/office/drawing/2014/main" val="10003"/>
+                  </a:ext>
+                </a:extLst>
               </a:tr>
               <a:tr h="208800">
                 <a:tc>
@@ -33768,6 +34177,11 @@
                     </a:solidFill>
                   </a:tcPr>
                 </a:tc>
+                <a:extLst>
+                  <a:ext uri="{0D108BD9-81ED-4DB2-BD59-A6C34878D82A}">
+                    <a16:rowId xmlns:a16="http://schemas.microsoft.com/office/drawing/2014/main" val="10004"/>
+                  </a:ext>
+                </a:extLst>
               </a:tr>
             </a:tbl>
           </a:graphicData>
@@ -33798,7 +34212,13 @@
                 <a:tableStyleId>{3C2FFA5D-87B4-456A-9821-1D502468CF0F}</a:tableStyleId>
               </a:tblPr>
               <a:tblGrid>
-                <a:gridCol w="208280"/>
+                <a:gridCol w="208280">
+                  <a:extLst>
+                    <a:ext uri="{9D8B030D-6E8A-4147-A177-3AD203B41FA5}">
+                      <a16:colId xmlns:a16="http://schemas.microsoft.com/office/drawing/2014/main" val="20000"/>
+                    </a:ext>
+                  </a:extLst>
+                </a:gridCol>
               </a:tblGrid>
               <a:tr h="208800">
                 <a:tc>
@@ -33854,6 +34274,11 @@
                     </a:solidFill>
                   </a:tcPr>
                 </a:tc>
+                <a:extLst>
+                  <a:ext uri="{0D108BD9-81ED-4DB2-BD59-A6C34878D82A}">
+                    <a16:rowId xmlns:a16="http://schemas.microsoft.com/office/drawing/2014/main" val="10000"/>
+                  </a:ext>
+                </a:extLst>
               </a:tr>
               <a:tr h="208800">
                 <a:tc>
@@ -33909,6 +34334,11 @@
                     </a:solidFill>
                   </a:tcPr>
                 </a:tc>
+                <a:extLst>
+                  <a:ext uri="{0D108BD9-81ED-4DB2-BD59-A6C34878D82A}">
+                    <a16:rowId xmlns:a16="http://schemas.microsoft.com/office/drawing/2014/main" val="10001"/>
+                  </a:ext>
+                </a:extLst>
               </a:tr>
               <a:tr h="208800">
                 <a:tc>
@@ -33964,6 +34394,11 @@
                     </a:solidFill>
                   </a:tcPr>
                 </a:tc>
+                <a:extLst>
+                  <a:ext uri="{0D108BD9-81ED-4DB2-BD59-A6C34878D82A}">
+                    <a16:rowId xmlns:a16="http://schemas.microsoft.com/office/drawing/2014/main" val="10002"/>
+                  </a:ext>
+                </a:extLst>
               </a:tr>
               <a:tr h="208800">
                 <a:tc>
@@ -34016,6 +34451,11 @@
                     </a:solidFill>
                   </a:tcPr>
                 </a:tc>
+                <a:extLst>
+                  <a:ext uri="{0D108BD9-81ED-4DB2-BD59-A6C34878D82A}">
+                    <a16:rowId xmlns:a16="http://schemas.microsoft.com/office/drawing/2014/main" val="10003"/>
+                  </a:ext>
+                </a:extLst>
               </a:tr>
               <a:tr h="208800">
                 <a:tc>
@@ -34071,6 +34511,11 @@
                     </a:solidFill>
                   </a:tcPr>
                 </a:tc>
+                <a:extLst>
+                  <a:ext uri="{0D108BD9-81ED-4DB2-BD59-A6C34878D82A}">
+                    <a16:rowId xmlns:a16="http://schemas.microsoft.com/office/drawing/2014/main" val="10004"/>
+                  </a:ext>
+                </a:extLst>
               </a:tr>
             </a:tbl>
           </a:graphicData>
@@ -34101,7 +34546,13 @@
                 <a:tableStyleId>{3C2FFA5D-87B4-456A-9821-1D502468CF0F}</a:tableStyleId>
               </a:tblPr>
               <a:tblGrid>
-                <a:gridCol w="208280"/>
+                <a:gridCol w="208280">
+                  <a:extLst>
+                    <a:ext uri="{9D8B030D-6E8A-4147-A177-3AD203B41FA5}">
+                      <a16:colId xmlns:a16="http://schemas.microsoft.com/office/drawing/2014/main" val="20000"/>
+                    </a:ext>
+                  </a:extLst>
+                </a:gridCol>
               </a:tblGrid>
               <a:tr h="208800">
                 <a:tc>
@@ -34157,6 +34608,11 @@
                     </a:solidFill>
                   </a:tcPr>
                 </a:tc>
+                <a:extLst>
+                  <a:ext uri="{0D108BD9-81ED-4DB2-BD59-A6C34878D82A}">
+                    <a16:rowId xmlns:a16="http://schemas.microsoft.com/office/drawing/2014/main" val="10000"/>
+                  </a:ext>
+                </a:extLst>
               </a:tr>
               <a:tr h="208800">
                 <a:tc>
@@ -34212,6 +34668,11 @@
                     </a:solidFill>
                   </a:tcPr>
                 </a:tc>
+                <a:extLst>
+                  <a:ext uri="{0D108BD9-81ED-4DB2-BD59-A6C34878D82A}">
+                    <a16:rowId xmlns:a16="http://schemas.microsoft.com/office/drawing/2014/main" val="10001"/>
+                  </a:ext>
+                </a:extLst>
               </a:tr>
               <a:tr h="208800">
                 <a:tc>
@@ -34267,6 +34728,11 @@
                     </a:solidFill>
                   </a:tcPr>
                 </a:tc>
+                <a:extLst>
+                  <a:ext uri="{0D108BD9-81ED-4DB2-BD59-A6C34878D82A}">
+                    <a16:rowId xmlns:a16="http://schemas.microsoft.com/office/drawing/2014/main" val="10002"/>
+                  </a:ext>
+                </a:extLst>
               </a:tr>
               <a:tr h="208800">
                 <a:tc>
@@ -34322,6 +34788,11 @@
                     </a:solidFill>
                   </a:tcPr>
                 </a:tc>
+                <a:extLst>
+                  <a:ext uri="{0D108BD9-81ED-4DB2-BD59-A6C34878D82A}">
+                    <a16:rowId xmlns:a16="http://schemas.microsoft.com/office/drawing/2014/main" val="10003"/>
+                  </a:ext>
+                </a:extLst>
               </a:tr>
               <a:tr h="208800">
                 <a:tc>
@@ -34377,6 +34848,11 @@
                     </a:solidFill>
                   </a:tcPr>
                 </a:tc>
+                <a:extLst>
+                  <a:ext uri="{0D108BD9-81ED-4DB2-BD59-A6C34878D82A}">
+                    <a16:rowId xmlns:a16="http://schemas.microsoft.com/office/drawing/2014/main" val="10004"/>
+                  </a:ext>
+                </a:extLst>
               </a:tr>
             </a:tbl>
           </a:graphicData>
@@ -34407,7 +34883,13 @@
                 <a:tableStyleId>{3C2FFA5D-87B4-456A-9821-1D502468CF0F}</a:tableStyleId>
               </a:tblPr>
               <a:tblGrid>
-                <a:gridCol w="208280"/>
+                <a:gridCol w="208280">
+                  <a:extLst>
+                    <a:ext uri="{9D8B030D-6E8A-4147-A177-3AD203B41FA5}">
+                      <a16:colId xmlns:a16="http://schemas.microsoft.com/office/drawing/2014/main" val="20000"/>
+                    </a:ext>
+                  </a:extLst>
+                </a:gridCol>
               </a:tblGrid>
               <a:tr h="208800">
                 <a:tc>
@@ -34463,6 +34945,11 @@
                     </a:solidFill>
                   </a:tcPr>
                 </a:tc>
+                <a:extLst>
+                  <a:ext uri="{0D108BD9-81ED-4DB2-BD59-A6C34878D82A}">
+                    <a16:rowId xmlns:a16="http://schemas.microsoft.com/office/drawing/2014/main" val="10000"/>
+                  </a:ext>
+                </a:extLst>
               </a:tr>
               <a:tr h="208800">
                 <a:tc>
@@ -34518,6 +35005,11 @@
                     </a:solidFill>
                   </a:tcPr>
                 </a:tc>
+                <a:extLst>
+                  <a:ext uri="{0D108BD9-81ED-4DB2-BD59-A6C34878D82A}">
+                    <a16:rowId xmlns:a16="http://schemas.microsoft.com/office/drawing/2014/main" val="10001"/>
+                  </a:ext>
+                </a:extLst>
               </a:tr>
               <a:tr h="208800">
                 <a:tc>
@@ -34573,6 +35065,11 @@
                     </a:solidFill>
                   </a:tcPr>
                 </a:tc>
+                <a:extLst>
+                  <a:ext uri="{0D108BD9-81ED-4DB2-BD59-A6C34878D82A}">
+                    <a16:rowId xmlns:a16="http://schemas.microsoft.com/office/drawing/2014/main" val="10002"/>
+                  </a:ext>
+                </a:extLst>
               </a:tr>
               <a:tr h="208800">
                 <a:tc>
@@ -34628,6 +35125,11 @@
                     </a:solidFill>
                   </a:tcPr>
                 </a:tc>
+                <a:extLst>
+                  <a:ext uri="{0D108BD9-81ED-4DB2-BD59-A6C34878D82A}">
+                    <a16:rowId xmlns:a16="http://schemas.microsoft.com/office/drawing/2014/main" val="10003"/>
+                  </a:ext>
+                </a:extLst>
               </a:tr>
               <a:tr h="208800">
                 <a:tc>
@@ -34683,6 +35185,11 @@
                     </a:solidFill>
                   </a:tcPr>
                 </a:tc>
+                <a:extLst>
+                  <a:ext uri="{0D108BD9-81ED-4DB2-BD59-A6C34878D82A}">
+                    <a16:rowId xmlns:a16="http://schemas.microsoft.com/office/drawing/2014/main" val="10004"/>
+                  </a:ext>
+                </a:extLst>
               </a:tr>
               <a:tr h="208800">
                 <a:tc>
@@ -34738,6 +35245,11 @@
                     </a:solidFill>
                   </a:tcPr>
                 </a:tc>
+                <a:extLst>
+                  <a:ext uri="{0D108BD9-81ED-4DB2-BD59-A6C34878D82A}">
+                    <a16:rowId xmlns:a16="http://schemas.microsoft.com/office/drawing/2014/main" val="10005"/>
+                  </a:ext>
+                </a:extLst>
               </a:tr>
               <a:tr h="208800">
                 <a:tc>
@@ -34793,6 +35305,11 @@
                     </a:solidFill>
                   </a:tcPr>
                 </a:tc>
+                <a:extLst>
+                  <a:ext uri="{0D108BD9-81ED-4DB2-BD59-A6C34878D82A}">
+                    <a16:rowId xmlns:a16="http://schemas.microsoft.com/office/drawing/2014/main" val="10006"/>
+                  </a:ext>
+                </a:extLst>
               </a:tr>
               <a:tr h="208800">
                 <a:tc>
@@ -34848,6 +35365,11 @@
                     </a:solidFill>
                   </a:tcPr>
                 </a:tc>
+                <a:extLst>
+                  <a:ext uri="{0D108BD9-81ED-4DB2-BD59-A6C34878D82A}">
+                    <a16:rowId xmlns:a16="http://schemas.microsoft.com/office/drawing/2014/main" val="10007"/>
+                  </a:ext>
+                </a:extLst>
               </a:tr>
               <a:tr h="208800">
                 <a:tc>
@@ -34903,6 +35425,11 @@
                     </a:solidFill>
                   </a:tcPr>
                 </a:tc>
+                <a:extLst>
+                  <a:ext uri="{0D108BD9-81ED-4DB2-BD59-A6C34878D82A}">
+                    <a16:rowId xmlns:a16="http://schemas.microsoft.com/office/drawing/2014/main" val="10008"/>
+                  </a:ext>
+                </a:extLst>
               </a:tr>
               <a:tr h="208800">
                 <a:tc>
@@ -34958,6 +35485,11 @@
                     </a:solidFill>
                   </a:tcPr>
                 </a:tc>
+                <a:extLst>
+                  <a:ext uri="{0D108BD9-81ED-4DB2-BD59-A6C34878D82A}">
+                    <a16:rowId xmlns:a16="http://schemas.microsoft.com/office/drawing/2014/main" val="10009"/>
+                  </a:ext>
+                </a:extLst>
               </a:tr>
               <a:tr h="208800">
                 <a:tc>
@@ -35013,6 +35545,11 @@
                     </a:solidFill>
                   </a:tcPr>
                 </a:tc>
+                <a:extLst>
+                  <a:ext uri="{0D108BD9-81ED-4DB2-BD59-A6C34878D82A}">
+                    <a16:rowId xmlns:a16="http://schemas.microsoft.com/office/drawing/2014/main" val="10010"/>
+                  </a:ext>
+                </a:extLst>
               </a:tr>
               <a:tr h="208800">
                 <a:tc>
@@ -35068,6 +35605,11 @@
                     </a:solidFill>
                   </a:tcPr>
                 </a:tc>
+                <a:extLst>
+                  <a:ext uri="{0D108BD9-81ED-4DB2-BD59-A6C34878D82A}">
+                    <a16:rowId xmlns:a16="http://schemas.microsoft.com/office/drawing/2014/main" val="10011"/>
+                  </a:ext>
+                </a:extLst>
               </a:tr>
               <a:tr h="208800">
                 <a:tc>
@@ -35123,6 +35665,11 @@
                     </a:solidFill>
                   </a:tcPr>
                 </a:tc>
+                <a:extLst>
+                  <a:ext uri="{0D108BD9-81ED-4DB2-BD59-A6C34878D82A}">
+                    <a16:rowId xmlns:a16="http://schemas.microsoft.com/office/drawing/2014/main" val="10012"/>
+                  </a:ext>
+                </a:extLst>
               </a:tr>
               <a:tr h="208800">
                 <a:tc>
@@ -35178,6 +35725,11 @@
                     </a:solidFill>
                   </a:tcPr>
                 </a:tc>
+                <a:extLst>
+                  <a:ext uri="{0D108BD9-81ED-4DB2-BD59-A6C34878D82A}">
+                    <a16:rowId xmlns:a16="http://schemas.microsoft.com/office/drawing/2014/main" val="10013"/>
+                  </a:ext>
+                </a:extLst>
               </a:tr>
               <a:tr h="208800">
                 <a:tc>
@@ -35233,6 +35785,11 @@
                     </a:solidFill>
                   </a:tcPr>
                 </a:tc>
+                <a:extLst>
+                  <a:ext uri="{0D108BD9-81ED-4DB2-BD59-A6C34878D82A}">
+                    <a16:rowId xmlns:a16="http://schemas.microsoft.com/office/drawing/2014/main" val="10014"/>
+                  </a:ext>
+                </a:extLst>
               </a:tr>
             </a:tbl>
           </a:graphicData>
@@ -35261,10 +35818,9 @@
           <a:lstStyle/>
           <a:p>
             <a:r>
-              <a:rPr kumimoji="1" lang="ja-JP" altLang="en-US" dirty="0" smtClean="0"/>
+              <a:rPr kumimoji="1" lang="ja-JP" altLang="en-US" dirty="0"/>
               <a:t>入力層</a:t>
             </a:r>
-            <a:endParaRPr kumimoji="1" lang="ja-JP" altLang="en-US" dirty="0"/>
           </a:p>
         </p:txBody>
       </p:sp>
@@ -35291,14 +35847,13 @@
           <a:lstStyle/>
           <a:p>
             <a:r>
-              <a:rPr kumimoji="1" lang="en-US" altLang="ja-JP" dirty="0" smtClean="0"/>
+              <a:rPr kumimoji="1" lang="en-US" altLang="ja-JP" dirty="0"/>
               <a:t>n</a:t>
             </a:r>
             <a:r>
-              <a:rPr kumimoji="1" lang="ja-JP" altLang="en-US" dirty="0" smtClean="0"/>
+              <a:rPr kumimoji="1" lang="ja-JP" altLang="en-US" dirty="0"/>
               <a:t>次元の隠れ層</a:t>
             </a:r>
-            <a:endParaRPr kumimoji="1" lang="ja-JP" altLang="en-US" dirty="0"/>
           </a:p>
         </p:txBody>
       </p:sp>
@@ -35325,7 +35880,7 @@
           <a:lstStyle/>
           <a:p>
             <a:r>
-              <a:rPr kumimoji="1" lang="ja-JP" altLang="en-US" smtClean="0"/>
+              <a:rPr kumimoji="1" lang="ja-JP" altLang="en-US"/>
               <a:t>出力層</a:t>
             </a:r>
             <a:endParaRPr kumimoji="1" lang="ja-JP" altLang="en-US" dirty="0"/>
@@ -35534,14 +36089,14 @@
           <a:p>
             <a:pPr algn="ctr"/>
             <a:r>
-              <a:rPr kumimoji="1" lang="ja-JP" altLang="en-US" dirty="0" smtClean="0">
+              <a:rPr kumimoji="1" lang="ja-JP" altLang="en-US" dirty="0">
                 <a:solidFill>
                   <a:schemeClr val="tx1"/>
                 </a:solidFill>
               </a:rPr>
               <a:t>文書</a:t>
             </a:r>
-            <a:endParaRPr kumimoji="1" lang="en-US" altLang="ja-JP" dirty="0" smtClean="0">
+            <a:endParaRPr kumimoji="1" lang="en-US" altLang="ja-JP" dirty="0">
               <a:solidFill>
                 <a:schemeClr val="tx1"/>
               </a:solidFill>
@@ -35550,7 +36105,7 @@
           <a:p>
             <a:pPr algn="ctr"/>
             <a:r>
-              <a:rPr kumimoji="1" lang="en-US" altLang="ja-JP" dirty="0" smtClean="0">
+              <a:rPr kumimoji="1" lang="en-US" altLang="ja-JP" dirty="0">
                 <a:solidFill>
                   <a:schemeClr val="tx1"/>
                 </a:solidFill>
@@ -35588,7 +36143,7 @@
           <a:lstStyle/>
           <a:p>
             <a:r>
-              <a:rPr kumimoji="1" lang="en-US" altLang="ja-JP" dirty="0" smtClean="0"/>
+              <a:rPr kumimoji="1" lang="en-US" altLang="ja-JP" dirty="0"/>
               <a:t>I</a:t>
             </a:r>
             <a:endParaRPr kumimoji="1" lang="ja-JP" altLang="en-US" dirty="0"/>
@@ -35618,7 +36173,7 @@
           <a:lstStyle/>
           <a:p>
             <a:r>
-              <a:rPr kumimoji="1" lang="en-US" altLang="ja-JP" smtClean="0"/>
+              <a:rPr kumimoji="1" lang="en-US" altLang="ja-JP"/>
               <a:t>have</a:t>
             </a:r>
             <a:endParaRPr kumimoji="1" lang="ja-JP" altLang="en-US" dirty="0"/>
@@ -35648,7 +36203,7 @@
           <a:lstStyle/>
           <a:p>
             <a:r>
-              <a:rPr kumimoji="1" lang="en-US" altLang="ja-JP" smtClean="0"/>
+              <a:rPr kumimoji="1" lang="en-US" altLang="ja-JP"/>
               <a:t>a</a:t>
             </a:r>
             <a:endParaRPr kumimoji="1" lang="ja-JP" altLang="en-US" dirty="0"/>
@@ -35678,7 +36233,7 @@
           <a:lstStyle/>
           <a:p>
             <a:r>
-              <a:rPr kumimoji="1" lang="en-US" altLang="ja-JP" smtClean="0"/>
+              <a:rPr kumimoji="1" lang="en-US" altLang="ja-JP"/>
               <a:t>pen</a:t>
             </a:r>
             <a:endParaRPr kumimoji="1" lang="ja-JP" altLang="en-US" dirty="0"/>
@@ -35690,7 +36245,7 @@
           <p:cNvPr id="27" name="テキスト ボックス 26">
             <a:extLst>
               <a:ext uri="{FF2B5EF4-FFF2-40B4-BE49-F238E27FC236}">
-                <a16:creationId xmlns:a16="http://schemas.microsoft.com/office/drawing/2014/main" xmlns="" id="{780EB33D-AB7A-644C-BF62-6411655FBFD6}"/>
+                <a16:creationId xmlns:a16="http://schemas.microsoft.com/office/drawing/2014/main" id="{780EB33D-AB7A-644C-BF62-6411655FBFD6}"/>
               </a:ext>
             </a:extLst>
           </p:cNvPr>
@@ -35727,23 +36282,7 @@
             </a:r>
             <a:r>
               <a:rPr lang="en-US" altLang="ja-JP" sz="2800" dirty="0"/>
-              <a:t>(</a:t>
-            </a:r>
-            <a:r>
-              <a:rPr lang="en-US" altLang="ja-JP" sz="2800" dirty="0" smtClean="0"/>
-              <a:t>③</a:t>
-            </a:r>
-            <a:r>
-              <a:rPr lang="en-US" altLang="ja-JP" sz="2800" dirty="0" smtClean="0"/>
-              <a:t>doc</a:t>
-            </a:r>
-            <a:r>
-              <a:rPr lang="en-US" altLang="ja-JP" sz="2800" dirty="0" smtClean="0"/>
-              <a:t>2vec</a:t>
-            </a:r>
-            <a:r>
-              <a:rPr lang="en-US" altLang="ja-JP" sz="2800" dirty="0"/>
-              <a:t>)</a:t>
+              <a:t>(③doc2vec)</a:t>
             </a:r>
             <a:endParaRPr lang="ja-JP" altLang="en-US" sz="2800" dirty="0"/>
           </a:p>
@@ -35772,7 +36311,7 @@
           <a:lstStyle/>
           <a:p>
             <a:r>
-              <a:rPr lang="en-US" altLang="ja-JP" dirty="0" err="1" smtClean="0"/>
+              <a:rPr lang="en-US" altLang="ja-JP" dirty="0" err="1"/>
               <a:t>DBoW</a:t>
             </a:r>
             <a:endParaRPr kumimoji="1" lang="ja-JP" altLang="en-US" dirty="0"/>
@@ -35789,13 +36328,6 @@
   <p:clrMapOvr>
     <a:masterClrMapping/>
   </p:clrMapOvr>
-  <p:timing>
-    <p:tnLst>
-      <p:par>
-        <p:cTn id="1" dur="indefinite" restart="never" nodeType="tmRoot"/>
-      </p:par>
-    </p:tnLst>
-  </p:timing>
 </p:sld>
 </file>
 
@@ -35839,18 +36371,17 @@
           <a:lstStyle/>
           <a:p>
             <a:r>
-              <a:rPr lang="ja-JP" altLang="en-US" sz="4400" dirty="0" smtClean="0"/>
+              <a:rPr lang="ja-JP" altLang="en-US" sz="4400" dirty="0"/>
               <a:t>まとめ</a:t>
             </a:r>
             <a:r>
-              <a:rPr lang="en-US" altLang="ja-JP" sz="4400" dirty="0" smtClean="0"/>
+              <a:rPr lang="en-US" altLang="ja-JP" sz="4400" dirty="0"/>
               <a:t> + </a:t>
             </a:r>
             <a:r>
-              <a:rPr lang="ja-JP" altLang="en-US" sz="4400" dirty="0" smtClean="0"/>
+              <a:rPr lang="ja-JP" altLang="en-US" sz="4400" dirty="0"/>
               <a:t>補足</a:t>
             </a:r>
-            <a:endParaRPr lang="ja-JP" altLang="en-US" sz="4400" dirty="0"/>
           </a:p>
         </p:txBody>
       </p:sp>
@@ -35877,18 +36408,17 @@
           <a:lstStyle/>
           <a:p>
             <a:r>
-              <a:rPr kumimoji="1" lang="ja-JP" altLang="en-US" dirty="0" smtClean="0"/>
+              <a:rPr kumimoji="1" lang="ja-JP" altLang="en-US" dirty="0"/>
               <a:t>単語のベクトル表現には</a:t>
             </a:r>
             <a:r>
-              <a:rPr kumimoji="1" lang="en-US" altLang="ja-JP" dirty="0" err="1" smtClean="0"/>
+              <a:rPr kumimoji="1" lang="en-US" altLang="ja-JP" dirty="0" err="1"/>
               <a:t>BoW</a:t>
             </a:r>
             <a:r>
-              <a:rPr kumimoji="1" lang="ja-JP" altLang="en-US" dirty="0" smtClean="0"/>
+              <a:rPr kumimoji="1" lang="ja-JP" altLang="en-US" dirty="0"/>
               <a:t>と分散表現がある</a:t>
             </a:r>
-            <a:endParaRPr kumimoji="1" lang="ja-JP" altLang="en-US" dirty="0"/>
           </a:p>
         </p:txBody>
       </p:sp>
@@ -35915,26 +36445,25 @@
           <a:lstStyle/>
           <a:p>
             <a:r>
-              <a:rPr kumimoji="1" lang="ja-JP" altLang="en-US" dirty="0" smtClean="0"/>
+              <a:rPr kumimoji="1" lang="ja-JP" altLang="en-US" dirty="0"/>
               <a:t>分散表現のモデルとして</a:t>
             </a:r>
             <a:r>
-              <a:rPr kumimoji="1" lang="en-US" altLang="ja-JP" dirty="0" smtClean="0"/>
+              <a:rPr kumimoji="1" lang="en-US" altLang="ja-JP" dirty="0"/>
               <a:t>Word2Vec(</a:t>
             </a:r>
             <a:r>
-              <a:rPr kumimoji="1" lang="en-US" altLang="ja-JP" dirty="0" err="1" smtClean="0"/>
+              <a:rPr kumimoji="1" lang="en-US" altLang="ja-JP" dirty="0" err="1"/>
               <a:t>CBoW</a:t>
             </a:r>
             <a:r>
-              <a:rPr kumimoji="1" lang="en-US" altLang="ja-JP" dirty="0" smtClean="0"/>
+              <a:rPr kumimoji="1" lang="en-US" altLang="ja-JP" dirty="0"/>
               <a:t>, Skip-Gram)</a:t>
             </a:r>
             <a:r>
-              <a:rPr kumimoji="1" lang="ja-JP" altLang="en-US" dirty="0" smtClean="0"/>
+              <a:rPr kumimoji="1" lang="ja-JP" altLang="en-US" dirty="0"/>
               <a:t>がある</a:t>
             </a:r>
-            <a:endParaRPr kumimoji="1" lang="ja-JP" altLang="en-US" dirty="0"/>
           </a:p>
         </p:txBody>
       </p:sp>
@@ -35961,10 +36490,9 @@
           <a:lstStyle/>
           <a:p>
             <a:r>
-              <a:rPr kumimoji="1" lang="ja-JP" altLang="en-US" dirty="0" smtClean="0"/>
+              <a:rPr kumimoji="1" lang="ja-JP" altLang="en-US" dirty="0"/>
               <a:t>文書間での演算を行うためには文章を固定長のベクトルに変換する必要がある</a:t>
             </a:r>
-            <a:endParaRPr kumimoji="1" lang="ja-JP" altLang="en-US" dirty="0"/>
           </a:p>
         </p:txBody>
       </p:sp>
@@ -36031,11 +36559,11 @@
           <a:lstStyle/>
           <a:p>
             <a:r>
-              <a:rPr kumimoji="1" lang="en-US" altLang="ja-JP" dirty="0" err="1" smtClean="0"/>
+              <a:rPr kumimoji="1" lang="en-US" altLang="ja-JP" dirty="0" err="1"/>
               <a:t>BoW</a:t>
             </a:r>
             <a:r>
-              <a:rPr kumimoji="1" lang="en-US" altLang="ja-JP" dirty="0" smtClean="0"/>
+              <a:rPr kumimoji="1" lang="en-US" altLang="ja-JP" dirty="0"/>
               <a:t>, LDA, Doc2Vec</a:t>
             </a:r>
             <a:endParaRPr kumimoji="1" lang="ja-JP" altLang="en-US" dirty="0"/>
@@ -36069,30 +36597,29 @@
               <a:t>g</a:t>
             </a:r>
             <a:r>
-              <a:rPr kumimoji="1" lang="en-US" altLang="ja-JP" dirty="0" err="1" smtClean="0"/>
+              <a:rPr kumimoji="1" lang="en-US" altLang="ja-JP" dirty="0" err="1"/>
               <a:t>ensim</a:t>
             </a:r>
             <a:r>
-              <a:rPr kumimoji="1" lang="ja-JP" altLang="en-US" dirty="0" smtClean="0"/>
+              <a:rPr kumimoji="1" lang="ja-JP" altLang="en-US" dirty="0"/>
               <a:t>で</a:t>
             </a:r>
             <a:r>
-              <a:rPr kumimoji="1" lang="en-US" altLang="ja-JP" dirty="0" smtClean="0"/>
+              <a:rPr kumimoji="1" lang="en-US" altLang="ja-JP" dirty="0"/>
               <a:t>Doc2Vec</a:t>
             </a:r>
             <a:r>
-              <a:rPr kumimoji="1" lang="ja-JP" altLang="en-US" dirty="0" smtClean="0"/>
+              <a:rPr kumimoji="1" lang="ja-JP" altLang="en-US" dirty="0"/>
               <a:t>を動かす場合は</a:t>
             </a:r>
             <a:r>
-              <a:rPr kumimoji="1" lang="en-US" altLang="ja-JP" dirty="0" err="1" smtClean="0"/>
+              <a:rPr kumimoji="1" lang="en-US" altLang="ja-JP" dirty="0" err="1"/>
               <a:t>dmpv</a:t>
             </a:r>
             <a:r>
-              <a:rPr kumimoji="1" lang="ja-JP" altLang="en-US" dirty="0" smtClean="0"/>
+              <a:rPr kumimoji="1" lang="ja-JP" altLang="en-US" dirty="0"/>
               <a:t>が標準になっている</a:t>
             </a:r>
-            <a:endParaRPr kumimoji="1" lang="ja-JP" altLang="en-US" dirty="0"/>
           </a:p>
         </p:txBody>
       </p:sp>
@@ -36119,10 +36646,9 @@
           <a:lstStyle/>
           <a:p>
             <a:r>
-              <a:rPr kumimoji="1" lang="ja-JP" altLang="en-US" smtClean="0"/>
+              <a:rPr kumimoji="1" lang="ja-JP" altLang="en-US"/>
               <a:t>類似度の計算は分散表現されたベクトル間でのコサイン類似度となっている</a:t>
             </a:r>
-            <a:endParaRPr kumimoji="1" lang="ja-JP" altLang="en-US"/>
           </a:p>
         </p:txBody>
       </p:sp>
@@ -36189,18 +36715,17 @@
           <a:lstStyle/>
           <a:p>
             <a:r>
-              <a:rPr kumimoji="1" lang="ja-JP" altLang="en-US" dirty="0" smtClean="0"/>
+              <a:rPr kumimoji="1" lang="ja-JP" altLang="en-US" dirty="0"/>
               <a:t>もちろん</a:t>
             </a:r>
             <a:r>
-              <a:rPr kumimoji="1" lang="en-US" altLang="ja-JP" dirty="0" err="1" smtClean="0"/>
+              <a:rPr kumimoji="1" lang="en-US" altLang="ja-JP" dirty="0" err="1"/>
               <a:t>DBoW</a:t>
             </a:r>
             <a:r>
-              <a:rPr kumimoji="1" lang="ja-JP" altLang="en-US" dirty="0" smtClean="0"/>
+              <a:rPr kumimoji="1" lang="ja-JP" altLang="en-US" dirty="0"/>
               <a:t>を使用することも可能</a:t>
             </a:r>
-            <a:endParaRPr kumimoji="1" lang="ja-JP" altLang="en-US" dirty="0"/>
           </a:p>
         </p:txBody>
       </p:sp>
@@ -36214,13 +36739,6 @@
   <p:clrMapOvr>
     <a:masterClrMapping/>
   </p:clrMapOvr>
-  <p:timing>
-    <p:tnLst>
-      <p:par>
-        <p:cTn id="1" dur="indefinite" restart="never" nodeType="tmRoot"/>
-      </p:par>
-    </p:tnLst>
-  </p:timing>
 </p:sld>
 </file>
 
@@ -36264,10 +36782,9 @@
           <a:lstStyle/>
           <a:p>
             <a:r>
-              <a:rPr lang="ja-JP" altLang="en-US" sz="4400" dirty="0" smtClean="0"/>
+              <a:rPr lang="ja-JP" altLang="en-US" sz="4400" dirty="0"/>
               <a:t>参考にした資料</a:t>
             </a:r>
-            <a:endParaRPr lang="ja-JP" altLang="en-US" sz="4400" dirty="0"/>
           </a:p>
         </p:txBody>
       </p:sp>
@@ -36280,7 +36797,7 @@
         <p:spPr>
           <a:xfrm>
             <a:off x="1541124" y="1818526"/>
-            <a:ext cx="9303316" cy="2031325"/>
+            <a:ext cx="10761279" cy="2585323"/>
           </a:xfrm>
           <a:prstGeom prst="rect">
             <a:avLst/>
@@ -36297,70 +36814,70 @@
               <a:rPr kumimoji="1" lang="en-US" altLang="ja-JP" dirty="0">
                 <a:hlinkClick r:id="rId3"/>
               </a:rPr>
-              <a:t>https://</a:t>
-            </a:r>
-            <a:r>
-              <a:rPr kumimoji="1" lang="en-US" altLang="ja-JP" dirty="0" smtClean="0">
-                <a:hlinkClick r:id="rId3"/>
-              </a:rPr>
-              <a:t>deepage.net/machine_learning/2017/01/08/doc2vec.html</a:t>
-            </a:r>
-            <a:endParaRPr kumimoji="1" lang="en-US" altLang="ja-JP" dirty="0" smtClean="0"/>
-          </a:p>
-          <a:p>
-            <a:endParaRPr kumimoji="1" lang="en-US" altLang="ja-JP" dirty="0" smtClean="0"/>
+              <a:t>https://deepage.net/machine_learning/2017/01/08/doc2vec.html</a:t>
+            </a:r>
+            <a:endParaRPr kumimoji="1" lang="en-US" altLang="ja-JP" dirty="0"/>
+          </a:p>
+          <a:p>
+            <a:endParaRPr kumimoji="1" lang="en-US" altLang="ja-JP" dirty="0"/>
           </a:p>
           <a:p>
             <a:r>
               <a:rPr kumimoji="1" lang="en-US" altLang="ja-JP" dirty="0">
                 <a:hlinkClick r:id="rId4"/>
               </a:rPr>
-              <a:t>https://</a:t>
-            </a:r>
-            <a:r>
-              <a:rPr kumimoji="1" lang="en-US" altLang="ja-JP" dirty="0" smtClean="0">
-                <a:hlinkClick r:id="rId4"/>
-              </a:rPr>
-              <a:t>deepage.net/bigdata/machine_learning/2016/09/02/word2vec_power_of_word_vector.html</a:t>
-            </a:r>
-            <a:endParaRPr kumimoji="1" lang="en-US" altLang="ja-JP" dirty="0" smtClean="0"/>
-          </a:p>
-          <a:p>
-            <a:endParaRPr kumimoji="1" lang="en-US" altLang="ja-JP" dirty="0" smtClean="0">
-              <a:hlinkClick r:id=""/>
+              <a:t>https://deepage.net/bigdata/machine_learning/2016/09/02/word2vec_power_of_word_vector.html</a:t>
+            </a:r>
+            <a:endParaRPr kumimoji="1" lang="en-US" altLang="ja-JP" dirty="0"/>
+          </a:p>
+          <a:p>
+            <a:endParaRPr kumimoji="1" lang="en-US" altLang="ja-JP" dirty="0">
+              <a:hlinkClick r:id="" action="ppaction://noaction"/>
             </a:endParaRPr>
           </a:p>
           <a:p>
-            <a:r>
-              <a:rPr kumimoji="1" lang="en-US" altLang="ja-JP" dirty="0" smtClean="0">
-                <a:hlinkClick r:id=""/>
-              </a:rPr>
-              <a:t>http</a:t>
-            </a:r>
             <a:r>
               <a:rPr kumimoji="1" lang="en-US" altLang="ja-JP" dirty="0">
                 <a:hlinkClick r:id="rId5"/>
               </a:rPr>
-              <a:t>://</a:t>
-            </a:r>
-            <a:r>
-              <a:rPr kumimoji="1" lang="en-US" altLang="ja-JP" dirty="0" smtClean="0">
-                <a:hlinkClick r:id="rId5"/>
+              <a:t>http://qiita.com/Hironsan/items/11b388575a058dc8a46a</a:t>
+            </a:r>
+            <a:endParaRPr kumimoji="1" lang="en-US" altLang="ja-JP" dirty="0"/>
+          </a:p>
+          <a:p>
+            <a:endParaRPr lang="en-US" altLang="ja-JP" dirty="0"/>
+          </a:p>
+          <a:p>
+            <a:r>
+              <a:rPr lang="en-US" altLang="ja-JP" dirty="0">
+                <a:hlinkClick r:id="rId6"/>
               </a:rPr>
-              <a:t>qiita.com/Hironsan/items/11b388575a058dc8a46a</a:t>
-            </a:r>
-            <a:endParaRPr kumimoji="1" lang="en-US" altLang="ja-JP" dirty="0" smtClean="0"/>
-          </a:p>
-          <a:p>
-            <a:endParaRPr kumimoji="1" lang="en-US" altLang="ja-JP" dirty="0" smtClean="0"/>
-          </a:p>
-          <a:p>
-            <a:r>
-              <a:rPr kumimoji="1" lang="ja-JP" altLang="en-US" dirty="0" smtClean="0"/>
+              <a:t>http://</a:t>
+            </a:r>
+            <a:r>
+              <a:rPr lang="en-US" altLang="ja-JP" dirty="0" err="1">
+                <a:hlinkClick r:id="rId6"/>
+              </a:rPr>
+              <a:t>mccormickml.com</a:t>
+            </a:r>
+            <a:r>
+              <a:rPr lang="en-US" altLang="ja-JP" dirty="0">
+                <a:hlinkClick r:id="rId6"/>
+              </a:rPr>
+              <a:t>/2016/04/19/word2vec-tutorial-the-skip-gram-model/</a:t>
+            </a:r>
+            <a:endParaRPr lang="ja-JP" altLang="en-US"/>
+          </a:p>
+          <a:p>
+            <a:endParaRPr kumimoji="1" lang="en-US" altLang="ja-JP" dirty="0"/>
+          </a:p>
+          <a:p>
+            <a:r>
+              <a:rPr kumimoji="1" lang="ja-JP" altLang="en-US" dirty="0"/>
               <a:t>深層学習による自然言語処理</a:t>
             </a:r>
             <a:r>
-              <a:rPr kumimoji="1" lang="en-US" altLang="ja-JP" dirty="0" smtClean="0"/>
+              <a:rPr kumimoji="1" lang="en-US" altLang="ja-JP" dirty="0"/>
               <a:t>(MLP)</a:t>
             </a:r>
             <a:endParaRPr kumimoji="1" lang="ja-JP" altLang="en-US" dirty="0"/>
@@ -36376,14 +36893,14 @@
           <p:nvPr/>
         </p:nvPicPr>
         <p:blipFill>
-          <a:blip r:embed="rId6"/>
+          <a:blip r:embed="rId7"/>
           <a:stretch>
             <a:fillRect/>
           </a:stretch>
         </p:blipFill>
         <p:spPr>
           <a:xfrm>
-            <a:off x="7600593" y="3220345"/>
+            <a:off x="9923321" y="4222251"/>
             <a:ext cx="1854004" cy="2635749"/>
           </a:xfrm>
           <a:prstGeom prst="rect">
@@ -36401,13 +36918,6 @@
   <p:clrMapOvr>
     <a:masterClrMapping/>
   </p:clrMapOvr>
-  <p:timing>
-    <p:tnLst>
-      <p:par>
-        <p:cTn id="1" dur="indefinite" restart="never" nodeType="tmRoot"/>
-      </p:par>
-    </p:tnLst>
-  </p:timing>
 </p:sld>
 </file>
 
@@ -36433,7 +36943,7 @@
           <p:cNvPr id="4" name="テキスト ボックス 3">
             <a:extLst>
               <a:ext uri="{FF2B5EF4-FFF2-40B4-BE49-F238E27FC236}">
-                <a16:creationId xmlns:a16="http://schemas.microsoft.com/office/drawing/2014/main" xmlns="" id="{780EB33D-AB7A-644C-BF62-6411655FBFD6}"/>
+                <a16:creationId xmlns:a16="http://schemas.microsoft.com/office/drawing/2014/main" id="{780EB33D-AB7A-644C-BF62-6411655FBFD6}"/>
               </a:ext>
             </a:extLst>
           </p:cNvPr>
@@ -36472,7 +36982,7 @@
           <p:cNvPr id="11" name="テキスト ボックス 10">
             <a:extLst>
               <a:ext uri="{FF2B5EF4-FFF2-40B4-BE49-F238E27FC236}">
-                <a16:creationId xmlns:a16="http://schemas.microsoft.com/office/drawing/2014/main" xmlns="" id="{6F8E7B9A-3AC5-DF47-B7CB-77F6B04E8F77}"/>
+                <a16:creationId xmlns:a16="http://schemas.microsoft.com/office/drawing/2014/main" id="{6F8E7B9A-3AC5-DF47-B7CB-77F6B04E8F77}"/>
               </a:ext>
             </a:extLst>
           </p:cNvPr>
@@ -36655,7 +37165,7 @@
           <p:cNvPr id="5" name="図 4">
             <a:extLst>
               <a:ext uri="{FF2B5EF4-FFF2-40B4-BE49-F238E27FC236}">
-                <a16:creationId xmlns:a16="http://schemas.microsoft.com/office/drawing/2014/main" xmlns="" id="{A757343D-C9BA-A64B-B164-E4B6761326EE}"/>
+                <a16:creationId xmlns:a16="http://schemas.microsoft.com/office/drawing/2014/main" id="{A757343D-C9BA-A64B-B164-E4B6761326EE}"/>
               </a:ext>
             </a:extLst>
           </p:cNvPr>
@@ -36685,7 +37195,7 @@
           <p:cNvPr id="7" name="図 6">
             <a:extLst>
               <a:ext uri="{FF2B5EF4-FFF2-40B4-BE49-F238E27FC236}">
-                <a16:creationId xmlns:a16="http://schemas.microsoft.com/office/drawing/2014/main" xmlns="" id="{DDE7CE37-AFFC-224B-9A18-7A67C2569FBF}"/>
+                <a16:creationId xmlns:a16="http://schemas.microsoft.com/office/drawing/2014/main" id="{DDE7CE37-AFFC-224B-9A18-7A67C2569FBF}"/>
               </a:ext>
             </a:extLst>
           </p:cNvPr>
@@ -36715,7 +37225,7 @@
           <p:cNvPr id="9" name="図 8">
             <a:extLst>
               <a:ext uri="{FF2B5EF4-FFF2-40B4-BE49-F238E27FC236}">
-                <a16:creationId xmlns:a16="http://schemas.microsoft.com/office/drawing/2014/main" xmlns="" id="{086A0519-ABC4-8B43-822C-C4AC1A33E038}"/>
+                <a16:creationId xmlns:a16="http://schemas.microsoft.com/office/drawing/2014/main" id="{086A0519-ABC4-8B43-822C-C4AC1A33E038}"/>
               </a:ext>
             </a:extLst>
           </p:cNvPr>
@@ -36775,7 +37285,7 @@
           <p:cNvPr id="4" name="テキスト ボックス 3">
             <a:extLst>
               <a:ext uri="{FF2B5EF4-FFF2-40B4-BE49-F238E27FC236}">
-                <a16:creationId xmlns:a16="http://schemas.microsoft.com/office/drawing/2014/main" xmlns="" id="{780EB33D-AB7A-644C-BF62-6411655FBFD6}"/>
+                <a16:creationId xmlns:a16="http://schemas.microsoft.com/office/drawing/2014/main" id="{780EB33D-AB7A-644C-BF62-6411655FBFD6}"/>
               </a:ext>
             </a:extLst>
           </p:cNvPr>
@@ -36814,7 +37324,7 @@
           <p:cNvPr id="11" name="テキスト ボックス 10">
             <a:extLst>
               <a:ext uri="{FF2B5EF4-FFF2-40B4-BE49-F238E27FC236}">
-                <a16:creationId xmlns:a16="http://schemas.microsoft.com/office/drawing/2014/main" xmlns="" id="{6F8E7B9A-3AC5-DF47-B7CB-77F6B04E8F77}"/>
+                <a16:creationId xmlns:a16="http://schemas.microsoft.com/office/drawing/2014/main" id="{6F8E7B9A-3AC5-DF47-B7CB-77F6B04E8F77}"/>
               </a:ext>
             </a:extLst>
           </p:cNvPr>
@@ -36850,7 +37360,7 @@
           <p:cNvPr id="16" name="右矢印 15">
             <a:extLst>
               <a:ext uri="{FF2B5EF4-FFF2-40B4-BE49-F238E27FC236}">
-                <a16:creationId xmlns:a16="http://schemas.microsoft.com/office/drawing/2014/main" xmlns="" id="{739D0CE5-D385-F848-8CFF-AEE5FACD2935}"/>
+                <a16:creationId xmlns:a16="http://schemas.microsoft.com/office/drawing/2014/main" id="{739D0CE5-D385-F848-8CFF-AEE5FACD2935}"/>
               </a:ext>
             </a:extLst>
           </p:cNvPr>
@@ -36909,7 +37419,7 @@
           <p:cNvPr id="10" name="テキスト ボックス 9">
             <a:extLst>
               <a:ext uri="{FF2B5EF4-FFF2-40B4-BE49-F238E27FC236}">
-                <a16:creationId xmlns:a16="http://schemas.microsoft.com/office/drawing/2014/main" xmlns="" id="{57C7D573-5BD6-C642-B590-A27586C15441}"/>
+                <a16:creationId xmlns:a16="http://schemas.microsoft.com/office/drawing/2014/main" id="{57C7D573-5BD6-C642-B590-A27586C15441}"/>
               </a:ext>
             </a:extLst>
           </p:cNvPr>
@@ -36944,7 +37454,7 @@
           <p:cNvPr id="14" name="テキスト ボックス 13">
             <a:extLst>
               <a:ext uri="{FF2B5EF4-FFF2-40B4-BE49-F238E27FC236}">
-                <a16:creationId xmlns:a16="http://schemas.microsoft.com/office/drawing/2014/main" xmlns="" id="{58806B3E-D436-2C45-B691-EBDC45728F73}"/>
+                <a16:creationId xmlns:a16="http://schemas.microsoft.com/office/drawing/2014/main" id="{58806B3E-D436-2C45-B691-EBDC45728F73}"/>
               </a:ext>
             </a:extLst>
           </p:cNvPr>
@@ -36979,7 +37489,7 @@
           <p:cNvPr id="18" name="図 17">
             <a:extLst>
               <a:ext uri="{FF2B5EF4-FFF2-40B4-BE49-F238E27FC236}">
-                <a16:creationId xmlns:a16="http://schemas.microsoft.com/office/drawing/2014/main" xmlns="" id="{457E80AC-428B-A84B-8607-A45E61F675B5}"/>
+                <a16:creationId xmlns:a16="http://schemas.microsoft.com/office/drawing/2014/main" id="{457E80AC-428B-A84B-8607-A45E61F675B5}"/>
               </a:ext>
             </a:extLst>
           </p:cNvPr>
@@ -37009,7 +37519,7 @@
           <p:cNvPr id="23" name="図 22">
             <a:extLst>
               <a:ext uri="{FF2B5EF4-FFF2-40B4-BE49-F238E27FC236}">
-                <a16:creationId xmlns:a16="http://schemas.microsoft.com/office/drawing/2014/main" xmlns="" id="{CA47C66B-DACB-9E4A-8637-78237FF65B8C}"/>
+                <a16:creationId xmlns:a16="http://schemas.microsoft.com/office/drawing/2014/main" id="{CA47C66B-DACB-9E4A-8637-78237FF65B8C}"/>
               </a:ext>
             </a:extLst>
           </p:cNvPr>
@@ -37069,7 +37579,7 @@
           <p:cNvPr id="4" name="テキスト ボックス 3">
             <a:extLst>
               <a:ext uri="{FF2B5EF4-FFF2-40B4-BE49-F238E27FC236}">
-                <a16:creationId xmlns:a16="http://schemas.microsoft.com/office/drawing/2014/main" xmlns="" id="{780EB33D-AB7A-644C-BF62-6411655FBFD6}"/>
+                <a16:creationId xmlns:a16="http://schemas.microsoft.com/office/drawing/2014/main" id="{780EB33D-AB7A-644C-BF62-6411655FBFD6}"/>
               </a:ext>
             </a:extLst>
           </p:cNvPr>
@@ -37108,7 +37618,7 @@
           <p:cNvPr id="11" name="テキスト ボックス 10">
             <a:extLst>
               <a:ext uri="{FF2B5EF4-FFF2-40B4-BE49-F238E27FC236}">
-                <a16:creationId xmlns:a16="http://schemas.microsoft.com/office/drawing/2014/main" xmlns="" id="{6F8E7B9A-3AC5-DF47-B7CB-77F6B04E8F77}"/>
+                <a16:creationId xmlns:a16="http://schemas.microsoft.com/office/drawing/2014/main" id="{6F8E7B9A-3AC5-DF47-B7CB-77F6B04E8F77}"/>
               </a:ext>
             </a:extLst>
           </p:cNvPr>
@@ -37156,7 +37666,7 @@
           <p:cNvPr id="2" name="テキスト ボックス 1">
             <a:extLst>
               <a:ext uri="{FF2B5EF4-FFF2-40B4-BE49-F238E27FC236}">
-                <a16:creationId xmlns:a16="http://schemas.microsoft.com/office/drawing/2014/main" xmlns="" id="{7DB756BC-ADED-B544-ACC5-79158F6AC79C}"/>
+                <a16:creationId xmlns:a16="http://schemas.microsoft.com/office/drawing/2014/main" id="{7DB756BC-ADED-B544-ACC5-79158F6AC79C}"/>
               </a:ext>
             </a:extLst>
           </p:cNvPr>
@@ -37203,7 +37713,7 @@
           <p:cNvPr id="3" name="テキスト ボックス 2">
             <a:extLst>
               <a:ext uri="{FF2B5EF4-FFF2-40B4-BE49-F238E27FC236}">
-                <a16:creationId xmlns:a16="http://schemas.microsoft.com/office/drawing/2014/main" xmlns="" id="{170DDEE0-9B0D-6449-83DD-B4141BC6FD87}"/>
+                <a16:creationId xmlns:a16="http://schemas.microsoft.com/office/drawing/2014/main" id="{170DDEE0-9B0D-6449-83DD-B4141BC6FD87}"/>
               </a:ext>
             </a:extLst>
           </p:cNvPr>
@@ -37238,7 +37748,7 @@
           <p:cNvPr id="5" name="テキスト ボックス 4">
             <a:extLst>
               <a:ext uri="{FF2B5EF4-FFF2-40B4-BE49-F238E27FC236}">
-                <a16:creationId xmlns:a16="http://schemas.microsoft.com/office/drawing/2014/main" xmlns="" id="{7239960E-F107-6C47-8A7D-334F80BC4357}"/>
+                <a16:creationId xmlns:a16="http://schemas.microsoft.com/office/drawing/2014/main" id="{7239960E-F107-6C47-8A7D-334F80BC4357}"/>
               </a:ext>
             </a:extLst>
           </p:cNvPr>
@@ -37273,7 +37783,7 @@
           <p:cNvPr id="12" name="右矢印 11">
             <a:extLst>
               <a:ext uri="{FF2B5EF4-FFF2-40B4-BE49-F238E27FC236}">
-                <a16:creationId xmlns:a16="http://schemas.microsoft.com/office/drawing/2014/main" xmlns="" id="{B00014DA-53E2-0F42-903C-2D620A71E892}"/>
+                <a16:creationId xmlns:a16="http://schemas.microsoft.com/office/drawing/2014/main" id="{B00014DA-53E2-0F42-903C-2D620A71E892}"/>
               </a:ext>
             </a:extLst>
           </p:cNvPr>
@@ -37334,7 +37844,7 @@
               <p:cNvPr id="7" name="テキスト ボックス 6">
                 <a:extLst>
                   <a:ext uri="{FF2B5EF4-FFF2-40B4-BE49-F238E27FC236}">
-                    <a16:creationId xmlns:a16="http://schemas.microsoft.com/office/drawing/2014/main" xmlns="" id="{1CC6E7FA-4A9C-D449-A20D-A1105126A011}"/>
+                    <a16:creationId xmlns:a16="http://schemas.microsoft.com/office/drawing/2014/main" id="{1CC6E7FA-4A9C-D449-A20D-A1105126A011}"/>
                   </a:ext>
                 </a:extLst>
               </p:cNvPr>
@@ -37490,7 +38000,7 @@
               <p:cNvPr id="13" name="テキスト ボックス 12">
                 <a:extLst>
                   <a:ext uri="{FF2B5EF4-FFF2-40B4-BE49-F238E27FC236}">
-                    <a16:creationId xmlns:a16="http://schemas.microsoft.com/office/drawing/2014/main" xmlns="" id="{BA1DFFE1-E890-6E48-931E-BFBC4ECF956B}"/>
+                    <a16:creationId xmlns:a16="http://schemas.microsoft.com/office/drawing/2014/main" id="{BA1DFFE1-E890-6E48-931E-BFBC4ECF956B}"/>
                   </a:ext>
                 </a:extLst>
               </p:cNvPr>
@@ -37584,7 +38094,7 @@
           <p:cNvPr id="10" name="テキスト ボックス 9">
             <a:extLst>
               <a:ext uri="{FF2B5EF4-FFF2-40B4-BE49-F238E27FC236}">
-                <a16:creationId xmlns:a16="http://schemas.microsoft.com/office/drawing/2014/main" xmlns="" id="{1A5A5369-4AA8-0F45-83DA-99D94C9F1214}"/>
+                <a16:creationId xmlns:a16="http://schemas.microsoft.com/office/drawing/2014/main" id="{1A5A5369-4AA8-0F45-83DA-99D94C9F1214}"/>
               </a:ext>
             </a:extLst>
           </p:cNvPr>
@@ -37650,7 +38160,7 @@
           <p:cNvPr id="4" name="テキスト ボックス 3">
             <a:extLst>
               <a:ext uri="{FF2B5EF4-FFF2-40B4-BE49-F238E27FC236}">
-                <a16:creationId xmlns:a16="http://schemas.microsoft.com/office/drawing/2014/main" xmlns="" id="{780EB33D-AB7A-644C-BF62-6411655FBFD6}"/>
+                <a16:creationId xmlns:a16="http://schemas.microsoft.com/office/drawing/2014/main" id="{780EB33D-AB7A-644C-BF62-6411655FBFD6}"/>
               </a:ext>
             </a:extLst>
           </p:cNvPr>
@@ -37689,7 +38199,7 @@
           <p:cNvPr id="11" name="テキスト ボックス 10">
             <a:extLst>
               <a:ext uri="{FF2B5EF4-FFF2-40B4-BE49-F238E27FC236}">
-                <a16:creationId xmlns:a16="http://schemas.microsoft.com/office/drawing/2014/main" xmlns="" id="{6F8E7B9A-3AC5-DF47-B7CB-77F6B04E8F77}"/>
+                <a16:creationId xmlns:a16="http://schemas.microsoft.com/office/drawing/2014/main" id="{6F8E7B9A-3AC5-DF47-B7CB-77F6B04E8F77}"/>
               </a:ext>
             </a:extLst>
           </p:cNvPr>
@@ -37741,7 +38251,7 @@
           <p:cNvPr id="12" name="右矢印 11">
             <a:extLst>
               <a:ext uri="{FF2B5EF4-FFF2-40B4-BE49-F238E27FC236}">
-                <a16:creationId xmlns:a16="http://schemas.microsoft.com/office/drawing/2014/main" xmlns="" id="{B00014DA-53E2-0F42-903C-2D620A71E892}"/>
+                <a16:creationId xmlns:a16="http://schemas.microsoft.com/office/drawing/2014/main" id="{B00014DA-53E2-0F42-903C-2D620A71E892}"/>
               </a:ext>
             </a:extLst>
           </p:cNvPr>
@@ -37800,7 +38310,7 @@
           <p:cNvPr id="6" name="テキスト ボックス 5">
             <a:extLst>
               <a:ext uri="{FF2B5EF4-FFF2-40B4-BE49-F238E27FC236}">
-                <a16:creationId xmlns:a16="http://schemas.microsoft.com/office/drawing/2014/main" xmlns="" id="{FCB5B88E-82F5-2448-8F32-D900873FC1EE}"/>
+                <a16:creationId xmlns:a16="http://schemas.microsoft.com/office/drawing/2014/main" id="{FCB5B88E-82F5-2448-8F32-D900873FC1EE}"/>
               </a:ext>
             </a:extLst>
           </p:cNvPr>
@@ -37873,7 +38383,7 @@
           <p:cNvPr id="4" name="テキスト ボックス 3">
             <a:extLst>
               <a:ext uri="{FF2B5EF4-FFF2-40B4-BE49-F238E27FC236}">
-                <a16:creationId xmlns:a16="http://schemas.microsoft.com/office/drawing/2014/main" xmlns="" id="{780EB33D-AB7A-644C-BF62-6411655FBFD6}"/>
+                <a16:creationId xmlns:a16="http://schemas.microsoft.com/office/drawing/2014/main" id="{780EB33D-AB7A-644C-BF62-6411655FBFD6}"/>
               </a:ext>
             </a:extLst>
           </p:cNvPr>
@@ -37912,7 +38422,7 @@
           <p:cNvPr id="14" name="テキスト ボックス 13">
             <a:extLst>
               <a:ext uri="{FF2B5EF4-FFF2-40B4-BE49-F238E27FC236}">
-                <a16:creationId xmlns:a16="http://schemas.microsoft.com/office/drawing/2014/main" xmlns="" id="{186D5112-4406-2745-9FC7-BA5D2AC864CA}"/>
+                <a16:creationId xmlns:a16="http://schemas.microsoft.com/office/drawing/2014/main" id="{186D5112-4406-2745-9FC7-BA5D2AC864CA}"/>
               </a:ext>
             </a:extLst>
           </p:cNvPr>
@@ -37950,7 +38460,7 @@
               <p:cNvPr id="15" name="テキスト ボックス 14">
                 <a:extLst>
                   <a:ext uri="{FF2B5EF4-FFF2-40B4-BE49-F238E27FC236}">
-                    <a16:creationId xmlns:a16="http://schemas.microsoft.com/office/drawing/2014/main" xmlns="" id="{D39E7EC6-8BD8-614A-B5C6-FFC3089DDA63}"/>
+                    <a16:creationId xmlns:a16="http://schemas.microsoft.com/office/drawing/2014/main" id="{D39E7EC6-8BD8-614A-B5C6-FFC3089DDA63}"/>
                   </a:ext>
                 </a:extLst>
               </p:cNvPr>
@@ -38128,7 +38638,7 @@
           <p:cNvPr id="16" name="テキスト ボックス 15">
             <a:extLst>
               <a:ext uri="{FF2B5EF4-FFF2-40B4-BE49-F238E27FC236}">
-                <a16:creationId xmlns:a16="http://schemas.microsoft.com/office/drawing/2014/main" xmlns="" id="{30A27E6E-466B-E947-9CD6-E82C3C1C3462}"/>
+                <a16:creationId xmlns:a16="http://schemas.microsoft.com/office/drawing/2014/main" id="{30A27E6E-466B-E947-9CD6-E82C3C1C3462}"/>
               </a:ext>
             </a:extLst>
           </p:cNvPr>
@@ -38171,7 +38681,7 @@
           <p:cNvPr id="9" name="テキスト ボックス 8">
             <a:extLst>
               <a:ext uri="{FF2B5EF4-FFF2-40B4-BE49-F238E27FC236}">
-                <a16:creationId xmlns:a16="http://schemas.microsoft.com/office/drawing/2014/main" xmlns="" id="{DD4FCE5E-C312-4246-9992-3199792FA9E6}"/>
+                <a16:creationId xmlns:a16="http://schemas.microsoft.com/office/drawing/2014/main" id="{DD4FCE5E-C312-4246-9992-3199792FA9E6}"/>
               </a:ext>
             </a:extLst>
           </p:cNvPr>
@@ -38214,7 +38724,7 @@
           <p:cNvPr id="17" name="右矢印 16">
             <a:extLst>
               <a:ext uri="{FF2B5EF4-FFF2-40B4-BE49-F238E27FC236}">
-                <a16:creationId xmlns:a16="http://schemas.microsoft.com/office/drawing/2014/main" xmlns="" id="{8B4FD6D1-43C4-8345-BD89-B6C5BFC73E82}"/>
+                <a16:creationId xmlns:a16="http://schemas.microsoft.com/office/drawing/2014/main" id="{8B4FD6D1-43C4-8345-BD89-B6C5BFC73E82}"/>
               </a:ext>
             </a:extLst>
           </p:cNvPr>
@@ -38275,7 +38785,7 @@
               <p:cNvPr id="18" name="テキスト ボックス 17">
                 <a:extLst>
                   <a:ext uri="{FF2B5EF4-FFF2-40B4-BE49-F238E27FC236}">
-                    <a16:creationId xmlns:a16="http://schemas.microsoft.com/office/drawing/2014/main" xmlns="" id="{6EF55459-0900-8043-BCED-8FCB635BC91F}"/>
+                    <a16:creationId xmlns:a16="http://schemas.microsoft.com/office/drawing/2014/main" id="{6EF55459-0900-8043-BCED-8FCB635BC91F}"/>
                   </a:ext>
                 </a:extLst>
               </p:cNvPr>
@@ -38391,7 +38901,7 @@
               <p:cNvPr id="19" name="テキスト ボックス 18">
                 <a:extLst>
                   <a:ext uri="{FF2B5EF4-FFF2-40B4-BE49-F238E27FC236}">
-                    <a16:creationId xmlns:a16="http://schemas.microsoft.com/office/drawing/2014/main" xmlns="" id="{1A44A723-E354-7341-9BE8-6709250EF689}"/>
+                    <a16:creationId xmlns:a16="http://schemas.microsoft.com/office/drawing/2014/main" id="{1A44A723-E354-7341-9BE8-6709250EF689}"/>
                   </a:ext>
                 </a:extLst>
               </p:cNvPr>
@@ -38507,7 +39017,7 @@
               <p:cNvPr id="2" name="テキスト ボックス 1">
                 <a:extLst>
                   <a:ext uri="{FF2B5EF4-FFF2-40B4-BE49-F238E27FC236}">
-                    <a16:creationId xmlns:a16="http://schemas.microsoft.com/office/drawing/2014/main" xmlns="" id="{8F0A0ED0-AAE9-4E42-9FBC-FA8B804E9322}"/>
+                    <a16:creationId xmlns:a16="http://schemas.microsoft.com/office/drawing/2014/main" id="{8F0A0ED0-AAE9-4E42-9FBC-FA8B804E9322}"/>
                   </a:ext>
                 </a:extLst>
               </p:cNvPr>
@@ -38554,7 +39064,7 @@
                         <m:funcPr>
                           <m:ctrlPr>
                             <a:rPr kumimoji="1" lang="en-US" altLang="ja-JP" b="0" i="1" smtClean="0">
-                              <a:latin typeface="Cambria Math" charset="0"/>
+                              <a:latin typeface="Cambria Math" panose="02040503050406030204" pitchFamily="18" charset="0"/>
                               <a:ea typeface="Cambria Math" panose="02040503050406030204" pitchFamily="18" charset="0"/>
                             </a:rPr>
                           </m:ctrlPr>
@@ -38576,7 +39086,7 @@
                             <m:dPr>
                               <m:ctrlPr>
                                 <a:rPr kumimoji="1" lang="en-US" altLang="ja-JP" b="0" i="1" smtClean="0">
-                                  <a:latin typeface="Cambria Math" charset="0"/>
+                                  <a:latin typeface="Cambria Math" panose="02040503050406030204" pitchFamily="18" charset="0"/>
                                   <a:ea typeface="Cambria Math" panose="02040503050406030204" pitchFamily="18" charset="0"/>
                                 </a:rPr>
                               </m:ctrlPr>
@@ -38587,7 +39097,7 @@
                                   <m:chr m:val="⃗"/>
                                   <m:ctrlPr>
                                     <a:rPr kumimoji="1" lang="en-US" altLang="ja-JP" b="0" i="1" smtClean="0">
-                                      <a:latin typeface="Cambria Math" charset="0"/>
+                                      <a:latin typeface="Cambria Math" panose="02040503050406030204" pitchFamily="18" charset="0"/>
                                       <a:ea typeface="Cambria Math" panose="02040503050406030204" pitchFamily="18" charset="0"/>
                                     </a:rPr>
                                   </m:ctrlPr>
@@ -38614,7 +39124,7 @@
                                   <m:chr m:val="⃗"/>
                                   <m:ctrlPr>
                                     <a:rPr lang="en-US" altLang="ja-JP" i="1">
-                                      <a:latin typeface="Cambria Math" charset="0"/>
+                                      <a:latin typeface="Cambria Math" panose="02040503050406030204" pitchFamily="18" charset="0"/>
                                       <a:ea typeface="Cambria Math" panose="02040503050406030204" pitchFamily="18" charset="0"/>
                                     </a:rPr>
                                   </m:ctrlPr>
@@ -38644,7 +39154,7 @@
                         <m:fPr>
                           <m:ctrlPr>
                             <a:rPr kumimoji="1" lang="en-US" altLang="ja-JP" b="0" i="1" smtClean="0">
-                              <a:latin typeface="Cambria Math" charset="0"/>
+                              <a:latin typeface="Cambria Math" panose="02040503050406030204" pitchFamily="18" charset="0"/>
                               <a:ea typeface="Cambria Math" panose="02040503050406030204" pitchFamily="18" charset="0"/>
                             </a:rPr>
                           </m:ctrlPr>
@@ -38655,7 +39165,7 @@
                               <m:chr m:val="⃗"/>
                               <m:ctrlPr>
                                 <a:rPr lang="en-US" altLang="ja-JP" i="1">
-                                  <a:latin typeface="Cambria Math" charset="0"/>
+                                  <a:latin typeface="Cambria Math" panose="02040503050406030204" pitchFamily="18" charset="0"/>
                                   <a:ea typeface="Cambria Math" panose="02040503050406030204" pitchFamily="18" charset="0"/>
                                 </a:rPr>
                               </m:ctrlPr>
@@ -38682,7 +39192,7 @@
                               <m:chr m:val="⃗"/>
                               <m:ctrlPr>
                                 <a:rPr lang="en-US" altLang="ja-JP" i="1">
-                                  <a:latin typeface="Cambria Math" charset="0"/>
+                                  <a:latin typeface="Cambria Math" panose="02040503050406030204" pitchFamily="18" charset="0"/>
                                   <a:ea typeface="Cambria Math" panose="02040503050406030204" pitchFamily="18" charset="0"/>
                                 </a:rPr>
                               </m:ctrlPr>
@@ -38705,7 +39215,7 @@
                               <m:endChr m:val="|"/>
                               <m:ctrlPr>
                                 <a:rPr kumimoji="1" lang="en-US" altLang="ja-JP" b="0" i="1" smtClean="0">
-                                  <a:latin typeface="Cambria Math" charset="0"/>
+                                  <a:latin typeface="Cambria Math" panose="02040503050406030204" pitchFamily="18" charset="0"/>
                                   <a:ea typeface="Cambria Math" panose="02040503050406030204" pitchFamily="18" charset="0"/>
                                 </a:rPr>
                               </m:ctrlPr>
@@ -38716,7 +39226,7 @@
                                   <m:chr m:val="⃗"/>
                                   <m:ctrlPr>
                                     <a:rPr lang="en-US" altLang="ja-JP" i="1">
-                                      <a:latin typeface="Cambria Math" charset="0"/>
+                                      <a:latin typeface="Cambria Math" panose="02040503050406030204" pitchFamily="18" charset="0"/>
                                       <a:ea typeface="Cambria Math" panose="02040503050406030204" pitchFamily="18" charset="0"/>
                                     </a:rPr>
                                   </m:ctrlPr>
@@ -38739,7 +39249,7 @@
                               <m:endChr m:val="|"/>
                               <m:ctrlPr>
                                 <a:rPr kumimoji="1" lang="en-US" altLang="ja-JP" b="0" i="1" smtClean="0">
-                                  <a:latin typeface="Cambria Math" charset="0"/>
+                                  <a:latin typeface="Cambria Math" panose="02040503050406030204" pitchFamily="18" charset="0"/>
                                   <a:ea typeface="Cambria Math" panose="02040503050406030204" pitchFamily="18" charset="0"/>
                                 </a:rPr>
                               </m:ctrlPr>
@@ -38750,7 +39260,7 @@
                                   <m:chr m:val="⃗"/>
                                   <m:ctrlPr>
                                     <a:rPr lang="en-US" altLang="ja-JP" i="1">
-                                      <a:latin typeface="Cambria Math" charset="0"/>
+                                      <a:latin typeface="Cambria Math" panose="02040503050406030204" pitchFamily="18" charset="0"/>
                                       <a:ea typeface="Cambria Math" panose="02040503050406030204" pitchFamily="18" charset="0"/>
                                     </a:rPr>
                                   </m:ctrlPr>
@@ -38830,7 +39340,7 @@
           <p:cNvPr id="3" name="テキスト ボックス 2">
             <a:extLst>
               <a:ext uri="{FF2B5EF4-FFF2-40B4-BE49-F238E27FC236}">
-                <a16:creationId xmlns:a16="http://schemas.microsoft.com/office/drawing/2014/main" xmlns="" id="{10B3F147-F31E-104C-8CAE-69B708BCF949}"/>
+                <a16:creationId xmlns:a16="http://schemas.microsoft.com/office/drawing/2014/main" id="{10B3F147-F31E-104C-8CAE-69B708BCF949}"/>
               </a:ext>
             </a:extLst>
           </p:cNvPr>
@@ -38875,7 +39385,7 @@
               <p:cNvPr id="21" name="テキスト ボックス 20">
                 <a:extLst>
                   <a:ext uri="{FF2B5EF4-FFF2-40B4-BE49-F238E27FC236}">
-                    <a16:creationId xmlns:a16="http://schemas.microsoft.com/office/drawing/2014/main" xmlns="" id="{F99362BA-5306-0943-ABB8-8655083A1858}"/>
+                    <a16:creationId xmlns:a16="http://schemas.microsoft.com/office/drawing/2014/main" id="{F99362BA-5306-0943-ABB8-8655083A1858}"/>
                   </a:ext>
                 </a:extLst>
               </p:cNvPr>
@@ -38991,7 +39501,7 @@
               <p:cNvPr id="8" name="テキスト ボックス 7">
                 <a:extLst>
                   <a:ext uri="{FF2B5EF4-FFF2-40B4-BE49-F238E27FC236}">
-                    <a16:creationId xmlns:a16="http://schemas.microsoft.com/office/drawing/2014/main" xmlns="" id="{C481A174-5C2C-0D42-87E4-729904C2BD7A}"/>
+                    <a16:creationId xmlns:a16="http://schemas.microsoft.com/office/drawing/2014/main" id="{C481A174-5C2C-0D42-87E4-729904C2BD7A}"/>
                   </a:ext>
                 </a:extLst>
               </p:cNvPr>
@@ -39025,7 +39535,7 @@
                         <m:funcPr>
                           <m:ctrlPr>
                             <a:rPr kumimoji="1" lang="en-US" altLang="ja-JP" b="0" i="1" smtClean="0">
-                              <a:latin typeface="Cambria Math" charset="0"/>
+                              <a:latin typeface="Cambria Math" panose="02040503050406030204" pitchFamily="18" charset="0"/>
                             </a:rPr>
                           </m:ctrlPr>
                         </m:funcPr>
@@ -39045,7 +39555,7 @@
                             <m:dPr>
                               <m:ctrlPr>
                                 <a:rPr kumimoji="1" lang="en-US" altLang="ja-JP" b="0" i="1" smtClean="0">
-                                  <a:latin typeface="Cambria Math" charset="0"/>
+                                  <a:latin typeface="Cambria Math" panose="02040503050406030204" pitchFamily="18" charset="0"/>
                                 </a:rPr>
                               </m:ctrlPr>
                             </m:dPr>
@@ -39156,7 +39666,7 @@
               <p:cNvPr id="22" name="テキスト ボックス 21">
                 <a:extLst>
                   <a:ext uri="{FF2B5EF4-FFF2-40B4-BE49-F238E27FC236}">
-                    <a16:creationId xmlns:a16="http://schemas.microsoft.com/office/drawing/2014/main" xmlns="" id="{EDD42A0F-823F-984E-9ACB-EB935A8E0EFE}"/>
+                    <a16:creationId xmlns:a16="http://schemas.microsoft.com/office/drawing/2014/main" id="{EDD42A0F-823F-984E-9ACB-EB935A8E0EFE}"/>
                   </a:ext>
                 </a:extLst>
               </p:cNvPr>
@@ -39190,7 +39700,7 @@
                         <m:funcPr>
                           <m:ctrlPr>
                             <a:rPr kumimoji="1" lang="en-US" altLang="ja-JP" b="0" i="1" smtClean="0">
-                              <a:latin typeface="Cambria Math" charset="0"/>
+                              <a:latin typeface="Cambria Math" panose="02040503050406030204" pitchFamily="18" charset="0"/>
                             </a:rPr>
                           </m:ctrlPr>
                         </m:funcPr>
@@ -39210,7 +39720,7 @@
                             <m:dPr>
                               <m:ctrlPr>
                                 <a:rPr kumimoji="1" lang="en-US" altLang="ja-JP" b="0" i="1" smtClean="0">
-                                  <a:latin typeface="Cambria Math" charset="0"/>
+                                  <a:latin typeface="Cambria Math" panose="02040503050406030204" pitchFamily="18" charset="0"/>
                                 </a:rPr>
                               </m:ctrlPr>
                             </m:dPr>
@@ -39321,7 +39831,7 @@
               <p:cNvPr id="23" name="テキスト ボックス 22">
                 <a:extLst>
                   <a:ext uri="{FF2B5EF4-FFF2-40B4-BE49-F238E27FC236}">
-                    <a16:creationId xmlns:a16="http://schemas.microsoft.com/office/drawing/2014/main" xmlns="" id="{9E68CF43-5288-2541-BA6D-413158E9B040}"/>
+                    <a16:creationId xmlns:a16="http://schemas.microsoft.com/office/drawing/2014/main" id="{9E68CF43-5288-2541-BA6D-413158E9B040}"/>
                   </a:ext>
                 </a:extLst>
               </p:cNvPr>
@@ -39355,7 +39865,7 @@
                         <m:funcPr>
                           <m:ctrlPr>
                             <a:rPr kumimoji="1" lang="en-US" altLang="ja-JP" b="0" i="1" smtClean="0">
-                              <a:latin typeface="Cambria Math" charset="0"/>
+                              <a:latin typeface="Cambria Math" panose="02040503050406030204" pitchFamily="18" charset="0"/>
                             </a:rPr>
                           </m:ctrlPr>
                         </m:funcPr>
@@ -39375,7 +39885,7 @@
                             <m:dPr>
                               <m:ctrlPr>
                                 <a:rPr kumimoji="1" lang="en-US" altLang="ja-JP" b="0" i="1" smtClean="0">
-                                  <a:latin typeface="Cambria Math" charset="0"/>
+                                  <a:latin typeface="Cambria Math" panose="02040503050406030204" pitchFamily="18" charset="0"/>
                                 </a:rPr>
                               </m:ctrlPr>
                             </m:dPr>
